--- a/T-SQL Code analysis.pptx
+++ b/T-SQL Code analysis.pptx
@@ -6,18 +6,20 @@
   </p:sldMasterIdLst>
   <p:sldIdLst>
     <p:sldId id="260" r:id="rId2"/>
-    <p:sldId id="261" r:id="rId3"/>
-    <p:sldId id="264" r:id="rId4"/>
-    <p:sldId id="258" r:id="rId5"/>
-    <p:sldId id="265" r:id="rId6"/>
-    <p:sldId id="257" r:id="rId7"/>
-    <p:sldId id="266" r:id="rId8"/>
-    <p:sldId id="256" r:id="rId9"/>
-    <p:sldId id="267" r:id="rId10"/>
-    <p:sldId id="263" r:id="rId11"/>
-    <p:sldId id="280" r:id="rId12"/>
-    <p:sldId id="275" r:id="rId13"/>
-    <p:sldId id="279" r:id="rId14"/>
+    <p:sldId id="282" r:id="rId3"/>
+    <p:sldId id="281" r:id="rId4"/>
+    <p:sldId id="263" r:id="rId5"/>
+    <p:sldId id="280" r:id="rId6"/>
+    <p:sldId id="264" r:id="rId7"/>
+    <p:sldId id="257" r:id="rId8"/>
+    <p:sldId id="284" r:id="rId9"/>
+    <p:sldId id="283" r:id="rId10"/>
+    <p:sldId id="279" r:id="rId11"/>
+    <p:sldId id="266" r:id="rId12"/>
+    <p:sldId id="256" r:id="rId13"/>
+    <p:sldId id="258" r:id="rId14"/>
+    <p:sldId id="267" r:id="rId15"/>
+    <p:sldId id="275" r:id="rId16"/>
   </p:sldIdLst>
   <p:sldSz cx="12192000" cy="6858000"/>
   <p:notesSz cx="6858000" cy="9144000"/>
@@ -3207,6 +3209,17 @@
             <a:rPr lang="da-DK" dirty="0" err="1"/>
             <a:t>Build</a:t>
           </a:r>
+          <a:r>
+            <a:rPr lang="da-DK" dirty="0"/>
+            <a:t> &amp; </a:t>
+          </a:r>
+          <a:br>
+            <a:rPr lang="da-DK" dirty="0"/>
+          </a:br>
+          <a:r>
+            <a:rPr lang="da-DK" dirty="0" err="1"/>
+            <a:t>Analyze</a:t>
+          </a:r>
           <a:endParaRPr lang="da-DK" dirty="0"/>
         </a:p>
       </dgm:t>
@@ -3539,6 +3552,17 @@
           <a:r>
             <a:rPr lang="da-DK" dirty="0" err="1"/>
             <a:t>Build</a:t>
+          </a:r>
+          <a:r>
+            <a:rPr lang="da-DK" dirty="0"/>
+            <a:t> &amp;</a:t>
+          </a:r>
+          <a:br>
+            <a:rPr lang="da-DK" dirty="0"/>
+          </a:br>
+          <a:r>
+            <a:rPr lang="da-DK" dirty="0" err="1"/>
+            <a:t>Analyze</a:t>
           </a:r>
           <a:endParaRPr lang="da-DK" dirty="0"/>
         </a:p>
@@ -4547,6 +4571,17 @@
             <a:rPr lang="da-DK" sz="1800" kern="1200" dirty="0" err="1"/>
             <a:t>Build</a:t>
           </a:r>
+          <a:r>
+            <a:rPr lang="da-DK" sz="1800" kern="1200" dirty="0"/>
+            <a:t> &amp; </a:t>
+          </a:r>
+          <a:br>
+            <a:rPr lang="da-DK" sz="1800" kern="1200" dirty="0"/>
+          </a:br>
+          <a:r>
+            <a:rPr lang="da-DK" sz="1800" kern="1200" dirty="0" err="1"/>
+            <a:t>Analyze</a:t>
+          </a:r>
           <a:endParaRPr lang="da-DK" sz="1800" kern="1200" dirty="0"/>
         </a:p>
       </dsp:txBody>
@@ -5254,6 +5289,17 @@
           <a:r>
             <a:rPr lang="da-DK" sz="1800" kern="1200" dirty="0" err="1"/>
             <a:t>Build</a:t>
+          </a:r>
+          <a:r>
+            <a:rPr lang="da-DK" sz="1800" kern="1200" dirty="0"/>
+            <a:t> &amp;</a:t>
+          </a:r>
+          <a:br>
+            <a:rPr lang="da-DK" sz="1800" kern="1200" dirty="0"/>
+          </a:br>
+          <a:r>
+            <a:rPr lang="da-DK" sz="1800" kern="1200" dirty="0" err="1"/>
+            <a:t>Analyze</a:t>
           </a:r>
           <a:endParaRPr lang="da-DK" sz="1800" kern="1200" dirty="0"/>
         </a:p>
@@ -9968,7 +10014,7 @@
           <a:p>
             <a:fld id="{100FD589-5CEC-4C5D-B34D-E6C06527026F}" type="datetimeFigureOut">
               <a:rPr lang="da-DK" smtClean="0"/>
-              <a:t>11-12-2024</a:t>
+              <a:t>25-01-2025</a:t>
             </a:fld>
             <a:endParaRPr lang="da-DK"/>
           </a:p>
@@ -10168,7 +10214,7 @@
           <a:p>
             <a:fld id="{100FD589-5CEC-4C5D-B34D-E6C06527026F}" type="datetimeFigureOut">
               <a:rPr lang="da-DK" smtClean="0"/>
-              <a:t>11-12-2024</a:t>
+              <a:t>25-01-2025</a:t>
             </a:fld>
             <a:endParaRPr lang="da-DK"/>
           </a:p>
@@ -10378,7 +10424,7 @@
           <a:p>
             <a:fld id="{100FD589-5CEC-4C5D-B34D-E6C06527026F}" type="datetimeFigureOut">
               <a:rPr lang="da-DK" smtClean="0"/>
-              <a:t>11-12-2024</a:t>
+              <a:t>25-01-2025</a:t>
             </a:fld>
             <a:endParaRPr lang="da-DK"/>
           </a:p>
@@ -10578,7 +10624,7 @@
           <a:p>
             <a:fld id="{100FD589-5CEC-4C5D-B34D-E6C06527026F}" type="datetimeFigureOut">
               <a:rPr lang="da-DK" smtClean="0"/>
-              <a:t>11-12-2024</a:t>
+              <a:t>25-01-2025</a:t>
             </a:fld>
             <a:endParaRPr lang="da-DK"/>
           </a:p>
@@ -10854,7 +10900,7 @@
           <a:p>
             <a:fld id="{100FD589-5CEC-4C5D-B34D-E6C06527026F}" type="datetimeFigureOut">
               <a:rPr lang="da-DK" smtClean="0"/>
-              <a:t>11-12-2024</a:t>
+              <a:t>25-01-2025</a:t>
             </a:fld>
             <a:endParaRPr lang="da-DK"/>
           </a:p>
@@ -11122,7 +11168,7 @@
           <a:p>
             <a:fld id="{100FD589-5CEC-4C5D-B34D-E6C06527026F}" type="datetimeFigureOut">
               <a:rPr lang="da-DK" smtClean="0"/>
-              <a:t>11-12-2024</a:t>
+              <a:t>25-01-2025</a:t>
             </a:fld>
             <a:endParaRPr lang="da-DK"/>
           </a:p>
@@ -11537,7 +11583,7 @@
           <a:p>
             <a:fld id="{100FD589-5CEC-4C5D-B34D-E6C06527026F}" type="datetimeFigureOut">
               <a:rPr lang="da-DK" smtClean="0"/>
-              <a:t>11-12-2024</a:t>
+              <a:t>25-01-2025</a:t>
             </a:fld>
             <a:endParaRPr lang="da-DK"/>
           </a:p>
@@ -11679,7 +11725,7 @@
           <a:p>
             <a:fld id="{100FD589-5CEC-4C5D-B34D-E6C06527026F}" type="datetimeFigureOut">
               <a:rPr lang="da-DK" smtClean="0"/>
-              <a:t>11-12-2024</a:t>
+              <a:t>25-01-2025</a:t>
             </a:fld>
             <a:endParaRPr lang="da-DK"/>
           </a:p>
@@ -11792,7 +11838,7 @@
           <a:p>
             <a:fld id="{100FD589-5CEC-4C5D-B34D-E6C06527026F}" type="datetimeFigureOut">
               <a:rPr lang="da-DK" smtClean="0"/>
-              <a:t>11-12-2024</a:t>
+              <a:t>25-01-2025</a:t>
             </a:fld>
             <a:endParaRPr lang="da-DK"/>
           </a:p>
@@ -12105,7 +12151,7 @@
           <a:p>
             <a:fld id="{100FD589-5CEC-4C5D-B34D-E6C06527026F}" type="datetimeFigureOut">
               <a:rPr lang="da-DK" smtClean="0"/>
-              <a:t>11-12-2024</a:t>
+              <a:t>25-01-2025</a:t>
             </a:fld>
             <a:endParaRPr lang="da-DK"/>
           </a:p>
@@ -12394,7 +12440,7 @@
           <a:p>
             <a:fld id="{100FD589-5CEC-4C5D-B34D-E6C06527026F}" type="datetimeFigureOut">
               <a:rPr lang="da-DK" smtClean="0"/>
-              <a:t>11-12-2024</a:t>
+              <a:t>25-01-2025</a:t>
             </a:fld>
             <a:endParaRPr lang="da-DK"/>
           </a:p>
@@ -12637,7 +12683,7 @@
           <a:p>
             <a:fld id="{100FD589-5CEC-4C5D-B34D-E6C06527026F}" type="datetimeFigureOut">
               <a:rPr lang="da-DK" smtClean="0"/>
-              <a:t>11-12-2024</a:t>
+              <a:t>25-01-2025</a:t>
             </a:fld>
             <a:endParaRPr lang="da-DK"/>
           </a:p>
@@ -13078,40 +13124,20 @@
           <a:lstStyle/>
           <a:p>
             <a:r>
+              <a:rPr lang="da-DK" dirty="0" err="1"/>
+              <a:t>Modern</a:t>
+            </a:r>
+            <a:r>
               <a:rPr lang="da-DK" dirty="0"/>
-              <a:t>Code </a:t>
+              <a:t> .NET </a:t>
             </a:r>
             <a:r>
               <a:rPr lang="da-DK" dirty="0" err="1"/>
-              <a:t>analyze</a:t>
+              <a:t>development</a:t>
             </a:r>
             <a:r>
               <a:rPr lang="da-DK" dirty="0"/>
-              <a:t> </a:t>
-            </a:r>
-            <a:r>
-              <a:rPr lang="da-DK" dirty="0" err="1"/>
-              <a:t>my</a:t>
-            </a:r>
-            <a:r>
-              <a:rPr lang="da-DK" dirty="0"/>
-              <a:t> SQL </a:t>
-            </a:r>
-            <a:r>
-              <a:rPr lang="da-DK" dirty="0" err="1"/>
-              <a:t>code</a:t>
-            </a:r>
-            <a:r>
-              <a:rPr lang="da-DK" dirty="0"/>
-              <a:t> and </a:t>
-            </a:r>
-            <a:r>
-              <a:rPr lang="da-DK" dirty="0" err="1"/>
-              <a:t>schema</a:t>
-            </a:r>
-            <a:r>
-              <a:rPr lang="da-DK" dirty="0"/>
-              <a:t> with .NET</a:t>
+              <a:t> with SQL Server</a:t>
             </a:r>
           </a:p>
         </p:txBody>
@@ -13158,564 +13184,6 @@
 </file>
 
 <file path=ppt/slides/slide10.xml><?xml version="1.0" encoding="utf-8"?>
-<p:sld xmlns:a="http://schemas.openxmlformats.org/drawingml/2006/main" xmlns:r="http://schemas.openxmlformats.org/officeDocument/2006/relationships" xmlns:p="http://schemas.openxmlformats.org/presentationml/2006/main">
-  <p:cSld>
-    <p:spTree>
-      <p:nvGrpSpPr>
-        <p:cNvPr id="1" name=""/>
-        <p:cNvGrpSpPr/>
-        <p:nvPr/>
-      </p:nvGrpSpPr>
-      <p:grpSpPr>
-        <a:xfrm>
-          <a:off x="0" y="0"/>
-          <a:ext cx="0" cy="0"/>
-          <a:chOff x="0" y="0"/>
-          <a:chExt cx="0" cy="0"/>
-        </a:xfrm>
-      </p:grpSpPr>
-      <p:sp>
-        <p:nvSpPr>
-          <p:cNvPr id="2" name="Title 1">
-            <a:extLst>
-              <a:ext uri="{FF2B5EF4-FFF2-40B4-BE49-F238E27FC236}">
-                <a16:creationId xmlns:a16="http://schemas.microsoft.com/office/drawing/2014/main" id="{B0D5BB5B-7FFA-DB8B-F802-03B5D520D180}"/>
-              </a:ext>
-            </a:extLst>
-          </p:cNvPr>
-          <p:cNvSpPr>
-            <a:spLocks noGrp="1"/>
-          </p:cNvSpPr>
-          <p:nvPr>
-            <p:ph type="title"/>
-          </p:nvPr>
-        </p:nvSpPr>
-        <p:spPr/>
-        <p:txBody>
-          <a:bodyPr/>
-          <a:lstStyle/>
-          <a:p>
-            <a:r>
-              <a:rPr lang="da-DK" dirty="0" err="1"/>
-              <a:t>Process</a:t>
-            </a:r>
-            <a:endParaRPr lang="da-DK" dirty="0"/>
-          </a:p>
-        </p:txBody>
-      </p:sp>
-      <p:graphicFrame>
-        <p:nvGraphicFramePr>
-          <p:cNvPr id="4" name="Content Placeholder 3">
-            <a:extLst>
-              <a:ext uri="{FF2B5EF4-FFF2-40B4-BE49-F238E27FC236}">
-                <a16:creationId xmlns:a16="http://schemas.microsoft.com/office/drawing/2014/main" id="{14C458CB-FE86-0722-5465-2135D8B24067}"/>
-              </a:ext>
-            </a:extLst>
-          </p:cNvPr>
-          <p:cNvGraphicFramePr>
-            <a:graphicFrameLocks noGrp="1"/>
-          </p:cNvGraphicFramePr>
-          <p:nvPr>
-            <p:ph idx="1"/>
-            <p:extLst>
-              <p:ext uri="{D42A27DB-BD31-4B8C-83A1-F6EECF244321}">
-                <p14:modId xmlns:p14="http://schemas.microsoft.com/office/powerpoint/2010/main" val="2248799468"/>
-              </p:ext>
-            </p:extLst>
-          </p:nvPr>
-        </p:nvGraphicFramePr>
-        <p:xfrm>
-          <a:off x="838200" y="1825625"/>
-          <a:ext cx="10515600" cy="4351338"/>
-        </p:xfrm>
-        <a:graphic>
-          <a:graphicData uri="http://schemas.openxmlformats.org/drawingml/2006/diagram">
-            <dgm:relIds xmlns:dgm="http://schemas.openxmlformats.org/drawingml/2006/diagram" xmlns:r="http://schemas.openxmlformats.org/officeDocument/2006/relationships" r:dm="rId2" r:lo="rId3" r:qs="rId4" r:cs="rId5"/>
-          </a:graphicData>
-        </a:graphic>
-      </p:graphicFrame>
-    </p:spTree>
-    <p:extLst>
-      <p:ext uri="{BB962C8B-B14F-4D97-AF65-F5344CB8AC3E}">
-        <p14:creationId xmlns:p14="http://schemas.microsoft.com/office/powerpoint/2010/main" val="4018992247"/>
-      </p:ext>
-    </p:extLst>
-  </p:cSld>
-  <p:clrMapOvr>
-    <a:masterClrMapping/>
-  </p:clrMapOvr>
-</p:sld>
-</file>
-
-<file path=ppt/slides/slide11.xml><?xml version="1.0" encoding="utf-8"?>
-<p:sld xmlns:a="http://schemas.openxmlformats.org/drawingml/2006/main" xmlns:r="http://schemas.openxmlformats.org/officeDocument/2006/relationships" xmlns:p="http://schemas.openxmlformats.org/presentationml/2006/main">
-  <p:cSld>
-    <p:spTree>
-      <p:nvGrpSpPr>
-        <p:cNvPr id="1" name=""/>
-        <p:cNvGrpSpPr/>
-        <p:nvPr/>
-      </p:nvGrpSpPr>
-      <p:grpSpPr>
-        <a:xfrm>
-          <a:off x="0" y="0"/>
-          <a:ext cx="0" cy="0"/>
-          <a:chOff x="0" y="0"/>
-          <a:chExt cx="0" cy="0"/>
-        </a:xfrm>
-      </p:grpSpPr>
-      <p:sp>
-        <p:nvSpPr>
-          <p:cNvPr id="2" name="Title 1">
-            <a:extLst>
-              <a:ext uri="{FF2B5EF4-FFF2-40B4-BE49-F238E27FC236}">
-                <a16:creationId xmlns:a16="http://schemas.microsoft.com/office/drawing/2014/main" id="{B0D5BB5B-7FFA-DB8B-F802-03B5D520D180}"/>
-              </a:ext>
-            </a:extLst>
-          </p:cNvPr>
-          <p:cNvSpPr>
-            <a:spLocks noGrp="1"/>
-          </p:cNvSpPr>
-          <p:nvPr>
-            <p:ph type="title"/>
-          </p:nvPr>
-        </p:nvSpPr>
-        <p:spPr/>
-        <p:txBody>
-          <a:bodyPr/>
-          <a:lstStyle/>
-          <a:p>
-            <a:r>
-              <a:rPr lang="da-DK" dirty="0" err="1"/>
-              <a:t>Tooling</a:t>
-            </a:r>
-            <a:endParaRPr lang="da-DK" dirty="0"/>
-          </a:p>
-        </p:txBody>
-      </p:sp>
-      <p:graphicFrame>
-        <p:nvGraphicFramePr>
-          <p:cNvPr id="4" name="Content Placeholder 3">
-            <a:extLst>
-              <a:ext uri="{FF2B5EF4-FFF2-40B4-BE49-F238E27FC236}">
-                <a16:creationId xmlns:a16="http://schemas.microsoft.com/office/drawing/2014/main" id="{14C458CB-FE86-0722-5465-2135D8B24067}"/>
-              </a:ext>
-            </a:extLst>
-          </p:cNvPr>
-          <p:cNvGraphicFramePr>
-            <a:graphicFrameLocks noGrp="1"/>
-          </p:cNvGraphicFramePr>
-          <p:nvPr>
-            <p:ph idx="1"/>
-            <p:extLst>
-              <p:ext uri="{D42A27DB-BD31-4B8C-83A1-F6EECF244321}">
-                <p14:modId xmlns:p14="http://schemas.microsoft.com/office/powerpoint/2010/main" val="457926106"/>
-              </p:ext>
-            </p:extLst>
-          </p:nvPr>
-        </p:nvGraphicFramePr>
-        <p:xfrm>
-          <a:off x="838200" y="1825625"/>
-          <a:ext cx="10515600" cy="4351338"/>
-        </p:xfrm>
-        <a:graphic>
-          <a:graphicData uri="http://schemas.openxmlformats.org/drawingml/2006/diagram">
-            <dgm:relIds xmlns:dgm="http://schemas.openxmlformats.org/drawingml/2006/diagram" xmlns:r="http://schemas.openxmlformats.org/officeDocument/2006/relationships" r:dm="rId2" r:lo="rId3" r:qs="rId4" r:cs="rId5"/>
-          </a:graphicData>
-        </a:graphic>
-      </p:graphicFrame>
-      <p:sp>
-        <p:nvSpPr>
-          <p:cNvPr id="3" name="TextBox 2">
-            <a:extLst>
-              <a:ext uri="{FF2B5EF4-FFF2-40B4-BE49-F238E27FC236}">
-                <a16:creationId xmlns:a16="http://schemas.microsoft.com/office/drawing/2014/main" id="{D0002042-9439-C760-352C-9B1314C5F520}"/>
-              </a:ext>
-            </a:extLst>
-          </p:cNvPr>
-          <p:cNvSpPr txBox="1"/>
-          <p:nvPr/>
-        </p:nvSpPr>
-        <p:spPr>
-          <a:xfrm>
-            <a:off x="1297858" y="4739147"/>
-            <a:ext cx="2438400" cy="1200329"/>
-          </a:xfrm>
-          <a:prstGeom prst="rect">
-            <a:avLst/>
-          </a:prstGeom>
-          <a:noFill/>
-        </p:spPr>
-        <p:txBody>
-          <a:bodyPr wrap="square" rtlCol="0">
-            <a:spAutoFit/>
-          </a:bodyPr>
-          <a:lstStyle/>
-          <a:p>
-            <a:r>
-              <a:rPr lang="da-DK" dirty="0"/>
-              <a:t>Visual Studio</a:t>
-            </a:r>
-          </a:p>
-          <a:p>
-            <a:r>
-              <a:rPr lang="da-DK" dirty="0"/>
-              <a:t>VS Code</a:t>
-            </a:r>
-          </a:p>
-          <a:p>
-            <a:r>
-              <a:rPr lang="da-DK" dirty="0" err="1"/>
-              <a:t>sqlpackage</a:t>
-            </a:r>
-            <a:r>
-              <a:rPr lang="da-DK" dirty="0"/>
-              <a:t> </a:t>
-            </a:r>
-            <a:r>
-              <a:rPr lang="da-DK" dirty="0" err="1"/>
-              <a:t>extract</a:t>
-            </a:r>
-            <a:endParaRPr lang="da-DK" dirty="0"/>
-          </a:p>
-          <a:p>
-            <a:r>
-              <a:rPr lang="da-DK" dirty="0" err="1"/>
-              <a:t>dotnet</a:t>
-            </a:r>
-            <a:r>
-              <a:rPr lang="da-DK" dirty="0"/>
-              <a:t> new</a:t>
-            </a:r>
-          </a:p>
-        </p:txBody>
-      </p:sp>
-      <p:sp>
-        <p:nvSpPr>
-          <p:cNvPr id="5" name="TextBox 4">
-            <a:extLst>
-              <a:ext uri="{FF2B5EF4-FFF2-40B4-BE49-F238E27FC236}">
-                <a16:creationId xmlns:a16="http://schemas.microsoft.com/office/drawing/2014/main" id="{F736263C-7EC6-28BD-BD25-C6CFCC5126F2}"/>
-              </a:ext>
-            </a:extLst>
-          </p:cNvPr>
-          <p:cNvSpPr txBox="1"/>
-          <p:nvPr/>
-        </p:nvSpPr>
-        <p:spPr>
-          <a:xfrm>
-            <a:off x="5287302" y="4891547"/>
-            <a:ext cx="1600200" cy="923330"/>
-          </a:xfrm>
-          <a:prstGeom prst="rect">
-            <a:avLst/>
-          </a:prstGeom>
-          <a:noFill/>
-        </p:spPr>
-        <p:txBody>
-          <a:bodyPr wrap="square" rtlCol="0">
-            <a:spAutoFit/>
-          </a:bodyPr>
-          <a:lstStyle/>
-          <a:p>
-            <a:r>
-              <a:rPr lang="da-DK" dirty="0" err="1"/>
-              <a:t>MSBuild</a:t>
-            </a:r>
-            <a:endParaRPr lang="da-DK" dirty="0"/>
-          </a:p>
-          <a:p>
-            <a:r>
-              <a:rPr lang="da-DK" dirty="0" err="1"/>
-              <a:t>dotnet</a:t>
-            </a:r>
-            <a:r>
-              <a:rPr lang="da-DK" dirty="0"/>
-              <a:t> </a:t>
-            </a:r>
-            <a:r>
-              <a:rPr lang="da-DK" dirty="0" err="1"/>
-              <a:t>build</a:t>
-            </a:r>
-            <a:endParaRPr lang="da-DK" dirty="0"/>
-          </a:p>
-          <a:p>
-            <a:r>
-              <a:rPr lang="da-DK" dirty="0" err="1"/>
-              <a:t>dotnet</a:t>
-            </a:r>
-            <a:r>
-              <a:rPr lang="da-DK" dirty="0"/>
-              <a:t> </a:t>
-            </a:r>
-            <a:r>
-              <a:rPr lang="da-DK" dirty="0" err="1"/>
-              <a:t>pack</a:t>
-            </a:r>
-            <a:endParaRPr lang="da-DK" dirty="0"/>
-          </a:p>
-        </p:txBody>
-      </p:sp>
-      <p:sp>
-        <p:nvSpPr>
-          <p:cNvPr id="6" name="TextBox 5">
-            <a:extLst>
-              <a:ext uri="{FF2B5EF4-FFF2-40B4-BE49-F238E27FC236}">
-                <a16:creationId xmlns:a16="http://schemas.microsoft.com/office/drawing/2014/main" id="{58694100-CEF9-DF56-F98E-6A48126062C4}"/>
-              </a:ext>
-            </a:extLst>
-          </p:cNvPr>
-          <p:cNvSpPr txBox="1"/>
-          <p:nvPr/>
-        </p:nvSpPr>
-        <p:spPr>
-          <a:xfrm>
-            <a:off x="8681885" y="4798139"/>
-            <a:ext cx="2723556" cy="923330"/>
-          </a:xfrm>
-          <a:prstGeom prst="rect">
-            <a:avLst/>
-          </a:prstGeom>
-          <a:noFill/>
-        </p:spPr>
-        <p:txBody>
-          <a:bodyPr wrap="square" rtlCol="0">
-            <a:spAutoFit/>
-          </a:bodyPr>
-          <a:lstStyle/>
-          <a:p>
-            <a:r>
-              <a:rPr lang="da-DK" dirty="0" err="1"/>
-              <a:t>Azure</a:t>
-            </a:r>
-            <a:r>
-              <a:rPr lang="da-DK" dirty="0"/>
-              <a:t> </a:t>
-            </a:r>
-            <a:r>
-              <a:rPr lang="da-DK" dirty="0" err="1"/>
-              <a:t>DevOps</a:t>
-            </a:r>
-            <a:r>
-              <a:rPr lang="da-DK" dirty="0"/>
-              <a:t> pipelines</a:t>
-            </a:r>
-          </a:p>
-          <a:p>
-            <a:r>
-              <a:rPr lang="da-DK" dirty="0"/>
-              <a:t>GitHub actions</a:t>
-            </a:r>
-          </a:p>
-          <a:p>
-            <a:r>
-              <a:rPr lang="da-DK" dirty="0" err="1"/>
-              <a:t>sqlpackage</a:t>
-            </a:r>
-            <a:r>
-              <a:rPr lang="da-DK" dirty="0"/>
-              <a:t> </a:t>
-            </a:r>
-            <a:r>
-              <a:rPr lang="da-DK" dirty="0" err="1"/>
-              <a:t>publish</a:t>
-            </a:r>
-            <a:endParaRPr lang="da-DK" dirty="0"/>
-          </a:p>
-        </p:txBody>
-      </p:sp>
-    </p:spTree>
-    <p:extLst>
-      <p:ext uri="{BB962C8B-B14F-4D97-AF65-F5344CB8AC3E}">
-        <p14:creationId xmlns:p14="http://schemas.microsoft.com/office/powerpoint/2010/main" val="1421945649"/>
-      </p:ext>
-    </p:extLst>
-  </p:cSld>
-  <p:clrMapOvr>
-    <a:masterClrMapping/>
-  </p:clrMapOvr>
-</p:sld>
-</file>
-
-<file path=ppt/slides/slide12.xml><?xml version="1.0" encoding="utf-8"?>
-<p:sld xmlns:a="http://schemas.openxmlformats.org/drawingml/2006/main" xmlns:r="http://schemas.openxmlformats.org/officeDocument/2006/relationships" xmlns:p="http://schemas.openxmlformats.org/presentationml/2006/main">
-  <p:cSld>
-    <p:spTree>
-      <p:nvGrpSpPr>
-        <p:cNvPr id="1" name=""/>
-        <p:cNvGrpSpPr/>
-        <p:nvPr/>
-      </p:nvGrpSpPr>
-      <p:grpSpPr>
-        <a:xfrm>
-          <a:off x="0" y="0"/>
-          <a:ext cx="0" cy="0"/>
-          <a:chOff x="0" y="0"/>
-          <a:chExt cx="0" cy="0"/>
-        </a:xfrm>
-      </p:grpSpPr>
-      <p:sp>
-        <p:nvSpPr>
-          <p:cNvPr id="2" name="Title 1">
-            <a:extLst>
-              <a:ext uri="{FF2B5EF4-FFF2-40B4-BE49-F238E27FC236}">
-                <a16:creationId xmlns:a16="http://schemas.microsoft.com/office/drawing/2014/main" id="{B0D5BB5B-7FFA-DB8B-F802-03B5D520D180}"/>
-              </a:ext>
-            </a:extLst>
-          </p:cNvPr>
-          <p:cNvSpPr>
-            <a:spLocks noGrp="1"/>
-          </p:cNvSpPr>
-          <p:nvPr>
-            <p:ph type="title"/>
-          </p:nvPr>
-        </p:nvSpPr>
-        <p:spPr/>
-        <p:txBody>
-          <a:bodyPr/>
-          <a:lstStyle/>
-          <a:p>
-            <a:r>
-              <a:rPr lang="da-DK" dirty="0" err="1"/>
-              <a:t>Process</a:t>
-            </a:r>
-            <a:endParaRPr lang="da-DK" dirty="0"/>
-          </a:p>
-        </p:txBody>
-      </p:sp>
-      <p:graphicFrame>
-        <p:nvGraphicFramePr>
-          <p:cNvPr id="4" name="Content Placeholder 3">
-            <a:extLst>
-              <a:ext uri="{FF2B5EF4-FFF2-40B4-BE49-F238E27FC236}">
-                <a16:creationId xmlns:a16="http://schemas.microsoft.com/office/drawing/2014/main" id="{14C458CB-FE86-0722-5465-2135D8B24067}"/>
-              </a:ext>
-            </a:extLst>
-          </p:cNvPr>
-          <p:cNvGraphicFramePr>
-            <a:graphicFrameLocks noGrp="1"/>
-          </p:cNvGraphicFramePr>
-          <p:nvPr>
-            <p:ph idx="1"/>
-          </p:nvPr>
-        </p:nvGraphicFramePr>
-        <p:xfrm>
-          <a:off x="838200" y="1825625"/>
-          <a:ext cx="10515600" cy="4351338"/>
-        </p:xfrm>
-        <a:graphic>
-          <a:graphicData uri="http://schemas.openxmlformats.org/drawingml/2006/diagram">
-            <dgm:relIds xmlns:dgm="http://schemas.openxmlformats.org/drawingml/2006/diagram" xmlns:r="http://schemas.openxmlformats.org/officeDocument/2006/relationships" r:dm="rId2" r:lo="rId3" r:qs="rId4" r:cs="rId5"/>
-          </a:graphicData>
-        </a:graphic>
-      </p:graphicFrame>
-      <p:sp>
-        <p:nvSpPr>
-          <p:cNvPr id="3" name="Arrow: Down 2">
-            <a:extLst>
-              <a:ext uri="{FF2B5EF4-FFF2-40B4-BE49-F238E27FC236}">
-                <a16:creationId xmlns:a16="http://schemas.microsoft.com/office/drawing/2014/main" id="{41A997FB-CF39-A7D3-CBE9-49B7A0E95D4B}"/>
-              </a:ext>
-            </a:extLst>
-          </p:cNvPr>
-          <p:cNvSpPr/>
-          <p:nvPr/>
-        </p:nvSpPr>
-        <p:spPr>
-          <a:xfrm>
-            <a:off x="8072581" y="2161309"/>
-            <a:ext cx="484632" cy="978408"/>
-          </a:xfrm>
-          <a:prstGeom prst="downArrow">
-            <a:avLst/>
-          </a:prstGeom>
-        </p:spPr>
-        <p:style>
-          <a:lnRef idx="2">
-            <a:schemeClr val="accent1">
-              <a:shade val="50000"/>
-            </a:schemeClr>
-          </a:lnRef>
-          <a:fillRef idx="1">
-            <a:schemeClr val="accent1"/>
-          </a:fillRef>
-          <a:effectRef idx="0">
-            <a:schemeClr val="accent1"/>
-          </a:effectRef>
-          <a:fontRef idx="minor">
-            <a:schemeClr val="lt1"/>
-          </a:fontRef>
-        </p:style>
-        <p:txBody>
-          <a:bodyPr rtlCol="0" anchor="ctr"/>
-          <a:lstStyle/>
-          <a:p>
-            <a:pPr algn="ctr"/>
-            <a:endParaRPr lang="da-DK"/>
-          </a:p>
-        </p:txBody>
-      </p:sp>
-      <p:pic>
-        <p:nvPicPr>
-          <p:cNvPr id="1026" name="Picture 2" descr="Microscope Cartoon Vector Icon Illustration - Microscope - Sticker |  TeePublic">
-            <a:extLst>
-              <a:ext uri="{FF2B5EF4-FFF2-40B4-BE49-F238E27FC236}">
-                <a16:creationId xmlns:a16="http://schemas.microsoft.com/office/drawing/2014/main" id="{0C12428C-43EA-42B3-B5FD-98F46FCED002}"/>
-              </a:ext>
-            </a:extLst>
-          </p:cNvPr>
-          <p:cNvPicPr>
-            <a:picLocks noChangeAspect="1" noChangeArrowheads="1"/>
-          </p:cNvPicPr>
-          <p:nvPr/>
-        </p:nvPicPr>
-        <p:blipFill>
-          <a:blip r:embed="rId7">
-            <a:extLst>
-              <a:ext uri="{28A0092B-C50C-407E-A947-70E740481C1C}">
-                <a14:useLocalDpi xmlns:a14="http://schemas.microsoft.com/office/drawing/2010/main" val="0"/>
-              </a:ext>
-            </a:extLst>
-          </a:blip>
-          <a:srcRect/>
-          <a:stretch>
-            <a:fillRect/>
-          </a:stretch>
-        </p:blipFill>
-        <p:spPr bwMode="auto">
-          <a:xfrm>
-            <a:off x="7517178" y="4897438"/>
-            <a:ext cx="1595437" cy="1595437"/>
-          </a:xfrm>
-          <a:prstGeom prst="rect">
-            <a:avLst/>
-          </a:prstGeom>
-          <a:noFill/>
-          <a:extLst>
-            <a:ext uri="{909E8E84-426E-40DD-AFC4-6F175D3DCCD1}">
-              <a14:hiddenFill xmlns:a14="http://schemas.microsoft.com/office/drawing/2010/main">
-                <a:solidFill>
-                  <a:srgbClr val="FFFFFF"/>
-                </a:solidFill>
-              </a14:hiddenFill>
-            </a:ext>
-          </a:extLst>
-        </p:spPr>
-      </p:pic>
-    </p:spTree>
-    <p:extLst>
-      <p:ext uri="{BB962C8B-B14F-4D97-AF65-F5344CB8AC3E}">
-        <p14:creationId xmlns:p14="http://schemas.microsoft.com/office/powerpoint/2010/main" val="2332471340"/>
-      </p:ext>
-    </p:extLst>
-  </p:cSld>
-  <p:clrMapOvr>
-    <a:masterClrMapping/>
-  </p:clrMapOvr>
-</p:sld>
-</file>
-
-<file path=ppt/slides/slide13.xml><?xml version="1.0" encoding="utf-8"?>
 <p:sld xmlns:a="http://schemas.openxmlformats.org/drawingml/2006/main" xmlns:r="http://schemas.openxmlformats.org/officeDocument/2006/relationships" xmlns:p="http://schemas.openxmlformats.org/presentationml/2006/main">
   <p:cSld>
     <p:spTree>
@@ -13835,6 +13303,14 @@
               <a:rPr lang="da-DK" dirty="0" err="1"/>
               <a:t>schema</a:t>
             </a:r>
+            <a:r>
+              <a:rPr lang="da-DK" dirty="0"/>
+              <a:t> under source </a:t>
+            </a:r>
+            <a:r>
+              <a:rPr lang="da-DK" dirty="0" err="1"/>
+              <a:t>control</a:t>
+            </a:r>
             <a:endParaRPr lang="da-DK" dirty="0"/>
           </a:p>
           <a:p>
@@ -13844,7 +13320,7 @@
             </a:r>
             <a:r>
               <a:rPr lang="da-DK" dirty="0"/>
-              <a:t> design and security </a:t>
+              <a:t> design, performance and security </a:t>
             </a:r>
             <a:r>
               <a:rPr lang="da-DK" dirty="0" err="1"/>
@@ -13951,7 +13427,7 @@
     </p:spTree>
     <p:extLst>
       <p:ext uri="{BB962C8B-B14F-4D97-AF65-F5344CB8AC3E}">
-        <p14:creationId xmlns:p14="http://schemas.microsoft.com/office/powerpoint/2010/main" val="3970507168"/>
+        <p14:creationId xmlns:p14="http://schemas.microsoft.com/office/powerpoint/2010/main" val="2126355379"/>
       </p:ext>
     </p:extLst>
   </p:cSld>
@@ -13961,7 +13437,601 @@
 </p:sld>
 </file>
 
-<file path=ppt/slides/slide2.xml><?xml version="1.0" encoding="utf-8"?>
+<file path=ppt/slides/slide11.xml><?xml version="1.0" encoding="utf-8"?>
+<p:sld xmlns:a="http://schemas.openxmlformats.org/drawingml/2006/main" xmlns:r="http://schemas.openxmlformats.org/officeDocument/2006/relationships" xmlns:p="http://schemas.openxmlformats.org/presentationml/2006/main">
+  <p:cSld>
+    <p:bg>
+      <p:bgPr>
+        <a:solidFill>
+          <a:schemeClr val="bg1"/>
+        </a:solidFill>
+        <a:effectLst/>
+      </p:bgPr>
+    </p:bg>
+    <p:spTree>
+      <p:nvGrpSpPr>
+        <p:cNvPr id="1" name=""/>
+        <p:cNvGrpSpPr/>
+        <p:nvPr/>
+      </p:nvGrpSpPr>
+      <p:grpSpPr>
+        <a:xfrm>
+          <a:off x="0" y="0"/>
+          <a:ext cx="0" cy="0"/>
+          <a:chOff x="0" y="0"/>
+          <a:chExt cx="0" cy="0"/>
+        </a:xfrm>
+      </p:grpSpPr>
+      <p:sp useBgFill="1">
+        <p:nvSpPr>
+          <p:cNvPr id="10" name="Rectangle 9">
+            <a:extLst>
+              <a:ext uri="{FF2B5EF4-FFF2-40B4-BE49-F238E27FC236}">
+                <a16:creationId xmlns:a16="http://schemas.microsoft.com/office/drawing/2014/main" id="{743AA782-23D1-4521-8CAD-47662984AA08}"/>
+              </a:ext>
+              <a:ext uri="{C183D7F6-B498-43B3-948B-1728B52AA6E4}">
+                <adec:decorative xmlns:adec="http://schemas.microsoft.com/office/drawing/2017/decorative" val="1"/>
+              </a:ext>
+            </a:extLst>
+          </p:cNvPr>
+          <p:cNvSpPr>
+            <a:spLocks noGrp="1" noRot="1" noChangeAspect="1" noMove="1" noResize="1" noEditPoints="1" noAdjustHandles="1" noChangeArrowheads="1" noChangeShapeType="1" noTextEdit="1"/>
+          </p:cNvSpPr>
+          <p:nvPr>
+            <p:extLst>
+              <p:ext uri="{386F3935-93C4-4BCD-93E2-E3B085C9AB24}">
+                <p16:designElem xmlns:p16="http://schemas.microsoft.com/office/powerpoint/2015/main" val="1"/>
+              </p:ext>
+            </p:extLst>
+          </p:nvPr>
+        </p:nvSpPr>
+        <p:spPr>
+          <a:xfrm>
+            <a:off x="0" y="0"/>
+            <a:ext cx="12192000" cy="6858000"/>
+          </a:xfrm>
+          <a:prstGeom prst="rect">
+            <a:avLst/>
+          </a:prstGeom>
+          <a:ln>
+            <a:noFill/>
+          </a:ln>
+        </p:spPr>
+        <p:style>
+          <a:lnRef idx="2">
+            <a:schemeClr val="accent1">
+              <a:shade val="50000"/>
+            </a:schemeClr>
+          </a:lnRef>
+          <a:fillRef idx="1">
+            <a:schemeClr val="accent1"/>
+          </a:fillRef>
+          <a:effectRef idx="0">
+            <a:schemeClr val="accent1"/>
+          </a:effectRef>
+          <a:fontRef idx="minor">
+            <a:schemeClr val="lt1"/>
+          </a:fontRef>
+        </p:style>
+        <p:txBody>
+          <a:bodyPr rtlCol="0" anchor="ctr"/>
+          <a:lstStyle/>
+          <a:p>
+            <a:pPr algn="ctr"/>
+            <a:endParaRPr lang="en-US"/>
+          </a:p>
+        </p:txBody>
+      </p:sp>
+      <p:sp>
+        <p:nvSpPr>
+          <p:cNvPr id="2" name="Title 1">
+            <a:extLst>
+              <a:ext uri="{FF2B5EF4-FFF2-40B4-BE49-F238E27FC236}">
+                <a16:creationId xmlns:a16="http://schemas.microsoft.com/office/drawing/2014/main" id="{852AC18E-06F7-297B-4A55-D3F36AEDEDBD}"/>
+              </a:ext>
+            </a:extLst>
+          </p:cNvPr>
+          <p:cNvSpPr>
+            <a:spLocks noGrp="1"/>
+          </p:cNvSpPr>
+          <p:nvPr>
+            <p:ph type="title"/>
+          </p:nvPr>
+        </p:nvSpPr>
+        <p:spPr>
+          <a:xfrm>
+            <a:off x="630936" y="640080"/>
+            <a:ext cx="4818888" cy="1481328"/>
+          </a:xfrm>
+        </p:spPr>
+        <p:txBody>
+          <a:bodyPr anchor="b">
+            <a:normAutofit/>
+          </a:bodyPr>
+          <a:lstStyle/>
+          <a:p>
+            <a:r>
+              <a:rPr lang="da-DK" sz="5400"/>
+              <a:t>CTA</a:t>
+            </a:r>
+          </a:p>
+        </p:txBody>
+      </p:sp>
+      <p:sp>
+        <p:nvSpPr>
+          <p:cNvPr id="12" name="sketch line">
+            <a:extLst>
+              <a:ext uri="{FF2B5EF4-FFF2-40B4-BE49-F238E27FC236}">
+                <a16:creationId xmlns:a16="http://schemas.microsoft.com/office/drawing/2014/main" id="{71877DBC-BB60-40F0-AC93-2ACDBAAE60CE}"/>
+              </a:ext>
+              <a:ext uri="{C183D7F6-B498-43B3-948B-1728B52AA6E4}">
+                <adec:decorative xmlns:adec="http://schemas.microsoft.com/office/drawing/2017/decorative" val="1"/>
+              </a:ext>
+            </a:extLst>
+          </p:cNvPr>
+          <p:cNvSpPr>
+            <a:spLocks noGrp="1" noRot="1" noChangeAspect="1" noMove="1" noResize="1" noEditPoints="1" noAdjustHandles="1" noChangeArrowheads="1" noChangeShapeType="1" noTextEdit="1"/>
+          </p:cNvSpPr>
+          <p:nvPr>
+            <p:extLst>
+              <p:ext uri="{386F3935-93C4-4BCD-93E2-E3B085C9AB24}">
+                <p16:designElem xmlns:p16="http://schemas.microsoft.com/office/powerpoint/2015/main" val="1"/>
+              </p:ext>
+            </p:extLst>
+          </p:nvPr>
+        </p:nvSpPr>
+        <p:spPr>
+          <a:xfrm>
+            <a:off x="643278" y="2372868"/>
+            <a:ext cx="3255095" cy="18288"/>
+          </a:xfrm>
+          <a:custGeom>
+            <a:avLst/>
+            <a:gdLst>
+              <a:gd name="connsiteX0" fmla="*/ 0 w 3255095"/>
+              <a:gd name="connsiteY0" fmla="*/ 0 h 18288"/>
+              <a:gd name="connsiteX1" fmla="*/ 618468 w 3255095"/>
+              <a:gd name="connsiteY1" fmla="*/ 0 h 18288"/>
+              <a:gd name="connsiteX2" fmla="*/ 1269487 w 3255095"/>
+              <a:gd name="connsiteY2" fmla="*/ 0 h 18288"/>
+              <a:gd name="connsiteX3" fmla="*/ 1953057 w 3255095"/>
+              <a:gd name="connsiteY3" fmla="*/ 0 h 18288"/>
+              <a:gd name="connsiteX4" fmla="*/ 2636627 w 3255095"/>
+              <a:gd name="connsiteY4" fmla="*/ 0 h 18288"/>
+              <a:gd name="connsiteX5" fmla="*/ 3255095 w 3255095"/>
+              <a:gd name="connsiteY5" fmla="*/ 0 h 18288"/>
+              <a:gd name="connsiteX6" fmla="*/ 3255095 w 3255095"/>
+              <a:gd name="connsiteY6" fmla="*/ 18288 h 18288"/>
+              <a:gd name="connsiteX7" fmla="*/ 2538974 w 3255095"/>
+              <a:gd name="connsiteY7" fmla="*/ 18288 h 18288"/>
+              <a:gd name="connsiteX8" fmla="*/ 1822853 w 3255095"/>
+              <a:gd name="connsiteY8" fmla="*/ 18288 h 18288"/>
+              <a:gd name="connsiteX9" fmla="*/ 1171834 w 3255095"/>
+              <a:gd name="connsiteY9" fmla="*/ 18288 h 18288"/>
+              <a:gd name="connsiteX10" fmla="*/ 0 w 3255095"/>
+              <a:gd name="connsiteY10" fmla="*/ 18288 h 18288"/>
+              <a:gd name="connsiteX11" fmla="*/ 0 w 3255095"/>
+              <a:gd name="connsiteY11" fmla="*/ 0 h 18288"/>
+            </a:gdLst>
+            <a:ahLst/>
+            <a:cxnLst>
+              <a:cxn ang="0">
+                <a:pos x="connsiteX0" y="connsiteY0"/>
+              </a:cxn>
+              <a:cxn ang="0">
+                <a:pos x="connsiteX1" y="connsiteY1"/>
+              </a:cxn>
+              <a:cxn ang="0">
+                <a:pos x="connsiteX2" y="connsiteY2"/>
+              </a:cxn>
+              <a:cxn ang="0">
+                <a:pos x="connsiteX3" y="connsiteY3"/>
+              </a:cxn>
+              <a:cxn ang="0">
+                <a:pos x="connsiteX4" y="connsiteY4"/>
+              </a:cxn>
+              <a:cxn ang="0">
+                <a:pos x="connsiteX5" y="connsiteY5"/>
+              </a:cxn>
+              <a:cxn ang="0">
+                <a:pos x="connsiteX6" y="connsiteY6"/>
+              </a:cxn>
+              <a:cxn ang="0">
+                <a:pos x="connsiteX7" y="connsiteY7"/>
+              </a:cxn>
+              <a:cxn ang="0">
+                <a:pos x="connsiteX8" y="connsiteY8"/>
+              </a:cxn>
+              <a:cxn ang="0">
+                <a:pos x="connsiteX9" y="connsiteY9"/>
+              </a:cxn>
+              <a:cxn ang="0">
+                <a:pos x="connsiteX10" y="connsiteY10"/>
+              </a:cxn>
+              <a:cxn ang="0">
+                <a:pos x="connsiteX11" y="connsiteY11"/>
+              </a:cxn>
+            </a:cxnLst>
+            <a:rect l="l" t="t" r="r" b="b"/>
+            <a:pathLst>
+              <a:path w="3255095" h="18288" fill="none" extrusionOk="0">
+                <a:moveTo>
+                  <a:pt x="0" y="0"/>
+                </a:moveTo>
+                <a:cubicBezTo>
+                  <a:pt x="240201" y="-22123"/>
+                  <a:pt x="462021" y="-19623"/>
+                  <a:pt x="618468" y="0"/>
+                </a:cubicBezTo>
+                <a:cubicBezTo>
+                  <a:pt x="774915" y="19623"/>
+                  <a:pt x="974734" y="2035"/>
+                  <a:pt x="1269487" y="0"/>
+                </a:cubicBezTo>
+                <a:cubicBezTo>
+                  <a:pt x="1564240" y="-2035"/>
+                  <a:pt x="1733579" y="10639"/>
+                  <a:pt x="1953057" y="0"/>
+                </a:cubicBezTo>
+                <a:cubicBezTo>
+                  <a:pt x="2172535" y="-10639"/>
+                  <a:pt x="2453962" y="14018"/>
+                  <a:pt x="2636627" y="0"/>
+                </a:cubicBezTo>
+                <a:cubicBezTo>
+                  <a:pt x="2819292" y="-14018"/>
+                  <a:pt x="3121375" y="5399"/>
+                  <a:pt x="3255095" y="0"/>
+                </a:cubicBezTo>
+                <a:cubicBezTo>
+                  <a:pt x="3254386" y="8157"/>
+                  <a:pt x="3254682" y="12125"/>
+                  <a:pt x="3255095" y="18288"/>
+                </a:cubicBezTo>
+                <a:cubicBezTo>
+                  <a:pt x="3088545" y="23203"/>
+                  <a:pt x="2687475" y="7419"/>
+                  <a:pt x="2538974" y="18288"/>
+                </a:cubicBezTo>
+                <a:cubicBezTo>
+                  <a:pt x="2390473" y="29157"/>
+                  <a:pt x="2137381" y="-8959"/>
+                  <a:pt x="1822853" y="18288"/>
+                </a:cubicBezTo>
+                <a:cubicBezTo>
+                  <a:pt x="1508325" y="45535"/>
+                  <a:pt x="1466437" y="20385"/>
+                  <a:pt x="1171834" y="18288"/>
+                </a:cubicBezTo>
+                <a:cubicBezTo>
+                  <a:pt x="877231" y="16191"/>
+                  <a:pt x="561097" y="37643"/>
+                  <a:pt x="0" y="18288"/>
+                </a:cubicBezTo>
+                <a:cubicBezTo>
+                  <a:pt x="-46" y="12483"/>
+                  <a:pt x="-203" y="6491"/>
+                  <a:pt x="0" y="0"/>
+                </a:cubicBezTo>
+                <a:close/>
+              </a:path>
+              <a:path w="3255095" h="18288" stroke="0" extrusionOk="0">
+                <a:moveTo>
+                  <a:pt x="0" y="0"/>
+                </a:moveTo>
+                <a:cubicBezTo>
+                  <a:pt x="291965" y="19429"/>
+                  <a:pt x="363155" y="8568"/>
+                  <a:pt x="618468" y="0"/>
+                </a:cubicBezTo>
+                <a:cubicBezTo>
+                  <a:pt x="873781" y="-8568"/>
+                  <a:pt x="904459" y="-19505"/>
+                  <a:pt x="1171834" y="0"/>
+                </a:cubicBezTo>
+                <a:cubicBezTo>
+                  <a:pt x="1439209" y="19505"/>
+                  <a:pt x="1744369" y="9790"/>
+                  <a:pt x="1887955" y="0"/>
+                </a:cubicBezTo>
+                <a:cubicBezTo>
+                  <a:pt x="2031541" y="-9790"/>
+                  <a:pt x="2346378" y="21240"/>
+                  <a:pt x="2506423" y="0"/>
+                </a:cubicBezTo>
+                <a:cubicBezTo>
+                  <a:pt x="2666468" y="-21240"/>
+                  <a:pt x="2990257" y="30414"/>
+                  <a:pt x="3255095" y="0"/>
+                </a:cubicBezTo>
+                <a:cubicBezTo>
+                  <a:pt x="3254831" y="4493"/>
+                  <a:pt x="3255479" y="9472"/>
+                  <a:pt x="3255095" y="18288"/>
+                </a:cubicBezTo>
+                <a:cubicBezTo>
+                  <a:pt x="3120743" y="16690"/>
+                  <a:pt x="2759628" y="42462"/>
+                  <a:pt x="2604076" y="18288"/>
+                </a:cubicBezTo>
+                <a:cubicBezTo>
+                  <a:pt x="2448524" y="-5886"/>
+                  <a:pt x="2184336" y="19599"/>
+                  <a:pt x="1887955" y="18288"/>
+                </a:cubicBezTo>
+                <a:cubicBezTo>
+                  <a:pt x="1591574" y="16977"/>
+                  <a:pt x="1548845" y="6870"/>
+                  <a:pt x="1334589" y="18288"/>
+                </a:cubicBezTo>
+                <a:cubicBezTo>
+                  <a:pt x="1120333" y="29706"/>
+                  <a:pt x="996014" y="9662"/>
+                  <a:pt x="683570" y="18288"/>
+                </a:cubicBezTo>
+                <a:cubicBezTo>
+                  <a:pt x="371126" y="26914"/>
+                  <a:pt x="198687" y="16167"/>
+                  <a:pt x="0" y="18288"/>
+                </a:cubicBezTo>
+                <a:cubicBezTo>
+                  <a:pt x="843" y="9577"/>
+                  <a:pt x="371" y="6900"/>
+                  <a:pt x="0" y="0"/>
+                </a:cubicBezTo>
+                <a:close/>
+              </a:path>
+            </a:pathLst>
+          </a:custGeom>
+          <a:solidFill>
+            <a:schemeClr val="accent2"/>
+          </a:solidFill>
+          <a:ln w="38100" cap="rnd">
+            <a:solidFill>
+              <a:schemeClr val="accent2"/>
+            </a:solidFill>
+            <a:round/>
+            <a:extLst>
+              <a:ext uri="{C807C97D-BFC1-408E-A445-0C87EB9F89A2}">
+                <ask:lineSketchStyleProps xmlns:ask="http://schemas.microsoft.com/office/drawing/2018/sketchyshapes" sd="1219033472">
+                  <a:prstGeom prst="rect">
+                    <a:avLst/>
+                  </a:prstGeom>
+                  <ask:type>
+                    <ask:lineSketchFreehand/>
+                  </ask:type>
+                </ask:lineSketchStyleProps>
+              </a:ext>
+            </a:extLst>
+          </a:ln>
+        </p:spPr>
+        <p:style>
+          <a:lnRef idx="2">
+            <a:schemeClr val="accent1">
+              <a:shade val="50000"/>
+            </a:schemeClr>
+          </a:lnRef>
+          <a:fillRef idx="1">
+            <a:schemeClr val="accent1"/>
+          </a:fillRef>
+          <a:effectRef idx="0">
+            <a:schemeClr val="accent1"/>
+          </a:effectRef>
+          <a:fontRef idx="minor">
+            <a:schemeClr val="lt1"/>
+          </a:fontRef>
+        </p:style>
+        <p:txBody>
+          <a:bodyPr rtlCol="0" anchor="ctr"/>
+          <a:lstStyle/>
+          <a:p>
+            <a:pPr algn="ctr"/>
+            <a:endParaRPr lang="en-US"/>
+          </a:p>
+        </p:txBody>
+      </p:sp>
+      <p:sp>
+        <p:nvSpPr>
+          <p:cNvPr id="3" name="Content Placeholder 2">
+            <a:extLst>
+              <a:ext uri="{FF2B5EF4-FFF2-40B4-BE49-F238E27FC236}">
+                <a16:creationId xmlns:a16="http://schemas.microsoft.com/office/drawing/2014/main" id="{98B6C42F-8CB3-FB57-D11C-4033DD156FEC}"/>
+              </a:ext>
+            </a:extLst>
+          </p:cNvPr>
+          <p:cNvSpPr>
+            <a:spLocks noGrp="1"/>
+          </p:cNvSpPr>
+          <p:nvPr>
+            <p:ph idx="1"/>
+          </p:nvPr>
+        </p:nvSpPr>
+        <p:spPr>
+          <a:xfrm>
+            <a:off x="630936" y="2660904"/>
+            <a:ext cx="6122202" cy="3547872"/>
+          </a:xfrm>
+        </p:spPr>
+        <p:txBody>
+          <a:bodyPr anchor="t">
+            <a:normAutofit/>
+          </a:bodyPr>
+          <a:lstStyle/>
+          <a:p>
+            <a:r>
+              <a:rPr lang="da-DK" sz="2200" dirty="0" err="1"/>
+              <a:t>Add</a:t>
+            </a:r>
+            <a:r>
+              <a:rPr lang="da-DK" sz="2200" dirty="0"/>
+              <a:t> </a:t>
+            </a:r>
+            <a:r>
+              <a:rPr lang="da-DK" sz="2200" dirty="0" err="1"/>
+              <a:t>you</a:t>
+            </a:r>
+            <a:r>
+              <a:rPr lang="da-DK" sz="2200" dirty="0"/>
+              <a:t> database </a:t>
+            </a:r>
+            <a:r>
+              <a:rPr lang="da-DK" sz="2200" dirty="0" err="1"/>
+              <a:t>schema</a:t>
+            </a:r>
+            <a:r>
+              <a:rPr lang="da-DK" sz="2200" dirty="0"/>
+              <a:t> to source </a:t>
+            </a:r>
+            <a:r>
+              <a:rPr lang="da-DK" sz="2200" dirty="0" err="1"/>
+              <a:t>control</a:t>
+            </a:r>
+            <a:endParaRPr lang="da-DK" sz="2200" dirty="0"/>
+          </a:p>
+          <a:p>
+            <a:r>
+              <a:rPr lang="da-DK" sz="2200" dirty="0" err="1"/>
+              <a:t>Enable</a:t>
+            </a:r>
+            <a:r>
+              <a:rPr lang="da-DK" sz="2200" dirty="0"/>
+              <a:t> </a:t>
+            </a:r>
+            <a:r>
+              <a:rPr lang="da-DK" sz="2200" dirty="0" err="1"/>
+              <a:t>code</a:t>
+            </a:r>
+            <a:r>
+              <a:rPr lang="da-DK" sz="2200" dirty="0"/>
+              <a:t> </a:t>
+            </a:r>
+            <a:r>
+              <a:rPr lang="da-DK" sz="2200" dirty="0" err="1"/>
+              <a:t>analysis</a:t>
+            </a:r>
+            <a:r>
+              <a:rPr lang="da-DK" sz="2200" dirty="0"/>
+              <a:t> </a:t>
+            </a:r>
+            <a:r>
+              <a:rPr lang="da-DK" sz="2200" dirty="0" err="1"/>
+              <a:t>locally</a:t>
+            </a:r>
+            <a:r>
+              <a:rPr lang="da-DK" sz="2200" dirty="0"/>
+              <a:t> and in CI</a:t>
+            </a:r>
+          </a:p>
+          <a:p>
+            <a:r>
+              <a:rPr lang="da-DK" sz="2200" dirty="0" err="1"/>
+              <a:t>Optional</a:t>
+            </a:r>
+            <a:r>
+              <a:rPr lang="da-DK" sz="2200" dirty="0"/>
+              <a:t>: </a:t>
+            </a:r>
+            <a:r>
+              <a:rPr lang="da-DK" sz="2200" dirty="0" err="1"/>
+              <a:t>Create</a:t>
+            </a:r>
+            <a:r>
+              <a:rPr lang="da-DK" sz="2200" dirty="0"/>
+              <a:t> </a:t>
+            </a:r>
+            <a:r>
+              <a:rPr lang="da-DK" sz="2200" dirty="0" err="1"/>
+              <a:t>your</a:t>
+            </a:r>
+            <a:r>
+              <a:rPr lang="da-DK" sz="2200" dirty="0"/>
+              <a:t> </a:t>
+            </a:r>
+            <a:r>
+              <a:rPr lang="da-DK" sz="2200" dirty="0" err="1"/>
+              <a:t>own</a:t>
+            </a:r>
+            <a:r>
+              <a:rPr lang="da-DK" sz="2200" dirty="0"/>
+              <a:t> </a:t>
+            </a:r>
+            <a:r>
+              <a:rPr lang="da-DK" sz="2200" dirty="0" err="1"/>
+              <a:t>rules</a:t>
+            </a:r>
+            <a:r>
+              <a:rPr lang="da-DK" sz="2200" dirty="0"/>
+              <a:t> and </a:t>
+            </a:r>
+            <a:r>
+              <a:rPr lang="da-DK" sz="2200" dirty="0" err="1"/>
+              <a:t>contribute</a:t>
+            </a:r>
+            <a:r>
+              <a:rPr lang="da-DK" sz="2200" dirty="0"/>
+              <a:t> </a:t>
+            </a:r>
+            <a:r>
+              <a:rPr lang="da-DK" sz="2200" dirty="0" err="1"/>
+              <a:t>them</a:t>
+            </a:r>
+            <a:r>
+              <a:rPr lang="da-DK" sz="2200" dirty="0"/>
+              <a:t> back to the community</a:t>
+            </a:r>
+          </a:p>
+          <a:p>
+            <a:r>
+              <a:rPr lang="da-DK" sz="2200" dirty="0"/>
+              <a:t>Q &amp; A</a:t>
+            </a:r>
+          </a:p>
+        </p:txBody>
+      </p:sp>
+      <p:pic>
+        <p:nvPicPr>
+          <p:cNvPr id="5" name="Picture 4" descr="A qr code with black dots&#10;&#10;Description automatically generated">
+            <a:extLst>
+              <a:ext uri="{FF2B5EF4-FFF2-40B4-BE49-F238E27FC236}">
+                <a16:creationId xmlns:a16="http://schemas.microsoft.com/office/drawing/2014/main" id="{1ACEDAF7-1A70-3E40-9618-12BBF5CB9F25}"/>
+              </a:ext>
+            </a:extLst>
+          </p:cNvPr>
+          <p:cNvPicPr>
+            <a:picLocks noChangeAspect="1"/>
+          </p:cNvPicPr>
+          <p:nvPr/>
+        </p:nvPicPr>
+        <p:blipFill>
+          <a:blip r:embed="rId2"/>
+          <a:stretch>
+            <a:fillRect/>
+          </a:stretch>
+        </p:blipFill>
+        <p:spPr>
+          <a:xfrm>
+            <a:off x="6862194" y="904031"/>
+            <a:ext cx="4695822" cy="4343974"/>
+          </a:xfrm>
+          <a:prstGeom prst="rect">
+            <a:avLst/>
+          </a:prstGeom>
+        </p:spPr>
+      </p:pic>
+    </p:spTree>
+    <p:extLst>
+      <p:ext uri="{BB962C8B-B14F-4D97-AF65-F5344CB8AC3E}">
+        <p14:creationId xmlns:p14="http://schemas.microsoft.com/office/powerpoint/2010/main" val="1406646759"/>
+      </p:ext>
+    </p:extLst>
+  </p:cSld>
+  <p:clrMapOvr>
+    <a:masterClrMapping/>
+  </p:clrMapOvr>
+</p:sld>
+</file>
+
+<file path=ppt/slides/slide12.xml><?xml version="1.0" encoding="utf-8"?>
 <p:sld xmlns:a="http://schemas.openxmlformats.org/drawingml/2006/main" xmlns:r="http://schemas.openxmlformats.org/officeDocument/2006/relationships" xmlns:p="http://schemas.openxmlformats.org/presentationml/2006/main">
   <p:cSld>
     <p:spTree>
@@ -13983,195 +14053,7 @@
           <p:cNvPr id="2" name="Title 1">
             <a:extLst>
               <a:ext uri="{FF2B5EF4-FFF2-40B4-BE49-F238E27FC236}">
-                <a16:creationId xmlns:a16="http://schemas.microsoft.com/office/drawing/2014/main" id="{4CBEFEE1-ED9F-6A86-7898-3DD3D0AF7949}"/>
-              </a:ext>
-            </a:extLst>
-          </p:cNvPr>
-          <p:cNvSpPr>
-            <a:spLocks noGrp="1"/>
-          </p:cNvSpPr>
-          <p:nvPr>
-            <p:ph type="title"/>
-          </p:nvPr>
-        </p:nvSpPr>
-        <p:spPr/>
-        <p:txBody>
-          <a:bodyPr/>
-          <a:lstStyle/>
-          <a:p>
-            <a:r>
-              <a:rPr lang="da-DK" dirty="0" err="1"/>
-              <a:t>Why</a:t>
-            </a:r>
-            <a:r>
-              <a:rPr lang="da-DK" dirty="0"/>
-              <a:t> </a:t>
-            </a:r>
-            <a:r>
-              <a:rPr lang="da-DK" dirty="0" err="1"/>
-              <a:t>fun</a:t>
-            </a:r>
-            <a:r>
-              <a:rPr lang="da-DK" dirty="0"/>
-              <a:t>? </a:t>
-            </a:r>
-            <a:r>
-              <a:rPr lang="da-DK" dirty="0" err="1"/>
-              <a:t>Why</a:t>
-            </a:r>
-            <a:r>
-              <a:rPr lang="da-DK" dirty="0"/>
-              <a:t> profit?</a:t>
-            </a:r>
-          </a:p>
-        </p:txBody>
-      </p:sp>
-      <p:sp>
-        <p:nvSpPr>
-          <p:cNvPr id="3" name="Content Placeholder 2">
-            <a:extLst>
-              <a:ext uri="{FF2B5EF4-FFF2-40B4-BE49-F238E27FC236}">
-                <a16:creationId xmlns:a16="http://schemas.microsoft.com/office/drawing/2014/main" id="{9CAE6B23-3C42-0472-5CA7-DEA0377C2567}"/>
-              </a:ext>
-            </a:extLst>
-          </p:cNvPr>
-          <p:cNvSpPr>
-            <a:spLocks noGrp="1"/>
-          </p:cNvSpPr>
-          <p:nvPr>
-            <p:ph idx="1"/>
-          </p:nvPr>
-        </p:nvSpPr>
-        <p:spPr/>
-        <p:txBody>
-          <a:bodyPr/>
-          <a:lstStyle/>
-          <a:p>
-            <a:r>
-              <a:rPr lang="da-DK" dirty="0"/>
-              <a:t>Fun is learning new </a:t>
-            </a:r>
-            <a:r>
-              <a:rPr lang="da-DK" dirty="0" err="1"/>
-              <a:t>things</a:t>
-            </a:r>
-            <a:r>
-              <a:rPr lang="da-DK" dirty="0"/>
-              <a:t> </a:t>
-            </a:r>
-            <a:r>
-              <a:rPr lang="da-DK" dirty="0" err="1"/>
-              <a:t>that</a:t>
-            </a:r>
-            <a:r>
-              <a:rPr lang="da-DK" dirty="0"/>
-              <a:t> </a:t>
-            </a:r>
-            <a:r>
-              <a:rPr lang="da-DK" dirty="0" err="1"/>
-              <a:t>add</a:t>
-            </a:r>
-            <a:r>
-              <a:rPr lang="da-DK" dirty="0"/>
-              <a:t> </a:t>
-            </a:r>
-            <a:r>
-              <a:rPr lang="da-DK" dirty="0" err="1"/>
-              <a:t>value</a:t>
-            </a:r>
-            <a:endParaRPr lang="da-DK" dirty="0"/>
-          </a:p>
-          <a:p>
-            <a:r>
-              <a:rPr lang="da-DK" dirty="0"/>
-              <a:t>Profit is </a:t>
-            </a:r>
-            <a:r>
-              <a:rPr lang="da-DK" dirty="0" err="1"/>
-              <a:t>shifting</a:t>
-            </a:r>
-            <a:r>
-              <a:rPr lang="da-DK" dirty="0"/>
-              <a:t> </a:t>
-            </a:r>
-            <a:r>
-              <a:rPr lang="da-DK" dirty="0" err="1"/>
-              <a:t>left</a:t>
-            </a:r>
-            <a:endParaRPr lang="da-DK" dirty="0"/>
-          </a:p>
-          <a:p>
-            <a:r>
-              <a:rPr lang="da-DK" dirty="0" err="1"/>
-              <a:t>Shifting</a:t>
-            </a:r>
-            <a:r>
-              <a:rPr lang="da-DK" dirty="0"/>
-              <a:t> </a:t>
-            </a:r>
-            <a:r>
-              <a:rPr lang="da-DK" dirty="0" err="1"/>
-              <a:t>left</a:t>
-            </a:r>
-            <a:r>
-              <a:rPr lang="da-DK" dirty="0"/>
-              <a:t> is </a:t>
-            </a:r>
-            <a:r>
-              <a:rPr lang="da-DK" dirty="0" err="1"/>
-              <a:t>expert</a:t>
-            </a:r>
-            <a:r>
-              <a:rPr lang="da-DK" dirty="0"/>
-              <a:t> </a:t>
-            </a:r>
-            <a:r>
-              <a:rPr lang="da-DK" dirty="0" err="1"/>
-              <a:t>help</a:t>
-            </a:r>
-            <a:r>
-              <a:rPr lang="da-DK" dirty="0"/>
-              <a:t> with database design</a:t>
-            </a:r>
-          </a:p>
-        </p:txBody>
-      </p:sp>
-    </p:spTree>
-    <p:extLst>
-      <p:ext uri="{BB962C8B-B14F-4D97-AF65-F5344CB8AC3E}">
-        <p14:creationId xmlns:p14="http://schemas.microsoft.com/office/powerpoint/2010/main" val="1616935625"/>
-      </p:ext>
-    </p:extLst>
-  </p:cSld>
-  <p:clrMapOvr>
-    <a:masterClrMapping/>
-  </p:clrMapOvr>
-</p:sld>
-</file>
-
-<file path=ppt/slides/slide3.xml><?xml version="1.0" encoding="utf-8"?>
-<p:sld xmlns:a="http://schemas.openxmlformats.org/drawingml/2006/main" xmlns:r="http://schemas.openxmlformats.org/officeDocument/2006/relationships" xmlns:p="http://schemas.openxmlformats.org/presentationml/2006/main">
-  <p:cSld>
-    <p:spTree>
-      <p:nvGrpSpPr>
-        <p:cNvPr id="1" name=""/>
-        <p:cNvGrpSpPr/>
-        <p:nvPr/>
-      </p:nvGrpSpPr>
-      <p:grpSpPr>
-        <a:xfrm>
-          <a:off x="0" y="0"/>
-          <a:ext cx="0" cy="0"/>
-          <a:chOff x="0" y="0"/>
-          <a:chExt cx="0" cy="0"/>
-        </a:xfrm>
-      </p:grpSpPr>
-      <p:sp>
-        <p:nvSpPr>
-          <p:cNvPr id="2" name="Title 1">
-            <a:extLst>
-              <a:ext uri="{FF2B5EF4-FFF2-40B4-BE49-F238E27FC236}">
-                <a16:creationId xmlns:a16="http://schemas.microsoft.com/office/drawing/2014/main" id="{46764B13-08C2-5DF8-A53C-BFEC16E91C07}"/>
+                <a16:creationId xmlns:a16="http://schemas.microsoft.com/office/drawing/2014/main" id="{B6E02EDD-BF75-C1E2-C4E0-452E278B9E12}"/>
               </a:ext>
             </a:extLst>
           </p:cNvPr>
@@ -14188,8 +14070,44 @@
           <a:lstStyle/>
           <a:p>
             <a:r>
+              <a:rPr lang="da-DK" dirty="0" err="1"/>
+              <a:t>What</a:t>
+            </a:r>
+            <a:r>
               <a:rPr lang="da-DK" dirty="0"/>
-              <a:t>Demo!</a:t>
+              <a:t> is a </a:t>
+            </a:r>
+            <a:r>
+              <a:rPr lang="da-DK" dirty="0" err="1"/>
+              <a:t>dacpac</a:t>
+            </a:r>
+            <a:r>
+              <a:rPr lang="da-DK" dirty="0"/>
+              <a:t> and </a:t>
+            </a:r>
+            <a:r>
+              <a:rPr lang="da-DK" dirty="0" err="1"/>
+              <a:t>why</a:t>
+            </a:r>
+            <a:r>
+              <a:rPr lang="da-DK" dirty="0"/>
+              <a:t> </a:t>
+            </a:r>
+            <a:r>
+              <a:rPr lang="da-DK" dirty="0" err="1"/>
+              <a:t>should</a:t>
+            </a:r>
+            <a:r>
+              <a:rPr lang="da-DK" dirty="0"/>
+              <a:t> I </a:t>
+            </a:r>
+            <a:r>
+              <a:rPr lang="da-DK" dirty="0" err="1"/>
+              <a:t>care</a:t>
+            </a:r>
+            <a:r>
+              <a:rPr lang="da-DK" dirty="0"/>
+              <a:t>?</a:t>
             </a:r>
           </a:p>
         </p:txBody>
@@ -14199,7 +14117,7 @@
           <p:cNvPr id="3" name="Subtitle 2">
             <a:extLst>
               <a:ext uri="{FF2B5EF4-FFF2-40B4-BE49-F238E27FC236}">
-                <a16:creationId xmlns:a16="http://schemas.microsoft.com/office/drawing/2014/main" id="{9DD93DD9-B1CE-0839-4E42-138D918D6D97}"/>
+                <a16:creationId xmlns:a16="http://schemas.microsoft.com/office/drawing/2014/main" id="{FC34CC98-5EC0-A5E9-F6EC-E0FF61BD140B}"/>
               </a:ext>
             </a:extLst>
           </p:cNvPr>
@@ -14222,7 +14140,7 @@
     </p:spTree>
     <p:extLst>
       <p:ext uri="{BB962C8B-B14F-4D97-AF65-F5344CB8AC3E}">
-        <p14:creationId xmlns:p14="http://schemas.microsoft.com/office/powerpoint/2010/main" val="41144073"/>
+        <p14:creationId xmlns:p14="http://schemas.microsoft.com/office/powerpoint/2010/main" val="3361272730"/>
       </p:ext>
     </p:extLst>
   </p:cSld>
@@ -14232,7 +14150,7 @@
 </p:sld>
 </file>
 
-<file path=ppt/slides/slide4.xml><?xml version="1.0" encoding="utf-8"?>
+<file path=ppt/slides/slide13.xml><?xml version="1.0" encoding="utf-8"?>
 <p:sld xmlns:a="http://schemas.openxmlformats.org/drawingml/2006/main" xmlns:r="http://schemas.openxmlformats.org/officeDocument/2006/relationships" xmlns:p="http://schemas.openxmlformats.org/presentationml/2006/main">
   <p:cSld>
     <p:bg>
@@ -14472,6 +14390,960 @@
 </p:sld>
 </file>
 
+<file path=ppt/slides/slide14.xml><?xml version="1.0" encoding="utf-8"?>
+<p:sld xmlns:a="http://schemas.openxmlformats.org/drawingml/2006/main" xmlns:r="http://schemas.openxmlformats.org/officeDocument/2006/relationships" xmlns:p="http://schemas.openxmlformats.org/presentationml/2006/main">
+  <p:cSld>
+    <p:spTree>
+      <p:nvGrpSpPr>
+        <p:cNvPr id="1" name=""/>
+        <p:cNvGrpSpPr/>
+        <p:nvPr/>
+      </p:nvGrpSpPr>
+      <p:grpSpPr>
+        <a:xfrm>
+          <a:off x="0" y="0"/>
+          <a:ext cx="0" cy="0"/>
+          <a:chOff x="0" y="0"/>
+          <a:chExt cx="0" cy="0"/>
+        </a:xfrm>
+      </p:grpSpPr>
+      <p:sp>
+        <p:nvSpPr>
+          <p:cNvPr id="2" name="Title 1">
+            <a:extLst>
+              <a:ext uri="{FF2B5EF4-FFF2-40B4-BE49-F238E27FC236}">
+                <a16:creationId xmlns:a16="http://schemas.microsoft.com/office/drawing/2014/main" id="{83C2E1C5-9DBD-026F-54AD-8267C48752C3}"/>
+              </a:ext>
+            </a:extLst>
+          </p:cNvPr>
+          <p:cNvSpPr>
+            <a:spLocks noGrp="1"/>
+          </p:cNvSpPr>
+          <p:nvPr>
+            <p:ph type="title"/>
+          </p:nvPr>
+        </p:nvSpPr>
+        <p:spPr/>
+        <p:txBody>
+          <a:bodyPr/>
+          <a:lstStyle/>
+          <a:p>
+            <a:r>
+              <a:rPr lang="da-DK" dirty="0" err="1"/>
+              <a:t>Why</a:t>
+            </a:r>
+            <a:r>
+              <a:rPr lang="da-DK" dirty="0"/>
+              <a:t>?</a:t>
+            </a:r>
+          </a:p>
+        </p:txBody>
+      </p:sp>
+      <p:sp>
+        <p:nvSpPr>
+          <p:cNvPr id="3" name="Content Placeholder 2">
+            <a:extLst>
+              <a:ext uri="{FF2B5EF4-FFF2-40B4-BE49-F238E27FC236}">
+                <a16:creationId xmlns:a16="http://schemas.microsoft.com/office/drawing/2014/main" id="{FE1AEA13-D193-3591-483D-99C9CBEA719D}"/>
+              </a:ext>
+            </a:extLst>
+          </p:cNvPr>
+          <p:cNvSpPr>
+            <a:spLocks noGrp="1"/>
+          </p:cNvSpPr>
+          <p:nvPr>
+            <p:ph idx="1"/>
+          </p:nvPr>
+        </p:nvSpPr>
+        <p:spPr/>
+        <p:txBody>
+          <a:bodyPr>
+            <a:normAutofit fontScale="92500" lnSpcReduction="20000"/>
+          </a:bodyPr>
+          <a:lstStyle/>
+          <a:p>
+            <a:pPr marL="0" indent="0">
+              <a:buNone/>
+            </a:pPr>
+            <a:r>
+              <a:rPr lang="da-DK" b="0" i="0" dirty="0">
+                <a:solidFill>
+                  <a:srgbClr val="555555"/>
+                </a:solidFill>
+                <a:effectLst/>
+                <a:latin typeface="Open Sans" panose="020B0606030504020204" pitchFamily="34" charset="0"/>
+              </a:rPr>
+              <a:t>Data Tier Application Package</a:t>
+            </a:r>
+            <a:br>
+              <a:rPr lang="da-DK" b="0" i="0" dirty="0">
+                <a:solidFill>
+                  <a:srgbClr val="555555"/>
+                </a:solidFill>
+                <a:effectLst/>
+                <a:latin typeface="Open Sans" panose="020B0606030504020204" pitchFamily="34" charset="0"/>
+              </a:rPr>
+            </a:br>
+            <a:endParaRPr lang="da-DK" dirty="0"/>
+          </a:p>
+          <a:p>
+            <a:r>
+              <a:rPr lang="da-DK" sz="3200" dirty="0" err="1"/>
+              <a:t>Get</a:t>
+            </a:r>
+            <a:r>
+              <a:rPr lang="da-DK" sz="3200" dirty="0"/>
+              <a:t> </a:t>
+            </a:r>
+            <a:r>
+              <a:rPr lang="da-DK" sz="3200" dirty="0" err="1"/>
+              <a:t>your</a:t>
+            </a:r>
+            <a:r>
+              <a:rPr lang="da-DK" sz="3200" dirty="0"/>
+              <a:t> database under source </a:t>
+            </a:r>
+            <a:r>
+              <a:rPr lang="da-DK" sz="3200" dirty="0" err="1"/>
+              <a:t>control</a:t>
+            </a:r>
+            <a:endParaRPr lang="da-DK" sz="3200" dirty="0"/>
+          </a:p>
+          <a:p>
+            <a:r>
+              <a:rPr lang="da-DK" sz="3200" dirty="0" err="1"/>
+              <a:t>Ensure</a:t>
+            </a:r>
+            <a:r>
+              <a:rPr lang="da-DK" sz="3200" dirty="0"/>
+              <a:t> </a:t>
+            </a:r>
+            <a:r>
+              <a:rPr lang="da-DK" sz="3200" dirty="0" err="1"/>
+              <a:t>your</a:t>
+            </a:r>
+            <a:r>
+              <a:rPr lang="da-DK" sz="3200" dirty="0"/>
+              <a:t> .sql scripts ”</a:t>
+            </a:r>
+            <a:r>
+              <a:rPr lang="da-DK" sz="3200" dirty="0" err="1"/>
+              <a:t>build</a:t>
+            </a:r>
+            <a:r>
+              <a:rPr lang="da-DK" sz="3200" dirty="0"/>
+              <a:t>” – </a:t>
+            </a:r>
+            <a:r>
+              <a:rPr lang="da-DK" sz="3200" dirty="0" err="1"/>
+              <a:t>code</a:t>
+            </a:r>
+            <a:r>
+              <a:rPr lang="da-DK" sz="3200" dirty="0"/>
+              <a:t> </a:t>
+            </a:r>
+            <a:r>
+              <a:rPr lang="da-DK" sz="3200" dirty="0" err="1"/>
+              <a:t>validation</a:t>
+            </a:r>
+            <a:endParaRPr lang="da-DK" sz="3200" dirty="0"/>
+          </a:p>
+          <a:p>
+            <a:r>
+              <a:rPr lang="da-DK" sz="3200" dirty="0" err="1"/>
+              <a:t>Ensure</a:t>
+            </a:r>
+            <a:r>
+              <a:rPr lang="da-DK" sz="3200" dirty="0"/>
+              <a:t> </a:t>
+            </a:r>
+            <a:r>
+              <a:rPr lang="da-DK" sz="3200" dirty="0" err="1"/>
+              <a:t>your</a:t>
+            </a:r>
+            <a:r>
+              <a:rPr lang="da-DK" sz="3200" dirty="0"/>
+              <a:t> .sql scripts </a:t>
+            </a:r>
+            <a:r>
+              <a:rPr lang="da-DK" sz="3200" dirty="0" err="1"/>
+              <a:t>follow</a:t>
+            </a:r>
+            <a:r>
+              <a:rPr lang="da-DK" sz="3200" dirty="0"/>
+              <a:t> business </a:t>
+            </a:r>
+            <a:r>
+              <a:rPr lang="da-DK" sz="3200" dirty="0" err="1"/>
+              <a:t>rules</a:t>
+            </a:r>
+            <a:r>
+              <a:rPr lang="da-DK" sz="3200" dirty="0"/>
+              <a:t> – </a:t>
+            </a:r>
+            <a:r>
+              <a:rPr lang="da-DK" sz="3200" dirty="0" err="1"/>
+              <a:t>code</a:t>
+            </a:r>
+            <a:r>
+              <a:rPr lang="da-DK" sz="3200" dirty="0"/>
+              <a:t> </a:t>
+            </a:r>
+            <a:r>
+              <a:rPr lang="da-DK" sz="3200" dirty="0" err="1"/>
+              <a:t>analysis</a:t>
+            </a:r>
+            <a:endParaRPr lang="da-DK" sz="3200" dirty="0"/>
+          </a:p>
+          <a:p>
+            <a:r>
+              <a:rPr lang="da-DK" sz="3200" dirty="0" err="1"/>
+              <a:t>Deploy</a:t>
+            </a:r>
+            <a:r>
+              <a:rPr lang="da-DK" sz="3200" dirty="0"/>
+              <a:t> </a:t>
+            </a:r>
+            <a:r>
+              <a:rPr lang="da-DK" sz="3200" dirty="0" err="1"/>
+              <a:t>changes</a:t>
+            </a:r>
+            <a:r>
+              <a:rPr lang="da-DK" sz="3200" dirty="0"/>
+              <a:t> to the database </a:t>
+            </a:r>
+            <a:r>
+              <a:rPr lang="da-DK" sz="3200" dirty="0" err="1"/>
+              <a:t>schema</a:t>
+            </a:r>
+            <a:r>
+              <a:rPr lang="da-DK" sz="3200" dirty="0"/>
+              <a:t> with </a:t>
+            </a:r>
+            <a:r>
+              <a:rPr lang="da-DK" sz="3200" dirty="0" err="1"/>
+              <a:t>changes</a:t>
+            </a:r>
+            <a:r>
+              <a:rPr lang="da-DK" sz="3200" dirty="0"/>
+              <a:t> to </a:t>
+            </a:r>
+            <a:r>
+              <a:rPr lang="da-DK" sz="3200" dirty="0" err="1"/>
+              <a:t>your</a:t>
+            </a:r>
+            <a:r>
+              <a:rPr lang="da-DK" sz="3200" dirty="0"/>
+              <a:t> app</a:t>
+            </a:r>
+          </a:p>
+          <a:p>
+            <a:r>
+              <a:rPr lang="da-DK" sz="3200" dirty="0"/>
+              <a:t>No more migration scripts – </a:t>
+            </a:r>
+            <a:r>
+              <a:rPr lang="da-DK" sz="3200" dirty="0" err="1"/>
+              <a:t>simply</a:t>
+            </a:r>
+            <a:r>
+              <a:rPr lang="da-DK" sz="3200" dirty="0"/>
+              <a:t> </a:t>
+            </a:r>
+            <a:r>
+              <a:rPr lang="da-DK" sz="3200" dirty="0" err="1"/>
+              <a:t>describe</a:t>
+            </a:r>
+            <a:r>
+              <a:rPr lang="da-DK" sz="3200" dirty="0"/>
+              <a:t> </a:t>
+            </a:r>
+            <a:r>
+              <a:rPr lang="da-DK" sz="3200" dirty="0" err="1"/>
+              <a:t>your</a:t>
+            </a:r>
+            <a:r>
+              <a:rPr lang="da-DK" sz="3200" dirty="0"/>
+              <a:t> </a:t>
+            </a:r>
+            <a:r>
+              <a:rPr lang="da-DK" sz="3200" dirty="0" err="1"/>
+              <a:t>desired</a:t>
+            </a:r>
+            <a:r>
+              <a:rPr lang="da-DK" sz="3200" dirty="0"/>
+              <a:t> </a:t>
+            </a:r>
+            <a:r>
+              <a:rPr lang="da-DK" sz="3200" dirty="0" err="1"/>
+              <a:t>state</a:t>
+            </a:r>
+            <a:endParaRPr lang="da-DK" sz="3200" dirty="0"/>
+          </a:p>
+          <a:p>
+            <a:r>
+              <a:rPr lang="da-DK" sz="3200" dirty="0"/>
+              <a:t>Cross platform </a:t>
+            </a:r>
+            <a:r>
+              <a:rPr lang="da-DK" sz="3200" dirty="0" err="1"/>
+              <a:t>build</a:t>
+            </a:r>
+            <a:r>
+              <a:rPr lang="da-DK" sz="3200" dirty="0"/>
+              <a:t> and </a:t>
+            </a:r>
+            <a:r>
+              <a:rPr lang="da-DK" sz="3200" dirty="0" err="1"/>
+              <a:t>deployment</a:t>
+            </a:r>
+            <a:r>
+              <a:rPr lang="da-DK" sz="3200" dirty="0"/>
+              <a:t> support</a:t>
+            </a:r>
+          </a:p>
+          <a:p>
+            <a:pPr marL="0" indent="0">
+              <a:buNone/>
+            </a:pPr>
+            <a:endParaRPr lang="da-DK" sz="3200" dirty="0"/>
+          </a:p>
+        </p:txBody>
+      </p:sp>
+    </p:spTree>
+    <p:extLst>
+      <p:ext uri="{BB962C8B-B14F-4D97-AF65-F5344CB8AC3E}">
+        <p14:creationId xmlns:p14="http://schemas.microsoft.com/office/powerpoint/2010/main" val="2807965468"/>
+      </p:ext>
+    </p:extLst>
+  </p:cSld>
+  <p:clrMapOvr>
+    <a:masterClrMapping/>
+  </p:clrMapOvr>
+</p:sld>
+</file>
+
+<file path=ppt/slides/slide15.xml><?xml version="1.0" encoding="utf-8"?>
+<p:sld xmlns:a="http://schemas.openxmlformats.org/drawingml/2006/main" xmlns:r="http://schemas.openxmlformats.org/officeDocument/2006/relationships" xmlns:p="http://schemas.openxmlformats.org/presentationml/2006/main">
+  <p:cSld>
+    <p:spTree>
+      <p:nvGrpSpPr>
+        <p:cNvPr id="1" name=""/>
+        <p:cNvGrpSpPr/>
+        <p:nvPr/>
+      </p:nvGrpSpPr>
+      <p:grpSpPr>
+        <a:xfrm>
+          <a:off x="0" y="0"/>
+          <a:ext cx="0" cy="0"/>
+          <a:chOff x="0" y="0"/>
+          <a:chExt cx="0" cy="0"/>
+        </a:xfrm>
+      </p:grpSpPr>
+      <p:sp>
+        <p:nvSpPr>
+          <p:cNvPr id="2" name="Title 1">
+            <a:extLst>
+              <a:ext uri="{FF2B5EF4-FFF2-40B4-BE49-F238E27FC236}">
+                <a16:creationId xmlns:a16="http://schemas.microsoft.com/office/drawing/2014/main" id="{B0D5BB5B-7FFA-DB8B-F802-03B5D520D180}"/>
+              </a:ext>
+            </a:extLst>
+          </p:cNvPr>
+          <p:cNvSpPr>
+            <a:spLocks noGrp="1"/>
+          </p:cNvSpPr>
+          <p:nvPr>
+            <p:ph type="title"/>
+          </p:nvPr>
+        </p:nvSpPr>
+        <p:spPr/>
+        <p:txBody>
+          <a:bodyPr/>
+          <a:lstStyle/>
+          <a:p>
+            <a:r>
+              <a:rPr lang="da-DK" dirty="0" err="1"/>
+              <a:t>Process</a:t>
+            </a:r>
+            <a:endParaRPr lang="da-DK" dirty="0"/>
+          </a:p>
+        </p:txBody>
+      </p:sp>
+      <p:graphicFrame>
+        <p:nvGraphicFramePr>
+          <p:cNvPr id="4" name="Content Placeholder 3">
+            <a:extLst>
+              <a:ext uri="{FF2B5EF4-FFF2-40B4-BE49-F238E27FC236}">
+                <a16:creationId xmlns:a16="http://schemas.microsoft.com/office/drawing/2014/main" id="{14C458CB-FE86-0722-5465-2135D8B24067}"/>
+              </a:ext>
+            </a:extLst>
+          </p:cNvPr>
+          <p:cNvGraphicFramePr>
+            <a:graphicFrameLocks noGrp="1"/>
+          </p:cNvGraphicFramePr>
+          <p:nvPr>
+            <p:ph idx="1"/>
+          </p:nvPr>
+        </p:nvGraphicFramePr>
+        <p:xfrm>
+          <a:off x="838200" y="1825625"/>
+          <a:ext cx="10515600" cy="4351338"/>
+        </p:xfrm>
+        <a:graphic>
+          <a:graphicData uri="http://schemas.openxmlformats.org/drawingml/2006/diagram">
+            <dgm:relIds xmlns:dgm="http://schemas.openxmlformats.org/drawingml/2006/diagram" xmlns:r="http://schemas.openxmlformats.org/officeDocument/2006/relationships" r:dm="rId2" r:lo="rId3" r:qs="rId4" r:cs="rId5"/>
+          </a:graphicData>
+        </a:graphic>
+      </p:graphicFrame>
+      <p:sp>
+        <p:nvSpPr>
+          <p:cNvPr id="3" name="Arrow: Down 2">
+            <a:extLst>
+              <a:ext uri="{FF2B5EF4-FFF2-40B4-BE49-F238E27FC236}">
+                <a16:creationId xmlns:a16="http://schemas.microsoft.com/office/drawing/2014/main" id="{41A997FB-CF39-A7D3-CBE9-49B7A0E95D4B}"/>
+              </a:ext>
+            </a:extLst>
+          </p:cNvPr>
+          <p:cNvSpPr/>
+          <p:nvPr/>
+        </p:nvSpPr>
+        <p:spPr>
+          <a:xfrm>
+            <a:off x="8072581" y="2161309"/>
+            <a:ext cx="484632" cy="978408"/>
+          </a:xfrm>
+          <a:prstGeom prst="downArrow">
+            <a:avLst/>
+          </a:prstGeom>
+        </p:spPr>
+        <p:style>
+          <a:lnRef idx="2">
+            <a:schemeClr val="accent1">
+              <a:shade val="50000"/>
+            </a:schemeClr>
+          </a:lnRef>
+          <a:fillRef idx="1">
+            <a:schemeClr val="accent1"/>
+          </a:fillRef>
+          <a:effectRef idx="0">
+            <a:schemeClr val="accent1"/>
+          </a:effectRef>
+          <a:fontRef idx="minor">
+            <a:schemeClr val="lt1"/>
+          </a:fontRef>
+        </p:style>
+        <p:txBody>
+          <a:bodyPr rtlCol="0" anchor="ctr"/>
+          <a:lstStyle/>
+          <a:p>
+            <a:pPr algn="ctr"/>
+            <a:endParaRPr lang="da-DK"/>
+          </a:p>
+        </p:txBody>
+      </p:sp>
+      <p:pic>
+        <p:nvPicPr>
+          <p:cNvPr id="1026" name="Picture 2" descr="Microscope Cartoon Vector Icon Illustration - Microscope - Sticker |  TeePublic">
+            <a:extLst>
+              <a:ext uri="{FF2B5EF4-FFF2-40B4-BE49-F238E27FC236}">
+                <a16:creationId xmlns:a16="http://schemas.microsoft.com/office/drawing/2014/main" id="{0C12428C-43EA-42B3-B5FD-98F46FCED002}"/>
+              </a:ext>
+            </a:extLst>
+          </p:cNvPr>
+          <p:cNvPicPr>
+            <a:picLocks noChangeAspect="1" noChangeArrowheads="1"/>
+          </p:cNvPicPr>
+          <p:nvPr/>
+        </p:nvPicPr>
+        <p:blipFill>
+          <a:blip r:embed="rId7">
+            <a:extLst>
+              <a:ext uri="{28A0092B-C50C-407E-A947-70E740481C1C}">
+                <a14:useLocalDpi xmlns:a14="http://schemas.microsoft.com/office/drawing/2010/main" val="0"/>
+              </a:ext>
+            </a:extLst>
+          </a:blip>
+          <a:srcRect/>
+          <a:stretch>
+            <a:fillRect/>
+          </a:stretch>
+        </p:blipFill>
+        <p:spPr bwMode="auto">
+          <a:xfrm>
+            <a:off x="7517178" y="4897438"/>
+            <a:ext cx="1595437" cy="1595437"/>
+          </a:xfrm>
+          <a:prstGeom prst="rect">
+            <a:avLst/>
+          </a:prstGeom>
+          <a:noFill/>
+          <a:extLst>
+            <a:ext uri="{909E8E84-426E-40DD-AFC4-6F175D3DCCD1}">
+              <a14:hiddenFill xmlns:a14="http://schemas.microsoft.com/office/drawing/2010/main">
+                <a:solidFill>
+                  <a:srgbClr val="FFFFFF"/>
+                </a:solidFill>
+              </a14:hiddenFill>
+            </a:ext>
+          </a:extLst>
+        </p:spPr>
+      </p:pic>
+    </p:spTree>
+    <p:extLst>
+      <p:ext uri="{BB962C8B-B14F-4D97-AF65-F5344CB8AC3E}">
+        <p14:creationId xmlns:p14="http://schemas.microsoft.com/office/powerpoint/2010/main" val="2332471340"/>
+      </p:ext>
+    </p:extLst>
+  </p:cSld>
+  <p:clrMapOvr>
+    <a:masterClrMapping/>
+  </p:clrMapOvr>
+</p:sld>
+</file>
+
+<file path=ppt/slides/slide2.xml><?xml version="1.0" encoding="utf-8"?>
+<p:sld xmlns:a="http://schemas.openxmlformats.org/drawingml/2006/main" xmlns:r="http://schemas.openxmlformats.org/officeDocument/2006/relationships" xmlns:p="http://schemas.openxmlformats.org/presentationml/2006/main">
+  <p:cSld>
+    <p:spTree>
+      <p:nvGrpSpPr>
+        <p:cNvPr id="1" name="">
+          <a:extLst>
+            <a:ext uri="{FF2B5EF4-FFF2-40B4-BE49-F238E27FC236}">
+              <a16:creationId xmlns:a16="http://schemas.microsoft.com/office/drawing/2014/main" id="{177060DA-856A-346A-7C68-17AEA45BB0C3}"/>
+            </a:ext>
+          </a:extLst>
+        </p:cNvPr>
+        <p:cNvGrpSpPr/>
+        <p:nvPr/>
+      </p:nvGrpSpPr>
+      <p:grpSpPr>
+        <a:xfrm>
+          <a:off x="0" y="0"/>
+          <a:ext cx="0" cy="0"/>
+          <a:chOff x="0" y="0"/>
+          <a:chExt cx="0" cy="0"/>
+        </a:xfrm>
+      </p:grpSpPr>
+      <p:sp>
+        <p:nvSpPr>
+          <p:cNvPr id="2" name="Title 1">
+            <a:extLst>
+              <a:ext uri="{FF2B5EF4-FFF2-40B4-BE49-F238E27FC236}">
+                <a16:creationId xmlns:a16="http://schemas.microsoft.com/office/drawing/2014/main" id="{13FA188E-213F-A5EC-6918-4E29E048A570}"/>
+              </a:ext>
+            </a:extLst>
+          </p:cNvPr>
+          <p:cNvSpPr>
+            <a:spLocks noGrp="1"/>
+          </p:cNvSpPr>
+          <p:nvPr>
+            <p:ph type="title"/>
+          </p:nvPr>
+        </p:nvSpPr>
+        <p:spPr/>
+        <p:txBody>
+          <a:bodyPr/>
+          <a:lstStyle/>
+          <a:p>
+            <a:r>
+              <a:rPr lang="da-DK" dirty="0"/>
+              <a:t>Challenges?</a:t>
+            </a:r>
+          </a:p>
+        </p:txBody>
+      </p:sp>
+      <p:sp>
+        <p:nvSpPr>
+          <p:cNvPr id="3" name="Content Placeholder 2">
+            <a:extLst>
+              <a:ext uri="{FF2B5EF4-FFF2-40B4-BE49-F238E27FC236}">
+                <a16:creationId xmlns:a16="http://schemas.microsoft.com/office/drawing/2014/main" id="{3F9A231C-4780-226B-D583-D673A9555BE5}"/>
+              </a:ext>
+            </a:extLst>
+          </p:cNvPr>
+          <p:cNvSpPr>
+            <a:spLocks noGrp="1"/>
+          </p:cNvSpPr>
+          <p:nvPr>
+            <p:ph idx="1"/>
+          </p:nvPr>
+        </p:nvSpPr>
+        <p:spPr/>
+        <p:txBody>
+          <a:bodyPr>
+            <a:normAutofit/>
+          </a:bodyPr>
+          <a:lstStyle/>
+          <a:p>
+            <a:r>
+              <a:rPr lang="da-DK" sz="3200" dirty="0"/>
+              <a:t>Database </a:t>
+            </a:r>
+            <a:r>
+              <a:rPr lang="da-DK" sz="3200" dirty="0" err="1"/>
+              <a:t>schema</a:t>
+            </a:r>
+            <a:r>
+              <a:rPr lang="da-DK" sz="3200" dirty="0"/>
+              <a:t> not in source </a:t>
+            </a:r>
+            <a:r>
+              <a:rPr lang="da-DK" sz="3200" dirty="0" err="1"/>
+              <a:t>control</a:t>
+            </a:r>
+            <a:r>
+              <a:rPr lang="da-DK" sz="3200" dirty="0"/>
+              <a:t>?</a:t>
+            </a:r>
+          </a:p>
+          <a:p>
+            <a:r>
+              <a:rPr lang="da-DK" sz="3200" dirty="0" err="1"/>
+              <a:t>Complex</a:t>
+            </a:r>
+            <a:r>
+              <a:rPr lang="da-DK" sz="3200" dirty="0"/>
+              <a:t> scripts to </a:t>
+            </a:r>
+            <a:r>
+              <a:rPr lang="da-DK" sz="3200" dirty="0" err="1"/>
+              <a:t>update</a:t>
+            </a:r>
+            <a:r>
+              <a:rPr lang="da-DK" sz="3200" dirty="0"/>
+              <a:t> </a:t>
+            </a:r>
+            <a:r>
+              <a:rPr lang="da-DK" sz="3200" dirty="0" err="1"/>
+              <a:t>schema</a:t>
+            </a:r>
+            <a:endParaRPr lang="da-DK" sz="3200" dirty="0"/>
+          </a:p>
+          <a:p>
+            <a:r>
+              <a:rPr lang="da-DK" sz="3200" dirty="0"/>
+              <a:t>Versioning of database </a:t>
+            </a:r>
+            <a:r>
+              <a:rPr lang="da-DK" sz="3200" dirty="0" err="1"/>
+              <a:t>vs</a:t>
+            </a:r>
+            <a:r>
+              <a:rPr lang="da-DK" sz="3200" dirty="0"/>
+              <a:t> app a nightmare</a:t>
+            </a:r>
+          </a:p>
+          <a:p>
+            <a:r>
+              <a:rPr lang="da-DK" sz="3200" dirty="0"/>
+              <a:t>Runtime </a:t>
+            </a:r>
+            <a:r>
+              <a:rPr lang="da-DK" sz="3200" dirty="0" err="1"/>
+              <a:t>errors</a:t>
+            </a:r>
+            <a:r>
+              <a:rPr lang="da-DK" sz="3200" dirty="0"/>
+              <a:t> in database due to </a:t>
+            </a:r>
+            <a:r>
+              <a:rPr lang="da-DK" sz="3200" dirty="0" err="1"/>
+              <a:t>syntax</a:t>
+            </a:r>
+            <a:r>
+              <a:rPr lang="da-DK" sz="3200" dirty="0"/>
+              <a:t> </a:t>
+            </a:r>
+            <a:r>
+              <a:rPr lang="da-DK" sz="3200" dirty="0" err="1"/>
+              <a:t>errors</a:t>
+            </a:r>
+            <a:endParaRPr lang="da-DK" sz="3200" dirty="0"/>
+          </a:p>
+          <a:p>
+            <a:r>
+              <a:rPr lang="da-DK" sz="3200" dirty="0"/>
+              <a:t>No standard approach to </a:t>
+            </a:r>
+            <a:r>
+              <a:rPr lang="da-DK" sz="3200" dirty="0" err="1"/>
+              <a:t>naming</a:t>
+            </a:r>
+            <a:r>
+              <a:rPr lang="da-DK" sz="3200" dirty="0"/>
+              <a:t> or </a:t>
+            </a:r>
+            <a:r>
+              <a:rPr lang="da-DK" sz="3200" dirty="0" err="1"/>
+              <a:t>other</a:t>
+            </a:r>
+            <a:r>
+              <a:rPr lang="da-DK" sz="3200" dirty="0"/>
+              <a:t> database design ”business </a:t>
+            </a:r>
+            <a:r>
+              <a:rPr lang="da-DK" sz="3200" dirty="0" err="1"/>
+              <a:t>rules</a:t>
+            </a:r>
+            <a:r>
+              <a:rPr lang="da-DK" sz="3200" dirty="0"/>
+              <a:t>”</a:t>
+            </a:r>
+          </a:p>
+          <a:p>
+            <a:r>
+              <a:rPr lang="da-DK" sz="3200" dirty="0"/>
+              <a:t>Cross platform </a:t>
+            </a:r>
+            <a:r>
+              <a:rPr lang="da-DK" sz="3200" dirty="0" err="1"/>
+              <a:t>build</a:t>
+            </a:r>
+            <a:r>
+              <a:rPr lang="da-DK" sz="3200" dirty="0"/>
+              <a:t> and </a:t>
+            </a:r>
+            <a:r>
+              <a:rPr lang="da-DK" sz="3200" dirty="0" err="1"/>
+              <a:t>deployment</a:t>
+            </a:r>
+            <a:r>
+              <a:rPr lang="da-DK" sz="3200" dirty="0"/>
+              <a:t> support (</a:t>
+            </a:r>
+            <a:r>
+              <a:rPr lang="da-DK" sz="3200" dirty="0" err="1"/>
+              <a:t>if</a:t>
+            </a:r>
+            <a:r>
+              <a:rPr lang="da-DK" sz="3200" dirty="0"/>
+              <a:t> </a:t>
+            </a:r>
+            <a:r>
+              <a:rPr lang="da-DK" sz="3200" dirty="0" err="1"/>
+              <a:t>you</a:t>
+            </a:r>
+            <a:r>
+              <a:rPr lang="da-DK" sz="3200" dirty="0"/>
+              <a:t> have a </a:t>
+            </a:r>
+            <a:r>
+              <a:rPr lang="da-DK" sz="3200" dirty="0" err="1"/>
+              <a:t>classic</a:t>
+            </a:r>
+            <a:r>
+              <a:rPr lang="da-DK" sz="3200" dirty="0"/>
+              <a:t> .</a:t>
+            </a:r>
+            <a:r>
+              <a:rPr lang="da-DK" sz="3200" dirty="0" err="1"/>
+              <a:t>sqlproj</a:t>
+            </a:r>
+            <a:r>
+              <a:rPr lang="da-DK" sz="3200" dirty="0"/>
+              <a:t>)</a:t>
+            </a:r>
+          </a:p>
+          <a:p>
+            <a:pPr marL="0" indent="0">
+              <a:buNone/>
+            </a:pPr>
+            <a:endParaRPr lang="da-DK" sz="3200" dirty="0"/>
+          </a:p>
+        </p:txBody>
+      </p:sp>
+    </p:spTree>
+    <p:extLst>
+      <p:ext uri="{BB962C8B-B14F-4D97-AF65-F5344CB8AC3E}">
+        <p14:creationId xmlns:p14="http://schemas.microsoft.com/office/powerpoint/2010/main" val="1404577621"/>
+      </p:ext>
+    </p:extLst>
+  </p:cSld>
+  <p:clrMapOvr>
+    <a:masterClrMapping/>
+  </p:clrMapOvr>
+</p:sld>
+</file>
+
+<file path=ppt/slides/slide3.xml><?xml version="1.0" encoding="utf-8"?>
+<p:sld xmlns:a="http://schemas.openxmlformats.org/drawingml/2006/main" xmlns:r="http://schemas.openxmlformats.org/officeDocument/2006/relationships" xmlns:p="http://schemas.openxmlformats.org/presentationml/2006/main">
+  <p:cSld>
+    <p:spTree>
+      <p:nvGrpSpPr>
+        <p:cNvPr id="1" name="">
+          <a:extLst>
+            <a:ext uri="{FF2B5EF4-FFF2-40B4-BE49-F238E27FC236}">
+              <a16:creationId xmlns:a16="http://schemas.microsoft.com/office/drawing/2014/main" id="{7934C9D9-B801-FE68-CA56-58B9DB1ED25E}"/>
+            </a:ext>
+          </a:extLst>
+        </p:cNvPr>
+        <p:cNvGrpSpPr/>
+        <p:nvPr/>
+      </p:nvGrpSpPr>
+      <p:grpSpPr>
+        <a:xfrm>
+          <a:off x="0" y="0"/>
+          <a:ext cx="0" cy="0"/>
+          <a:chOff x="0" y="0"/>
+          <a:chExt cx="0" cy="0"/>
+        </a:xfrm>
+      </p:grpSpPr>
+      <p:sp>
+        <p:nvSpPr>
+          <p:cNvPr id="2" name="Title 1">
+            <a:extLst>
+              <a:ext uri="{FF2B5EF4-FFF2-40B4-BE49-F238E27FC236}">
+                <a16:creationId xmlns:a16="http://schemas.microsoft.com/office/drawing/2014/main" id="{1F41D93A-130A-FC50-12E6-6D961A5B6B5C}"/>
+              </a:ext>
+            </a:extLst>
+          </p:cNvPr>
+          <p:cNvSpPr>
+            <a:spLocks noGrp="1"/>
+          </p:cNvSpPr>
+          <p:nvPr>
+            <p:ph type="ctrTitle"/>
+          </p:nvPr>
+        </p:nvSpPr>
+        <p:spPr/>
+        <p:txBody>
+          <a:bodyPr/>
+          <a:lstStyle/>
+          <a:p>
+            <a:r>
+              <a:rPr lang="da-DK" dirty="0"/>
+              <a:t>Demo!</a:t>
+            </a:r>
+          </a:p>
+        </p:txBody>
+      </p:sp>
+      <p:sp>
+        <p:nvSpPr>
+          <p:cNvPr id="3" name="Subtitle 2">
+            <a:extLst>
+              <a:ext uri="{FF2B5EF4-FFF2-40B4-BE49-F238E27FC236}">
+                <a16:creationId xmlns:a16="http://schemas.microsoft.com/office/drawing/2014/main" id="{8BEA287C-E0D9-3974-4E87-ED55F3C766B2}"/>
+              </a:ext>
+            </a:extLst>
+          </p:cNvPr>
+          <p:cNvSpPr>
+            <a:spLocks noGrp="1"/>
+          </p:cNvSpPr>
+          <p:nvPr>
+            <p:ph type="subTitle" idx="1"/>
+          </p:nvPr>
+        </p:nvSpPr>
+        <p:spPr/>
+        <p:txBody>
+          <a:bodyPr/>
+          <a:lstStyle/>
+          <a:p>
+            <a:endParaRPr lang="da-DK"/>
+          </a:p>
+        </p:txBody>
+      </p:sp>
+    </p:spTree>
+    <p:extLst>
+      <p:ext uri="{BB962C8B-B14F-4D97-AF65-F5344CB8AC3E}">
+        <p14:creationId xmlns:p14="http://schemas.microsoft.com/office/powerpoint/2010/main" val="2493589965"/>
+      </p:ext>
+    </p:extLst>
+  </p:cSld>
+  <p:clrMapOvr>
+    <a:masterClrMapping/>
+  </p:clrMapOvr>
+</p:sld>
+</file>
+
+<file path=ppt/slides/slide4.xml><?xml version="1.0" encoding="utf-8"?>
+<p:sld xmlns:a="http://schemas.openxmlformats.org/drawingml/2006/main" xmlns:r="http://schemas.openxmlformats.org/officeDocument/2006/relationships" xmlns:p="http://schemas.openxmlformats.org/presentationml/2006/main">
+  <p:cSld>
+    <p:spTree>
+      <p:nvGrpSpPr>
+        <p:cNvPr id="1" name=""/>
+        <p:cNvGrpSpPr/>
+        <p:nvPr/>
+      </p:nvGrpSpPr>
+      <p:grpSpPr>
+        <a:xfrm>
+          <a:off x="0" y="0"/>
+          <a:ext cx="0" cy="0"/>
+          <a:chOff x="0" y="0"/>
+          <a:chExt cx="0" cy="0"/>
+        </a:xfrm>
+      </p:grpSpPr>
+      <p:sp>
+        <p:nvSpPr>
+          <p:cNvPr id="2" name="Title 1">
+            <a:extLst>
+              <a:ext uri="{FF2B5EF4-FFF2-40B4-BE49-F238E27FC236}">
+                <a16:creationId xmlns:a16="http://schemas.microsoft.com/office/drawing/2014/main" id="{B0D5BB5B-7FFA-DB8B-F802-03B5D520D180}"/>
+              </a:ext>
+            </a:extLst>
+          </p:cNvPr>
+          <p:cNvSpPr>
+            <a:spLocks noGrp="1"/>
+          </p:cNvSpPr>
+          <p:nvPr>
+            <p:ph type="title"/>
+          </p:nvPr>
+        </p:nvSpPr>
+        <p:spPr/>
+        <p:txBody>
+          <a:bodyPr/>
+          <a:lstStyle/>
+          <a:p>
+            <a:r>
+              <a:rPr lang="da-DK" dirty="0" err="1"/>
+              <a:t>Process</a:t>
+            </a:r>
+            <a:endParaRPr lang="da-DK" dirty="0"/>
+          </a:p>
+        </p:txBody>
+      </p:sp>
+      <p:graphicFrame>
+        <p:nvGraphicFramePr>
+          <p:cNvPr id="4" name="Content Placeholder 3">
+            <a:extLst>
+              <a:ext uri="{FF2B5EF4-FFF2-40B4-BE49-F238E27FC236}">
+                <a16:creationId xmlns:a16="http://schemas.microsoft.com/office/drawing/2014/main" id="{14C458CB-FE86-0722-5465-2135D8B24067}"/>
+              </a:ext>
+            </a:extLst>
+          </p:cNvPr>
+          <p:cNvGraphicFramePr>
+            <a:graphicFrameLocks noGrp="1"/>
+          </p:cNvGraphicFramePr>
+          <p:nvPr>
+            <p:ph idx="1"/>
+            <p:extLst>
+              <p:ext uri="{D42A27DB-BD31-4B8C-83A1-F6EECF244321}">
+                <p14:modId xmlns:p14="http://schemas.microsoft.com/office/powerpoint/2010/main" val="681339126"/>
+              </p:ext>
+            </p:extLst>
+          </p:nvPr>
+        </p:nvGraphicFramePr>
+        <p:xfrm>
+          <a:off x="838200" y="1825625"/>
+          <a:ext cx="10515600" cy="4351338"/>
+        </p:xfrm>
+        <a:graphic>
+          <a:graphicData uri="http://schemas.openxmlformats.org/drawingml/2006/diagram">
+            <dgm:relIds xmlns:dgm="http://schemas.openxmlformats.org/drawingml/2006/diagram" xmlns:r="http://schemas.openxmlformats.org/officeDocument/2006/relationships" r:dm="rId2" r:lo="rId3" r:qs="rId4" r:cs="rId5"/>
+          </a:graphicData>
+        </a:graphic>
+      </p:graphicFrame>
+    </p:spTree>
+    <p:extLst>
+      <p:ext uri="{BB962C8B-B14F-4D97-AF65-F5344CB8AC3E}">
+        <p14:creationId xmlns:p14="http://schemas.microsoft.com/office/powerpoint/2010/main" val="2825632252"/>
+      </p:ext>
+    </p:extLst>
+  </p:cSld>
+  <p:clrMapOvr>
+    <a:masterClrMapping/>
+  </p:clrMapOvr>
+</p:sld>
+</file>
+
 <file path=ppt/slides/slide5.xml><?xml version="1.0" encoding="utf-8"?>
 <p:sld xmlns:a="http://schemas.openxmlformats.org/drawingml/2006/main" xmlns:r="http://schemas.openxmlformats.org/officeDocument/2006/relationships" xmlns:p="http://schemas.openxmlformats.org/presentationml/2006/main">
   <p:cSld>
@@ -14494,7 +15366,311 @@
           <p:cNvPr id="2" name="Title 1">
             <a:extLst>
               <a:ext uri="{FF2B5EF4-FFF2-40B4-BE49-F238E27FC236}">
-                <a16:creationId xmlns:a16="http://schemas.microsoft.com/office/drawing/2014/main" id="{B403F286-DD29-2236-7333-80878DDF851A}"/>
+                <a16:creationId xmlns:a16="http://schemas.microsoft.com/office/drawing/2014/main" id="{B0D5BB5B-7FFA-DB8B-F802-03B5D520D180}"/>
+              </a:ext>
+            </a:extLst>
+          </p:cNvPr>
+          <p:cNvSpPr>
+            <a:spLocks noGrp="1"/>
+          </p:cNvSpPr>
+          <p:nvPr>
+            <p:ph type="title"/>
+          </p:nvPr>
+        </p:nvSpPr>
+        <p:spPr/>
+        <p:txBody>
+          <a:bodyPr/>
+          <a:lstStyle/>
+          <a:p>
+            <a:r>
+              <a:rPr lang="da-DK" dirty="0" err="1"/>
+              <a:t>Tooling</a:t>
+            </a:r>
+            <a:endParaRPr lang="da-DK" dirty="0"/>
+          </a:p>
+        </p:txBody>
+      </p:sp>
+      <p:graphicFrame>
+        <p:nvGraphicFramePr>
+          <p:cNvPr id="4" name="Content Placeholder 3">
+            <a:extLst>
+              <a:ext uri="{FF2B5EF4-FFF2-40B4-BE49-F238E27FC236}">
+                <a16:creationId xmlns:a16="http://schemas.microsoft.com/office/drawing/2014/main" id="{14C458CB-FE86-0722-5465-2135D8B24067}"/>
+              </a:ext>
+            </a:extLst>
+          </p:cNvPr>
+          <p:cNvGraphicFramePr>
+            <a:graphicFrameLocks noGrp="1"/>
+          </p:cNvGraphicFramePr>
+          <p:nvPr>
+            <p:ph idx="1"/>
+            <p:extLst>
+              <p:ext uri="{D42A27DB-BD31-4B8C-83A1-F6EECF244321}">
+                <p14:modId xmlns:p14="http://schemas.microsoft.com/office/powerpoint/2010/main" val="2261826792"/>
+              </p:ext>
+            </p:extLst>
+          </p:nvPr>
+        </p:nvGraphicFramePr>
+        <p:xfrm>
+          <a:off x="838200" y="1825625"/>
+          <a:ext cx="10515600" cy="4351338"/>
+        </p:xfrm>
+        <a:graphic>
+          <a:graphicData uri="http://schemas.openxmlformats.org/drawingml/2006/diagram">
+            <dgm:relIds xmlns:dgm="http://schemas.openxmlformats.org/drawingml/2006/diagram" xmlns:r="http://schemas.openxmlformats.org/officeDocument/2006/relationships" r:dm="rId2" r:lo="rId3" r:qs="rId4" r:cs="rId5"/>
+          </a:graphicData>
+        </a:graphic>
+      </p:graphicFrame>
+      <p:sp>
+        <p:nvSpPr>
+          <p:cNvPr id="3" name="TextBox 2">
+            <a:extLst>
+              <a:ext uri="{FF2B5EF4-FFF2-40B4-BE49-F238E27FC236}">
+                <a16:creationId xmlns:a16="http://schemas.microsoft.com/office/drawing/2014/main" id="{D0002042-9439-C760-352C-9B1314C5F520}"/>
+              </a:ext>
+            </a:extLst>
+          </p:cNvPr>
+          <p:cNvSpPr txBox="1"/>
+          <p:nvPr/>
+        </p:nvSpPr>
+        <p:spPr>
+          <a:xfrm>
+            <a:off x="1297858" y="4739147"/>
+            <a:ext cx="2438400" cy="1200329"/>
+          </a:xfrm>
+          <a:prstGeom prst="rect">
+            <a:avLst/>
+          </a:prstGeom>
+          <a:noFill/>
+        </p:spPr>
+        <p:txBody>
+          <a:bodyPr wrap="square" rtlCol="0">
+            <a:spAutoFit/>
+          </a:bodyPr>
+          <a:lstStyle/>
+          <a:p>
+            <a:r>
+              <a:rPr lang="da-DK" dirty="0"/>
+              <a:t>Visual Studio</a:t>
+            </a:r>
+          </a:p>
+          <a:p>
+            <a:r>
+              <a:rPr lang="da-DK" dirty="0"/>
+              <a:t>VS Code</a:t>
+            </a:r>
+          </a:p>
+          <a:p>
+            <a:r>
+              <a:rPr lang="da-DK" dirty="0" err="1"/>
+              <a:t>sqlpackage</a:t>
+            </a:r>
+            <a:r>
+              <a:rPr lang="da-DK" dirty="0"/>
+              <a:t> </a:t>
+            </a:r>
+            <a:r>
+              <a:rPr lang="da-DK" dirty="0" err="1"/>
+              <a:t>extract</a:t>
+            </a:r>
+            <a:endParaRPr lang="da-DK" dirty="0"/>
+          </a:p>
+          <a:p>
+            <a:r>
+              <a:rPr lang="da-DK" dirty="0" err="1"/>
+              <a:t>dotnet</a:t>
+            </a:r>
+            <a:r>
+              <a:rPr lang="da-DK" dirty="0"/>
+              <a:t> new</a:t>
+            </a:r>
+          </a:p>
+        </p:txBody>
+      </p:sp>
+      <p:sp>
+        <p:nvSpPr>
+          <p:cNvPr id="5" name="TextBox 4">
+            <a:extLst>
+              <a:ext uri="{FF2B5EF4-FFF2-40B4-BE49-F238E27FC236}">
+                <a16:creationId xmlns:a16="http://schemas.microsoft.com/office/drawing/2014/main" id="{F736263C-7EC6-28BD-BD25-C6CFCC5126F2}"/>
+              </a:ext>
+            </a:extLst>
+          </p:cNvPr>
+          <p:cNvSpPr txBox="1"/>
+          <p:nvPr/>
+        </p:nvSpPr>
+        <p:spPr>
+          <a:xfrm>
+            <a:off x="5287302" y="4891547"/>
+            <a:ext cx="1600200" cy="1477328"/>
+          </a:xfrm>
+          <a:prstGeom prst="rect">
+            <a:avLst/>
+          </a:prstGeom>
+          <a:noFill/>
+        </p:spPr>
+        <p:txBody>
+          <a:bodyPr wrap="square" rtlCol="0">
+            <a:spAutoFit/>
+          </a:bodyPr>
+          <a:lstStyle/>
+          <a:p>
+            <a:r>
+              <a:rPr lang="da-DK" dirty="0" err="1"/>
+              <a:t>MSBuild</a:t>
+            </a:r>
+            <a:endParaRPr lang="da-DK" dirty="0"/>
+          </a:p>
+          <a:p>
+            <a:r>
+              <a:rPr lang="da-DK" dirty="0" err="1"/>
+              <a:t>dotnet</a:t>
+            </a:r>
+            <a:r>
+              <a:rPr lang="da-DK" dirty="0"/>
+              <a:t> </a:t>
+            </a:r>
+            <a:r>
+              <a:rPr lang="da-DK" dirty="0" err="1"/>
+              <a:t>build</a:t>
+            </a:r>
+            <a:endParaRPr lang="da-DK" dirty="0"/>
+          </a:p>
+          <a:p>
+            <a:r>
+              <a:rPr lang="da-DK" dirty="0" err="1"/>
+              <a:t>dotnet</a:t>
+            </a:r>
+            <a:r>
+              <a:rPr lang="da-DK" dirty="0"/>
+              <a:t> </a:t>
+            </a:r>
+            <a:r>
+              <a:rPr lang="da-DK" dirty="0" err="1"/>
+              <a:t>pack</a:t>
+            </a:r>
+            <a:br>
+              <a:rPr lang="da-DK" dirty="0"/>
+            </a:br>
+            <a:br>
+              <a:rPr lang="da-DK" dirty="0"/>
+            </a:br>
+            <a:r>
+              <a:rPr lang="da-DK" dirty="0"/>
+              <a:t>Analyzer </a:t>
+            </a:r>
+            <a:r>
+              <a:rPr lang="da-DK" dirty="0" err="1"/>
+              <a:t>rules</a:t>
+            </a:r>
+            <a:endParaRPr lang="da-DK" dirty="0"/>
+          </a:p>
+        </p:txBody>
+      </p:sp>
+      <p:sp>
+        <p:nvSpPr>
+          <p:cNvPr id="6" name="TextBox 5">
+            <a:extLst>
+              <a:ext uri="{FF2B5EF4-FFF2-40B4-BE49-F238E27FC236}">
+                <a16:creationId xmlns:a16="http://schemas.microsoft.com/office/drawing/2014/main" id="{58694100-CEF9-DF56-F98E-6A48126062C4}"/>
+              </a:ext>
+            </a:extLst>
+          </p:cNvPr>
+          <p:cNvSpPr txBox="1"/>
+          <p:nvPr/>
+        </p:nvSpPr>
+        <p:spPr>
+          <a:xfrm>
+            <a:off x="8681885" y="4798139"/>
+            <a:ext cx="2723556" cy="923330"/>
+          </a:xfrm>
+          <a:prstGeom prst="rect">
+            <a:avLst/>
+          </a:prstGeom>
+          <a:noFill/>
+        </p:spPr>
+        <p:txBody>
+          <a:bodyPr wrap="square" rtlCol="0">
+            <a:spAutoFit/>
+          </a:bodyPr>
+          <a:lstStyle/>
+          <a:p>
+            <a:r>
+              <a:rPr lang="da-DK" dirty="0" err="1"/>
+              <a:t>Azure</a:t>
+            </a:r>
+            <a:r>
+              <a:rPr lang="da-DK" dirty="0"/>
+              <a:t> </a:t>
+            </a:r>
+            <a:r>
+              <a:rPr lang="da-DK" dirty="0" err="1"/>
+              <a:t>DevOps</a:t>
+            </a:r>
+            <a:r>
+              <a:rPr lang="da-DK" dirty="0"/>
+              <a:t> pipelines</a:t>
+            </a:r>
+          </a:p>
+          <a:p>
+            <a:r>
+              <a:rPr lang="da-DK" dirty="0"/>
+              <a:t>GitHub actions</a:t>
+            </a:r>
+          </a:p>
+          <a:p>
+            <a:r>
+              <a:rPr lang="da-DK" dirty="0" err="1"/>
+              <a:t>sqlpackage</a:t>
+            </a:r>
+            <a:r>
+              <a:rPr lang="da-DK" dirty="0"/>
+              <a:t> </a:t>
+            </a:r>
+            <a:r>
+              <a:rPr lang="da-DK" dirty="0" err="1"/>
+              <a:t>publish</a:t>
+            </a:r>
+            <a:endParaRPr lang="da-DK" dirty="0"/>
+          </a:p>
+        </p:txBody>
+      </p:sp>
+    </p:spTree>
+    <p:extLst>
+      <p:ext uri="{BB962C8B-B14F-4D97-AF65-F5344CB8AC3E}">
+        <p14:creationId xmlns:p14="http://schemas.microsoft.com/office/powerpoint/2010/main" val="654303725"/>
+      </p:ext>
+    </p:extLst>
+  </p:cSld>
+  <p:clrMapOvr>
+    <a:masterClrMapping/>
+  </p:clrMapOvr>
+</p:sld>
+</file>
+
+<file path=ppt/slides/slide6.xml><?xml version="1.0" encoding="utf-8"?>
+<p:sld xmlns:a="http://schemas.openxmlformats.org/drawingml/2006/main" xmlns:r="http://schemas.openxmlformats.org/officeDocument/2006/relationships" xmlns:p="http://schemas.openxmlformats.org/presentationml/2006/main">
+  <p:cSld>
+    <p:spTree>
+      <p:nvGrpSpPr>
+        <p:cNvPr id="1" name=""/>
+        <p:cNvGrpSpPr/>
+        <p:nvPr/>
+      </p:nvGrpSpPr>
+      <p:grpSpPr>
+        <a:xfrm>
+          <a:off x="0" y="0"/>
+          <a:ext cx="0" cy="0"/>
+          <a:chOff x="0" y="0"/>
+          <a:chExt cx="0" cy="0"/>
+        </a:xfrm>
+      </p:grpSpPr>
+      <p:sp>
+        <p:nvSpPr>
+          <p:cNvPr id="2" name="Title 1">
+            <a:extLst>
+              <a:ext uri="{FF2B5EF4-FFF2-40B4-BE49-F238E27FC236}">
+                <a16:creationId xmlns:a16="http://schemas.microsoft.com/office/drawing/2014/main" id="{46764B13-08C2-5DF8-A53C-BFEC16E91C07}"/>
               </a:ext>
             </a:extLst>
           </p:cNvPr>
@@ -14522,7 +15698,7 @@
           <p:cNvPr id="3" name="Subtitle 2">
             <a:extLst>
               <a:ext uri="{FF2B5EF4-FFF2-40B4-BE49-F238E27FC236}">
-                <a16:creationId xmlns:a16="http://schemas.microsoft.com/office/drawing/2014/main" id="{95CCAF5C-CCCF-268A-263E-9FE1D91089E6}"/>
+                <a16:creationId xmlns:a16="http://schemas.microsoft.com/office/drawing/2014/main" id="{9DD93DD9-B1CE-0839-4E42-138D918D6D97}"/>
               </a:ext>
             </a:extLst>
           </p:cNvPr>
@@ -14545,7 +15721,7 @@
     </p:spTree>
     <p:extLst>
       <p:ext uri="{BB962C8B-B14F-4D97-AF65-F5344CB8AC3E}">
-        <p14:creationId xmlns:p14="http://schemas.microsoft.com/office/powerpoint/2010/main" val="3659650217"/>
+        <p14:creationId xmlns:p14="http://schemas.microsoft.com/office/powerpoint/2010/main" val="41144073"/>
       </p:ext>
     </p:extLst>
   </p:cSld>
@@ -14555,7 +15731,7 @@
 </p:sld>
 </file>
 
-<file path=ppt/slides/slide6.xml><?xml version="1.0" encoding="utf-8"?>
+<file path=ppt/slides/slide7.xml><?xml version="1.0" encoding="utf-8"?>
 <p:sld xmlns:a="http://schemas.openxmlformats.org/drawingml/2006/main" xmlns:r="http://schemas.openxmlformats.org/officeDocument/2006/relationships" xmlns:p="http://schemas.openxmlformats.org/presentationml/2006/main">
   <p:cSld>
     <p:spTree>
@@ -14629,7 +15805,7 @@
             <p:ph idx="1"/>
             <p:extLst>
               <p:ext uri="{D42A27DB-BD31-4B8C-83A1-F6EECF244321}">
-                <p14:modId xmlns:p14="http://schemas.microsoft.com/office/powerpoint/2010/main" val="639805679"/>
+                <p14:modId xmlns:p14="http://schemas.microsoft.com/office/powerpoint/2010/main" val="1709445855"/>
               </p:ext>
             </p:extLst>
           </p:nvPr>
@@ -14685,15 +15861,7 @@
                     <a:p>
                       <a:r>
                         <a:rPr lang="da-DK" sz="1800" dirty="0"/>
-                        <a:t>.SQLPROJ (DB </a:t>
-                      </a:r>
-                      <a:r>
-                        <a:rPr lang="da-DK" sz="1800" dirty="0" err="1"/>
-                        <a:t>project</a:t>
-                      </a:r>
-                      <a:r>
-                        <a:rPr lang="da-DK" sz="1800" dirty="0"/>
-                        <a:t>)</a:t>
+                        <a:t>.SQLPROJ (Legacy VS)</a:t>
                       </a:r>
                     </a:p>
                   </a:txBody>
@@ -14907,7 +16075,7 @@
                           <a:ea typeface="+mn-ea"/>
                           <a:cs typeface="+mn-cs"/>
                         </a:rPr>
-                        <a:t>(50+ </a:t>
+                        <a:t>(140+ </a:t>
                       </a:r>
                       <a:r>
                         <a:rPr lang="da-DK" sz="2400" b="0" i="0" kern="1200" dirty="0" err="1">
@@ -15487,6 +16655,44 @@
                     <a:bodyPr/>
                     <a:lstStyle/>
                     <a:p>
+                      <a:r>
+                        <a:rPr lang="da-DK" sz="2400" dirty="0" err="1"/>
+                        <a:t>Extensive</a:t>
+                      </a:r>
+                      <a:r>
+                        <a:rPr lang="da-DK" sz="2400" dirty="0"/>
+                        <a:t> </a:t>
+                      </a:r>
+                      <a:r>
+                        <a:rPr lang="da-DK" sz="2400" dirty="0" err="1"/>
+                        <a:t>NuGet</a:t>
+                      </a:r>
+                      <a:r>
+                        <a:rPr lang="da-DK" sz="2400" dirty="0"/>
+                        <a:t> support</a:t>
+                      </a:r>
+                    </a:p>
+                  </a:txBody>
+                  <a:tcPr/>
+                </a:tc>
+                <a:tc>
+                  <a:txBody>
+                    <a:bodyPr/>
+                    <a:lstStyle/>
+                    <a:p>
+                      <a:pPr algn="ctr"/>
+                      <a:r>
+                        <a:rPr lang="da-DK" sz="2400" b="0" i="0" kern="1200" dirty="0">
+                          <a:solidFill>
+                            <a:schemeClr val="dk1"/>
+                          </a:solidFill>
+                          <a:effectLst/>
+                          <a:latin typeface="+mn-lt"/>
+                          <a:ea typeface="+mn-ea"/>
+                          <a:cs typeface="+mn-cs"/>
+                        </a:rPr>
+                        <a:t>❌ (none)</a:t>
+                      </a:r>
                       <a:endParaRPr lang="da-DK" sz="2400" dirty="0"/>
                     </a:p>
                   </a:txBody>
@@ -15497,18 +16703,35 @@
                     <a:bodyPr/>
                     <a:lstStyle/>
                     <a:p>
-                      <a:pPr algn="ctr"/>
-                      <a:endParaRPr lang="da-DK" sz="2400" dirty="0"/>
-                    </a:p>
-                  </a:txBody>
-                  <a:tcPr/>
-                </a:tc>
-                <a:tc>
-                  <a:txBody>
-                    <a:bodyPr/>
-                    <a:lstStyle/>
-                    <a:p>
-                      <a:pPr algn="ctr"/>
+                      <a:pPr marL="0" marR="0" lvl="0" indent="0" algn="ctr" defTabSz="914400" rtl="0" eaLnBrk="1" fontAlgn="auto" latinLnBrk="0" hangingPunct="1">
+                        <a:lnSpc>
+                          <a:spcPct val="100000"/>
+                        </a:lnSpc>
+                        <a:spcBef>
+                          <a:spcPts val="0"/>
+                        </a:spcBef>
+                        <a:spcAft>
+                          <a:spcPts val="0"/>
+                        </a:spcAft>
+                        <a:buClrTx/>
+                        <a:buSzTx/>
+                        <a:buFontTx/>
+                        <a:buNone/>
+                        <a:tabLst/>
+                        <a:defRPr/>
+                      </a:pPr>
+                      <a:r>
+                        <a:rPr lang="da-DK" sz="2400" b="0" i="0" kern="1200" dirty="0">
+                          <a:solidFill>
+                            <a:schemeClr val="accent6"/>
+                          </a:solidFill>
+                          <a:effectLst/>
+                          <a:latin typeface="+mn-lt"/>
+                          <a:ea typeface="+mn-ea"/>
+                          <a:cs typeface="+mn-cs"/>
+                        </a:rPr>
+                        <a:t>✔</a:t>
+                      </a:r>
                       <a:endParaRPr lang="da-DK" sz="2400" dirty="0"/>
                     </a:p>
                   </a:txBody>
@@ -15537,606 +16760,18 @@
 </p:sld>
 </file>
 
-<file path=ppt/slides/slide7.xml><?xml version="1.0" encoding="utf-8"?>
-<p:sld xmlns:a="http://schemas.openxmlformats.org/drawingml/2006/main" xmlns:r="http://schemas.openxmlformats.org/officeDocument/2006/relationships" xmlns:p="http://schemas.openxmlformats.org/presentationml/2006/main">
-  <p:cSld>
-    <p:bg>
-      <p:bgPr>
-        <a:solidFill>
-          <a:schemeClr val="bg1"/>
-        </a:solidFill>
-        <a:effectLst/>
-      </p:bgPr>
-    </p:bg>
-    <p:spTree>
-      <p:nvGrpSpPr>
-        <p:cNvPr id="1" name=""/>
-        <p:cNvGrpSpPr/>
-        <p:nvPr/>
-      </p:nvGrpSpPr>
-      <p:grpSpPr>
-        <a:xfrm>
-          <a:off x="0" y="0"/>
-          <a:ext cx="0" cy="0"/>
-          <a:chOff x="0" y="0"/>
-          <a:chExt cx="0" cy="0"/>
-        </a:xfrm>
-      </p:grpSpPr>
-      <p:sp useBgFill="1">
-        <p:nvSpPr>
-          <p:cNvPr id="10" name="Rectangle 9">
-            <a:extLst>
-              <a:ext uri="{FF2B5EF4-FFF2-40B4-BE49-F238E27FC236}">
-                <a16:creationId xmlns:a16="http://schemas.microsoft.com/office/drawing/2014/main" id="{743AA782-23D1-4521-8CAD-47662984AA08}"/>
-              </a:ext>
-              <a:ext uri="{C183D7F6-B498-43B3-948B-1728B52AA6E4}">
-                <adec:decorative xmlns:adec="http://schemas.microsoft.com/office/drawing/2017/decorative" val="1"/>
-              </a:ext>
-            </a:extLst>
-          </p:cNvPr>
-          <p:cNvSpPr>
-            <a:spLocks noGrp="1" noRot="1" noChangeAspect="1" noMove="1" noResize="1" noEditPoints="1" noAdjustHandles="1" noChangeArrowheads="1" noChangeShapeType="1" noTextEdit="1"/>
-          </p:cNvSpPr>
-          <p:nvPr>
-            <p:extLst>
-              <p:ext uri="{386F3935-93C4-4BCD-93E2-E3B085C9AB24}">
-                <p16:designElem xmlns:p16="http://schemas.microsoft.com/office/powerpoint/2015/main" val="1"/>
-              </p:ext>
-            </p:extLst>
-          </p:nvPr>
-        </p:nvSpPr>
-        <p:spPr>
-          <a:xfrm>
-            <a:off x="0" y="0"/>
-            <a:ext cx="12192000" cy="6858000"/>
-          </a:xfrm>
-          <a:prstGeom prst="rect">
-            <a:avLst/>
-          </a:prstGeom>
-          <a:ln>
-            <a:noFill/>
-          </a:ln>
-        </p:spPr>
-        <p:style>
-          <a:lnRef idx="2">
-            <a:schemeClr val="accent1">
-              <a:shade val="50000"/>
-            </a:schemeClr>
-          </a:lnRef>
-          <a:fillRef idx="1">
-            <a:schemeClr val="accent1"/>
-          </a:fillRef>
-          <a:effectRef idx="0">
-            <a:schemeClr val="accent1"/>
-          </a:effectRef>
-          <a:fontRef idx="minor">
-            <a:schemeClr val="lt1"/>
-          </a:fontRef>
-        </p:style>
-        <p:txBody>
-          <a:bodyPr rtlCol="0" anchor="ctr"/>
-          <a:lstStyle/>
-          <a:p>
-            <a:pPr algn="ctr"/>
-            <a:endParaRPr lang="en-US"/>
-          </a:p>
-        </p:txBody>
-      </p:sp>
-      <p:sp>
-        <p:nvSpPr>
-          <p:cNvPr id="2" name="Title 1">
-            <a:extLst>
-              <a:ext uri="{FF2B5EF4-FFF2-40B4-BE49-F238E27FC236}">
-                <a16:creationId xmlns:a16="http://schemas.microsoft.com/office/drawing/2014/main" id="{852AC18E-06F7-297B-4A55-D3F36AEDEDBD}"/>
-              </a:ext>
-            </a:extLst>
-          </p:cNvPr>
-          <p:cNvSpPr>
-            <a:spLocks noGrp="1"/>
-          </p:cNvSpPr>
-          <p:nvPr>
-            <p:ph type="title"/>
-          </p:nvPr>
-        </p:nvSpPr>
-        <p:spPr>
-          <a:xfrm>
-            <a:off x="630936" y="640080"/>
-            <a:ext cx="4818888" cy="1481328"/>
-          </a:xfrm>
-        </p:spPr>
-        <p:txBody>
-          <a:bodyPr anchor="b">
-            <a:normAutofit/>
-          </a:bodyPr>
-          <a:lstStyle/>
-          <a:p>
-            <a:r>
-              <a:rPr lang="da-DK" sz="5400"/>
-              <a:t>CTA</a:t>
-            </a:r>
-          </a:p>
-        </p:txBody>
-      </p:sp>
-      <p:sp>
-        <p:nvSpPr>
-          <p:cNvPr id="12" name="sketch line">
-            <a:extLst>
-              <a:ext uri="{FF2B5EF4-FFF2-40B4-BE49-F238E27FC236}">
-                <a16:creationId xmlns:a16="http://schemas.microsoft.com/office/drawing/2014/main" id="{71877DBC-BB60-40F0-AC93-2ACDBAAE60CE}"/>
-              </a:ext>
-              <a:ext uri="{C183D7F6-B498-43B3-948B-1728B52AA6E4}">
-                <adec:decorative xmlns:adec="http://schemas.microsoft.com/office/drawing/2017/decorative" val="1"/>
-              </a:ext>
-            </a:extLst>
-          </p:cNvPr>
-          <p:cNvSpPr>
-            <a:spLocks noGrp="1" noRot="1" noChangeAspect="1" noMove="1" noResize="1" noEditPoints="1" noAdjustHandles="1" noChangeArrowheads="1" noChangeShapeType="1" noTextEdit="1"/>
-          </p:cNvSpPr>
-          <p:nvPr>
-            <p:extLst>
-              <p:ext uri="{386F3935-93C4-4BCD-93E2-E3B085C9AB24}">
-                <p16:designElem xmlns:p16="http://schemas.microsoft.com/office/powerpoint/2015/main" val="1"/>
-              </p:ext>
-            </p:extLst>
-          </p:nvPr>
-        </p:nvSpPr>
-        <p:spPr>
-          <a:xfrm>
-            <a:off x="643278" y="2372868"/>
-            <a:ext cx="3255095" cy="18288"/>
-          </a:xfrm>
-          <a:custGeom>
-            <a:avLst/>
-            <a:gdLst>
-              <a:gd name="connsiteX0" fmla="*/ 0 w 3255095"/>
-              <a:gd name="connsiteY0" fmla="*/ 0 h 18288"/>
-              <a:gd name="connsiteX1" fmla="*/ 618468 w 3255095"/>
-              <a:gd name="connsiteY1" fmla="*/ 0 h 18288"/>
-              <a:gd name="connsiteX2" fmla="*/ 1269487 w 3255095"/>
-              <a:gd name="connsiteY2" fmla="*/ 0 h 18288"/>
-              <a:gd name="connsiteX3" fmla="*/ 1953057 w 3255095"/>
-              <a:gd name="connsiteY3" fmla="*/ 0 h 18288"/>
-              <a:gd name="connsiteX4" fmla="*/ 2636627 w 3255095"/>
-              <a:gd name="connsiteY4" fmla="*/ 0 h 18288"/>
-              <a:gd name="connsiteX5" fmla="*/ 3255095 w 3255095"/>
-              <a:gd name="connsiteY5" fmla="*/ 0 h 18288"/>
-              <a:gd name="connsiteX6" fmla="*/ 3255095 w 3255095"/>
-              <a:gd name="connsiteY6" fmla="*/ 18288 h 18288"/>
-              <a:gd name="connsiteX7" fmla="*/ 2538974 w 3255095"/>
-              <a:gd name="connsiteY7" fmla="*/ 18288 h 18288"/>
-              <a:gd name="connsiteX8" fmla="*/ 1822853 w 3255095"/>
-              <a:gd name="connsiteY8" fmla="*/ 18288 h 18288"/>
-              <a:gd name="connsiteX9" fmla="*/ 1171834 w 3255095"/>
-              <a:gd name="connsiteY9" fmla="*/ 18288 h 18288"/>
-              <a:gd name="connsiteX10" fmla="*/ 0 w 3255095"/>
-              <a:gd name="connsiteY10" fmla="*/ 18288 h 18288"/>
-              <a:gd name="connsiteX11" fmla="*/ 0 w 3255095"/>
-              <a:gd name="connsiteY11" fmla="*/ 0 h 18288"/>
-            </a:gdLst>
-            <a:ahLst/>
-            <a:cxnLst>
-              <a:cxn ang="0">
-                <a:pos x="connsiteX0" y="connsiteY0"/>
-              </a:cxn>
-              <a:cxn ang="0">
-                <a:pos x="connsiteX1" y="connsiteY1"/>
-              </a:cxn>
-              <a:cxn ang="0">
-                <a:pos x="connsiteX2" y="connsiteY2"/>
-              </a:cxn>
-              <a:cxn ang="0">
-                <a:pos x="connsiteX3" y="connsiteY3"/>
-              </a:cxn>
-              <a:cxn ang="0">
-                <a:pos x="connsiteX4" y="connsiteY4"/>
-              </a:cxn>
-              <a:cxn ang="0">
-                <a:pos x="connsiteX5" y="connsiteY5"/>
-              </a:cxn>
-              <a:cxn ang="0">
-                <a:pos x="connsiteX6" y="connsiteY6"/>
-              </a:cxn>
-              <a:cxn ang="0">
-                <a:pos x="connsiteX7" y="connsiteY7"/>
-              </a:cxn>
-              <a:cxn ang="0">
-                <a:pos x="connsiteX8" y="connsiteY8"/>
-              </a:cxn>
-              <a:cxn ang="0">
-                <a:pos x="connsiteX9" y="connsiteY9"/>
-              </a:cxn>
-              <a:cxn ang="0">
-                <a:pos x="connsiteX10" y="connsiteY10"/>
-              </a:cxn>
-              <a:cxn ang="0">
-                <a:pos x="connsiteX11" y="connsiteY11"/>
-              </a:cxn>
-            </a:cxnLst>
-            <a:rect l="l" t="t" r="r" b="b"/>
-            <a:pathLst>
-              <a:path w="3255095" h="18288" fill="none" extrusionOk="0">
-                <a:moveTo>
-                  <a:pt x="0" y="0"/>
-                </a:moveTo>
-                <a:cubicBezTo>
-                  <a:pt x="240201" y="-22123"/>
-                  <a:pt x="462021" y="-19623"/>
-                  <a:pt x="618468" y="0"/>
-                </a:cubicBezTo>
-                <a:cubicBezTo>
-                  <a:pt x="774915" y="19623"/>
-                  <a:pt x="974734" y="2035"/>
-                  <a:pt x="1269487" y="0"/>
-                </a:cubicBezTo>
-                <a:cubicBezTo>
-                  <a:pt x="1564240" y="-2035"/>
-                  <a:pt x="1733579" y="10639"/>
-                  <a:pt x="1953057" y="0"/>
-                </a:cubicBezTo>
-                <a:cubicBezTo>
-                  <a:pt x="2172535" y="-10639"/>
-                  <a:pt x="2453962" y="14018"/>
-                  <a:pt x="2636627" y="0"/>
-                </a:cubicBezTo>
-                <a:cubicBezTo>
-                  <a:pt x="2819292" y="-14018"/>
-                  <a:pt x="3121375" y="5399"/>
-                  <a:pt x="3255095" y="0"/>
-                </a:cubicBezTo>
-                <a:cubicBezTo>
-                  <a:pt x="3254386" y="8157"/>
-                  <a:pt x="3254682" y="12125"/>
-                  <a:pt x="3255095" y="18288"/>
-                </a:cubicBezTo>
-                <a:cubicBezTo>
-                  <a:pt x="3088545" y="23203"/>
-                  <a:pt x="2687475" y="7419"/>
-                  <a:pt x="2538974" y="18288"/>
-                </a:cubicBezTo>
-                <a:cubicBezTo>
-                  <a:pt x="2390473" y="29157"/>
-                  <a:pt x="2137381" y="-8959"/>
-                  <a:pt x="1822853" y="18288"/>
-                </a:cubicBezTo>
-                <a:cubicBezTo>
-                  <a:pt x="1508325" y="45535"/>
-                  <a:pt x="1466437" y="20385"/>
-                  <a:pt x="1171834" y="18288"/>
-                </a:cubicBezTo>
-                <a:cubicBezTo>
-                  <a:pt x="877231" y="16191"/>
-                  <a:pt x="561097" y="37643"/>
-                  <a:pt x="0" y="18288"/>
-                </a:cubicBezTo>
-                <a:cubicBezTo>
-                  <a:pt x="-46" y="12483"/>
-                  <a:pt x="-203" y="6491"/>
-                  <a:pt x="0" y="0"/>
-                </a:cubicBezTo>
-                <a:close/>
-              </a:path>
-              <a:path w="3255095" h="18288" stroke="0" extrusionOk="0">
-                <a:moveTo>
-                  <a:pt x="0" y="0"/>
-                </a:moveTo>
-                <a:cubicBezTo>
-                  <a:pt x="291965" y="19429"/>
-                  <a:pt x="363155" y="8568"/>
-                  <a:pt x="618468" y="0"/>
-                </a:cubicBezTo>
-                <a:cubicBezTo>
-                  <a:pt x="873781" y="-8568"/>
-                  <a:pt x="904459" y="-19505"/>
-                  <a:pt x="1171834" y="0"/>
-                </a:cubicBezTo>
-                <a:cubicBezTo>
-                  <a:pt x="1439209" y="19505"/>
-                  <a:pt x="1744369" y="9790"/>
-                  <a:pt x="1887955" y="0"/>
-                </a:cubicBezTo>
-                <a:cubicBezTo>
-                  <a:pt x="2031541" y="-9790"/>
-                  <a:pt x="2346378" y="21240"/>
-                  <a:pt x="2506423" y="0"/>
-                </a:cubicBezTo>
-                <a:cubicBezTo>
-                  <a:pt x="2666468" y="-21240"/>
-                  <a:pt x="2990257" y="30414"/>
-                  <a:pt x="3255095" y="0"/>
-                </a:cubicBezTo>
-                <a:cubicBezTo>
-                  <a:pt x="3254831" y="4493"/>
-                  <a:pt x="3255479" y="9472"/>
-                  <a:pt x="3255095" y="18288"/>
-                </a:cubicBezTo>
-                <a:cubicBezTo>
-                  <a:pt x="3120743" y="16690"/>
-                  <a:pt x="2759628" y="42462"/>
-                  <a:pt x="2604076" y="18288"/>
-                </a:cubicBezTo>
-                <a:cubicBezTo>
-                  <a:pt x="2448524" y="-5886"/>
-                  <a:pt x="2184336" y="19599"/>
-                  <a:pt x="1887955" y="18288"/>
-                </a:cubicBezTo>
-                <a:cubicBezTo>
-                  <a:pt x="1591574" y="16977"/>
-                  <a:pt x="1548845" y="6870"/>
-                  <a:pt x="1334589" y="18288"/>
-                </a:cubicBezTo>
-                <a:cubicBezTo>
-                  <a:pt x="1120333" y="29706"/>
-                  <a:pt x="996014" y="9662"/>
-                  <a:pt x="683570" y="18288"/>
-                </a:cubicBezTo>
-                <a:cubicBezTo>
-                  <a:pt x="371126" y="26914"/>
-                  <a:pt x="198687" y="16167"/>
-                  <a:pt x="0" y="18288"/>
-                </a:cubicBezTo>
-                <a:cubicBezTo>
-                  <a:pt x="843" y="9577"/>
-                  <a:pt x="371" y="6900"/>
-                  <a:pt x="0" y="0"/>
-                </a:cubicBezTo>
-                <a:close/>
-              </a:path>
-            </a:pathLst>
-          </a:custGeom>
-          <a:solidFill>
-            <a:schemeClr val="accent2"/>
-          </a:solidFill>
-          <a:ln w="38100" cap="rnd">
-            <a:solidFill>
-              <a:schemeClr val="accent2"/>
-            </a:solidFill>
-            <a:round/>
-            <a:extLst>
-              <a:ext uri="{C807C97D-BFC1-408E-A445-0C87EB9F89A2}">
-                <ask:lineSketchStyleProps xmlns:ask="http://schemas.microsoft.com/office/drawing/2018/sketchyshapes" sd="1219033472">
-                  <a:prstGeom prst="rect">
-                    <a:avLst/>
-                  </a:prstGeom>
-                  <ask:type>
-                    <ask:lineSketchFreehand/>
-                  </ask:type>
-                </ask:lineSketchStyleProps>
-              </a:ext>
-            </a:extLst>
-          </a:ln>
-        </p:spPr>
-        <p:style>
-          <a:lnRef idx="2">
-            <a:schemeClr val="accent1">
-              <a:shade val="50000"/>
-            </a:schemeClr>
-          </a:lnRef>
-          <a:fillRef idx="1">
-            <a:schemeClr val="accent1"/>
-          </a:fillRef>
-          <a:effectRef idx="0">
-            <a:schemeClr val="accent1"/>
-          </a:effectRef>
-          <a:fontRef idx="minor">
-            <a:schemeClr val="lt1"/>
-          </a:fontRef>
-        </p:style>
-        <p:txBody>
-          <a:bodyPr rtlCol="0" anchor="ctr"/>
-          <a:lstStyle/>
-          <a:p>
-            <a:pPr algn="ctr"/>
-            <a:endParaRPr lang="en-US"/>
-          </a:p>
-        </p:txBody>
-      </p:sp>
-      <p:sp>
-        <p:nvSpPr>
-          <p:cNvPr id="3" name="Content Placeholder 2">
-            <a:extLst>
-              <a:ext uri="{FF2B5EF4-FFF2-40B4-BE49-F238E27FC236}">
-                <a16:creationId xmlns:a16="http://schemas.microsoft.com/office/drawing/2014/main" id="{98B6C42F-8CB3-FB57-D11C-4033DD156FEC}"/>
-              </a:ext>
-            </a:extLst>
-          </p:cNvPr>
-          <p:cNvSpPr>
-            <a:spLocks noGrp="1"/>
-          </p:cNvSpPr>
-          <p:nvPr>
-            <p:ph idx="1"/>
-          </p:nvPr>
-        </p:nvSpPr>
-        <p:spPr>
-          <a:xfrm>
-            <a:off x="630936" y="2660904"/>
-            <a:ext cx="6122202" cy="3547872"/>
-          </a:xfrm>
-        </p:spPr>
-        <p:txBody>
-          <a:bodyPr anchor="t">
-            <a:normAutofit/>
-          </a:bodyPr>
-          <a:lstStyle/>
-          <a:p>
-            <a:r>
-              <a:rPr lang="da-DK" sz="2200" dirty="0" err="1"/>
-              <a:t>Add</a:t>
-            </a:r>
-            <a:r>
-              <a:rPr lang="da-DK" sz="2200" dirty="0"/>
-              <a:t> </a:t>
-            </a:r>
-            <a:r>
-              <a:rPr lang="da-DK" sz="2200" dirty="0" err="1"/>
-              <a:t>you</a:t>
-            </a:r>
-            <a:r>
-              <a:rPr lang="da-DK" sz="2200" dirty="0"/>
-              <a:t> database </a:t>
-            </a:r>
-            <a:r>
-              <a:rPr lang="da-DK" sz="2200" dirty="0" err="1"/>
-              <a:t>schema</a:t>
-            </a:r>
-            <a:r>
-              <a:rPr lang="da-DK" sz="2200" dirty="0"/>
-              <a:t> to source </a:t>
-            </a:r>
-            <a:r>
-              <a:rPr lang="da-DK" sz="2200" dirty="0" err="1"/>
-              <a:t>control</a:t>
-            </a:r>
-            <a:endParaRPr lang="da-DK" sz="2200" dirty="0"/>
-          </a:p>
-          <a:p>
-            <a:r>
-              <a:rPr lang="da-DK" sz="2200" dirty="0" err="1"/>
-              <a:t>Enable</a:t>
-            </a:r>
-            <a:r>
-              <a:rPr lang="da-DK" sz="2200" dirty="0"/>
-              <a:t> </a:t>
-            </a:r>
-            <a:r>
-              <a:rPr lang="da-DK" sz="2200" dirty="0" err="1"/>
-              <a:t>code</a:t>
-            </a:r>
-            <a:r>
-              <a:rPr lang="da-DK" sz="2200" dirty="0"/>
-              <a:t> </a:t>
-            </a:r>
-            <a:r>
-              <a:rPr lang="da-DK" sz="2200" dirty="0" err="1"/>
-              <a:t>analysis</a:t>
-            </a:r>
-            <a:r>
-              <a:rPr lang="da-DK" sz="2200" dirty="0"/>
-              <a:t> </a:t>
-            </a:r>
-            <a:r>
-              <a:rPr lang="da-DK" sz="2200" dirty="0" err="1"/>
-              <a:t>locally</a:t>
-            </a:r>
-            <a:r>
-              <a:rPr lang="da-DK" sz="2200" dirty="0"/>
-              <a:t> and in CI</a:t>
-            </a:r>
-          </a:p>
-          <a:p>
-            <a:r>
-              <a:rPr lang="da-DK" sz="2200" dirty="0" err="1"/>
-              <a:t>Optional</a:t>
-            </a:r>
-            <a:r>
-              <a:rPr lang="da-DK" sz="2200" dirty="0"/>
-              <a:t>: </a:t>
-            </a:r>
-            <a:r>
-              <a:rPr lang="da-DK" sz="2200" dirty="0" err="1"/>
-              <a:t>Create</a:t>
-            </a:r>
-            <a:r>
-              <a:rPr lang="da-DK" sz="2200" dirty="0"/>
-              <a:t> </a:t>
-            </a:r>
-            <a:r>
-              <a:rPr lang="da-DK" sz="2200" dirty="0" err="1"/>
-              <a:t>your</a:t>
-            </a:r>
-            <a:r>
-              <a:rPr lang="da-DK" sz="2200" dirty="0"/>
-              <a:t> </a:t>
-            </a:r>
-            <a:r>
-              <a:rPr lang="da-DK" sz="2200" dirty="0" err="1"/>
-              <a:t>own</a:t>
-            </a:r>
-            <a:r>
-              <a:rPr lang="da-DK" sz="2200" dirty="0"/>
-              <a:t> </a:t>
-            </a:r>
-            <a:r>
-              <a:rPr lang="da-DK" sz="2200" dirty="0" err="1"/>
-              <a:t>rules</a:t>
-            </a:r>
-            <a:r>
-              <a:rPr lang="da-DK" sz="2200" dirty="0"/>
-              <a:t> and </a:t>
-            </a:r>
-            <a:r>
-              <a:rPr lang="da-DK" sz="2200" dirty="0" err="1"/>
-              <a:t>contribute</a:t>
-            </a:r>
-            <a:r>
-              <a:rPr lang="da-DK" sz="2200" dirty="0"/>
-              <a:t> </a:t>
-            </a:r>
-            <a:r>
-              <a:rPr lang="da-DK" sz="2200" dirty="0" err="1"/>
-              <a:t>them</a:t>
-            </a:r>
-            <a:r>
-              <a:rPr lang="da-DK" sz="2200" dirty="0"/>
-              <a:t> back to the community</a:t>
-            </a:r>
-          </a:p>
-          <a:p>
-            <a:r>
-              <a:rPr lang="da-DK" sz="2200" dirty="0"/>
-              <a:t>Q &amp; A</a:t>
-            </a:r>
-          </a:p>
-        </p:txBody>
-      </p:sp>
-      <p:pic>
-        <p:nvPicPr>
-          <p:cNvPr id="5" name="Picture 4" descr="A qr code with black dots&#10;&#10;Description automatically generated">
-            <a:extLst>
-              <a:ext uri="{FF2B5EF4-FFF2-40B4-BE49-F238E27FC236}">
-                <a16:creationId xmlns:a16="http://schemas.microsoft.com/office/drawing/2014/main" id="{1ACEDAF7-1A70-3E40-9618-12BBF5CB9F25}"/>
-              </a:ext>
-            </a:extLst>
-          </p:cNvPr>
-          <p:cNvPicPr>
-            <a:picLocks noChangeAspect="1"/>
-          </p:cNvPicPr>
-          <p:nvPr/>
-        </p:nvPicPr>
-        <p:blipFill>
-          <a:blip r:embed="rId2"/>
-          <a:stretch>
-            <a:fillRect/>
-          </a:stretch>
-        </p:blipFill>
-        <p:spPr>
-          <a:xfrm>
-            <a:off x="6862194" y="904031"/>
-            <a:ext cx="4695822" cy="4343974"/>
-          </a:xfrm>
-          <a:prstGeom prst="rect">
-            <a:avLst/>
-          </a:prstGeom>
-        </p:spPr>
-      </p:pic>
-    </p:spTree>
-    <p:extLst>
-      <p:ext uri="{BB962C8B-B14F-4D97-AF65-F5344CB8AC3E}">
-        <p14:creationId xmlns:p14="http://schemas.microsoft.com/office/powerpoint/2010/main" val="1406646759"/>
-      </p:ext>
-    </p:extLst>
-  </p:cSld>
-  <p:clrMapOvr>
-    <a:masterClrMapping/>
-  </p:clrMapOvr>
-</p:sld>
-</file>
-
 <file path=ppt/slides/slide8.xml><?xml version="1.0" encoding="utf-8"?>
 <p:sld xmlns:a="http://schemas.openxmlformats.org/drawingml/2006/main" xmlns:r="http://schemas.openxmlformats.org/officeDocument/2006/relationships" xmlns:p="http://schemas.openxmlformats.org/presentationml/2006/main">
   <p:cSld>
     <p:spTree>
       <p:nvGrpSpPr>
-        <p:cNvPr id="1" name=""/>
+        <p:cNvPr id="1" name="">
+          <a:extLst>
+            <a:ext uri="{FF2B5EF4-FFF2-40B4-BE49-F238E27FC236}">
+              <a16:creationId xmlns:a16="http://schemas.microsoft.com/office/drawing/2014/main" id="{A0EBBA3D-1D4D-7E61-1738-8D5A6CFDAD91}"/>
+            </a:ext>
+          </a:extLst>
+        </p:cNvPr>
         <p:cNvGrpSpPr/>
         <p:nvPr/>
       </p:nvGrpSpPr>
@@ -16153,7 +16788,7 @@
           <p:cNvPr id="2" name="Title 1">
             <a:extLst>
               <a:ext uri="{FF2B5EF4-FFF2-40B4-BE49-F238E27FC236}">
-                <a16:creationId xmlns:a16="http://schemas.microsoft.com/office/drawing/2014/main" id="{B6E02EDD-BF75-C1E2-C4E0-452E278B9E12}"/>
+                <a16:creationId xmlns:a16="http://schemas.microsoft.com/office/drawing/2014/main" id="{06BAE2BC-381C-A57E-FCAD-277D509EECB8}"/>
               </a:ext>
             </a:extLst>
           </p:cNvPr>
@@ -16161,7 +16796,7 @@
             <a:spLocks noGrp="1"/>
           </p:cNvSpPr>
           <p:nvPr>
-            <p:ph type="ctrTitle"/>
+            <p:ph type="title"/>
           </p:nvPr>
         </p:nvSpPr>
         <p:spPr/>
@@ -16170,77 +16805,46 @@
           <a:lstStyle/>
           <a:p>
             <a:r>
-              <a:rPr lang="da-DK" dirty="0" err="1"/>
-              <a:t>What</a:t>
-            </a:r>
-            <a:r>
-              <a:rPr lang="da-DK" dirty="0"/>
-              <a:t> is a </a:t>
-            </a:r>
-            <a:r>
-              <a:rPr lang="da-DK" dirty="0" err="1"/>
-              <a:t>dacpac</a:t>
-            </a:r>
-            <a:r>
-              <a:rPr lang="da-DK" dirty="0"/>
-              <a:t> and </a:t>
-            </a:r>
-            <a:r>
-              <a:rPr lang="da-DK" dirty="0" err="1"/>
-              <a:t>why</a:t>
-            </a:r>
-            <a:r>
-              <a:rPr lang="da-DK" dirty="0"/>
-              <a:t> </a:t>
-            </a:r>
-            <a:r>
-              <a:rPr lang="da-DK" dirty="0" err="1"/>
-              <a:t>should</a:t>
-            </a:r>
-            <a:r>
-              <a:rPr lang="da-DK" dirty="0"/>
-              <a:t> I </a:t>
-            </a:r>
-            <a:r>
-              <a:rPr lang="da-DK" dirty="0" err="1"/>
-              <a:t>care</a:t>
-            </a:r>
-            <a:r>
-              <a:rPr lang="da-DK" dirty="0"/>
-              <a:t>?</a:t>
-            </a:r>
+              <a:rPr lang="da-DK"/>
+              <a:t>Q  &amp; A</a:t>
+            </a:r>
+            <a:endParaRPr lang="da-DK" dirty="0"/>
           </a:p>
         </p:txBody>
       </p:sp>
-      <p:sp>
-        <p:nvSpPr>
-          <p:cNvPr id="3" name="Subtitle 2">
+      <p:pic>
+        <p:nvPicPr>
+          <p:cNvPr id="5" name="Content Placeholder 4">
             <a:extLst>
               <a:ext uri="{FF2B5EF4-FFF2-40B4-BE49-F238E27FC236}">
-                <a16:creationId xmlns:a16="http://schemas.microsoft.com/office/drawing/2014/main" id="{FC34CC98-5EC0-A5E9-F6EC-E0FF61BD140B}"/>
+                <a16:creationId xmlns:a16="http://schemas.microsoft.com/office/drawing/2014/main" id="{A59D8A4D-BC32-FCB3-F0F4-F3C435D72A5E}"/>
               </a:ext>
             </a:extLst>
           </p:cNvPr>
-          <p:cNvSpPr>
-            <a:spLocks noGrp="1"/>
-          </p:cNvSpPr>
+          <p:cNvPicPr>
+            <a:picLocks noGrp="1" noChangeAspect="1"/>
+          </p:cNvPicPr>
           <p:nvPr>
-            <p:ph type="subTitle" idx="1"/>
+            <p:ph idx="1"/>
           </p:nvPr>
-        </p:nvSpPr>
-        <p:spPr/>
-        <p:txBody>
-          <a:bodyPr/>
-          <a:lstStyle/>
-          <a:p>
-            <a:endParaRPr lang="da-DK"/>
-          </a:p>
-        </p:txBody>
-      </p:sp>
+        </p:nvPicPr>
+        <p:blipFill>
+          <a:blip r:embed="rId2"/>
+          <a:stretch>
+            <a:fillRect/>
+          </a:stretch>
+        </p:blipFill>
+        <p:spPr>
+          <a:xfrm>
+            <a:off x="2874317" y="1916599"/>
+            <a:ext cx="6669580" cy="3930082"/>
+          </a:xfrm>
+        </p:spPr>
+      </p:pic>
     </p:spTree>
     <p:extLst>
       <p:ext uri="{BB962C8B-B14F-4D97-AF65-F5344CB8AC3E}">
-        <p14:creationId xmlns:p14="http://schemas.microsoft.com/office/powerpoint/2010/main" val="3361272730"/>
+        <p14:creationId xmlns:p14="http://schemas.microsoft.com/office/powerpoint/2010/main" val="487434153"/>
       </p:ext>
     </p:extLst>
   </p:cSld>
@@ -16255,7 +16859,13 @@
   <p:cSld>
     <p:spTree>
       <p:nvGrpSpPr>
-        <p:cNvPr id="1" name=""/>
+        <p:cNvPr id="1" name="">
+          <a:extLst>
+            <a:ext uri="{FF2B5EF4-FFF2-40B4-BE49-F238E27FC236}">
+              <a16:creationId xmlns:a16="http://schemas.microsoft.com/office/drawing/2014/main" id="{C03D46EE-FF28-5231-08CB-F5FDBAC097A5}"/>
+            </a:ext>
+          </a:extLst>
+        </p:cNvPr>
         <p:cNvGrpSpPr/>
         <p:nvPr/>
       </p:nvGrpSpPr>
@@ -16272,7 +16882,7 @@
           <p:cNvPr id="2" name="Title 1">
             <a:extLst>
               <a:ext uri="{FF2B5EF4-FFF2-40B4-BE49-F238E27FC236}">
-                <a16:creationId xmlns:a16="http://schemas.microsoft.com/office/drawing/2014/main" id="{83C2E1C5-9DBD-026F-54AD-8267C48752C3}"/>
+                <a16:creationId xmlns:a16="http://schemas.microsoft.com/office/drawing/2014/main" id="{2E6EEB31-E4FC-2566-C8F1-45B5FB08A41F}"/>
               </a:ext>
             </a:extLst>
           </p:cNvPr>
@@ -16289,12 +16899,8 @@
           <a:lstStyle/>
           <a:p>
             <a:r>
-              <a:rPr lang="da-DK" dirty="0" err="1"/>
-              <a:t>Why</a:t>
-            </a:r>
-            <a:r>
               <a:rPr lang="da-DK" dirty="0"/>
-              <a:t>?</a:t>
+              <a:t>Q  &amp; A</a:t>
             </a:r>
           </a:p>
         </p:txBody>
@@ -16304,7 +16910,7 @@
           <p:cNvPr id="3" name="Content Placeholder 2">
             <a:extLst>
               <a:ext uri="{FF2B5EF4-FFF2-40B4-BE49-F238E27FC236}">
-                <a16:creationId xmlns:a16="http://schemas.microsoft.com/office/drawing/2014/main" id="{FE1AEA13-D193-3591-483D-99C9CBEA719D}"/>
+                <a16:creationId xmlns:a16="http://schemas.microsoft.com/office/drawing/2014/main" id="{47C55434-F03A-B8A3-C83A-165FC3B93CD3}"/>
               </a:ext>
             </a:extLst>
           </p:cNvPr>
@@ -16318,38 +16924,129 @@
         <p:spPr/>
         <p:txBody>
           <a:bodyPr>
-            <a:normAutofit fontScale="92500" lnSpcReduction="20000"/>
+            <a:normAutofit/>
           </a:bodyPr>
           <a:lstStyle/>
           <a:p>
-            <a:pPr marL="0" indent="0">
-              <a:buNone/>
-            </a:pPr>
-            <a:r>
-              <a:rPr lang="da-DK" b="0" i="0" dirty="0">
-                <a:solidFill>
-                  <a:srgbClr val="555555"/>
-                </a:solidFill>
-                <a:effectLst/>
-                <a:latin typeface="Open Sans" panose="020B0606030504020204" pitchFamily="34" charset="0"/>
-              </a:rPr>
-              <a:t>Data Tier Application Package</a:t>
-            </a:r>
-            <a:br>
-              <a:rPr lang="da-DK" b="0" i="0" dirty="0">
-                <a:solidFill>
-                  <a:srgbClr val="555555"/>
-                </a:solidFill>
-                <a:effectLst/>
-                <a:latin typeface="Open Sans" panose="020B0606030504020204" pitchFamily="34" charset="0"/>
-              </a:rPr>
-            </a:br>
-            <a:endParaRPr lang="da-DK" dirty="0"/>
+            <a:r>
+              <a:rPr lang="da-DK" sz="3200" dirty="0"/>
+              <a:t>Handling </a:t>
+            </a:r>
+            <a:r>
+              <a:rPr lang="da-DK" sz="3200" dirty="0" err="1"/>
+              <a:t>destructive</a:t>
+            </a:r>
+            <a:r>
+              <a:rPr lang="da-DK" sz="3200" dirty="0"/>
+              <a:t> </a:t>
+            </a:r>
+            <a:r>
+              <a:rPr lang="da-DK" sz="3200" dirty="0" err="1"/>
+              <a:t>schema</a:t>
+            </a:r>
+            <a:r>
+              <a:rPr lang="da-DK" sz="3200" dirty="0"/>
+              <a:t> </a:t>
+            </a:r>
+            <a:r>
+              <a:rPr lang="da-DK" sz="3200" dirty="0" err="1"/>
+              <a:t>changes</a:t>
+            </a:r>
+            <a:r>
+              <a:rPr lang="da-DK" sz="3200" dirty="0"/>
+              <a:t>?</a:t>
+            </a:r>
           </a:p>
           <a:p>
             <a:r>
+              <a:rPr lang="da-DK" sz="3200" dirty="0"/>
+              <a:t>This is a community </a:t>
+            </a:r>
+            <a:r>
               <a:rPr lang="da-DK" sz="3200" dirty="0" err="1"/>
-              <a:t>Get</a:t>
+              <a:t>project</a:t>
+            </a:r>
+            <a:r>
+              <a:rPr lang="da-DK" sz="3200" dirty="0"/>
+              <a:t>, </a:t>
+            </a:r>
+            <a:r>
+              <a:rPr lang="da-DK" sz="3200" dirty="0" err="1"/>
+              <a:t>what</a:t>
+            </a:r>
+            <a:r>
+              <a:rPr lang="da-DK" sz="3200" dirty="0"/>
+              <a:t> is MS </a:t>
+            </a:r>
+            <a:r>
+              <a:rPr lang="da-DK" sz="3200" dirty="0" err="1"/>
+              <a:t>doing</a:t>
+            </a:r>
+            <a:r>
+              <a:rPr lang="da-DK" sz="3200" dirty="0"/>
+              <a:t>?</a:t>
+            </a:r>
+          </a:p>
+          <a:p>
+            <a:r>
+              <a:rPr lang="da-DK" sz="3200" dirty="0" err="1"/>
+              <a:t>Sharing</a:t>
+            </a:r>
+            <a:r>
+              <a:rPr lang="da-DK" sz="3200" dirty="0"/>
+              <a:t> parts of a database (</a:t>
+            </a:r>
+            <a:r>
+              <a:rPr lang="da-DK" sz="3200" dirty="0" err="1"/>
+              <a:t>f.ex</a:t>
+            </a:r>
+            <a:r>
+              <a:rPr lang="da-DK" sz="3200" dirty="0"/>
+              <a:t>. </a:t>
+            </a:r>
+            <a:r>
+              <a:rPr lang="da-DK" sz="3200" dirty="0" err="1"/>
+              <a:t>monitoring</a:t>
+            </a:r>
+            <a:r>
+              <a:rPr lang="da-DK" sz="3200" dirty="0"/>
+              <a:t>) ?</a:t>
+            </a:r>
+          </a:p>
+          <a:p>
+            <a:r>
+              <a:rPr lang="da-DK" sz="3200" dirty="0" err="1"/>
+              <a:t>Does</a:t>
+            </a:r>
+            <a:r>
+              <a:rPr lang="da-DK" sz="3200" dirty="0"/>
+              <a:t> it </a:t>
+            </a:r>
+            <a:r>
+              <a:rPr lang="da-DK" sz="3200" dirty="0" err="1"/>
+              <a:t>work</a:t>
+            </a:r>
+            <a:r>
+              <a:rPr lang="da-DK" sz="3200" dirty="0"/>
+              <a:t> on </a:t>
+            </a:r>
+            <a:r>
+              <a:rPr lang="da-DK" sz="3200" dirty="0" err="1"/>
+              <a:t>Azure</a:t>
+            </a:r>
+            <a:r>
+              <a:rPr lang="da-DK" sz="3200" dirty="0"/>
+              <a:t> SQL Databases?</a:t>
+            </a:r>
+          </a:p>
+          <a:p>
+            <a:r>
+              <a:rPr lang="da-DK" sz="3200" dirty="0"/>
+              <a:t>How </a:t>
+            </a:r>
+            <a:r>
+              <a:rPr lang="da-DK" sz="3200" dirty="0" err="1"/>
+              <a:t>would</a:t>
             </a:r>
             <a:r>
               <a:rPr lang="da-DK" sz="3200" dirty="0"/>
@@ -16357,22 +17054,7 @@
             </a:r>
             <a:r>
               <a:rPr lang="da-DK" sz="3200" dirty="0" err="1"/>
-              <a:t>your</a:t>
-            </a:r>
-            <a:r>
-              <a:rPr lang="da-DK" sz="3200" dirty="0"/>
-              <a:t> database under source </a:t>
-            </a:r>
-            <a:r>
-              <a:rPr lang="da-DK" sz="3200" dirty="0" err="1"/>
-              <a:t>control</a:t>
-            </a:r>
-            <a:endParaRPr lang="da-DK" sz="3200" dirty="0"/>
-          </a:p>
-          <a:p>
-            <a:r>
-              <a:rPr lang="da-DK" sz="3200" dirty="0" err="1"/>
-              <a:t>Ensure</a:t>
+              <a:t>this</a:t>
             </a:r>
             <a:r>
               <a:rPr lang="da-DK" sz="3200" dirty="0"/>
@@ -16380,186 +17062,11 @@
             </a:r>
             <a:r>
               <a:rPr lang="da-DK" sz="3200" dirty="0" err="1"/>
-              <a:t>your</a:t>
+              <a:t>work</a:t>
             </a:r>
             <a:r>
               <a:rPr lang="da-DK" sz="3200" dirty="0"/>
-              <a:t> .sql scripts ”</a:t>
-            </a:r>
-            <a:r>
-              <a:rPr lang="da-DK" sz="3200" dirty="0" err="1"/>
-              <a:t>build</a:t>
-            </a:r>
-            <a:r>
-              <a:rPr lang="da-DK" sz="3200" dirty="0"/>
-              <a:t>” – </a:t>
-            </a:r>
-            <a:r>
-              <a:rPr lang="da-DK" sz="3200" dirty="0" err="1"/>
-              <a:t>code</a:t>
-            </a:r>
-            <a:r>
-              <a:rPr lang="da-DK" sz="3200" dirty="0"/>
-              <a:t> </a:t>
-            </a:r>
-            <a:r>
-              <a:rPr lang="da-DK" sz="3200" dirty="0" err="1"/>
-              <a:t>validation</a:t>
-            </a:r>
-            <a:endParaRPr lang="da-DK" sz="3200" dirty="0"/>
-          </a:p>
-          <a:p>
-            <a:r>
-              <a:rPr lang="da-DK" sz="3200" dirty="0" err="1"/>
-              <a:t>Ensure</a:t>
-            </a:r>
-            <a:r>
-              <a:rPr lang="da-DK" sz="3200" dirty="0"/>
-              <a:t> </a:t>
-            </a:r>
-            <a:r>
-              <a:rPr lang="da-DK" sz="3200" dirty="0" err="1"/>
-              <a:t>your</a:t>
-            </a:r>
-            <a:r>
-              <a:rPr lang="da-DK" sz="3200" dirty="0"/>
-              <a:t> .sql scripts </a:t>
-            </a:r>
-            <a:r>
-              <a:rPr lang="da-DK" sz="3200" dirty="0" err="1"/>
-              <a:t>follow</a:t>
-            </a:r>
-            <a:r>
-              <a:rPr lang="da-DK" sz="3200" dirty="0"/>
-              <a:t> business </a:t>
-            </a:r>
-            <a:r>
-              <a:rPr lang="da-DK" sz="3200" dirty="0" err="1"/>
-              <a:t>rules</a:t>
-            </a:r>
-            <a:r>
-              <a:rPr lang="da-DK" sz="3200" dirty="0"/>
-              <a:t> – </a:t>
-            </a:r>
-            <a:r>
-              <a:rPr lang="da-DK" sz="3200" dirty="0" err="1"/>
-              <a:t>code</a:t>
-            </a:r>
-            <a:r>
-              <a:rPr lang="da-DK" sz="3200" dirty="0"/>
-              <a:t> </a:t>
-            </a:r>
-            <a:r>
-              <a:rPr lang="da-DK" sz="3200" dirty="0" err="1"/>
-              <a:t>analysis</a:t>
-            </a:r>
-            <a:endParaRPr lang="da-DK" sz="3200" dirty="0"/>
-          </a:p>
-          <a:p>
-            <a:r>
-              <a:rPr lang="da-DK" sz="3200" dirty="0" err="1"/>
-              <a:t>Deploy</a:t>
-            </a:r>
-            <a:r>
-              <a:rPr lang="da-DK" sz="3200" dirty="0"/>
-              <a:t> </a:t>
-            </a:r>
-            <a:r>
-              <a:rPr lang="da-DK" sz="3200" dirty="0" err="1"/>
-              <a:t>changes</a:t>
-            </a:r>
-            <a:r>
-              <a:rPr lang="da-DK" sz="3200" dirty="0"/>
-              <a:t> to the database </a:t>
-            </a:r>
-            <a:r>
-              <a:rPr lang="da-DK" sz="3200" dirty="0" err="1"/>
-              <a:t>schema</a:t>
-            </a:r>
-            <a:r>
-              <a:rPr lang="da-DK" sz="3200" dirty="0"/>
-              <a:t> with </a:t>
-            </a:r>
-            <a:r>
-              <a:rPr lang="da-DK" sz="3200" dirty="0" err="1"/>
-              <a:t>changes</a:t>
-            </a:r>
-            <a:r>
-              <a:rPr lang="da-DK" sz="3200" dirty="0"/>
-              <a:t> to </a:t>
-            </a:r>
-            <a:r>
-              <a:rPr lang="da-DK" sz="3200" dirty="0" err="1"/>
-              <a:t>your</a:t>
-            </a:r>
-            <a:r>
-              <a:rPr lang="da-DK" sz="3200" dirty="0"/>
-              <a:t> app</a:t>
-            </a:r>
-          </a:p>
-          <a:p>
-            <a:r>
-              <a:rPr lang="da-DK" sz="3200" dirty="0"/>
-              <a:t>No more migration scripts – </a:t>
-            </a:r>
-            <a:r>
-              <a:rPr lang="da-DK" sz="3200" dirty="0" err="1"/>
-              <a:t>simply</a:t>
-            </a:r>
-            <a:r>
-              <a:rPr lang="da-DK" sz="3200" dirty="0"/>
-              <a:t> </a:t>
-            </a:r>
-            <a:r>
-              <a:rPr lang="da-DK" sz="3200" dirty="0" err="1"/>
-              <a:t>describe</a:t>
-            </a:r>
-            <a:r>
-              <a:rPr lang="da-DK" sz="3200" dirty="0"/>
-              <a:t> </a:t>
-            </a:r>
-            <a:r>
-              <a:rPr lang="da-DK" sz="3200" dirty="0" err="1"/>
-              <a:t>your</a:t>
-            </a:r>
-            <a:r>
-              <a:rPr lang="da-DK" sz="3200" dirty="0"/>
-              <a:t> </a:t>
-            </a:r>
-            <a:r>
-              <a:rPr lang="da-DK" sz="3200" dirty="0" err="1"/>
-              <a:t>desired</a:t>
-            </a:r>
-            <a:r>
-              <a:rPr lang="da-DK" sz="3200" dirty="0"/>
-              <a:t> </a:t>
-            </a:r>
-            <a:r>
-              <a:rPr lang="da-DK" sz="3200" dirty="0" err="1"/>
-              <a:t>state</a:t>
-            </a:r>
-            <a:endParaRPr lang="da-DK" sz="3200" dirty="0"/>
-          </a:p>
-          <a:p>
-            <a:r>
-              <a:rPr lang="da-DK" sz="3200" dirty="0"/>
-              <a:t>Cross platform </a:t>
-            </a:r>
-            <a:r>
-              <a:rPr lang="da-DK" sz="3200" dirty="0" err="1"/>
-              <a:t>build</a:t>
-            </a:r>
-            <a:r>
-              <a:rPr lang="da-DK" sz="3200" dirty="0"/>
-              <a:t> and </a:t>
-            </a:r>
-            <a:r>
-              <a:rPr lang="da-DK" sz="3200" dirty="0" err="1"/>
-              <a:t>deployment</a:t>
-            </a:r>
-            <a:r>
-              <a:rPr lang="da-DK" sz="3200" dirty="0"/>
-              <a:t> support</a:t>
+              <a:t> with EF Core?</a:t>
             </a:r>
           </a:p>
           <a:p>
@@ -16573,7 +17080,7 @@
     </p:spTree>
     <p:extLst>
       <p:ext uri="{BB962C8B-B14F-4D97-AF65-F5344CB8AC3E}">
-        <p14:creationId xmlns:p14="http://schemas.microsoft.com/office/powerpoint/2010/main" val="2807965468"/>
+        <p14:creationId xmlns:p14="http://schemas.microsoft.com/office/powerpoint/2010/main" val="3608072289"/>
       </p:ext>
     </p:extLst>
   </p:cSld>

--- a/T-SQL Code analysis.pptx
+++ b/T-SQL Code analysis.pptx
@@ -13,9 +13,9 @@
     <p:sldId id="264" r:id="rId7"/>
     <p:sldId id="257" r:id="rId8"/>
     <p:sldId id="284" r:id="rId9"/>
-    <p:sldId id="283" r:id="rId10"/>
-    <p:sldId id="279" r:id="rId11"/>
-    <p:sldId id="266" r:id="rId12"/>
+    <p:sldId id="279" r:id="rId10"/>
+    <p:sldId id="266" r:id="rId11"/>
+    <p:sldId id="283" r:id="rId12"/>
     <p:sldId id="256" r:id="rId13"/>
     <p:sldId id="258" r:id="rId14"/>
     <p:sldId id="267" r:id="rId15"/>
@@ -10014,7 +10014,7 @@
           <a:p>
             <a:fld id="{100FD589-5CEC-4C5D-B34D-E6C06527026F}" type="datetimeFigureOut">
               <a:rPr lang="da-DK" smtClean="0"/>
-              <a:t>25-01-2025</a:t>
+              <a:t>26-01-2025</a:t>
             </a:fld>
             <a:endParaRPr lang="da-DK"/>
           </a:p>
@@ -10214,7 +10214,7 @@
           <a:p>
             <a:fld id="{100FD589-5CEC-4C5D-B34D-E6C06527026F}" type="datetimeFigureOut">
               <a:rPr lang="da-DK" smtClean="0"/>
-              <a:t>25-01-2025</a:t>
+              <a:t>26-01-2025</a:t>
             </a:fld>
             <a:endParaRPr lang="da-DK"/>
           </a:p>
@@ -10424,7 +10424,7 @@
           <a:p>
             <a:fld id="{100FD589-5CEC-4C5D-B34D-E6C06527026F}" type="datetimeFigureOut">
               <a:rPr lang="da-DK" smtClean="0"/>
-              <a:t>25-01-2025</a:t>
+              <a:t>26-01-2025</a:t>
             </a:fld>
             <a:endParaRPr lang="da-DK"/>
           </a:p>
@@ -10624,7 +10624,7 @@
           <a:p>
             <a:fld id="{100FD589-5CEC-4C5D-B34D-E6C06527026F}" type="datetimeFigureOut">
               <a:rPr lang="da-DK" smtClean="0"/>
-              <a:t>25-01-2025</a:t>
+              <a:t>26-01-2025</a:t>
             </a:fld>
             <a:endParaRPr lang="da-DK"/>
           </a:p>
@@ -10900,7 +10900,7 @@
           <a:p>
             <a:fld id="{100FD589-5CEC-4C5D-B34D-E6C06527026F}" type="datetimeFigureOut">
               <a:rPr lang="da-DK" smtClean="0"/>
-              <a:t>25-01-2025</a:t>
+              <a:t>26-01-2025</a:t>
             </a:fld>
             <a:endParaRPr lang="da-DK"/>
           </a:p>
@@ -11168,7 +11168,7 @@
           <a:p>
             <a:fld id="{100FD589-5CEC-4C5D-B34D-E6C06527026F}" type="datetimeFigureOut">
               <a:rPr lang="da-DK" smtClean="0"/>
-              <a:t>25-01-2025</a:t>
+              <a:t>26-01-2025</a:t>
             </a:fld>
             <a:endParaRPr lang="da-DK"/>
           </a:p>
@@ -11583,7 +11583,7 @@
           <a:p>
             <a:fld id="{100FD589-5CEC-4C5D-B34D-E6C06527026F}" type="datetimeFigureOut">
               <a:rPr lang="da-DK" smtClean="0"/>
-              <a:t>25-01-2025</a:t>
+              <a:t>26-01-2025</a:t>
             </a:fld>
             <a:endParaRPr lang="da-DK"/>
           </a:p>
@@ -11725,7 +11725,7 @@
           <a:p>
             <a:fld id="{100FD589-5CEC-4C5D-B34D-E6C06527026F}" type="datetimeFigureOut">
               <a:rPr lang="da-DK" smtClean="0"/>
-              <a:t>25-01-2025</a:t>
+              <a:t>26-01-2025</a:t>
             </a:fld>
             <a:endParaRPr lang="da-DK"/>
           </a:p>
@@ -11838,7 +11838,7 @@
           <a:p>
             <a:fld id="{100FD589-5CEC-4C5D-B34D-E6C06527026F}" type="datetimeFigureOut">
               <a:rPr lang="da-DK" smtClean="0"/>
-              <a:t>25-01-2025</a:t>
+              <a:t>26-01-2025</a:t>
             </a:fld>
             <a:endParaRPr lang="da-DK"/>
           </a:p>
@@ -12151,7 +12151,7 @@
           <a:p>
             <a:fld id="{100FD589-5CEC-4C5D-B34D-E6C06527026F}" type="datetimeFigureOut">
               <a:rPr lang="da-DK" smtClean="0"/>
-              <a:t>25-01-2025</a:t>
+              <a:t>26-01-2025</a:t>
             </a:fld>
             <a:endParaRPr lang="da-DK"/>
           </a:p>
@@ -12440,7 +12440,7 @@
           <a:p>
             <a:fld id="{100FD589-5CEC-4C5D-B34D-E6C06527026F}" type="datetimeFigureOut">
               <a:rPr lang="da-DK" smtClean="0"/>
-              <a:t>25-01-2025</a:t>
+              <a:t>26-01-2025</a:t>
             </a:fld>
             <a:endParaRPr lang="da-DK"/>
           </a:p>
@@ -12683,7 +12683,7 @@
           <a:p>
             <a:fld id="{100FD589-5CEC-4C5D-B34D-E6C06527026F}" type="datetimeFigureOut">
               <a:rPr lang="da-DK" smtClean="0"/>
-              <a:t>25-01-2025</a:t>
+              <a:t>26-01-2025</a:t>
             </a:fld>
             <a:endParaRPr lang="da-DK"/>
           </a:p>
@@ -13186,260 +13186,6 @@
 <file path=ppt/slides/slide10.xml><?xml version="1.0" encoding="utf-8"?>
 <p:sld xmlns:a="http://schemas.openxmlformats.org/drawingml/2006/main" xmlns:r="http://schemas.openxmlformats.org/officeDocument/2006/relationships" xmlns:p="http://schemas.openxmlformats.org/presentationml/2006/main">
   <p:cSld>
-    <p:spTree>
-      <p:nvGrpSpPr>
-        <p:cNvPr id="1" name=""/>
-        <p:cNvGrpSpPr/>
-        <p:nvPr/>
-      </p:nvGrpSpPr>
-      <p:grpSpPr>
-        <a:xfrm>
-          <a:off x="0" y="0"/>
-          <a:ext cx="0" cy="0"/>
-          <a:chOff x="0" y="0"/>
-          <a:chExt cx="0" cy="0"/>
-        </a:xfrm>
-      </p:grpSpPr>
-      <p:sp>
-        <p:nvSpPr>
-          <p:cNvPr id="2" name="Title 1">
-            <a:extLst>
-              <a:ext uri="{FF2B5EF4-FFF2-40B4-BE49-F238E27FC236}">
-                <a16:creationId xmlns:a16="http://schemas.microsoft.com/office/drawing/2014/main" id="{BCD0543B-85D0-70D6-E8C0-825E5B0CC031}"/>
-              </a:ext>
-            </a:extLst>
-          </p:cNvPr>
-          <p:cNvSpPr>
-            <a:spLocks noGrp="1"/>
-          </p:cNvSpPr>
-          <p:nvPr>
-            <p:ph type="title"/>
-          </p:nvPr>
-        </p:nvSpPr>
-        <p:spPr>
-          <a:xfrm>
-            <a:off x="1136397" y="502020"/>
-            <a:ext cx="5323715" cy="1642970"/>
-          </a:xfrm>
-        </p:spPr>
-        <p:txBody>
-          <a:bodyPr anchor="b">
-            <a:normAutofit/>
-          </a:bodyPr>
-          <a:lstStyle/>
-          <a:p>
-            <a:r>
-              <a:rPr lang="da-DK" sz="4000" dirty="0" err="1"/>
-              <a:t>Why</a:t>
-            </a:r>
-            <a:r>
-              <a:rPr lang="da-DK" sz="4000" dirty="0"/>
-              <a:t> .</a:t>
-            </a:r>
-            <a:r>
-              <a:rPr lang="da-DK" sz="4000" dirty="0" err="1"/>
-              <a:t>dacpac</a:t>
-            </a:r>
-            <a:r>
-              <a:rPr lang="da-DK" sz="4000" dirty="0"/>
-              <a:t>?</a:t>
-            </a:r>
-          </a:p>
-        </p:txBody>
-      </p:sp>
-      <p:sp>
-        <p:nvSpPr>
-          <p:cNvPr id="3" name="Content Placeholder 2">
-            <a:extLst>
-              <a:ext uri="{FF2B5EF4-FFF2-40B4-BE49-F238E27FC236}">
-                <a16:creationId xmlns:a16="http://schemas.microsoft.com/office/drawing/2014/main" id="{1D37BAAB-2AC4-7032-7DAE-B031E2D35A0C}"/>
-              </a:ext>
-            </a:extLst>
-          </p:cNvPr>
-          <p:cNvSpPr>
-            <a:spLocks noGrp="1"/>
-          </p:cNvSpPr>
-          <p:nvPr>
-            <p:ph idx="1"/>
-          </p:nvPr>
-        </p:nvSpPr>
-        <p:spPr>
-          <a:xfrm>
-            <a:off x="457200" y="2923622"/>
-            <a:ext cx="7168293" cy="3578777"/>
-          </a:xfrm>
-        </p:spPr>
-        <p:txBody>
-          <a:bodyPr anchor="t">
-            <a:normAutofit/>
-          </a:bodyPr>
-          <a:lstStyle/>
-          <a:p>
-            <a:r>
-              <a:rPr lang="da-DK" dirty="0" err="1"/>
-              <a:t>Ensure</a:t>
-            </a:r>
-            <a:r>
-              <a:rPr lang="da-DK" dirty="0"/>
-              <a:t> high </a:t>
-            </a:r>
-            <a:r>
-              <a:rPr lang="da-DK" dirty="0" err="1"/>
-              <a:t>quality</a:t>
-            </a:r>
-            <a:r>
-              <a:rPr lang="da-DK" dirty="0"/>
-              <a:t> and </a:t>
-            </a:r>
-            <a:r>
-              <a:rPr lang="da-DK" dirty="0" err="1"/>
-              <a:t>consistent</a:t>
-            </a:r>
-            <a:r>
-              <a:rPr lang="da-DK" dirty="0"/>
-              <a:t> SQL </a:t>
-            </a:r>
-            <a:r>
-              <a:rPr lang="da-DK" dirty="0" err="1"/>
-              <a:t>schema</a:t>
-            </a:r>
-            <a:r>
-              <a:rPr lang="da-DK" dirty="0"/>
-              <a:t> under source </a:t>
-            </a:r>
-            <a:r>
-              <a:rPr lang="da-DK" dirty="0" err="1"/>
-              <a:t>control</a:t>
-            </a:r>
-            <a:endParaRPr lang="da-DK" dirty="0"/>
-          </a:p>
-          <a:p>
-            <a:r>
-              <a:rPr lang="da-DK" dirty="0" err="1"/>
-              <a:t>Enforce</a:t>
-            </a:r>
-            <a:r>
-              <a:rPr lang="da-DK" dirty="0"/>
-              <a:t> design, performance and security </a:t>
-            </a:r>
-            <a:r>
-              <a:rPr lang="da-DK" dirty="0" err="1"/>
-              <a:t>rules</a:t>
-            </a:r>
-            <a:endParaRPr lang="da-DK" dirty="0"/>
-          </a:p>
-          <a:p>
-            <a:r>
-              <a:rPr lang="da-DK" dirty="0" err="1"/>
-              <a:t>Desired</a:t>
-            </a:r>
-            <a:r>
-              <a:rPr lang="da-DK" dirty="0"/>
-              <a:t> </a:t>
-            </a:r>
-            <a:r>
-              <a:rPr lang="da-DK" dirty="0" err="1"/>
-              <a:t>state</a:t>
-            </a:r>
-            <a:r>
-              <a:rPr lang="da-DK" dirty="0"/>
-              <a:t> </a:t>
-            </a:r>
-            <a:r>
-              <a:rPr lang="da-DK" dirty="0" err="1"/>
-              <a:t>configuration</a:t>
-            </a:r>
-            <a:endParaRPr lang="da-DK" dirty="0"/>
-          </a:p>
-          <a:p>
-            <a:r>
-              <a:rPr lang="da-DK" dirty="0" err="1"/>
-              <a:t>Publish</a:t>
-            </a:r>
-            <a:r>
-              <a:rPr lang="da-DK" dirty="0"/>
-              <a:t> </a:t>
-            </a:r>
-            <a:r>
-              <a:rPr lang="da-DK" dirty="0" err="1"/>
-              <a:t>magic</a:t>
-            </a:r>
-            <a:r>
-              <a:rPr lang="da-DK" dirty="0"/>
-              <a:t>!</a:t>
-            </a:r>
-          </a:p>
-          <a:p>
-            <a:endParaRPr lang="da-DK" dirty="0"/>
-          </a:p>
-          <a:p>
-            <a:endParaRPr lang="da-DK" sz="2000" dirty="0"/>
-          </a:p>
-        </p:txBody>
-      </p:sp>
-      <p:pic>
-        <p:nvPicPr>
-          <p:cNvPr id="1028" name="Picture 4" descr="it's magic - Album on Imgur">
-            <a:extLst>
-              <a:ext uri="{FF2B5EF4-FFF2-40B4-BE49-F238E27FC236}">
-                <a16:creationId xmlns:a16="http://schemas.microsoft.com/office/drawing/2014/main" id="{672BB7EB-32D7-CC82-0F37-1B439A402A01}"/>
-              </a:ext>
-            </a:extLst>
-          </p:cNvPr>
-          <p:cNvPicPr>
-            <a:picLocks noChangeAspect="1" noChangeArrowheads="1"/>
-          </p:cNvPicPr>
-          <p:nvPr/>
-        </p:nvPicPr>
-        <p:blipFill>
-          <a:blip r:embed="rId2">
-            <a:extLst>
-              <a:ext uri="{28A0092B-C50C-407E-A947-70E740481C1C}">
-                <a14:useLocalDpi xmlns:a14="http://schemas.microsoft.com/office/drawing/2010/main" val="0"/>
-              </a:ext>
-            </a:extLst>
-          </a:blip>
-          <a:srcRect/>
-          <a:stretch>
-            <a:fillRect/>
-          </a:stretch>
-        </p:blipFill>
-        <p:spPr bwMode="auto">
-          <a:xfrm>
-            <a:off x="7596509" y="1473981"/>
-            <a:ext cx="3910014" cy="3910014"/>
-          </a:xfrm>
-          <a:prstGeom prst="rect">
-            <a:avLst/>
-          </a:prstGeom>
-          <a:noFill/>
-          <a:extLst>
-            <a:ext uri="{909E8E84-426E-40DD-AFC4-6F175D3DCCD1}">
-              <a14:hiddenFill xmlns:a14="http://schemas.microsoft.com/office/drawing/2010/main">
-                <a:solidFill>
-                  <a:srgbClr val="FFFFFF"/>
-                </a:solidFill>
-              </a14:hiddenFill>
-            </a:ext>
-          </a:extLst>
-        </p:spPr>
-      </p:pic>
-    </p:spTree>
-    <p:extLst>
-      <p:ext uri="{BB962C8B-B14F-4D97-AF65-F5344CB8AC3E}">
-        <p14:creationId xmlns:p14="http://schemas.microsoft.com/office/powerpoint/2010/main" val="2126355379"/>
-      </p:ext>
-    </p:extLst>
-  </p:cSld>
-  <p:clrMapOvr>
-    <a:masterClrMapping/>
-  </p:clrMapOvr>
-</p:sld>
-</file>
-
-<file path=ppt/slides/slide11.xml><?xml version="1.0" encoding="utf-8"?>
-<p:sld xmlns:a="http://schemas.openxmlformats.org/drawingml/2006/main" xmlns:r="http://schemas.openxmlformats.org/officeDocument/2006/relationships" xmlns:p="http://schemas.openxmlformats.org/presentationml/2006/main">
-  <p:cSld>
     <p:bg>
       <p:bgPr>
         <a:solidFill>
@@ -14022,6 +13768,302 @@
     <p:extLst>
       <p:ext uri="{BB962C8B-B14F-4D97-AF65-F5344CB8AC3E}">
         <p14:creationId xmlns:p14="http://schemas.microsoft.com/office/powerpoint/2010/main" val="1406646759"/>
+      </p:ext>
+    </p:extLst>
+  </p:cSld>
+  <p:clrMapOvr>
+    <a:masterClrMapping/>
+  </p:clrMapOvr>
+</p:sld>
+</file>
+
+<file path=ppt/slides/slide11.xml><?xml version="1.0" encoding="utf-8"?>
+<p:sld xmlns:a="http://schemas.openxmlformats.org/drawingml/2006/main" xmlns:r="http://schemas.openxmlformats.org/officeDocument/2006/relationships" xmlns:p="http://schemas.openxmlformats.org/presentationml/2006/main">
+  <p:cSld>
+    <p:spTree>
+      <p:nvGrpSpPr>
+        <p:cNvPr id="1" name="">
+          <a:extLst>
+            <a:ext uri="{FF2B5EF4-FFF2-40B4-BE49-F238E27FC236}">
+              <a16:creationId xmlns:a16="http://schemas.microsoft.com/office/drawing/2014/main" id="{C03D46EE-FF28-5231-08CB-F5FDBAC097A5}"/>
+            </a:ext>
+          </a:extLst>
+        </p:cNvPr>
+        <p:cNvGrpSpPr/>
+        <p:nvPr/>
+      </p:nvGrpSpPr>
+      <p:grpSpPr>
+        <a:xfrm>
+          <a:off x="0" y="0"/>
+          <a:ext cx="0" cy="0"/>
+          <a:chOff x="0" y="0"/>
+          <a:chExt cx="0" cy="0"/>
+        </a:xfrm>
+      </p:grpSpPr>
+      <p:sp>
+        <p:nvSpPr>
+          <p:cNvPr id="2" name="Title 1">
+            <a:extLst>
+              <a:ext uri="{FF2B5EF4-FFF2-40B4-BE49-F238E27FC236}">
+                <a16:creationId xmlns:a16="http://schemas.microsoft.com/office/drawing/2014/main" id="{2E6EEB31-E4FC-2566-C8F1-45B5FB08A41F}"/>
+              </a:ext>
+            </a:extLst>
+          </p:cNvPr>
+          <p:cNvSpPr>
+            <a:spLocks noGrp="1"/>
+          </p:cNvSpPr>
+          <p:nvPr>
+            <p:ph type="title"/>
+          </p:nvPr>
+        </p:nvSpPr>
+        <p:spPr/>
+        <p:txBody>
+          <a:bodyPr/>
+          <a:lstStyle/>
+          <a:p>
+            <a:r>
+              <a:rPr lang="da-DK" dirty="0"/>
+              <a:t>Q  &amp; A</a:t>
+            </a:r>
+          </a:p>
+        </p:txBody>
+      </p:sp>
+      <p:sp>
+        <p:nvSpPr>
+          <p:cNvPr id="3" name="Content Placeholder 2">
+            <a:extLst>
+              <a:ext uri="{FF2B5EF4-FFF2-40B4-BE49-F238E27FC236}">
+                <a16:creationId xmlns:a16="http://schemas.microsoft.com/office/drawing/2014/main" id="{47C55434-F03A-B8A3-C83A-165FC3B93CD3}"/>
+              </a:ext>
+            </a:extLst>
+          </p:cNvPr>
+          <p:cNvSpPr>
+            <a:spLocks noGrp="1"/>
+          </p:cNvSpPr>
+          <p:nvPr>
+            <p:ph idx="1"/>
+          </p:nvPr>
+        </p:nvSpPr>
+        <p:spPr/>
+        <p:txBody>
+          <a:bodyPr>
+            <a:normAutofit/>
+          </a:bodyPr>
+          <a:lstStyle/>
+          <a:p>
+            <a:r>
+              <a:rPr lang="da-DK" sz="3200" dirty="0"/>
+              <a:t>Handling </a:t>
+            </a:r>
+            <a:r>
+              <a:rPr lang="da-DK" sz="3200" dirty="0" err="1"/>
+              <a:t>destructive</a:t>
+            </a:r>
+            <a:r>
+              <a:rPr lang="da-DK" sz="3200" dirty="0"/>
+              <a:t> </a:t>
+            </a:r>
+            <a:r>
+              <a:rPr lang="da-DK" sz="3200" dirty="0" err="1"/>
+              <a:t>schema</a:t>
+            </a:r>
+            <a:r>
+              <a:rPr lang="da-DK" sz="3200" dirty="0"/>
+              <a:t> </a:t>
+            </a:r>
+            <a:r>
+              <a:rPr lang="da-DK" sz="3200" dirty="0" err="1"/>
+              <a:t>changes</a:t>
+            </a:r>
+            <a:r>
+              <a:rPr lang="da-DK" sz="3200" dirty="0"/>
+              <a:t>?</a:t>
+            </a:r>
+          </a:p>
+          <a:p>
+            <a:r>
+              <a:rPr lang="da-DK" sz="3200" dirty="0"/>
+              <a:t>How </a:t>
+            </a:r>
+            <a:r>
+              <a:rPr lang="da-DK" sz="3200"/>
+              <a:t>do I </a:t>
+            </a:r>
+            <a:r>
+              <a:rPr lang="da-DK" sz="3200" dirty="0"/>
+              <a:t>”seed data” to </a:t>
+            </a:r>
+            <a:r>
+              <a:rPr lang="da-DK" sz="3200" dirty="0" err="1"/>
+              <a:t>my</a:t>
+            </a:r>
+            <a:r>
+              <a:rPr lang="da-DK" sz="3200" dirty="0"/>
+              <a:t> database </a:t>
+            </a:r>
+            <a:r>
+              <a:rPr lang="da-DK" sz="3200" dirty="0" err="1"/>
+              <a:t>using</a:t>
+            </a:r>
+            <a:r>
+              <a:rPr lang="da-DK" sz="3200" dirty="0"/>
+              <a:t> a .</a:t>
+            </a:r>
+            <a:r>
+              <a:rPr lang="da-DK" sz="3200" dirty="0" err="1"/>
+              <a:t>dacpac</a:t>
+            </a:r>
+            <a:r>
+              <a:rPr lang="da-DK" sz="3200" dirty="0"/>
+              <a:t>?</a:t>
+            </a:r>
+          </a:p>
+          <a:p>
+            <a:r>
+              <a:rPr lang="da-DK" sz="3200" dirty="0"/>
+              <a:t>This is a community </a:t>
+            </a:r>
+            <a:r>
+              <a:rPr lang="da-DK" sz="3200" dirty="0" err="1"/>
+              <a:t>project</a:t>
+            </a:r>
+            <a:r>
+              <a:rPr lang="da-DK" sz="3200" dirty="0"/>
+              <a:t>, </a:t>
+            </a:r>
+            <a:r>
+              <a:rPr lang="da-DK" sz="3200" dirty="0" err="1"/>
+              <a:t>what</a:t>
+            </a:r>
+            <a:r>
+              <a:rPr lang="da-DK" sz="3200" dirty="0"/>
+              <a:t> is MS </a:t>
+            </a:r>
+            <a:r>
+              <a:rPr lang="da-DK" sz="3200" dirty="0" err="1"/>
+              <a:t>doing</a:t>
+            </a:r>
+            <a:r>
+              <a:rPr lang="da-DK" sz="3200" dirty="0"/>
+              <a:t>?</a:t>
+            </a:r>
+          </a:p>
+          <a:p>
+            <a:r>
+              <a:rPr lang="da-DK" sz="3200" dirty="0" err="1"/>
+              <a:t>Sharing</a:t>
+            </a:r>
+            <a:r>
+              <a:rPr lang="da-DK" sz="3200" dirty="0"/>
+              <a:t> parts of a database (</a:t>
+            </a:r>
+            <a:r>
+              <a:rPr lang="da-DK" sz="3200" dirty="0" err="1"/>
+              <a:t>f.ex</a:t>
+            </a:r>
+            <a:r>
+              <a:rPr lang="da-DK" sz="3200" dirty="0"/>
+              <a:t>. </a:t>
+            </a:r>
+            <a:r>
+              <a:rPr lang="da-DK" sz="3200" dirty="0" err="1"/>
+              <a:t>monitoring</a:t>
+            </a:r>
+            <a:r>
+              <a:rPr lang="da-DK" sz="3200" dirty="0"/>
+              <a:t>) ?</a:t>
+            </a:r>
+          </a:p>
+          <a:p>
+            <a:r>
+              <a:rPr lang="da-DK" sz="3200" dirty="0" err="1"/>
+              <a:t>Does</a:t>
+            </a:r>
+            <a:r>
+              <a:rPr lang="da-DK" sz="3200" dirty="0"/>
+              <a:t> it </a:t>
+            </a:r>
+            <a:r>
+              <a:rPr lang="da-DK" sz="3200" dirty="0" err="1"/>
+              <a:t>work</a:t>
+            </a:r>
+            <a:r>
+              <a:rPr lang="da-DK" sz="3200" dirty="0"/>
+              <a:t> on </a:t>
+            </a:r>
+            <a:r>
+              <a:rPr lang="da-DK" sz="3200" dirty="0" err="1"/>
+              <a:t>Azure</a:t>
+            </a:r>
+            <a:r>
+              <a:rPr lang="da-DK" sz="3200" dirty="0"/>
+              <a:t> SQL Databases?</a:t>
+            </a:r>
+          </a:p>
+          <a:p>
+            <a:r>
+              <a:rPr lang="da-DK" sz="3200" dirty="0"/>
+              <a:t>How </a:t>
+            </a:r>
+            <a:r>
+              <a:rPr lang="da-DK" sz="3200" dirty="0" err="1"/>
+              <a:t>would</a:t>
+            </a:r>
+            <a:r>
+              <a:rPr lang="da-DK" sz="3200" dirty="0"/>
+              <a:t> </a:t>
+            </a:r>
+            <a:r>
+              <a:rPr lang="da-DK" sz="3200" dirty="0" err="1"/>
+              <a:t>this</a:t>
+            </a:r>
+            <a:r>
+              <a:rPr lang="da-DK" sz="3200" dirty="0"/>
+              <a:t> </a:t>
+            </a:r>
+            <a:r>
+              <a:rPr lang="da-DK" sz="3200" dirty="0" err="1"/>
+              <a:t>work</a:t>
+            </a:r>
+            <a:r>
+              <a:rPr lang="da-DK" sz="3200" dirty="0"/>
+              <a:t> with EF Core?</a:t>
+            </a:r>
+          </a:p>
+          <a:p>
+            <a:r>
+              <a:rPr lang="da-DK" sz="3200" dirty="0"/>
+              <a:t>How </a:t>
+            </a:r>
+            <a:r>
+              <a:rPr lang="da-DK" sz="3200" dirty="0" err="1"/>
+              <a:t>about</a:t>
+            </a:r>
+            <a:r>
+              <a:rPr lang="da-DK" sz="3200" dirty="0"/>
+              <a:t> .NET </a:t>
+            </a:r>
+            <a:r>
+              <a:rPr lang="da-DK" sz="3200" dirty="0" err="1"/>
+              <a:t>Aspire</a:t>
+            </a:r>
+            <a:r>
+              <a:rPr lang="da-DK" sz="3200" dirty="0"/>
+              <a:t>?</a:t>
+            </a:r>
+          </a:p>
+          <a:p>
+            <a:pPr marL="0" indent="0">
+              <a:buNone/>
+            </a:pPr>
+            <a:endParaRPr lang="da-DK" sz="3200" dirty="0"/>
+          </a:p>
+        </p:txBody>
+      </p:sp>
+    </p:spTree>
+    <p:extLst>
+      <p:ext uri="{BB962C8B-B14F-4D97-AF65-F5344CB8AC3E}">
+        <p14:creationId xmlns:p14="http://schemas.microsoft.com/office/powerpoint/2010/main" val="3608072289"/>
       </p:ext>
     </p:extLst>
   </p:cSld>
@@ -15771,15 +15813,23 @@
           <a:p>
             <a:r>
               <a:rPr lang="da-DK" dirty="0"/>
-              <a:t>Database </a:t>
+              <a:t>Classic .</a:t>
             </a:r>
             <a:r>
               <a:rPr lang="da-DK" dirty="0" err="1"/>
-              <a:t>project</a:t>
+              <a:t>sqlproj</a:t>
             </a:r>
             <a:r>
               <a:rPr lang="da-DK" dirty="0"/>
-              <a:t>  / </a:t>
+              <a:t> </a:t>
+            </a:r>
+            <a:r>
+              <a:rPr lang="da-DK" dirty="0" err="1"/>
+              <a:t>vs</a:t>
+            </a:r>
+            <a:r>
+              <a:rPr lang="da-DK" dirty="0"/>
+              <a:t> </a:t>
             </a:r>
             <a:r>
               <a:rPr lang="da-DK" dirty="0" err="1"/>
@@ -16859,13 +16909,7 @@
   <p:cSld>
     <p:spTree>
       <p:nvGrpSpPr>
-        <p:cNvPr id="1" name="">
-          <a:extLst>
-            <a:ext uri="{FF2B5EF4-FFF2-40B4-BE49-F238E27FC236}">
-              <a16:creationId xmlns:a16="http://schemas.microsoft.com/office/drawing/2014/main" id="{C03D46EE-FF28-5231-08CB-F5FDBAC097A5}"/>
-            </a:ext>
-          </a:extLst>
-        </p:cNvPr>
+        <p:cNvPr id="1" name=""/>
         <p:cNvGrpSpPr/>
         <p:nvPr/>
       </p:nvGrpSpPr>
@@ -16882,7 +16926,7 @@
           <p:cNvPr id="2" name="Title 1">
             <a:extLst>
               <a:ext uri="{FF2B5EF4-FFF2-40B4-BE49-F238E27FC236}">
-                <a16:creationId xmlns:a16="http://schemas.microsoft.com/office/drawing/2014/main" id="{2E6EEB31-E4FC-2566-C8F1-45B5FB08A41F}"/>
+                <a16:creationId xmlns:a16="http://schemas.microsoft.com/office/drawing/2014/main" id="{BCD0543B-85D0-70D6-E8C0-825E5B0CC031}"/>
               </a:ext>
             </a:extLst>
           </p:cNvPr>
@@ -16893,14 +16937,33 @@
             <p:ph type="title"/>
           </p:nvPr>
         </p:nvSpPr>
-        <p:spPr/>
+        <p:spPr>
+          <a:xfrm>
+            <a:off x="1136397" y="502020"/>
+            <a:ext cx="5323715" cy="1642970"/>
+          </a:xfrm>
+        </p:spPr>
         <p:txBody>
-          <a:bodyPr/>
+          <a:bodyPr anchor="b">
+            <a:normAutofit/>
+          </a:bodyPr>
           <a:lstStyle/>
           <a:p>
             <a:r>
-              <a:rPr lang="da-DK" dirty="0"/>
-              <a:t>Q  &amp; A</a:t>
+              <a:rPr lang="da-DK" sz="4000" dirty="0" err="1"/>
+              <a:t>Why</a:t>
+            </a:r>
+            <a:r>
+              <a:rPr lang="da-DK" sz="4000" dirty="0"/>
+              <a:t> .</a:t>
+            </a:r>
+            <a:r>
+              <a:rPr lang="da-DK" sz="4000" dirty="0" err="1"/>
+              <a:t>dacpac</a:t>
+            </a:r>
+            <a:r>
+              <a:rPr lang="da-DK" sz="4000" dirty="0"/>
+              <a:t>?</a:t>
             </a:r>
           </a:p>
         </p:txBody>
@@ -16910,7 +16973,7 @@
           <p:cNvPr id="3" name="Content Placeholder 2">
             <a:extLst>
               <a:ext uri="{FF2B5EF4-FFF2-40B4-BE49-F238E27FC236}">
-                <a16:creationId xmlns:a16="http://schemas.microsoft.com/office/drawing/2014/main" id="{47C55434-F03A-B8A3-C83A-165FC3B93CD3}"/>
+                <a16:creationId xmlns:a16="http://schemas.microsoft.com/office/drawing/2014/main" id="{1D37BAAB-2AC4-7032-7DAE-B031E2D35A0C}"/>
               </a:ext>
             </a:extLst>
           </p:cNvPr>
@@ -16921,166 +16984,171 @@
             <p:ph idx="1"/>
           </p:nvPr>
         </p:nvSpPr>
-        <p:spPr/>
+        <p:spPr>
+          <a:xfrm>
+            <a:off x="457200" y="2923622"/>
+            <a:ext cx="7168293" cy="3578777"/>
+          </a:xfrm>
+        </p:spPr>
         <p:txBody>
-          <a:bodyPr>
+          <a:bodyPr anchor="t">
             <a:normAutofit/>
           </a:bodyPr>
           <a:lstStyle/>
           <a:p>
             <a:r>
-              <a:rPr lang="da-DK" sz="3200" dirty="0"/>
-              <a:t>Handling </a:t>
-            </a:r>
-            <a:r>
-              <a:rPr lang="da-DK" sz="3200" dirty="0" err="1"/>
-              <a:t>destructive</a:t>
-            </a:r>
-            <a:r>
-              <a:rPr lang="da-DK" sz="3200" dirty="0"/>
-              <a:t> </a:t>
-            </a:r>
-            <a:r>
-              <a:rPr lang="da-DK" sz="3200" dirty="0" err="1"/>
+              <a:rPr lang="da-DK" dirty="0" err="1"/>
+              <a:t>Ensure</a:t>
+            </a:r>
+            <a:r>
+              <a:rPr lang="da-DK" dirty="0"/>
+              <a:t> high </a:t>
+            </a:r>
+            <a:r>
+              <a:rPr lang="da-DK" dirty="0" err="1"/>
+              <a:t>quality</a:t>
+            </a:r>
+            <a:r>
+              <a:rPr lang="da-DK" dirty="0"/>
+              <a:t> and </a:t>
+            </a:r>
+            <a:r>
+              <a:rPr lang="da-DK" dirty="0" err="1"/>
+              <a:t>consistent</a:t>
+            </a:r>
+            <a:r>
+              <a:rPr lang="da-DK" dirty="0"/>
+              <a:t> SQL </a:t>
+            </a:r>
+            <a:r>
+              <a:rPr lang="da-DK" dirty="0" err="1"/>
               <a:t>schema</a:t>
             </a:r>
             <a:r>
-              <a:rPr lang="da-DK" sz="3200" dirty="0"/>
-              <a:t> </a:t>
-            </a:r>
-            <a:r>
-              <a:rPr lang="da-DK" sz="3200" dirty="0" err="1"/>
-              <a:t>changes</a:t>
-            </a:r>
-            <a:r>
-              <a:rPr lang="da-DK" sz="3200" dirty="0"/>
-              <a:t>?</a:t>
-            </a:r>
+              <a:rPr lang="da-DK" dirty="0"/>
+              <a:t> under source </a:t>
+            </a:r>
+            <a:r>
+              <a:rPr lang="da-DK" dirty="0" err="1"/>
+              <a:t>control</a:t>
+            </a:r>
+            <a:endParaRPr lang="da-DK" dirty="0"/>
           </a:p>
           <a:p>
             <a:r>
-              <a:rPr lang="da-DK" sz="3200" dirty="0"/>
-              <a:t>This is a community </a:t>
-            </a:r>
-            <a:r>
-              <a:rPr lang="da-DK" sz="3200" dirty="0" err="1"/>
-              <a:t>project</a:t>
-            </a:r>
-            <a:r>
-              <a:rPr lang="da-DK" sz="3200" dirty="0"/>
-              <a:t>, </a:t>
-            </a:r>
-            <a:r>
-              <a:rPr lang="da-DK" sz="3200" dirty="0" err="1"/>
-              <a:t>what</a:t>
-            </a:r>
-            <a:r>
-              <a:rPr lang="da-DK" sz="3200" dirty="0"/>
-              <a:t> is MS </a:t>
-            </a:r>
-            <a:r>
-              <a:rPr lang="da-DK" sz="3200" dirty="0" err="1"/>
-              <a:t>doing</a:t>
-            </a:r>
-            <a:r>
-              <a:rPr lang="da-DK" sz="3200" dirty="0"/>
-              <a:t>?</a:t>
-            </a:r>
+              <a:rPr lang="da-DK" dirty="0" err="1"/>
+              <a:t>Enforce</a:t>
+            </a:r>
+            <a:r>
+              <a:rPr lang="da-DK" dirty="0"/>
+              <a:t> design, performance and security </a:t>
+            </a:r>
+            <a:r>
+              <a:rPr lang="da-DK" dirty="0" err="1"/>
+              <a:t>rules</a:t>
+            </a:r>
+            <a:endParaRPr lang="da-DK" dirty="0"/>
           </a:p>
           <a:p>
             <a:r>
-              <a:rPr lang="da-DK" sz="3200" dirty="0" err="1"/>
-              <a:t>Sharing</a:t>
-            </a:r>
-            <a:r>
-              <a:rPr lang="da-DK" sz="3200" dirty="0"/>
-              <a:t> parts of a database (</a:t>
-            </a:r>
-            <a:r>
-              <a:rPr lang="da-DK" sz="3200" dirty="0" err="1"/>
-              <a:t>f.ex</a:t>
-            </a:r>
-            <a:r>
-              <a:rPr lang="da-DK" sz="3200" dirty="0"/>
-              <a:t>. </a:t>
-            </a:r>
-            <a:r>
-              <a:rPr lang="da-DK" sz="3200" dirty="0" err="1"/>
-              <a:t>monitoring</a:t>
-            </a:r>
-            <a:r>
-              <a:rPr lang="da-DK" sz="3200" dirty="0"/>
-              <a:t>) ?</a:t>
-            </a:r>
+              <a:rPr lang="da-DK" dirty="0" err="1"/>
+              <a:t>Desired</a:t>
+            </a:r>
+            <a:r>
+              <a:rPr lang="da-DK" dirty="0"/>
+              <a:t> </a:t>
+            </a:r>
+            <a:r>
+              <a:rPr lang="da-DK" dirty="0" err="1"/>
+              <a:t>state</a:t>
+            </a:r>
+            <a:r>
+              <a:rPr lang="da-DK" dirty="0"/>
+              <a:t> </a:t>
+            </a:r>
+            <a:r>
+              <a:rPr lang="da-DK" dirty="0" err="1"/>
+              <a:t>configuration</a:t>
+            </a:r>
+            <a:endParaRPr lang="da-DK" dirty="0"/>
           </a:p>
           <a:p>
             <a:r>
-              <a:rPr lang="da-DK" sz="3200" dirty="0" err="1"/>
-              <a:t>Does</a:t>
-            </a:r>
-            <a:r>
-              <a:rPr lang="da-DK" sz="3200" dirty="0"/>
-              <a:t> it </a:t>
-            </a:r>
-            <a:r>
-              <a:rPr lang="da-DK" sz="3200" dirty="0" err="1"/>
-              <a:t>work</a:t>
-            </a:r>
-            <a:r>
-              <a:rPr lang="da-DK" sz="3200" dirty="0"/>
-              <a:t> on </a:t>
-            </a:r>
-            <a:r>
-              <a:rPr lang="da-DK" sz="3200" dirty="0" err="1"/>
-              <a:t>Azure</a:t>
-            </a:r>
-            <a:r>
-              <a:rPr lang="da-DK" sz="3200" dirty="0"/>
-              <a:t> SQL Databases?</a:t>
+              <a:rPr lang="da-DK" dirty="0" err="1"/>
+              <a:t>Publish</a:t>
+            </a:r>
+            <a:r>
+              <a:rPr lang="da-DK" dirty="0"/>
+              <a:t> </a:t>
+            </a:r>
+            <a:r>
+              <a:rPr lang="da-DK" dirty="0" err="1"/>
+              <a:t>magic</a:t>
+            </a:r>
+            <a:r>
+              <a:rPr lang="da-DK" dirty="0"/>
+              <a:t>!</a:t>
             </a:r>
           </a:p>
           <a:p>
-            <a:r>
-              <a:rPr lang="da-DK" sz="3200" dirty="0"/>
-              <a:t>How </a:t>
-            </a:r>
-            <a:r>
-              <a:rPr lang="da-DK" sz="3200" dirty="0" err="1"/>
-              <a:t>would</a:t>
-            </a:r>
-            <a:r>
-              <a:rPr lang="da-DK" sz="3200" dirty="0"/>
-              <a:t> </a:t>
-            </a:r>
-            <a:r>
-              <a:rPr lang="da-DK" sz="3200" dirty="0" err="1"/>
-              <a:t>this</a:t>
-            </a:r>
-            <a:r>
-              <a:rPr lang="da-DK" sz="3200" dirty="0"/>
-              <a:t> </a:t>
-            </a:r>
-            <a:r>
-              <a:rPr lang="da-DK" sz="3200" dirty="0" err="1"/>
-              <a:t>work</a:t>
-            </a:r>
-            <a:r>
-              <a:rPr lang="da-DK" sz="3200" dirty="0"/>
-              <a:t> with EF Core?</a:t>
-            </a:r>
+            <a:endParaRPr lang="da-DK" dirty="0"/>
           </a:p>
           <a:p>
-            <a:pPr marL="0" indent="0">
-              <a:buNone/>
-            </a:pPr>
-            <a:endParaRPr lang="da-DK" sz="3200" dirty="0"/>
+            <a:endParaRPr lang="da-DK" sz="2000" dirty="0"/>
           </a:p>
         </p:txBody>
       </p:sp>
+      <p:pic>
+        <p:nvPicPr>
+          <p:cNvPr id="1028" name="Picture 4" descr="it's magic - Album on Imgur">
+            <a:extLst>
+              <a:ext uri="{FF2B5EF4-FFF2-40B4-BE49-F238E27FC236}">
+                <a16:creationId xmlns:a16="http://schemas.microsoft.com/office/drawing/2014/main" id="{672BB7EB-32D7-CC82-0F37-1B439A402A01}"/>
+              </a:ext>
+            </a:extLst>
+          </p:cNvPr>
+          <p:cNvPicPr>
+            <a:picLocks noChangeAspect="1" noChangeArrowheads="1"/>
+          </p:cNvPicPr>
+          <p:nvPr/>
+        </p:nvPicPr>
+        <p:blipFill>
+          <a:blip r:embed="rId2">
+            <a:extLst>
+              <a:ext uri="{28A0092B-C50C-407E-A947-70E740481C1C}">
+                <a14:useLocalDpi xmlns:a14="http://schemas.microsoft.com/office/drawing/2010/main" val="0"/>
+              </a:ext>
+            </a:extLst>
+          </a:blip>
+          <a:srcRect/>
+          <a:stretch>
+            <a:fillRect/>
+          </a:stretch>
+        </p:blipFill>
+        <p:spPr bwMode="auto">
+          <a:xfrm>
+            <a:off x="7596509" y="1473981"/>
+            <a:ext cx="3910014" cy="3910014"/>
+          </a:xfrm>
+          <a:prstGeom prst="rect">
+            <a:avLst/>
+          </a:prstGeom>
+          <a:noFill/>
+          <a:extLst>
+            <a:ext uri="{909E8E84-426E-40DD-AFC4-6F175D3DCCD1}">
+              <a14:hiddenFill xmlns:a14="http://schemas.microsoft.com/office/drawing/2010/main">
+                <a:solidFill>
+                  <a:srgbClr val="FFFFFF"/>
+                </a:solidFill>
+              </a14:hiddenFill>
+            </a:ext>
+          </a:extLst>
+        </p:spPr>
+      </p:pic>
     </p:spTree>
     <p:extLst>
       <p:ext uri="{BB962C8B-B14F-4D97-AF65-F5344CB8AC3E}">
-        <p14:creationId xmlns:p14="http://schemas.microsoft.com/office/powerpoint/2010/main" val="3608072289"/>
+        <p14:creationId xmlns:p14="http://schemas.microsoft.com/office/powerpoint/2010/main" val="2126355379"/>
       </p:ext>
     </p:extLst>
   </p:cSld>

--- a/T-SQL Code analysis.pptx
+++ b/T-SQL Code analysis.pptx
@@ -7,9 +7,9 @@
   <p:sldIdLst>
     <p:sldId id="260" r:id="rId2"/>
     <p:sldId id="282" r:id="rId3"/>
-    <p:sldId id="281" r:id="rId4"/>
-    <p:sldId id="263" r:id="rId5"/>
-    <p:sldId id="280" r:id="rId6"/>
+    <p:sldId id="263" r:id="rId4"/>
+    <p:sldId id="280" r:id="rId5"/>
+    <p:sldId id="285" r:id="rId6"/>
     <p:sldId id="264" r:id="rId7"/>
     <p:sldId id="257" r:id="rId8"/>
     <p:sldId id="284" r:id="rId9"/>
@@ -2233,6 +2233,753 @@
 </file>
 
 <file path=ppt/diagrams/colors3.xml><?xml version="1.0" encoding="utf-8"?>
+<dgm:colorsDef xmlns:dgm="http://schemas.openxmlformats.org/drawingml/2006/diagram" xmlns:a="http://schemas.openxmlformats.org/drawingml/2006/main" uniqueId="urn:microsoft.com/office/officeart/2005/8/colors/accent1_2">
+  <dgm:title val=""/>
+  <dgm:desc val=""/>
+  <dgm:catLst>
+    <dgm:cat type="accent1" pri="11200"/>
+  </dgm:catLst>
+  <dgm:styleLbl name="node0">
+    <dgm:fillClrLst meth="repeat">
+      <a:schemeClr val="accent1"/>
+    </dgm:fillClrLst>
+    <dgm:linClrLst meth="repeat">
+      <a:schemeClr val="lt1"/>
+    </dgm:linClrLst>
+    <dgm:effectClrLst/>
+    <dgm:txLinClrLst/>
+    <dgm:txFillClrLst/>
+    <dgm:txEffectClrLst/>
+  </dgm:styleLbl>
+  <dgm:styleLbl name="alignNode1">
+    <dgm:fillClrLst meth="repeat">
+      <a:schemeClr val="accent1"/>
+    </dgm:fillClrLst>
+    <dgm:linClrLst meth="repeat">
+      <a:schemeClr val="accent1"/>
+    </dgm:linClrLst>
+    <dgm:effectClrLst/>
+    <dgm:txLinClrLst/>
+    <dgm:txFillClrLst/>
+    <dgm:txEffectClrLst/>
+  </dgm:styleLbl>
+  <dgm:styleLbl name="node1">
+    <dgm:fillClrLst meth="repeat">
+      <a:schemeClr val="accent1"/>
+    </dgm:fillClrLst>
+    <dgm:linClrLst meth="repeat">
+      <a:schemeClr val="lt1"/>
+    </dgm:linClrLst>
+    <dgm:effectClrLst/>
+    <dgm:txLinClrLst/>
+    <dgm:txFillClrLst/>
+    <dgm:txEffectClrLst/>
+  </dgm:styleLbl>
+  <dgm:styleLbl name="lnNode1">
+    <dgm:fillClrLst meth="repeat">
+      <a:schemeClr val="accent1"/>
+    </dgm:fillClrLst>
+    <dgm:linClrLst meth="repeat">
+      <a:schemeClr val="lt1"/>
+    </dgm:linClrLst>
+    <dgm:effectClrLst/>
+    <dgm:txLinClrLst/>
+    <dgm:txFillClrLst/>
+    <dgm:txEffectClrLst/>
+  </dgm:styleLbl>
+  <dgm:styleLbl name="vennNode1">
+    <dgm:fillClrLst meth="repeat">
+      <a:schemeClr val="accent1">
+        <a:alpha val="50000"/>
+      </a:schemeClr>
+    </dgm:fillClrLst>
+    <dgm:linClrLst meth="repeat">
+      <a:schemeClr val="lt1"/>
+    </dgm:linClrLst>
+    <dgm:effectClrLst/>
+    <dgm:txLinClrLst/>
+    <dgm:txFillClrLst/>
+    <dgm:txEffectClrLst/>
+  </dgm:styleLbl>
+  <dgm:styleLbl name="node2">
+    <dgm:fillClrLst meth="repeat">
+      <a:schemeClr val="accent1"/>
+    </dgm:fillClrLst>
+    <dgm:linClrLst meth="repeat">
+      <a:schemeClr val="lt1"/>
+    </dgm:linClrLst>
+    <dgm:effectClrLst/>
+    <dgm:txLinClrLst/>
+    <dgm:txFillClrLst/>
+    <dgm:txEffectClrLst/>
+  </dgm:styleLbl>
+  <dgm:styleLbl name="node3">
+    <dgm:fillClrLst meth="repeat">
+      <a:schemeClr val="accent1"/>
+    </dgm:fillClrLst>
+    <dgm:linClrLst meth="repeat">
+      <a:schemeClr val="lt1"/>
+    </dgm:linClrLst>
+    <dgm:effectClrLst/>
+    <dgm:txLinClrLst/>
+    <dgm:txFillClrLst/>
+    <dgm:txEffectClrLst/>
+  </dgm:styleLbl>
+  <dgm:styleLbl name="node4">
+    <dgm:fillClrLst meth="repeat">
+      <a:schemeClr val="accent1"/>
+    </dgm:fillClrLst>
+    <dgm:linClrLst meth="repeat">
+      <a:schemeClr val="lt1"/>
+    </dgm:linClrLst>
+    <dgm:effectClrLst/>
+    <dgm:txLinClrLst/>
+    <dgm:txFillClrLst/>
+    <dgm:txEffectClrLst/>
+  </dgm:styleLbl>
+  <dgm:styleLbl name="fgImgPlace1">
+    <dgm:fillClrLst meth="repeat">
+      <a:schemeClr val="accent1">
+        <a:tint val="50000"/>
+      </a:schemeClr>
+    </dgm:fillClrLst>
+    <dgm:linClrLst meth="repeat">
+      <a:schemeClr val="lt1"/>
+    </dgm:linClrLst>
+    <dgm:effectClrLst/>
+    <dgm:txLinClrLst/>
+    <dgm:txFillClrLst meth="repeat">
+      <a:schemeClr val="lt1"/>
+    </dgm:txFillClrLst>
+    <dgm:txEffectClrLst/>
+  </dgm:styleLbl>
+  <dgm:styleLbl name="alignImgPlace1">
+    <dgm:fillClrLst meth="repeat">
+      <a:schemeClr val="accent1">
+        <a:tint val="50000"/>
+      </a:schemeClr>
+    </dgm:fillClrLst>
+    <dgm:linClrLst meth="repeat">
+      <a:schemeClr val="lt1"/>
+    </dgm:linClrLst>
+    <dgm:effectClrLst/>
+    <dgm:txLinClrLst/>
+    <dgm:txFillClrLst meth="repeat">
+      <a:schemeClr val="lt1"/>
+    </dgm:txFillClrLst>
+    <dgm:txEffectClrLst/>
+  </dgm:styleLbl>
+  <dgm:styleLbl name="bgImgPlace1">
+    <dgm:fillClrLst meth="repeat">
+      <a:schemeClr val="accent1">
+        <a:tint val="50000"/>
+      </a:schemeClr>
+    </dgm:fillClrLst>
+    <dgm:linClrLst meth="repeat">
+      <a:schemeClr val="lt1"/>
+    </dgm:linClrLst>
+    <dgm:effectClrLst/>
+    <dgm:txLinClrLst/>
+    <dgm:txFillClrLst meth="repeat">
+      <a:schemeClr val="lt1"/>
+    </dgm:txFillClrLst>
+    <dgm:txEffectClrLst/>
+  </dgm:styleLbl>
+  <dgm:styleLbl name="sibTrans2D1">
+    <dgm:fillClrLst meth="repeat">
+      <a:schemeClr val="accent1">
+        <a:tint val="60000"/>
+      </a:schemeClr>
+    </dgm:fillClrLst>
+    <dgm:linClrLst meth="repeat">
+      <a:schemeClr val="accent1">
+        <a:tint val="60000"/>
+      </a:schemeClr>
+    </dgm:linClrLst>
+    <dgm:effectClrLst/>
+    <dgm:txLinClrLst/>
+    <dgm:txFillClrLst/>
+    <dgm:txEffectClrLst/>
+  </dgm:styleLbl>
+  <dgm:styleLbl name="fgSibTrans2D1">
+    <dgm:fillClrLst meth="repeat">
+      <a:schemeClr val="accent1">
+        <a:tint val="60000"/>
+      </a:schemeClr>
+    </dgm:fillClrLst>
+    <dgm:linClrLst meth="repeat">
+      <a:schemeClr val="accent1">
+        <a:tint val="60000"/>
+      </a:schemeClr>
+    </dgm:linClrLst>
+    <dgm:effectClrLst/>
+    <dgm:txLinClrLst/>
+    <dgm:txFillClrLst/>
+    <dgm:txEffectClrLst/>
+  </dgm:styleLbl>
+  <dgm:styleLbl name="bgSibTrans2D1">
+    <dgm:fillClrLst meth="repeat">
+      <a:schemeClr val="accent1">
+        <a:tint val="60000"/>
+      </a:schemeClr>
+    </dgm:fillClrLst>
+    <dgm:linClrLst meth="repeat">
+      <a:schemeClr val="accent1">
+        <a:tint val="60000"/>
+      </a:schemeClr>
+    </dgm:linClrLst>
+    <dgm:effectClrLst/>
+    <dgm:txLinClrLst/>
+    <dgm:txFillClrLst/>
+    <dgm:txEffectClrLst/>
+  </dgm:styleLbl>
+  <dgm:styleLbl name="sibTrans1D1">
+    <dgm:fillClrLst meth="repeat">
+      <a:schemeClr val="accent1"/>
+    </dgm:fillClrLst>
+    <dgm:linClrLst meth="repeat">
+      <a:schemeClr val="accent1"/>
+    </dgm:linClrLst>
+    <dgm:effectClrLst/>
+    <dgm:txLinClrLst/>
+    <dgm:txFillClrLst meth="repeat">
+      <a:schemeClr val="tx1"/>
+    </dgm:txFillClrLst>
+    <dgm:txEffectClrLst/>
+  </dgm:styleLbl>
+  <dgm:styleLbl name="callout">
+    <dgm:fillClrLst meth="repeat">
+      <a:schemeClr val="accent1"/>
+    </dgm:fillClrLst>
+    <dgm:linClrLst meth="repeat">
+      <a:schemeClr val="accent1">
+        <a:tint val="50000"/>
+      </a:schemeClr>
+    </dgm:linClrLst>
+    <dgm:effectClrLst/>
+    <dgm:txLinClrLst/>
+    <dgm:txFillClrLst meth="repeat">
+      <a:schemeClr val="tx1"/>
+    </dgm:txFillClrLst>
+    <dgm:txEffectClrLst/>
+  </dgm:styleLbl>
+  <dgm:styleLbl name="asst0">
+    <dgm:fillClrLst meth="repeat">
+      <a:schemeClr val="accent1"/>
+    </dgm:fillClrLst>
+    <dgm:linClrLst meth="repeat">
+      <a:schemeClr val="lt1"/>
+    </dgm:linClrLst>
+    <dgm:effectClrLst/>
+    <dgm:txLinClrLst/>
+    <dgm:txFillClrLst/>
+    <dgm:txEffectClrLst/>
+  </dgm:styleLbl>
+  <dgm:styleLbl name="asst1">
+    <dgm:fillClrLst meth="repeat">
+      <a:schemeClr val="accent1"/>
+    </dgm:fillClrLst>
+    <dgm:linClrLst meth="repeat">
+      <a:schemeClr val="lt1"/>
+    </dgm:linClrLst>
+    <dgm:effectClrLst/>
+    <dgm:txLinClrLst/>
+    <dgm:txFillClrLst/>
+    <dgm:txEffectClrLst/>
+  </dgm:styleLbl>
+  <dgm:styleLbl name="asst2">
+    <dgm:fillClrLst meth="repeat">
+      <a:schemeClr val="accent1"/>
+    </dgm:fillClrLst>
+    <dgm:linClrLst meth="repeat">
+      <a:schemeClr val="lt1"/>
+    </dgm:linClrLst>
+    <dgm:effectClrLst/>
+    <dgm:txLinClrLst/>
+    <dgm:txFillClrLst/>
+    <dgm:txEffectClrLst/>
+  </dgm:styleLbl>
+  <dgm:styleLbl name="asst3">
+    <dgm:fillClrLst meth="repeat">
+      <a:schemeClr val="accent1"/>
+    </dgm:fillClrLst>
+    <dgm:linClrLst meth="repeat">
+      <a:schemeClr val="lt1"/>
+    </dgm:linClrLst>
+    <dgm:effectClrLst/>
+    <dgm:txLinClrLst/>
+    <dgm:txFillClrLst/>
+    <dgm:txEffectClrLst/>
+  </dgm:styleLbl>
+  <dgm:styleLbl name="asst4">
+    <dgm:fillClrLst meth="repeat">
+      <a:schemeClr val="accent1"/>
+    </dgm:fillClrLst>
+    <dgm:linClrLst meth="repeat">
+      <a:schemeClr val="lt1"/>
+    </dgm:linClrLst>
+    <dgm:effectClrLst/>
+    <dgm:txLinClrLst/>
+    <dgm:txFillClrLst/>
+    <dgm:txEffectClrLst/>
+  </dgm:styleLbl>
+  <dgm:styleLbl name="parChTrans2D1">
+    <dgm:fillClrLst meth="repeat">
+      <a:schemeClr val="accent1">
+        <a:tint val="60000"/>
+      </a:schemeClr>
+    </dgm:fillClrLst>
+    <dgm:linClrLst meth="repeat">
+      <a:schemeClr val="accent1">
+        <a:tint val="60000"/>
+      </a:schemeClr>
+    </dgm:linClrLst>
+    <dgm:effectClrLst/>
+    <dgm:txLinClrLst/>
+    <dgm:txFillClrLst meth="repeat">
+      <a:schemeClr val="lt1"/>
+    </dgm:txFillClrLst>
+    <dgm:txEffectClrLst/>
+  </dgm:styleLbl>
+  <dgm:styleLbl name="parChTrans2D2">
+    <dgm:fillClrLst meth="repeat">
+      <a:schemeClr val="accent1"/>
+    </dgm:fillClrLst>
+    <dgm:linClrLst meth="repeat">
+      <a:schemeClr val="accent1"/>
+    </dgm:linClrLst>
+    <dgm:effectClrLst/>
+    <dgm:txLinClrLst/>
+    <dgm:txFillClrLst meth="repeat">
+      <a:schemeClr val="lt1"/>
+    </dgm:txFillClrLst>
+    <dgm:txEffectClrLst/>
+  </dgm:styleLbl>
+  <dgm:styleLbl name="parChTrans2D3">
+    <dgm:fillClrLst meth="repeat">
+      <a:schemeClr val="accent1"/>
+    </dgm:fillClrLst>
+    <dgm:linClrLst meth="repeat">
+      <a:schemeClr val="accent1"/>
+    </dgm:linClrLst>
+    <dgm:effectClrLst/>
+    <dgm:txLinClrLst/>
+    <dgm:txFillClrLst meth="repeat">
+      <a:schemeClr val="lt1"/>
+    </dgm:txFillClrLst>
+    <dgm:txEffectClrLst/>
+  </dgm:styleLbl>
+  <dgm:styleLbl name="parChTrans2D4">
+    <dgm:fillClrLst meth="repeat">
+      <a:schemeClr val="accent1"/>
+    </dgm:fillClrLst>
+    <dgm:linClrLst meth="repeat">
+      <a:schemeClr val="accent1"/>
+    </dgm:linClrLst>
+    <dgm:effectClrLst/>
+    <dgm:txLinClrLst/>
+    <dgm:txFillClrLst meth="repeat">
+      <a:schemeClr val="lt1"/>
+    </dgm:txFillClrLst>
+    <dgm:txEffectClrLst/>
+  </dgm:styleLbl>
+  <dgm:styleLbl name="parChTrans1D1">
+    <dgm:fillClrLst meth="repeat">
+      <a:schemeClr val="accent1"/>
+    </dgm:fillClrLst>
+    <dgm:linClrLst meth="repeat">
+      <a:schemeClr val="accent1">
+        <a:shade val="60000"/>
+      </a:schemeClr>
+    </dgm:linClrLst>
+    <dgm:effectClrLst/>
+    <dgm:txLinClrLst/>
+    <dgm:txFillClrLst meth="repeat">
+      <a:schemeClr val="tx1"/>
+    </dgm:txFillClrLst>
+    <dgm:txEffectClrLst/>
+  </dgm:styleLbl>
+  <dgm:styleLbl name="parChTrans1D2">
+    <dgm:fillClrLst meth="repeat">
+      <a:schemeClr val="accent1"/>
+    </dgm:fillClrLst>
+    <dgm:linClrLst meth="repeat">
+      <a:schemeClr val="accent1">
+        <a:shade val="60000"/>
+      </a:schemeClr>
+    </dgm:linClrLst>
+    <dgm:effectClrLst/>
+    <dgm:txLinClrLst/>
+    <dgm:txFillClrLst meth="repeat">
+      <a:schemeClr val="tx1"/>
+    </dgm:txFillClrLst>
+    <dgm:txEffectClrLst/>
+  </dgm:styleLbl>
+  <dgm:styleLbl name="parChTrans1D3">
+    <dgm:fillClrLst meth="repeat">
+      <a:schemeClr val="accent1"/>
+    </dgm:fillClrLst>
+    <dgm:linClrLst meth="repeat">
+      <a:schemeClr val="accent1">
+        <a:shade val="80000"/>
+      </a:schemeClr>
+    </dgm:linClrLst>
+    <dgm:effectClrLst/>
+    <dgm:txLinClrLst/>
+    <dgm:txFillClrLst meth="repeat">
+      <a:schemeClr val="tx1"/>
+    </dgm:txFillClrLst>
+    <dgm:txEffectClrLst/>
+  </dgm:styleLbl>
+  <dgm:styleLbl name="parChTrans1D4">
+    <dgm:fillClrLst meth="repeat">
+      <a:schemeClr val="accent1"/>
+    </dgm:fillClrLst>
+    <dgm:linClrLst meth="repeat">
+      <a:schemeClr val="accent1">
+        <a:shade val="80000"/>
+      </a:schemeClr>
+    </dgm:linClrLst>
+    <dgm:effectClrLst/>
+    <dgm:txLinClrLst/>
+    <dgm:txFillClrLst meth="repeat">
+      <a:schemeClr val="tx1"/>
+    </dgm:txFillClrLst>
+    <dgm:txEffectClrLst/>
+  </dgm:styleLbl>
+  <dgm:styleLbl name="fgAcc1">
+    <dgm:fillClrLst meth="repeat">
+      <a:schemeClr val="lt1">
+        <a:alpha val="90000"/>
+      </a:schemeClr>
+    </dgm:fillClrLst>
+    <dgm:linClrLst meth="repeat">
+      <a:schemeClr val="accent1"/>
+    </dgm:linClrLst>
+    <dgm:effectClrLst/>
+    <dgm:txLinClrLst/>
+    <dgm:txFillClrLst meth="repeat">
+      <a:schemeClr val="dk1"/>
+    </dgm:txFillClrLst>
+    <dgm:txEffectClrLst/>
+  </dgm:styleLbl>
+  <dgm:styleLbl name="conFgAcc1">
+    <dgm:fillClrLst meth="repeat">
+      <a:schemeClr val="lt1">
+        <a:alpha val="90000"/>
+      </a:schemeClr>
+    </dgm:fillClrLst>
+    <dgm:linClrLst meth="repeat">
+      <a:schemeClr val="accent1"/>
+    </dgm:linClrLst>
+    <dgm:effectClrLst/>
+    <dgm:txLinClrLst/>
+    <dgm:txFillClrLst meth="repeat">
+      <a:schemeClr val="dk1"/>
+    </dgm:txFillClrLst>
+    <dgm:txEffectClrLst/>
+  </dgm:styleLbl>
+  <dgm:styleLbl name="alignAcc1">
+    <dgm:fillClrLst meth="repeat">
+      <a:schemeClr val="lt1">
+        <a:alpha val="90000"/>
+      </a:schemeClr>
+    </dgm:fillClrLst>
+    <dgm:linClrLst meth="repeat">
+      <a:schemeClr val="accent1"/>
+    </dgm:linClrLst>
+    <dgm:effectClrLst/>
+    <dgm:txLinClrLst/>
+    <dgm:txFillClrLst meth="repeat">
+      <a:schemeClr val="dk1"/>
+    </dgm:txFillClrLst>
+    <dgm:txEffectClrLst/>
+  </dgm:styleLbl>
+  <dgm:styleLbl name="trAlignAcc1">
+    <dgm:fillClrLst meth="repeat">
+      <a:schemeClr val="lt1">
+        <a:alpha val="40000"/>
+      </a:schemeClr>
+    </dgm:fillClrLst>
+    <dgm:linClrLst meth="repeat">
+      <a:schemeClr val="accent1"/>
+    </dgm:linClrLst>
+    <dgm:effectClrLst/>
+    <dgm:txLinClrLst/>
+    <dgm:txFillClrLst meth="repeat">
+      <a:schemeClr val="dk1"/>
+    </dgm:txFillClrLst>
+    <dgm:txEffectClrLst/>
+  </dgm:styleLbl>
+  <dgm:styleLbl name="bgAcc1">
+    <dgm:fillClrLst meth="repeat">
+      <a:schemeClr val="lt1">
+        <a:alpha val="90000"/>
+      </a:schemeClr>
+    </dgm:fillClrLst>
+    <dgm:linClrLst meth="repeat">
+      <a:schemeClr val="accent1"/>
+    </dgm:linClrLst>
+    <dgm:effectClrLst/>
+    <dgm:txLinClrLst/>
+    <dgm:txFillClrLst meth="repeat">
+      <a:schemeClr val="dk1"/>
+    </dgm:txFillClrLst>
+    <dgm:txEffectClrLst/>
+  </dgm:styleLbl>
+  <dgm:styleLbl name="solidFgAcc1">
+    <dgm:fillClrLst meth="repeat">
+      <a:schemeClr val="lt1"/>
+    </dgm:fillClrLst>
+    <dgm:linClrLst meth="repeat">
+      <a:schemeClr val="accent1"/>
+    </dgm:linClrLst>
+    <dgm:effectClrLst/>
+    <dgm:txLinClrLst/>
+    <dgm:txFillClrLst meth="repeat">
+      <a:schemeClr val="dk1"/>
+    </dgm:txFillClrLst>
+    <dgm:txEffectClrLst/>
+  </dgm:styleLbl>
+  <dgm:styleLbl name="solidAlignAcc1">
+    <dgm:fillClrLst meth="repeat">
+      <a:schemeClr val="lt1"/>
+    </dgm:fillClrLst>
+    <dgm:linClrLst meth="repeat">
+      <a:schemeClr val="accent1"/>
+    </dgm:linClrLst>
+    <dgm:effectClrLst/>
+    <dgm:txLinClrLst/>
+    <dgm:txFillClrLst meth="repeat">
+      <a:schemeClr val="dk1"/>
+    </dgm:txFillClrLst>
+    <dgm:txEffectClrLst/>
+  </dgm:styleLbl>
+  <dgm:styleLbl name="solidBgAcc1">
+    <dgm:fillClrLst meth="repeat">
+      <a:schemeClr val="lt1"/>
+    </dgm:fillClrLst>
+    <dgm:linClrLst meth="repeat">
+      <a:schemeClr val="accent1"/>
+    </dgm:linClrLst>
+    <dgm:effectClrLst/>
+    <dgm:txLinClrLst/>
+    <dgm:txFillClrLst meth="repeat">
+      <a:schemeClr val="dk1"/>
+    </dgm:txFillClrLst>
+    <dgm:txEffectClrLst/>
+  </dgm:styleLbl>
+  <dgm:styleLbl name="fgAccFollowNode1">
+    <dgm:fillClrLst meth="repeat">
+      <a:schemeClr val="accent1">
+        <a:alpha val="90000"/>
+        <a:tint val="40000"/>
+      </a:schemeClr>
+    </dgm:fillClrLst>
+    <dgm:linClrLst meth="repeat">
+      <a:schemeClr val="accent1">
+        <a:alpha val="90000"/>
+        <a:tint val="40000"/>
+      </a:schemeClr>
+    </dgm:linClrLst>
+    <dgm:effectClrLst/>
+    <dgm:txLinClrLst/>
+    <dgm:txFillClrLst meth="repeat">
+      <a:schemeClr val="dk1"/>
+    </dgm:txFillClrLst>
+    <dgm:txEffectClrLst/>
+  </dgm:styleLbl>
+  <dgm:styleLbl name="alignAccFollowNode1">
+    <dgm:fillClrLst meth="repeat">
+      <a:schemeClr val="accent1">
+        <a:alpha val="90000"/>
+        <a:tint val="40000"/>
+      </a:schemeClr>
+    </dgm:fillClrLst>
+    <dgm:linClrLst meth="repeat">
+      <a:schemeClr val="accent1">
+        <a:alpha val="90000"/>
+        <a:tint val="40000"/>
+      </a:schemeClr>
+    </dgm:linClrLst>
+    <dgm:effectClrLst/>
+    <dgm:txLinClrLst/>
+    <dgm:txFillClrLst meth="repeat">
+      <a:schemeClr val="dk1"/>
+    </dgm:txFillClrLst>
+    <dgm:txEffectClrLst/>
+  </dgm:styleLbl>
+  <dgm:styleLbl name="bgAccFollowNode1">
+    <dgm:fillClrLst meth="repeat">
+      <a:schemeClr val="accent1">
+        <a:alpha val="90000"/>
+        <a:tint val="40000"/>
+      </a:schemeClr>
+    </dgm:fillClrLst>
+    <dgm:linClrLst meth="repeat">
+      <a:schemeClr val="accent1">
+        <a:alpha val="90000"/>
+        <a:tint val="40000"/>
+      </a:schemeClr>
+    </dgm:linClrLst>
+    <dgm:effectClrLst/>
+    <dgm:txLinClrLst/>
+    <dgm:txFillClrLst meth="repeat">
+      <a:schemeClr val="dk1"/>
+    </dgm:txFillClrLst>
+    <dgm:txEffectClrLst/>
+  </dgm:styleLbl>
+  <dgm:styleLbl name="fgAcc0">
+    <dgm:fillClrLst meth="repeat">
+      <a:schemeClr val="lt1">
+        <a:alpha val="90000"/>
+      </a:schemeClr>
+    </dgm:fillClrLst>
+    <dgm:linClrLst meth="repeat">
+      <a:schemeClr val="accent1"/>
+    </dgm:linClrLst>
+    <dgm:effectClrLst/>
+    <dgm:txLinClrLst/>
+    <dgm:txFillClrLst meth="repeat">
+      <a:schemeClr val="dk1"/>
+    </dgm:txFillClrLst>
+    <dgm:txEffectClrLst/>
+  </dgm:styleLbl>
+  <dgm:styleLbl name="fgAcc2">
+    <dgm:fillClrLst meth="repeat">
+      <a:schemeClr val="lt1">
+        <a:alpha val="90000"/>
+      </a:schemeClr>
+    </dgm:fillClrLst>
+    <dgm:linClrLst meth="repeat">
+      <a:schemeClr val="accent1"/>
+    </dgm:linClrLst>
+    <dgm:effectClrLst/>
+    <dgm:txLinClrLst/>
+    <dgm:txFillClrLst meth="repeat">
+      <a:schemeClr val="dk1"/>
+    </dgm:txFillClrLst>
+    <dgm:txEffectClrLst/>
+  </dgm:styleLbl>
+  <dgm:styleLbl name="fgAcc3">
+    <dgm:fillClrLst meth="repeat">
+      <a:schemeClr val="lt1">
+        <a:alpha val="90000"/>
+      </a:schemeClr>
+    </dgm:fillClrLst>
+    <dgm:linClrLst meth="repeat">
+      <a:schemeClr val="accent1"/>
+    </dgm:linClrLst>
+    <dgm:effectClrLst/>
+    <dgm:txLinClrLst/>
+    <dgm:txFillClrLst meth="repeat">
+      <a:schemeClr val="dk1"/>
+    </dgm:txFillClrLst>
+    <dgm:txEffectClrLst/>
+  </dgm:styleLbl>
+  <dgm:styleLbl name="fgAcc4">
+    <dgm:fillClrLst meth="repeat">
+      <a:schemeClr val="lt1">
+        <a:alpha val="90000"/>
+      </a:schemeClr>
+    </dgm:fillClrLst>
+    <dgm:linClrLst meth="repeat">
+      <a:schemeClr val="accent1"/>
+    </dgm:linClrLst>
+    <dgm:effectClrLst/>
+    <dgm:txLinClrLst/>
+    <dgm:txFillClrLst meth="repeat">
+      <a:schemeClr val="dk1"/>
+    </dgm:txFillClrLst>
+    <dgm:txEffectClrLst/>
+  </dgm:styleLbl>
+  <dgm:styleLbl name="bgShp">
+    <dgm:fillClrLst meth="repeat">
+      <a:schemeClr val="accent1">
+        <a:tint val="40000"/>
+      </a:schemeClr>
+    </dgm:fillClrLst>
+    <dgm:linClrLst meth="repeat">
+      <a:schemeClr val="accent1"/>
+    </dgm:linClrLst>
+    <dgm:effectClrLst/>
+    <dgm:txLinClrLst/>
+    <dgm:txFillClrLst meth="repeat">
+      <a:schemeClr val="dk1"/>
+    </dgm:txFillClrLst>
+    <dgm:txEffectClrLst/>
+  </dgm:styleLbl>
+  <dgm:styleLbl name="dkBgShp">
+    <dgm:fillClrLst meth="repeat">
+      <a:schemeClr val="accent1">
+        <a:shade val="80000"/>
+      </a:schemeClr>
+    </dgm:fillClrLst>
+    <dgm:linClrLst meth="repeat">
+      <a:schemeClr val="accent1"/>
+    </dgm:linClrLst>
+    <dgm:effectClrLst/>
+    <dgm:txLinClrLst/>
+    <dgm:txFillClrLst meth="repeat">
+      <a:schemeClr val="lt1"/>
+    </dgm:txFillClrLst>
+    <dgm:txEffectClrLst/>
+  </dgm:styleLbl>
+  <dgm:styleLbl name="trBgShp">
+    <dgm:fillClrLst meth="repeat">
+      <a:schemeClr val="accent1">
+        <a:tint val="50000"/>
+        <a:alpha val="40000"/>
+      </a:schemeClr>
+    </dgm:fillClrLst>
+    <dgm:linClrLst meth="repeat">
+      <a:schemeClr val="accent1"/>
+    </dgm:linClrLst>
+    <dgm:effectClrLst/>
+    <dgm:txLinClrLst/>
+    <dgm:txFillClrLst meth="repeat">
+      <a:schemeClr val="lt1"/>
+    </dgm:txFillClrLst>
+    <dgm:txEffectClrLst/>
+  </dgm:styleLbl>
+  <dgm:styleLbl name="fgShp">
+    <dgm:fillClrLst meth="repeat">
+      <a:schemeClr val="accent1">
+        <a:tint val="60000"/>
+      </a:schemeClr>
+    </dgm:fillClrLst>
+    <dgm:linClrLst meth="repeat">
+      <a:schemeClr val="lt1"/>
+    </dgm:linClrLst>
+    <dgm:effectClrLst/>
+    <dgm:txLinClrLst/>
+    <dgm:txFillClrLst meth="repeat">
+      <a:schemeClr val="dk1"/>
+    </dgm:txFillClrLst>
+    <dgm:txEffectClrLst/>
+  </dgm:styleLbl>
+  <dgm:styleLbl name="revTx">
+    <dgm:fillClrLst meth="repeat">
+      <a:schemeClr val="lt1">
+        <a:alpha val="0"/>
+      </a:schemeClr>
+    </dgm:fillClrLst>
+    <dgm:linClrLst meth="repeat">
+      <a:schemeClr val="dk1">
+        <a:alpha val="0"/>
+      </a:schemeClr>
+    </dgm:linClrLst>
+    <dgm:effectClrLst/>
+    <dgm:txLinClrLst/>
+    <dgm:txFillClrLst meth="repeat">
+      <a:schemeClr val="tx1"/>
+    </dgm:txFillClrLst>
+    <dgm:txEffectClrLst/>
+  </dgm:styleLbl>
+</dgm:colorsDef>
+</file>
+
+<file path=ppt/diagrams/colors4.xml><?xml version="1.0" encoding="utf-8"?>
 <dgm:colorsDef xmlns:dgm="http://schemas.openxmlformats.org/drawingml/2006/diagram" xmlns:a="http://schemas.openxmlformats.org/drawingml/2006/main" uniqueId="urn:microsoft.com/office/officeart/2005/8/colors/colorful1">
   <dgm:title val=""/>
   <dgm:desc val=""/>
@@ -3840,6 +4587,259 @@
 </file>
 
 <file path=ppt/diagrams/data3.xml><?xml version="1.0" encoding="utf-8"?>
+<dgm:dataModel xmlns:dgm="http://schemas.openxmlformats.org/drawingml/2006/diagram" xmlns:a="http://schemas.openxmlformats.org/drawingml/2006/main">
+  <dgm:ptLst>
+    <dgm:pt modelId="{C331C839-3BB7-44CF-B508-4816BEEE6B12}" type="doc">
+      <dgm:prSet loTypeId="urn:microsoft.com/office/officeart/2005/8/layout/target2" loCatId="relationship" qsTypeId="urn:microsoft.com/office/officeart/2005/8/quickstyle/simple1" qsCatId="simple" csTypeId="urn:microsoft.com/office/officeart/2005/8/colors/accent1_2" csCatId="accent1" phldr="1"/>
+      <dgm:spPr/>
+      <dgm:t>
+        <a:bodyPr/>
+        <a:lstStyle/>
+        <a:p>
+          <a:endParaRPr lang="da-DK"/>
+        </a:p>
+      </dgm:t>
+    </dgm:pt>
+    <dgm:pt modelId="{96572666-F0E1-4E56-A762-5E8F9A802527}">
+      <dgm:prSet phldrT="[Text]"/>
+      <dgm:spPr/>
+      <dgm:t>
+        <a:bodyPr/>
+        <a:lstStyle/>
+        <a:p>
+          <a:r>
+            <a:rPr lang="da-DK" dirty="0" err="1"/>
+            <a:t>sqlpackage</a:t>
+          </a:r>
+          <a:endParaRPr lang="da-DK" dirty="0"/>
+        </a:p>
+      </dgm:t>
+    </dgm:pt>
+    <dgm:pt modelId="{EAF12371-18EC-4F93-8929-DCA27DA40385}" type="parTrans" cxnId="{FFEAC56C-5F49-4A12-A768-D2E3590E03E3}">
+      <dgm:prSet/>
+      <dgm:spPr/>
+      <dgm:t>
+        <a:bodyPr/>
+        <a:lstStyle/>
+        <a:p>
+          <a:endParaRPr lang="da-DK"/>
+        </a:p>
+      </dgm:t>
+    </dgm:pt>
+    <dgm:pt modelId="{9E3B2B32-76A8-4BDB-970D-05CFFA71648F}" type="sibTrans" cxnId="{FFEAC56C-5F49-4A12-A768-D2E3590E03E3}">
+      <dgm:prSet/>
+      <dgm:spPr/>
+      <dgm:t>
+        <a:bodyPr/>
+        <a:lstStyle/>
+        <a:p>
+          <a:endParaRPr lang="da-DK"/>
+        </a:p>
+      </dgm:t>
+    </dgm:pt>
+    <dgm:pt modelId="{1E487766-F738-4AF1-B41D-315211AE932E}">
+      <dgm:prSet phldrT="[Text]"/>
+      <dgm:spPr/>
+      <dgm:t>
+        <a:bodyPr/>
+        <a:lstStyle/>
+        <a:p>
+          <a:r>
+            <a:rPr lang="da-DK" dirty="0" err="1"/>
+            <a:t>DacFx</a:t>
+          </a:r>
+          <a:endParaRPr lang="da-DK" dirty="0"/>
+        </a:p>
+      </dgm:t>
+    </dgm:pt>
+    <dgm:pt modelId="{D1C340AF-34C4-47D7-BAE0-1372492AD7BE}" type="parTrans" cxnId="{279F668A-3C13-4035-99F5-D86668FDB9CA}">
+      <dgm:prSet/>
+      <dgm:spPr/>
+      <dgm:t>
+        <a:bodyPr/>
+        <a:lstStyle/>
+        <a:p>
+          <a:endParaRPr lang="da-DK"/>
+        </a:p>
+      </dgm:t>
+    </dgm:pt>
+    <dgm:pt modelId="{284FD73C-5DD6-4D0C-A235-20C8AEC45B3C}" type="sibTrans" cxnId="{279F668A-3C13-4035-99F5-D86668FDB9CA}">
+      <dgm:prSet/>
+      <dgm:spPr/>
+      <dgm:t>
+        <a:bodyPr/>
+        <a:lstStyle/>
+        <a:p>
+          <a:endParaRPr lang="da-DK"/>
+        </a:p>
+      </dgm:t>
+    </dgm:pt>
+    <dgm:pt modelId="{E3C831D1-FA0E-4539-84AE-2968D7ECF4FF}">
+      <dgm:prSet phldrT="[Text]"/>
+      <dgm:spPr/>
+      <dgm:t>
+        <a:bodyPr/>
+        <a:lstStyle/>
+        <a:p>
+          <a:r>
+            <a:rPr lang="da-DK" dirty="0" err="1">
+              <a:solidFill>
+                <a:srgbClr val="7030A0"/>
+              </a:solidFill>
+            </a:rPr>
+            <a:t>SqlScriptDom</a:t>
+          </a:r>
+          <a:endParaRPr lang="da-DK" dirty="0">
+            <a:solidFill>
+              <a:srgbClr val="7030A0"/>
+            </a:solidFill>
+          </a:endParaRPr>
+        </a:p>
+      </dgm:t>
+    </dgm:pt>
+    <dgm:pt modelId="{9F9468E5-A47D-466C-A8F0-97EA2C964A4B}" type="parTrans" cxnId="{E31D1E81-DD94-478F-BD08-B7A1EF414C92}">
+      <dgm:prSet/>
+      <dgm:spPr/>
+      <dgm:t>
+        <a:bodyPr/>
+        <a:lstStyle/>
+        <a:p>
+          <a:endParaRPr lang="da-DK"/>
+        </a:p>
+      </dgm:t>
+    </dgm:pt>
+    <dgm:pt modelId="{120D1B82-2FE8-4469-A1FE-EBCB2E42661D}" type="sibTrans" cxnId="{E31D1E81-DD94-478F-BD08-B7A1EF414C92}">
+      <dgm:prSet/>
+      <dgm:spPr/>
+      <dgm:t>
+        <a:bodyPr/>
+        <a:lstStyle/>
+        <a:p>
+          <a:endParaRPr lang="da-DK"/>
+        </a:p>
+      </dgm:t>
+    </dgm:pt>
+    <dgm:pt modelId="{2E5B426B-B604-4824-B242-A15ECAE16254}">
+      <dgm:prSet phldrT="[Text]"/>
+      <dgm:spPr/>
+      <dgm:t>
+        <a:bodyPr/>
+        <a:lstStyle/>
+        <a:p>
+          <a:r>
+            <a:rPr lang="da-DK" dirty="0" err="1">
+              <a:solidFill>
+                <a:srgbClr val="7030A0"/>
+              </a:solidFill>
+            </a:rPr>
+            <a:t>SqlClient</a:t>
+          </a:r>
+          <a:endParaRPr lang="da-DK" dirty="0">
+            <a:solidFill>
+              <a:srgbClr val="7030A0"/>
+            </a:solidFill>
+          </a:endParaRPr>
+        </a:p>
+        <a:p>
+          <a:endParaRPr lang="da-DK" dirty="0"/>
+        </a:p>
+      </dgm:t>
+    </dgm:pt>
+    <dgm:pt modelId="{B94636BA-3476-4565-A42F-129E2BD2B762}" type="parTrans" cxnId="{60443D43-D573-4093-9F45-E1F2D47AE25B}">
+      <dgm:prSet/>
+      <dgm:spPr/>
+      <dgm:t>
+        <a:bodyPr/>
+        <a:lstStyle/>
+        <a:p>
+          <a:endParaRPr lang="da-DK"/>
+        </a:p>
+      </dgm:t>
+    </dgm:pt>
+    <dgm:pt modelId="{C9C9F263-33B3-4993-AC3D-5732C910977B}" type="sibTrans" cxnId="{60443D43-D573-4093-9F45-E1F2D47AE25B}">
+      <dgm:prSet/>
+      <dgm:spPr/>
+      <dgm:t>
+        <a:bodyPr/>
+        <a:lstStyle/>
+        <a:p>
+          <a:endParaRPr lang="da-DK"/>
+        </a:p>
+      </dgm:t>
+    </dgm:pt>
+    <dgm:pt modelId="{388F7B59-22E5-4E9F-9B8D-02B79CC3EA0C}" type="pres">
+      <dgm:prSet presAssocID="{C331C839-3BB7-44CF-B508-4816BEEE6B12}" presName="Name0" presStyleCnt="0">
+        <dgm:presLayoutVars>
+          <dgm:chMax val="3"/>
+          <dgm:chPref val="1"/>
+          <dgm:dir/>
+          <dgm:animLvl val="lvl"/>
+          <dgm:resizeHandles/>
+        </dgm:presLayoutVars>
+      </dgm:prSet>
+      <dgm:spPr/>
+    </dgm:pt>
+    <dgm:pt modelId="{79823007-ADD9-4055-905B-36D15AA96BE7}" type="pres">
+      <dgm:prSet presAssocID="{C331C839-3BB7-44CF-B508-4816BEEE6B12}" presName="outerBox" presStyleCnt="0"/>
+      <dgm:spPr/>
+    </dgm:pt>
+    <dgm:pt modelId="{C0A8F827-6B94-4758-8EAC-045D3B51F98F}" type="pres">
+      <dgm:prSet presAssocID="{C331C839-3BB7-44CF-B508-4816BEEE6B12}" presName="outerBoxParent" presStyleLbl="node1" presStyleIdx="0" presStyleCnt="1"/>
+      <dgm:spPr/>
+    </dgm:pt>
+    <dgm:pt modelId="{A18AC8DD-D052-4EE8-87A2-48B81C611E66}" type="pres">
+      <dgm:prSet presAssocID="{C331C839-3BB7-44CF-B508-4816BEEE6B12}" presName="outerBoxChildren" presStyleCnt="0"/>
+      <dgm:spPr/>
+    </dgm:pt>
+    <dgm:pt modelId="{6C21030C-B6E0-4185-AA4C-1CEC63367092}" type="pres">
+      <dgm:prSet presAssocID="{1E487766-F738-4AF1-B41D-315211AE932E}" presName="oChild" presStyleLbl="fgAcc1" presStyleIdx="0" presStyleCnt="2">
+        <dgm:presLayoutVars>
+          <dgm:bulletEnabled val="1"/>
+        </dgm:presLayoutVars>
+      </dgm:prSet>
+      <dgm:spPr/>
+    </dgm:pt>
+    <dgm:pt modelId="{0289AD00-02A6-40D5-BCE4-DBA5103B9F03}" type="pres">
+      <dgm:prSet presAssocID="{284FD73C-5DD6-4D0C-A235-20C8AEC45B3C}" presName="outerSibTrans" presStyleCnt="0"/>
+      <dgm:spPr/>
+    </dgm:pt>
+    <dgm:pt modelId="{76EED65C-FA62-4835-87B6-397BE9C42B7D}" type="pres">
+      <dgm:prSet presAssocID="{2E5B426B-B604-4824-B242-A15ECAE16254}" presName="oChild" presStyleLbl="fgAcc1" presStyleIdx="1" presStyleCnt="2">
+        <dgm:presLayoutVars>
+          <dgm:bulletEnabled val="1"/>
+        </dgm:presLayoutVars>
+      </dgm:prSet>
+      <dgm:spPr/>
+    </dgm:pt>
+  </dgm:ptLst>
+  <dgm:cxnLst>
+    <dgm:cxn modelId="{CF21240C-2944-4F35-859A-5A9D37C5B5CD}" type="presOf" srcId="{E3C831D1-FA0E-4539-84AE-2968D7ECF4FF}" destId="{6C21030C-B6E0-4185-AA4C-1CEC63367092}" srcOrd="0" destOrd="1" presId="urn:microsoft.com/office/officeart/2005/8/layout/target2"/>
+    <dgm:cxn modelId="{CDE8F737-EE5D-4DDD-869A-A5F4D80F81B6}" type="presOf" srcId="{C331C839-3BB7-44CF-B508-4816BEEE6B12}" destId="{388F7B59-22E5-4E9F-9B8D-02B79CC3EA0C}" srcOrd="0" destOrd="0" presId="urn:microsoft.com/office/officeart/2005/8/layout/target2"/>
+    <dgm:cxn modelId="{60443D43-D573-4093-9F45-E1F2D47AE25B}" srcId="{96572666-F0E1-4E56-A762-5E8F9A802527}" destId="{2E5B426B-B604-4824-B242-A15ECAE16254}" srcOrd="1" destOrd="0" parTransId="{B94636BA-3476-4565-A42F-129E2BD2B762}" sibTransId="{C9C9F263-33B3-4993-AC3D-5732C910977B}"/>
+    <dgm:cxn modelId="{992E3868-3BC7-446E-9FEB-8C90D17F44D1}" type="presOf" srcId="{2E5B426B-B604-4824-B242-A15ECAE16254}" destId="{76EED65C-FA62-4835-87B6-397BE9C42B7D}" srcOrd="0" destOrd="0" presId="urn:microsoft.com/office/officeart/2005/8/layout/target2"/>
+    <dgm:cxn modelId="{FFEAC56C-5F49-4A12-A768-D2E3590E03E3}" srcId="{C331C839-3BB7-44CF-B508-4816BEEE6B12}" destId="{96572666-F0E1-4E56-A762-5E8F9A802527}" srcOrd="0" destOrd="0" parTransId="{EAF12371-18EC-4F93-8929-DCA27DA40385}" sibTransId="{9E3B2B32-76A8-4BDB-970D-05CFFA71648F}"/>
+    <dgm:cxn modelId="{E31D1E81-DD94-478F-BD08-B7A1EF414C92}" srcId="{1E487766-F738-4AF1-B41D-315211AE932E}" destId="{E3C831D1-FA0E-4539-84AE-2968D7ECF4FF}" srcOrd="0" destOrd="0" parTransId="{9F9468E5-A47D-466C-A8F0-97EA2C964A4B}" sibTransId="{120D1B82-2FE8-4469-A1FE-EBCB2E42661D}"/>
+    <dgm:cxn modelId="{D5627281-8ECA-4C1A-BC23-990F954F2198}" type="presOf" srcId="{96572666-F0E1-4E56-A762-5E8F9A802527}" destId="{C0A8F827-6B94-4758-8EAC-045D3B51F98F}" srcOrd="0" destOrd="0" presId="urn:microsoft.com/office/officeart/2005/8/layout/target2"/>
+    <dgm:cxn modelId="{279F668A-3C13-4035-99F5-D86668FDB9CA}" srcId="{96572666-F0E1-4E56-A762-5E8F9A802527}" destId="{1E487766-F738-4AF1-B41D-315211AE932E}" srcOrd="0" destOrd="0" parTransId="{D1C340AF-34C4-47D7-BAE0-1372492AD7BE}" sibTransId="{284FD73C-5DD6-4D0C-A235-20C8AEC45B3C}"/>
+    <dgm:cxn modelId="{804D2DB5-C069-40EF-8161-DD2C46E29D7F}" type="presOf" srcId="{1E487766-F738-4AF1-B41D-315211AE932E}" destId="{6C21030C-B6E0-4185-AA4C-1CEC63367092}" srcOrd="0" destOrd="0" presId="urn:microsoft.com/office/officeart/2005/8/layout/target2"/>
+    <dgm:cxn modelId="{3DA90033-AB0A-4A72-8F09-BF8DED313860}" type="presParOf" srcId="{388F7B59-22E5-4E9F-9B8D-02B79CC3EA0C}" destId="{79823007-ADD9-4055-905B-36D15AA96BE7}" srcOrd="0" destOrd="0" presId="urn:microsoft.com/office/officeart/2005/8/layout/target2"/>
+    <dgm:cxn modelId="{6206BB40-5FCF-4545-8471-6EFF034AD457}" type="presParOf" srcId="{79823007-ADD9-4055-905B-36D15AA96BE7}" destId="{C0A8F827-6B94-4758-8EAC-045D3B51F98F}" srcOrd="0" destOrd="0" presId="urn:microsoft.com/office/officeart/2005/8/layout/target2"/>
+    <dgm:cxn modelId="{477F29C9-01BF-41EE-82E3-07C244D1A853}" type="presParOf" srcId="{79823007-ADD9-4055-905B-36D15AA96BE7}" destId="{A18AC8DD-D052-4EE8-87A2-48B81C611E66}" srcOrd="1" destOrd="0" presId="urn:microsoft.com/office/officeart/2005/8/layout/target2"/>
+    <dgm:cxn modelId="{7CAA5DF1-6991-4839-8A71-4FCB3D123C67}" type="presParOf" srcId="{A18AC8DD-D052-4EE8-87A2-48B81C611E66}" destId="{6C21030C-B6E0-4185-AA4C-1CEC63367092}" srcOrd="0" destOrd="0" presId="urn:microsoft.com/office/officeart/2005/8/layout/target2"/>
+    <dgm:cxn modelId="{84257F1F-C41D-43D1-A79D-B458AB6C4081}" type="presParOf" srcId="{A18AC8DD-D052-4EE8-87A2-48B81C611E66}" destId="{0289AD00-02A6-40D5-BCE4-DBA5103B9F03}" srcOrd="1" destOrd="0" presId="urn:microsoft.com/office/officeart/2005/8/layout/target2"/>
+    <dgm:cxn modelId="{B4A294FD-0DC9-4C98-A437-D076B080813E}" type="presParOf" srcId="{A18AC8DD-D052-4EE8-87A2-48B81C611E66}" destId="{76EED65C-FA62-4835-87B6-397BE9C42B7D}" srcOrd="2" destOrd="0" presId="urn:microsoft.com/office/officeart/2005/8/layout/target2"/>
+  </dgm:cxnLst>
+  <dgm:bg/>
+  <dgm:whole/>
+  <dgm:extLst>
+    <a:ext uri="http://schemas.microsoft.com/office/drawing/2008/diagram">
+      <dsp:dataModelExt xmlns:dsp="http://schemas.microsoft.com/office/drawing/2008/diagram" relId="rId6" minVer="http://schemas.openxmlformats.org/drawingml/2006/diagram"/>
+    </a:ext>
+  </dgm:extLst>
+</dgm:dataModel>
+</file>
+
+<file path=ppt/diagrams/data4.xml><?xml version="1.0" encoding="utf-8"?>
 <dgm:dataModel xmlns:dgm="http://schemas.openxmlformats.org/drawingml/2006/diagram" xmlns:a="http://schemas.openxmlformats.org/drawingml/2006/main">
   <dgm:ptLst>
     <dgm:pt modelId="{3310C43F-3E16-49C6-AD05-32F4976728E0}" type="doc">
@@ -5625,6 +6625,309 @@
       <dsp:cNvGrpSpPr/>
     </dsp:nvGrpSpPr>
     <dsp:grpSpPr/>
+    <dsp:sp modelId="{C0A8F827-6B94-4758-8EAC-045D3B51F98F}">
+      <dsp:nvSpPr>
+        <dsp:cNvPr id="0" name=""/>
+        <dsp:cNvSpPr/>
+      </dsp:nvSpPr>
+      <dsp:spPr>
+        <a:xfrm>
+          <a:off x="0" y="0"/>
+          <a:ext cx="8128000" cy="5418667"/>
+        </a:xfrm>
+        <a:prstGeom prst="roundRect">
+          <a:avLst>
+            <a:gd name="adj" fmla="val 8500"/>
+          </a:avLst>
+        </a:prstGeom>
+        <a:solidFill>
+          <a:schemeClr val="accent1">
+            <a:hueOff val="0"/>
+            <a:satOff val="0"/>
+            <a:lumOff val="0"/>
+            <a:alphaOff val="0"/>
+          </a:schemeClr>
+        </a:solidFill>
+        <a:ln w="19050" cap="flat" cmpd="sng" algn="ctr">
+          <a:solidFill>
+            <a:schemeClr val="lt1">
+              <a:hueOff val="0"/>
+              <a:satOff val="0"/>
+              <a:lumOff val="0"/>
+              <a:alphaOff val="0"/>
+            </a:schemeClr>
+          </a:solidFill>
+          <a:prstDash val="solid"/>
+          <a:miter lim="800000"/>
+        </a:ln>
+        <a:effectLst/>
+      </dsp:spPr>
+      <dsp:style>
+        <a:lnRef idx="2">
+          <a:scrgbClr r="0" g="0" b="0"/>
+        </a:lnRef>
+        <a:fillRef idx="1">
+          <a:scrgbClr r="0" g="0" b="0"/>
+        </a:fillRef>
+        <a:effectRef idx="0">
+          <a:scrgbClr r="0" g="0" b="0"/>
+        </a:effectRef>
+        <a:fontRef idx="minor">
+          <a:schemeClr val="lt1"/>
+        </a:fontRef>
+      </dsp:style>
+      <dsp:txBody>
+        <a:bodyPr spcFirstLastPara="0" vert="horz" wrap="square" lIns="247650" tIns="247650" rIns="247650" bIns="3345274" numCol="1" spcCol="1270" anchor="t" anchorCtr="0">
+          <a:noAutofit/>
+        </a:bodyPr>
+        <a:lstStyle/>
+        <a:p>
+          <a:pPr marL="0" lvl="0" indent="0" algn="l" defTabSz="2889250">
+            <a:lnSpc>
+              <a:spcPct val="90000"/>
+            </a:lnSpc>
+            <a:spcBef>
+              <a:spcPct val="0"/>
+            </a:spcBef>
+            <a:spcAft>
+              <a:spcPct val="35000"/>
+            </a:spcAft>
+            <a:buNone/>
+          </a:pPr>
+          <a:r>
+            <a:rPr lang="da-DK" sz="6500" kern="1200" dirty="0" err="1"/>
+            <a:t>sqlpackage</a:t>
+          </a:r>
+          <a:endParaRPr lang="da-DK" sz="6500" kern="1200" dirty="0"/>
+        </a:p>
+      </dsp:txBody>
+      <dsp:txXfrm>
+        <a:off x="134901" y="134901"/>
+        <a:ext cx="7858198" cy="5148865"/>
+      </dsp:txXfrm>
+    </dsp:sp>
+    <dsp:sp modelId="{6C21030C-B6E0-4185-AA4C-1CEC63367092}">
+      <dsp:nvSpPr>
+        <dsp:cNvPr id="0" name=""/>
+        <dsp:cNvSpPr/>
+      </dsp:nvSpPr>
+      <dsp:spPr>
+        <a:xfrm>
+          <a:off x="203200" y="2438400"/>
+          <a:ext cx="3826867" cy="2438400"/>
+        </a:xfrm>
+        <a:prstGeom prst="roundRect">
+          <a:avLst>
+            <a:gd name="adj" fmla="val 10500"/>
+          </a:avLst>
+        </a:prstGeom>
+        <a:solidFill>
+          <a:schemeClr val="lt1">
+            <a:alpha val="90000"/>
+            <a:hueOff val="0"/>
+            <a:satOff val="0"/>
+            <a:lumOff val="0"/>
+            <a:alphaOff val="0"/>
+          </a:schemeClr>
+        </a:solidFill>
+        <a:ln w="19050" cap="flat" cmpd="sng" algn="ctr">
+          <a:solidFill>
+            <a:schemeClr val="accent1">
+              <a:hueOff val="0"/>
+              <a:satOff val="0"/>
+              <a:lumOff val="0"/>
+              <a:alphaOff val="0"/>
+            </a:schemeClr>
+          </a:solidFill>
+          <a:prstDash val="solid"/>
+          <a:miter lim="800000"/>
+        </a:ln>
+        <a:effectLst/>
+      </dsp:spPr>
+      <dsp:style>
+        <a:lnRef idx="2">
+          <a:scrgbClr r="0" g="0" b="0"/>
+        </a:lnRef>
+        <a:fillRef idx="1">
+          <a:scrgbClr r="0" g="0" b="0"/>
+        </a:fillRef>
+        <a:effectRef idx="0">
+          <a:scrgbClr r="0" g="0" b="0"/>
+        </a:effectRef>
+        <a:fontRef idx="minor"/>
+      </dsp:style>
+      <dsp:txBody>
+        <a:bodyPr spcFirstLastPara="0" vert="horz" wrap="square" lIns="190500" tIns="190500" rIns="190500" bIns="190500" numCol="1" spcCol="1270" anchor="t" anchorCtr="0">
+          <a:noAutofit/>
+        </a:bodyPr>
+        <a:lstStyle/>
+        <a:p>
+          <a:pPr marL="0" lvl="0" indent="0" algn="l" defTabSz="2222500">
+            <a:lnSpc>
+              <a:spcPct val="90000"/>
+            </a:lnSpc>
+            <a:spcBef>
+              <a:spcPct val="0"/>
+            </a:spcBef>
+            <a:spcAft>
+              <a:spcPct val="35000"/>
+            </a:spcAft>
+            <a:buNone/>
+          </a:pPr>
+          <a:r>
+            <a:rPr lang="da-DK" sz="5000" kern="1200" dirty="0" err="1"/>
+            <a:t>DacFx</a:t>
+          </a:r>
+          <a:endParaRPr lang="da-DK" sz="5000" kern="1200" dirty="0"/>
+        </a:p>
+        <a:p>
+          <a:pPr marL="285750" lvl="1" indent="-285750" algn="l" defTabSz="1733550">
+            <a:lnSpc>
+              <a:spcPct val="90000"/>
+            </a:lnSpc>
+            <a:spcBef>
+              <a:spcPct val="0"/>
+            </a:spcBef>
+            <a:spcAft>
+              <a:spcPct val="15000"/>
+            </a:spcAft>
+            <a:buChar char="•"/>
+          </a:pPr>
+          <a:r>
+            <a:rPr lang="da-DK" sz="3900" kern="1200" dirty="0" err="1">
+              <a:solidFill>
+                <a:srgbClr val="7030A0"/>
+              </a:solidFill>
+            </a:rPr>
+            <a:t>SqlScriptDom</a:t>
+          </a:r>
+          <a:endParaRPr lang="da-DK" sz="3900" kern="1200" dirty="0">
+            <a:solidFill>
+              <a:srgbClr val="7030A0"/>
+            </a:solidFill>
+          </a:endParaRPr>
+        </a:p>
+      </dsp:txBody>
+      <dsp:txXfrm>
+        <a:off x="278189" y="2513389"/>
+        <a:ext cx="3676889" cy="2288422"/>
+      </dsp:txXfrm>
+    </dsp:sp>
+    <dsp:sp modelId="{76EED65C-FA62-4835-87B6-397BE9C42B7D}">
+      <dsp:nvSpPr>
+        <dsp:cNvPr id="0" name=""/>
+        <dsp:cNvSpPr/>
+      </dsp:nvSpPr>
+      <dsp:spPr>
+        <a:xfrm>
+          <a:off x="4090491" y="2438400"/>
+          <a:ext cx="3826867" cy="2438400"/>
+        </a:xfrm>
+        <a:prstGeom prst="roundRect">
+          <a:avLst>
+            <a:gd name="adj" fmla="val 10500"/>
+          </a:avLst>
+        </a:prstGeom>
+        <a:solidFill>
+          <a:schemeClr val="lt1">
+            <a:alpha val="90000"/>
+            <a:hueOff val="0"/>
+            <a:satOff val="0"/>
+            <a:lumOff val="0"/>
+            <a:alphaOff val="0"/>
+          </a:schemeClr>
+        </a:solidFill>
+        <a:ln w="19050" cap="flat" cmpd="sng" algn="ctr">
+          <a:solidFill>
+            <a:schemeClr val="accent1">
+              <a:hueOff val="0"/>
+              <a:satOff val="0"/>
+              <a:lumOff val="0"/>
+              <a:alphaOff val="0"/>
+            </a:schemeClr>
+          </a:solidFill>
+          <a:prstDash val="solid"/>
+          <a:miter lim="800000"/>
+        </a:ln>
+        <a:effectLst/>
+      </dsp:spPr>
+      <dsp:style>
+        <a:lnRef idx="2">
+          <a:scrgbClr r="0" g="0" b="0"/>
+        </a:lnRef>
+        <a:fillRef idx="1">
+          <a:scrgbClr r="0" g="0" b="0"/>
+        </a:fillRef>
+        <a:effectRef idx="0">
+          <a:scrgbClr r="0" g="0" b="0"/>
+        </a:effectRef>
+        <a:fontRef idx="minor"/>
+      </dsp:style>
+      <dsp:txBody>
+        <a:bodyPr spcFirstLastPara="0" vert="horz" wrap="square" lIns="190500" tIns="190500" rIns="190500" bIns="190500" numCol="1" spcCol="1270" anchor="ctr" anchorCtr="0">
+          <a:noAutofit/>
+        </a:bodyPr>
+        <a:lstStyle/>
+        <a:p>
+          <a:pPr marL="0" lvl="0" indent="0" algn="ctr" defTabSz="2222500">
+            <a:lnSpc>
+              <a:spcPct val="90000"/>
+            </a:lnSpc>
+            <a:spcBef>
+              <a:spcPct val="0"/>
+            </a:spcBef>
+            <a:spcAft>
+              <a:spcPct val="35000"/>
+            </a:spcAft>
+            <a:buNone/>
+          </a:pPr>
+          <a:r>
+            <a:rPr lang="da-DK" sz="5000" kern="1200" dirty="0" err="1">
+              <a:solidFill>
+                <a:srgbClr val="7030A0"/>
+              </a:solidFill>
+            </a:rPr>
+            <a:t>SqlClient</a:t>
+          </a:r>
+          <a:endParaRPr lang="da-DK" sz="5000" kern="1200" dirty="0">
+            <a:solidFill>
+              <a:srgbClr val="7030A0"/>
+            </a:solidFill>
+          </a:endParaRPr>
+        </a:p>
+        <a:p>
+          <a:pPr marL="0" lvl="0" indent="0" algn="ctr" defTabSz="2222500">
+            <a:lnSpc>
+              <a:spcPct val="90000"/>
+            </a:lnSpc>
+            <a:spcBef>
+              <a:spcPct val="0"/>
+            </a:spcBef>
+            <a:spcAft>
+              <a:spcPct val="35000"/>
+            </a:spcAft>
+            <a:buNone/>
+          </a:pPr>
+          <a:endParaRPr lang="da-DK" sz="5000" kern="1200" dirty="0"/>
+        </a:p>
+      </dsp:txBody>
+      <dsp:txXfrm>
+        <a:off x="4165480" y="2513389"/>
+        <a:ext cx="3676889" cy="2288422"/>
+      </dsp:txXfrm>
+    </dsp:sp>
+  </dsp:spTree>
+</dsp:drawing>
+</file>
+
+<file path=ppt/diagrams/drawing4.xml><?xml version="1.0" encoding="utf-8"?>
+<dsp:drawing xmlns:dgm="http://schemas.openxmlformats.org/drawingml/2006/diagram" xmlns:dsp="http://schemas.microsoft.com/office/drawing/2008/diagram" xmlns:a="http://schemas.openxmlformats.org/drawingml/2006/main">
+  <dsp:spTree>
+    <dsp:nvGrpSpPr>
+      <dsp:cNvPr id="0" name=""/>
+      <dsp:cNvGrpSpPr/>
+    </dsp:nvGrpSpPr>
+    <dsp:grpSpPr/>
     <dsp:sp modelId="{034C7B45-0BB1-44B4-AFD9-807D3BCEDB34}">
       <dsp:nvSpPr>
         <dsp:cNvPr id="0" name=""/>
@@ -6618,6 +7921,788 @@
 </file>
 
 <file path=ppt/diagrams/layout3.xml><?xml version="1.0" encoding="utf-8"?>
+<dgm:layoutDef xmlns:dgm="http://schemas.openxmlformats.org/drawingml/2006/diagram" xmlns:a="http://schemas.openxmlformats.org/drawingml/2006/main" uniqueId="urn:microsoft.com/office/officeart/2005/8/layout/target2">
+  <dgm:title val=""/>
+  <dgm:desc val=""/>
+  <dgm:catLst>
+    <dgm:cat type="relationship" pri="12000"/>
+  </dgm:catLst>
+  <dgm:sampData>
+    <dgm:dataModel>
+      <dgm:ptLst>
+        <dgm:pt modelId="0" type="doc"/>
+        <dgm:pt modelId="1">
+          <dgm:prSet phldr="1"/>
+        </dgm:pt>
+        <dgm:pt modelId="11">
+          <dgm:prSet phldr="1"/>
+        </dgm:pt>
+        <dgm:pt modelId="12">
+          <dgm:prSet phldr="1"/>
+        </dgm:pt>
+        <dgm:pt modelId="2">
+          <dgm:prSet phldr="1"/>
+        </dgm:pt>
+        <dgm:pt modelId="21">
+          <dgm:prSet phldr="1"/>
+        </dgm:pt>
+        <dgm:pt modelId="22">
+          <dgm:prSet phldr="1"/>
+        </dgm:pt>
+        <dgm:pt modelId="3">
+          <dgm:prSet phldr="1"/>
+        </dgm:pt>
+        <dgm:pt modelId="31">
+          <dgm:prSet phldr="1"/>
+        </dgm:pt>
+        <dgm:pt modelId="32">
+          <dgm:prSet phldr="1"/>
+        </dgm:pt>
+      </dgm:ptLst>
+      <dgm:cxnLst>
+        <dgm:cxn modelId="4" srcId="0" destId="1" srcOrd="0" destOrd="0"/>
+        <dgm:cxn modelId="5" srcId="0" destId="2" srcOrd="1" destOrd="0"/>
+        <dgm:cxn modelId="6" srcId="0" destId="3" srcOrd="2" destOrd="0"/>
+        <dgm:cxn modelId="13" srcId="1" destId="11" srcOrd="0" destOrd="0"/>
+        <dgm:cxn modelId="14" srcId="1" destId="12" srcOrd="1" destOrd="0"/>
+        <dgm:cxn modelId="23" srcId="2" destId="21" srcOrd="0" destOrd="0"/>
+        <dgm:cxn modelId="24" srcId="2" destId="22" srcOrd="1" destOrd="0"/>
+        <dgm:cxn modelId="33" srcId="3" destId="31" srcOrd="0" destOrd="0"/>
+        <dgm:cxn modelId="34" srcId="3" destId="32" srcOrd="1" destOrd="0"/>
+      </dgm:cxnLst>
+      <dgm:bg/>
+      <dgm:whole/>
+    </dgm:dataModel>
+  </dgm:sampData>
+  <dgm:styleData>
+    <dgm:dataModel>
+      <dgm:ptLst>
+        <dgm:pt modelId="0" type="doc"/>
+        <dgm:pt modelId="1"/>
+        <dgm:pt modelId="11"/>
+        <dgm:pt modelId="2"/>
+        <dgm:pt modelId="21"/>
+      </dgm:ptLst>
+      <dgm:cxnLst>
+        <dgm:cxn modelId="4" srcId="0" destId="1" srcOrd="0" destOrd="0"/>
+        <dgm:cxn modelId="5" srcId="0" destId="2" srcOrd="1" destOrd="0"/>
+        <dgm:cxn modelId="13" srcId="1" destId="11" srcOrd="0" destOrd="0"/>
+        <dgm:cxn modelId="23" srcId="2" destId="21" srcOrd="0" destOrd="0"/>
+      </dgm:cxnLst>
+      <dgm:bg/>
+      <dgm:whole/>
+    </dgm:dataModel>
+  </dgm:styleData>
+  <dgm:clrData>
+    <dgm:dataModel>
+      <dgm:ptLst>
+        <dgm:pt modelId="0" type="doc"/>
+        <dgm:pt modelId="1"/>
+        <dgm:pt modelId="11"/>
+        <dgm:pt modelId="2"/>
+        <dgm:pt modelId="21"/>
+        <dgm:pt modelId="3"/>
+        <dgm:pt modelId="31"/>
+        <dgm:pt modelId="4"/>
+        <dgm:pt modelId="41"/>
+      </dgm:ptLst>
+      <dgm:cxnLst>
+        <dgm:cxn modelId="5" srcId="0" destId="1" srcOrd="0" destOrd="0"/>
+        <dgm:cxn modelId="6" srcId="0" destId="2" srcOrd="1" destOrd="0"/>
+        <dgm:cxn modelId="7" srcId="0" destId="3" srcOrd="2" destOrd="0"/>
+        <dgm:cxn modelId="8" srcId="0" destId="4" srcOrd="3" destOrd="0"/>
+        <dgm:cxn modelId="13" srcId="1" destId="11" srcOrd="0" destOrd="0"/>
+        <dgm:cxn modelId="23" srcId="2" destId="21" srcOrd="0" destOrd="0"/>
+        <dgm:cxn modelId="33" srcId="3" destId="31" srcOrd="0" destOrd="0"/>
+        <dgm:cxn modelId="43" srcId="4" destId="41" srcOrd="0" destOrd="0"/>
+      </dgm:cxnLst>
+      <dgm:bg/>
+      <dgm:whole/>
+    </dgm:dataModel>
+  </dgm:clrData>
+  <dgm:layoutNode name="Name0">
+    <dgm:varLst>
+      <dgm:chMax val="3"/>
+      <dgm:chPref val="1"/>
+      <dgm:dir/>
+      <dgm:animLvl val="lvl"/>
+      <dgm:resizeHandles/>
+    </dgm:varLst>
+    <dgm:alg type="composite">
+      <dgm:param type="horzAlign" val="none"/>
+      <dgm:param type="vertAlign" val="none"/>
+    </dgm:alg>
+    <dgm:shape xmlns:r="http://schemas.openxmlformats.org/officeDocument/2006/relationships" r:blip="">
+      <dgm:adjLst/>
+    </dgm:shape>
+    <dgm:presOf/>
+    <dgm:choose name="Name1">
+      <dgm:if name="Name2" func="var" arg="dir" op="equ" val="norm">
+        <dgm:choose name="Name3">
+          <dgm:if name="Name4" axis="ch ch" ptType="node node" st="1 1" cnt="1 0" func="cnt" op="gt" val="0">
+            <dgm:choose name="Name5">
+              <dgm:if name="Name6" axis="ch ch" ptType="node node" st="2 1" cnt="1 0" func="cnt" op="gt" val="0">
+                <dgm:constrLst>
+                  <dgm:constr type="primFontSz" for="des" forName="middleBoxParent" val="65"/>
+                  <dgm:constr type="primFontSz" for="des" forName="mChild" val="65"/>
+                  <dgm:constr type="primFontSz" for="des" forName="outerBoxParent" refType="primFontSz" refFor="des" refForName="middleBoxParent" op="equ"/>
+                  <dgm:constr type="primFontSz" for="des" forName="centerBoxParent" refType="primFontSz" refFor="des" refForName="middleBoxParent" op="equ"/>
+                  <dgm:constr type="primFontSz" for="des" forName="oChild" refType="primFontSz" refFor="des" refForName="mChild" op="equ"/>
+                  <dgm:constr type="primFontSz" for="des" forName="cChild" refType="primFontSz" refFor="des" refForName="mChild" op="equ"/>
+                  <dgm:constr type="l" for="ch" forName="outerBox"/>
+                  <dgm:constr type="t" for="ch" forName="outerBox"/>
+                  <dgm:constr type="w" for="ch" forName="outerBox" refType="w"/>
+                  <dgm:constr type="h" for="ch" forName="outerBox" refType="h"/>
+                  <dgm:constr type="l" for="ch" forName="middleBox" refType="w" fact="0.2"/>
+                  <dgm:constr type="t" for="ch" forName="middleBox" refType="h" fact="0.25"/>
+                  <dgm:constr type="w" for="ch" forName="middleBox" refType="w" fact="0.775"/>
+                  <dgm:constr type="h" for="ch" forName="middleBox" refType="h" fact="0.7"/>
+                  <dgm:constr type="l" for="ch" forName="centerBox" refType="w" fact="0.395"/>
+                  <dgm:constr type="t" for="ch" forName="centerBox" refType="h" fact="0.5"/>
+                  <dgm:constr type="w" for="ch" forName="centerBox" refType="w" fact="0.555"/>
+                  <dgm:constr type="h" for="ch" forName="centerBox" refType="h" fact="0.4"/>
+                  <dgm:constr type="userA" for="des" forName="outerSibTrans" refType="w"/>
+                  <dgm:constr type="userA" for="des" forName="middleSibTrans" refType="w"/>
+                  <dgm:constr type="userA" for="des" forName="centerSibTrans" refType="w"/>
+                </dgm:constrLst>
+              </dgm:if>
+              <dgm:else name="Name7">
+                <dgm:constrLst>
+                  <dgm:constr type="primFontSz" for="des" forName="middleBoxParent" val="65"/>
+                  <dgm:constr type="primFontSz" for="des" forName="mChild" val="65"/>
+                  <dgm:constr type="primFontSz" for="des" forName="outerBoxParent" refType="primFontSz" refFor="des" refForName="middleBoxParent" op="equ"/>
+                  <dgm:constr type="primFontSz" for="des" forName="centerBoxParent" refType="primFontSz" refFor="des" refForName="middleBoxParent" op="equ"/>
+                  <dgm:constr type="primFontSz" for="des" forName="oChild" refType="primFontSz" refFor="des" refForName="mChild" op="equ"/>
+                  <dgm:constr type="primFontSz" for="des" forName="cChild" refType="primFontSz" refFor="des" refForName="mChild" op="equ"/>
+                  <dgm:constr type="l" for="ch" forName="outerBox"/>
+                  <dgm:constr type="t" for="ch" forName="outerBox"/>
+                  <dgm:constr type="w" for="ch" forName="outerBox" refType="w"/>
+                  <dgm:constr type="h" for="ch" forName="outerBox" refType="h"/>
+                  <dgm:constr type="l" for="ch" forName="middleBox" refType="w" fact="0.2"/>
+                  <dgm:constr type="t" for="ch" forName="middleBox" refType="h" fact="0.25"/>
+                  <dgm:constr type="w" for="ch" forName="middleBox" refType="w" fact="0.775"/>
+                  <dgm:constr type="h" for="ch" forName="middleBox" refType="h" fact="0.7"/>
+                  <dgm:constr type="l" for="ch" forName="centerBox" refType="w" fact="0.225"/>
+                  <dgm:constr type="t" for="ch" forName="centerBox" refType="h" fact="0.5"/>
+                  <dgm:constr type="w" for="ch" forName="centerBox" refType="w" fact="0.725"/>
+                  <dgm:constr type="h" for="ch" forName="centerBox" refType="h" fact="0.4"/>
+                  <dgm:constr type="userA" for="des" forName="outerSibTrans" refType="w"/>
+                  <dgm:constr type="userA" for="des" forName="middleSibTrans" refType="w"/>
+                  <dgm:constr type="userA" for="des" forName="centerSibTrans" refType="w"/>
+                </dgm:constrLst>
+              </dgm:else>
+            </dgm:choose>
+          </dgm:if>
+          <dgm:else name="Name8">
+            <dgm:choose name="Name9">
+              <dgm:if name="Name10" axis="ch ch" ptType="node node" st="2 1" cnt="1 0" func="cnt" op="gt" val="0">
+                <dgm:constrLst>
+                  <dgm:constr type="primFontSz" for="des" forName="middleBoxParent" val="65"/>
+                  <dgm:constr type="primFontSz" for="des" forName="mChild" val="65"/>
+                  <dgm:constr type="primFontSz" for="des" forName="outerBoxParent" refType="primFontSz" refFor="des" refForName="middleBoxParent" op="equ"/>
+                  <dgm:constr type="primFontSz" for="des" forName="centerBoxParent" refType="primFontSz" refFor="des" refForName="middleBoxParent" op="equ"/>
+                  <dgm:constr type="primFontSz" for="des" forName="oChild" refType="primFontSz" refFor="des" refForName="mChild" op="equ"/>
+                  <dgm:constr type="primFontSz" for="des" forName="cChild" refType="primFontSz" refFor="des" refForName="mChild" op="equ"/>
+                  <dgm:constr type="l" for="ch" forName="outerBox"/>
+                  <dgm:constr type="t" for="ch" forName="outerBox"/>
+                  <dgm:constr type="w" for="ch" forName="outerBox" refType="w"/>
+                  <dgm:constr type="h" for="ch" forName="outerBox" refType="h"/>
+                  <dgm:constr type="l" for="ch" forName="middleBox" refType="w" fact="0.025"/>
+                  <dgm:constr type="t" for="ch" forName="middleBox" refType="h" fact="0.25"/>
+                  <dgm:constr type="w" for="ch" forName="middleBox" refType="w" fact="0.95"/>
+                  <dgm:constr type="h" for="ch" forName="middleBox" refType="h" fact="0.7"/>
+                  <dgm:constr type="l" for="ch" forName="centerBox" refType="w" fact="0.26"/>
+                  <dgm:constr type="t" for="ch" forName="centerBox" refType="h" fact="0.5"/>
+                  <dgm:constr type="w" for="ch" forName="centerBox" refType="w" fact="0.69"/>
+                  <dgm:constr type="h" for="ch" forName="centerBox" refType="h" fact="0.4"/>
+                  <dgm:constr type="userA" for="des" forName="outerSibTrans" refType="w"/>
+                  <dgm:constr type="userA" for="des" forName="middleSibTrans" refType="w"/>
+                  <dgm:constr type="userA" for="des" forName="centerSibTrans" refType="w"/>
+                </dgm:constrLst>
+              </dgm:if>
+              <dgm:else name="Name11">
+                <dgm:constrLst>
+                  <dgm:constr type="primFontSz" for="des" forName="middleBoxParent" val="65"/>
+                  <dgm:constr type="primFontSz" for="des" forName="mChild" val="65"/>
+                  <dgm:constr type="primFontSz" for="des" forName="outerBoxParent" refType="primFontSz" refFor="des" refForName="middleBoxParent" op="equ"/>
+                  <dgm:constr type="primFontSz" for="des" forName="centerBoxParent" refType="primFontSz" refFor="des" refForName="middleBoxParent" op="equ"/>
+                  <dgm:constr type="primFontSz" for="des" forName="oChild" refType="primFontSz" refFor="des" refForName="mChild" op="equ"/>
+                  <dgm:constr type="primFontSz" for="des" forName="cChild" refType="primFontSz" refFor="des" refForName="mChild" op="equ"/>
+                  <dgm:constr type="l" for="ch" forName="outerBox"/>
+                  <dgm:constr type="t" for="ch" forName="outerBox"/>
+                  <dgm:constr type="w" for="ch" forName="outerBox" refType="w"/>
+                  <dgm:constr type="h" for="ch" forName="outerBox" refType="h"/>
+                  <dgm:constr type="l" for="ch" forName="middleBox" refType="w" fact="0.025"/>
+                  <dgm:constr type="t" for="ch" forName="middleBox" refType="h" fact="0.25"/>
+                  <dgm:constr type="w" for="ch" forName="middleBox" refType="w" fact="0.95"/>
+                  <dgm:constr type="h" for="ch" forName="middleBox" refType="h" fact="0.7"/>
+                  <dgm:constr type="l" for="ch" forName="centerBox" refType="w" fact="0.05"/>
+                  <dgm:constr type="t" for="ch" forName="centerBox" refType="h" fact="0.5"/>
+                  <dgm:constr type="w" for="ch" forName="centerBox" refType="w" fact="0.9"/>
+                  <dgm:constr type="h" for="ch" forName="centerBox" refType="h" fact="0.4"/>
+                  <dgm:constr type="userA" for="des" forName="outerSibTrans" refType="w"/>
+                  <dgm:constr type="userA" for="des" forName="middleSibTrans" refType="w"/>
+                  <dgm:constr type="userA" for="des" forName="centerSibTrans" refType="w"/>
+                </dgm:constrLst>
+              </dgm:else>
+            </dgm:choose>
+          </dgm:else>
+        </dgm:choose>
+      </dgm:if>
+      <dgm:else name="Name12">
+        <dgm:choose name="Name13">
+          <dgm:if name="Name14" axis="ch ch" ptType="node node" st="1 1" cnt="1 0" func="cnt" op="gt" val="0">
+            <dgm:choose name="Name15">
+              <dgm:if name="Name16" axis="ch ch" ptType="node node" st="2 1" cnt="1 0" func="cnt" op="gt" val="0">
+                <dgm:constrLst>
+                  <dgm:constr type="primFontSz" for="des" forName="middleBoxParent" val="65"/>
+                  <dgm:constr type="primFontSz" for="des" forName="mChild" val="65"/>
+                  <dgm:constr type="primFontSz" for="des" forName="outerBoxParent" refType="primFontSz" refFor="des" refForName="middleBoxParent" op="equ"/>
+                  <dgm:constr type="primFontSz" for="des" forName="centerBoxParent" refType="primFontSz" refFor="des" refForName="middleBoxParent" op="equ"/>
+                  <dgm:constr type="primFontSz" for="des" forName="oChild" refType="primFontSz" refFor="des" refForName="mChild" op="equ"/>
+                  <dgm:constr type="primFontSz" for="des" forName="cChild" refType="primFontSz" refFor="des" refForName="mChild" op="equ"/>
+                  <dgm:constr type="l" for="ch" forName="outerBox"/>
+                  <dgm:constr type="t" for="ch" forName="outerBox"/>
+                  <dgm:constr type="w" for="ch" forName="outerBox" refType="w"/>
+                  <dgm:constr type="h" for="ch" forName="outerBox" refType="h"/>
+                  <dgm:constr type="l" for="ch" forName="middleBox" refType="w" fact="0.025"/>
+                  <dgm:constr type="t" for="ch" forName="middleBox" refType="h" fact="0.25"/>
+                  <dgm:constr type="w" for="ch" forName="middleBox" refType="w" fact="0.775"/>
+                  <dgm:constr type="h" for="ch" forName="middleBox" refType="h" fact="0.7"/>
+                  <dgm:constr type="l" for="ch" forName="centerBox" refType="w" fact="0.05"/>
+                  <dgm:constr type="t" for="ch" forName="centerBox" refType="h" fact="0.5"/>
+                  <dgm:constr type="w" for="ch" forName="centerBox" refType="w" fact="0.55"/>
+                  <dgm:constr type="h" for="ch" forName="centerBox" refType="h" fact="0.4"/>
+                  <dgm:constr type="userA" for="des" forName="outerSibTrans" refType="w"/>
+                  <dgm:constr type="userA" for="des" forName="middleSibTrans" refType="w"/>
+                  <dgm:constr type="userA" for="des" forName="centerSibTrans" refType="w"/>
+                </dgm:constrLst>
+              </dgm:if>
+              <dgm:else name="Name17">
+                <dgm:constrLst>
+                  <dgm:constr type="primFontSz" for="des" forName="middleBoxParent" val="65"/>
+                  <dgm:constr type="primFontSz" for="des" forName="mChild" val="65"/>
+                  <dgm:constr type="primFontSz" for="des" forName="outerBoxParent" refType="primFontSz" refFor="des" refForName="middleBoxParent" op="equ"/>
+                  <dgm:constr type="primFontSz" for="des" forName="centerBoxParent" refType="primFontSz" refFor="des" refForName="middleBoxParent" op="equ"/>
+                  <dgm:constr type="primFontSz" for="des" forName="oChild" refType="primFontSz" refFor="des" refForName="mChild" op="equ"/>
+                  <dgm:constr type="primFontSz" for="des" forName="cChild" refType="primFontSz" refFor="des" refForName="mChild" op="equ"/>
+                  <dgm:constr type="l" for="ch" forName="outerBox"/>
+                  <dgm:constr type="t" for="ch" forName="outerBox"/>
+                  <dgm:constr type="w" for="ch" forName="outerBox" refType="w"/>
+                  <dgm:constr type="h" for="ch" forName="outerBox" refType="h"/>
+                  <dgm:constr type="l" for="ch" forName="middleBox" refType="w" fact="0.025"/>
+                  <dgm:constr type="t" for="ch" forName="middleBox" refType="h" fact="0.25"/>
+                  <dgm:constr type="w" for="ch" forName="middleBox" refType="w" fact="0.775"/>
+                  <dgm:constr type="h" for="ch" forName="middleBox" refType="h" fact="0.7"/>
+                  <dgm:constr type="l" for="ch" forName="centerBox" refType="w" fact="0.05"/>
+                  <dgm:constr type="t" for="ch" forName="centerBox" refType="h" fact="0.5"/>
+                  <dgm:constr type="w" for="ch" forName="centerBox" refType="w" fact="0.725"/>
+                  <dgm:constr type="h" for="ch" forName="centerBox" refType="h" fact="0.4"/>
+                  <dgm:constr type="userA" for="des" forName="outerSibTrans" refType="w"/>
+                  <dgm:constr type="userA" for="des" forName="middleSibTrans" refType="w"/>
+                  <dgm:constr type="userA" for="des" forName="centerSibTrans" refType="w"/>
+                </dgm:constrLst>
+              </dgm:else>
+            </dgm:choose>
+          </dgm:if>
+          <dgm:else name="Name18">
+            <dgm:choose name="Name19">
+              <dgm:if name="Name20" axis="ch ch" ptType="node node" st="2 1" cnt="1 0" func="cnt" op="gt" val="0">
+                <dgm:constrLst>
+                  <dgm:constr type="primFontSz" for="des" forName="middleBoxParent" val="65"/>
+                  <dgm:constr type="primFontSz" for="des" forName="mChild" val="65"/>
+                  <dgm:constr type="primFontSz" for="des" forName="outerBoxParent" refType="primFontSz" refFor="des" refForName="middleBoxParent" op="equ"/>
+                  <dgm:constr type="primFontSz" for="des" forName="centerBoxParent" refType="primFontSz" refFor="des" refForName="middleBoxParent" op="equ"/>
+                  <dgm:constr type="primFontSz" for="des" forName="oChild" refType="primFontSz" refFor="des" refForName="mChild" op="equ"/>
+                  <dgm:constr type="primFontSz" for="des" forName="cChild" refType="primFontSz" refFor="des" refForName="mChild" op="equ"/>
+                  <dgm:constr type="l" for="ch" forName="outerBox"/>
+                  <dgm:constr type="t" for="ch" forName="outerBox"/>
+                  <dgm:constr type="w" for="ch" forName="outerBox" refType="w"/>
+                  <dgm:constr type="h" for="ch" forName="outerBox" refType="h"/>
+                  <dgm:constr type="l" for="ch" forName="middleBox" refType="w" fact="0.025"/>
+                  <dgm:constr type="t" for="ch" forName="middleBox" refType="h" fact="0.25"/>
+                  <dgm:constr type="w" for="ch" forName="middleBox" refType="w" fact="0.95"/>
+                  <dgm:constr type="h" for="ch" forName="middleBox" refType="h" fact="0.7"/>
+                  <dgm:constr type="l" for="ch" forName="centerBox" refType="w" fact="0.05"/>
+                  <dgm:constr type="t" for="ch" forName="centerBox" refType="h" fact="0.5"/>
+                  <dgm:constr type="w" for="ch" forName="centerBox" refType="w" fact="0.69"/>
+                  <dgm:constr type="h" for="ch" forName="centerBox" refType="h" fact="0.4"/>
+                  <dgm:constr type="userA" for="des" forName="outerSibTrans" refType="w"/>
+                  <dgm:constr type="userA" for="des" forName="middleSibTrans" refType="w"/>
+                  <dgm:constr type="userA" for="des" forName="centerSibTrans" refType="w"/>
+                </dgm:constrLst>
+              </dgm:if>
+              <dgm:else name="Name21">
+                <dgm:constrLst>
+                  <dgm:constr type="primFontSz" for="des" forName="middleBoxParent" val="65"/>
+                  <dgm:constr type="primFontSz" for="des" forName="mChild" val="65"/>
+                  <dgm:constr type="primFontSz" for="des" forName="outerBoxParent" refType="primFontSz" refFor="des" refForName="middleBoxParent" op="equ"/>
+                  <dgm:constr type="primFontSz" for="des" forName="centerBoxParent" refType="primFontSz" refFor="des" refForName="middleBoxParent" op="equ"/>
+                  <dgm:constr type="primFontSz" for="des" forName="oChild" refType="primFontSz" refFor="des" refForName="mChild" op="equ"/>
+                  <dgm:constr type="primFontSz" for="des" forName="cChild" refType="primFontSz" refFor="des" refForName="mChild" op="equ"/>
+                  <dgm:constr type="l" for="ch" forName="outerBox"/>
+                  <dgm:constr type="t" for="ch" forName="outerBox"/>
+                  <dgm:constr type="w" for="ch" forName="outerBox" refType="w"/>
+                  <dgm:constr type="h" for="ch" forName="outerBox" refType="h"/>
+                  <dgm:constr type="l" for="ch" forName="middleBox" refType="w" fact="0.025"/>
+                  <dgm:constr type="t" for="ch" forName="middleBox" refType="h" fact="0.25"/>
+                  <dgm:constr type="w" for="ch" forName="middleBox" refType="w" fact="0.95"/>
+                  <dgm:constr type="h" for="ch" forName="middleBox" refType="h" fact="0.7"/>
+                  <dgm:constr type="l" for="ch" forName="centerBox" refType="w" fact="0.05"/>
+                  <dgm:constr type="t" for="ch" forName="centerBox" refType="h" fact="0.5"/>
+                  <dgm:constr type="w" for="ch" forName="centerBox" refType="w" fact="0.9"/>
+                  <dgm:constr type="h" for="ch" forName="centerBox" refType="h" fact="0.4"/>
+                  <dgm:constr type="userA" for="des" forName="outerSibTrans" refType="w"/>
+                  <dgm:constr type="userA" for="des" forName="middleSibTrans" refType="w"/>
+                  <dgm:constr type="userA" for="des" forName="centerSibTrans" refType="w"/>
+                </dgm:constrLst>
+              </dgm:else>
+            </dgm:choose>
+          </dgm:else>
+        </dgm:choose>
+      </dgm:else>
+    </dgm:choose>
+    <dgm:ruleLst/>
+    <dgm:choose name="Name22">
+      <dgm:if name="Name23" axis="root ch" ptType="all node" st="1 1" cnt="0 0" func="cnt" op="gte" val="1">
+        <dgm:layoutNode name="outerBox" styleLbl="node1">
+          <dgm:alg type="composite">
+            <dgm:param type="horzAlign" val="none"/>
+            <dgm:param type="vertAlign" val="none"/>
+          </dgm:alg>
+          <dgm:shape xmlns:r="http://schemas.openxmlformats.org/officeDocument/2006/relationships" r:blip="">
+            <dgm:adjLst/>
+          </dgm:shape>
+          <dgm:presOf/>
+          <dgm:choose name="Name24">
+            <dgm:if name="Name25" axis="root ch" ptType="all node" st="1 1" cnt="0 0" func="cnt" op="gt" val="1">
+              <dgm:choose name="Name26">
+                <dgm:if name="Name27" func="var" arg="dir" op="equ" val="norm">
+                  <dgm:constrLst>
+                    <dgm:constr type="l" for="ch" forName="outerBoxParent"/>
+                    <dgm:constr type="t" for="ch" forName="outerBoxParent"/>
+                    <dgm:constr type="w" for="ch" forName="outerBoxParent" refType="w"/>
+                    <dgm:constr type="h" for="ch" forName="outerBoxParent" refType="h"/>
+                    <dgm:constr type="bMarg" for="ch" forName="outerBoxParent" refType="h" fact="2.2"/>
+                    <dgm:constr type="l" for="ch" forName="outerBoxChildren" refType="w" fact="0.025"/>
+                    <dgm:constr type="t" for="ch" forName="outerBoxChildren" refType="h" fact="0.25"/>
+                    <dgm:constr type="w" for="ch" forName="outerBoxChildren" refType="w" fact="0.15"/>
+                    <dgm:constr type="h" for="ch" forName="outerBoxChildren" refType="h" fact="0.7"/>
+                  </dgm:constrLst>
+                </dgm:if>
+                <dgm:else name="Name28">
+                  <dgm:constrLst>
+                    <dgm:constr type="l" for="ch" forName="outerBoxParent"/>
+                    <dgm:constr type="t" for="ch" forName="outerBoxParent"/>
+                    <dgm:constr type="w" for="ch" forName="outerBoxParent" refType="w"/>
+                    <dgm:constr type="h" for="ch" forName="outerBoxParent" refType="h"/>
+                    <dgm:constr type="bMarg" for="ch" forName="outerBoxParent" refType="h" fact="2.2"/>
+                    <dgm:constr type="l" for="ch" forName="outerBoxChildren" refType="w" fact="0.825"/>
+                    <dgm:constr type="t" for="ch" forName="outerBoxChildren" refType="h" fact="0.25"/>
+                    <dgm:constr type="w" for="ch" forName="outerBoxChildren" refType="w" fact="0.15"/>
+                    <dgm:constr type="h" for="ch" forName="outerBoxChildren" refType="h" fact="0.7"/>
+                  </dgm:constrLst>
+                </dgm:else>
+              </dgm:choose>
+            </dgm:if>
+            <dgm:else name="Name29">
+              <dgm:constrLst>
+                <dgm:constr type="l" for="ch" forName="outerBoxParent"/>
+                <dgm:constr type="t" for="ch" forName="outerBoxParent"/>
+                <dgm:constr type="w" for="ch" forName="outerBoxParent" refType="w"/>
+                <dgm:constr type="h" for="ch" forName="outerBoxParent" refType="h"/>
+                <dgm:constr type="bMarg" for="ch" forName="outerBoxParent" refType="h" fact="1.75"/>
+                <dgm:constr type="l" for="ch" forName="outerBoxChildren" refType="w" fact="0.025"/>
+                <dgm:constr type="t" for="ch" forName="outerBoxChildren" refType="h" fact="0.45"/>
+                <dgm:constr type="w" for="ch" forName="outerBoxChildren" refType="w" fact="0.95"/>
+                <dgm:constr type="h" for="ch" forName="outerBoxChildren" refType="h" fact="0.45"/>
+              </dgm:constrLst>
+            </dgm:else>
+          </dgm:choose>
+          <dgm:ruleLst/>
+          <dgm:layoutNode name="outerBoxParent" styleLbl="node1">
+            <dgm:alg type="tx">
+              <dgm:param type="txAnchorVert" val="t"/>
+              <dgm:param type="parTxLTRAlign" val="l"/>
+              <dgm:param type="parTxRTLAlign" val="r"/>
+            </dgm:alg>
+            <dgm:shape xmlns:r="http://schemas.openxmlformats.org/officeDocument/2006/relationships" type="roundRect" r:blip="">
+              <dgm:adjLst>
+                <dgm:adj idx="1" val="0.085"/>
+              </dgm:adjLst>
+            </dgm:shape>
+            <dgm:presOf axis="ch" ptType="node" cnt="1"/>
+            <dgm:constrLst>
+              <dgm:constr type="tMarg" refType="primFontSz" fact="0.3"/>
+              <dgm:constr type="lMarg" refType="primFontSz" fact="0.3"/>
+              <dgm:constr type="rMarg" refType="primFontSz" fact="0.3"/>
+            </dgm:constrLst>
+            <dgm:ruleLst>
+              <dgm:rule type="primFontSz" val="5" fact="NaN" max="NaN"/>
+            </dgm:ruleLst>
+          </dgm:layoutNode>
+          <dgm:layoutNode name="outerBoxChildren">
+            <dgm:choose name="Name30">
+              <dgm:if name="Name31" axis="root ch" ptType="all node" st="1 1" cnt="0 0" func="cnt" op="gt" val="1">
+                <dgm:alg type="lin">
+                  <dgm:param type="linDir" val="fromT"/>
+                  <dgm:param type="vertAlign" val="t"/>
+                </dgm:alg>
+              </dgm:if>
+              <dgm:else name="Name32">
+                <dgm:choose name="Name33">
+                  <dgm:if name="Name34" func="var" arg="dir" op="equ" val="norm">
+                    <dgm:alg type="lin">
+                      <dgm:param type="horzAlign" val="l"/>
+                    </dgm:alg>
+                  </dgm:if>
+                  <dgm:else name="Name35">
+                    <dgm:alg type="lin">
+                      <dgm:param type="linDir" val="fromR"/>
+                      <dgm:param type="horzAlign" val="r"/>
+                    </dgm:alg>
+                  </dgm:else>
+                </dgm:choose>
+              </dgm:else>
+            </dgm:choose>
+            <dgm:shape xmlns:r="http://schemas.openxmlformats.org/officeDocument/2006/relationships" r:blip="">
+              <dgm:adjLst/>
+            </dgm:shape>
+            <dgm:presOf/>
+            <dgm:constrLst>
+              <dgm:constr type="w" for="ch" forName="oChild" refType="w"/>
+              <dgm:constr type="h" for="ch" forName="oChild" refType="h"/>
+            </dgm:constrLst>
+            <dgm:ruleLst/>
+            <dgm:forEach name="Name36" axis="ch ch" ptType="node node" st="1 1" cnt="1 0">
+              <dgm:layoutNode name="oChild" styleLbl="fgAcc1">
+                <dgm:varLst>
+                  <dgm:bulletEnabled val="1"/>
+                </dgm:varLst>
+                <dgm:alg type="tx"/>
+                <dgm:shape xmlns:r="http://schemas.openxmlformats.org/officeDocument/2006/relationships" type="roundRect" r:blip="">
+                  <dgm:adjLst>
+                    <dgm:adj idx="1" val="0.105"/>
+                  </dgm:adjLst>
+                </dgm:shape>
+                <dgm:presOf axis="desOrSelf" ptType="node"/>
+                <dgm:constrLst>
+                  <dgm:constr type="tMarg" refType="primFontSz" fact="0.3"/>
+                  <dgm:constr type="bMarg" refType="primFontSz" fact="0.3"/>
+                  <dgm:constr type="lMarg" refType="primFontSz" fact="0.3"/>
+                  <dgm:constr type="rMarg" refType="primFontSz" fact="0.3"/>
+                </dgm:constrLst>
+                <dgm:ruleLst>
+                  <dgm:rule type="primFontSz" val="5" fact="NaN" max="NaN"/>
+                </dgm:ruleLst>
+              </dgm:layoutNode>
+              <dgm:forEach name="Name37" axis="followSib" ptType="sibTrans" cnt="1">
+                <dgm:layoutNode name="outerSibTrans">
+                  <dgm:alg type="sp"/>
+                  <dgm:shape xmlns:r="http://schemas.openxmlformats.org/officeDocument/2006/relationships" r:blip="">
+                    <dgm:adjLst/>
+                  </dgm:shape>
+                  <dgm:presOf/>
+                  <dgm:constrLst>
+                    <dgm:constr type="userA"/>
+                    <dgm:constr type="w" refType="userA" fact="0.015"/>
+                    <dgm:constr type="h" refType="userA" fact="0.015"/>
+                  </dgm:constrLst>
+                  <dgm:ruleLst/>
+                </dgm:layoutNode>
+              </dgm:forEach>
+            </dgm:forEach>
+          </dgm:layoutNode>
+        </dgm:layoutNode>
+      </dgm:if>
+      <dgm:else name="Name38"/>
+    </dgm:choose>
+    <dgm:choose name="Name39">
+      <dgm:if name="Name40" axis="root ch" ptType="all node" st="1 1" cnt="0 0" func="cnt" op="gte" val="2">
+        <dgm:layoutNode name="middleBox">
+          <dgm:alg type="composite">
+            <dgm:param type="horzAlign" val="none"/>
+            <dgm:param type="vertAlign" val="none"/>
+          </dgm:alg>
+          <dgm:shape xmlns:r="http://schemas.openxmlformats.org/officeDocument/2006/relationships" r:blip="">
+            <dgm:adjLst/>
+          </dgm:shape>
+          <dgm:presOf/>
+          <dgm:choose name="Name41">
+            <dgm:if name="Name42" axis="root ch" ptType="all node" st="1 1" cnt="0 0" func="cnt" op="gt" val="2">
+              <dgm:choose name="Name43">
+                <dgm:if name="Name44" func="var" arg="dir" op="equ" val="norm">
+                  <dgm:constrLst>
+                    <dgm:constr type="l" for="ch" forName="middleBoxParent"/>
+                    <dgm:constr type="t" for="ch" forName="middleBoxParent"/>
+                    <dgm:constr type="w" for="ch" forName="middleBoxParent" refType="w"/>
+                    <dgm:constr type="h" for="ch" forName="middleBoxParent" refType="h"/>
+                    <dgm:constr type="bMarg" for="ch" forName="middleBoxParent" refType="h" fact="1.8"/>
+                    <dgm:constr type="l" for="ch" forName="middleBoxChildren" refType="w" fact="0.025"/>
+                    <dgm:constr type="t" for="ch" forName="middleBoxChildren" refType="h" fact="0.35"/>
+                    <dgm:constr type="w" for="ch" forName="middleBoxChildren" refType="w" fact="0.2"/>
+                    <dgm:constr type="h" for="ch" forName="middleBoxChildren" refType="h" fact="0.575"/>
+                  </dgm:constrLst>
+                </dgm:if>
+                <dgm:else name="Name45">
+                  <dgm:constrLst>
+                    <dgm:constr type="l" for="ch" forName="middleBoxParent"/>
+                    <dgm:constr type="t" for="ch" forName="middleBoxParent"/>
+                    <dgm:constr type="w" for="ch" forName="middleBoxParent" refType="w"/>
+                    <dgm:constr type="h" for="ch" forName="middleBoxParent" refType="h"/>
+                    <dgm:constr type="bMarg" for="ch" forName="middleBoxParent" refType="h" fact="1.8"/>
+                    <dgm:constr type="l" for="ch" forName="middleBoxChildren" refType="w" fact="0.775"/>
+                    <dgm:constr type="t" for="ch" forName="middleBoxChildren" refType="h" fact="0.35"/>
+                    <dgm:constr type="w" for="ch" forName="middleBoxChildren" refType="w" fact="0.2"/>
+                    <dgm:constr type="h" for="ch" forName="middleBoxChildren" refType="h" fact="0.575"/>
+                  </dgm:constrLst>
+                </dgm:else>
+              </dgm:choose>
+            </dgm:if>
+            <dgm:else name="Name46">
+              <dgm:constrLst>
+                <dgm:constr type="l" for="ch" forName="middleBoxParent"/>
+                <dgm:constr type="t" for="ch" forName="middleBoxParent"/>
+                <dgm:constr type="w" for="ch" forName="middleBoxParent" refType="w"/>
+                <dgm:constr type="h" for="ch" forName="middleBoxParent" refType="h"/>
+                <dgm:constr type="bMarg" for="ch" forName="middleBoxParent" refType="h" fact="1.8"/>
+                <dgm:constr type="l" for="ch" forName="middleBoxChildren" refType="w" fact="0.025"/>
+                <dgm:constr type="t" for="ch" forName="middleBoxChildren" refType="h" fact="0.45"/>
+                <dgm:constr type="w" for="ch" forName="middleBoxChildren" refType="w" fact="0.95"/>
+                <dgm:constr type="h" for="ch" forName="middleBoxChildren" refType="h" fact="0.45"/>
+              </dgm:constrLst>
+            </dgm:else>
+          </dgm:choose>
+          <dgm:ruleLst/>
+          <dgm:layoutNode name="middleBoxParent" styleLbl="node1">
+            <dgm:alg type="tx">
+              <dgm:param type="txAnchorVert" val="t"/>
+              <dgm:param type="parTxLTRAlign" val="l"/>
+              <dgm:param type="parTxRTLAlign" val="r"/>
+            </dgm:alg>
+            <dgm:shape xmlns:r="http://schemas.openxmlformats.org/officeDocument/2006/relationships" type="roundRect" r:blip="">
+              <dgm:adjLst>
+                <dgm:adj idx="1" val="0.105"/>
+              </dgm:adjLst>
+            </dgm:shape>
+            <dgm:presOf axis="ch" ptType="node" st="2" cnt="1"/>
+            <dgm:constrLst>
+              <dgm:constr type="tMarg" refType="primFontSz" fact="0.3"/>
+              <dgm:constr type="lMarg" refType="primFontSz" fact="0.3"/>
+              <dgm:constr type="rMarg" refType="primFontSz" fact="0.3"/>
+            </dgm:constrLst>
+            <dgm:ruleLst>
+              <dgm:rule type="primFontSz" val="5" fact="NaN" max="NaN"/>
+            </dgm:ruleLst>
+          </dgm:layoutNode>
+          <dgm:layoutNode name="middleBoxChildren">
+            <dgm:choose name="Name47">
+              <dgm:if name="Name48" axis="root ch" ptType="all node" st="1 1" cnt="0 0" func="cnt" op="gt" val="2">
+                <dgm:alg type="lin">
+                  <dgm:param type="linDir" val="fromT"/>
+                  <dgm:param type="vertAlign" val="t"/>
+                </dgm:alg>
+              </dgm:if>
+              <dgm:else name="Name49">
+                <dgm:choose name="Name50">
+                  <dgm:if name="Name51" func="var" arg="dir" op="equ" val="norm">
+                    <dgm:alg type="lin">
+                      <dgm:param type="horzAlign" val="l"/>
+                    </dgm:alg>
+                  </dgm:if>
+                  <dgm:else name="Name52">
+                    <dgm:alg type="lin">
+                      <dgm:param type="linDir" val="fromR"/>
+                      <dgm:param type="horzAlign" val="r"/>
+                    </dgm:alg>
+                  </dgm:else>
+                </dgm:choose>
+              </dgm:else>
+            </dgm:choose>
+            <dgm:shape xmlns:r="http://schemas.openxmlformats.org/officeDocument/2006/relationships" r:blip="">
+              <dgm:adjLst/>
+            </dgm:shape>
+            <dgm:presOf/>
+            <dgm:constrLst>
+              <dgm:constr type="w" for="ch" forName="mChild" refType="w"/>
+              <dgm:constr type="h" for="ch" forName="mChild" refType="h"/>
+            </dgm:constrLst>
+            <dgm:ruleLst/>
+            <dgm:forEach name="Name53" axis="ch ch" ptType="node node" st="2 1" cnt="1 0">
+              <dgm:layoutNode name="mChild" styleLbl="fgAcc1">
+                <dgm:varLst>
+                  <dgm:bulletEnabled val="1"/>
+                </dgm:varLst>
+                <dgm:alg type="tx"/>
+                <dgm:shape xmlns:r="http://schemas.openxmlformats.org/officeDocument/2006/relationships" type="roundRect" r:blip="">
+                  <dgm:adjLst>
+                    <dgm:adj idx="1" val="0.105"/>
+                  </dgm:adjLst>
+                </dgm:shape>
+                <dgm:presOf axis="desOrSelf" ptType="node"/>
+                <dgm:constrLst>
+                  <dgm:constr type="tMarg" refType="primFontSz" fact="0.3"/>
+                  <dgm:constr type="bMarg" refType="primFontSz" fact="0.3"/>
+                  <dgm:constr type="lMarg" refType="primFontSz" fact="0.3"/>
+                  <dgm:constr type="rMarg" refType="primFontSz" fact="0.3"/>
+                </dgm:constrLst>
+                <dgm:ruleLst>
+                  <dgm:rule type="primFontSz" val="5" fact="NaN" max="NaN"/>
+                </dgm:ruleLst>
+              </dgm:layoutNode>
+              <dgm:forEach name="Name54" axis="followSib" ptType="sibTrans" cnt="1">
+                <dgm:layoutNode name="middleSibTrans">
+                  <dgm:alg type="sp"/>
+                  <dgm:shape xmlns:r="http://schemas.openxmlformats.org/officeDocument/2006/relationships" r:blip="">
+                    <dgm:adjLst/>
+                  </dgm:shape>
+                  <dgm:presOf/>
+                  <dgm:constrLst>
+                    <dgm:constr type="userA"/>
+                    <dgm:constr type="w" refType="userA" fact="0.015"/>
+                    <dgm:constr type="h" refType="userA" fact="0.015"/>
+                  </dgm:constrLst>
+                  <dgm:ruleLst/>
+                </dgm:layoutNode>
+              </dgm:forEach>
+            </dgm:forEach>
+          </dgm:layoutNode>
+        </dgm:layoutNode>
+      </dgm:if>
+      <dgm:else name="Name55"/>
+    </dgm:choose>
+    <dgm:choose name="Name56">
+      <dgm:if name="Name57" axis="root ch" ptType="all node" st="1 1" cnt="0 0" func="cnt" op="gte" val="3">
+        <dgm:layoutNode name="centerBox">
+          <dgm:alg type="composite">
+            <dgm:param type="horzAlign" val="none"/>
+            <dgm:param type="vertAlign" val="none"/>
+          </dgm:alg>
+          <dgm:shape xmlns:r="http://schemas.openxmlformats.org/officeDocument/2006/relationships" r:blip="">
+            <dgm:adjLst/>
+          </dgm:shape>
+          <dgm:presOf/>
+          <dgm:choose name="Name58">
+            <dgm:if name="Name59" axis="ch ch" ptType="node node" st="3 1" cnt="1 0" func="cnt" op="gt" val="0">
+              <dgm:constrLst>
+                <dgm:constr type="l" for="ch" forName="centerBoxParent"/>
+                <dgm:constr type="t" for="ch" forName="centerBoxParent"/>
+                <dgm:constr type="w" for="ch" forName="centerBoxParent" refType="w"/>
+                <dgm:constr type="h" for="ch" forName="centerBoxParent" refType="h"/>
+                <dgm:constr type="bMarg" for="ch" forName="centerBoxParent" refType="h" fact="1.6"/>
+                <dgm:constr type="l" for="ch" forName="centerBoxChildren" refType="w" fact="0.025"/>
+                <dgm:constr type="t" for="ch" forName="centerBoxChildren" refType="h" fact="0.45"/>
+                <dgm:constr type="w" for="ch" forName="centerBoxChildren" refType="w" fact="0.95"/>
+                <dgm:constr type="h" for="ch" forName="centerBoxChildren" refType="h" fact="0.45"/>
+              </dgm:constrLst>
+            </dgm:if>
+            <dgm:else name="Name60">
+              <dgm:constrLst>
+                <dgm:constr type="l" for="ch" forName="centerBoxParent"/>
+                <dgm:constr type="t" for="ch" forName="centerBoxParent"/>
+                <dgm:constr type="w" for="ch" forName="centerBoxParent" refType="w"/>
+                <dgm:constr type="h" for="ch" forName="centerBoxParent" refType="h"/>
+              </dgm:constrLst>
+            </dgm:else>
+          </dgm:choose>
+          <dgm:ruleLst/>
+          <dgm:layoutNode name="centerBoxParent" styleLbl="node1">
+            <dgm:alg type="tx">
+              <dgm:param type="txAnchorVert" val="t"/>
+              <dgm:param type="parTxLTRAlign" val="l"/>
+              <dgm:param type="parTxRTLAlign" val="r"/>
+            </dgm:alg>
+            <dgm:shape xmlns:r="http://schemas.openxmlformats.org/officeDocument/2006/relationships" type="roundRect" r:blip="">
+              <dgm:adjLst>
+                <dgm:adj idx="1" val="0.105"/>
+              </dgm:adjLst>
+            </dgm:shape>
+            <dgm:presOf axis="ch" ptType="node" st="3" cnt="1"/>
+            <dgm:constrLst>
+              <dgm:constr type="tMarg" refType="primFontSz" fact="0.3"/>
+              <dgm:constr type="lMarg" refType="primFontSz" fact="0.3"/>
+              <dgm:constr type="rMarg" refType="primFontSz" fact="0.3"/>
+            </dgm:constrLst>
+            <dgm:ruleLst>
+              <dgm:rule type="primFontSz" val="5" fact="NaN" max="NaN"/>
+            </dgm:ruleLst>
+          </dgm:layoutNode>
+          <dgm:choose name="Name61">
+            <dgm:if name="Name62" axis="ch ch" ptType="node node" st="3 1" cnt="1 0" func="cnt" op="gt" val="0">
+              <dgm:layoutNode name="centerBoxChildren">
+                <dgm:choose name="Name63">
+                  <dgm:if name="Name64" func="var" arg="dir" op="equ" val="norm">
+                    <dgm:alg type="lin">
+                      <dgm:param type="horzAlign" val="l"/>
+                    </dgm:alg>
+                  </dgm:if>
+                  <dgm:else name="Name65">
+                    <dgm:alg type="lin">
+                      <dgm:param type="linDir" val="fromR"/>
+                      <dgm:param type="horzAlign" val="r"/>
+                    </dgm:alg>
+                  </dgm:else>
+                </dgm:choose>
+                <dgm:shape xmlns:r="http://schemas.openxmlformats.org/officeDocument/2006/relationships" r:blip="">
+                  <dgm:adjLst/>
+                </dgm:shape>
+                <dgm:presOf/>
+                <dgm:constrLst>
+                  <dgm:constr type="w" for="ch" forName="cChild" refType="w"/>
+                  <dgm:constr type="h" for="ch" forName="cChild" refType="h"/>
+                </dgm:constrLst>
+                <dgm:ruleLst/>
+                <dgm:forEach name="Name66" axis="ch ch" ptType="node node" st="3 1" cnt="1 0">
+                  <dgm:layoutNode name="cChild" styleLbl="fgAcc1">
+                    <dgm:varLst>
+                      <dgm:bulletEnabled val="1"/>
+                    </dgm:varLst>
+                    <dgm:alg type="tx"/>
+                    <dgm:shape xmlns:r="http://schemas.openxmlformats.org/officeDocument/2006/relationships" type="roundRect" r:blip="">
+                      <dgm:adjLst>
+                        <dgm:adj idx="1" val="0.105"/>
+                      </dgm:adjLst>
+                    </dgm:shape>
+                    <dgm:presOf axis="desOrSelf" ptType="node"/>
+                    <dgm:constrLst>
+                      <dgm:constr type="tMarg" refType="primFontSz" fact="0.3"/>
+                      <dgm:constr type="bMarg" refType="primFontSz" fact="0.3"/>
+                      <dgm:constr type="lMarg" refType="primFontSz" fact="0.3"/>
+                      <dgm:constr type="rMarg" refType="primFontSz" fact="0.3"/>
+                    </dgm:constrLst>
+                    <dgm:ruleLst>
+                      <dgm:rule type="primFontSz" val="5" fact="NaN" max="NaN"/>
+                    </dgm:ruleLst>
+                  </dgm:layoutNode>
+                  <dgm:forEach name="Name67" axis="followSib" ptType="sibTrans" cnt="1">
+                    <dgm:layoutNode name="centerSibTrans">
+                      <dgm:alg type="sp"/>
+                      <dgm:shape xmlns:r="http://schemas.openxmlformats.org/officeDocument/2006/relationships" r:blip="">
+                        <dgm:adjLst/>
+                      </dgm:shape>
+                      <dgm:presOf/>
+                      <dgm:constrLst>
+                        <dgm:constr type="userA"/>
+                        <dgm:constr type="w" refType="userA" fact="0.015"/>
+                        <dgm:constr type="h" refType="userA" fact="0.015"/>
+                      </dgm:constrLst>
+                      <dgm:ruleLst/>
+                    </dgm:layoutNode>
+                  </dgm:forEach>
+                </dgm:forEach>
+              </dgm:layoutNode>
+            </dgm:if>
+            <dgm:else name="Name68"/>
+          </dgm:choose>
+        </dgm:layoutNode>
+      </dgm:if>
+      <dgm:else name="Name69"/>
+    </dgm:choose>
+  </dgm:layoutNode>
+</dgm:layoutDef>
+</file>
+
+<file path=ppt/diagrams/layout4.xml><?xml version="1.0" encoding="utf-8"?>
 <dgm:layoutDef xmlns:dgm="http://schemas.openxmlformats.org/drawingml/2006/diagram" xmlns:a="http://schemas.openxmlformats.org/drawingml/2006/main" uniqueId="urn:microsoft.com/office/officeart/2005/8/layout/process1">
   <dgm:title val=""/>
   <dgm:desc val=""/>
@@ -8832,6 +10917,1040 @@
 </file>
 
 <file path=ppt/diagrams/quickStyle3.xml><?xml version="1.0" encoding="utf-8"?>
+<dgm:styleDef xmlns:dgm="http://schemas.openxmlformats.org/drawingml/2006/diagram" xmlns:a="http://schemas.openxmlformats.org/drawingml/2006/main" uniqueId="urn:microsoft.com/office/officeart/2005/8/quickstyle/simple1">
+  <dgm:title val=""/>
+  <dgm:desc val=""/>
+  <dgm:catLst>
+    <dgm:cat type="simple" pri="10100"/>
+  </dgm:catLst>
+  <dgm:scene3d>
+    <a:camera prst="orthographicFront"/>
+    <a:lightRig rig="threePt" dir="t"/>
+  </dgm:scene3d>
+  <dgm:styleLbl name="node0">
+    <dgm:scene3d>
+      <a:camera prst="orthographicFront"/>
+      <a:lightRig rig="threePt" dir="t"/>
+    </dgm:scene3d>
+    <dgm:sp3d/>
+    <dgm:txPr/>
+    <dgm:style>
+      <a:lnRef idx="2">
+        <a:scrgbClr r="0" g="0" b="0"/>
+      </a:lnRef>
+      <a:fillRef idx="1">
+        <a:scrgbClr r="0" g="0" b="0"/>
+      </a:fillRef>
+      <a:effectRef idx="0">
+        <a:scrgbClr r="0" g="0" b="0"/>
+      </a:effectRef>
+      <a:fontRef idx="minor">
+        <a:schemeClr val="lt1"/>
+      </a:fontRef>
+    </dgm:style>
+  </dgm:styleLbl>
+  <dgm:styleLbl name="lnNode1">
+    <dgm:scene3d>
+      <a:camera prst="orthographicFront"/>
+      <a:lightRig rig="threePt" dir="t"/>
+    </dgm:scene3d>
+    <dgm:sp3d/>
+    <dgm:txPr/>
+    <dgm:style>
+      <a:lnRef idx="2">
+        <a:scrgbClr r="0" g="0" b="0"/>
+      </a:lnRef>
+      <a:fillRef idx="1">
+        <a:scrgbClr r="0" g="0" b="0"/>
+      </a:fillRef>
+      <a:effectRef idx="0">
+        <a:scrgbClr r="0" g="0" b="0"/>
+      </a:effectRef>
+      <a:fontRef idx="minor">
+        <a:schemeClr val="lt1"/>
+      </a:fontRef>
+    </dgm:style>
+  </dgm:styleLbl>
+  <dgm:styleLbl name="vennNode1">
+    <dgm:scene3d>
+      <a:camera prst="orthographicFront"/>
+      <a:lightRig rig="threePt" dir="t"/>
+    </dgm:scene3d>
+    <dgm:sp3d/>
+    <dgm:txPr/>
+    <dgm:style>
+      <a:lnRef idx="2">
+        <a:scrgbClr r="0" g="0" b="0"/>
+      </a:lnRef>
+      <a:fillRef idx="1">
+        <a:scrgbClr r="0" g="0" b="0"/>
+      </a:fillRef>
+      <a:effectRef idx="0">
+        <a:scrgbClr r="0" g="0" b="0"/>
+      </a:effectRef>
+      <a:fontRef idx="minor">
+        <a:schemeClr val="tx1"/>
+      </a:fontRef>
+    </dgm:style>
+  </dgm:styleLbl>
+  <dgm:styleLbl name="alignNode1">
+    <dgm:scene3d>
+      <a:camera prst="orthographicFront"/>
+      <a:lightRig rig="threePt" dir="t"/>
+    </dgm:scene3d>
+    <dgm:sp3d/>
+    <dgm:txPr/>
+    <dgm:style>
+      <a:lnRef idx="2">
+        <a:scrgbClr r="0" g="0" b="0"/>
+      </a:lnRef>
+      <a:fillRef idx="1">
+        <a:scrgbClr r="0" g="0" b="0"/>
+      </a:fillRef>
+      <a:effectRef idx="0">
+        <a:scrgbClr r="0" g="0" b="0"/>
+      </a:effectRef>
+      <a:fontRef idx="minor">
+        <a:schemeClr val="lt1"/>
+      </a:fontRef>
+    </dgm:style>
+  </dgm:styleLbl>
+  <dgm:styleLbl name="node1">
+    <dgm:scene3d>
+      <a:camera prst="orthographicFront"/>
+      <a:lightRig rig="threePt" dir="t"/>
+    </dgm:scene3d>
+    <dgm:sp3d/>
+    <dgm:txPr/>
+    <dgm:style>
+      <a:lnRef idx="2">
+        <a:scrgbClr r="0" g="0" b="0"/>
+      </a:lnRef>
+      <a:fillRef idx="1">
+        <a:scrgbClr r="0" g="0" b="0"/>
+      </a:fillRef>
+      <a:effectRef idx="0">
+        <a:scrgbClr r="0" g="0" b="0"/>
+      </a:effectRef>
+      <a:fontRef idx="minor">
+        <a:schemeClr val="lt1"/>
+      </a:fontRef>
+    </dgm:style>
+  </dgm:styleLbl>
+  <dgm:styleLbl name="node2">
+    <dgm:scene3d>
+      <a:camera prst="orthographicFront"/>
+      <a:lightRig rig="threePt" dir="t"/>
+    </dgm:scene3d>
+    <dgm:sp3d/>
+    <dgm:txPr/>
+    <dgm:style>
+      <a:lnRef idx="2">
+        <a:scrgbClr r="0" g="0" b="0"/>
+      </a:lnRef>
+      <a:fillRef idx="1">
+        <a:scrgbClr r="0" g="0" b="0"/>
+      </a:fillRef>
+      <a:effectRef idx="0">
+        <a:scrgbClr r="0" g="0" b="0"/>
+      </a:effectRef>
+      <a:fontRef idx="minor">
+        <a:schemeClr val="lt1"/>
+      </a:fontRef>
+    </dgm:style>
+  </dgm:styleLbl>
+  <dgm:styleLbl name="node3">
+    <dgm:scene3d>
+      <a:camera prst="orthographicFront"/>
+      <a:lightRig rig="threePt" dir="t"/>
+    </dgm:scene3d>
+    <dgm:sp3d/>
+    <dgm:txPr/>
+    <dgm:style>
+      <a:lnRef idx="2">
+        <a:scrgbClr r="0" g="0" b="0"/>
+      </a:lnRef>
+      <a:fillRef idx="1">
+        <a:scrgbClr r="0" g="0" b="0"/>
+      </a:fillRef>
+      <a:effectRef idx="0">
+        <a:scrgbClr r="0" g="0" b="0"/>
+      </a:effectRef>
+      <a:fontRef idx="minor">
+        <a:schemeClr val="lt1"/>
+      </a:fontRef>
+    </dgm:style>
+  </dgm:styleLbl>
+  <dgm:styleLbl name="node4">
+    <dgm:scene3d>
+      <a:camera prst="orthographicFront"/>
+      <a:lightRig rig="threePt" dir="t"/>
+    </dgm:scene3d>
+    <dgm:sp3d/>
+    <dgm:txPr/>
+    <dgm:style>
+      <a:lnRef idx="2">
+        <a:scrgbClr r="0" g="0" b="0"/>
+      </a:lnRef>
+      <a:fillRef idx="1">
+        <a:scrgbClr r="0" g="0" b="0"/>
+      </a:fillRef>
+      <a:effectRef idx="0">
+        <a:scrgbClr r="0" g="0" b="0"/>
+      </a:effectRef>
+      <a:fontRef idx="minor">
+        <a:schemeClr val="lt1"/>
+      </a:fontRef>
+    </dgm:style>
+  </dgm:styleLbl>
+  <dgm:styleLbl name="fgImgPlace1">
+    <dgm:scene3d>
+      <a:camera prst="orthographicFront"/>
+      <a:lightRig rig="threePt" dir="t"/>
+    </dgm:scene3d>
+    <dgm:sp3d/>
+    <dgm:txPr/>
+    <dgm:style>
+      <a:lnRef idx="2">
+        <a:scrgbClr r="0" g="0" b="0"/>
+      </a:lnRef>
+      <a:fillRef idx="1">
+        <a:scrgbClr r="0" g="0" b="0"/>
+      </a:fillRef>
+      <a:effectRef idx="0">
+        <a:scrgbClr r="0" g="0" b="0"/>
+      </a:effectRef>
+      <a:fontRef idx="minor"/>
+    </dgm:style>
+  </dgm:styleLbl>
+  <dgm:styleLbl name="alignImgPlace1">
+    <dgm:scene3d>
+      <a:camera prst="orthographicFront"/>
+      <a:lightRig rig="threePt" dir="t"/>
+    </dgm:scene3d>
+    <dgm:sp3d/>
+    <dgm:txPr/>
+    <dgm:style>
+      <a:lnRef idx="2">
+        <a:scrgbClr r="0" g="0" b="0"/>
+      </a:lnRef>
+      <a:fillRef idx="1">
+        <a:scrgbClr r="0" g="0" b="0"/>
+      </a:fillRef>
+      <a:effectRef idx="0">
+        <a:scrgbClr r="0" g="0" b="0"/>
+      </a:effectRef>
+      <a:fontRef idx="minor"/>
+    </dgm:style>
+  </dgm:styleLbl>
+  <dgm:styleLbl name="bgImgPlace1">
+    <dgm:scene3d>
+      <a:camera prst="orthographicFront"/>
+      <a:lightRig rig="threePt" dir="t"/>
+    </dgm:scene3d>
+    <dgm:sp3d/>
+    <dgm:txPr/>
+    <dgm:style>
+      <a:lnRef idx="2">
+        <a:scrgbClr r="0" g="0" b="0"/>
+      </a:lnRef>
+      <a:fillRef idx="1">
+        <a:scrgbClr r="0" g="0" b="0"/>
+      </a:fillRef>
+      <a:effectRef idx="0">
+        <a:scrgbClr r="0" g="0" b="0"/>
+      </a:effectRef>
+      <a:fontRef idx="minor"/>
+    </dgm:style>
+  </dgm:styleLbl>
+  <dgm:styleLbl name="sibTrans2D1">
+    <dgm:scene3d>
+      <a:camera prst="orthographicFront"/>
+      <a:lightRig rig="threePt" dir="t"/>
+    </dgm:scene3d>
+    <dgm:sp3d/>
+    <dgm:txPr/>
+    <dgm:style>
+      <a:lnRef idx="0">
+        <a:scrgbClr r="0" g="0" b="0"/>
+      </a:lnRef>
+      <a:fillRef idx="1">
+        <a:scrgbClr r="0" g="0" b="0"/>
+      </a:fillRef>
+      <a:effectRef idx="0">
+        <a:scrgbClr r="0" g="0" b="0"/>
+      </a:effectRef>
+      <a:fontRef idx="minor">
+        <a:schemeClr val="lt1"/>
+      </a:fontRef>
+    </dgm:style>
+  </dgm:styleLbl>
+  <dgm:styleLbl name="fgSibTrans2D1">
+    <dgm:scene3d>
+      <a:camera prst="orthographicFront"/>
+      <a:lightRig rig="threePt" dir="t"/>
+    </dgm:scene3d>
+    <dgm:sp3d/>
+    <dgm:txPr/>
+    <dgm:style>
+      <a:lnRef idx="0">
+        <a:scrgbClr r="0" g="0" b="0"/>
+      </a:lnRef>
+      <a:fillRef idx="1">
+        <a:scrgbClr r="0" g="0" b="0"/>
+      </a:fillRef>
+      <a:effectRef idx="0">
+        <a:scrgbClr r="0" g="0" b="0"/>
+      </a:effectRef>
+      <a:fontRef idx="minor">
+        <a:schemeClr val="lt1"/>
+      </a:fontRef>
+    </dgm:style>
+  </dgm:styleLbl>
+  <dgm:styleLbl name="bgSibTrans2D1">
+    <dgm:scene3d>
+      <a:camera prst="orthographicFront"/>
+      <a:lightRig rig="threePt" dir="t"/>
+    </dgm:scene3d>
+    <dgm:sp3d/>
+    <dgm:txPr/>
+    <dgm:style>
+      <a:lnRef idx="0">
+        <a:scrgbClr r="0" g="0" b="0"/>
+      </a:lnRef>
+      <a:fillRef idx="1">
+        <a:scrgbClr r="0" g="0" b="0"/>
+      </a:fillRef>
+      <a:effectRef idx="0">
+        <a:scrgbClr r="0" g="0" b="0"/>
+      </a:effectRef>
+      <a:fontRef idx="minor">
+        <a:schemeClr val="lt1"/>
+      </a:fontRef>
+    </dgm:style>
+  </dgm:styleLbl>
+  <dgm:styleLbl name="sibTrans1D1">
+    <dgm:scene3d>
+      <a:camera prst="orthographicFront"/>
+      <a:lightRig rig="threePt" dir="t"/>
+    </dgm:scene3d>
+    <dgm:sp3d/>
+    <dgm:txPr/>
+    <dgm:style>
+      <a:lnRef idx="1">
+        <a:scrgbClr r="0" g="0" b="0"/>
+      </a:lnRef>
+      <a:fillRef idx="0">
+        <a:scrgbClr r="0" g="0" b="0"/>
+      </a:fillRef>
+      <a:effectRef idx="0">
+        <a:scrgbClr r="0" g="0" b="0"/>
+      </a:effectRef>
+      <a:fontRef idx="minor"/>
+    </dgm:style>
+  </dgm:styleLbl>
+  <dgm:styleLbl name="callout">
+    <dgm:scene3d>
+      <a:camera prst="orthographicFront"/>
+      <a:lightRig rig="threePt" dir="t"/>
+    </dgm:scene3d>
+    <dgm:sp3d/>
+    <dgm:txPr/>
+    <dgm:style>
+      <a:lnRef idx="2">
+        <a:scrgbClr r="0" g="0" b="0"/>
+      </a:lnRef>
+      <a:fillRef idx="1">
+        <a:scrgbClr r="0" g="0" b="0"/>
+      </a:fillRef>
+      <a:effectRef idx="0">
+        <a:scrgbClr r="0" g="0" b="0"/>
+      </a:effectRef>
+      <a:fontRef idx="minor"/>
+    </dgm:style>
+  </dgm:styleLbl>
+  <dgm:styleLbl name="asst0">
+    <dgm:scene3d>
+      <a:camera prst="orthographicFront"/>
+      <a:lightRig rig="threePt" dir="t"/>
+    </dgm:scene3d>
+    <dgm:sp3d/>
+    <dgm:txPr/>
+    <dgm:style>
+      <a:lnRef idx="2">
+        <a:scrgbClr r="0" g="0" b="0"/>
+      </a:lnRef>
+      <a:fillRef idx="1">
+        <a:scrgbClr r="0" g="0" b="0"/>
+      </a:fillRef>
+      <a:effectRef idx="0">
+        <a:scrgbClr r="0" g="0" b="0"/>
+      </a:effectRef>
+      <a:fontRef idx="minor">
+        <a:schemeClr val="lt1"/>
+      </a:fontRef>
+    </dgm:style>
+  </dgm:styleLbl>
+  <dgm:styleLbl name="asst1">
+    <dgm:scene3d>
+      <a:camera prst="orthographicFront"/>
+      <a:lightRig rig="threePt" dir="t"/>
+    </dgm:scene3d>
+    <dgm:sp3d/>
+    <dgm:txPr/>
+    <dgm:style>
+      <a:lnRef idx="2">
+        <a:scrgbClr r="0" g="0" b="0"/>
+      </a:lnRef>
+      <a:fillRef idx="1">
+        <a:scrgbClr r="0" g="0" b="0"/>
+      </a:fillRef>
+      <a:effectRef idx="0">
+        <a:scrgbClr r="0" g="0" b="0"/>
+      </a:effectRef>
+      <a:fontRef idx="minor">
+        <a:schemeClr val="lt1"/>
+      </a:fontRef>
+    </dgm:style>
+  </dgm:styleLbl>
+  <dgm:styleLbl name="asst2">
+    <dgm:scene3d>
+      <a:camera prst="orthographicFront"/>
+      <a:lightRig rig="threePt" dir="t"/>
+    </dgm:scene3d>
+    <dgm:sp3d/>
+    <dgm:txPr/>
+    <dgm:style>
+      <a:lnRef idx="2">
+        <a:scrgbClr r="0" g="0" b="0"/>
+      </a:lnRef>
+      <a:fillRef idx="1">
+        <a:scrgbClr r="0" g="0" b="0"/>
+      </a:fillRef>
+      <a:effectRef idx="0">
+        <a:scrgbClr r="0" g="0" b="0"/>
+      </a:effectRef>
+      <a:fontRef idx="minor">
+        <a:schemeClr val="lt1"/>
+      </a:fontRef>
+    </dgm:style>
+  </dgm:styleLbl>
+  <dgm:styleLbl name="asst3">
+    <dgm:scene3d>
+      <a:camera prst="orthographicFront"/>
+      <a:lightRig rig="threePt" dir="t"/>
+    </dgm:scene3d>
+    <dgm:sp3d/>
+    <dgm:txPr/>
+    <dgm:style>
+      <a:lnRef idx="2">
+        <a:scrgbClr r="0" g="0" b="0"/>
+      </a:lnRef>
+      <a:fillRef idx="1">
+        <a:scrgbClr r="0" g="0" b="0"/>
+      </a:fillRef>
+      <a:effectRef idx="0">
+        <a:scrgbClr r="0" g="0" b="0"/>
+      </a:effectRef>
+      <a:fontRef idx="minor">
+        <a:schemeClr val="lt1"/>
+      </a:fontRef>
+    </dgm:style>
+  </dgm:styleLbl>
+  <dgm:styleLbl name="asst4">
+    <dgm:scene3d>
+      <a:camera prst="orthographicFront"/>
+      <a:lightRig rig="threePt" dir="t"/>
+    </dgm:scene3d>
+    <dgm:sp3d/>
+    <dgm:txPr/>
+    <dgm:style>
+      <a:lnRef idx="2">
+        <a:scrgbClr r="0" g="0" b="0"/>
+      </a:lnRef>
+      <a:fillRef idx="1">
+        <a:scrgbClr r="0" g="0" b="0"/>
+      </a:fillRef>
+      <a:effectRef idx="0">
+        <a:scrgbClr r="0" g="0" b="0"/>
+      </a:effectRef>
+      <a:fontRef idx="minor">
+        <a:schemeClr val="lt1"/>
+      </a:fontRef>
+    </dgm:style>
+  </dgm:styleLbl>
+  <dgm:styleLbl name="parChTrans2D1">
+    <dgm:scene3d>
+      <a:camera prst="orthographicFront"/>
+      <a:lightRig rig="threePt" dir="t"/>
+    </dgm:scene3d>
+    <dgm:sp3d/>
+    <dgm:txPr/>
+    <dgm:style>
+      <a:lnRef idx="2">
+        <a:scrgbClr r="0" g="0" b="0"/>
+      </a:lnRef>
+      <a:fillRef idx="1">
+        <a:scrgbClr r="0" g="0" b="0"/>
+      </a:fillRef>
+      <a:effectRef idx="0">
+        <a:scrgbClr r="0" g="0" b="0"/>
+      </a:effectRef>
+      <a:fontRef idx="minor">
+        <a:schemeClr val="lt1"/>
+      </a:fontRef>
+    </dgm:style>
+  </dgm:styleLbl>
+  <dgm:styleLbl name="parChTrans2D2">
+    <dgm:scene3d>
+      <a:camera prst="orthographicFront"/>
+      <a:lightRig rig="threePt" dir="t"/>
+    </dgm:scene3d>
+    <dgm:sp3d/>
+    <dgm:txPr/>
+    <dgm:style>
+      <a:lnRef idx="2">
+        <a:scrgbClr r="0" g="0" b="0"/>
+      </a:lnRef>
+      <a:fillRef idx="1">
+        <a:scrgbClr r="0" g="0" b="0"/>
+      </a:fillRef>
+      <a:effectRef idx="0">
+        <a:scrgbClr r="0" g="0" b="0"/>
+      </a:effectRef>
+      <a:fontRef idx="minor">
+        <a:schemeClr val="lt1"/>
+      </a:fontRef>
+    </dgm:style>
+  </dgm:styleLbl>
+  <dgm:styleLbl name="parChTrans2D3">
+    <dgm:scene3d>
+      <a:camera prst="orthographicFront"/>
+      <a:lightRig rig="threePt" dir="t"/>
+    </dgm:scene3d>
+    <dgm:sp3d/>
+    <dgm:txPr/>
+    <dgm:style>
+      <a:lnRef idx="2">
+        <a:scrgbClr r="0" g="0" b="0"/>
+      </a:lnRef>
+      <a:fillRef idx="1">
+        <a:scrgbClr r="0" g="0" b="0"/>
+      </a:fillRef>
+      <a:effectRef idx="0">
+        <a:scrgbClr r="0" g="0" b="0"/>
+      </a:effectRef>
+      <a:fontRef idx="minor">
+        <a:schemeClr val="lt1"/>
+      </a:fontRef>
+    </dgm:style>
+  </dgm:styleLbl>
+  <dgm:styleLbl name="parChTrans2D4">
+    <dgm:scene3d>
+      <a:camera prst="orthographicFront"/>
+      <a:lightRig rig="threePt" dir="t"/>
+    </dgm:scene3d>
+    <dgm:sp3d/>
+    <dgm:txPr/>
+    <dgm:style>
+      <a:lnRef idx="2">
+        <a:scrgbClr r="0" g="0" b="0"/>
+      </a:lnRef>
+      <a:fillRef idx="1">
+        <a:scrgbClr r="0" g="0" b="0"/>
+      </a:fillRef>
+      <a:effectRef idx="0">
+        <a:scrgbClr r="0" g="0" b="0"/>
+      </a:effectRef>
+      <a:fontRef idx="minor">
+        <a:schemeClr val="lt1"/>
+      </a:fontRef>
+    </dgm:style>
+  </dgm:styleLbl>
+  <dgm:styleLbl name="parChTrans1D1">
+    <dgm:scene3d>
+      <a:camera prst="orthographicFront"/>
+      <a:lightRig rig="threePt" dir="t"/>
+    </dgm:scene3d>
+    <dgm:sp3d/>
+    <dgm:txPr/>
+    <dgm:style>
+      <a:lnRef idx="2">
+        <a:scrgbClr r="0" g="0" b="0"/>
+      </a:lnRef>
+      <a:fillRef idx="0">
+        <a:scrgbClr r="0" g="0" b="0"/>
+      </a:fillRef>
+      <a:effectRef idx="0">
+        <a:scrgbClr r="0" g="0" b="0"/>
+      </a:effectRef>
+      <a:fontRef idx="minor"/>
+    </dgm:style>
+  </dgm:styleLbl>
+  <dgm:styleLbl name="parChTrans1D2">
+    <dgm:scene3d>
+      <a:camera prst="orthographicFront"/>
+      <a:lightRig rig="threePt" dir="t"/>
+    </dgm:scene3d>
+    <dgm:sp3d/>
+    <dgm:txPr/>
+    <dgm:style>
+      <a:lnRef idx="2">
+        <a:scrgbClr r="0" g="0" b="0"/>
+      </a:lnRef>
+      <a:fillRef idx="0">
+        <a:scrgbClr r="0" g="0" b="0"/>
+      </a:fillRef>
+      <a:effectRef idx="0">
+        <a:scrgbClr r="0" g="0" b="0"/>
+      </a:effectRef>
+      <a:fontRef idx="minor"/>
+    </dgm:style>
+  </dgm:styleLbl>
+  <dgm:styleLbl name="parChTrans1D3">
+    <dgm:scene3d>
+      <a:camera prst="orthographicFront"/>
+      <a:lightRig rig="threePt" dir="t"/>
+    </dgm:scene3d>
+    <dgm:sp3d/>
+    <dgm:txPr/>
+    <dgm:style>
+      <a:lnRef idx="2">
+        <a:scrgbClr r="0" g="0" b="0"/>
+      </a:lnRef>
+      <a:fillRef idx="0">
+        <a:scrgbClr r="0" g="0" b="0"/>
+      </a:fillRef>
+      <a:effectRef idx="0">
+        <a:scrgbClr r="0" g="0" b="0"/>
+      </a:effectRef>
+      <a:fontRef idx="minor"/>
+    </dgm:style>
+  </dgm:styleLbl>
+  <dgm:styleLbl name="parChTrans1D4">
+    <dgm:scene3d>
+      <a:camera prst="orthographicFront"/>
+      <a:lightRig rig="threePt" dir="t"/>
+    </dgm:scene3d>
+    <dgm:sp3d/>
+    <dgm:txPr/>
+    <dgm:style>
+      <a:lnRef idx="2">
+        <a:scrgbClr r="0" g="0" b="0"/>
+      </a:lnRef>
+      <a:fillRef idx="0">
+        <a:scrgbClr r="0" g="0" b="0"/>
+      </a:fillRef>
+      <a:effectRef idx="0">
+        <a:scrgbClr r="0" g="0" b="0"/>
+      </a:effectRef>
+      <a:fontRef idx="minor"/>
+    </dgm:style>
+  </dgm:styleLbl>
+  <dgm:styleLbl name="fgAcc1">
+    <dgm:scene3d>
+      <a:camera prst="orthographicFront"/>
+      <a:lightRig rig="threePt" dir="t"/>
+    </dgm:scene3d>
+    <dgm:sp3d/>
+    <dgm:txPr/>
+    <dgm:style>
+      <a:lnRef idx="2">
+        <a:scrgbClr r="0" g="0" b="0"/>
+      </a:lnRef>
+      <a:fillRef idx="1">
+        <a:scrgbClr r="0" g="0" b="0"/>
+      </a:fillRef>
+      <a:effectRef idx="0">
+        <a:scrgbClr r="0" g="0" b="0"/>
+      </a:effectRef>
+      <a:fontRef idx="minor"/>
+    </dgm:style>
+  </dgm:styleLbl>
+  <dgm:styleLbl name="conFgAcc1">
+    <dgm:scene3d>
+      <a:camera prst="orthographicFront"/>
+      <a:lightRig rig="threePt" dir="t"/>
+    </dgm:scene3d>
+    <dgm:sp3d/>
+    <dgm:txPr/>
+    <dgm:style>
+      <a:lnRef idx="2">
+        <a:scrgbClr r="0" g="0" b="0"/>
+      </a:lnRef>
+      <a:fillRef idx="1">
+        <a:scrgbClr r="0" g="0" b="0"/>
+      </a:fillRef>
+      <a:effectRef idx="0">
+        <a:scrgbClr r="0" g="0" b="0"/>
+      </a:effectRef>
+      <a:fontRef idx="minor"/>
+    </dgm:style>
+  </dgm:styleLbl>
+  <dgm:styleLbl name="alignAcc1">
+    <dgm:scene3d>
+      <a:camera prst="orthographicFront"/>
+      <a:lightRig rig="threePt" dir="t"/>
+    </dgm:scene3d>
+    <dgm:sp3d/>
+    <dgm:txPr/>
+    <dgm:style>
+      <a:lnRef idx="2">
+        <a:scrgbClr r="0" g="0" b="0"/>
+      </a:lnRef>
+      <a:fillRef idx="1">
+        <a:scrgbClr r="0" g="0" b="0"/>
+      </a:fillRef>
+      <a:effectRef idx="0">
+        <a:scrgbClr r="0" g="0" b="0"/>
+      </a:effectRef>
+      <a:fontRef idx="minor"/>
+    </dgm:style>
+  </dgm:styleLbl>
+  <dgm:styleLbl name="trAlignAcc1">
+    <dgm:scene3d>
+      <a:camera prst="orthographicFront"/>
+      <a:lightRig rig="threePt" dir="t"/>
+    </dgm:scene3d>
+    <dgm:sp3d/>
+    <dgm:txPr/>
+    <dgm:style>
+      <a:lnRef idx="1">
+        <a:scrgbClr r="0" g="0" b="0"/>
+      </a:lnRef>
+      <a:fillRef idx="1">
+        <a:scrgbClr r="0" g="0" b="0"/>
+      </a:fillRef>
+      <a:effectRef idx="0">
+        <a:scrgbClr r="0" g="0" b="0"/>
+      </a:effectRef>
+      <a:fontRef idx="minor"/>
+    </dgm:style>
+  </dgm:styleLbl>
+  <dgm:styleLbl name="bgAcc1">
+    <dgm:scene3d>
+      <a:camera prst="orthographicFront"/>
+      <a:lightRig rig="threePt" dir="t"/>
+    </dgm:scene3d>
+    <dgm:sp3d/>
+    <dgm:txPr/>
+    <dgm:style>
+      <a:lnRef idx="2">
+        <a:scrgbClr r="0" g="0" b="0"/>
+      </a:lnRef>
+      <a:fillRef idx="1">
+        <a:scrgbClr r="0" g="0" b="0"/>
+      </a:fillRef>
+      <a:effectRef idx="0">
+        <a:scrgbClr r="0" g="0" b="0"/>
+      </a:effectRef>
+      <a:fontRef idx="minor"/>
+    </dgm:style>
+  </dgm:styleLbl>
+  <dgm:styleLbl name="solidFgAcc1">
+    <dgm:scene3d>
+      <a:camera prst="orthographicFront"/>
+      <a:lightRig rig="threePt" dir="t"/>
+    </dgm:scene3d>
+    <dgm:sp3d/>
+    <dgm:txPr/>
+    <dgm:style>
+      <a:lnRef idx="2">
+        <a:scrgbClr r="0" g="0" b="0"/>
+      </a:lnRef>
+      <a:fillRef idx="1">
+        <a:scrgbClr r="0" g="0" b="0"/>
+      </a:fillRef>
+      <a:effectRef idx="0">
+        <a:scrgbClr r="0" g="0" b="0"/>
+      </a:effectRef>
+      <a:fontRef idx="minor"/>
+    </dgm:style>
+  </dgm:styleLbl>
+  <dgm:styleLbl name="solidAlignAcc1">
+    <dgm:scene3d>
+      <a:camera prst="orthographicFront"/>
+      <a:lightRig rig="threePt" dir="t"/>
+    </dgm:scene3d>
+    <dgm:sp3d/>
+    <dgm:txPr/>
+    <dgm:style>
+      <a:lnRef idx="2">
+        <a:scrgbClr r="0" g="0" b="0"/>
+      </a:lnRef>
+      <a:fillRef idx="1">
+        <a:scrgbClr r="0" g="0" b="0"/>
+      </a:fillRef>
+      <a:effectRef idx="0">
+        <a:scrgbClr r="0" g="0" b="0"/>
+      </a:effectRef>
+      <a:fontRef idx="minor"/>
+    </dgm:style>
+  </dgm:styleLbl>
+  <dgm:styleLbl name="solidBgAcc1">
+    <dgm:scene3d>
+      <a:camera prst="orthographicFront"/>
+      <a:lightRig rig="threePt" dir="t"/>
+    </dgm:scene3d>
+    <dgm:sp3d/>
+    <dgm:txPr/>
+    <dgm:style>
+      <a:lnRef idx="2">
+        <a:scrgbClr r="0" g="0" b="0"/>
+      </a:lnRef>
+      <a:fillRef idx="1">
+        <a:scrgbClr r="0" g="0" b="0"/>
+      </a:fillRef>
+      <a:effectRef idx="0">
+        <a:scrgbClr r="0" g="0" b="0"/>
+      </a:effectRef>
+      <a:fontRef idx="minor"/>
+    </dgm:style>
+  </dgm:styleLbl>
+  <dgm:styleLbl name="fgAccFollowNode1">
+    <dgm:scene3d>
+      <a:camera prst="orthographicFront"/>
+      <a:lightRig rig="threePt" dir="t"/>
+    </dgm:scene3d>
+    <dgm:sp3d/>
+    <dgm:txPr/>
+    <dgm:style>
+      <a:lnRef idx="2">
+        <a:scrgbClr r="0" g="0" b="0"/>
+      </a:lnRef>
+      <a:fillRef idx="1">
+        <a:scrgbClr r="0" g="0" b="0"/>
+      </a:fillRef>
+      <a:effectRef idx="0">
+        <a:scrgbClr r="0" g="0" b="0"/>
+      </a:effectRef>
+      <a:fontRef idx="minor"/>
+    </dgm:style>
+  </dgm:styleLbl>
+  <dgm:styleLbl name="alignAccFollowNode1">
+    <dgm:scene3d>
+      <a:camera prst="orthographicFront"/>
+      <a:lightRig rig="threePt" dir="t"/>
+    </dgm:scene3d>
+    <dgm:sp3d/>
+    <dgm:txPr/>
+    <dgm:style>
+      <a:lnRef idx="2">
+        <a:scrgbClr r="0" g="0" b="0"/>
+      </a:lnRef>
+      <a:fillRef idx="1">
+        <a:scrgbClr r="0" g="0" b="0"/>
+      </a:fillRef>
+      <a:effectRef idx="0">
+        <a:scrgbClr r="0" g="0" b="0"/>
+      </a:effectRef>
+      <a:fontRef idx="minor"/>
+    </dgm:style>
+  </dgm:styleLbl>
+  <dgm:styleLbl name="bgAccFollowNode1">
+    <dgm:scene3d>
+      <a:camera prst="orthographicFront"/>
+      <a:lightRig rig="threePt" dir="t"/>
+    </dgm:scene3d>
+    <dgm:sp3d/>
+    <dgm:txPr/>
+    <dgm:style>
+      <a:lnRef idx="2">
+        <a:scrgbClr r="0" g="0" b="0"/>
+      </a:lnRef>
+      <a:fillRef idx="1">
+        <a:scrgbClr r="0" g="0" b="0"/>
+      </a:fillRef>
+      <a:effectRef idx="0">
+        <a:scrgbClr r="0" g="0" b="0"/>
+      </a:effectRef>
+      <a:fontRef idx="minor"/>
+    </dgm:style>
+  </dgm:styleLbl>
+  <dgm:styleLbl name="fgAcc0">
+    <dgm:scene3d>
+      <a:camera prst="orthographicFront"/>
+      <a:lightRig rig="threePt" dir="t"/>
+    </dgm:scene3d>
+    <dgm:sp3d/>
+    <dgm:txPr/>
+    <dgm:style>
+      <a:lnRef idx="2">
+        <a:scrgbClr r="0" g="0" b="0"/>
+      </a:lnRef>
+      <a:fillRef idx="1">
+        <a:scrgbClr r="0" g="0" b="0"/>
+      </a:fillRef>
+      <a:effectRef idx="0">
+        <a:scrgbClr r="0" g="0" b="0"/>
+      </a:effectRef>
+      <a:fontRef idx="minor"/>
+    </dgm:style>
+  </dgm:styleLbl>
+  <dgm:styleLbl name="fgAcc2">
+    <dgm:scene3d>
+      <a:camera prst="orthographicFront"/>
+      <a:lightRig rig="threePt" dir="t"/>
+    </dgm:scene3d>
+    <dgm:sp3d/>
+    <dgm:txPr/>
+    <dgm:style>
+      <a:lnRef idx="2">
+        <a:scrgbClr r="0" g="0" b="0"/>
+      </a:lnRef>
+      <a:fillRef idx="1">
+        <a:scrgbClr r="0" g="0" b="0"/>
+      </a:fillRef>
+      <a:effectRef idx="0">
+        <a:scrgbClr r="0" g="0" b="0"/>
+      </a:effectRef>
+      <a:fontRef idx="minor"/>
+    </dgm:style>
+  </dgm:styleLbl>
+  <dgm:styleLbl name="fgAcc3">
+    <dgm:scene3d>
+      <a:camera prst="orthographicFront"/>
+      <a:lightRig rig="threePt" dir="t"/>
+    </dgm:scene3d>
+    <dgm:sp3d/>
+    <dgm:txPr/>
+    <dgm:style>
+      <a:lnRef idx="2">
+        <a:scrgbClr r="0" g="0" b="0"/>
+      </a:lnRef>
+      <a:fillRef idx="1">
+        <a:scrgbClr r="0" g="0" b="0"/>
+      </a:fillRef>
+      <a:effectRef idx="0">
+        <a:scrgbClr r="0" g="0" b="0"/>
+      </a:effectRef>
+      <a:fontRef idx="minor"/>
+    </dgm:style>
+  </dgm:styleLbl>
+  <dgm:styleLbl name="fgAcc4">
+    <dgm:scene3d>
+      <a:camera prst="orthographicFront"/>
+      <a:lightRig rig="threePt" dir="t"/>
+    </dgm:scene3d>
+    <dgm:sp3d/>
+    <dgm:txPr/>
+    <dgm:style>
+      <a:lnRef idx="2">
+        <a:scrgbClr r="0" g="0" b="0"/>
+      </a:lnRef>
+      <a:fillRef idx="1">
+        <a:scrgbClr r="0" g="0" b="0"/>
+      </a:fillRef>
+      <a:effectRef idx="0">
+        <a:scrgbClr r="0" g="0" b="0"/>
+      </a:effectRef>
+      <a:fontRef idx="minor"/>
+    </dgm:style>
+  </dgm:styleLbl>
+  <dgm:styleLbl name="bgShp">
+    <dgm:scene3d>
+      <a:camera prst="orthographicFront"/>
+      <a:lightRig rig="threePt" dir="t"/>
+    </dgm:scene3d>
+    <dgm:sp3d/>
+    <dgm:txPr/>
+    <dgm:style>
+      <a:lnRef idx="0">
+        <a:scrgbClr r="0" g="0" b="0"/>
+      </a:lnRef>
+      <a:fillRef idx="1">
+        <a:scrgbClr r="0" g="0" b="0"/>
+      </a:fillRef>
+      <a:effectRef idx="0">
+        <a:scrgbClr r="0" g="0" b="0"/>
+      </a:effectRef>
+      <a:fontRef idx="minor"/>
+    </dgm:style>
+  </dgm:styleLbl>
+  <dgm:styleLbl name="dkBgShp">
+    <dgm:scene3d>
+      <a:camera prst="orthographicFront"/>
+      <a:lightRig rig="threePt" dir="t"/>
+    </dgm:scene3d>
+    <dgm:sp3d/>
+    <dgm:txPr/>
+    <dgm:style>
+      <a:lnRef idx="0">
+        <a:scrgbClr r="0" g="0" b="0"/>
+      </a:lnRef>
+      <a:fillRef idx="1">
+        <a:scrgbClr r="0" g="0" b="0"/>
+      </a:fillRef>
+      <a:effectRef idx="0">
+        <a:scrgbClr r="0" g="0" b="0"/>
+      </a:effectRef>
+      <a:fontRef idx="minor"/>
+    </dgm:style>
+  </dgm:styleLbl>
+  <dgm:styleLbl name="trBgShp">
+    <dgm:scene3d>
+      <a:camera prst="orthographicFront"/>
+      <a:lightRig rig="threePt" dir="t"/>
+    </dgm:scene3d>
+    <dgm:sp3d/>
+    <dgm:txPr/>
+    <dgm:style>
+      <a:lnRef idx="0">
+        <a:scrgbClr r="0" g="0" b="0"/>
+      </a:lnRef>
+      <a:fillRef idx="1">
+        <a:scrgbClr r="0" g="0" b="0"/>
+      </a:fillRef>
+      <a:effectRef idx="0">
+        <a:scrgbClr r="0" g="0" b="0"/>
+      </a:effectRef>
+      <a:fontRef idx="minor"/>
+    </dgm:style>
+  </dgm:styleLbl>
+  <dgm:styleLbl name="fgShp">
+    <dgm:scene3d>
+      <a:camera prst="orthographicFront"/>
+      <a:lightRig rig="threePt" dir="t"/>
+    </dgm:scene3d>
+    <dgm:sp3d/>
+    <dgm:txPr/>
+    <dgm:style>
+      <a:lnRef idx="2">
+        <a:scrgbClr r="0" g="0" b="0"/>
+      </a:lnRef>
+      <a:fillRef idx="1">
+        <a:scrgbClr r="0" g="0" b="0"/>
+      </a:fillRef>
+      <a:effectRef idx="0">
+        <a:scrgbClr r="0" g="0" b="0"/>
+      </a:effectRef>
+      <a:fontRef idx="minor"/>
+    </dgm:style>
+  </dgm:styleLbl>
+  <dgm:styleLbl name="revTx">
+    <dgm:scene3d>
+      <a:camera prst="orthographicFront"/>
+      <a:lightRig rig="threePt" dir="t"/>
+    </dgm:scene3d>
+    <dgm:sp3d/>
+    <dgm:txPr/>
+    <dgm:style>
+      <a:lnRef idx="0">
+        <a:scrgbClr r="0" g="0" b="0"/>
+      </a:lnRef>
+      <a:fillRef idx="0">
+        <a:scrgbClr r="0" g="0" b="0"/>
+      </a:fillRef>
+      <a:effectRef idx="0">
+        <a:scrgbClr r="0" g="0" b="0"/>
+      </a:effectRef>
+      <a:fontRef idx="minor"/>
+    </dgm:style>
+  </dgm:styleLbl>
+</dgm:styleDef>
+</file>
+
+<file path=ppt/diagrams/quickStyle4.xml><?xml version="1.0" encoding="utf-8"?>
 <dgm:styleDef xmlns:dgm="http://schemas.openxmlformats.org/drawingml/2006/diagram" xmlns:a="http://schemas.openxmlformats.org/drawingml/2006/main" uniqueId="urn:microsoft.com/office/officeart/2005/8/quickstyle/simple1">
   <dgm:title val=""/>
   <dgm:desc val=""/>
@@ -15212,95 +18331,6 @@
   <p:cSld>
     <p:spTree>
       <p:nvGrpSpPr>
-        <p:cNvPr id="1" name="">
-          <a:extLst>
-            <a:ext uri="{FF2B5EF4-FFF2-40B4-BE49-F238E27FC236}">
-              <a16:creationId xmlns:a16="http://schemas.microsoft.com/office/drawing/2014/main" id="{7934C9D9-B801-FE68-CA56-58B9DB1ED25E}"/>
-            </a:ext>
-          </a:extLst>
-        </p:cNvPr>
-        <p:cNvGrpSpPr/>
-        <p:nvPr/>
-      </p:nvGrpSpPr>
-      <p:grpSpPr>
-        <a:xfrm>
-          <a:off x="0" y="0"/>
-          <a:ext cx="0" cy="0"/>
-          <a:chOff x="0" y="0"/>
-          <a:chExt cx="0" cy="0"/>
-        </a:xfrm>
-      </p:grpSpPr>
-      <p:sp>
-        <p:nvSpPr>
-          <p:cNvPr id="2" name="Title 1">
-            <a:extLst>
-              <a:ext uri="{FF2B5EF4-FFF2-40B4-BE49-F238E27FC236}">
-                <a16:creationId xmlns:a16="http://schemas.microsoft.com/office/drawing/2014/main" id="{1F41D93A-130A-FC50-12E6-6D961A5B6B5C}"/>
-              </a:ext>
-            </a:extLst>
-          </p:cNvPr>
-          <p:cNvSpPr>
-            <a:spLocks noGrp="1"/>
-          </p:cNvSpPr>
-          <p:nvPr>
-            <p:ph type="ctrTitle"/>
-          </p:nvPr>
-        </p:nvSpPr>
-        <p:spPr/>
-        <p:txBody>
-          <a:bodyPr/>
-          <a:lstStyle/>
-          <a:p>
-            <a:r>
-              <a:rPr lang="da-DK" dirty="0"/>
-              <a:t>Demo!</a:t>
-            </a:r>
-          </a:p>
-        </p:txBody>
-      </p:sp>
-      <p:sp>
-        <p:nvSpPr>
-          <p:cNvPr id="3" name="Subtitle 2">
-            <a:extLst>
-              <a:ext uri="{FF2B5EF4-FFF2-40B4-BE49-F238E27FC236}">
-                <a16:creationId xmlns:a16="http://schemas.microsoft.com/office/drawing/2014/main" id="{8BEA287C-E0D9-3974-4E87-ED55F3C766B2}"/>
-              </a:ext>
-            </a:extLst>
-          </p:cNvPr>
-          <p:cNvSpPr>
-            <a:spLocks noGrp="1"/>
-          </p:cNvSpPr>
-          <p:nvPr>
-            <p:ph type="subTitle" idx="1"/>
-          </p:nvPr>
-        </p:nvSpPr>
-        <p:spPr/>
-        <p:txBody>
-          <a:bodyPr/>
-          <a:lstStyle/>
-          <a:p>
-            <a:endParaRPr lang="da-DK"/>
-          </a:p>
-        </p:txBody>
-      </p:sp>
-    </p:spTree>
-    <p:extLst>
-      <p:ext uri="{BB962C8B-B14F-4D97-AF65-F5344CB8AC3E}">
-        <p14:creationId xmlns:p14="http://schemas.microsoft.com/office/powerpoint/2010/main" val="2493589965"/>
-      </p:ext>
-    </p:extLst>
-  </p:cSld>
-  <p:clrMapOvr>
-    <a:masterClrMapping/>
-  </p:clrMapOvr>
-</p:sld>
-</file>
-
-<file path=ppt/slides/slide4.xml><?xml version="1.0" encoding="utf-8"?>
-<p:sld xmlns:a="http://schemas.openxmlformats.org/drawingml/2006/main" xmlns:r="http://schemas.openxmlformats.org/officeDocument/2006/relationships" xmlns:p="http://schemas.openxmlformats.org/presentationml/2006/main">
-  <p:cSld>
-    <p:spTree>
-      <p:nvGrpSpPr>
         <p:cNvPr id="1" name=""/>
         <p:cNvGrpSpPr/>
         <p:nvPr/>
@@ -15386,7 +18416,7 @@
 </p:sld>
 </file>
 
-<file path=ppt/slides/slide5.xml><?xml version="1.0" encoding="utf-8"?>
+<file path=ppt/slides/slide4.xml><?xml version="1.0" encoding="utf-8"?>
 <p:sld xmlns:a="http://schemas.openxmlformats.org/drawingml/2006/main" xmlns:r="http://schemas.openxmlformats.org/officeDocument/2006/relationships" xmlns:p="http://schemas.openxmlformats.org/presentationml/2006/main">
   <p:cSld>
     <p:spTree>
@@ -15681,6 +18711,64 @@
     <p:extLst>
       <p:ext uri="{BB962C8B-B14F-4D97-AF65-F5344CB8AC3E}">
         <p14:creationId xmlns:p14="http://schemas.microsoft.com/office/powerpoint/2010/main" val="654303725"/>
+      </p:ext>
+    </p:extLst>
+  </p:cSld>
+  <p:clrMapOvr>
+    <a:masterClrMapping/>
+  </p:clrMapOvr>
+</p:sld>
+</file>
+
+<file path=ppt/slides/slide5.xml><?xml version="1.0" encoding="utf-8"?>
+<p:sld xmlns:a="http://schemas.openxmlformats.org/drawingml/2006/main" xmlns:r="http://schemas.openxmlformats.org/officeDocument/2006/relationships" xmlns:p="http://schemas.openxmlformats.org/presentationml/2006/main">
+  <p:cSld>
+    <p:spTree>
+      <p:nvGrpSpPr>
+        <p:cNvPr id="1" name=""/>
+        <p:cNvGrpSpPr/>
+        <p:nvPr/>
+      </p:nvGrpSpPr>
+      <p:grpSpPr>
+        <a:xfrm>
+          <a:off x="0" y="0"/>
+          <a:ext cx="0" cy="0"/>
+          <a:chOff x="0" y="0"/>
+          <a:chExt cx="0" cy="0"/>
+        </a:xfrm>
+      </p:grpSpPr>
+      <p:graphicFrame>
+        <p:nvGraphicFramePr>
+          <p:cNvPr id="3" name="Diagram 2">
+            <a:extLst>
+              <a:ext uri="{FF2B5EF4-FFF2-40B4-BE49-F238E27FC236}">
+                <a16:creationId xmlns:a16="http://schemas.microsoft.com/office/drawing/2014/main" id="{C9970F5D-0A0F-E7B6-3F47-4D2387A9672E}"/>
+              </a:ext>
+            </a:extLst>
+          </p:cNvPr>
+          <p:cNvGraphicFramePr/>
+          <p:nvPr>
+            <p:extLst>
+              <p:ext uri="{D42A27DB-BD31-4B8C-83A1-F6EECF244321}">
+                <p14:modId xmlns:p14="http://schemas.microsoft.com/office/powerpoint/2010/main" val="3327042170"/>
+              </p:ext>
+            </p:extLst>
+          </p:nvPr>
+        </p:nvGraphicFramePr>
+        <p:xfrm>
+          <a:off x="2032000" y="719666"/>
+          <a:ext cx="8128000" cy="5418667"/>
+        </p:xfrm>
+        <a:graphic>
+          <a:graphicData uri="http://schemas.openxmlformats.org/drawingml/2006/diagram">
+            <dgm:relIds xmlns:dgm="http://schemas.openxmlformats.org/drawingml/2006/diagram" xmlns:r="http://schemas.openxmlformats.org/officeDocument/2006/relationships" r:dm="rId2" r:lo="rId3" r:qs="rId4" r:cs="rId5"/>
+          </a:graphicData>
+        </a:graphic>
+      </p:graphicFrame>
+    </p:spTree>
+    <p:extLst>
+      <p:ext uri="{BB962C8B-B14F-4D97-AF65-F5344CB8AC3E}">
+        <p14:creationId xmlns:p14="http://schemas.microsoft.com/office/powerpoint/2010/main" val="3258487924"/>
       </p:ext>
     </p:extLst>
   </p:cSld>

--- a/T-SQL Code analysis.pptx
+++ b/T-SQL Code analysis.pptx
@@ -13133,7 +13133,7 @@
           <a:p>
             <a:fld id="{100FD589-5CEC-4C5D-B34D-E6C06527026F}" type="datetimeFigureOut">
               <a:rPr lang="da-DK" smtClean="0"/>
-              <a:t>26-01-2025</a:t>
+              <a:t>28-01-2025</a:t>
             </a:fld>
             <a:endParaRPr lang="da-DK"/>
           </a:p>
@@ -13333,7 +13333,7 @@
           <a:p>
             <a:fld id="{100FD589-5CEC-4C5D-B34D-E6C06527026F}" type="datetimeFigureOut">
               <a:rPr lang="da-DK" smtClean="0"/>
-              <a:t>26-01-2025</a:t>
+              <a:t>28-01-2025</a:t>
             </a:fld>
             <a:endParaRPr lang="da-DK"/>
           </a:p>
@@ -13543,7 +13543,7 @@
           <a:p>
             <a:fld id="{100FD589-5CEC-4C5D-B34D-E6C06527026F}" type="datetimeFigureOut">
               <a:rPr lang="da-DK" smtClean="0"/>
-              <a:t>26-01-2025</a:t>
+              <a:t>28-01-2025</a:t>
             </a:fld>
             <a:endParaRPr lang="da-DK"/>
           </a:p>
@@ -13743,7 +13743,7 @@
           <a:p>
             <a:fld id="{100FD589-5CEC-4C5D-B34D-E6C06527026F}" type="datetimeFigureOut">
               <a:rPr lang="da-DK" smtClean="0"/>
-              <a:t>26-01-2025</a:t>
+              <a:t>28-01-2025</a:t>
             </a:fld>
             <a:endParaRPr lang="da-DK"/>
           </a:p>
@@ -14019,7 +14019,7 @@
           <a:p>
             <a:fld id="{100FD589-5CEC-4C5D-B34D-E6C06527026F}" type="datetimeFigureOut">
               <a:rPr lang="da-DK" smtClean="0"/>
-              <a:t>26-01-2025</a:t>
+              <a:t>28-01-2025</a:t>
             </a:fld>
             <a:endParaRPr lang="da-DK"/>
           </a:p>
@@ -14287,7 +14287,7 @@
           <a:p>
             <a:fld id="{100FD589-5CEC-4C5D-B34D-E6C06527026F}" type="datetimeFigureOut">
               <a:rPr lang="da-DK" smtClean="0"/>
-              <a:t>26-01-2025</a:t>
+              <a:t>28-01-2025</a:t>
             </a:fld>
             <a:endParaRPr lang="da-DK"/>
           </a:p>
@@ -14702,7 +14702,7 @@
           <a:p>
             <a:fld id="{100FD589-5CEC-4C5D-B34D-E6C06527026F}" type="datetimeFigureOut">
               <a:rPr lang="da-DK" smtClean="0"/>
-              <a:t>26-01-2025</a:t>
+              <a:t>28-01-2025</a:t>
             </a:fld>
             <a:endParaRPr lang="da-DK"/>
           </a:p>
@@ -14844,7 +14844,7 @@
           <a:p>
             <a:fld id="{100FD589-5CEC-4C5D-B34D-E6C06527026F}" type="datetimeFigureOut">
               <a:rPr lang="da-DK" smtClean="0"/>
-              <a:t>26-01-2025</a:t>
+              <a:t>28-01-2025</a:t>
             </a:fld>
             <a:endParaRPr lang="da-DK"/>
           </a:p>
@@ -14957,7 +14957,7 @@
           <a:p>
             <a:fld id="{100FD589-5CEC-4C5D-B34D-E6C06527026F}" type="datetimeFigureOut">
               <a:rPr lang="da-DK" smtClean="0"/>
-              <a:t>26-01-2025</a:t>
+              <a:t>28-01-2025</a:t>
             </a:fld>
             <a:endParaRPr lang="da-DK"/>
           </a:p>
@@ -15270,7 +15270,7 @@
           <a:p>
             <a:fld id="{100FD589-5CEC-4C5D-B34D-E6C06527026F}" type="datetimeFigureOut">
               <a:rPr lang="da-DK" smtClean="0"/>
-              <a:t>26-01-2025</a:t>
+              <a:t>28-01-2025</a:t>
             </a:fld>
             <a:endParaRPr lang="da-DK"/>
           </a:p>
@@ -15559,7 +15559,7 @@
           <a:p>
             <a:fld id="{100FD589-5CEC-4C5D-B34D-E6C06527026F}" type="datetimeFigureOut">
               <a:rPr lang="da-DK" smtClean="0"/>
-              <a:t>26-01-2025</a:t>
+              <a:t>28-01-2025</a:t>
             </a:fld>
             <a:endParaRPr lang="da-DK"/>
           </a:p>
@@ -15802,7 +15802,7 @@
           <a:p>
             <a:fld id="{100FD589-5CEC-4C5D-B34D-E6C06527026F}" type="datetimeFigureOut">
               <a:rPr lang="da-DK" smtClean="0"/>
-              <a:t>26-01-2025</a:t>
+              <a:t>28-01-2025</a:t>
             </a:fld>
             <a:endParaRPr lang="da-DK"/>
           </a:p>
@@ -18943,14 +18943,14 @@
             <p:ph idx="1"/>
             <p:extLst>
               <p:ext uri="{D42A27DB-BD31-4B8C-83A1-F6EECF244321}">
-                <p14:modId xmlns:p14="http://schemas.microsoft.com/office/powerpoint/2010/main" val="1709445855"/>
+                <p14:modId xmlns:p14="http://schemas.microsoft.com/office/powerpoint/2010/main" val="1434882745"/>
               </p:ext>
             </p:extLst>
           </p:nvPr>
         </p:nvGraphicFramePr>
         <p:xfrm>
           <a:off x="838200" y="1825625"/>
-          <a:ext cx="10515597" cy="4114800"/>
+          <a:ext cx="10515597" cy="4937760"/>
         </p:xfrm>
         <a:graphic>
           <a:graphicData uri="http://schemas.openxmlformats.org/drawingml/2006/table">
@@ -19204,6 +19204,18 @@
                         <a:t>✔ </a:t>
                       </a:r>
                       <a:r>
+                        <a:rPr lang="da-DK" sz="2400" b="0" i="0" kern="1200">
+                          <a:solidFill>
+                            <a:schemeClr val="tx1"/>
+                          </a:solidFill>
+                          <a:effectLst/>
+                          <a:latin typeface="+mn-lt"/>
+                          <a:ea typeface="+mn-ea"/>
+                          <a:cs typeface="+mn-cs"/>
+                        </a:rPr>
+                        <a:t>(120</a:t>
+                      </a:r>
+                      <a:r>
                         <a:rPr lang="da-DK" sz="2400" b="0" i="0" kern="1200" dirty="0">
                           <a:solidFill>
                             <a:schemeClr val="tx1"/>
@@ -19213,7 +19225,7 @@
                           <a:ea typeface="+mn-ea"/>
                           <a:cs typeface="+mn-cs"/>
                         </a:rPr>
-                        <a:t>(140+ </a:t>
+                        <a:t>+ </a:t>
                       </a:r>
                       <a:r>
                         <a:rPr lang="da-DK" sz="2400" b="0" i="0" kern="1200" dirty="0" err="1">
@@ -19345,7 +19357,7 @@
                           <a:ea typeface="+mn-ea"/>
                           <a:cs typeface="+mn-cs"/>
                         </a:rPr>
-                        <a:t>access</a:t>
+                        <a:t>only</a:t>
                       </a:r>
                       <a:r>
                         <a:rPr lang="da-DK" sz="2400" b="0" i="0" kern="1200" dirty="0">
@@ -19829,7 +19841,7 @@
                           <a:ea typeface="+mn-ea"/>
                           <a:cs typeface="+mn-cs"/>
                         </a:rPr>
-                        <a:t>❌ (none)</a:t>
+                        <a:t>❌</a:t>
                       </a:r>
                       <a:endParaRPr lang="da-DK" sz="2400" dirty="0"/>
                     </a:p>
@@ -19878,6 +19890,132 @@
                 <a:extLst>
                   <a:ext uri="{0D108BD9-81ED-4DB2-BD59-A6C34878D82A}">
                     <a16:rowId xmlns:a16="http://schemas.microsoft.com/office/drawing/2014/main" val="3582690175"/>
+                  </a:ext>
+                </a:extLst>
+              </a:tr>
+              <a:tr h="370840">
+                <a:tc>
+                  <a:txBody>
+                    <a:bodyPr/>
+                    <a:lstStyle/>
+                    <a:p>
+                      <a:r>
+                        <a:rPr lang="da-DK" sz="2400" dirty="0"/>
+                        <a:t>SQL CLR</a:t>
+                      </a:r>
+                    </a:p>
+                  </a:txBody>
+                  <a:tcPr/>
+                </a:tc>
+                <a:tc>
+                  <a:txBody>
+                    <a:bodyPr/>
+                    <a:lstStyle/>
+                    <a:p>
+                      <a:pPr algn="ctr"/>
+                      <a:r>
+                        <a:rPr lang="da-DK" sz="2400" b="0" i="0" kern="1200" dirty="0">
+                          <a:solidFill>
+                            <a:schemeClr val="accent6"/>
+                          </a:solidFill>
+                          <a:effectLst/>
+                          <a:latin typeface="+mn-lt"/>
+                          <a:ea typeface="+mn-ea"/>
+                          <a:cs typeface="+mn-cs"/>
+                        </a:rPr>
+                        <a:t>✔</a:t>
+                      </a:r>
+                      <a:endParaRPr lang="da-DK" sz="2400" dirty="0"/>
+                    </a:p>
+                  </a:txBody>
+                  <a:tcPr/>
+                </a:tc>
+                <a:tc>
+                  <a:txBody>
+                    <a:bodyPr/>
+                    <a:lstStyle/>
+                    <a:p>
+                      <a:pPr marL="0" marR="0" lvl="0" indent="0" algn="ctr" defTabSz="914400" rtl="0" eaLnBrk="1" fontAlgn="auto" latinLnBrk="0" hangingPunct="1">
+                        <a:lnSpc>
+                          <a:spcPct val="100000"/>
+                        </a:lnSpc>
+                        <a:spcBef>
+                          <a:spcPts val="0"/>
+                        </a:spcBef>
+                        <a:spcAft>
+                          <a:spcPts val="0"/>
+                        </a:spcAft>
+                        <a:buClrTx/>
+                        <a:buSzTx/>
+                        <a:buFontTx/>
+                        <a:buNone/>
+                        <a:tabLst/>
+                        <a:defRPr/>
+                      </a:pPr>
+                      <a:r>
+                        <a:rPr lang="da-DK" sz="2400" b="0" i="0" kern="1200" dirty="0">
+                          <a:solidFill>
+                            <a:schemeClr val="dk1"/>
+                          </a:solidFill>
+                          <a:effectLst/>
+                          <a:latin typeface="+mn-lt"/>
+                          <a:ea typeface="+mn-ea"/>
+                          <a:cs typeface="+mn-cs"/>
+                        </a:rPr>
+                        <a:t>❌ (</a:t>
+                      </a:r>
+                      <a:r>
+                        <a:rPr lang="da-DK" sz="2400" b="0" i="0" kern="1200" dirty="0" err="1">
+                          <a:solidFill>
+                            <a:schemeClr val="dk1"/>
+                          </a:solidFill>
+                          <a:effectLst/>
+                          <a:latin typeface="+mn-lt"/>
+                          <a:ea typeface="+mn-ea"/>
+                          <a:cs typeface="+mn-cs"/>
+                        </a:rPr>
+                        <a:t>workaround</a:t>
+                      </a:r>
+                      <a:r>
+                        <a:rPr lang="da-DK" sz="2400" b="0" i="0" kern="1200" dirty="0">
+                          <a:solidFill>
+                            <a:schemeClr val="dk1"/>
+                          </a:solidFill>
+                          <a:effectLst/>
+                          <a:latin typeface="+mn-lt"/>
+                          <a:ea typeface="+mn-ea"/>
+                          <a:cs typeface="+mn-cs"/>
+                        </a:rPr>
+                        <a:t>)</a:t>
+                      </a:r>
+                      <a:endParaRPr lang="da-DK" sz="2400" dirty="0"/>
+                    </a:p>
+                    <a:p>
+                      <a:pPr marL="0" marR="0" lvl="0" indent="0" algn="ctr" defTabSz="914400" rtl="0" eaLnBrk="1" fontAlgn="auto" latinLnBrk="0" hangingPunct="1">
+                        <a:lnSpc>
+                          <a:spcPct val="100000"/>
+                        </a:lnSpc>
+                        <a:spcBef>
+                          <a:spcPts val="0"/>
+                        </a:spcBef>
+                        <a:spcAft>
+                          <a:spcPts val="0"/>
+                        </a:spcAft>
+                        <a:buClrTx/>
+                        <a:buSzTx/>
+                        <a:buFontTx/>
+                        <a:buNone/>
+                        <a:tabLst/>
+                        <a:defRPr/>
+                      </a:pPr>
+                      <a:endParaRPr lang="da-DK" sz="2400" dirty="0"/>
+                    </a:p>
+                  </a:txBody>
+                  <a:tcPr/>
+                </a:tc>
+                <a:extLst>
+                  <a:ext uri="{0D108BD9-81ED-4DB2-BD59-A6C34878D82A}">
+                    <a16:rowId xmlns:a16="http://schemas.microsoft.com/office/drawing/2014/main" val="1246472582"/>
                   </a:ext>
                 </a:extLst>
               </a:tr>

--- a/T-SQL Code analysis.pptx
+++ b/T-SQL Code analysis.pptx
@@ -13,13 +13,13 @@
     <p:sldId id="264" r:id="rId7"/>
     <p:sldId id="257" r:id="rId8"/>
     <p:sldId id="284" r:id="rId9"/>
-    <p:sldId id="279" r:id="rId10"/>
-    <p:sldId id="266" r:id="rId11"/>
-    <p:sldId id="283" r:id="rId12"/>
-    <p:sldId id="256" r:id="rId13"/>
-    <p:sldId id="258" r:id="rId14"/>
-    <p:sldId id="267" r:id="rId15"/>
-    <p:sldId id="275" r:id="rId16"/>
+    <p:sldId id="266" r:id="rId10"/>
+    <p:sldId id="283" r:id="rId11"/>
+    <p:sldId id="256" r:id="rId12"/>
+    <p:sldId id="258" r:id="rId13"/>
+    <p:sldId id="267" r:id="rId14"/>
+    <p:sldId id="275" r:id="rId15"/>
+    <p:sldId id="279" r:id="rId16"/>
   </p:sldIdLst>
   <p:sldSz cx="12192000" cy="6858000"/>
   <p:notesSz cx="6858000" cy="9144000"/>
@@ -13133,7 +13133,7 @@
           <a:p>
             <a:fld id="{100FD589-5CEC-4C5D-B34D-E6C06527026F}" type="datetimeFigureOut">
               <a:rPr lang="da-DK" smtClean="0"/>
-              <a:t>28-01-2025</a:t>
+              <a:t>31-01-2025</a:t>
             </a:fld>
             <a:endParaRPr lang="da-DK"/>
           </a:p>
@@ -13333,7 +13333,7 @@
           <a:p>
             <a:fld id="{100FD589-5CEC-4C5D-B34D-E6C06527026F}" type="datetimeFigureOut">
               <a:rPr lang="da-DK" smtClean="0"/>
-              <a:t>28-01-2025</a:t>
+              <a:t>31-01-2025</a:t>
             </a:fld>
             <a:endParaRPr lang="da-DK"/>
           </a:p>
@@ -13543,7 +13543,7 @@
           <a:p>
             <a:fld id="{100FD589-5CEC-4C5D-B34D-E6C06527026F}" type="datetimeFigureOut">
               <a:rPr lang="da-DK" smtClean="0"/>
-              <a:t>28-01-2025</a:t>
+              <a:t>31-01-2025</a:t>
             </a:fld>
             <a:endParaRPr lang="da-DK"/>
           </a:p>
@@ -13743,7 +13743,7 @@
           <a:p>
             <a:fld id="{100FD589-5CEC-4C5D-B34D-E6C06527026F}" type="datetimeFigureOut">
               <a:rPr lang="da-DK" smtClean="0"/>
-              <a:t>28-01-2025</a:t>
+              <a:t>31-01-2025</a:t>
             </a:fld>
             <a:endParaRPr lang="da-DK"/>
           </a:p>
@@ -14019,7 +14019,7 @@
           <a:p>
             <a:fld id="{100FD589-5CEC-4C5D-B34D-E6C06527026F}" type="datetimeFigureOut">
               <a:rPr lang="da-DK" smtClean="0"/>
-              <a:t>28-01-2025</a:t>
+              <a:t>31-01-2025</a:t>
             </a:fld>
             <a:endParaRPr lang="da-DK"/>
           </a:p>
@@ -14287,7 +14287,7 @@
           <a:p>
             <a:fld id="{100FD589-5CEC-4C5D-B34D-E6C06527026F}" type="datetimeFigureOut">
               <a:rPr lang="da-DK" smtClean="0"/>
-              <a:t>28-01-2025</a:t>
+              <a:t>31-01-2025</a:t>
             </a:fld>
             <a:endParaRPr lang="da-DK"/>
           </a:p>
@@ -14702,7 +14702,7 @@
           <a:p>
             <a:fld id="{100FD589-5CEC-4C5D-B34D-E6C06527026F}" type="datetimeFigureOut">
               <a:rPr lang="da-DK" smtClean="0"/>
-              <a:t>28-01-2025</a:t>
+              <a:t>31-01-2025</a:t>
             </a:fld>
             <a:endParaRPr lang="da-DK"/>
           </a:p>
@@ -14844,7 +14844,7 @@
           <a:p>
             <a:fld id="{100FD589-5CEC-4C5D-B34D-E6C06527026F}" type="datetimeFigureOut">
               <a:rPr lang="da-DK" smtClean="0"/>
-              <a:t>28-01-2025</a:t>
+              <a:t>31-01-2025</a:t>
             </a:fld>
             <a:endParaRPr lang="da-DK"/>
           </a:p>
@@ -14957,7 +14957,7 @@
           <a:p>
             <a:fld id="{100FD589-5CEC-4C5D-B34D-E6C06527026F}" type="datetimeFigureOut">
               <a:rPr lang="da-DK" smtClean="0"/>
-              <a:t>28-01-2025</a:t>
+              <a:t>31-01-2025</a:t>
             </a:fld>
             <a:endParaRPr lang="da-DK"/>
           </a:p>
@@ -15270,7 +15270,7 @@
           <a:p>
             <a:fld id="{100FD589-5CEC-4C5D-B34D-E6C06527026F}" type="datetimeFigureOut">
               <a:rPr lang="da-DK" smtClean="0"/>
-              <a:t>28-01-2025</a:t>
+              <a:t>31-01-2025</a:t>
             </a:fld>
             <a:endParaRPr lang="da-DK"/>
           </a:p>
@@ -15559,7 +15559,7 @@
           <a:p>
             <a:fld id="{100FD589-5CEC-4C5D-B34D-E6C06527026F}" type="datetimeFigureOut">
               <a:rPr lang="da-DK" smtClean="0"/>
-              <a:t>28-01-2025</a:t>
+              <a:t>31-01-2025</a:t>
             </a:fld>
             <a:endParaRPr lang="da-DK"/>
           </a:p>
@@ -15802,7 +15802,7 @@
           <a:p>
             <a:fld id="{100FD589-5CEC-4C5D-B34D-E6C06527026F}" type="datetimeFigureOut">
               <a:rPr lang="da-DK" smtClean="0"/>
-              <a:t>28-01-2025</a:t>
+              <a:t>31-01-2025</a:t>
             </a:fld>
             <a:endParaRPr lang="da-DK"/>
           </a:p>
@@ -16305,600 +16305,6 @@
 <file path=ppt/slides/slide10.xml><?xml version="1.0" encoding="utf-8"?>
 <p:sld xmlns:a="http://schemas.openxmlformats.org/drawingml/2006/main" xmlns:r="http://schemas.openxmlformats.org/officeDocument/2006/relationships" xmlns:p="http://schemas.openxmlformats.org/presentationml/2006/main">
   <p:cSld>
-    <p:bg>
-      <p:bgPr>
-        <a:solidFill>
-          <a:schemeClr val="bg1"/>
-        </a:solidFill>
-        <a:effectLst/>
-      </p:bgPr>
-    </p:bg>
-    <p:spTree>
-      <p:nvGrpSpPr>
-        <p:cNvPr id="1" name=""/>
-        <p:cNvGrpSpPr/>
-        <p:nvPr/>
-      </p:nvGrpSpPr>
-      <p:grpSpPr>
-        <a:xfrm>
-          <a:off x="0" y="0"/>
-          <a:ext cx="0" cy="0"/>
-          <a:chOff x="0" y="0"/>
-          <a:chExt cx="0" cy="0"/>
-        </a:xfrm>
-      </p:grpSpPr>
-      <p:sp useBgFill="1">
-        <p:nvSpPr>
-          <p:cNvPr id="10" name="Rectangle 9">
-            <a:extLst>
-              <a:ext uri="{FF2B5EF4-FFF2-40B4-BE49-F238E27FC236}">
-                <a16:creationId xmlns:a16="http://schemas.microsoft.com/office/drawing/2014/main" id="{743AA782-23D1-4521-8CAD-47662984AA08}"/>
-              </a:ext>
-              <a:ext uri="{C183D7F6-B498-43B3-948B-1728B52AA6E4}">
-                <adec:decorative xmlns:adec="http://schemas.microsoft.com/office/drawing/2017/decorative" val="1"/>
-              </a:ext>
-            </a:extLst>
-          </p:cNvPr>
-          <p:cNvSpPr>
-            <a:spLocks noGrp="1" noRot="1" noChangeAspect="1" noMove="1" noResize="1" noEditPoints="1" noAdjustHandles="1" noChangeArrowheads="1" noChangeShapeType="1" noTextEdit="1"/>
-          </p:cNvSpPr>
-          <p:nvPr>
-            <p:extLst>
-              <p:ext uri="{386F3935-93C4-4BCD-93E2-E3B085C9AB24}">
-                <p16:designElem xmlns:p16="http://schemas.microsoft.com/office/powerpoint/2015/main" val="1"/>
-              </p:ext>
-            </p:extLst>
-          </p:nvPr>
-        </p:nvSpPr>
-        <p:spPr>
-          <a:xfrm>
-            <a:off x="0" y="0"/>
-            <a:ext cx="12192000" cy="6858000"/>
-          </a:xfrm>
-          <a:prstGeom prst="rect">
-            <a:avLst/>
-          </a:prstGeom>
-          <a:ln>
-            <a:noFill/>
-          </a:ln>
-        </p:spPr>
-        <p:style>
-          <a:lnRef idx="2">
-            <a:schemeClr val="accent1">
-              <a:shade val="50000"/>
-            </a:schemeClr>
-          </a:lnRef>
-          <a:fillRef idx="1">
-            <a:schemeClr val="accent1"/>
-          </a:fillRef>
-          <a:effectRef idx="0">
-            <a:schemeClr val="accent1"/>
-          </a:effectRef>
-          <a:fontRef idx="minor">
-            <a:schemeClr val="lt1"/>
-          </a:fontRef>
-        </p:style>
-        <p:txBody>
-          <a:bodyPr rtlCol="0" anchor="ctr"/>
-          <a:lstStyle/>
-          <a:p>
-            <a:pPr algn="ctr"/>
-            <a:endParaRPr lang="en-US"/>
-          </a:p>
-        </p:txBody>
-      </p:sp>
-      <p:sp>
-        <p:nvSpPr>
-          <p:cNvPr id="2" name="Title 1">
-            <a:extLst>
-              <a:ext uri="{FF2B5EF4-FFF2-40B4-BE49-F238E27FC236}">
-                <a16:creationId xmlns:a16="http://schemas.microsoft.com/office/drawing/2014/main" id="{852AC18E-06F7-297B-4A55-D3F36AEDEDBD}"/>
-              </a:ext>
-            </a:extLst>
-          </p:cNvPr>
-          <p:cNvSpPr>
-            <a:spLocks noGrp="1"/>
-          </p:cNvSpPr>
-          <p:nvPr>
-            <p:ph type="title"/>
-          </p:nvPr>
-        </p:nvSpPr>
-        <p:spPr>
-          <a:xfrm>
-            <a:off x="630936" y="640080"/>
-            <a:ext cx="4818888" cy="1481328"/>
-          </a:xfrm>
-        </p:spPr>
-        <p:txBody>
-          <a:bodyPr anchor="b">
-            <a:normAutofit/>
-          </a:bodyPr>
-          <a:lstStyle/>
-          <a:p>
-            <a:r>
-              <a:rPr lang="da-DK" sz="5400"/>
-              <a:t>CTA</a:t>
-            </a:r>
-          </a:p>
-        </p:txBody>
-      </p:sp>
-      <p:sp>
-        <p:nvSpPr>
-          <p:cNvPr id="12" name="sketch line">
-            <a:extLst>
-              <a:ext uri="{FF2B5EF4-FFF2-40B4-BE49-F238E27FC236}">
-                <a16:creationId xmlns:a16="http://schemas.microsoft.com/office/drawing/2014/main" id="{71877DBC-BB60-40F0-AC93-2ACDBAAE60CE}"/>
-              </a:ext>
-              <a:ext uri="{C183D7F6-B498-43B3-948B-1728B52AA6E4}">
-                <adec:decorative xmlns:adec="http://schemas.microsoft.com/office/drawing/2017/decorative" val="1"/>
-              </a:ext>
-            </a:extLst>
-          </p:cNvPr>
-          <p:cNvSpPr>
-            <a:spLocks noGrp="1" noRot="1" noChangeAspect="1" noMove="1" noResize="1" noEditPoints="1" noAdjustHandles="1" noChangeArrowheads="1" noChangeShapeType="1" noTextEdit="1"/>
-          </p:cNvSpPr>
-          <p:nvPr>
-            <p:extLst>
-              <p:ext uri="{386F3935-93C4-4BCD-93E2-E3B085C9AB24}">
-                <p16:designElem xmlns:p16="http://schemas.microsoft.com/office/powerpoint/2015/main" val="1"/>
-              </p:ext>
-            </p:extLst>
-          </p:nvPr>
-        </p:nvSpPr>
-        <p:spPr>
-          <a:xfrm>
-            <a:off x="643278" y="2372868"/>
-            <a:ext cx="3255095" cy="18288"/>
-          </a:xfrm>
-          <a:custGeom>
-            <a:avLst/>
-            <a:gdLst>
-              <a:gd name="connsiteX0" fmla="*/ 0 w 3255095"/>
-              <a:gd name="connsiteY0" fmla="*/ 0 h 18288"/>
-              <a:gd name="connsiteX1" fmla="*/ 618468 w 3255095"/>
-              <a:gd name="connsiteY1" fmla="*/ 0 h 18288"/>
-              <a:gd name="connsiteX2" fmla="*/ 1269487 w 3255095"/>
-              <a:gd name="connsiteY2" fmla="*/ 0 h 18288"/>
-              <a:gd name="connsiteX3" fmla="*/ 1953057 w 3255095"/>
-              <a:gd name="connsiteY3" fmla="*/ 0 h 18288"/>
-              <a:gd name="connsiteX4" fmla="*/ 2636627 w 3255095"/>
-              <a:gd name="connsiteY4" fmla="*/ 0 h 18288"/>
-              <a:gd name="connsiteX5" fmla="*/ 3255095 w 3255095"/>
-              <a:gd name="connsiteY5" fmla="*/ 0 h 18288"/>
-              <a:gd name="connsiteX6" fmla="*/ 3255095 w 3255095"/>
-              <a:gd name="connsiteY6" fmla="*/ 18288 h 18288"/>
-              <a:gd name="connsiteX7" fmla="*/ 2538974 w 3255095"/>
-              <a:gd name="connsiteY7" fmla="*/ 18288 h 18288"/>
-              <a:gd name="connsiteX8" fmla="*/ 1822853 w 3255095"/>
-              <a:gd name="connsiteY8" fmla="*/ 18288 h 18288"/>
-              <a:gd name="connsiteX9" fmla="*/ 1171834 w 3255095"/>
-              <a:gd name="connsiteY9" fmla="*/ 18288 h 18288"/>
-              <a:gd name="connsiteX10" fmla="*/ 0 w 3255095"/>
-              <a:gd name="connsiteY10" fmla="*/ 18288 h 18288"/>
-              <a:gd name="connsiteX11" fmla="*/ 0 w 3255095"/>
-              <a:gd name="connsiteY11" fmla="*/ 0 h 18288"/>
-            </a:gdLst>
-            <a:ahLst/>
-            <a:cxnLst>
-              <a:cxn ang="0">
-                <a:pos x="connsiteX0" y="connsiteY0"/>
-              </a:cxn>
-              <a:cxn ang="0">
-                <a:pos x="connsiteX1" y="connsiteY1"/>
-              </a:cxn>
-              <a:cxn ang="0">
-                <a:pos x="connsiteX2" y="connsiteY2"/>
-              </a:cxn>
-              <a:cxn ang="0">
-                <a:pos x="connsiteX3" y="connsiteY3"/>
-              </a:cxn>
-              <a:cxn ang="0">
-                <a:pos x="connsiteX4" y="connsiteY4"/>
-              </a:cxn>
-              <a:cxn ang="0">
-                <a:pos x="connsiteX5" y="connsiteY5"/>
-              </a:cxn>
-              <a:cxn ang="0">
-                <a:pos x="connsiteX6" y="connsiteY6"/>
-              </a:cxn>
-              <a:cxn ang="0">
-                <a:pos x="connsiteX7" y="connsiteY7"/>
-              </a:cxn>
-              <a:cxn ang="0">
-                <a:pos x="connsiteX8" y="connsiteY8"/>
-              </a:cxn>
-              <a:cxn ang="0">
-                <a:pos x="connsiteX9" y="connsiteY9"/>
-              </a:cxn>
-              <a:cxn ang="0">
-                <a:pos x="connsiteX10" y="connsiteY10"/>
-              </a:cxn>
-              <a:cxn ang="0">
-                <a:pos x="connsiteX11" y="connsiteY11"/>
-              </a:cxn>
-            </a:cxnLst>
-            <a:rect l="l" t="t" r="r" b="b"/>
-            <a:pathLst>
-              <a:path w="3255095" h="18288" fill="none" extrusionOk="0">
-                <a:moveTo>
-                  <a:pt x="0" y="0"/>
-                </a:moveTo>
-                <a:cubicBezTo>
-                  <a:pt x="240201" y="-22123"/>
-                  <a:pt x="462021" y="-19623"/>
-                  <a:pt x="618468" y="0"/>
-                </a:cubicBezTo>
-                <a:cubicBezTo>
-                  <a:pt x="774915" y="19623"/>
-                  <a:pt x="974734" y="2035"/>
-                  <a:pt x="1269487" y="0"/>
-                </a:cubicBezTo>
-                <a:cubicBezTo>
-                  <a:pt x="1564240" y="-2035"/>
-                  <a:pt x="1733579" y="10639"/>
-                  <a:pt x="1953057" y="0"/>
-                </a:cubicBezTo>
-                <a:cubicBezTo>
-                  <a:pt x="2172535" y="-10639"/>
-                  <a:pt x="2453962" y="14018"/>
-                  <a:pt x="2636627" y="0"/>
-                </a:cubicBezTo>
-                <a:cubicBezTo>
-                  <a:pt x="2819292" y="-14018"/>
-                  <a:pt x="3121375" y="5399"/>
-                  <a:pt x="3255095" y="0"/>
-                </a:cubicBezTo>
-                <a:cubicBezTo>
-                  <a:pt x="3254386" y="8157"/>
-                  <a:pt x="3254682" y="12125"/>
-                  <a:pt x="3255095" y="18288"/>
-                </a:cubicBezTo>
-                <a:cubicBezTo>
-                  <a:pt x="3088545" y="23203"/>
-                  <a:pt x="2687475" y="7419"/>
-                  <a:pt x="2538974" y="18288"/>
-                </a:cubicBezTo>
-                <a:cubicBezTo>
-                  <a:pt x="2390473" y="29157"/>
-                  <a:pt x="2137381" y="-8959"/>
-                  <a:pt x="1822853" y="18288"/>
-                </a:cubicBezTo>
-                <a:cubicBezTo>
-                  <a:pt x="1508325" y="45535"/>
-                  <a:pt x="1466437" y="20385"/>
-                  <a:pt x="1171834" y="18288"/>
-                </a:cubicBezTo>
-                <a:cubicBezTo>
-                  <a:pt x="877231" y="16191"/>
-                  <a:pt x="561097" y="37643"/>
-                  <a:pt x="0" y="18288"/>
-                </a:cubicBezTo>
-                <a:cubicBezTo>
-                  <a:pt x="-46" y="12483"/>
-                  <a:pt x="-203" y="6491"/>
-                  <a:pt x="0" y="0"/>
-                </a:cubicBezTo>
-                <a:close/>
-              </a:path>
-              <a:path w="3255095" h="18288" stroke="0" extrusionOk="0">
-                <a:moveTo>
-                  <a:pt x="0" y="0"/>
-                </a:moveTo>
-                <a:cubicBezTo>
-                  <a:pt x="291965" y="19429"/>
-                  <a:pt x="363155" y="8568"/>
-                  <a:pt x="618468" y="0"/>
-                </a:cubicBezTo>
-                <a:cubicBezTo>
-                  <a:pt x="873781" y="-8568"/>
-                  <a:pt x="904459" y="-19505"/>
-                  <a:pt x="1171834" y="0"/>
-                </a:cubicBezTo>
-                <a:cubicBezTo>
-                  <a:pt x="1439209" y="19505"/>
-                  <a:pt x="1744369" y="9790"/>
-                  <a:pt x="1887955" y="0"/>
-                </a:cubicBezTo>
-                <a:cubicBezTo>
-                  <a:pt x="2031541" y="-9790"/>
-                  <a:pt x="2346378" y="21240"/>
-                  <a:pt x="2506423" y="0"/>
-                </a:cubicBezTo>
-                <a:cubicBezTo>
-                  <a:pt x="2666468" y="-21240"/>
-                  <a:pt x="2990257" y="30414"/>
-                  <a:pt x="3255095" y="0"/>
-                </a:cubicBezTo>
-                <a:cubicBezTo>
-                  <a:pt x="3254831" y="4493"/>
-                  <a:pt x="3255479" y="9472"/>
-                  <a:pt x="3255095" y="18288"/>
-                </a:cubicBezTo>
-                <a:cubicBezTo>
-                  <a:pt x="3120743" y="16690"/>
-                  <a:pt x="2759628" y="42462"/>
-                  <a:pt x="2604076" y="18288"/>
-                </a:cubicBezTo>
-                <a:cubicBezTo>
-                  <a:pt x="2448524" y="-5886"/>
-                  <a:pt x="2184336" y="19599"/>
-                  <a:pt x="1887955" y="18288"/>
-                </a:cubicBezTo>
-                <a:cubicBezTo>
-                  <a:pt x="1591574" y="16977"/>
-                  <a:pt x="1548845" y="6870"/>
-                  <a:pt x="1334589" y="18288"/>
-                </a:cubicBezTo>
-                <a:cubicBezTo>
-                  <a:pt x="1120333" y="29706"/>
-                  <a:pt x="996014" y="9662"/>
-                  <a:pt x="683570" y="18288"/>
-                </a:cubicBezTo>
-                <a:cubicBezTo>
-                  <a:pt x="371126" y="26914"/>
-                  <a:pt x="198687" y="16167"/>
-                  <a:pt x="0" y="18288"/>
-                </a:cubicBezTo>
-                <a:cubicBezTo>
-                  <a:pt x="843" y="9577"/>
-                  <a:pt x="371" y="6900"/>
-                  <a:pt x="0" y="0"/>
-                </a:cubicBezTo>
-                <a:close/>
-              </a:path>
-            </a:pathLst>
-          </a:custGeom>
-          <a:solidFill>
-            <a:schemeClr val="accent2"/>
-          </a:solidFill>
-          <a:ln w="38100" cap="rnd">
-            <a:solidFill>
-              <a:schemeClr val="accent2"/>
-            </a:solidFill>
-            <a:round/>
-            <a:extLst>
-              <a:ext uri="{C807C97D-BFC1-408E-A445-0C87EB9F89A2}">
-                <ask:lineSketchStyleProps xmlns:ask="http://schemas.microsoft.com/office/drawing/2018/sketchyshapes" sd="1219033472">
-                  <a:prstGeom prst="rect">
-                    <a:avLst/>
-                  </a:prstGeom>
-                  <ask:type>
-                    <ask:lineSketchFreehand/>
-                  </ask:type>
-                </ask:lineSketchStyleProps>
-              </a:ext>
-            </a:extLst>
-          </a:ln>
-        </p:spPr>
-        <p:style>
-          <a:lnRef idx="2">
-            <a:schemeClr val="accent1">
-              <a:shade val="50000"/>
-            </a:schemeClr>
-          </a:lnRef>
-          <a:fillRef idx="1">
-            <a:schemeClr val="accent1"/>
-          </a:fillRef>
-          <a:effectRef idx="0">
-            <a:schemeClr val="accent1"/>
-          </a:effectRef>
-          <a:fontRef idx="minor">
-            <a:schemeClr val="lt1"/>
-          </a:fontRef>
-        </p:style>
-        <p:txBody>
-          <a:bodyPr rtlCol="0" anchor="ctr"/>
-          <a:lstStyle/>
-          <a:p>
-            <a:pPr algn="ctr"/>
-            <a:endParaRPr lang="en-US"/>
-          </a:p>
-        </p:txBody>
-      </p:sp>
-      <p:sp>
-        <p:nvSpPr>
-          <p:cNvPr id="3" name="Content Placeholder 2">
-            <a:extLst>
-              <a:ext uri="{FF2B5EF4-FFF2-40B4-BE49-F238E27FC236}">
-                <a16:creationId xmlns:a16="http://schemas.microsoft.com/office/drawing/2014/main" id="{98B6C42F-8CB3-FB57-D11C-4033DD156FEC}"/>
-              </a:ext>
-            </a:extLst>
-          </p:cNvPr>
-          <p:cNvSpPr>
-            <a:spLocks noGrp="1"/>
-          </p:cNvSpPr>
-          <p:nvPr>
-            <p:ph idx="1"/>
-          </p:nvPr>
-        </p:nvSpPr>
-        <p:spPr>
-          <a:xfrm>
-            <a:off x="630936" y="2660904"/>
-            <a:ext cx="6122202" cy="3547872"/>
-          </a:xfrm>
-        </p:spPr>
-        <p:txBody>
-          <a:bodyPr anchor="t">
-            <a:normAutofit/>
-          </a:bodyPr>
-          <a:lstStyle/>
-          <a:p>
-            <a:r>
-              <a:rPr lang="da-DK" sz="2200" dirty="0" err="1"/>
-              <a:t>Add</a:t>
-            </a:r>
-            <a:r>
-              <a:rPr lang="da-DK" sz="2200" dirty="0"/>
-              <a:t> </a:t>
-            </a:r>
-            <a:r>
-              <a:rPr lang="da-DK" sz="2200" dirty="0" err="1"/>
-              <a:t>you</a:t>
-            </a:r>
-            <a:r>
-              <a:rPr lang="da-DK" sz="2200" dirty="0"/>
-              <a:t> database </a:t>
-            </a:r>
-            <a:r>
-              <a:rPr lang="da-DK" sz="2200" dirty="0" err="1"/>
-              <a:t>schema</a:t>
-            </a:r>
-            <a:r>
-              <a:rPr lang="da-DK" sz="2200" dirty="0"/>
-              <a:t> to source </a:t>
-            </a:r>
-            <a:r>
-              <a:rPr lang="da-DK" sz="2200" dirty="0" err="1"/>
-              <a:t>control</a:t>
-            </a:r>
-            <a:endParaRPr lang="da-DK" sz="2200" dirty="0"/>
-          </a:p>
-          <a:p>
-            <a:r>
-              <a:rPr lang="da-DK" sz="2200" dirty="0" err="1"/>
-              <a:t>Enable</a:t>
-            </a:r>
-            <a:r>
-              <a:rPr lang="da-DK" sz="2200" dirty="0"/>
-              <a:t> </a:t>
-            </a:r>
-            <a:r>
-              <a:rPr lang="da-DK" sz="2200" dirty="0" err="1"/>
-              <a:t>code</a:t>
-            </a:r>
-            <a:r>
-              <a:rPr lang="da-DK" sz="2200" dirty="0"/>
-              <a:t> </a:t>
-            </a:r>
-            <a:r>
-              <a:rPr lang="da-DK" sz="2200" dirty="0" err="1"/>
-              <a:t>analysis</a:t>
-            </a:r>
-            <a:r>
-              <a:rPr lang="da-DK" sz="2200" dirty="0"/>
-              <a:t> </a:t>
-            </a:r>
-            <a:r>
-              <a:rPr lang="da-DK" sz="2200" dirty="0" err="1"/>
-              <a:t>locally</a:t>
-            </a:r>
-            <a:r>
-              <a:rPr lang="da-DK" sz="2200" dirty="0"/>
-              <a:t> and in CI</a:t>
-            </a:r>
-          </a:p>
-          <a:p>
-            <a:r>
-              <a:rPr lang="da-DK" sz="2200" dirty="0" err="1"/>
-              <a:t>Optional</a:t>
-            </a:r>
-            <a:r>
-              <a:rPr lang="da-DK" sz="2200" dirty="0"/>
-              <a:t>: </a:t>
-            </a:r>
-            <a:r>
-              <a:rPr lang="da-DK" sz="2200" dirty="0" err="1"/>
-              <a:t>Create</a:t>
-            </a:r>
-            <a:r>
-              <a:rPr lang="da-DK" sz="2200" dirty="0"/>
-              <a:t> </a:t>
-            </a:r>
-            <a:r>
-              <a:rPr lang="da-DK" sz="2200" dirty="0" err="1"/>
-              <a:t>your</a:t>
-            </a:r>
-            <a:r>
-              <a:rPr lang="da-DK" sz="2200" dirty="0"/>
-              <a:t> </a:t>
-            </a:r>
-            <a:r>
-              <a:rPr lang="da-DK" sz="2200" dirty="0" err="1"/>
-              <a:t>own</a:t>
-            </a:r>
-            <a:r>
-              <a:rPr lang="da-DK" sz="2200" dirty="0"/>
-              <a:t> </a:t>
-            </a:r>
-            <a:r>
-              <a:rPr lang="da-DK" sz="2200" dirty="0" err="1"/>
-              <a:t>rules</a:t>
-            </a:r>
-            <a:r>
-              <a:rPr lang="da-DK" sz="2200" dirty="0"/>
-              <a:t> and </a:t>
-            </a:r>
-            <a:r>
-              <a:rPr lang="da-DK" sz="2200" dirty="0" err="1"/>
-              <a:t>contribute</a:t>
-            </a:r>
-            <a:r>
-              <a:rPr lang="da-DK" sz="2200" dirty="0"/>
-              <a:t> </a:t>
-            </a:r>
-            <a:r>
-              <a:rPr lang="da-DK" sz="2200" dirty="0" err="1"/>
-              <a:t>them</a:t>
-            </a:r>
-            <a:r>
-              <a:rPr lang="da-DK" sz="2200" dirty="0"/>
-              <a:t> back to the community</a:t>
-            </a:r>
-          </a:p>
-          <a:p>
-            <a:r>
-              <a:rPr lang="da-DK" sz="2200" dirty="0"/>
-              <a:t>Q &amp; A</a:t>
-            </a:r>
-          </a:p>
-        </p:txBody>
-      </p:sp>
-      <p:pic>
-        <p:nvPicPr>
-          <p:cNvPr id="5" name="Picture 4" descr="A qr code with black dots&#10;&#10;Description automatically generated">
-            <a:extLst>
-              <a:ext uri="{FF2B5EF4-FFF2-40B4-BE49-F238E27FC236}">
-                <a16:creationId xmlns:a16="http://schemas.microsoft.com/office/drawing/2014/main" id="{1ACEDAF7-1A70-3E40-9618-12BBF5CB9F25}"/>
-              </a:ext>
-            </a:extLst>
-          </p:cNvPr>
-          <p:cNvPicPr>
-            <a:picLocks noChangeAspect="1"/>
-          </p:cNvPicPr>
-          <p:nvPr/>
-        </p:nvPicPr>
-        <p:blipFill>
-          <a:blip r:embed="rId2"/>
-          <a:stretch>
-            <a:fillRect/>
-          </a:stretch>
-        </p:blipFill>
-        <p:spPr>
-          <a:xfrm>
-            <a:off x="6862194" y="904031"/>
-            <a:ext cx="4695822" cy="4343974"/>
-          </a:xfrm>
-          <a:prstGeom prst="rect">
-            <a:avLst/>
-          </a:prstGeom>
-        </p:spPr>
-      </p:pic>
-    </p:spTree>
-    <p:extLst>
-      <p:ext uri="{BB962C8B-B14F-4D97-AF65-F5344CB8AC3E}">
-        <p14:creationId xmlns:p14="http://schemas.microsoft.com/office/powerpoint/2010/main" val="1406646759"/>
-      </p:ext>
-    </p:extLst>
-  </p:cSld>
-  <p:clrMapOvr>
-    <a:masterClrMapping/>
-  </p:clrMapOvr>
-</p:sld>
-</file>
-
-<file path=ppt/slides/slide11.xml><?xml version="1.0" encoding="utf-8"?>
-<p:sld xmlns:a="http://schemas.openxmlformats.org/drawingml/2006/main" xmlns:r="http://schemas.openxmlformats.org/officeDocument/2006/relationships" xmlns:p="http://schemas.openxmlformats.org/presentationml/2006/main">
-  <p:cSld>
     <p:spTree>
       <p:nvGrpSpPr>
         <p:cNvPr id="1" name="">
@@ -17002,15 +16408,7 @@
           <a:p>
             <a:r>
               <a:rPr lang="da-DK" sz="3200" dirty="0"/>
-              <a:t>How </a:t>
-            </a:r>
-            <a:r>
-              <a:rPr lang="da-DK" sz="3200"/>
-              <a:t>do I </a:t>
-            </a:r>
-            <a:r>
-              <a:rPr lang="da-DK" sz="3200" dirty="0"/>
-              <a:t>”seed data” to </a:t>
+              <a:t>How do I ”seed data” to </a:t>
             </a:r>
             <a:r>
               <a:rPr lang="da-DK" sz="3200" dirty="0" err="1"/>
@@ -17192,7 +16590,7 @@
 </p:sld>
 </file>
 
-<file path=ppt/slides/slide12.xml><?xml version="1.0" encoding="utf-8"?>
+<file path=ppt/slides/slide11.xml><?xml version="1.0" encoding="utf-8"?>
 <p:sld xmlns:a="http://schemas.openxmlformats.org/drawingml/2006/main" xmlns:r="http://schemas.openxmlformats.org/officeDocument/2006/relationships" xmlns:p="http://schemas.openxmlformats.org/presentationml/2006/main">
   <p:cSld>
     <p:spTree>
@@ -17311,7 +16709,7 @@
 </p:sld>
 </file>
 
-<file path=ppt/slides/slide13.xml><?xml version="1.0" encoding="utf-8"?>
+<file path=ppt/slides/slide12.xml><?xml version="1.0" encoding="utf-8"?>
 <p:sld xmlns:a="http://schemas.openxmlformats.org/drawingml/2006/main" xmlns:r="http://schemas.openxmlformats.org/officeDocument/2006/relationships" xmlns:p="http://schemas.openxmlformats.org/presentationml/2006/main">
   <p:cSld>
     <p:bg>
@@ -17551,7 +16949,7 @@
 </p:sld>
 </file>
 
-<file path=ppt/slides/slide14.xml><?xml version="1.0" encoding="utf-8"?>
+<file path=ppt/slides/slide13.xml><?xml version="1.0" encoding="utf-8"?>
 <p:sld xmlns:a="http://schemas.openxmlformats.org/drawingml/2006/main" xmlns:r="http://schemas.openxmlformats.org/officeDocument/2006/relationships" xmlns:p="http://schemas.openxmlformats.org/presentationml/2006/main">
   <p:cSld>
     <p:spTree>
@@ -17884,7 +17282,7 @@
 </p:sld>
 </file>
 
-<file path=ppt/slides/slide15.xml><?xml version="1.0" encoding="utf-8"?>
+<file path=ppt/slides/slide14.xml><?xml version="1.0" encoding="utf-8"?>
 <p:sld xmlns:a="http://schemas.openxmlformats.org/drawingml/2006/main" xmlns:r="http://schemas.openxmlformats.org/officeDocument/2006/relationships" xmlns:p="http://schemas.openxmlformats.org/presentationml/2006/main">
   <p:cSld>
     <p:spTree>
@@ -18062,6 +17460,260 @@
 </p:sld>
 </file>
 
+<file path=ppt/slides/slide15.xml><?xml version="1.0" encoding="utf-8"?>
+<p:sld xmlns:a="http://schemas.openxmlformats.org/drawingml/2006/main" xmlns:r="http://schemas.openxmlformats.org/officeDocument/2006/relationships" xmlns:p="http://schemas.openxmlformats.org/presentationml/2006/main">
+  <p:cSld>
+    <p:spTree>
+      <p:nvGrpSpPr>
+        <p:cNvPr id="1" name=""/>
+        <p:cNvGrpSpPr/>
+        <p:nvPr/>
+      </p:nvGrpSpPr>
+      <p:grpSpPr>
+        <a:xfrm>
+          <a:off x="0" y="0"/>
+          <a:ext cx="0" cy="0"/>
+          <a:chOff x="0" y="0"/>
+          <a:chExt cx="0" cy="0"/>
+        </a:xfrm>
+      </p:grpSpPr>
+      <p:sp>
+        <p:nvSpPr>
+          <p:cNvPr id="2" name="Title 1">
+            <a:extLst>
+              <a:ext uri="{FF2B5EF4-FFF2-40B4-BE49-F238E27FC236}">
+                <a16:creationId xmlns:a16="http://schemas.microsoft.com/office/drawing/2014/main" id="{BCD0543B-85D0-70D6-E8C0-825E5B0CC031}"/>
+              </a:ext>
+            </a:extLst>
+          </p:cNvPr>
+          <p:cNvSpPr>
+            <a:spLocks noGrp="1"/>
+          </p:cNvSpPr>
+          <p:nvPr>
+            <p:ph type="title"/>
+          </p:nvPr>
+        </p:nvSpPr>
+        <p:spPr>
+          <a:xfrm>
+            <a:off x="1136397" y="502020"/>
+            <a:ext cx="5323715" cy="1642970"/>
+          </a:xfrm>
+        </p:spPr>
+        <p:txBody>
+          <a:bodyPr anchor="b">
+            <a:normAutofit/>
+          </a:bodyPr>
+          <a:lstStyle/>
+          <a:p>
+            <a:r>
+              <a:rPr lang="da-DK" sz="4000" dirty="0" err="1"/>
+              <a:t>Why</a:t>
+            </a:r>
+            <a:r>
+              <a:rPr lang="da-DK" sz="4000" dirty="0"/>
+              <a:t> .</a:t>
+            </a:r>
+            <a:r>
+              <a:rPr lang="da-DK" sz="4000" dirty="0" err="1"/>
+              <a:t>dacpac</a:t>
+            </a:r>
+            <a:r>
+              <a:rPr lang="da-DK" sz="4000" dirty="0"/>
+              <a:t>?</a:t>
+            </a:r>
+          </a:p>
+        </p:txBody>
+      </p:sp>
+      <p:sp>
+        <p:nvSpPr>
+          <p:cNvPr id="3" name="Content Placeholder 2">
+            <a:extLst>
+              <a:ext uri="{FF2B5EF4-FFF2-40B4-BE49-F238E27FC236}">
+                <a16:creationId xmlns:a16="http://schemas.microsoft.com/office/drawing/2014/main" id="{1D37BAAB-2AC4-7032-7DAE-B031E2D35A0C}"/>
+              </a:ext>
+            </a:extLst>
+          </p:cNvPr>
+          <p:cNvSpPr>
+            <a:spLocks noGrp="1"/>
+          </p:cNvSpPr>
+          <p:nvPr>
+            <p:ph idx="1"/>
+          </p:nvPr>
+        </p:nvSpPr>
+        <p:spPr>
+          <a:xfrm>
+            <a:off x="457200" y="2923622"/>
+            <a:ext cx="7168293" cy="3578777"/>
+          </a:xfrm>
+        </p:spPr>
+        <p:txBody>
+          <a:bodyPr anchor="t">
+            <a:normAutofit/>
+          </a:bodyPr>
+          <a:lstStyle/>
+          <a:p>
+            <a:r>
+              <a:rPr lang="da-DK" dirty="0" err="1"/>
+              <a:t>Ensure</a:t>
+            </a:r>
+            <a:r>
+              <a:rPr lang="da-DK" dirty="0"/>
+              <a:t> high </a:t>
+            </a:r>
+            <a:r>
+              <a:rPr lang="da-DK" dirty="0" err="1"/>
+              <a:t>quality</a:t>
+            </a:r>
+            <a:r>
+              <a:rPr lang="da-DK" dirty="0"/>
+              <a:t> and </a:t>
+            </a:r>
+            <a:r>
+              <a:rPr lang="da-DK" dirty="0" err="1"/>
+              <a:t>consistent</a:t>
+            </a:r>
+            <a:r>
+              <a:rPr lang="da-DK" dirty="0"/>
+              <a:t> SQL </a:t>
+            </a:r>
+            <a:r>
+              <a:rPr lang="da-DK" dirty="0" err="1"/>
+              <a:t>schema</a:t>
+            </a:r>
+            <a:r>
+              <a:rPr lang="da-DK" dirty="0"/>
+              <a:t> under source </a:t>
+            </a:r>
+            <a:r>
+              <a:rPr lang="da-DK" dirty="0" err="1"/>
+              <a:t>control</a:t>
+            </a:r>
+            <a:endParaRPr lang="da-DK" dirty="0"/>
+          </a:p>
+          <a:p>
+            <a:r>
+              <a:rPr lang="da-DK" dirty="0" err="1"/>
+              <a:t>Enforce</a:t>
+            </a:r>
+            <a:r>
+              <a:rPr lang="da-DK" dirty="0"/>
+              <a:t> design, performance and security </a:t>
+            </a:r>
+            <a:r>
+              <a:rPr lang="da-DK" dirty="0" err="1"/>
+              <a:t>rules</a:t>
+            </a:r>
+            <a:endParaRPr lang="da-DK" dirty="0"/>
+          </a:p>
+          <a:p>
+            <a:r>
+              <a:rPr lang="da-DK" dirty="0" err="1"/>
+              <a:t>Desired</a:t>
+            </a:r>
+            <a:r>
+              <a:rPr lang="da-DK" dirty="0"/>
+              <a:t> </a:t>
+            </a:r>
+            <a:r>
+              <a:rPr lang="da-DK" dirty="0" err="1"/>
+              <a:t>state</a:t>
+            </a:r>
+            <a:r>
+              <a:rPr lang="da-DK" dirty="0"/>
+              <a:t> </a:t>
+            </a:r>
+            <a:r>
+              <a:rPr lang="da-DK" dirty="0" err="1"/>
+              <a:t>configuration</a:t>
+            </a:r>
+            <a:endParaRPr lang="da-DK" dirty="0"/>
+          </a:p>
+          <a:p>
+            <a:r>
+              <a:rPr lang="da-DK" dirty="0" err="1"/>
+              <a:t>Publish</a:t>
+            </a:r>
+            <a:r>
+              <a:rPr lang="da-DK" dirty="0"/>
+              <a:t> </a:t>
+            </a:r>
+            <a:r>
+              <a:rPr lang="da-DK" dirty="0" err="1"/>
+              <a:t>magic</a:t>
+            </a:r>
+            <a:r>
+              <a:rPr lang="da-DK" dirty="0"/>
+              <a:t>!</a:t>
+            </a:r>
+          </a:p>
+          <a:p>
+            <a:endParaRPr lang="da-DK" dirty="0"/>
+          </a:p>
+          <a:p>
+            <a:endParaRPr lang="da-DK" sz="2000" dirty="0"/>
+          </a:p>
+        </p:txBody>
+      </p:sp>
+      <p:pic>
+        <p:nvPicPr>
+          <p:cNvPr id="1028" name="Picture 4" descr="it's magic - Album on Imgur">
+            <a:extLst>
+              <a:ext uri="{FF2B5EF4-FFF2-40B4-BE49-F238E27FC236}">
+                <a16:creationId xmlns:a16="http://schemas.microsoft.com/office/drawing/2014/main" id="{672BB7EB-32D7-CC82-0F37-1B439A402A01}"/>
+              </a:ext>
+            </a:extLst>
+          </p:cNvPr>
+          <p:cNvPicPr>
+            <a:picLocks noChangeAspect="1" noChangeArrowheads="1"/>
+          </p:cNvPicPr>
+          <p:nvPr/>
+        </p:nvPicPr>
+        <p:blipFill>
+          <a:blip r:embed="rId2">
+            <a:extLst>
+              <a:ext uri="{28A0092B-C50C-407E-A947-70E740481C1C}">
+                <a14:useLocalDpi xmlns:a14="http://schemas.microsoft.com/office/drawing/2010/main" val="0"/>
+              </a:ext>
+            </a:extLst>
+          </a:blip>
+          <a:srcRect/>
+          <a:stretch>
+            <a:fillRect/>
+          </a:stretch>
+        </p:blipFill>
+        <p:spPr bwMode="auto">
+          <a:xfrm>
+            <a:off x="7596509" y="1473981"/>
+            <a:ext cx="3910014" cy="3910014"/>
+          </a:xfrm>
+          <a:prstGeom prst="rect">
+            <a:avLst/>
+          </a:prstGeom>
+          <a:noFill/>
+          <a:extLst>
+            <a:ext uri="{909E8E84-426E-40DD-AFC4-6F175D3DCCD1}">
+              <a14:hiddenFill xmlns:a14="http://schemas.microsoft.com/office/drawing/2010/main">
+                <a:solidFill>
+                  <a:srgbClr val="FFFFFF"/>
+                </a:solidFill>
+              </a14:hiddenFill>
+            </a:ext>
+          </a:extLst>
+        </p:spPr>
+      </p:pic>
+    </p:spTree>
+    <p:extLst>
+      <p:ext uri="{BB962C8B-B14F-4D97-AF65-F5344CB8AC3E}">
+        <p14:creationId xmlns:p14="http://schemas.microsoft.com/office/powerpoint/2010/main" val="2126355379"/>
+      </p:ext>
+    </p:extLst>
+  </p:cSld>
+  <p:clrMapOvr>
+    <a:masterClrMapping/>
+  </p:clrMapOvr>
+</p:sld>
+</file>
+
 <file path=ppt/slides/slide2.xml><?xml version="1.0" encoding="utf-8"?>
 <p:sld xmlns:a="http://schemas.openxmlformats.org/drawingml/2006/main" xmlns:r="http://schemas.openxmlformats.org/officeDocument/2006/relationships" xmlns:p="http://schemas.openxmlformats.org/presentationml/2006/main">
   <p:cSld>
@@ -18132,7 +17784,7 @@
         <p:spPr/>
         <p:txBody>
           <a:bodyPr>
-            <a:normAutofit/>
+            <a:normAutofit fontScale="92500" lnSpcReduction="10000"/>
           </a:bodyPr>
           <a:lstStyle/>
           <a:p>
@@ -18304,6 +17956,21 @@
               <a:rPr lang="da-DK" sz="3200" dirty="0"/>
               <a:t>)</a:t>
             </a:r>
+          </a:p>
+          <a:p>
+            <a:r>
+              <a:rPr lang="da-DK" sz="3200" dirty="0"/>
+              <a:t>No proper </a:t>
+            </a:r>
+            <a:r>
+              <a:rPr lang="da-DK" sz="3200" dirty="0" err="1"/>
+              <a:t>NuGet</a:t>
+            </a:r>
+            <a:r>
+              <a:rPr lang="da-DK" sz="3200"/>
+              <a:t> integration</a:t>
+            </a:r>
+            <a:endParaRPr lang="da-DK" sz="3200" dirty="0"/>
           </a:p>
           <a:p>
             <a:pPr marL="0" indent="0">
@@ -18943,14 +18610,14 @@
             <p:ph idx="1"/>
             <p:extLst>
               <p:ext uri="{D42A27DB-BD31-4B8C-83A1-F6EECF244321}">
-                <p14:modId xmlns:p14="http://schemas.microsoft.com/office/powerpoint/2010/main" val="1434882745"/>
+                <p14:modId xmlns:p14="http://schemas.microsoft.com/office/powerpoint/2010/main" val="89096666"/>
               </p:ext>
             </p:extLst>
           </p:nvPr>
         </p:nvGraphicFramePr>
         <p:xfrm>
           <a:off x="838200" y="1825625"/>
-          <a:ext cx="10515597" cy="4937760"/>
+          <a:ext cx="10515597" cy="4572000"/>
         </p:xfrm>
         <a:graphic>
           <a:graphicData uri="http://schemas.openxmlformats.org/drawingml/2006/table">
@@ -19034,6 +18701,22 @@
                       <a:r>
                         <a:rPr lang="da-DK" sz="2400" dirty="0" err="1"/>
                         <a:t>Create</a:t>
+                      </a:r>
+                      <a:r>
+                        <a:rPr lang="da-DK" sz="2400" dirty="0"/>
+                        <a:t>, </a:t>
+                      </a:r>
+                      <a:r>
+                        <a:rPr lang="da-DK" sz="2400" dirty="0" err="1"/>
+                        <a:t>build</a:t>
+                      </a:r>
+                      <a:r>
+                        <a:rPr lang="da-DK" sz="2400" dirty="0"/>
+                        <a:t>, </a:t>
+                      </a:r>
+                      <a:r>
+                        <a:rPr lang="da-DK" sz="2400" dirty="0" err="1"/>
+                        <a:t>publish</a:t>
                       </a:r>
                       <a:r>
                         <a:rPr lang="da-DK" sz="2400" dirty="0"/>
@@ -19807,7 +19490,7 @@
                     <a:p>
                       <a:r>
                         <a:rPr lang="da-DK" sz="2400" dirty="0" err="1"/>
-                        <a:t>Extensive</a:t>
+                        <a:t>NuGet</a:t>
                       </a:r>
                       <a:r>
                         <a:rPr lang="da-DK" sz="2400" dirty="0"/>
@@ -19815,11 +19498,27 @@
                       </a:r>
                       <a:r>
                         <a:rPr lang="da-DK" sz="2400" dirty="0" err="1"/>
-                        <a:t>NuGet</a:t>
+                        <a:t>pack</a:t>
                       </a:r>
                       <a:r>
                         <a:rPr lang="da-DK" sz="2400" dirty="0"/>
-                        <a:t> support</a:t>
+                        <a:t> (.</a:t>
+                      </a:r>
+                      <a:r>
+                        <a:rPr lang="da-DK" sz="2400" dirty="0" err="1"/>
+                        <a:t>dacpac</a:t>
+                      </a:r>
+                      <a:r>
+                        <a:rPr lang="da-DK" sz="2400" dirty="0"/>
+                        <a:t>/</a:t>
+                      </a:r>
+                      <a:r>
+                        <a:rPr lang="da-DK" sz="2400" dirty="0" err="1"/>
+                        <a:t>rules</a:t>
+                      </a:r>
+                      <a:r>
+                        <a:rPr lang="da-DK" sz="2400" dirty="0"/>
+                        <a:t>)</a:t>
                       </a:r>
                     </a:p>
                   </a:txBody>
@@ -19990,26 +19689,6 @@
                       </a:r>
                       <a:endParaRPr lang="da-DK" sz="2400" dirty="0"/>
                     </a:p>
-                    <a:p>
-                      <a:pPr marL="0" marR="0" lvl="0" indent="0" algn="ctr" defTabSz="914400" rtl="0" eaLnBrk="1" fontAlgn="auto" latinLnBrk="0" hangingPunct="1">
-                        <a:lnSpc>
-                          <a:spcPct val="100000"/>
-                        </a:lnSpc>
-                        <a:spcBef>
-                          <a:spcPts val="0"/>
-                        </a:spcBef>
-                        <a:spcAft>
-                          <a:spcPts val="0"/>
-                        </a:spcAft>
-                        <a:buClrTx/>
-                        <a:buSzTx/>
-                        <a:buFontTx/>
-                        <a:buNone/>
-                        <a:tabLst/>
-                        <a:defRPr/>
-                      </a:pPr>
-                      <a:endParaRPr lang="da-DK" sz="2400" dirty="0"/>
-                    </a:p>
                   </a:txBody>
                   <a:tcPr/>
                 </a:tc>
@@ -20133,6 +19812,14 @@
 <file path=ppt/slides/slide9.xml><?xml version="1.0" encoding="utf-8"?>
 <p:sld xmlns:a="http://schemas.openxmlformats.org/drawingml/2006/main" xmlns:r="http://schemas.openxmlformats.org/officeDocument/2006/relationships" xmlns:p="http://schemas.openxmlformats.org/presentationml/2006/main">
   <p:cSld>
+    <p:bg>
+      <p:bgPr>
+        <a:solidFill>
+          <a:schemeClr val="bg1"/>
+        </a:solidFill>
+        <a:effectLst/>
+      </p:bgPr>
+    </p:bg>
     <p:spTree>
       <p:nvGrpSpPr>
         <p:cNvPr id="1" name=""/>
@@ -20147,12 +19834,72 @@
           <a:chExt cx="0" cy="0"/>
         </a:xfrm>
       </p:grpSpPr>
+      <p:sp useBgFill="1">
+        <p:nvSpPr>
+          <p:cNvPr id="10" name="Rectangle 9">
+            <a:extLst>
+              <a:ext uri="{FF2B5EF4-FFF2-40B4-BE49-F238E27FC236}">
+                <a16:creationId xmlns:a16="http://schemas.microsoft.com/office/drawing/2014/main" id="{743AA782-23D1-4521-8CAD-47662984AA08}"/>
+              </a:ext>
+              <a:ext uri="{C183D7F6-B498-43B3-948B-1728B52AA6E4}">
+                <adec:decorative xmlns:adec="http://schemas.microsoft.com/office/drawing/2017/decorative" val="1"/>
+              </a:ext>
+            </a:extLst>
+          </p:cNvPr>
+          <p:cNvSpPr>
+            <a:spLocks noGrp="1" noRot="1" noChangeAspect="1" noMove="1" noResize="1" noEditPoints="1" noAdjustHandles="1" noChangeArrowheads="1" noChangeShapeType="1" noTextEdit="1"/>
+          </p:cNvSpPr>
+          <p:nvPr>
+            <p:extLst>
+              <p:ext uri="{386F3935-93C4-4BCD-93E2-E3B085C9AB24}">
+                <p16:designElem xmlns:p16="http://schemas.microsoft.com/office/powerpoint/2015/main" val="1"/>
+              </p:ext>
+            </p:extLst>
+          </p:nvPr>
+        </p:nvSpPr>
+        <p:spPr>
+          <a:xfrm>
+            <a:off x="0" y="0"/>
+            <a:ext cx="12192000" cy="6858000"/>
+          </a:xfrm>
+          <a:prstGeom prst="rect">
+            <a:avLst/>
+          </a:prstGeom>
+          <a:ln>
+            <a:noFill/>
+          </a:ln>
+        </p:spPr>
+        <p:style>
+          <a:lnRef idx="2">
+            <a:schemeClr val="accent1">
+              <a:shade val="50000"/>
+            </a:schemeClr>
+          </a:lnRef>
+          <a:fillRef idx="1">
+            <a:schemeClr val="accent1"/>
+          </a:fillRef>
+          <a:effectRef idx="0">
+            <a:schemeClr val="accent1"/>
+          </a:effectRef>
+          <a:fontRef idx="minor">
+            <a:schemeClr val="lt1"/>
+          </a:fontRef>
+        </p:style>
+        <p:txBody>
+          <a:bodyPr rtlCol="0" anchor="ctr"/>
+          <a:lstStyle/>
+          <a:p>
+            <a:pPr algn="ctr"/>
+            <a:endParaRPr lang="en-US"/>
+          </a:p>
+        </p:txBody>
+      </p:sp>
       <p:sp>
         <p:nvSpPr>
           <p:cNvPr id="2" name="Title 1">
             <a:extLst>
               <a:ext uri="{FF2B5EF4-FFF2-40B4-BE49-F238E27FC236}">
-                <a16:creationId xmlns:a16="http://schemas.microsoft.com/office/drawing/2014/main" id="{BCD0543B-85D0-70D6-E8C0-825E5B0CC031}"/>
+                <a16:creationId xmlns:a16="http://schemas.microsoft.com/office/drawing/2014/main" id="{852AC18E-06F7-297B-4A55-D3F36AEDEDBD}"/>
               </a:ext>
             </a:extLst>
           </p:cNvPr>
@@ -20165,8 +19912,8 @@
         </p:nvSpPr>
         <p:spPr>
           <a:xfrm>
-            <a:off x="1136397" y="502020"/>
-            <a:ext cx="5323715" cy="1642970"/>
+            <a:off x="630936" y="640080"/>
+            <a:ext cx="4818888" cy="1481328"/>
           </a:xfrm>
         </p:spPr>
         <p:txBody>
@@ -20176,21 +19923,282 @@
           <a:lstStyle/>
           <a:p>
             <a:r>
-              <a:rPr lang="da-DK" sz="4000" dirty="0" err="1"/>
-              <a:t>Why</a:t>
-            </a:r>
-            <a:r>
-              <a:rPr lang="da-DK" sz="4000" dirty="0"/>
-              <a:t> .</a:t>
-            </a:r>
-            <a:r>
-              <a:rPr lang="da-DK" sz="4000" dirty="0" err="1"/>
-              <a:t>dacpac</a:t>
-            </a:r>
-            <a:r>
-              <a:rPr lang="da-DK" sz="4000" dirty="0"/>
-              <a:t>?</a:t>
-            </a:r>
+              <a:rPr lang="da-DK" sz="5400"/>
+              <a:t>CTA</a:t>
+            </a:r>
+          </a:p>
+        </p:txBody>
+      </p:sp>
+      <p:sp>
+        <p:nvSpPr>
+          <p:cNvPr id="12" name="sketch line">
+            <a:extLst>
+              <a:ext uri="{FF2B5EF4-FFF2-40B4-BE49-F238E27FC236}">
+                <a16:creationId xmlns:a16="http://schemas.microsoft.com/office/drawing/2014/main" id="{71877DBC-BB60-40F0-AC93-2ACDBAAE60CE}"/>
+              </a:ext>
+              <a:ext uri="{C183D7F6-B498-43B3-948B-1728B52AA6E4}">
+                <adec:decorative xmlns:adec="http://schemas.microsoft.com/office/drawing/2017/decorative" val="1"/>
+              </a:ext>
+            </a:extLst>
+          </p:cNvPr>
+          <p:cNvSpPr>
+            <a:spLocks noGrp="1" noRot="1" noChangeAspect="1" noMove="1" noResize="1" noEditPoints="1" noAdjustHandles="1" noChangeArrowheads="1" noChangeShapeType="1" noTextEdit="1"/>
+          </p:cNvSpPr>
+          <p:nvPr>
+            <p:extLst>
+              <p:ext uri="{386F3935-93C4-4BCD-93E2-E3B085C9AB24}">
+                <p16:designElem xmlns:p16="http://schemas.microsoft.com/office/powerpoint/2015/main" val="1"/>
+              </p:ext>
+            </p:extLst>
+          </p:nvPr>
+        </p:nvSpPr>
+        <p:spPr>
+          <a:xfrm>
+            <a:off x="643278" y="2372868"/>
+            <a:ext cx="3255095" cy="18288"/>
+          </a:xfrm>
+          <a:custGeom>
+            <a:avLst/>
+            <a:gdLst>
+              <a:gd name="connsiteX0" fmla="*/ 0 w 3255095"/>
+              <a:gd name="connsiteY0" fmla="*/ 0 h 18288"/>
+              <a:gd name="connsiteX1" fmla="*/ 618468 w 3255095"/>
+              <a:gd name="connsiteY1" fmla="*/ 0 h 18288"/>
+              <a:gd name="connsiteX2" fmla="*/ 1269487 w 3255095"/>
+              <a:gd name="connsiteY2" fmla="*/ 0 h 18288"/>
+              <a:gd name="connsiteX3" fmla="*/ 1953057 w 3255095"/>
+              <a:gd name="connsiteY3" fmla="*/ 0 h 18288"/>
+              <a:gd name="connsiteX4" fmla="*/ 2636627 w 3255095"/>
+              <a:gd name="connsiteY4" fmla="*/ 0 h 18288"/>
+              <a:gd name="connsiteX5" fmla="*/ 3255095 w 3255095"/>
+              <a:gd name="connsiteY5" fmla="*/ 0 h 18288"/>
+              <a:gd name="connsiteX6" fmla="*/ 3255095 w 3255095"/>
+              <a:gd name="connsiteY6" fmla="*/ 18288 h 18288"/>
+              <a:gd name="connsiteX7" fmla="*/ 2538974 w 3255095"/>
+              <a:gd name="connsiteY7" fmla="*/ 18288 h 18288"/>
+              <a:gd name="connsiteX8" fmla="*/ 1822853 w 3255095"/>
+              <a:gd name="connsiteY8" fmla="*/ 18288 h 18288"/>
+              <a:gd name="connsiteX9" fmla="*/ 1171834 w 3255095"/>
+              <a:gd name="connsiteY9" fmla="*/ 18288 h 18288"/>
+              <a:gd name="connsiteX10" fmla="*/ 0 w 3255095"/>
+              <a:gd name="connsiteY10" fmla="*/ 18288 h 18288"/>
+              <a:gd name="connsiteX11" fmla="*/ 0 w 3255095"/>
+              <a:gd name="connsiteY11" fmla="*/ 0 h 18288"/>
+            </a:gdLst>
+            <a:ahLst/>
+            <a:cxnLst>
+              <a:cxn ang="0">
+                <a:pos x="connsiteX0" y="connsiteY0"/>
+              </a:cxn>
+              <a:cxn ang="0">
+                <a:pos x="connsiteX1" y="connsiteY1"/>
+              </a:cxn>
+              <a:cxn ang="0">
+                <a:pos x="connsiteX2" y="connsiteY2"/>
+              </a:cxn>
+              <a:cxn ang="0">
+                <a:pos x="connsiteX3" y="connsiteY3"/>
+              </a:cxn>
+              <a:cxn ang="0">
+                <a:pos x="connsiteX4" y="connsiteY4"/>
+              </a:cxn>
+              <a:cxn ang="0">
+                <a:pos x="connsiteX5" y="connsiteY5"/>
+              </a:cxn>
+              <a:cxn ang="0">
+                <a:pos x="connsiteX6" y="connsiteY6"/>
+              </a:cxn>
+              <a:cxn ang="0">
+                <a:pos x="connsiteX7" y="connsiteY7"/>
+              </a:cxn>
+              <a:cxn ang="0">
+                <a:pos x="connsiteX8" y="connsiteY8"/>
+              </a:cxn>
+              <a:cxn ang="0">
+                <a:pos x="connsiteX9" y="connsiteY9"/>
+              </a:cxn>
+              <a:cxn ang="0">
+                <a:pos x="connsiteX10" y="connsiteY10"/>
+              </a:cxn>
+              <a:cxn ang="0">
+                <a:pos x="connsiteX11" y="connsiteY11"/>
+              </a:cxn>
+            </a:cxnLst>
+            <a:rect l="l" t="t" r="r" b="b"/>
+            <a:pathLst>
+              <a:path w="3255095" h="18288" fill="none" extrusionOk="0">
+                <a:moveTo>
+                  <a:pt x="0" y="0"/>
+                </a:moveTo>
+                <a:cubicBezTo>
+                  <a:pt x="240201" y="-22123"/>
+                  <a:pt x="462021" y="-19623"/>
+                  <a:pt x="618468" y="0"/>
+                </a:cubicBezTo>
+                <a:cubicBezTo>
+                  <a:pt x="774915" y="19623"/>
+                  <a:pt x="974734" y="2035"/>
+                  <a:pt x="1269487" y="0"/>
+                </a:cubicBezTo>
+                <a:cubicBezTo>
+                  <a:pt x="1564240" y="-2035"/>
+                  <a:pt x="1733579" y="10639"/>
+                  <a:pt x="1953057" y="0"/>
+                </a:cubicBezTo>
+                <a:cubicBezTo>
+                  <a:pt x="2172535" y="-10639"/>
+                  <a:pt x="2453962" y="14018"/>
+                  <a:pt x="2636627" y="0"/>
+                </a:cubicBezTo>
+                <a:cubicBezTo>
+                  <a:pt x="2819292" y="-14018"/>
+                  <a:pt x="3121375" y="5399"/>
+                  <a:pt x="3255095" y="0"/>
+                </a:cubicBezTo>
+                <a:cubicBezTo>
+                  <a:pt x="3254386" y="8157"/>
+                  <a:pt x="3254682" y="12125"/>
+                  <a:pt x="3255095" y="18288"/>
+                </a:cubicBezTo>
+                <a:cubicBezTo>
+                  <a:pt x="3088545" y="23203"/>
+                  <a:pt x="2687475" y="7419"/>
+                  <a:pt x="2538974" y="18288"/>
+                </a:cubicBezTo>
+                <a:cubicBezTo>
+                  <a:pt x="2390473" y="29157"/>
+                  <a:pt x="2137381" y="-8959"/>
+                  <a:pt x="1822853" y="18288"/>
+                </a:cubicBezTo>
+                <a:cubicBezTo>
+                  <a:pt x="1508325" y="45535"/>
+                  <a:pt x="1466437" y="20385"/>
+                  <a:pt x="1171834" y="18288"/>
+                </a:cubicBezTo>
+                <a:cubicBezTo>
+                  <a:pt x="877231" y="16191"/>
+                  <a:pt x="561097" y="37643"/>
+                  <a:pt x="0" y="18288"/>
+                </a:cubicBezTo>
+                <a:cubicBezTo>
+                  <a:pt x="-46" y="12483"/>
+                  <a:pt x="-203" y="6491"/>
+                  <a:pt x="0" y="0"/>
+                </a:cubicBezTo>
+                <a:close/>
+              </a:path>
+              <a:path w="3255095" h="18288" stroke="0" extrusionOk="0">
+                <a:moveTo>
+                  <a:pt x="0" y="0"/>
+                </a:moveTo>
+                <a:cubicBezTo>
+                  <a:pt x="291965" y="19429"/>
+                  <a:pt x="363155" y="8568"/>
+                  <a:pt x="618468" y="0"/>
+                </a:cubicBezTo>
+                <a:cubicBezTo>
+                  <a:pt x="873781" y="-8568"/>
+                  <a:pt x="904459" y="-19505"/>
+                  <a:pt x="1171834" y="0"/>
+                </a:cubicBezTo>
+                <a:cubicBezTo>
+                  <a:pt x="1439209" y="19505"/>
+                  <a:pt x="1744369" y="9790"/>
+                  <a:pt x="1887955" y="0"/>
+                </a:cubicBezTo>
+                <a:cubicBezTo>
+                  <a:pt x="2031541" y="-9790"/>
+                  <a:pt x="2346378" y="21240"/>
+                  <a:pt x="2506423" y="0"/>
+                </a:cubicBezTo>
+                <a:cubicBezTo>
+                  <a:pt x="2666468" y="-21240"/>
+                  <a:pt x="2990257" y="30414"/>
+                  <a:pt x="3255095" y="0"/>
+                </a:cubicBezTo>
+                <a:cubicBezTo>
+                  <a:pt x="3254831" y="4493"/>
+                  <a:pt x="3255479" y="9472"/>
+                  <a:pt x="3255095" y="18288"/>
+                </a:cubicBezTo>
+                <a:cubicBezTo>
+                  <a:pt x="3120743" y="16690"/>
+                  <a:pt x="2759628" y="42462"/>
+                  <a:pt x="2604076" y="18288"/>
+                </a:cubicBezTo>
+                <a:cubicBezTo>
+                  <a:pt x="2448524" y="-5886"/>
+                  <a:pt x="2184336" y="19599"/>
+                  <a:pt x="1887955" y="18288"/>
+                </a:cubicBezTo>
+                <a:cubicBezTo>
+                  <a:pt x="1591574" y="16977"/>
+                  <a:pt x="1548845" y="6870"/>
+                  <a:pt x="1334589" y="18288"/>
+                </a:cubicBezTo>
+                <a:cubicBezTo>
+                  <a:pt x="1120333" y="29706"/>
+                  <a:pt x="996014" y="9662"/>
+                  <a:pt x="683570" y="18288"/>
+                </a:cubicBezTo>
+                <a:cubicBezTo>
+                  <a:pt x="371126" y="26914"/>
+                  <a:pt x="198687" y="16167"/>
+                  <a:pt x="0" y="18288"/>
+                </a:cubicBezTo>
+                <a:cubicBezTo>
+                  <a:pt x="843" y="9577"/>
+                  <a:pt x="371" y="6900"/>
+                  <a:pt x="0" y="0"/>
+                </a:cubicBezTo>
+                <a:close/>
+              </a:path>
+            </a:pathLst>
+          </a:custGeom>
+          <a:solidFill>
+            <a:schemeClr val="accent2"/>
+          </a:solidFill>
+          <a:ln w="38100" cap="rnd">
+            <a:solidFill>
+              <a:schemeClr val="accent2"/>
+            </a:solidFill>
+            <a:round/>
+            <a:extLst>
+              <a:ext uri="{C807C97D-BFC1-408E-A445-0C87EB9F89A2}">
+                <ask:lineSketchStyleProps xmlns:ask="http://schemas.microsoft.com/office/drawing/2018/sketchyshapes" sd="1219033472">
+                  <a:prstGeom prst="rect">
+                    <a:avLst/>
+                  </a:prstGeom>
+                  <ask:type>
+                    <ask:lineSketchFreehand/>
+                  </ask:type>
+                </ask:lineSketchStyleProps>
+              </a:ext>
+            </a:extLst>
+          </a:ln>
+        </p:spPr>
+        <p:style>
+          <a:lnRef idx="2">
+            <a:schemeClr val="accent1">
+              <a:shade val="50000"/>
+            </a:schemeClr>
+          </a:lnRef>
+          <a:fillRef idx="1">
+            <a:schemeClr val="accent1"/>
+          </a:fillRef>
+          <a:effectRef idx="0">
+            <a:schemeClr val="accent1"/>
+          </a:effectRef>
+          <a:fontRef idx="minor">
+            <a:schemeClr val="lt1"/>
+          </a:fontRef>
+        </p:style>
+        <p:txBody>
+          <a:bodyPr rtlCol="0" anchor="ctr"/>
+          <a:lstStyle/>
+          <a:p>
+            <a:pPr algn="ctr"/>
+            <a:endParaRPr lang="en-US"/>
           </a:p>
         </p:txBody>
       </p:sp>
@@ -20199,7 +20207,7 @@
           <p:cNvPr id="3" name="Content Placeholder 2">
             <a:extLst>
               <a:ext uri="{FF2B5EF4-FFF2-40B4-BE49-F238E27FC236}">
-                <a16:creationId xmlns:a16="http://schemas.microsoft.com/office/drawing/2014/main" id="{1D37BAAB-2AC4-7032-7DAE-B031E2D35A0C}"/>
+                <a16:creationId xmlns:a16="http://schemas.microsoft.com/office/drawing/2014/main" id="{98B6C42F-8CB3-FB57-D11C-4033DD156FEC}"/>
               </a:ext>
             </a:extLst>
           </p:cNvPr>
@@ -20212,8 +20220,8 @@
         </p:nvSpPr>
         <p:spPr>
           <a:xfrm>
-            <a:off x="457200" y="2923622"/>
-            <a:ext cx="7168293" cy="3578777"/>
+            <a:off x="630936" y="2660904"/>
+            <a:ext cx="6122202" cy="3547872"/>
           </a:xfrm>
         </p:spPr>
         <p:txBody>
@@ -20223,158 +20231,163 @@
           <a:lstStyle/>
           <a:p>
             <a:r>
-              <a:rPr lang="da-DK" dirty="0" err="1"/>
-              <a:t>Ensure</a:t>
-            </a:r>
-            <a:r>
-              <a:rPr lang="da-DK" dirty="0"/>
-              <a:t> high </a:t>
-            </a:r>
-            <a:r>
-              <a:rPr lang="da-DK" dirty="0" err="1"/>
-              <a:t>quality</a:t>
-            </a:r>
-            <a:r>
-              <a:rPr lang="da-DK" dirty="0"/>
-              <a:t> and </a:t>
-            </a:r>
-            <a:r>
-              <a:rPr lang="da-DK" dirty="0" err="1"/>
-              <a:t>consistent</a:t>
-            </a:r>
-            <a:r>
-              <a:rPr lang="da-DK" dirty="0"/>
-              <a:t> SQL </a:t>
-            </a:r>
-            <a:r>
-              <a:rPr lang="da-DK" dirty="0" err="1"/>
+              <a:rPr lang="da-DK" sz="2200" dirty="0" err="1"/>
+              <a:t>Add</a:t>
+            </a:r>
+            <a:r>
+              <a:rPr lang="da-DK" sz="2200" dirty="0"/>
+              <a:t> </a:t>
+            </a:r>
+            <a:r>
+              <a:rPr lang="da-DK" sz="2200" dirty="0" err="1"/>
+              <a:t>you</a:t>
+            </a:r>
+            <a:r>
+              <a:rPr lang="da-DK" sz="2200" dirty="0"/>
+              <a:t> database </a:t>
+            </a:r>
+            <a:r>
+              <a:rPr lang="da-DK" sz="2200" dirty="0" err="1"/>
               <a:t>schema</a:t>
             </a:r>
             <a:r>
-              <a:rPr lang="da-DK" dirty="0"/>
-              <a:t> under source </a:t>
-            </a:r>
-            <a:r>
-              <a:rPr lang="da-DK" dirty="0" err="1"/>
+              <a:rPr lang="da-DK" sz="2200" dirty="0"/>
+              <a:t> to source </a:t>
+            </a:r>
+            <a:r>
+              <a:rPr lang="da-DK" sz="2200" dirty="0" err="1"/>
               <a:t>control</a:t>
             </a:r>
-            <a:endParaRPr lang="da-DK" dirty="0"/>
+            <a:endParaRPr lang="da-DK" sz="2200" dirty="0"/>
           </a:p>
           <a:p>
             <a:r>
-              <a:rPr lang="da-DK" dirty="0" err="1"/>
-              <a:t>Enforce</a:t>
-            </a:r>
-            <a:r>
-              <a:rPr lang="da-DK" dirty="0"/>
-              <a:t> design, performance and security </a:t>
-            </a:r>
-            <a:r>
-              <a:rPr lang="da-DK" dirty="0" err="1"/>
-              <a:t>rules</a:t>
-            </a:r>
-            <a:endParaRPr lang="da-DK" dirty="0"/>
+              <a:rPr lang="da-DK" sz="2200" dirty="0" err="1"/>
+              <a:t>Enable</a:t>
+            </a:r>
+            <a:r>
+              <a:rPr lang="da-DK" sz="2200" dirty="0"/>
+              <a:t> </a:t>
+            </a:r>
+            <a:r>
+              <a:rPr lang="da-DK" sz="2200" dirty="0" err="1"/>
+              <a:t>code</a:t>
+            </a:r>
+            <a:r>
+              <a:rPr lang="da-DK" sz="2200" dirty="0"/>
+              <a:t> </a:t>
+            </a:r>
+            <a:r>
+              <a:rPr lang="da-DK" sz="2200" dirty="0" err="1"/>
+              <a:t>analysis</a:t>
+            </a:r>
+            <a:r>
+              <a:rPr lang="da-DK" sz="2200" dirty="0"/>
+              <a:t> </a:t>
+            </a:r>
+            <a:r>
+              <a:rPr lang="da-DK" sz="2200" dirty="0" err="1"/>
+              <a:t>locally</a:t>
+            </a:r>
+            <a:r>
+              <a:rPr lang="da-DK" sz="2200" dirty="0"/>
+              <a:t> and in CI</a:t>
+            </a:r>
           </a:p>
           <a:p>
             <a:r>
-              <a:rPr lang="da-DK" dirty="0" err="1"/>
-              <a:t>Desired</a:t>
-            </a:r>
-            <a:r>
-              <a:rPr lang="da-DK" dirty="0"/>
+              <a:rPr lang="da-DK" sz="2200" dirty="0" err="1"/>
+              <a:t>Optional</a:t>
+            </a:r>
+            <a:r>
+              <a:rPr lang="da-DK" sz="2200" dirty="0"/>
+              <a:t>: </a:t>
+            </a:r>
+            <a:r>
+              <a:rPr lang="da-DK" sz="2200" dirty="0" err="1"/>
+              <a:t>Create</a:t>
+            </a:r>
+            <a:r>
+              <a:rPr lang="da-DK" sz="2200" dirty="0"/>
               <a:t> </a:t>
             </a:r>
             <a:r>
-              <a:rPr lang="da-DK" dirty="0" err="1"/>
-              <a:t>state</a:t>
-            </a:r>
-            <a:r>
-              <a:rPr lang="da-DK" dirty="0"/>
+              <a:rPr lang="da-DK" sz="2200" dirty="0" err="1"/>
+              <a:t>your</a:t>
+            </a:r>
+            <a:r>
+              <a:rPr lang="da-DK" sz="2200" dirty="0"/>
               <a:t> </a:t>
             </a:r>
             <a:r>
-              <a:rPr lang="da-DK" dirty="0" err="1"/>
-              <a:t>configuration</a:t>
-            </a:r>
-            <a:endParaRPr lang="da-DK" dirty="0"/>
-          </a:p>
-          <a:p>
-            <a:r>
-              <a:rPr lang="da-DK" dirty="0" err="1"/>
-              <a:t>Publish</a:t>
-            </a:r>
-            <a:r>
-              <a:rPr lang="da-DK" dirty="0"/>
+              <a:rPr lang="da-DK" sz="2200" dirty="0" err="1"/>
+              <a:t>own</a:t>
+            </a:r>
+            <a:r>
+              <a:rPr lang="da-DK" sz="2200" dirty="0"/>
               <a:t> </a:t>
             </a:r>
             <a:r>
-              <a:rPr lang="da-DK" dirty="0" err="1"/>
-              <a:t>magic</a:t>
-            </a:r>
-            <a:r>
-              <a:rPr lang="da-DK" dirty="0"/>
-              <a:t>!</a:t>
-            </a:r>
-          </a:p>
-          <a:p>
-            <a:endParaRPr lang="da-DK" dirty="0"/>
-          </a:p>
-          <a:p>
-            <a:endParaRPr lang="da-DK" sz="2000" dirty="0"/>
+              <a:rPr lang="da-DK" sz="2200" dirty="0" err="1"/>
+              <a:t>rules</a:t>
+            </a:r>
+            <a:r>
+              <a:rPr lang="da-DK" sz="2200" dirty="0"/>
+              <a:t> and </a:t>
+            </a:r>
+            <a:r>
+              <a:rPr lang="da-DK" sz="2200" dirty="0" err="1"/>
+              <a:t>contribute</a:t>
+            </a:r>
+            <a:r>
+              <a:rPr lang="da-DK" sz="2200" dirty="0"/>
+              <a:t> </a:t>
+            </a:r>
+            <a:r>
+              <a:rPr lang="da-DK" sz="2200" dirty="0" err="1"/>
+              <a:t>them</a:t>
+            </a:r>
+            <a:r>
+              <a:rPr lang="da-DK" sz="2200" dirty="0"/>
+              <a:t> back to the community</a:t>
+            </a:r>
           </a:p>
         </p:txBody>
       </p:sp>
       <p:pic>
         <p:nvPicPr>
-          <p:cNvPr id="1028" name="Picture 4" descr="it's magic - Album on Imgur">
+          <p:cNvPr id="5" name="Picture 4" descr="A qr code with black dots&#10;&#10;Description automatically generated">
             <a:extLst>
               <a:ext uri="{FF2B5EF4-FFF2-40B4-BE49-F238E27FC236}">
-                <a16:creationId xmlns:a16="http://schemas.microsoft.com/office/drawing/2014/main" id="{672BB7EB-32D7-CC82-0F37-1B439A402A01}"/>
+                <a16:creationId xmlns:a16="http://schemas.microsoft.com/office/drawing/2014/main" id="{1ACEDAF7-1A70-3E40-9618-12BBF5CB9F25}"/>
               </a:ext>
             </a:extLst>
           </p:cNvPr>
           <p:cNvPicPr>
-            <a:picLocks noChangeAspect="1" noChangeArrowheads="1"/>
+            <a:picLocks noChangeAspect="1"/>
           </p:cNvPicPr>
           <p:nvPr/>
         </p:nvPicPr>
         <p:blipFill>
-          <a:blip r:embed="rId2">
-            <a:extLst>
-              <a:ext uri="{28A0092B-C50C-407E-A947-70E740481C1C}">
-                <a14:useLocalDpi xmlns:a14="http://schemas.microsoft.com/office/drawing/2010/main" val="0"/>
-              </a:ext>
-            </a:extLst>
-          </a:blip>
-          <a:srcRect/>
+          <a:blip r:embed="rId2"/>
           <a:stretch>
             <a:fillRect/>
           </a:stretch>
         </p:blipFill>
-        <p:spPr bwMode="auto">
+        <p:spPr>
           <a:xfrm>
-            <a:off x="7596509" y="1473981"/>
-            <a:ext cx="3910014" cy="3910014"/>
+            <a:off x="6862194" y="904031"/>
+            <a:ext cx="4695822" cy="4343974"/>
           </a:xfrm>
           <a:prstGeom prst="rect">
             <a:avLst/>
           </a:prstGeom>
-          <a:noFill/>
-          <a:extLst>
-            <a:ext uri="{909E8E84-426E-40DD-AFC4-6F175D3DCCD1}">
-              <a14:hiddenFill xmlns:a14="http://schemas.microsoft.com/office/drawing/2010/main">
-                <a:solidFill>
-                  <a:srgbClr val="FFFFFF"/>
-                </a:solidFill>
-              </a14:hiddenFill>
-            </a:ext>
-          </a:extLst>
         </p:spPr>
       </p:pic>
     </p:spTree>
     <p:extLst>
       <p:ext uri="{BB962C8B-B14F-4D97-AF65-F5344CB8AC3E}">
-        <p14:creationId xmlns:p14="http://schemas.microsoft.com/office/powerpoint/2010/main" val="2126355379"/>
+        <p14:creationId xmlns:p14="http://schemas.microsoft.com/office/powerpoint/2010/main" val="1406646759"/>
       </p:ext>
     </p:extLst>
   </p:cSld>

--- a/T-SQL Code analysis.pptx
+++ b/T-SQL Code analysis.pptx
@@ -9,8 +9,8 @@
     <p:sldId id="282" r:id="rId3"/>
     <p:sldId id="263" r:id="rId4"/>
     <p:sldId id="280" r:id="rId5"/>
-    <p:sldId id="285" r:id="rId6"/>
-    <p:sldId id="264" r:id="rId7"/>
+    <p:sldId id="264" r:id="rId6"/>
+    <p:sldId id="285" r:id="rId7"/>
     <p:sldId id="257" r:id="rId8"/>
     <p:sldId id="284" r:id="rId9"/>
     <p:sldId id="266" r:id="rId10"/>
@@ -13133,7 +13133,7 @@
           <a:p>
             <a:fld id="{100FD589-5CEC-4C5D-B34D-E6C06527026F}" type="datetimeFigureOut">
               <a:rPr lang="da-DK" smtClean="0"/>
-              <a:t>31-01-2025</a:t>
+              <a:t>02-02-2025</a:t>
             </a:fld>
             <a:endParaRPr lang="da-DK"/>
           </a:p>
@@ -13333,7 +13333,7 @@
           <a:p>
             <a:fld id="{100FD589-5CEC-4C5D-B34D-E6C06527026F}" type="datetimeFigureOut">
               <a:rPr lang="da-DK" smtClean="0"/>
-              <a:t>31-01-2025</a:t>
+              <a:t>02-02-2025</a:t>
             </a:fld>
             <a:endParaRPr lang="da-DK"/>
           </a:p>
@@ -13543,7 +13543,7 @@
           <a:p>
             <a:fld id="{100FD589-5CEC-4C5D-B34D-E6C06527026F}" type="datetimeFigureOut">
               <a:rPr lang="da-DK" smtClean="0"/>
-              <a:t>31-01-2025</a:t>
+              <a:t>02-02-2025</a:t>
             </a:fld>
             <a:endParaRPr lang="da-DK"/>
           </a:p>
@@ -13743,7 +13743,7 @@
           <a:p>
             <a:fld id="{100FD589-5CEC-4C5D-B34D-E6C06527026F}" type="datetimeFigureOut">
               <a:rPr lang="da-DK" smtClean="0"/>
-              <a:t>31-01-2025</a:t>
+              <a:t>02-02-2025</a:t>
             </a:fld>
             <a:endParaRPr lang="da-DK"/>
           </a:p>
@@ -14019,7 +14019,7 @@
           <a:p>
             <a:fld id="{100FD589-5CEC-4C5D-B34D-E6C06527026F}" type="datetimeFigureOut">
               <a:rPr lang="da-DK" smtClean="0"/>
-              <a:t>31-01-2025</a:t>
+              <a:t>02-02-2025</a:t>
             </a:fld>
             <a:endParaRPr lang="da-DK"/>
           </a:p>
@@ -14287,7 +14287,7 @@
           <a:p>
             <a:fld id="{100FD589-5CEC-4C5D-B34D-E6C06527026F}" type="datetimeFigureOut">
               <a:rPr lang="da-DK" smtClean="0"/>
-              <a:t>31-01-2025</a:t>
+              <a:t>02-02-2025</a:t>
             </a:fld>
             <a:endParaRPr lang="da-DK"/>
           </a:p>
@@ -14702,7 +14702,7 @@
           <a:p>
             <a:fld id="{100FD589-5CEC-4C5D-B34D-E6C06527026F}" type="datetimeFigureOut">
               <a:rPr lang="da-DK" smtClean="0"/>
-              <a:t>31-01-2025</a:t>
+              <a:t>02-02-2025</a:t>
             </a:fld>
             <a:endParaRPr lang="da-DK"/>
           </a:p>
@@ -14844,7 +14844,7 @@
           <a:p>
             <a:fld id="{100FD589-5CEC-4C5D-B34D-E6C06527026F}" type="datetimeFigureOut">
               <a:rPr lang="da-DK" smtClean="0"/>
-              <a:t>31-01-2025</a:t>
+              <a:t>02-02-2025</a:t>
             </a:fld>
             <a:endParaRPr lang="da-DK"/>
           </a:p>
@@ -14957,7 +14957,7 @@
           <a:p>
             <a:fld id="{100FD589-5CEC-4C5D-B34D-E6C06527026F}" type="datetimeFigureOut">
               <a:rPr lang="da-DK" smtClean="0"/>
-              <a:t>31-01-2025</a:t>
+              <a:t>02-02-2025</a:t>
             </a:fld>
             <a:endParaRPr lang="da-DK"/>
           </a:p>
@@ -15270,7 +15270,7 @@
           <a:p>
             <a:fld id="{100FD589-5CEC-4C5D-B34D-E6C06527026F}" type="datetimeFigureOut">
               <a:rPr lang="da-DK" smtClean="0"/>
-              <a:t>31-01-2025</a:t>
+              <a:t>02-02-2025</a:t>
             </a:fld>
             <a:endParaRPr lang="da-DK"/>
           </a:p>
@@ -15559,7 +15559,7 @@
           <a:p>
             <a:fld id="{100FD589-5CEC-4C5D-B34D-E6C06527026F}" type="datetimeFigureOut">
               <a:rPr lang="da-DK" smtClean="0"/>
-              <a:t>31-01-2025</a:t>
+              <a:t>02-02-2025</a:t>
             </a:fld>
             <a:endParaRPr lang="da-DK"/>
           </a:p>
@@ -15802,7 +15802,7 @@
           <a:p>
             <a:fld id="{100FD589-5CEC-4C5D-B34D-E6C06527026F}" type="datetimeFigureOut">
               <a:rPr lang="da-DK" smtClean="0"/>
-              <a:t>31-01-2025</a:t>
+              <a:t>02-02-2025</a:t>
             </a:fld>
             <a:endParaRPr lang="da-DK"/>
           </a:p>
@@ -16372,7 +16372,7 @@
         <p:spPr/>
         <p:txBody>
           <a:bodyPr>
-            <a:normAutofit/>
+            <a:normAutofit fontScale="92500" lnSpcReduction="20000"/>
           </a:bodyPr>
           <a:lstStyle/>
           <a:p>
@@ -16563,6 +16563,102 @@
             <a:r>
               <a:rPr lang="da-DK" sz="3200" dirty="0" err="1"/>
               <a:t>Aspire</a:t>
+            </a:r>
+            <a:r>
+              <a:rPr lang="da-DK" sz="3200" dirty="0"/>
+              <a:t>?</a:t>
+            </a:r>
+          </a:p>
+          <a:p>
+            <a:r>
+              <a:rPr lang="da-DK" sz="3200" dirty="0" err="1"/>
+              <a:t>What</a:t>
+            </a:r>
+            <a:r>
+              <a:rPr lang="da-DK" sz="3200" dirty="0"/>
+              <a:t> </a:t>
+            </a:r>
+            <a:r>
+              <a:rPr lang="da-DK" sz="3200" dirty="0" err="1"/>
+              <a:t>if</a:t>
+            </a:r>
+            <a:r>
+              <a:rPr lang="da-DK" sz="3200" dirty="0"/>
+              <a:t> </a:t>
+            </a:r>
+            <a:r>
+              <a:rPr lang="da-DK" sz="3200" dirty="0" err="1"/>
+              <a:t>my</a:t>
+            </a:r>
+            <a:r>
+              <a:rPr lang="da-DK" sz="3200" dirty="0"/>
+              <a:t> </a:t>
+            </a:r>
+            <a:r>
+              <a:rPr lang="da-DK" sz="3200" dirty="0" err="1"/>
+              <a:t>db</a:t>
+            </a:r>
+            <a:r>
+              <a:rPr lang="da-DK" sz="3200" dirty="0"/>
+              <a:t> has </a:t>
+            </a:r>
+            <a:r>
+              <a:rPr lang="da-DK" sz="3200" dirty="0" err="1"/>
+              <a:t>dependencies</a:t>
+            </a:r>
+            <a:r>
+              <a:rPr lang="da-DK" sz="3200" dirty="0"/>
+              <a:t> on </a:t>
+            </a:r>
+            <a:r>
+              <a:rPr lang="da-DK" sz="3200" dirty="0" err="1"/>
+              <a:t>other</a:t>
+            </a:r>
+            <a:r>
+              <a:rPr lang="da-DK" sz="3200" dirty="0"/>
+              <a:t> database?</a:t>
+            </a:r>
+          </a:p>
+          <a:p>
+            <a:r>
+              <a:rPr lang="da-DK" sz="3200" dirty="0"/>
+              <a:t>I </a:t>
+            </a:r>
+            <a:r>
+              <a:rPr lang="da-DK" sz="3200" dirty="0" err="1"/>
+              <a:t>use</a:t>
+            </a:r>
+            <a:r>
+              <a:rPr lang="da-DK" sz="3200" dirty="0"/>
+              <a:t> </a:t>
+            </a:r>
+            <a:r>
+              <a:rPr lang="da-DK" sz="3200" dirty="0" err="1"/>
+              <a:t>Postgres</a:t>
+            </a:r>
+            <a:r>
+              <a:rPr lang="da-DK" sz="3200" dirty="0"/>
+              <a:t> / Oracle /MySQL – </a:t>
+            </a:r>
+            <a:r>
+              <a:rPr lang="da-DK" sz="3200" dirty="0" err="1"/>
+              <a:t>can</a:t>
+            </a:r>
+            <a:r>
+              <a:rPr lang="da-DK" sz="3200" dirty="0"/>
+              <a:t> I </a:t>
+            </a:r>
+            <a:r>
+              <a:rPr lang="da-DK" sz="3200" dirty="0" err="1"/>
+              <a:t>use</a:t>
+            </a:r>
+            <a:r>
+              <a:rPr lang="da-DK" sz="3200" dirty="0"/>
+              <a:t> </a:t>
+            </a:r>
+            <a:r>
+              <a:rPr lang="da-DK" sz="3200" dirty="0" err="1"/>
+              <a:t>this</a:t>
             </a:r>
             <a:r>
               <a:rPr lang="da-DK" sz="3200" dirty="0"/>
@@ -17784,7 +17880,7 @@
         <p:spPr/>
         <p:txBody>
           <a:bodyPr>
-            <a:normAutofit fontScale="92500" lnSpcReduction="10000"/>
+            <a:normAutofit lnSpcReduction="10000"/>
           </a:bodyPr>
           <a:lstStyle/>
           <a:p>
@@ -17804,64 +17900,20 @@
               <a:rPr lang="da-DK" sz="3200" dirty="0" err="1"/>
               <a:t>control</a:t>
             </a:r>
-            <a:r>
-              <a:rPr lang="da-DK" sz="3200" dirty="0"/>
-              <a:t>?</a:t>
-            </a:r>
-          </a:p>
-          <a:p>
-            <a:r>
-              <a:rPr lang="da-DK" sz="3200" dirty="0" err="1"/>
-              <a:t>Complex</a:t>
-            </a:r>
-            <a:r>
-              <a:rPr lang="da-DK" sz="3200" dirty="0"/>
-              <a:t> scripts to </a:t>
-            </a:r>
-            <a:r>
-              <a:rPr lang="da-DK" sz="3200" dirty="0" err="1"/>
-              <a:t>update</a:t>
-            </a:r>
-            <a:r>
-              <a:rPr lang="da-DK" sz="3200" dirty="0"/>
-              <a:t> </a:t>
-            </a:r>
-            <a:r>
-              <a:rPr lang="da-DK" sz="3200" dirty="0" err="1"/>
-              <a:t>schema</a:t>
-            </a:r>
             <a:endParaRPr lang="da-DK" sz="3200" dirty="0"/>
           </a:p>
           <a:p>
             <a:r>
+              <a:rPr lang="da-DK" sz="3200" dirty="0" err="1"/>
+              <a:t>Complex</a:t>
+            </a:r>
+            <a:r>
               <a:rPr lang="da-DK" sz="3200" dirty="0"/>
-              <a:t>Versioning of database </a:t>
+              <a:t> scripts to </a:t>
             </a:r>
             <a:r>
               <a:rPr lang="da-DK" sz="3200" dirty="0" err="1"/>
-              <a:t>vs</a:t>
-            </a:r>
-            <a:r>
-              <a:rPr lang="da-DK" sz="3200" dirty="0"/>
-              <a:t> app a nightmare</a:t>
-            </a:r>
-          </a:p>
-          <a:p>
-            <a:r>
-              <a:rPr lang="da-DK" sz="3200" dirty="0"/>
-              <a:t>Runtime </a:t>
-            </a:r>
-            <a:r>
-              <a:rPr lang="da-DK" sz="3200" dirty="0" err="1"/>
-              <a:t>errors</a:t>
-            </a:r>
-            <a:r>
-              <a:rPr lang="da-DK" sz="3200" dirty="0"/>
-              <a:t> in database due to </a:t>
-            </a:r>
-            <a:r>
-              <a:rPr lang="da-DK" sz="3200" dirty="0" err="1"/>
-              <a:t>syntax</a:t>
+              <a:t>update</a:t>
             </a:r>
             <a:r>
               <a:rPr lang="da-DK" sz="3200" dirty="0"/>
@@ -17869,13 +17921,62 @@
             </a:r>
             <a:r>
               <a:rPr lang="da-DK" sz="3200" dirty="0" err="1"/>
-              <a:t>errors</a:t>
+              <a:t>schema</a:t>
             </a:r>
             <a:endParaRPr lang="da-DK" sz="3200" dirty="0"/>
           </a:p>
           <a:p>
             <a:r>
               <a:rPr lang="da-DK" sz="3200" dirty="0"/>
+              <a:t>Versioning of database </a:t>
+            </a:r>
+            <a:r>
+              <a:rPr lang="da-DK" sz="3200" dirty="0" err="1"/>
+              <a:t>vs</a:t>
+            </a:r>
+            <a:r>
+              <a:rPr lang="da-DK" sz="3200" dirty="0"/>
+              <a:t> app a nightmare</a:t>
+            </a:r>
+          </a:p>
+          <a:p>
+            <a:r>
+              <a:rPr lang="da-DK" sz="3200" dirty="0"/>
+              <a:t>Runtime </a:t>
+            </a:r>
+            <a:r>
+              <a:rPr lang="da-DK" sz="3200" dirty="0" err="1"/>
+              <a:t>errors</a:t>
+            </a:r>
+            <a:r>
+              <a:rPr lang="da-DK" sz="3200" dirty="0"/>
+              <a:t> in database due to </a:t>
+            </a:r>
+            <a:r>
+              <a:rPr lang="da-DK" sz="3200" dirty="0" err="1"/>
+              <a:t>uncaught</a:t>
+            </a:r>
+            <a:r>
+              <a:rPr lang="da-DK" sz="3200" dirty="0"/>
+              <a:t> </a:t>
+            </a:r>
+            <a:r>
+              <a:rPr lang="da-DK" sz="3200" dirty="0" err="1"/>
+              <a:t>syntax</a:t>
+            </a:r>
+            <a:r>
+              <a:rPr lang="da-DK" sz="3200" dirty="0"/>
+              <a:t> </a:t>
+            </a:r>
+            <a:r>
+              <a:rPr lang="da-DK" sz="3200" dirty="0" err="1"/>
+              <a:t>errors</a:t>
+            </a:r>
+            <a:endParaRPr lang="da-DK" sz="3200" dirty="0"/>
+          </a:p>
+          <a:p>
+            <a:r>
+              <a:rPr lang="da-DK" sz="3200" dirty="0"/>
               <a:t>No standard approach to </a:t>
             </a:r>
             <a:r>
@@ -17906,7 +18007,7 @@
           <a:p>
             <a:r>
               <a:rPr lang="da-DK" sz="3200" dirty="0"/>
-              <a:t>Cross platform </a:t>
+              <a:t>No cross platform </a:t>
             </a:r>
             <a:r>
               <a:rPr lang="da-DK" sz="3200" dirty="0" err="1"/>
@@ -17922,39 +18023,7 @@
             </a:r>
             <a:r>
               <a:rPr lang="da-DK" sz="3200" dirty="0"/>
-              <a:t> support (</a:t>
-            </a:r>
-            <a:r>
-              <a:rPr lang="da-DK" sz="3200" dirty="0" err="1"/>
-              <a:t>if</a:t>
-            </a:r>
-            <a:r>
-              <a:rPr lang="da-DK" sz="3200" dirty="0"/>
-              <a:t> </a:t>
-            </a:r>
-            <a:r>
-              <a:rPr lang="da-DK" sz="3200" dirty="0" err="1"/>
-              <a:t>you</a:t>
-            </a:r>
-            <a:r>
-              <a:rPr lang="da-DK" sz="3200" dirty="0"/>
-              <a:t> have a </a:t>
-            </a:r>
-            <a:r>
-              <a:rPr lang="da-DK" sz="3200" dirty="0" err="1"/>
-              <a:t>classic</a:t>
-            </a:r>
-            <a:r>
-              <a:rPr lang="da-DK" sz="3200" dirty="0"/>
-              <a:t> .</a:t>
-            </a:r>
-            <a:r>
-              <a:rPr lang="da-DK" sz="3200" dirty="0" err="1"/>
-              <a:t>sqlproj</a:t>
-            </a:r>
-            <a:r>
-              <a:rPr lang="da-DK" sz="3200" dirty="0"/>
-              <a:t>)</a:t>
+              <a:t> support</a:t>
             </a:r>
           </a:p>
           <a:p>
@@ -17967,10 +18036,9 @@
               <a:t>NuGet</a:t>
             </a:r>
             <a:r>
-              <a:rPr lang="da-DK" sz="3200"/>
+              <a:rPr lang="da-DK" sz="3200" dirty="0"/>
               <a:t> integration</a:t>
             </a:r>
-            <a:endParaRPr lang="da-DK" sz="3200" dirty="0"/>
           </a:p>
           <a:p>
             <a:pPr marL="0" indent="0">
@@ -18404,6 +18472,89 @@
           <a:chExt cx="0" cy="0"/>
         </a:xfrm>
       </p:grpSpPr>
+      <p:sp>
+        <p:nvSpPr>
+          <p:cNvPr id="2" name="Title 1">
+            <a:extLst>
+              <a:ext uri="{FF2B5EF4-FFF2-40B4-BE49-F238E27FC236}">
+                <a16:creationId xmlns:a16="http://schemas.microsoft.com/office/drawing/2014/main" id="{46764B13-08C2-5DF8-A53C-BFEC16E91C07}"/>
+              </a:ext>
+            </a:extLst>
+          </p:cNvPr>
+          <p:cNvSpPr>
+            <a:spLocks noGrp="1"/>
+          </p:cNvSpPr>
+          <p:nvPr>
+            <p:ph type="ctrTitle"/>
+          </p:nvPr>
+        </p:nvSpPr>
+        <p:spPr/>
+        <p:txBody>
+          <a:bodyPr/>
+          <a:lstStyle/>
+          <a:p>
+            <a:r>
+              <a:rPr lang="da-DK" dirty="0"/>
+              <a:t>Demo!</a:t>
+            </a:r>
+          </a:p>
+        </p:txBody>
+      </p:sp>
+      <p:sp>
+        <p:nvSpPr>
+          <p:cNvPr id="3" name="Subtitle 2">
+            <a:extLst>
+              <a:ext uri="{FF2B5EF4-FFF2-40B4-BE49-F238E27FC236}">
+                <a16:creationId xmlns:a16="http://schemas.microsoft.com/office/drawing/2014/main" id="{9DD93DD9-B1CE-0839-4E42-138D918D6D97}"/>
+              </a:ext>
+            </a:extLst>
+          </p:cNvPr>
+          <p:cNvSpPr>
+            <a:spLocks noGrp="1"/>
+          </p:cNvSpPr>
+          <p:nvPr>
+            <p:ph type="subTitle" idx="1"/>
+          </p:nvPr>
+        </p:nvSpPr>
+        <p:spPr/>
+        <p:txBody>
+          <a:bodyPr/>
+          <a:lstStyle/>
+          <a:p>
+            <a:endParaRPr lang="da-DK"/>
+          </a:p>
+        </p:txBody>
+      </p:sp>
+    </p:spTree>
+    <p:extLst>
+      <p:ext uri="{BB962C8B-B14F-4D97-AF65-F5344CB8AC3E}">
+        <p14:creationId xmlns:p14="http://schemas.microsoft.com/office/powerpoint/2010/main" val="41144073"/>
+      </p:ext>
+    </p:extLst>
+  </p:cSld>
+  <p:clrMapOvr>
+    <a:masterClrMapping/>
+  </p:clrMapOvr>
+</p:sld>
+</file>
+
+<file path=ppt/slides/slide6.xml><?xml version="1.0" encoding="utf-8"?>
+<p:sld xmlns:a="http://schemas.openxmlformats.org/drawingml/2006/main" xmlns:r="http://schemas.openxmlformats.org/officeDocument/2006/relationships" xmlns:p="http://schemas.openxmlformats.org/presentationml/2006/main">
+  <p:cSld>
+    <p:spTree>
+      <p:nvGrpSpPr>
+        <p:cNvPr id="1" name=""/>
+        <p:cNvGrpSpPr/>
+        <p:nvPr/>
+      </p:nvGrpSpPr>
+      <p:grpSpPr>
+        <a:xfrm>
+          <a:off x="0" y="0"/>
+          <a:ext cx="0" cy="0"/>
+          <a:chOff x="0" y="0"/>
+          <a:chExt cx="0" cy="0"/>
+        </a:xfrm>
+      </p:grpSpPr>
       <p:graphicFrame>
         <p:nvGraphicFramePr>
           <p:cNvPr id="3" name="Diagram 2">
@@ -18436,89 +18587,6 @@
     <p:extLst>
       <p:ext uri="{BB962C8B-B14F-4D97-AF65-F5344CB8AC3E}">
         <p14:creationId xmlns:p14="http://schemas.microsoft.com/office/powerpoint/2010/main" val="3258487924"/>
-      </p:ext>
-    </p:extLst>
-  </p:cSld>
-  <p:clrMapOvr>
-    <a:masterClrMapping/>
-  </p:clrMapOvr>
-</p:sld>
-</file>
-
-<file path=ppt/slides/slide6.xml><?xml version="1.0" encoding="utf-8"?>
-<p:sld xmlns:a="http://schemas.openxmlformats.org/drawingml/2006/main" xmlns:r="http://schemas.openxmlformats.org/officeDocument/2006/relationships" xmlns:p="http://schemas.openxmlformats.org/presentationml/2006/main">
-  <p:cSld>
-    <p:spTree>
-      <p:nvGrpSpPr>
-        <p:cNvPr id="1" name=""/>
-        <p:cNvGrpSpPr/>
-        <p:nvPr/>
-      </p:nvGrpSpPr>
-      <p:grpSpPr>
-        <a:xfrm>
-          <a:off x="0" y="0"/>
-          <a:ext cx="0" cy="0"/>
-          <a:chOff x="0" y="0"/>
-          <a:chExt cx="0" cy="0"/>
-        </a:xfrm>
-      </p:grpSpPr>
-      <p:sp>
-        <p:nvSpPr>
-          <p:cNvPr id="2" name="Title 1">
-            <a:extLst>
-              <a:ext uri="{FF2B5EF4-FFF2-40B4-BE49-F238E27FC236}">
-                <a16:creationId xmlns:a16="http://schemas.microsoft.com/office/drawing/2014/main" id="{46764B13-08C2-5DF8-A53C-BFEC16E91C07}"/>
-              </a:ext>
-            </a:extLst>
-          </p:cNvPr>
-          <p:cNvSpPr>
-            <a:spLocks noGrp="1"/>
-          </p:cNvSpPr>
-          <p:nvPr>
-            <p:ph type="ctrTitle"/>
-          </p:nvPr>
-        </p:nvSpPr>
-        <p:spPr/>
-        <p:txBody>
-          <a:bodyPr/>
-          <a:lstStyle/>
-          <a:p>
-            <a:r>
-              <a:rPr lang="da-DK" dirty="0"/>
-              <a:t>Demo!</a:t>
-            </a:r>
-          </a:p>
-        </p:txBody>
-      </p:sp>
-      <p:sp>
-        <p:nvSpPr>
-          <p:cNvPr id="3" name="Subtitle 2">
-            <a:extLst>
-              <a:ext uri="{FF2B5EF4-FFF2-40B4-BE49-F238E27FC236}">
-                <a16:creationId xmlns:a16="http://schemas.microsoft.com/office/drawing/2014/main" id="{9DD93DD9-B1CE-0839-4E42-138D918D6D97}"/>
-              </a:ext>
-            </a:extLst>
-          </p:cNvPr>
-          <p:cNvSpPr>
-            <a:spLocks noGrp="1"/>
-          </p:cNvSpPr>
-          <p:nvPr>
-            <p:ph type="subTitle" idx="1"/>
-          </p:nvPr>
-        </p:nvSpPr>
-        <p:spPr/>
-        <p:txBody>
-          <a:bodyPr/>
-          <a:lstStyle/>
-          <a:p>
-            <a:endParaRPr lang="da-DK"/>
-          </a:p>
-        </p:txBody>
-      </p:sp>
-    </p:spTree>
-    <p:extLst>
-      <p:ext uri="{BB962C8B-B14F-4D97-AF65-F5344CB8AC3E}">
-        <p14:creationId xmlns:p14="http://schemas.microsoft.com/office/powerpoint/2010/main" val="41144073"/>
       </p:ext>
     </p:extLst>
   </p:cSld>

--- a/T-SQL Code analysis.pptx
+++ b/T-SQL Code analysis.pptx
@@ -11,15 +11,23 @@
     <p:sldId id="280" r:id="rId5"/>
     <p:sldId id="264" r:id="rId6"/>
     <p:sldId id="285" r:id="rId7"/>
-    <p:sldId id="257" r:id="rId8"/>
-    <p:sldId id="284" r:id="rId9"/>
-    <p:sldId id="266" r:id="rId10"/>
-    <p:sldId id="283" r:id="rId11"/>
-    <p:sldId id="256" r:id="rId12"/>
-    <p:sldId id="258" r:id="rId13"/>
-    <p:sldId id="267" r:id="rId14"/>
-    <p:sldId id="275" r:id="rId15"/>
-    <p:sldId id="279" r:id="rId16"/>
+    <p:sldId id="288" r:id="rId8"/>
+    <p:sldId id="287" r:id="rId9"/>
+    <p:sldId id="289" r:id="rId10"/>
+    <p:sldId id="291" r:id="rId11"/>
+    <p:sldId id="290" r:id="rId12"/>
+    <p:sldId id="292" r:id="rId13"/>
+    <p:sldId id="293" r:id="rId14"/>
+    <p:sldId id="266" r:id="rId15"/>
+    <p:sldId id="257" r:id="rId16"/>
+    <p:sldId id="284" r:id="rId17"/>
+    <p:sldId id="286" r:id="rId18"/>
+    <p:sldId id="283" r:id="rId19"/>
+    <p:sldId id="256" r:id="rId20"/>
+    <p:sldId id="258" r:id="rId21"/>
+    <p:sldId id="267" r:id="rId22"/>
+    <p:sldId id="275" r:id="rId23"/>
+    <p:sldId id="279" r:id="rId24"/>
   </p:sldIdLst>
   <p:sldSz cx="12192000" cy="6858000"/>
   <p:notesSz cx="6858000" cy="9144000"/>
@@ -6633,7 +6641,7 @@
       <dsp:spPr>
         <a:xfrm>
           <a:off x="0" y="0"/>
-          <a:ext cx="8128000" cy="5418667"/>
+          <a:ext cx="8128000" cy="5461001"/>
         </a:xfrm>
         <a:prstGeom prst="roundRect">
           <a:avLst>
@@ -6677,7 +6685,7 @@
         </a:fontRef>
       </dsp:style>
       <dsp:txBody>
-        <a:bodyPr spcFirstLastPara="0" vert="horz" wrap="square" lIns="247650" tIns="247650" rIns="247650" bIns="3345274" numCol="1" spcCol="1270" anchor="t" anchorCtr="0">
+        <a:bodyPr spcFirstLastPara="0" vert="horz" wrap="square" lIns="247650" tIns="247650" rIns="247650" bIns="3371410" numCol="1" spcCol="1270" anchor="t" anchorCtr="0">
           <a:noAutofit/>
         </a:bodyPr>
         <a:lstStyle/>
@@ -6702,8 +6710,8 @@
         </a:p>
       </dsp:txBody>
       <dsp:txXfrm>
-        <a:off x="134901" y="134901"/>
-        <a:ext cx="7858198" cy="5148865"/>
+        <a:off x="135955" y="135955"/>
+        <a:ext cx="7856090" cy="5189091"/>
       </dsp:txXfrm>
     </dsp:sp>
     <dsp:sp modelId="{6C21030C-B6E0-4185-AA4C-1CEC63367092}">
@@ -6713,8 +6721,8 @@
       </dsp:nvSpPr>
       <dsp:spPr>
         <a:xfrm>
-          <a:off x="203200" y="2438400"/>
-          <a:ext cx="3826867" cy="2438400"/>
+          <a:off x="203200" y="2457450"/>
+          <a:ext cx="3826867" cy="2457450"/>
         </a:xfrm>
         <a:prstGeom prst="roundRect">
           <a:avLst>
@@ -6809,8 +6817,8 @@
         </a:p>
       </dsp:txBody>
       <dsp:txXfrm>
-        <a:off x="278189" y="2513389"/>
-        <a:ext cx="3676889" cy="2288422"/>
+        <a:off x="278775" y="2533025"/>
+        <a:ext cx="3675717" cy="2306300"/>
       </dsp:txXfrm>
     </dsp:sp>
     <dsp:sp modelId="{76EED65C-FA62-4835-87B6-397BE9C42B7D}">
@@ -6820,8 +6828,8 @@
       </dsp:nvSpPr>
       <dsp:spPr>
         <a:xfrm>
-          <a:off x="4090491" y="2438400"/>
-          <a:ext cx="3826867" cy="2438400"/>
+          <a:off x="4090491" y="2457450"/>
+          <a:ext cx="3826867" cy="2457450"/>
         </a:xfrm>
         <a:prstGeom prst="roundRect">
           <a:avLst>
@@ -6912,8 +6920,8 @@
         </a:p>
       </dsp:txBody>
       <dsp:txXfrm>
-        <a:off x="4165480" y="2513389"/>
-        <a:ext cx="3676889" cy="2288422"/>
+        <a:off x="4166066" y="2533025"/>
+        <a:ext cx="3675717" cy="2306300"/>
       </dsp:txXfrm>
     </dsp:sp>
   </dsp:spTree>
@@ -13133,7 +13141,7 @@
           <a:p>
             <a:fld id="{100FD589-5CEC-4C5D-B34D-E6C06527026F}" type="datetimeFigureOut">
               <a:rPr lang="da-DK" smtClean="0"/>
-              <a:t>02-02-2025</a:t>
+              <a:t>02-08-2025</a:t>
             </a:fld>
             <a:endParaRPr lang="da-DK"/>
           </a:p>
@@ -13333,7 +13341,7 @@
           <a:p>
             <a:fld id="{100FD589-5CEC-4C5D-B34D-E6C06527026F}" type="datetimeFigureOut">
               <a:rPr lang="da-DK" smtClean="0"/>
-              <a:t>02-02-2025</a:t>
+              <a:t>02-08-2025</a:t>
             </a:fld>
             <a:endParaRPr lang="da-DK"/>
           </a:p>
@@ -13543,7 +13551,7 @@
           <a:p>
             <a:fld id="{100FD589-5CEC-4C5D-B34D-E6C06527026F}" type="datetimeFigureOut">
               <a:rPr lang="da-DK" smtClean="0"/>
-              <a:t>02-02-2025</a:t>
+              <a:t>02-08-2025</a:t>
             </a:fld>
             <a:endParaRPr lang="da-DK"/>
           </a:p>
@@ -13743,7 +13751,7 @@
           <a:p>
             <a:fld id="{100FD589-5CEC-4C5D-B34D-E6C06527026F}" type="datetimeFigureOut">
               <a:rPr lang="da-DK" smtClean="0"/>
-              <a:t>02-02-2025</a:t>
+              <a:t>02-08-2025</a:t>
             </a:fld>
             <a:endParaRPr lang="da-DK"/>
           </a:p>
@@ -14019,7 +14027,7 @@
           <a:p>
             <a:fld id="{100FD589-5CEC-4C5D-B34D-E6C06527026F}" type="datetimeFigureOut">
               <a:rPr lang="da-DK" smtClean="0"/>
-              <a:t>02-02-2025</a:t>
+              <a:t>02-08-2025</a:t>
             </a:fld>
             <a:endParaRPr lang="da-DK"/>
           </a:p>
@@ -14287,7 +14295,7 @@
           <a:p>
             <a:fld id="{100FD589-5CEC-4C5D-B34D-E6C06527026F}" type="datetimeFigureOut">
               <a:rPr lang="da-DK" smtClean="0"/>
-              <a:t>02-02-2025</a:t>
+              <a:t>02-08-2025</a:t>
             </a:fld>
             <a:endParaRPr lang="da-DK"/>
           </a:p>
@@ -14702,7 +14710,7 @@
           <a:p>
             <a:fld id="{100FD589-5CEC-4C5D-B34D-E6C06527026F}" type="datetimeFigureOut">
               <a:rPr lang="da-DK" smtClean="0"/>
-              <a:t>02-02-2025</a:t>
+              <a:t>02-08-2025</a:t>
             </a:fld>
             <a:endParaRPr lang="da-DK"/>
           </a:p>
@@ -14844,7 +14852,7 @@
           <a:p>
             <a:fld id="{100FD589-5CEC-4C5D-B34D-E6C06527026F}" type="datetimeFigureOut">
               <a:rPr lang="da-DK" smtClean="0"/>
-              <a:t>02-02-2025</a:t>
+              <a:t>02-08-2025</a:t>
             </a:fld>
             <a:endParaRPr lang="da-DK"/>
           </a:p>
@@ -14957,7 +14965,7 @@
           <a:p>
             <a:fld id="{100FD589-5CEC-4C5D-B34D-E6C06527026F}" type="datetimeFigureOut">
               <a:rPr lang="da-DK" smtClean="0"/>
-              <a:t>02-02-2025</a:t>
+              <a:t>02-08-2025</a:t>
             </a:fld>
             <a:endParaRPr lang="da-DK"/>
           </a:p>
@@ -15270,7 +15278,7 @@
           <a:p>
             <a:fld id="{100FD589-5CEC-4C5D-B34D-E6C06527026F}" type="datetimeFigureOut">
               <a:rPr lang="da-DK" smtClean="0"/>
-              <a:t>02-02-2025</a:t>
+              <a:t>02-08-2025</a:t>
             </a:fld>
             <a:endParaRPr lang="da-DK"/>
           </a:p>
@@ -15559,7 +15567,7 @@
           <a:p>
             <a:fld id="{100FD589-5CEC-4C5D-B34D-E6C06527026F}" type="datetimeFigureOut">
               <a:rPr lang="da-DK" smtClean="0"/>
-              <a:t>02-02-2025</a:t>
+              <a:t>02-08-2025</a:t>
             </a:fld>
             <a:endParaRPr lang="da-DK"/>
           </a:p>
@@ -15802,7 +15810,7 @@
           <a:p>
             <a:fld id="{100FD589-5CEC-4C5D-B34D-E6C06527026F}" type="datetimeFigureOut">
               <a:rPr lang="da-DK" smtClean="0"/>
-              <a:t>02-02-2025</a:t>
+              <a:t>02-08-2025</a:t>
             </a:fld>
             <a:endParaRPr lang="da-DK"/>
           </a:p>
@@ -16248,7 +16256,7 @@
             </a:r>
             <a:r>
               <a:rPr lang="da-DK" dirty="0"/>
-              <a:t> .NET </a:t>
+              <a:t> </a:t>
             </a:r>
             <a:r>
               <a:rPr lang="da-DK" dirty="0" err="1"/>
@@ -16310,7 +16318,7 @@
         <p:cNvPr id="1" name="">
           <a:extLst>
             <a:ext uri="{FF2B5EF4-FFF2-40B4-BE49-F238E27FC236}">
-              <a16:creationId xmlns:a16="http://schemas.microsoft.com/office/drawing/2014/main" id="{C03D46EE-FF28-5231-08CB-F5FDBAC097A5}"/>
+              <a16:creationId xmlns:a16="http://schemas.microsoft.com/office/drawing/2014/main" id="{6CD2D0EA-9571-6638-63EE-9C6A1B3E3A52}"/>
             </a:ext>
           </a:extLst>
         </p:cNvPr>
@@ -16330,7 +16338,7 @@
           <p:cNvPr id="2" name="Title 1">
             <a:extLst>
               <a:ext uri="{FF2B5EF4-FFF2-40B4-BE49-F238E27FC236}">
-                <a16:creationId xmlns:a16="http://schemas.microsoft.com/office/drawing/2014/main" id="{2E6EEB31-E4FC-2566-C8F1-45B5FB08A41F}"/>
+                <a16:creationId xmlns:a16="http://schemas.microsoft.com/office/drawing/2014/main" id="{AAF77172-1038-6046-9795-E9A3A2604BC6}"/>
               </a:ext>
             </a:extLst>
           </p:cNvPr>
@@ -16347,9 +16355,10 @@
           <a:lstStyle/>
           <a:p>
             <a:r>
-              <a:rPr lang="da-DK" dirty="0"/>
-              <a:t>Q  &amp; A</a:t>
-            </a:r>
+              <a:rPr lang="da-DK" dirty="0" err="1"/>
+              <a:t>ErikEJ.DacFX.SqlServer.Rules</a:t>
+            </a:r>
+            <a:endParaRPr lang="en-DK" dirty="0"/>
           </a:p>
         </p:txBody>
       </p:sp>
@@ -16358,7 +16367,7 @@
           <p:cNvPr id="3" name="Content Placeholder 2">
             <a:extLst>
               <a:ext uri="{FF2B5EF4-FFF2-40B4-BE49-F238E27FC236}">
-                <a16:creationId xmlns:a16="http://schemas.microsoft.com/office/drawing/2014/main" id="{47C55434-F03A-B8A3-C83A-165FC3B93CD3}"/>
+                <a16:creationId xmlns:a16="http://schemas.microsoft.com/office/drawing/2014/main" id="{B8276A9B-29EB-222D-DB62-E5EDE957809A}"/>
               </a:ext>
             </a:extLst>
           </p:cNvPr>
@@ -16371,312 +16380,138 @@
         </p:nvSpPr>
         <p:spPr/>
         <p:txBody>
-          <a:bodyPr>
-            <a:normAutofit fontScale="92500" lnSpcReduction="20000"/>
-          </a:bodyPr>
+          <a:bodyPr/>
           <a:lstStyle/>
           <a:p>
             <a:r>
-              <a:rPr lang="da-DK" sz="3200" dirty="0"/>
-              <a:t>Handling </a:t>
-            </a:r>
-            <a:r>
-              <a:rPr lang="da-DK" sz="3200" dirty="0" err="1"/>
-              <a:t>destructive</a:t>
-            </a:r>
-            <a:r>
-              <a:rPr lang="da-DK" sz="3200" dirty="0"/>
-              <a:t> </a:t>
-            </a:r>
-            <a:r>
-              <a:rPr lang="da-DK" sz="3200" dirty="0" err="1"/>
-              <a:t>schema</a:t>
-            </a:r>
-            <a:r>
-              <a:rPr lang="da-DK" sz="3200" dirty="0"/>
-              <a:t> </a:t>
-            </a:r>
-            <a:r>
-              <a:rPr lang="da-DK" sz="3200" dirty="0" err="1"/>
-              <a:t>changes</a:t>
-            </a:r>
-            <a:r>
-              <a:rPr lang="da-DK" sz="3200" dirty="0"/>
-              <a:t>?</a:t>
-            </a:r>
-          </a:p>
-          <a:p>
-            <a:r>
-              <a:rPr lang="da-DK" sz="3200" dirty="0"/>
-              <a:t>How do I ”seed data” to </a:t>
-            </a:r>
-            <a:r>
-              <a:rPr lang="da-DK" sz="3200" dirty="0" err="1"/>
-              <a:t>my</a:t>
-            </a:r>
-            <a:r>
-              <a:rPr lang="da-DK" sz="3200" dirty="0"/>
-              <a:t> database </a:t>
-            </a:r>
-            <a:r>
-              <a:rPr lang="da-DK" sz="3200" dirty="0" err="1"/>
-              <a:t>using</a:t>
-            </a:r>
-            <a:r>
-              <a:rPr lang="da-DK" sz="3200" dirty="0"/>
-              <a:t> a .</a:t>
-            </a:r>
-            <a:r>
-              <a:rPr lang="da-DK" sz="3200" dirty="0" err="1"/>
-              <a:t>dacpac</a:t>
-            </a:r>
-            <a:r>
-              <a:rPr lang="da-DK" sz="3200" dirty="0"/>
-              <a:t>?</a:t>
-            </a:r>
-          </a:p>
-          <a:p>
-            <a:r>
-              <a:rPr lang="da-DK" sz="3200" dirty="0"/>
-              <a:t>This is a community </a:t>
-            </a:r>
-            <a:r>
-              <a:rPr lang="da-DK" sz="3200" dirty="0" err="1"/>
+              <a:rPr lang="da-DK" dirty="0" err="1"/>
+              <a:t>Rule</a:t>
+            </a:r>
+            <a:r>
+              <a:rPr lang="da-DK" dirty="0"/>
+              <a:t> sets with 140 </a:t>
+            </a:r>
+            <a:r>
+              <a:rPr lang="da-DK" dirty="0" err="1"/>
+              <a:t>rules</a:t>
+            </a:r>
+            <a:r>
+              <a:rPr lang="da-DK" dirty="0"/>
+              <a:t> for </a:t>
+            </a:r>
+            <a:r>
+              <a:rPr lang="da-DK" dirty="0" err="1"/>
+              <a:t>inclusion</a:t>
+            </a:r>
+            <a:r>
+              <a:rPr lang="da-DK" dirty="0"/>
+              <a:t> in SQL Database </a:t>
+            </a:r>
+            <a:r>
+              <a:rPr lang="da-DK" dirty="0" err="1"/>
               <a:t>project</a:t>
             </a:r>
-            <a:r>
-              <a:rPr lang="da-DK" sz="3200" dirty="0"/>
-              <a:t>, </a:t>
-            </a:r>
-            <a:r>
-              <a:rPr lang="da-DK" sz="3200" dirty="0" err="1"/>
-              <a:t>what</a:t>
-            </a:r>
-            <a:r>
-              <a:rPr lang="da-DK" sz="3200" dirty="0"/>
-              <a:t> is MS </a:t>
-            </a:r>
-            <a:r>
-              <a:rPr lang="da-DK" sz="3200" dirty="0" err="1"/>
-              <a:t>doing</a:t>
-            </a:r>
-            <a:r>
-              <a:rPr lang="da-DK" sz="3200" dirty="0"/>
-              <a:t>?</a:t>
-            </a:r>
-          </a:p>
-          <a:p>
-            <a:r>
-              <a:rPr lang="da-DK" sz="3200" dirty="0" err="1"/>
-              <a:t>Sharing</a:t>
-            </a:r>
-            <a:r>
-              <a:rPr lang="da-DK" sz="3200" dirty="0"/>
-              <a:t> parts of a database (</a:t>
-            </a:r>
-            <a:r>
-              <a:rPr lang="da-DK" sz="3200" dirty="0" err="1"/>
-              <a:t>f.ex</a:t>
-            </a:r>
-            <a:r>
-              <a:rPr lang="da-DK" sz="3200" dirty="0"/>
-              <a:t>. </a:t>
-            </a:r>
-            <a:r>
-              <a:rPr lang="da-DK" sz="3200" dirty="0" err="1"/>
-              <a:t>monitoring</a:t>
-            </a:r>
-            <a:r>
-              <a:rPr lang="da-DK" sz="3200" dirty="0"/>
-              <a:t>) ?</a:t>
-            </a:r>
-          </a:p>
-          <a:p>
-            <a:r>
-              <a:rPr lang="da-DK" sz="3200" dirty="0" err="1"/>
-              <a:t>Does</a:t>
-            </a:r>
-            <a:r>
-              <a:rPr lang="da-DK" sz="3200" dirty="0"/>
-              <a:t> it </a:t>
-            </a:r>
-            <a:r>
-              <a:rPr lang="da-DK" sz="3200" dirty="0" err="1"/>
-              <a:t>work</a:t>
-            </a:r>
-            <a:r>
-              <a:rPr lang="da-DK" sz="3200" dirty="0"/>
-              <a:t> on </a:t>
-            </a:r>
-            <a:r>
-              <a:rPr lang="da-DK" sz="3200" dirty="0" err="1"/>
-              <a:t>Azure</a:t>
-            </a:r>
-            <a:r>
-              <a:rPr lang="da-DK" sz="3200" dirty="0"/>
-              <a:t> SQL Databases?</a:t>
-            </a:r>
-          </a:p>
-          <a:p>
-            <a:r>
-              <a:rPr lang="da-DK" sz="3200" dirty="0"/>
-              <a:t>How </a:t>
-            </a:r>
-            <a:r>
-              <a:rPr lang="da-DK" sz="3200" dirty="0" err="1"/>
-              <a:t>would</a:t>
-            </a:r>
-            <a:r>
-              <a:rPr lang="da-DK" sz="3200" dirty="0"/>
-              <a:t> </a:t>
-            </a:r>
-            <a:r>
-              <a:rPr lang="da-DK" sz="3200" dirty="0" err="1"/>
-              <a:t>this</a:t>
-            </a:r>
-            <a:r>
-              <a:rPr lang="da-DK" sz="3200" dirty="0"/>
-              <a:t> </a:t>
-            </a:r>
-            <a:r>
-              <a:rPr lang="da-DK" sz="3200" dirty="0" err="1"/>
-              <a:t>work</a:t>
-            </a:r>
-            <a:r>
-              <a:rPr lang="da-DK" sz="3200" dirty="0"/>
-              <a:t> with EF Core?</a:t>
-            </a:r>
-          </a:p>
-          <a:p>
-            <a:r>
-              <a:rPr lang="da-DK" sz="3200" dirty="0"/>
-              <a:t>How </a:t>
-            </a:r>
-            <a:r>
-              <a:rPr lang="da-DK" sz="3200" dirty="0" err="1"/>
-              <a:t>about</a:t>
-            </a:r>
-            <a:r>
-              <a:rPr lang="da-DK" sz="3200" dirty="0"/>
-              <a:t> .NET </a:t>
-            </a:r>
-            <a:r>
-              <a:rPr lang="da-DK" sz="3200" dirty="0" err="1"/>
-              <a:t>Aspire</a:t>
-            </a:r>
-            <a:r>
-              <a:rPr lang="da-DK" sz="3200" dirty="0"/>
-              <a:t>?</a:t>
-            </a:r>
-          </a:p>
-          <a:p>
-            <a:r>
-              <a:rPr lang="da-DK" sz="3200" dirty="0" err="1"/>
-              <a:t>What</a:t>
-            </a:r>
-            <a:r>
-              <a:rPr lang="da-DK" sz="3200" dirty="0"/>
-              <a:t> </a:t>
-            </a:r>
-            <a:r>
-              <a:rPr lang="da-DK" sz="3200" dirty="0" err="1"/>
-              <a:t>if</a:t>
-            </a:r>
-            <a:r>
-              <a:rPr lang="da-DK" sz="3200" dirty="0"/>
-              <a:t> </a:t>
-            </a:r>
-            <a:r>
-              <a:rPr lang="da-DK" sz="3200" dirty="0" err="1"/>
-              <a:t>my</a:t>
-            </a:r>
-            <a:r>
-              <a:rPr lang="da-DK" sz="3200" dirty="0"/>
-              <a:t> </a:t>
-            </a:r>
-            <a:r>
-              <a:rPr lang="da-DK" sz="3200" dirty="0" err="1"/>
-              <a:t>db</a:t>
-            </a:r>
-            <a:r>
-              <a:rPr lang="da-DK" sz="3200" dirty="0"/>
-              <a:t> has </a:t>
-            </a:r>
-            <a:r>
-              <a:rPr lang="da-DK" sz="3200" dirty="0" err="1"/>
-              <a:t>dependencies</a:t>
-            </a:r>
-            <a:r>
-              <a:rPr lang="da-DK" sz="3200" dirty="0"/>
-              <a:t> on </a:t>
-            </a:r>
-            <a:r>
-              <a:rPr lang="da-DK" sz="3200" dirty="0" err="1"/>
-              <a:t>other</a:t>
-            </a:r>
-            <a:r>
-              <a:rPr lang="da-DK" sz="3200" dirty="0"/>
-              <a:t> database?</a:t>
-            </a:r>
-          </a:p>
-          <a:p>
-            <a:r>
-              <a:rPr lang="da-DK" sz="3200" dirty="0"/>
-              <a:t>I </a:t>
-            </a:r>
-            <a:r>
-              <a:rPr lang="da-DK" sz="3200" dirty="0" err="1"/>
-              <a:t>use</a:t>
-            </a:r>
-            <a:r>
-              <a:rPr lang="da-DK" sz="3200" dirty="0"/>
-              <a:t> </a:t>
-            </a:r>
-            <a:r>
-              <a:rPr lang="da-DK" sz="3200" dirty="0" err="1"/>
-              <a:t>Postgres</a:t>
-            </a:r>
-            <a:r>
-              <a:rPr lang="da-DK" sz="3200" dirty="0"/>
-              <a:t> / Oracle /MySQL – </a:t>
-            </a:r>
-            <a:r>
-              <a:rPr lang="da-DK" sz="3200" dirty="0" err="1"/>
-              <a:t>can</a:t>
-            </a:r>
-            <a:r>
-              <a:rPr lang="da-DK" sz="3200" dirty="0"/>
-              <a:t> I </a:t>
-            </a:r>
-            <a:r>
-              <a:rPr lang="da-DK" sz="3200" dirty="0" err="1"/>
-              <a:t>use</a:t>
-            </a:r>
-            <a:r>
-              <a:rPr lang="da-DK" sz="3200" dirty="0"/>
-              <a:t> </a:t>
-            </a:r>
-            <a:r>
-              <a:rPr lang="da-DK" sz="3200" dirty="0" err="1"/>
-              <a:t>this</a:t>
-            </a:r>
-            <a:r>
-              <a:rPr lang="da-DK" sz="3200" dirty="0"/>
-              <a:t>?</a:t>
-            </a:r>
+            <a:endParaRPr lang="da-DK" dirty="0"/>
           </a:p>
           <a:p>
             <a:pPr marL="0" indent="0">
               <a:buNone/>
             </a:pPr>
-            <a:endParaRPr lang="da-DK" sz="3200" dirty="0"/>
+            <a:endParaRPr lang="da-DK" dirty="0"/>
+          </a:p>
+          <a:p>
+            <a:pPr marL="0" indent="0">
+              <a:buNone/>
+            </a:pPr>
+            <a:r>
+              <a:rPr lang="da-DK" dirty="0" err="1">
+                <a:latin typeface="Cascadia Code" panose="020B0609020000020004" pitchFamily="49" charset="0"/>
+                <a:cs typeface="Cascadia Code" panose="020B0609020000020004" pitchFamily="49" charset="0"/>
+              </a:rPr>
+              <a:t>dotnet</a:t>
+            </a:r>
+            <a:r>
+              <a:rPr lang="da-DK" dirty="0">
+                <a:latin typeface="Cascadia Code" panose="020B0609020000020004" pitchFamily="49" charset="0"/>
+                <a:cs typeface="Cascadia Code" panose="020B0609020000020004" pitchFamily="49" charset="0"/>
+              </a:rPr>
+              <a:t> </a:t>
+            </a:r>
+            <a:r>
+              <a:rPr lang="da-DK" dirty="0" err="1">
+                <a:latin typeface="Cascadia Code" panose="020B0609020000020004" pitchFamily="49" charset="0"/>
+                <a:cs typeface="Cascadia Code" panose="020B0609020000020004" pitchFamily="49" charset="0"/>
+              </a:rPr>
+              <a:t>add</a:t>
+            </a:r>
+            <a:r>
+              <a:rPr lang="da-DK" dirty="0">
+                <a:latin typeface="Cascadia Code" panose="020B0609020000020004" pitchFamily="49" charset="0"/>
+                <a:cs typeface="Cascadia Code" panose="020B0609020000020004" pitchFamily="49" charset="0"/>
+              </a:rPr>
+              <a:t> </a:t>
+            </a:r>
+            <a:r>
+              <a:rPr lang="da-DK" dirty="0" err="1">
+                <a:latin typeface="Cascadia Code" panose="020B0609020000020004" pitchFamily="49" charset="0"/>
+                <a:cs typeface="Cascadia Code" panose="020B0609020000020004" pitchFamily="49" charset="0"/>
+              </a:rPr>
+              <a:t>package</a:t>
+            </a:r>
+            <a:r>
+              <a:rPr lang="da-DK" dirty="0">
+                <a:latin typeface="Cascadia Code" panose="020B0609020000020004" pitchFamily="49" charset="0"/>
+                <a:cs typeface="Cascadia Code" panose="020B0609020000020004" pitchFamily="49" charset="0"/>
+              </a:rPr>
+              <a:t> </a:t>
+            </a:r>
+            <a:r>
+              <a:rPr lang="da-DK" dirty="0" err="1">
+                <a:latin typeface="Cascadia Code" panose="020B0609020000020004" pitchFamily="49" charset="0"/>
+                <a:cs typeface="Cascadia Code" panose="020B0609020000020004" pitchFamily="49" charset="0"/>
+              </a:rPr>
+              <a:t>ErikEJ.DacFX.SqlServer.Rules</a:t>
+            </a:r>
+            <a:endParaRPr lang="da-DK" dirty="0">
+              <a:latin typeface="Cascadia Code" panose="020B0609020000020004" pitchFamily="49" charset="0"/>
+              <a:cs typeface="Cascadia Code" panose="020B0609020000020004" pitchFamily="49" charset="0"/>
+            </a:endParaRPr>
+          </a:p>
+          <a:p>
+            <a:endParaRPr lang="da-DK" dirty="0"/>
+          </a:p>
+          <a:p>
+            <a:pPr marL="0" indent="0">
+              <a:buNone/>
+            </a:pPr>
+            <a:r>
+              <a:rPr lang="da-DK" dirty="0"/>
+              <a:t>(</a:t>
+            </a:r>
+            <a:r>
+              <a:rPr lang="da-DK" dirty="0" err="1"/>
+              <a:t>also</a:t>
+            </a:r>
+            <a:r>
+              <a:rPr lang="da-DK" dirty="0"/>
+              <a:t> </a:t>
+            </a:r>
+            <a:r>
+              <a:rPr lang="da-DK" dirty="0" err="1"/>
+              <a:t>ErikEJ.DacFX.TSQLSmellSCA</a:t>
+            </a:r>
+            <a:r>
+              <a:rPr lang="da-DK" dirty="0"/>
+              <a:t>)</a:t>
+            </a:r>
+            <a:endParaRPr lang="en-DK" dirty="0"/>
           </a:p>
         </p:txBody>
       </p:sp>
     </p:spTree>
     <p:extLst>
       <p:ext uri="{BB962C8B-B14F-4D97-AF65-F5344CB8AC3E}">
-        <p14:creationId xmlns:p14="http://schemas.microsoft.com/office/powerpoint/2010/main" val="3608072289"/>
+        <p14:creationId xmlns:p14="http://schemas.microsoft.com/office/powerpoint/2010/main" val="1873769460"/>
       </p:ext>
     </p:extLst>
   </p:cSld>
@@ -16691,7 +16526,13 @@
   <p:cSld>
     <p:spTree>
       <p:nvGrpSpPr>
-        <p:cNvPr id="1" name=""/>
+        <p:cNvPr id="1" name="">
+          <a:extLst>
+            <a:ext uri="{FF2B5EF4-FFF2-40B4-BE49-F238E27FC236}">
+              <a16:creationId xmlns:a16="http://schemas.microsoft.com/office/drawing/2014/main" id="{BEBB3E29-E105-21E0-5AD0-9E0B94B63BB4}"/>
+            </a:ext>
+          </a:extLst>
+        </p:cNvPr>
         <p:cNvGrpSpPr/>
         <p:nvPr/>
       </p:nvGrpSpPr>
@@ -16708,7 +16549,7 @@
           <p:cNvPr id="2" name="Title 1">
             <a:extLst>
               <a:ext uri="{FF2B5EF4-FFF2-40B4-BE49-F238E27FC236}">
-                <a16:creationId xmlns:a16="http://schemas.microsoft.com/office/drawing/2014/main" id="{B6E02EDD-BF75-C1E2-C4E0-452E278B9E12}"/>
+                <a16:creationId xmlns:a16="http://schemas.microsoft.com/office/drawing/2014/main" id="{7E8CCE8C-BAF8-969B-3556-0C8ADD83BE03}"/>
               </a:ext>
             </a:extLst>
           </p:cNvPr>
@@ -16716,7 +16557,7 @@
             <a:spLocks noGrp="1"/>
           </p:cNvSpPr>
           <p:nvPr>
-            <p:ph type="ctrTitle"/>
+            <p:ph type="title"/>
           </p:nvPr>
         </p:nvSpPr>
         <p:spPr/>
@@ -16726,53 +16567,18 @@
           <a:p>
             <a:r>
               <a:rPr lang="da-DK" dirty="0" err="1"/>
-              <a:t>What</a:t>
-            </a:r>
-            <a:r>
-              <a:rPr lang="da-DK" dirty="0"/>
-              <a:t> is a </a:t>
-            </a:r>
-            <a:r>
-              <a:rPr lang="da-DK" dirty="0" err="1"/>
-              <a:t>dacpac</a:t>
-            </a:r>
-            <a:r>
-              <a:rPr lang="da-DK" dirty="0"/>
-              <a:t> and </a:t>
-            </a:r>
-            <a:r>
-              <a:rPr lang="da-DK" dirty="0" err="1"/>
-              <a:t>why</a:t>
-            </a:r>
-            <a:r>
-              <a:rPr lang="da-DK" dirty="0"/>
-              <a:t> </a:t>
-            </a:r>
-            <a:r>
-              <a:rPr lang="da-DK" dirty="0" err="1"/>
-              <a:t>should</a:t>
-            </a:r>
-            <a:r>
-              <a:rPr lang="da-DK" dirty="0"/>
-              <a:t> I </a:t>
-            </a:r>
-            <a:r>
-              <a:rPr lang="da-DK" dirty="0" err="1"/>
-              <a:t>care</a:t>
-            </a:r>
-            <a:r>
-              <a:rPr lang="da-DK" dirty="0"/>
-              <a:t>?</a:t>
-            </a:r>
+              <a:t>ErikEJ.DacFX.TSQLAnalyzer</a:t>
+            </a:r>
+            <a:endParaRPr lang="en-DK" dirty="0"/>
           </a:p>
         </p:txBody>
       </p:sp>
       <p:sp>
         <p:nvSpPr>
-          <p:cNvPr id="3" name="Subtitle 2">
+          <p:cNvPr id="3" name="Content Placeholder 2">
             <a:extLst>
               <a:ext uri="{FF2B5EF4-FFF2-40B4-BE49-F238E27FC236}">
-                <a16:creationId xmlns:a16="http://schemas.microsoft.com/office/drawing/2014/main" id="{FC34CC98-5EC0-A5E9-F6EC-E0FF61BD140B}"/>
+                <a16:creationId xmlns:a16="http://schemas.microsoft.com/office/drawing/2014/main" id="{585C81EE-4A78-F339-B838-475F3B8FA0FE}"/>
               </a:ext>
             </a:extLst>
           </p:cNvPr>
@@ -16780,7 +16586,7 @@
             <a:spLocks noGrp="1"/>
           </p:cNvSpPr>
           <p:nvPr>
-            <p:ph type="subTitle" idx="1"/>
+            <p:ph idx="1"/>
           </p:nvPr>
         </p:nvSpPr>
         <p:spPr/>
@@ -16788,14 +16594,120 @@
           <a:bodyPr/>
           <a:lstStyle/>
           <a:p>
-            <a:endParaRPr lang="da-DK"/>
+            <a:r>
+              <a:rPr lang="da-DK" dirty="0" err="1"/>
+              <a:t>Add</a:t>
+            </a:r>
+            <a:r>
+              <a:rPr lang="da-DK" dirty="0"/>
+              <a:t> </a:t>
+            </a:r>
+            <a:r>
+              <a:rPr lang="da-DK" dirty="0" err="1"/>
+              <a:t>add</a:t>
+            </a:r>
+            <a:r>
+              <a:rPr lang="da-DK" dirty="0"/>
+              <a:t>-hoc SQL CREATE script </a:t>
+            </a:r>
+            <a:r>
+              <a:rPr lang="da-DK" dirty="0" err="1"/>
+              <a:t>analysis</a:t>
+            </a:r>
+            <a:r>
+              <a:rPr lang="da-DK" dirty="0"/>
+              <a:t> to </a:t>
+            </a:r>
+            <a:r>
+              <a:rPr lang="da-DK" dirty="0" err="1"/>
+              <a:t>your</a:t>
+            </a:r>
+            <a:r>
+              <a:rPr lang="da-DK" dirty="0"/>
+              <a:t> </a:t>
+            </a:r>
+            <a:r>
+              <a:rPr lang="da-DK" dirty="0" err="1"/>
+              <a:t>own</a:t>
+            </a:r>
+            <a:r>
+              <a:rPr lang="da-DK" dirty="0"/>
+              <a:t> .NET app</a:t>
+            </a:r>
+          </a:p>
+          <a:p>
+            <a:pPr marL="0" indent="0">
+              <a:buNone/>
+            </a:pPr>
+            <a:endParaRPr lang="da-DK" dirty="0"/>
+          </a:p>
+          <a:p>
+            <a:pPr marL="0" indent="0">
+              <a:buNone/>
+            </a:pPr>
+            <a:r>
+              <a:rPr lang="da-DK" dirty="0" err="1">
+                <a:latin typeface="Cascadia Code" panose="020B0609020000020004" pitchFamily="49" charset="0"/>
+                <a:cs typeface="Cascadia Code" panose="020B0609020000020004" pitchFamily="49" charset="0"/>
+              </a:rPr>
+              <a:t>dotnet</a:t>
+            </a:r>
+            <a:r>
+              <a:rPr lang="da-DK" dirty="0">
+                <a:latin typeface="Cascadia Code" panose="020B0609020000020004" pitchFamily="49" charset="0"/>
+                <a:cs typeface="Cascadia Code" panose="020B0609020000020004" pitchFamily="49" charset="0"/>
+              </a:rPr>
+              <a:t> </a:t>
+            </a:r>
+            <a:r>
+              <a:rPr lang="da-DK" dirty="0" err="1">
+                <a:latin typeface="Cascadia Code" panose="020B0609020000020004" pitchFamily="49" charset="0"/>
+                <a:cs typeface="Cascadia Code" panose="020B0609020000020004" pitchFamily="49" charset="0"/>
+              </a:rPr>
+              <a:t>add</a:t>
+            </a:r>
+            <a:r>
+              <a:rPr lang="da-DK" dirty="0">
+                <a:latin typeface="Cascadia Code" panose="020B0609020000020004" pitchFamily="49" charset="0"/>
+                <a:cs typeface="Cascadia Code" panose="020B0609020000020004" pitchFamily="49" charset="0"/>
+              </a:rPr>
+              <a:t> </a:t>
+            </a:r>
+            <a:r>
+              <a:rPr lang="da-DK" dirty="0" err="1">
+                <a:latin typeface="Cascadia Code" panose="020B0609020000020004" pitchFamily="49" charset="0"/>
+                <a:cs typeface="Cascadia Code" panose="020B0609020000020004" pitchFamily="49" charset="0"/>
+              </a:rPr>
+              <a:t>package</a:t>
+            </a:r>
+            <a:r>
+              <a:rPr lang="da-DK" dirty="0">
+                <a:latin typeface="Cascadia Code" panose="020B0609020000020004" pitchFamily="49" charset="0"/>
+                <a:cs typeface="Cascadia Code" panose="020B0609020000020004" pitchFamily="49" charset="0"/>
+              </a:rPr>
+              <a:t> </a:t>
+            </a:r>
+            <a:r>
+              <a:rPr lang="da-DK" dirty="0" err="1">
+                <a:latin typeface="Cascadia Code" panose="020B0609020000020004" pitchFamily="49" charset="0"/>
+                <a:cs typeface="Cascadia Code" panose="020B0609020000020004" pitchFamily="49" charset="0"/>
+              </a:rPr>
+              <a:t>ErikEJ.DacFX.TSQLAnalyzer</a:t>
+            </a:r>
+            <a:endParaRPr lang="da-DK" dirty="0">
+              <a:latin typeface="Cascadia Code" panose="020B0609020000020004" pitchFamily="49" charset="0"/>
+              <a:cs typeface="Cascadia Code" panose="020B0609020000020004" pitchFamily="49" charset="0"/>
+            </a:endParaRPr>
+          </a:p>
+          <a:p>
+            <a:endParaRPr lang="en-DK" dirty="0"/>
           </a:p>
         </p:txBody>
       </p:sp>
     </p:spTree>
     <p:extLst>
       <p:ext uri="{BB962C8B-B14F-4D97-AF65-F5344CB8AC3E}">
-        <p14:creationId xmlns:p14="http://schemas.microsoft.com/office/powerpoint/2010/main" val="3361272730"/>
+        <p14:creationId xmlns:p14="http://schemas.microsoft.com/office/powerpoint/2010/main" val="3688589170"/>
       </p:ext>
     </p:extLst>
   </p:cSld>
@@ -16806,6 +16718,296 @@
 </file>
 
 <file path=ppt/slides/slide12.xml><?xml version="1.0" encoding="utf-8"?>
+<p:sld xmlns:a="http://schemas.openxmlformats.org/drawingml/2006/main" xmlns:r="http://schemas.openxmlformats.org/officeDocument/2006/relationships" xmlns:p="http://schemas.openxmlformats.org/presentationml/2006/main">
+  <p:cSld>
+    <p:spTree>
+      <p:nvGrpSpPr>
+        <p:cNvPr id="1" name="">
+          <a:extLst>
+            <a:ext uri="{FF2B5EF4-FFF2-40B4-BE49-F238E27FC236}">
+              <a16:creationId xmlns:a16="http://schemas.microsoft.com/office/drawing/2014/main" id="{8C562300-A0EB-0A75-32B1-0B95D6EBEFEB}"/>
+            </a:ext>
+          </a:extLst>
+        </p:cNvPr>
+        <p:cNvGrpSpPr/>
+        <p:nvPr/>
+      </p:nvGrpSpPr>
+      <p:grpSpPr>
+        <a:xfrm>
+          <a:off x="0" y="0"/>
+          <a:ext cx="0" cy="0"/>
+          <a:chOff x="0" y="0"/>
+          <a:chExt cx="0" cy="0"/>
+        </a:xfrm>
+      </p:grpSpPr>
+      <p:sp>
+        <p:nvSpPr>
+          <p:cNvPr id="2" name="Title 1">
+            <a:extLst>
+              <a:ext uri="{FF2B5EF4-FFF2-40B4-BE49-F238E27FC236}">
+                <a16:creationId xmlns:a16="http://schemas.microsoft.com/office/drawing/2014/main" id="{B3EC1558-9621-9C92-91DE-8DEDF43ED788}"/>
+              </a:ext>
+            </a:extLst>
+          </p:cNvPr>
+          <p:cNvSpPr>
+            <a:spLocks noGrp="1"/>
+          </p:cNvSpPr>
+          <p:nvPr>
+            <p:ph type="title"/>
+          </p:nvPr>
+        </p:nvSpPr>
+        <p:spPr/>
+        <p:txBody>
+          <a:bodyPr/>
+          <a:lstStyle/>
+          <a:p>
+            <a:r>
+              <a:rPr lang="da-DK" dirty="0" err="1"/>
+              <a:t>ErikEJ.DacFX.TSQLAnalyzer.Cli</a:t>
+            </a:r>
+            <a:endParaRPr lang="en-DK" dirty="0"/>
+          </a:p>
+        </p:txBody>
+      </p:sp>
+      <p:sp>
+        <p:nvSpPr>
+          <p:cNvPr id="3" name="Content Placeholder 2">
+            <a:extLst>
+              <a:ext uri="{FF2B5EF4-FFF2-40B4-BE49-F238E27FC236}">
+                <a16:creationId xmlns:a16="http://schemas.microsoft.com/office/drawing/2014/main" id="{66719FE4-BE35-720C-B8F7-EBCED8709D8E}"/>
+              </a:ext>
+            </a:extLst>
+          </p:cNvPr>
+          <p:cNvSpPr>
+            <a:spLocks noGrp="1"/>
+          </p:cNvSpPr>
+          <p:nvPr>
+            <p:ph idx="1"/>
+          </p:nvPr>
+        </p:nvSpPr>
+        <p:spPr/>
+        <p:txBody>
+          <a:bodyPr/>
+          <a:lstStyle/>
+          <a:p>
+            <a:r>
+              <a:rPr lang="en-US" dirty="0"/>
+              <a:t>T-SQL Analyzer is a command line tool for identifying and reporting the presence of anti-patterns in T-SQL scripts.</a:t>
+            </a:r>
+          </a:p>
+          <a:p>
+            <a:endParaRPr lang="da-DK" dirty="0"/>
+          </a:p>
+          <a:p>
+            <a:pPr marL="0" indent="0">
+              <a:buNone/>
+            </a:pPr>
+            <a:r>
+              <a:rPr lang="da-DK" sz="2000" dirty="0" err="1">
+                <a:latin typeface="Cascadia Code" panose="020B0609020000020004" pitchFamily="49" charset="0"/>
+                <a:cs typeface="Cascadia Code" panose="020B0609020000020004" pitchFamily="49" charset="0"/>
+              </a:rPr>
+              <a:t>dotnet</a:t>
+            </a:r>
+            <a:r>
+              <a:rPr lang="da-DK" sz="2000" dirty="0">
+                <a:latin typeface="Cascadia Code" panose="020B0609020000020004" pitchFamily="49" charset="0"/>
+                <a:cs typeface="Cascadia Code" panose="020B0609020000020004" pitchFamily="49" charset="0"/>
+              </a:rPr>
+              <a:t> </a:t>
+            </a:r>
+            <a:r>
+              <a:rPr lang="da-DK" sz="2000" dirty="0" err="1">
+                <a:latin typeface="Cascadia Code" panose="020B0609020000020004" pitchFamily="49" charset="0"/>
+                <a:cs typeface="Cascadia Code" panose="020B0609020000020004" pitchFamily="49" charset="0"/>
+              </a:rPr>
+              <a:t>tool</a:t>
+            </a:r>
+            <a:r>
+              <a:rPr lang="da-DK" sz="2000" dirty="0">
+                <a:latin typeface="Cascadia Code" panose="020B0609020000020004" pitchFamily="49" charset="0"/>
+                <a:cs typeface="Cascadia Code" panose="020B0609020000020004" pitchFamily="49" charset="0"/>
+              </a:rPr>
+              <a:t> </a:t>
+            </a:r>
+            <a:r>
+              <a:rPr lang="da-DK" sz="2000" dirty="0" err="1">
+                <a:latin typeface="Cascadia Code" panose="020B0609020000020004" pitchFamily="49" charset="0"/>
+                <a:cs typeface="Cascadia Code" panose="020B0609020000020004" pitchFamily="49" charset="0"/>
+              </a:rPr>
+              <a:t>install</a:t>
+            </a:r>
+            <a:r>
+              <a:rPr lang="da-DK" sz="2000" dirty="0">
+                <a:latin typeface="Cascadia Code" panose="020B0609020000020004" pitchFamily="49" charset="0"/>
+                <a:cs typeface="Cascadia Code" panose="020B0609020000020004" pitchFamily="49" charset="0"/>
+              </a:rPr>
+              <a:t> --global </a:t>
+            </a:r>
+            <a:r>
+              <a:rPr lang="da-DK" sz="2000" dirty="0" err="1">
+                <a:latin typeface="Cascadia Code" panose="020B0609020000020004" pitchFamily="49" charset="0"/>
+                <a:cs typeface="Cascadia Code" panose="020B0609020000020004" pitchFamily="49" charset="0"/>
+              </a:rPr>
+              <a:t>ErikEJ.DacFX.TSQLAnalyzer.Cli</a:t>
+            </a:r>
+            <a:endParaRPr lang="da-DK" sz="2000" dirty="0">
+              <a:latin typeface="Cascadia Code" panose="020B0609020000020004" pitchFamily="49" charset="0"/>
+              <a:cs typeface="Cascadia Code" panose="020B0609020000020004" pitchFamily="49" charset="0"/>
+            </a:endParaRPr>
+          </a:p>
+          <a:p>
+            <a:endParaRPr lang="en-DK" dirty="0"/>
+          </a:p>
+        </p:txBody>
+      </p:sp>
+    </p:spTree>
+    <p:extLst>
+      <p:ext uri="{BB962C8B-B14F-4D97-AF65-F5344CB8AC3E}">
+        <p14:creationId xmlns:p14="http://schemas.microsoft.com/office/powerpoint/2010/main" val="343746615"/>
+      </p:ext>
+    </p:extLst>
+  </p:cSld>
+  <p:clrMapOvr>
+    <a:masterClrMapping/>
+  </p:clrMapOvr>
+</p:sld>
+</file>
+
+<file path=ppt/slides/slide13.xml><?xml version="1.0" encoding="utf-8"?>
+<p:sld xmlns:a="http://schemas.openxmlformats.org/drawingml/2006/main" xmlns:r="http://schemas.openxmlformats.org/officeDocument/2006/relationships" xmlns:p="http://schemas.openxmlformats.org/presentationml/2006/main">
+  <p:cSld>
+    <p:spTree>
+      <p:nvGrpSpPr>
+        <p:cNvPr id="1" name="">
+          <a:extLst>
+            <a:ext uri="{FF2B5EF4-FFF2-40B4-BE49-F238E27FC236}">
+              <a16:creationId xmlns:a16="http://schemas.microsoft.com/office/drawing/2014/main" id="{8D177DB7-59C2-569E-27BA-0CAFB44644B5}"/>
+            </a:ext>
+          </a:extLst>
+        </p:cNvPr>
+        <p:cNvGrpSpPr/>
+        <p:nvPr/>
+      </p:nvGrpSpPr>
+      <p:grpSpPr>
+        <a:xfrm>
+          <a:off x="0" y="0"/>
+          <a:ext cx="0" cy="0"/>
+          <a:chOff x="0" y="0"/>
+          <a:chExt cx="0" cy="0"/>
+        </a:xfrm>
+      </p:grpSpPr>
+      <p:sp>
+        <p:nvSpPr>
+          <p:cNvPr id="2" name="Title 1">
+            <a:extLst>
+              <a:ext uri="{FF2B5EF4-FFF2-40B4-BE49-F238E27FC236}">
+                <a16:creationId xmlns:a16="http://schemas.microsoft.com/office/drawing/2014/main" id="{ADAED7E4-AAED-AC2A-4FAB-FC605168D008}"/>
+              </a:ext>
+            </a:extLst>
+          </p:cNvPr>
+          <p:cNvSpPr>
+            <a:spLocks noGrp="1"/>
+          </p:cNvSpPr>
+          <p:nvPr>
+            <p:ph type="title"/>
+          </p:nvPr>
+        </p:nvSpPr>
+        <p:spPr/>
+        <p:txBody>
+          <a:bodyPr/>
+          <a:lstStyle/>
+          <a:p>
+            <a:r>
+              <a:rPr lang="da-DK"/>
+              <a:t>ErikEJ.DacFX.TSQLAnalyzer.Cli</a:t>
+            </a:r>
+            <a:endParaRPr lang="en-DK" dirty="0"/>
+          </a:p>
+        </p:txBody>
+      </p:sp>
+      <p:sp>
+        <p:nvSpPr>
+          <p:cNvPr id="3" name="Content Placeholder 2">
+            <a:extLst>
+              <a:ext uri="{FF2B5EF4-FFF2-40B4-BE49-F238E27FC236}">
+                <a16:creationId xmlns:a16="http://schemas.microsoft.com/office/drawing/2014/main" id="{DB220221-8701-FA48-E6EF-FDFF912498DC}"/>
+              </a:ext>
+            </a:extLst>
+          </p:cNvPr>
+          <p:cNvSpPr>
+            <a:spLocks noGrp="1"/>
+          </p:cNvSpPr>
+          <p:nvPr>
+            <p:ph idx="1"/>
+          </p:nvPr>
+        </p:nvSpPr>
+        <p:spPr/>
+        <p:txBody>
+          <a:bodyPr/>
+          <a:lstStyle/>
+          <a:p>
+            <a:r>
+              <a:rPr lang="en-US"/>
+              <a:t>MCP Server to help improve your design with GitHub Copilot or other AI clients</a:t>
+            </a:r>
+            <a:endParaRPr lang="da-DK"/>
+          </a:p>
+          <a:p>
+            <a:pPr marL="0" indent="0">
+              <a:buNone/>
+            </a:pPr>
+            <a:endParaRPr lang="da-DK"/>
+          </a:p>
+          <a:p>
+            <a:endParaRPr lang="en-DK" dirty="0"/>
+          </a:p>
+        </p:txBody>
+      </p:sp>
+      <p:pic>
+        <p:nvPicPr>
+          <p:cNvPr id="5" name="Picture 4">
+            <a:extLst>
+              <a:ext uri="{FF2B5EF4-FFF2-40B4-BE49-F238E27FC236}">
+                <a16:creationId xmlns:a16="http://schemas.microsoft.com/office/drawing/2014/main" id="{CFA6F6A4-F8D5-FF1D-0B0B-92DDB0C9E97F}"/>
+              </a:ext>
+            </a:extLst>
+          </p:cNvPr>
+          <p:cNvPicPr>
+            <a:picLocks noChangeAspect="1"/>
+          </p:cNvPicPr>
+          <p:nvPr/>
+        </p:nvPicPr>
+        <p:blipFill>
+          <a:blip r:embed="rId2"/>
+          <a:stretch>
+            <a:fillRect/>
+          </a:stretch>
+        </p:blipFill>
+        <p:spPr>
+          <a:xfrm>
+            <a:off x="4491520" y="2712694"/>
+            <a:ext cx="5351727" cy="3386099"/>
+          </a:xfrm>
+          <a:prstGeom prst="rect">
+            <a:avLst/>
+          </a:prstGeom>
+        </p:spPr>
+      </p:pic>
+    </p:spTree>
+    <p:extLst>
+      <p:ext uri="{BB962C8B-B14F-4D97-AF65-F5344CB8AC3E}">
+        <p14:creationId xmlns:p14="http://schemas.microsoft.com/office/powerpoint/2010/main" val="2121285440"/>
+      </p:ext>
+    </p:extLst>
+  </p:cSld>
+  <p:clrMapOvr>
+    <a:masterClrMapping/>
+  </p:clrMapOvr>
+</p:sld>
+</file>
+
+<file path=ppt/slides/slide14.xml><?xml version="1.0" encoding="utf-8"?>
 <p:sld xmlns:a="http://schemas.openxmlformats.org/drawingml/2006/main" xmlns:r="http://schemas.openxmlformats.org/officeDocument/2006/relationships" xmlns:p="http://schemas.openxmlformats.org/presentationml/2006/main">
   <p:cSld>
     <p:bg>
@@ -16830,12 +17032,12 @@
           <a:chExt cx="0" cy="0"/>
         </a:xfrm>
       </p:grpSpPr>
-      <p:sp>
+      <p:sp useBgFill="1">
         <p:nvSpPr>
-          <p:cNvPr id="1031" name="Rectangle 1030">
+          <p:cNvPr id="10" name="Rectangle 9">
             <a:extLst>
               <a:ext uri="{FF2B5EF4-FFF2-40B4-BE49-F238E27FC236}">
-                <a16:creationId xmlns:a16="http://schemas.microsoft.com/office/drawing/2014/main" id="{42A4FC2C-047E-45A5-965D-8E1E3BF09BC6}"/>
+                <a16:creationId xmlns:a16="http://schemas.microsoft.com/office/drawing/2014/main" id="{743AA782-23D1-4521-8CAD-47662984AA08}"/>
               </a:ext>
               <a:ext uri="{C183D7F6-B498-43B3-948B-1728B52AA6E4}">
                 <adec:decorative xmlns:adec="http://schemas.microsoft.com/office/drawing/2017/decorative" val="1"/>
@@ -16853,15 +17055,14 @@
             </p:extLst>
           </p:nvPr>
         </p:nvSpPr>
-        <p:spPr bwMode="white">
+        <p:spPr>
           <a:xfrm>
-            <a:off x="1524" y="0"/>
-            <a:ext cx="12188952" cy="6858000"/>
+            <a:off x="0" y="0"/>
+            <a:ext cx="12192000" cy="6858000"/>
           </a:xfrm>
           <a:prstGeom prst="rect">
             <a:avLst/>
           </a:prstGeom>
-          <a:noFill/>
           <a:ln>
             <a:noFill/>
           </a:ln>
@@ -16884,190 +17085,19 @@
         </p:style>
         <p:txBody>
           <a:bodyPr rtlCol="0" anchor="ctr"/>
-          <a:lstStyle>
-            <a:defPPr>
-              <a:defRPr lang="en-US"/>
-            </a:defPPr>
-            <a:lvl1pPr marL="0" algn="l" defTabSz="914400" rtl="0" eaLnBrk="1" latinLnBrk="0" hangingPunct="1">
-              <a:defRPr sz="1800" kern="1200">
-                <a:solidFill>
-                  <a:schemeClr val="lt1"/>
-                </a:solidFill>
-                <a:latin typeface="+mn-lt"/>
-                <a:ea typeface="+mn-ea"/>
-                <a:cs typeface="+mn-cs"/>
-              </a:defRPr>
-            </a:lvl1pPr>
-            <a:lvl2pPr marL="457200" algn="l" defTabSz="914400" rtl="0" eaLnBrk="1" latinLnBrk="0" hangingPunct="1">
-              <a:defRPr sz="1800" kern="1200">
-                <a:solidFill>
-                  <a:schemeClr val="lt1"/>
-                </a:solidFill>
-                <a:latin typeface="+mn-lt"/>
-                <a:ea typeface="+mn-ea"/>
-                <a:cs typeface="+mn-cs"/>
-              </a:defRPr>
-            </a:lvl2pPr>
-            <a:lvl3pPr marL="914400" algn="l" defTabSz="914400" rtl="0" eaLnBrk="1" latinLnBrk="0" hangingPunct="1">
-              <a:defRPr sz="1800" kern="1200">
-                <a:solidFill>
-                  <a:schemeClr val="lt1"/>
-                </a:solidFill>
-                <a:latin typeface="+mn-lt"/>
-                <a:ea typeface="+mn-ea"/>
-                <a:cs typeface="+mn-cs"/>
-              </a:defRPr>
-            </a:lvl3pPr>
-            <a:lvl4pPr marL="1371600" algn="l" defTabSz="914400" rtl="0" eaLnBrk="1" latinLnBrk="0" hangingPunct="1">
-              <a:defRPr sz="1800" kern="1200">
-                <a:solidFill>
-                  <a:schemeClr val="lt1"/>
-                </a:solidFill>
-                <a:latin typeface="+mn-lt"/>
-                <a:ea typeface="+mn-ea"/>
-                <a:cs typeface="+mn-cs"/>
-              </a:defRPr>
-            </a:lvl4pPr>
-            <a:lvl5pPr marL="1828800" algn="l" defTabSz="914400" rtl="0" eaLnBrk="1" latinLnBrk="0" hangingPunct="1">
-              <a:defRPr sz="1800" kern="1200">
-                <a:solidFill>
-                  <a:schemeClr val="lt1"/>
-                </a:solidFill>
-                <a:latin typeface="+mn-lt"/>
-                <a:ea typeface="+mn-ea"/>
-                <a:cs typeface="+mn-cs"/>
-              </a:defRPr>
-            </a:lvl5pPr>
-            <a:lvl6pPr marL="2286000" algn="l" defTabSz="914400" rtl="0" eaLnBrk="1" latinLnBrk="0" hangingPunct="1">
-              <a:defRPr sz="1800" kern="1200">
-                <a:solidFill>
-                  <a:schemeClr val="lt1"/>
-                </a:solidFill>
-                <a:latin typeface="+mn-lt"/>
-                <a:ea typeface="+mn-ea"/>
-                <a:cs typeface="+mn-cs"/>
-              </a:defRPr>
-            </a:lvl6pPr>
-            <a:lvl7pPr marL="2743200" algn="l" defTabSz="914400" rtl="0" eaLnBrk="1" latinLnBrk="0" hangingPunct="1">
-              <a:defRPr sz="1800" kern="1200">
-                <a:solidFill>
-                  <a:schemeClr val="lt1"/>
-                </a:solidFill>
-                <a:latin typeface="+mn-lt"/>
-                <a:ea typeface="+mn-ea"/>
-                <a:cs typeface="+mn-cs"/>
-              </a:defRPr>
-            </a:lvl7pPr>
-            <a:lvl8pPr marL="3200400" algn="l" defTabSz="914400" rtl="0" eaLnBrk="1" latinLnBrk="0" hangingPunct="1">
-              <a:defRPr sz="1800" kern="1200">
-                <a:solidFill>
-                  <a:schemeClr val="lt1"/>
-                </a:solidFill>
-                <a:latin typeface="+mn-lt"/>
-                <a:ea typeface="+mn-ea"/>
-                <a:cs typeface="+mn-cs"/>
-              </a:defRPr>
-            </a:lvl8pPr>
-            <a:lvl9pPr marL="3657600" algn="l" defTabSz="914400" rtl="0" eaLnBrk="1" latinLnBrk="0" hangingPunct="1">
-              <a:defRPr sz="1800" kern="1200">
-                <a:solidFill>
-                  <a:schemeClr val="lt1"/>
-                </a:solidFill>
-                <a:latin typeface="+mn-lt"/>
-                <a:ea typeface="+mn-ea"/>
-                <a:cs typeface="+mn-cs"/>
-              </a:defRPr>
-            </a:lvl9pPr>
-          </a:lstStyle>
+          <a:lstStyle/>
           <a:p>
             <a:pPr algn="ctr"/>
             <a:endParaRPr lang="en-US"/>
           </a:p>
         </p:txBody>
       </p:sp>
-      <p:pic>
-        <p:nvPicPr>
-          <p:cNvPr id="1026" name="Picture 2" descr="Database Code Analysis Rules Components">
-            <a:extLst>
-              <a:ext uri="{FF2B5EF4-FFF2-40B4-BE49-F238E27FC236}">
-                <a16:creationId xmlns:a16="http://schemas.microsoft.com/office/drawing/2014/main" id="{0ABCBC13-8996-BF34-379B-67805E159CCE}"/>
-              </a:ext>
-            </a:extLst>
-          </p:cNvPr>
-          <p:cNvPicPr>
-            <a:picLocks noGrp="1" noChangeAspect="1" noChangeArrowheads="1"/>
-          </p:cNvPicPr>
-          <p:nvPr>
-            <p:ph idx="1"/>
-          </p:nvPr>
-        </p:nvPicPr>
-        <p:blipFill rotWithShape="1">
-          <a:blip r:embed="rId2">
-            <a:extLst>
-              <a:ext uri="{28A0092B-C50C-407E-A947-70E740481C1C}">
-                <a14:useLocalDpi xmlns:a14="http://schemas.microsoft.com/office/drawing/2010/main" val="0"/>
-              </a:ext>
-            </a:extLst>
-          </a:blip>
-          <a:srcRect t="7804"/>
-          <a:stretch/>
-        </p:blipFill>
-        <p:spPr bwMode="auto">
-          <a:xfrm>
-            <a:off x="20" y="1282"/>
-            <a:ext cx="12191980" cy="6856718"/>
-          </a:xfrm>
-          <a:prstGeom prst="rect">
-            <a:avLst/>
-          </a:prstGeom>
-          <a:noFill/>
-          <a:extLst>
-            <a:ext uri="{909E8E84-426E-40DD-AFC4-6F175D3DCCD1}">
-              <a14:hiddenFill xmlns:a14="http://schemas.microsoft.com/office/drawing/2010/main">
-                <a:solidFill>
-                  <a:srgbClr val="FFFFFF"/>
-                </a:solidFill>
-              </a14:hiddenFill>
-            </a:ext>
-          </a:extLst>
-        </p:spPr>
-      </p:pic>
-    </p:spTree>
-    <p:extLst>
-      <p:ext uri="{BB962C8B-B14F-4D97-AF65-F5344CB8AC3E}">
-        <p14:creationId xmlns:p14="http://schemas.microsoft.com/office/powerpoint/2010/main" val="3979714111"/>
-      </p:ext>
-    </p:extLst>
-  </p:cSld>
-  <p:clrMapOvr>
-    <a:masterClrMapping/>
-  </p:clrMapOvr>
-</p:sld>
-</file>
-
-<file path=ppt/slides/slide13.xml><?xml version="1.0" encoding="utf-8"?>
-<p:sld xmlns:a="http://schemas.openxmlformats.org/drawingml/2006/main" xmlns:r="http://schemas.openxmlformats.org/officeDocument/2006/relationships" xmlns:p="http://schemas.openxmlformats.org/presentationml/2006/main">
-  <p:cSld>
-    <p:spTree>
-      <p:nvGrpSpPr>
-        <p:cNvPr id="1" name=""/>
-        <p:cNvGrpSpPr/>
-        <p:nvPr/>
-      </p:nvGrpSpPr>
-      <p:grpSpPr>
-        <a:xfrm>
-          <a:off x="0" y="0"/>
-          <a:ext cx="0" cy="0"/>
-          <a:chOff x="0" y="0"/>
-          <a:chExt cx="0" cy="0"/>
-        </a:xfrm>
-      </p:grpSpPr>
       <p:sp>
         <p:nvSpPr>
           <p:cNvPr id="2" name="Title 1">
             <a:extLst>
               <a:ext uri="{FF2B5EF4-FFF2-40B4-BE49-F238E27FC236}">
-                <a16:creationId xmlns:a16="http://schemas.microsoft.com/office/drawing/2014/main" id="{83C2E1C5-9DBD-026F-54AD-8267C48752C3}"/>
+                <a16:creationId xmlns:a16="http://schemas.microsoft.com/office/drawing/2014/main" id="{852AC18E-06F7-297B-4A55-D3F36AEDEDBD}"/>
               </a:ext>
             </a:extLst>
           </p:cNvPr>
@@ -17078,398 +17108,272 @@
             <p:ph type="title"/>
           </p:nvPr>
         </p:nvSpPr>
-        <p:spPr/>
+        <p:spPr>
+          <a:xfrm>
+            <a:off x="630936" y="640080"/>
+            <a:ext cx="4818888" cy="1481328"/>
+          </a:xfrm>
+        </p:spPr>
         <p:txBody>
-          <a:bodyPr/>
+          <a:bodyPr anchor="b">
+            <a:normAutofit/>
+          </a:bodyPr>
           <a:lstStyle/>
           <a:p>
             <a:r>
-              <a:rPr lang="da-DK" dirty="0" err="1"/>
-              <a:t>Why</a:t>
-            </a:r>
-            <a:r>
-              <a:rPr lang="da-DK" dirty="0"/>
-              <a:t>?</a:t>
+              <a:rPr lang="da-DK" sz="5400"/>
+              <a:t>CTA</a:t>
             </a:r>
           </a:p>
         </p:txBody>
       </p:sp>
       <p:sp>
         <p:nvSpPr>
-          <p:cNvPr id="3" name="Content Placeholder 2">
+          <p:cNvPr id="12" name="sketch line">
             <a:extLst>
               <a:ext uri="{FF2B5EF4-FFF2-40B4-BE49-F238E27FC236}">
-                <a16:creationId xmlns:a16="http://schemas.microsoft.com/office/drawing/2014/main" id="{FE1AEA13-D193-3591-483D-99C9CBEA719D}"/>
+                <a16:creationId xmlns:a16="http://schemas.microsoft.com/office/drawing/2014/main" id="{71877DBC-BB60-40F0-AC93-2ACDBAAE60CE}"/>
+              </a:ext>
+              <a:ext uri="{C183D7F6-B498-43B3-948B-1728B52AA6E4}">
+                <adec:decorative xmlns:adec="http://schemas.microsoft.com/office/drawing/2017/decorative" val="1"/>
               </a:ext>
             </a:extLst>
           </p:cNvPr>
           <p:cNvSpPr>
-            <a:spLocks noGrp="1"/>
+            <a:spLocks noGrp="1" noRot="1" noChangeAspect="1" noMove="1" noResize="1" noEditPoints="1" noAdjustHandles="1" noChangeArrowheads="1" noChangeShapeType="1" noTextEdit="1"/>
           </p:cNvSpPr>
           <p:nvPr>
-            <p:ph idx="1"/>
+            <p:extLst>
+              <p:ext uri="{386F3935-93C4-4BCD-93E2-E3B085C9AB24}">
+                <p16:designElem xmlns:p16="http://schemas.microsoft.com/office/powerpoint/2015/main" val="1"/>
+              </p:ext>
+            </p:extLst>
           </p:nvPr>
-        </p:nvSpPr>
-        <p:spPr/>
-        <p:txBody>
-          <a:bodyPr>
-            <a:normAutofit fontScale="92500" lnSpcReduction="20000"/>
-          </a:bodyPr>
-          <a:lstStyle/>
-          <a:p>
-            <a:pPr marL="0" indent="0">
-              <a:buNone/>
-            </a:pPr>
-            <a:r>
-              <a:rPr lang="da-DK" b="0" i="0" dirty="0">
-                <a:solidFill>
-                  <a:srgbClr val="555555"/>
-                </a:solidFill>
-                <a:effectLst/>
-                <a:latin typeface="Open Sans" panose="020B0606030504020204" pitchFamily="34" charset="0"/>
-              </a:rPr>
-              <a:t>Data Tier Application Package</a:t>
-            </a:r>
-            <a:br>
-              <a:rPr lang="da-DK" b="0" i="0" dirty="0">
-                <a:solidFill>
-                  <a:srgbClr val="555555"/>
-                </a:solidFill>
-                <a:effectLst/>
-                <a:latin typeface="Open Sans" panose="020B0606030504020204" pitchFamily="34" charset="0"/>
-              </a:rPr>
-            </a:br>
-            <a:endParaRPr lang="da-DK" dirty="0"/>
-          </a:p>
-          <a:p>
-            <a:r>
-              <a:rPr lang="da-DK" sz="3200" dirty="0" err="1"/>
-              <a:t>Get</a:t>
-            </a:r>
-            <a:r>
-              <a:rPr lang="da-DK" sz="3200" dirty="0"/>
-              <a:t> </a:t>
-            </a:r>
-            <a:r>
-              <a:rPr lang="da-DK" sz="3200" dirty="0" err="1"/>
-              <a:t>your</a:t>
-            </a:r>
-            <a:r>
-              <a:rPr lang="da-DK" sz="3200" dirty="0"/>
-              <a:t> database under source </a:t>
-            </a:r>
-            <a:r>
-              <a:rPr lang="da-DK" sz="3200" dirty="0" err="1"/>
-              <a:t>control</a:t>
-            </a:r>
-            <a:endParaRPr lang="da-DK" sz="3200" dirty="0"/>
-          </a:p>
-          <a:p>
-            <a:r>
-              <a:rPr lang="da-DK" sz="3200" dirty="0" err="1"/>
-              <a:t>Ensure</a:t>
-            </a:r>
-            <a:r>
-              <a:rPr lang="da-DK" sz="3200" dirty="0"/>
-              <a:t> </a:t>
-            </a:r>
-            <a:r>
-              <a:rPr lang="da-DK" sz="3200" dirty="0" err="1"/>
-              <a:t>your</a:t>
-            </a:r>
-            <a:r>
-              <a:rPr lang="da-DK" sz="3200" dirty="0"/>
-              <a:t> .sql scripts ”</a:t>
-            </a:r>
-            <a:r>
-              <a:rPr lang="da-DK" sz="3200" dirty="0" err="1"/>
-              <a:t>build</a:t>
-            </a:r>
-            <a:r>
-              <a:rPr lang="da-DK" sz="3200" dirty="0"/>
-              <a:t>” – </a:t>
-            </a:r>
-            <a:r>
-              <a:rPr lang="da-DK" sz="3200" dirty="0" err="1"/>
-              <a:t>code</a:t>
-            </a:r>
-            <a:r>
-              <a:rPr lang="da-DK" sz="3200" dirty="0"/>
-              <a:t> </a:t>
-            </a:r>
-            <a:r>
-              <a:rPr lang="da-DK" sz="3200" dirty="0" err="1"/>
-              <a:t>validation</a:t>
-            </a:r>
-            <a:endParaRPr lang="da-DK" sz="3200" dirty="0"/>
-          </a:p>
-          <a:p>
-            <a:r>
-              <a:rPr lang="da-DK" sz="3200" dirty="0" err="1"/>
-              <a:t>Ensure</a:t>
-            </a:r>
-            <a:r>
-              <a:rPr lang="da-DK" sz="3200" dirty="0"/>
-              <a:t> </a:t>
-            </a:r>
-            <a:r>
-              <a:rPr lang="da-DK" sz="3200" dirty="0" err="1"/>
-              <a:t>your</a:t>
-            </a:r>
-            <a:r>
-              <a:rPr lang="da-DK" sz="3200" dirty="0"/>
-              <a:t> .sql scripts </a:t>
-            </a:r>
-            <a:r>
-              <a:rPr lang="da-DK" sz="3200" dirty="0" err="1"/>
-              <a:t>follow</a:t>
-            </a:r>
-            <a:r>
-              <a:rPr lang="da-DK" sz="3200" dirty="0"/>
-              <a:t> business </a:t>
-            </a:r>
-            <a:r>
-              <a:rPr lang="da-DK" sz="3200" dirty="0" err="1"/>
-              <a:t>rules</a:t>
-            </a:r>
-            <a:r>
-              <a:rPr lang="da-DK" sz="3200" dirty="0"/>
-              <a:t> – </a:t>
-            </a:r>
-            <a:r>
-              <a:rPr lang="da-DK" sz="3200" dirty="0" err="1"/>
-              <a:t>code</a:t>
-            </a:r>
-            <a:r>
-              <a:rPr lang="da-DK" sz="3200" dirty="0"/>
-              <a:t> </a:t>
-            </a:r>
-            <a:r>
-              <a:rPr lang="da-DK" sz="3200" dirty="0" err="1"/>
-              <a:t>analysis</a:t>
-            </a:r>
-            <a:endParaRPr lang="da-DK" sz="3200" dirty="0"/>
-          </a:p>
-          <a:p>
-            <a:r>
-              <a:rPr lang="da-DK" sz="3200" dirty="0" err="1"/>
-              <a:t>Deploy</a:t>
-            </a:r>
-            <a:r>
-              <a:rPr lang="da-DK" sz="3200" dirty="0"/>
-              <a:t> </a:t>
-            </a:r>
-            <a:r>
-              <a:rPr lang="da-DK" sz="3200" dirty="0" err="1"/>
-              <a:t>changes</a:t>
-            </a:r>
-            <a:r>
-              <a:rPr lang="da-DK" sz="3200" dirty="0"/>
-              <a:t> to the database </a:t>
-            </a:r>
-            <a:r>
-              <a:rPr lang="da-DK" sz="3200" dirty="0" err="1"/>
-              <a:t>schema</a:t>
-            </a:r>
-            <a:r>
-              <a:rPr lang="da-DK" sz="3200" dirty="0"/>
-              <a:t> with </a:t>
-            </a:r>
-            <a:r>
-              <a:rPr lang="da-DK" sz="3200" dirty="0" err="1"/>
-              <a:t>changes</a:t>
-            </a:r>
-            <a:r>
-              <a:rPr lang="da-DK" sz="3200" dirty="0"/>
-              <a:t> to </a:t>
-            </a:r>
-            <a:r>
-              <a:rPr lang="da-DK" sz="3200" dirty="0" err="1"/>
-              <a:t>your</a:t>
-            </a:r>
-            <a:r>
-              <a:rPr lang="da-DK" sz="3200" dirty="0"/>
-              <a:t> app</a:t>
-            </a:r>
-          </a:p>
-          <a:p>
-            <a:r>
-              <a:rPr lang="da-DK" sz="3200" dirty="0"/>
-              <a:t>No more migration scripts – </a:t>
-            </a:r>
-            <a:r>
-              <a:rPr lang="da-DK" sz="3200" dirty="0" err="1"/>
-              <a:t>simply</a:t>
-            </a:r>
-            <a:r>
-              <a:rPr lang="da-DK" sz="3200" dirty="0"/>
-              <a:t> </a:t>
-            </a:r>
-            <a:r>
-              <a:rPr lang="da-DK" sz="3200" dirty="0" err="1"/>
-              <a:t>describe</a:t>
-            </a:r>
-            <a:r>
-              <a:rPr lang="da-DK" sz="3200" dirty="0"/>
-              <a:t> </a:t>
-            </a:r>
-            <a:r>
-              <a:rPr lang="da-DK" sz="3200" dirty="0" err="1"/>
-              <a:t>your</a:t>
-            </a:r>
-            <a:r>
-              <a:rPr lang="da-DK" sz="3200" dirty="0"/>
-              <a:t> </a:t>
-            </a:r>
-            <a:r>
-              <a:rPr lang="da-DK" sz="3200" dirty="0" err="1"/>
-              <a:t>desired</a:t>
-            </a:r>
-            <a:r>
-              <a:rPr lang="da-DK" sz="3200" dirty="0"/>
-              <a:t> </a:t>
-            </a:r>
-            <a:r>
-              <a:rPr lang="da-DK" sz="3200" dirty="0" err="1"/>
-              <a:t>state</a:t>
-            </a:r>
-            <a:endParaRPr lang="da-DK" sz="3200" dirty="0"/>
-          </a:p>
-          <a:p>
-            <a:r>
-              <a:rPr lang="da-DK" sz="3200" dirty="0"/>
-              <a:t>Cross platform </a:t>
-            </a:r>
-            <a:r>
-              <a:rPr lang="da-DK" sz="3200" dirty="0" err="1"/>
-              <a:t>build</a:t>
-            </a:r>
-            <a:r>
-              <a:rPr lang="da-DK" sz="3200" dirty="0"/>
-              <a:t> and </a:t>
-            </a:r>
-            <a:r>
-              <a:rPr lang="da-DK" sz="3200" dirty="0" err="1"/>
-              <a:t>deployment</a:t>
-            </a:r>
-            <a:r>
-              <a:rPr lang="da-DK" sz="3200" dirty="0"/>
-              <a:t> support</a:t>
-            </a:r>
-          </a:p>
-          <a:p>
-            <a:pPr marL="0" indent="0">
-              <a:buNone/>
-            </a:pPr>
-            <a:endParaRPr lang="da-DK" sz="3200" dirty="0"/>
-          </a:p>
-        </p:txBody>
-      </p:sp>
-    </p:spTree>
-    <p:extLst>
-      <p:ext uri="{BB962C8B-B14F-4D97-AF65-F5344CB8AC3E}">
-        <p14:creationId xmlns:p14="http://schemas.microsoft.com/office/powerpoint/2010/main" val="2807965468"/>
-      </p:ext>
-    </p:extLst>
-  </p:cSld>
-  <p:clrMapOvr>
-    <a:masterClrMapping/>
-  </p:clrMapOvr>
-</p:sld>
-</file>
-
-<file path=ppt/slides/slide14.xml><?xml version="1.0" encoding="utf-8"?>
-<p:sld xmlns:a="http://schemas.openxmlformats.org/drawingml/2006/main" xmlns:r="http://schemas.openxmlformats.org/officeDocument/2006/relationships" xmlns:p="http://schemas.openxmlformats.org/presentationml/2006/main">
-  <p:cSld>
-    <p:spTree>
-      <p:nvGrpSpPr>
-        <p:cNvPr id="1" name=""/>
-        <p:cNvGrpSpPr/>
-        <p:nvPr/>
-      </p:nvGrpSpPr>
-      <p:grpSpPr>
-        <a:xfrm>
-          <a:off x="0" y="0"/>
-          <a:ext cx="0" cy="0"/>
-          <a:chOff x="0" y="0"/>
-          <a:chExt cx="0" cy="0"/>
-        </a:xfrm>
-      </p:grpSpPr>
-      <p:sp>
-        <p:nvSpPr>
-          <p:cNvPr id="2" name="Title 1">
-            <a:extLst>
-              <a:ext uri="{FF2B5EF4-FFF2-40B4-BE49-F238E27FC236}">
-                <a16:creationId xmlns:a16="http://schemas.microsoft.com/office/drawing/2014/main" id="{B0D5BB5B-7FFA-DB8B-F802-03B5D520D180}"/>
-              </a:ext>
-            </a:extLst>
-          </p:cNvPr>
-          <p:cNvSpPr>
-            <a:spLocks noGrp="1"/>
-          </p:cNvSpPr>
-          <p:nvPr>
-            <p:ph type="title"/>
-          </p:nvPr>
-        </p:nvSpPr>
-        <p:spPr/>
-        <p:txBody>
-          <a:bodyPr/>
-          <a:lstStyle/>
-          <a:p>
-            <a:r>
-              <a:rPr lang="da-DK" dirty="0" err="1"/>
-              <a:t>Process</a:t>
-            </a:r>
-            <a:endParaRPr lang="da-DK" dirty="0"/>
-          </a:p>
-        </p:txBody>
-      </p:sp>
-      <p:graphicFrame>
-        <p:nvGraphicFramePr>
-          <p:cNvPr id="4" name="Content Placeholder 3">
-            <a:extLst>
-              <a:ext uri="{FF2B5EF4-FFF2-40B4-BE49-F238E27FC236}">
-                <a16:creationId xmlns:a16="http://schemas.microsoft.com/office/drawing/2014/main" id="{14C458CB-FE86-0722-5465-2135D8B24067}"/>
-              </a:ext>
-            </a:extLst>
-          </p:cNvPr>
-          <p:cNvGraphicFramePr>
-            <a:graphicFrameLocks noGrp="1"/>
-          </p:cNvGraphicFramePr>
-          <p:nvPr>
-            <p:ph idx="1"/>
-          </p:nvPr>
-        </p:nvGraphicFramePr>
-        <p:xfrm>
-          <a:off x="838200" y="1825625"/>
-          <a:ext cx="10515600" cy="4351338"/>
-        </p:xfrm>
-        <a:graphic>
-          <a:graphicData uri="http://schemas.openxmlformats.org/drawingml/2006/diagram">
-            <dgm:relIds xmlns:dgm="http://schemas.openxmlformats.org/drawingml/2006/diagram" xmlns:r="http://schemas.openxmlformats.org/officeDocument/2006/relationships" r:dm="rId2" r:lo="rId3" r:qs="rId4" r:cs="rId5"/>
-          </a:graphicData>
-        </a:graphic>
-      </p:graphicFrame>
-      <p:sp>
-        <p:nvSpPr>
-          <p:cNvPr id="3" name="Arrow: Down 2">
-            <a:extLst>
-              <a:ext uri="{FF2B5EF4-FFF2-40B4-BE49-F238E27FC236}">
-                <a16:creationId xmlns:a16="http://schemas.microsoft.com/office/drawing/2014/main" id="{41A997FB-CF39-A7D3-CBE9-49B7A0E95D4B}"/>
-              </a:ext>
-            </a:extLst>
-          </p:cNvPr>
-          <p:cNvSpPr/>
-          <p:nvPr/>
         </p:nvSpPr>
         <p:spPr>
           <a:xfrm>
-            <a:off x="8072581" y="2161309"/>
-            <a:ext cx="484632" cy="978408"/>
+            <a:off x="643278" y="2372868"/>
+            <a:ext cx="3255095" cy="18288"/>
           </a:xfrm>
-          <a:prstGeom prst="downArrow">
+          <a:custGeom>
             <a:avLst/>
-          </a:prstGeom>
+            <a:gdLst>
+              <a:gd name="connsiteX0" fmla="*/ 0 w 3255095"/>
+              <a:gd name="connsiteY0" fmla="*/ 0 h 18288"/>
+              <a:gd name="connsiteX1" fmla="*/ 618468 w 3255095"/>
+              <a:gd name="connsiteY1" fmla="*/ 0 h 18288"/>
+              <a:gd name="connsiteX2" fmla="*/ 1269487 w 3255095"/>
+              <a:gd name="connsiteY2" fmla="*/ 0 h 18288"/>
+              <a:gd name="connsiteX3" fmla="*/ 1953057 w 3255095"/>
+              <a:gd name="connsiteY3" fmla="*/ 0 h 18288"/>
+              <a:gd name="connsiteX4" fmla="*/ 2636627 w 3255095"/>
+              <a:gd name="connsiteY4" fmla="*/ 0 h 18288"/>
+              <a:gd name="connsiteX5" fmla="*/ 3255095 w 3255095"/>
+              <a:gd name="connsiteY5" fmla="*/ 0 h 18288"/>
+              <a:gd name="connsiteX6" fmla="*/ 3255095 w 3255095"/>
+              <a:gd name="connsiteY6" fmla="*/ 18288 h 18288"/>
+              <a:gd name="connsiteX7" fmla="*/ 2538974 w 3255095"/>
+              <a:gd name="connsiteY7" fmla="*/ 18288 h 18288"/>
+              <a:gd name="connsiteX8" fmla="*/ 1822853 w 3255095"/>
+              <a:gd name="connsiteY8" fmla="*/ 18288 h 18288"/>
+              <a:gd name="connsiteX9" fmla="*/ 1171834 w 3255095"/>
+              <a:gd name="connsiteY9" fmla="*/ 18288 h 18288"/>
+              <a:gd name="connsiteX10" fmla="*/ 0 w 3255095"/>
+              <a:gd name="connsiteY10" fmla="*/ 18288 h 18288"/>
+              <a:gd name="connsiteX11" fmla="*/ 0 w 3255095"/>
+              <a:gd name="connsiteY11" fmla="*/ 0 h 18288"/>
+            </a:gdLst>
+            <a:ahLst/>
+            <a:cxnLst>
+              <a:cxn ang="0">
+                <a:pos x="connsiteX0" y="connsiteY0"/>
+              </a:cxn>
+              <a:cxn ang="0">
+                <a:pos x="connsiteX1" y="connsiteY1"/>
+              </a:cxn>
+              <a:cxn ang="0">
+                <a:pos x="connsiteX2" y="connsiteY2"/>
+              </a:cxn>
+              <a:cxn ang="0">
+                <a:pos x="connsiteX3" y="connsiteY3"/>
+              </a:cxn>
+              <a:cxn ang="0">
+                <a:pos x="connsiteX4" y="connsiteY4"/>
+              </a:cxn>
+              <a:cxn ang="0">
+                <a:pos x="connsiteX5" y="connsiteY5"/>
+              </a:cxn>
+              <a:cxn ang="0">
+                <a:pos x="connsiteX6" y="connsiteY6"/>
+              </a:cxn>
+              <a:cxn ang="0">
+                <a:pos x="connsiteX7" y="connsiteY7"/>
+              </a:cxn>
+              <a:cxn ang="0">
+                <a:pos x="connsiteX8" y="connsiteY8"/>
+              </a:cxn>
+              <a:cxn ang="0">
+                <a:pos x="connsiteX9" y="connsiteY9"/>
+              </a:cxn>
+              <a:cxn ang="0">
+                <a:pos x="connsiteX10" y="connsiteY10"/>
+              </a:cxn>
+              <a:cxn ang="0">
+                <a:pos x="connsiteX11" y="connsiteY11"/>
+              </a:cxn>
+            </a:cxnLst>
+            <a:rect l="l" t="t" r="r" b="b"/>
+            <a:pathLst>
+              <a:path w="3255095" h="18288" fill="none" extrusionOk="0">
+                <a:moveTo>
+                  <a:pt x="0" y="0"/>
+                </a:moveTo>
+                <a:cubicBezTo>
+                  <a:pt x="240201" y="-22123"/>
+                  <a:pt x="462021" y="-19623"/>
+                  <a:pt x="618468" y="0"/>
+                </a:cubicBezTo>
+                <a:cubicBezTo>
+                  <a:pt x="774915" y="19623"/>
+                  <a:pt x="974734" y="2035"/>
+                  <a:pt x="1269487" y="0"/>
+                </a:cubicBezTo>
+                <a:cubicBezTo>
+                  <a:pt x="1564240" y="-2035"/>
+                  <a:pt x="1733579" y="10639"/>
+                  <a:pt x="1953057" y="0"/>
+                </a:cubicBezTo>
+                <a:cubicBezTo>
+                  <a:pt x="2172535" y="-10639"/>
+                  <a:pt x="2453962" y="14018"/>
+                  <a:pt x="2636627" y="0"/>
+                </a:cubicBezTo>
+                <a:cubicBezTo>
+                  <a:pt x="2819292" y="-14018"/>
+                  <a:pt x="3121375" y="5399"/>
+                  <a:pt x="3255095" y="0"/>
+                </a:cubicBezTo>
+                <a:cubicBezTo>
+                  <a:pt x="3254386" y="8157"/>
+                  <a:pt x="3254682" y="12125"/>
+                  <a:pt x="3255095" y="18288"/>
+                </a:cubicBezTo>
+                <a:cubicBezTo>
+                  <a:pt x="3088545" y="23203"/>
+                  <a:pt x="2687475" y="7419"/>
+                  <a:pt x="2538974" y="18288"/>
+                </a:cubicBezTo>
+                <a:cubicBezTo>
+                  <a:pt x="2390473" y="29157"/>
+                  <a:pt x="2137381" y="-8959"/>
+                  <a:pt x="1822853" y="18288"/>
+                </a:cubicBezTo>
+                <a:cubicBezTo>
+                  <a:pt x="1508325" y="45535"/>
+                  <a:pt x="1466437" y="20385"/>
+                  <a:pt x="1171834" y="18288"/>
+                </a:cubicBezTo>
+                <a:cubicBezTo>
+                  <a:pt x="877231" y="16191"/>
+                  <a:pt x="561097" y="37643"/>
+                  <a:pt x="0" y="18288"/>
+                </a:cubicBezTo>
+                <a:cubicBezTo>
+                  <a:pt x="-46" y="12483"/>
+                  <a:pt x="-203" y="6491"/>
+                  <a:pt x="0" y="0"/>
+                </a:cubicBezTo>
+                <a:close/>
+              </a:path>
+              <a:path w="3255095" h="18288" stroke="0" extrusionOk="0">
+                <a:moveTo>
+                  <a:pt x="0" y="0"/>
+                </a:moveTo>
+                <a:cubicBezTo>
+                  <a:pt x="291965" y="19429"/>
+                  <a:pt x="363155" y="8568"/>
+                  <a:pt x="618468" y="0"/>
+                </a:cubicBezTo>
+                <a:cubicBezTo>
+                  <a:pt x="873781" y="-8568"/>
+                  <a:pt x="904459" y="-19505"/>
+                  <a:pt x="1171834" y="0"/>
+                </a:cubicBezTo>
+                <a:cubicBezTo>
+                  <a:pt x="1439209" y="19505"/>
+                  <a:pt x="1744369" y="9790"/>
+                  <a:pt x="1887955" y="0"/>
+                </a:cubicBezTo>
+                <a:cubicBezTo>
+                  <a:pt x="2031541" y="-9790"/>
+                  <a:pt x="2346378" y="21240"/>
+                  <a:pt x="2506423" y="0"/>
+                </a:cubicBezTo>
+                <a:cubicBezTo>
+                  <a:pt x="2666468" y="-21240"/>
+                  <a:pt x="2990257" y="30414"/>
+                  <a:pt x="3255095" y="0"/>
+                </a:cubicBezTo>
+                <a:cubicBezTo>
+                  <a:pt x="3254831" y="4493"/>
+                  <a:pt x="3255479" y="9472"/>
+                  <a:pt x="3255095" y="18288"/>
+                </a:cubicBezTo>
+                <a:cubicBezTo>
+                  <a:pt x="3120743" y="16690"/>
+                  <a:pt x="2759628" y="42462"/>
+                  <a:pt x="2604076" y="18288"/>
+                </a:cubicBezTo>
+                <a:cubicBezTo>
+                  <a:pt x="2448524" y="-5886"/>
+                  <a:pt x="2184336" y="19599"/>
+                  <a:pt x="1887955" y="18288"/>
+                </a:cubicBezTo>
+                <a:cubicBezTo>
+                  <a:pt x="1591574" y="16977"/>
+                  <a:pt x="1548845" y="6870"/>
+                  <a:pt x="1334589" y="18288"/>
+                </a:cubicBezTo>
+                <a:cubicBezTo>
+                  <a:pt x="1120333" y="29706"/>
+                  <a:pt x="996014" y="9662"/>
+                  <a:pt x="683570" y="18288"/>
+                </a:cubicBezTo>
+                <a:cubicBezTo>
+                  <a:pt x="371126" y="26914"/>
+                  <a:pt x="198687" y="16167"/>
+                  <a:pt x="0" y="18288"/>
+                </a:cubicBezTo>
+                <a:cubicBezTo>
+                  <a:pt x="843" y="9577"/>
+                  <a:pt x="371" y="6900"/>
+                  <a:pt x="0" y="0"/>
+                </a:cubicBezTo>
+                <a:close/>
+              </a:path>
+            </a:pathLst>
+          </a:custGeom>
+          <a:solidFill>
+            <a:schemeClr val="accent2"/>
+          </a:solidFill>
+          <a:ln w="38100" cap="rnd">
+            <a:solidFill>
+              <a:schemeClr val="accent2"/>
+            </a:solidFill>
+            <a:round/>
+            <a:extLst>
+              <a:ext uri="{C807C97D-BFC1-408E-A445-0C87EB9F89A2}">
+                <ask:lineSketchStyleProps xmlns:ask="http://schemas.microsoft.com/office/drawing/2018/sketchyshapes" sd="1219033472">
+                  <a:prstGeom prst="rect">
+                    <a:avLst/>
+                  </a:prstGeom>
+                  <ask:type>
+                    <ask:lineSketchFreehand/>
+                  </ask:type>
+                </ask:lineSketchStyleProps>
+              </a:ext>
+            </a:extLst>
+          </a:ln>
         </p:spPr>
         <p:style>
           <a:lnRef idx="2">
@@ -17492,131 +17396,7 @@
           <a:lstStyle/>
           <a:p>
             <a:pPr algn="ctr"/>
-            <a:endParaRPr lang="da-DK"/>
-          </a:p>
-        </p:txBody>
-      </p:sp>
-      <p:pic>
-        <p:nvPicPr>
-          <p:cNvPr id="1026" name="Picture 2" descr="Microscope Cartoon Vector Icon Illustration - Microscope - Sticker |  TeePublic">
-            <a:extLst>
-              <a:ext uri="{FF2B5EF4-FFF2-40B4-BE49-F238E27FC236}">
-                <a16:creationId xmlns:a16="http://schemas.microsoft.com/office/drawing/2014/main" id="{0C12428C-43EA-42B3-B5FD-98F46FCED002}"/>
-              </a:ext>
-            </a:extLst>
-          </p:cNvPr>
-          <p:cNvPicPr>
-            <a:picLocks noChangeAspect="1" noChangeArrowheads="1"/>
-          </p:cNvPicPr>
-          <p:nvPr/>
-        </p:nvPicPr>
-        <p:blipFill>
-          <a:blip r:embed="rId7">
-            <a:extLst>
-              <a:ext uri="{28A0092B-C50C-407E-A947-70E740481C1C}">
-                <a14:useLocalDpi xmlns:a14="http://schemas.microsoft.com/office/drawing/2010/main" val="0"/>
-              </a:ext>
-            </a:extLst>
-          </a:blip>
-          <a:srcRect/>
-          <a:stretch>
-            <a:fillRect/>
-          </a:stretch>
-        </p:blipFill>
-        <p:spPr bwMode="auto">
-          <a:xfrm>
-            <a:off x="7517178" y="4897438"/>
-            <a:ext cx="1595437" cy="1595437"/>
-          </a:xfrm>
-          <a:prstGeom prst="rect">
-            <a:avLst/>
-          </a:prstGeom>
-          <a:noFill/>
-          <a:extLst>
-            <a:ext uri="{909E8E84-426E-40DD-AFC4-6F175D3DCCD1}">
-              <a14:hiddenFill xmlns:a14="http://schemas.microsoft.com/office/drawing/2010/main">
-                <a:solidFill>
-                  <a:srgbClr val="FFFFFF"/>
-                </a:solidFill>
-              </a14:hiddenFill>
-            </a:ext>
-          </a:extLst>
-        </p:spPr>
-      </p:pic>
-    </p:spTree>
-    <p:extLst>
-      <p:ext uri="{BB962C8B-B14F-4D97-AF65-F5344CB8AC3E}">
-        <p14:creationId xmlns:p14="http://schemas.microsoft.com/office/powerpoint/2010/main" val="2332471340"/>
-      </p:ext>
-    </p:extLst>
-  </p:cSld>
-  <p:clrMapOvr>
-    <a:masterClrMapping/>
-  </p:clrMapOvr>
-</p:sld>
-</file>
-
-<file path=ppt/slides/slide15.xml><?xml version="1.0" encoding="utf-8"?>
-<p:sld xmlns:a="http://schemas.openxmlformats.org/drawingml/2006/main" xmlns:r="http://schemas.openxmlformats.org/officeDocument/2006/relationships" xmlns:p="http://schemas.openxmlformats.org/presentationml/2006/main">
-  <p:cSld>
-    <p:spTree>
-      <p:nvGrpSpPr>
-        <p:cNvPr id="1" name=""/>
-        <p:cNvGrpSpPr/>
-        <p:nvPr/>
-      </p:nvGrpSpPr>
-      <p:grpSpPr>
-        <a:xfrm>
-          <a:off x="0" y="0"/>
-          <a:ext cx="0" cy="0"/>
-          <a:chOff x="0" y="0"/>
-          <a:chExt cx="0" cy="0"/>
-        </a:xfrm>
-      </p:grpSpPr>
-      <p:sp>
-        <p:nvSpPr>
-          <p:cNvPr id="2" name="Title 1">
-            <a:extLst>
-              <a:ext uri="{FF2B5EF4-FFF2-40B4-BE49-F238E27FC236}">
-                <a16:creationId xmlns:a16="http://schemas.microsoft.com/office/drawing/2014/main" id="{BCD0543B-85D0-70D6-E8C0-825E5B0CC031}"/>
-              </a:ext>
-            </a:extLst>
-          </p:cNvPr>
-          <p:cNvSpPr>
-            <a:spLocks noGrp="1"/>
-          </p:cNvSpPr>
-          <p:nvPr>
-            <p:ph type="title"/>
-          </p:nvPr>
-        </p:nvSpPr>
-        <p:spPr>
-          <a:xfrm>
-            <a:off x="1136397" y="502020"/>
-            <a:ext cx="5323715" cy="1642970"/>
-          </a:xfrm>
-        </p:spPr>
-        <p:txBody>
-          <a:bodyPr anchor="b">
-            <a:normAutofit/>
-          </a:bodyPr>
-          <a:lstStyle/>
-          <a:p>
-            <a:r>
-              <a:rPr lang="da-DK" sz="4000" dirty="0" err="1"/>
-              <a:t>Why</a:t>
-            </a:r>
-            <a:r>
-              <a:rPr lang="da-DK" sz="4000" dirty="0"/>
-              <a:t> .</a:t>
-            </a:r>
-            <a:r>
-              <a:rPr lang="da-DK" sz="4000" dirty="0" err="1"/>
-              <a:t>dacpac</a:t>
-            </a:r>
-            <a:r>
-              <a:rPr lang="da-DK" sz="4000" dirty="0"/>
-              <a:t>?</a:t>
-            </a:r>
+            <a:endParaRPr lang="en-US"/>
           </a:p>
         </p:txBody>
       </p:sp>
@@ -17625,7 +17405,7 @@
           <p:cNvPr id="3" name="Content Placeholder 2">
             <a:extLst>
               <a:ext uri="{FF2B5EF4-FFF2-40B4-BE49-F238E27FC236}">
-                <a16:creationId xmlns:a16="http://schemas.microsoft.com/office/drawing/2014/main" id="{1D37BAAB-2AC4-7032-7DAE-B031E2D35A0C}"/>
+                <a16:creationId xmlns:a16="http://schemas.microsoft.com/office/drawing/2014/main" id="{98B6C42F-8CB3-FB57-D11C-4033DD156FEC}"/>
               </a:ext>
             </a:extLst>
           </p:cNvPr>
@@ -17638,8 +17418,8 @@
         </p:nvSpPr>
         <p:spPr>
           <a:xfrm>
-            <a:off x="457200" y="2923622"/>
-            <a:ext cx="7168293" cy="3578777"/>
+            <a:off x="630936" y="2660904"/>
+            <a:ext cx="6122202" cy="3547872"/>
           </a:xfrm>
         </p:spPr>
         <p:txBody>
@@ -17649,158 +17429,163 @@
           <a:lstStyle/>
           <a:p>
             <a:r>
-              <a:rPr lang="da-DK" dirty="0" err="1"/>
-              <a:t>Ensure</a:t>
-            </a:r>
-            <a:r>
-              <a:rPr lang="da-DK" dirty="0"/>
-              <a:t> high </a:t>
-            </a:r>
-            <a:r>
-              <a:rPr lang="da-DK" dirty="0" err="1"/>
-              <a:t>quality</a:t>
-            </a:r>
-            <a:r>
-              <a:rPr lang="da-DK" dirty="0"/>
-              <a:t> and </a:t>
-            </a:r>
-            <a:r>
-              <a:rPr lang="da-DK" dirty="0" err="1"/>
-              <a:t>consistent</a:t>
-            </a:r>
-            <a:r>
-              <a:rPr lang="da-DK" dirty="0"/>
-              <a:t> SQL </a:t>
-            </a:r>
-            <a:r>
-              <a:rPr lang="da-DK" dirty="0" err="1"/>
+              <a:rPr lang="da-DK" sz="2200" dirty="0" err="1"/>
+              <a:t>Add</a:t>
+            </a:r>
+            <a:r>
+              <a:rPr lang="da-DK" sz="2200" dirty="0"/>
+              <a:t> </a:t>
+            </a:r>
+            <a:r>
+              <a:rPr lang="da-DK" sz="2200" dirty="0" err="1"/>
+              <a:t>you</a:t>
+            </a:r>
+            <a:r>
+              <a:rPr lang="da-DK" sz="2200" dirty="0"/>
+              <a:t> database </a:t>
+            </a:r>
+            <a:r>
+              <a:rPr lang="da-DK" sz="2200" dirty="0" err="1"/>
               <a:t>schema</a:t>
             </a:r>
             <a:r>
-              <a:rPr lang="da-DK" dirty="0"/>
-              <a:t> under source </a:t>
-            </a:r>
-            <a:r>
-              <a:rPr lang="da-DK" dirty="0" err="1"/>
+              <a:rPr lang="da-DK" sz="2200" dirty="0"/>
+              <a:t> to source </a:t>
+            </a:r>
+            <a:r>
+              <a:rPr lang="da-DK" sz="2200" dirty="0" err="1"/>
               <a:t>control</a:t>
             </a:r>
-            <a:endParaRPr lang="da-DK" dirty="0"/>
+            <a:endParaRPr lang="da-DK" sz="2200" dirty="0"/>
           </a:p>
           <a:p>
             <a:r>
-              <a:rPr lang="da-DK" dirty="0" err="1"/>
-              <a:t>Enforce</a:t>
-            </a:r>
-            <a:r>
-              <a:rPr lang="da-DK" dirty="0"/>
-              <a:t> design, performance and security </a:t>
-            </a:r>
-            <a:r>
-              <a:rPr lang="da-DK" dirty="0" err="1"/>
-              <a:t>rules</a:t>
-            </a:r>
-            <a:endParaRPr lang="da-DK" dirty="0"/>
+              <a:rPr lang="da-DK" sz="2200" dirty="0" err="1"/>
+              <a:t>Enable</a:t>
+            </a:r>
+            <a:r>
+              <a:rPr lang="da-DK" sz="2200" dirty="0"/>
+              <a:t> </a:t>
+            </a:r>
+            <a:r>
+              <a:rPr lang="da-DK" sz="2200" dirty="0" err="1"/>
+              <a:t>code</a:t>
+            </a:r>
+            <a:r>
+              <a:rPr lang="da-DK" sz="2200" dirty="0"/>
+              <a:t> </a:t>
+            </a:r>
+            <a:r>
+              <a:rPr lang="da-DK" sz="2200" dirty="0" err="1"/>
+              <a:t>analysis</a:t>
+            </a:r>
+            <a:r>
+              <a:rPr lang="da-DK" sz="2200" dirty="0"/>
+              <a:t> </a:t>
+            </a:r>
+            <a:r>
+              <a:rPr lang="da-DK" sz="2200" dirty="0" err="1"/>
+              <a:t>locally</a:t>
+            </a:r>
+            <a:r>
+              <a:rPr lang="da-DK" sz="2200" dirty="0"/>
+              <a:t> and in CI</a:t>
+            </a:r>
           </a:p>
           <a:p>
             <a:r>
-              <a:rPr lang="da-DK" dirty="0" err="1"/>
-              <a:t>Desired</a:t>
-            </a:r>
-            <a:r>
-              <a:rPr lang="da-DK" dirty="0"/>
+              <a:rPr lang="da-DK" sz="2200" dirty="0" err="1"/>
+              <a:t>Optional</a:t>
+            </a:r>
+            <a:r>
+              <a:rPr lang="da-DK" sz="2200" dirty="0"/>
+              <a:t>: </a:t>
+            </a:r>
+            <a:r>
+              <a:rPr lang="da-DK" sz="2200" dirty="0" err="1"/>
+              <a:t>Create</a:t>
+            </a:r>
+            <a:r>
+              <a:rPr lang="da-DK" sz="2200" dirty="0"/>
               <a:t> </a:t>
             </a:r>
             <a:r>
-              <a:rPr lang="da-DK" dirty="0" err="1"/>
-              <a:t>state</a:t>
-            </a:r>
-            <a:r>
-              <a:rPr lang="da-DK" dirty="0"/>
+              <a:rPr lang="da-DK" sz="2200" dirty="0" err="1"/>
+              <a:t>your</a:t>
+            </a:r>
+            <a:r>
+              <a:rPr lang="da-DK" sz="2200" dirty="0"/>
               <a:t> </a:t>
             </a:r>
             <a:r>
-              <a:rPr lang="da-DK" dirty="0" err="1"/>
-              <a:t>configuration</a:t>
-            </a:r>
-            <a:endParaRPr lang="da-DK" dirty="0"/>
-          </a:p>
-          <a:p>
-            <a:r>
-              <a:rPr lang="da-DK" dirty="0" err="1"/>
-              <a:t>Publish</a:t>
-            </a:r>
-            <a:r>
-              <a:rPr lang="da-DK" dirty="0"/>
+              <a:rPr lang="da-DK" sz="2200" dirty="0" err="1"/>
+              <a:t>own</a:t>
+            </a:r>
+            <a:r>
+              <a:rPr lang="da-DK" sz="2200" dirty="0"/>
               <a:t> </a:t>
             </a:r>
             <a:r>
-              <a:rPr lang="da-DK" dirty="0" err="1"/>
-              <a:t>magic</a:t>
-            </a:r>
-            <a:r>
-              <a:rPr lang="da-DK" dirty="0"/>
-              <a:t>!</a:t>
-            </a:r>
-          </a:p>
-          <a:p>
-            <a:endParaRPr lang="da-DK" dirty="0"/>
-          </a:p>
-          <a:p>
-            <a:endParaRPr lang="da-DK" sz="2000" dirty="0"/>
+              <a:rPr lang="da-DK" sz="2200" dirty="0" err="1"/>
+              <a:t>rules</a:t>
+            </a:r>
+            <a:r>
+              <a:rPr lang="da-DK" sz="2200" dirty="0"/>
+              <a:t> and </a:t>
+            </a:r>
+            <a:r>
+              <a:rPr lang="da-DK" sz="2200" dirty="0" err="1"/>
+              <a:t>contribute</a:t>
+            </a:r>
+            <a:r>
+              <a:rPr lang="da-DK" sz="2200" dirty="0"/>
+              <a:t> </a:t>
+            </a:r>
+            <a:r>
+              <a:rPr lang="da-DK" sz="2200" dirty="0" err="1"/>
+              <a:t>them</a:t>
+            </a:r>
+            <a:r>
+              <a:rPr lang="da-DK" sz="2200" dirty="0"/>
+              <a:t> back to the community</a:t>
+            </a:r>
           </a:p>
         </p:txBody>
       </p:sp>
       <p:pic>
         <p:nvPicPr>
-          <p:cNvPr id="1028" name="Picture 4" descr="it's magic - Album on Imgur">
+          <p:cNvPr id="5" name="Picture 4" descr="A qr code with black dots&#10;&#10;Description automatically generated">
             <a:extLst>
               <a:ext uri="{FF2B5EF4-FFF2-40B4-BE49-F238E27FC236}">
-                <a16:creationId xmlns:a16="http://schemas.microsoft.com/office/drawing/2014/main" id="{672BB7EB-32D7-CC82-0F37-1B439A402A01}"/>
+                <a16:creationId xmlns:a16="http://schemas.microsoft.com/office/drawing/2014/main" id="{1ACEDAF7-1A70-3E40-9618-12BBF5CB9F25}"/>
               </a:ext>
             </a:extLst>
           </p:cNvPr>
           <p:cNvPicPr>
-            <a:picLocks noChangeAspect="1" noChangeArrowheads="1"/>
+            <a:picLocks noChangeAspect="1"/>
           </p:cNvPicPr>
           <p:nvPr/>
         </p:nvPicPr>
         <p:blipFill>
-          <a:blip r:embed="rId2">
-            <a:extLst>
-              <a:ext uri="{28A0092B-C50C-407E-A947-70E740481C1C}">
-                <a14:useLocalDpi xmlns:a14="http://schemas.microsoft.com/office/drawing/2010/main" val="0"/>
-              </a:ext>
-            </a:extLst>
-          </a:blip>
-          <a:srcRect/>
+          <a:blip r:embed="rId2"/>
           <a:stretch>
             <a:fillRect/>
           </a:stretch>
         </p:blipFill>
-        <p:spPr bwMode="auto">
+        <p:spPr>
           <a:xfrm>
-            <a:off x="7596509" y="1473981"/>
-            <a:ext cx="3910014" cy="3910014"/>
+            <a:off x="6862194" y="904031"/>
+            <a:ext cx="4695822" cy="4343974"/>
           </a:xfrm>
           <a:prstGeom prst="rect">
             <a:avLst/>
           </a:prstGeom>
-          <a:noFill/>
-          <a:extLst>
-            <a:ext uri="{909E8E84-426E-40DD-AFC4-6F175D3DCCD1}">
-              <a14:hiddenFill xmlns:a14="http://schemas.microsoft.com/office/drawing/2010/main">
-                <a:solidFill>
-                  <a:srgbClr val="FFFFFF"/>
-                </a:solidFill>
-              </a14:hiddenFill>
-            </a:ext>
-          </a:extLst>
         </p:spPr>
       </p:pic>
     </p:spTree>
     <p:extLst>
       <p:ext uri="{BB962C8B-B14F-4D97-AF65-F5344CB8AC3E}">
-        <p14:creationId xmlns:p14="http://schemas.microsoft.com/office/powerpoint/2010/main" val="2126355379"/>
+        <p14:creationId xmlns:p14="http://schemas.microsoft.com/office/powerpoint/2010/main" val="1406646759"/>
       </p:ext>
     </p:extLst>
   </p:cSld>
@@ -17810,793 +17595,7 @@
 </p:sld>
 </file>
 
-<file path=ppt/slides/slide2.xml><?xml version="1.0" encoding="utf-8"?>
-<p:sld xmlns:a="http://schemas.openxmlformats.org/drawingml/2006/main" xmlns:r="http://schemas.openxmlformats.org/officeDocument/2006/relationships" xmlns:p="http://schemas.openxmlformats.org/presentationml/2006/main">
-  <p:cSld>
-    <p:spTree>
-      <p:nvGrpSpPr>
-        <p:cNvPr id="1" name="">
-          <a:extLst>
-            <a:ext uri="{FF2B5EF4-FFF2-40B4-BE49-F238E27FC236}">
-              <a16:creationId xmlns:a16="http://schemas.microsoft.com/office/drawing/2014/main" id="{177060DA-856A-346A-7C68-17AEA45BB0C3}"/>
-            </a:ext>
-          </a:extLst>
-        </p:cNvPr>
-        <p:cNvGrpSpPr/>
-        <p:nvPr/>
-      </p:nvGrpSpPr>
-      <p:grpSpPr>
-        <a:xfrm>
-          <a:off x="0" y="0"/>
-          <a:ext cx="0" cy="0"/>
-          <a:chOff x="0" y="0"/>
-          <a:chExt cx="0" cy="0"/>
-        </a:xfrm>
-      </p:grpSpPr>
-      <p:sp>
-        <p:nvSpPr>
-          <p:cNvPr id="2" name="Title 1">
-            <a:extLst>
-              <a:ext uri="{FF2B5EF4-FFF2-40B4-BE49-F238E27FC236}">
-                <a16:creationId xmlns:a16="http://schemas.microsoft.com/office/drawing/2014/main" id="{13FA188E-213F-A5EC-6918-4E29E048A570}"/>
-              </a:ext>
-            </a:extLst>
-          </p:cNvPr>
-          <p:cNvSpPr>
-            <a:spLocks noGrp="1"/>
-          </p:cNvSpPr>
-          <p:nvPr>
-            <p:ph type="title"/>
-          </p:nvPr>
-        </p:nvSpPr>
-        <p:spPr/>
-        <p:txBody>
-          <a:bodyPr/>
-          <a:lstStyle/>
-          <a:p>
-            <a:r>
-              <a:rPr lang="da-DK" dirty="0"/>
-              <a:t>Challenges?</a:t>
-            </a:r>
-          </a:p>
-        </p:txBody>
-      </p:sp>
-      <p:sp>
-        <p:nvSpPr>
-          <p:cNvPr id="3" name="Content Placeholder 2">
-            <a:extLst>
-              <a:ext uri="{FF2B5EF4-FFF2-40B4-BE49-F238E27FC236}">
-                <a16:creationId xmlns:a16="http://schemas.microsoft.com/office/drawing/2014/main" id="{3F9A231C-4780-226B-D583-D673A9555BE5}"/>
-              </a:ext>
-            </a:extLst>
-          </p:cNvPr>
-          <p:cNvSpPr>
-            <a:spLocks noGrp="1"/>
-          </p:cNvSpPr>
-          <p:nvPr>
-            <p:ph idx="1"/>
-          </p:nvPr>
-        </p:nvSpPr>
-        <p:spPr/>
-        <p:txBody>
-          <a:bodyPr>
-            <a:normAutofit lnSpcReduction="10000"/>
-          </a:bodyPr>
-          <a:lstStyle/>
-          <a:p>
-            <a:r>
-              <a:rPr lang="da-DK" sz="3200" dirty="0"/>
-              <a:t>Database </a:t>
-            </a:r>
-            <a:r>
-              <a:rPr lang="da-DK" sz="3200" dirty="0" err="1"/>
-              <a:t>schema</a:t>
-            </a:r>
-            <a:r>
-              <a:rPr lang="da-DK" sz="3200" dirty="0"/>
-              <a:t> not in source </a:t>
-            </a:r>
-            <a:r>
-              <a:rPr lang="da-DK" sz="3200" dirty="0" err="1"/>
-              <a:t>control</a:t>
-            </a:r>
-            <a:endParaRPr lang="da-DK" sz="3200" dirty="0"/>
-          </a:p>
-          <a:p>
-            <a:r>
-              <a:rPr lang="da-DK" sz="3200" dirty="0" err="1"/>
-              <a:t>Complex</a:t>
-            </a:r>
-            <a:r>
-              <a:rPr lang="da-DK" sz="3200" dirty="0"/>
-              <a:t> scripts to </a:t>
-            </a:r>
-            <a:r>
-              <a:rPr lang="da-DK" sz="3200" dirty="0" err="1"/>
-              <a:t>update</a:t>
-            </a:r>
-            <a:r>
-              <a:rPr lang="da-DK" sz="3200" dirty="0"/>
-              <a:t> </a:t>
-            </a:r>
-            <a:r>
-              <a:rPr lang="da-DK" sz="3200" dirty="0" err="1"/>
-              <a:t>schema</a:t>
-            </a:r>
-            <a:endParaRPr lang="da-DK" sz="3200" dirty="0"/>
-          </a:p>
-          <a:p>
-            <a:r>
-              <a:rPr lang="da-DK" sz="3200" dirty="0"/>
-              <a:t>Versioning of database </a:t>
-            </a:r>
-            <a:r>
-              <a:rPr lang="da-DK" sz="3200" dirty="0" err="1"/>
-              <a:t>vs</a:t>
-            </a:r>
-            <a:r>
-              <a:rPr lang="da-DK" sz="3200" dirty="0"/>
-              <a:t> app a nightmare</a:t>
-            </a:r>
-          </a:p>
-          <a:p>
-            <a:r>
-              <a:rPr lang="da-DK" sz="3200" dirty="0"/>
-              <a:t>Runtime </a:t>
-            </a:r>
-            <a:r>
-              <a:rPr lang="da-DK" sz="3200" dirty="0" err="1"/>
-              <a:t>errors</a:t>
-            </a:r>
-            <a:r>
-              <a:rPr lang="da-DK" sz="3200" dirty="0"/>
-              <a:t> in database due to </a:t>
-            </a:r>
-            <a:r>
-              <a:rPr lang="da-DK" sz="3200" dirty="0" err="1"/>
-              <a:t>uncaught</a:t>
-            </a:r>
-            <a:r>
-              <a:rPr lang="da-DK" sz="3200" dirty="0"/>
-              <a:t> </a:t>
-            </a:r>
-            <a:r>
-              <a:rPr lang="da-DK" sz="3200" dirty="0" err="1"/>
-              <a:t>syntax</a:t>
-            </a:r>
-            <a:r>
-              <a:rPr lang="da-DK" sz="3200" dirty="0"/>
-              <a:t> </a:t>
-            </a:r>
-            <a:r>
-              <a:rPr lang="da-DK" sz="3200" dirty="0" err="1"/>
-              <a:t>errors</a:t>
-            </a:r>
-            <a:endParaRPr lang="da-DK" sz="3200" dirty="0"/>
-          </a:p>
-          <a:p>
-            <a:r>
-              <a:rPr lang="da-DK" sz="3200" dirty="0"/>
-              <a:t>No standard approach to </a:t>
-            </a:r>
-            <a:r>
-              <a:rPr lang="da-DK" sz="3200" dirty="0" err="1"/>
-              <a:t>naming</a:t>
-            </a:r>
-            <a:r>
-              <a:rPr lang="da-DK" sz="3200" dirty="0"/>
-              <a:t> or </a:t>
-            </a:r>
-            <a:r>
-              <a:rPr lang="da-DK" sz="3200" dirty="0" err="1"/>
-              <a:t>other</a:t>
-            </a:r>
-            <a:r>
-              <a:rPr lang="da-DK" sz="3200" dirty="0"/>
-              <a:t> database design ”business </a:t>
-            </a:r>
-            <a:r>
-              <a:rPr lang="da-DK" sz="3200" dirty="0" err="1"/>
-              <a:t>rules</a:t>
-            </a:r>
-            <a:r>
-              <a:rPr lang="da-DK" sz="3200" dirty="0"/>
-              <a:t>”</a:t>
-            </a:r>
-          </a:p>
-          <a:p>
-            <a:r>
-              <a:rPr lang="da-DK" sz="3200" dirty="0"/>
-              <a:t>No cross platform </a:t>
-            </a:r>
-            <a:r>
-              <a:rPr lang="da-DK" sz="3200" dirty="0" err="1"/>
-              <a:t>build</a:t>
-            </a:r>
-            <a:r>
-              <a:rPr lang="da-DK" sz="3200" dirty="0"/>
-              <a:t> and </a:t>
-            </a:r>
-            <a:r>
-              <a:rPr lang="da-DK" sz="3200" dirty="0" err="1"/>
-              <a:t>deployment</a:t>
-            </a:r>
-            <a:r>
-              <a:rPr lang="da-DK" sz="3200" dirty="0"/>
-              <a:t> support</a:t>
-            </a:r>
-          </a:p>
-          <a:p>
-            <a:r>
-              <a:rPr lang="da-DK" sz="3200" dirty="0"/>
-              <a:t>No proper </a:t>
-            </a:r>
-            <a:r>
-              <a:rPr lang="da-DK" sz="3200" dirty="0" err="1"/>
-              <a:t>NuGet</a:t>
-            </a:r>
-            <a:r>
-              <a:rPr lang="da-DK" sz="3200" dirty="0"/>
-              <a:t> integration</a:t>
-            </a:r>
-          </a:p>
-          <a:p>
-            <a:pPr marL="0" indent="0">
-              <a:buNone/>
-            </a:pPr>
-            <a:endParaRPr lang="da-DK" sz="3200" dirty="0"/>
-          </a:p>
-        </p:txBody>
-      </p:sp>
-    </p:spTree>
-    <p:extLst>
-      <p:ext uri="{BB962C8B-B14F-4D97-AF65-F5344CB8AC3E}">
-        <p14:creationId xmlns:p14="http://schemas.microsoft.com/office/powerpoint/2010/main" val="1404577621"/>
-      </p:ext>
-    </p:extLst>
-  </p:cSld>
-  <p:clrMapOvr>
-    <a:masterClrMapping/>
-  </p:clrMapOvr>
-</p:sld>
-</file>
-
-<file path=ppt/slides/slide3.xml><?xml version="1.0" encoding="utf-8"?>
-<p:sld xmlns:a="http://schemas.openxmlformats.org/drawingml/2006/main" xmlns:r="http://schemas.openxmlformats.org/officeDocument/2006/relationships" xmlns:p="http://schemas.openxmlformats.org/presentationml/2006/main">
-  <p:cSld>
-    <p:spTree>
-      <p:nvGrpSpPr>
-        <p:cNvPr id="1" name=""/>
-        <p:cNvGrpSpPr/>
-        <p:nvPr/>
-      </p:nvGrpSpPr>
-      <p:grpSpPr>
-        <a:xfrm>
-          <a:off x="0" y="0"/>
-          <a:ext cx="0" cy="0"/>
-          <a:chOff x="0" y="0"/>
-          <a:chExt cx="0" cy="0"/>
-        </a:xfrm>
-      </p:grpSpPr>
-      <p:sp>
-        <p:nvSpPr>
-          <p:cNvPr id="2" name="Title 1">
-            <a:extLst>
-              <a:ext uri="{FF2B5EF4-FFF2-40B4-BE49-F238E27FC236}">
-                <a16:creationId xmlns:a16="http://schemas.microsoft.com/office/drawing/2014/main" id="{B0D5BB5B-7FFA-DB8B-F802-03B5D520D180}"/>
-              </a:ext>
-            </a:extLst>
-          </p:cNvPr>
-          <p:cNvSpPr>
-            <a:spLocks noGrp="1"/>
-          </p:cNvSpPr>
-          <p:nvPr>
-            <p:ph type="title"/>
-          </p:nvPr>
-        </p:nvSpPr>
-        <p:spPr/>
-        <p:txBody>
-          <a:bodyPr/>
-          <a:lstStyle/>
-          <a:p>
-            <a:r>
-              <a:rPr lang="da-DK" dirty="0" err="1"/>
-              <a:t>Process</a:t>
-            </a:r>
-            <a:endParaRPr lang="da-DK" dirty="0"/>
-          </a:p>
-        </p:txBody>
-      </p:sp>
-      <p:graphicFrame>
-        <p:nvGraphicFramePr>
-          <p:cNvPr id="4" name="Content Placeholder 3">
-            <a:extLst>
-              <a:ext uri="{FF2B5EF4-FFF2-40B4-BE49-F238E27FC236}">
-                <a16:creationId xmlns:a16="http://schemas.microsoft.com/office/drawing/2014/main" id="{14C458CB-FE86-0722-5465-2135D8B24067}"/>
-              </a:ext>
-            </a:extLst>
-          </p:cNvPr>
-          <p:cNvGraphicFramePr>
-            <a:graphicFrameLocks noGrp="1"/>
-          </p:cNvGraphicFramePr>
-          <p:nvPr>
-            <p:ph idx="1"/>
-            <p:extLst>
-              <p:ext uri="{D42A27DB-BD31-4B8C-83A1-F6EECF244321}">
-                <p14:modId xmlns:p14="http://schemas.microsoft.com/office/powerpoint/2010/main" val="681339126"/>
-              </p:ext>
-            </p:extLst>
-          </p:nvPr>
-        </p:nvGraphicFramePr>
-        <p:xfrm>
-          <a:off x="838200" y="1825625"/>
-          <a:ext cx="10515600" cy="4351338"/>
-        </p:xfrm>
-        <a:graphic>
-          <a:graphicData uri="http://schemas.openxmlformats.org/drawingml/2006/diagram">
-            <dgm:relIds xmlns:dgm="http://schemas.openxmlformats.org/drawingml/2006/diagram" xmlns:r="http://schemas.openxmlformats.org/officeDocument/2006/relationships" r:dm="rId2" r:lo="rId3" r:qs="rId4" r:cs="rId5"/>
-          </a:graphicData>
-        </a:graphic>
-      </p:graphicFrame>
-    </p:spTree>
-    <p:extLst>
-      <p:ext uri="{BB962C8B-B14F-4D97-AF65-F5344CB8AC3E}">
-        <p14:creationId xmlns:p14="http://schemas.microsoft.com/office/powerpoint/2010/main" val="2825632252"/>
-      </p:ext>
-    </p:extLst>
-  </p:cSld>
-  <p:clrMapOvr>
-    <a:masterClrMapping/>
-  </p:clrMapOvr>
-</p:sld>
-</file>
-
-<file path=ppt/slides/slide4.xml><?xml version="1.0" encoding="utf-8"?>
-<p:sld xmlns:a="http://schemas.openxmlformats.org/drawingml/2006/main" xmlns:r="http://schemas.openxmlformats.org/officeDocument/2006/relationships" xmlns:p="http://schemas.openxmlformats.org/presentationml/2006/main">
-  <p:cSld>
-    <p:spTree>
-      <p:nvGrpSpPr>
-        <p:cNvPr id="1" name=""/>
-        <p:cNvGrpSpPr/>
-        <p:nvPr/>
-      </p:nvGrpSpPr>
-      <p:grpSpPr>
-        <a:xfrm>
-          <a:off x="0" y="0"/>
-          <a:ext cx="0" cy="0"/>
-          <a:chOff x="0" y="0"/>
-          <a:chExt cx="0" cy="0"/>
-        </a:xfrm>
-      </p:grpSpPr>
-      <p:sp>
-        <p:nvSpPr>
-          <p:cNvPr id="2" name="Title 1">
-            <a:extLst>
-              <a:ext uri="{FF2B5EF4-FFF2-40B4-BE49-F238E27FC236}">
-                <a16:creationId xmlns:a16="http://schemas.microsoft.com/office/drawing/2014/main" id="{B0D5BB5B-7FFA-DB8B-F802-03B5D520D180}"/>
-              </a:ext>
-            </a:extLst>
-          </p:cNvPr>
-          <p:cNvSpPr>
-            <a:spLocks noGrp="1"/>
-          </p:cNvSpPr>
-          <p:nvPr>
-            <p:ph type="title"/>
-          </p:nvPr>
-        </p:nvSpPr>
-        <p:spPr/>
-        <p:txBody>
-          <a:bodyPr/>
-          <a:lstStyle/>
-          <a:p>
-            <a:r>
-              <a:rPr lang="da-DK" dirty="0" err="1"/>
-              <a:t>Tooling</a:t>
-            </a:r>
-            <a:endParaRPr lang="da-DK" dirty="0"/>
-          </a:p>
-        </p:txBody>
-      </p:sp>
-      <p:graphicFrame>
-        <p:nvGraphicFramePr>
-          <p:cNvPr id="4" name="Content Placeholder 3">
-            <a:extLst>
-              <a:ext uri="{FF2B5EF4-FFF2-40B4-BE49-F238E27FC236}">
-                <a16:creationId xmlns:a16="http://schemas.microsoft.com/office/drawing/2014/main" id="{14C458CB-FE86-0722-5465-2135D8B24067}"/>
-              </a:ext>
-            </a:extLst>
-          </p:cNvPr>
-          <p:cNvGraphicFramePr>
-            <a:graphicFrameLocks noGrp="1"/>
-          </p:cNvGraphicFramePr>
-          <p:nvPr>
-            <p:ph idx="1"/>
-            <p:extLst>
-              <p:ext uri="{D42A27DB-BD31-4B8C-83A1-F6EECF244321}">
-                <p14:modId xmlns:p14="http://schemas.microsoft.com/office/powerpoint/2010/main" val="2261826792"/>
-              </p:ext>
-            </p:extLst>
-          </p:nvPr>
-        </p:nvGraphicFramePr>
-        <p:xfrm>
-          <a:off x="838200" y="1825625"/>
-          <a:ext cx="10515600" cy="4351338"/>
-        </p:xfrm>
-        <a:graphic>
-          <a:graphicData uri="http://schemas.openxmlformats.org/drawingml/2006/diagram">
-            <dgm:relIds xmlns:dgm="http://schemas.openxmlformats.org/drawingml/2006/diagram" xmlns:r="http://schemas.openxmlformats.org/officeDocument/2006/relationships" r:dm="rId2" r:lo="rId3" r:qs="rId4" r:cs="rId5"/>
-          </a:graphicData>
-        </a:graphic>
-      </p:graphicFrame>
-      <p:sp>
-        <p:nvSpPr>
-          <p:cNvPr id="3" name="TextBox 2">
-            <a:extLst>
-              <a:ext uri="{FF2B5EF4-FFF2-40B4-BE49-F238E27FC236}">
-                <a16:creationId xmlns:a16="http://schemas.microsoft.com/office/drawing/2014/main" id="{D0002042-9439-C760-352C-9B1314C5F520}"/>
-              </a:ext>
-            </a:extLst>
-          </p:cNvPr>
-          <p:cNvSpPr txBox="1"/>
-          <p:nvPr/>
-        </p:nvSpPr>
-        <p:spPr>
-          <a:xfrm>
-            <a:off x="1297858" y="4739147"/>
-            <a:ext cx="2438400" cy="1200329"/>
-          </a:xfrm>
-          <a:prstGeom prst="rect">
-            <a:avLst/>
-          </a:prstGeom>
-          <a:noFill/>
-        </p:spPr>
-        <p:txBody>
-          <a:bodyPr wrap="square" rtlCol="0">
-            <a:spAutoFit/>
-          </a:bodyPr>
-          <a:lstStyle/>
-          <a:p>
-            <a:r>
-              <a:rPr lang="da-DK" dirty="0"/>
-              <a:t>Visual Studio</a:t>
-            </a:r>
-          </a:p>
-          <a:p>
-            <a:r>
-              <a:rPr lang="da-DK" dirty="0"/>
-              <a:t>VS Code</a:t>
-            </a:r>
-          </a:p>
-          <a:p>
-            <a:r>
-              <a:rPr lang="da-DK" dirty="0" err="1"/>
-              <a:t>sqlpackage</a:t>
-            </a:r>
-            <a:r>
-              <a:rPr lang="da-DK" dirty="0"/>
-              <a:t> </a:t>
-            </a:r>
-            <a:r>
-              <a:rPr lang="da-DK" dirty="0" err="1"/>
-              <a:t>extract</a:t>
-            </a:r>
-            <a:endParaRPr lang="da-DK" dirty="0"/>
-          </a:p>
-          <a:p>
-            <a:r>
-              <a:rPr lang="da-DK" dirty="0" err="1"/>
-              <a:t>dotnet</a:t>
-            </a:r>
-            <a:r>
-              <a:rPr lang="da-DK" dirty="0"/>
-              <a:t> new</a:t>
-            </a:r>
-          </a:p>
-        </p:txBody>
-      </p:sp>
-      <p:sp>
-        <p:nvSpPr>
-          <p:cNvPr id="5" name="TextBox 4">
-            <a:extLst>
-              <a:ext uri="{FF2B5EF4-FFF2-40B4-BE49-F238E27FC236}">
-                <a16:creationId xmlns:a16="http://schemas.microsoft.com/office/drawing/2014/main" id="{F736263C-7EC6-28BD-BD25-C6CFCC5126F2}"/>
-              </a:ext>
-            </a:extLst>
-          </p:cNvPr>
-          <p:cNvSpPr txBox="1"/>
-          <p:nvPr/>
-        </p:nvSpPr>
-        <p:spPr>
-          <a:xfrm>
-            <a:off x="5287302" y="4891547"/>
-            <a:ext cx="1600200" cy="1477328"/>
-          </a:xfrm>
-          <a:prstGeom prst="rect">
-            <a:avLst/>
-          </a:prstGeom>
-          <a:noFill/>
-        </p:spPr>
-        <p:txBody>
-          <a:bodyPr wrap="square" rtlCol="0">
-            <a:spAutoFit/>
-          </a:bodyPr>
-          <a:lstStyle/>
-          <a:p>
-            <a:r>
-              <a:rPr lang="da-DK" dirty="0" err="1"/>
-              <a:t>MSBuild</a:t>
-            </a:r>
-            <a:endParaRPr lang="da-DK" dirty="0"/>
-          </a:p>
-          <a:p>
-            <a:r>
-              <a:rPr lang="da-DK" dirty="0" err="1"/>
-              <a:t>dotnet</a:t>
-            </a:r>
-            <a:r>
-              <a:rPr lang="da-DK" dirty="0"/>
-              <a:t> </a:t>
-            </a:r>
-            <a:r>
-              <a:rPr lang="da-DK" dirty="0" err="1"/>
-              <a:t>build</a:t>
-            </a:r>
-            <a:endParaRPr lang="da-DK" dirty="0"/>
-          </a:p>
-          <a:p>
-            <a:r>
-              <a:rPr lang="da-DK" dirty="0" err="1"/>
-              <a:t>dotnet</a:t>
-            </a:r>
-            <a:r>
-              <a:rPr lang="da-DK" dirty="0"/>
-              <a:t> </a:t>
-            </a:r>
-            <a:r>
-              <a:rPr lang="da-DK" dirty="0" err="1"/>
-              <a:t>pack</a:t>
-            </a:r>
-            <a:br>
-              <a:rPr lang="da-DK" dirty="0"/>
-            </a:br>
-            <a:br>
-              <a:rPr lang="da-DK" dirty="0"/>
-            </a:br>
-            <a:r>
-              <a:rPr lang="da-DK" dirty="0"/>
-              <a:t>Analyzer </a:t>
-            </a:r>
-            <a:r>
-              <a:rPr lang="da-DK" dirty="0" err="1"/>
-              <a:t>rules</a:t>
-            </a:r>
-            <a:endParaRPr lang="da-DK" dirty="0"/>
-          </a:p>
-        </p:txBody>
-      </p:sp>
-      <p:sp>
-        <p:nvSpPr>
-          <p:cNvPr id="6" name="TextBox 5">
-            <a:extLst>
-              <a:ext uri="{FF2B5EF4-FFF2-40B4-BE49-F238E27FC236}">
-                <a16:creationId xmlns:a16="http://schemas.microsoft.com/office/drawing/2014/main" id="{58694100-CEF9-DF56-F98E-6A48126062C4}"/>
-              </a:ext>
-            </a:extLst>
-          </p:cNvPr>
-          <p:cNvSpPr txBox="1"/>
-          <p:nvPr/>
-        </p:nvSpPr>
-        <p:spPr>
-          <a:xfrm>
-            <a:off x="8681885" y="4798139"/>
-            <a:ext cx="2723556" cy="923330"/>
-          </a:xfrm>
-          <a:prstGeom prst="rect">
-            <a:avLst/>
-          </a:prstGeom>
-          <a:noFill/>
-        </p:spPr>
-        <p:txBody>
-          <a:bodyPr wrap="square" rtlCol="0">
-            <a:spAutoFit/>
-          </a:bodyPr>
-          <a:lstStyle/>
-          <a:p>
-            <a:r>
-              <a:rPr lang="da-DK" dirty="0" err="1"/>
-              <a:t>Azure</a:t>
-            </a:r>
-            <a:r>
-              <a:rPr lang="da-DK" dirty="0"/>
-              <a:t> </a:t>
-            </a:r>
-            <a:r>
-              <a:rPr lang="da-DK" dirty="0" err="1"/>
-              <a:t>DevOps</a:t>
-            </a:r>
-            <a:r>
-              <a:rPr lang="da-DK" dirty="0"/>
-              <a:t> pipelines</a:t>
-            </a:r>
-          </a:p>
-          <a:p>
-            <a:r>
-              <a:rPr lang="da-DK" dirty="0"/>
-              <a:t>GitHub actions</a:t>
-            </a:r>
-          </a:p>
-          <a:p>
-            <a:r>
-              <a:rPr lang="da-DK" dirty="0" err="1"/>
-              <a:t>sqlpackage</a:t>
-            </a:r>
-            <a:r>
-              <a:rPr lang="da-DK" dirty="0"/>
-              <a:t> </a:t>
-            </a:r>
-            <a:r>
-              <a:rPr lang="da-DK" dirty="0" err="1"/>
-              <a:t>publish</a:t>
-            </a:r>
-            <a:endParaRPr lang="da-DK" dirty="0"/>
-          </a:p>
-        </p:txBody>
-      </p:sp>
-    </p:spTree>
-    <p:extLst>
-      <p:ext uri="{BB962C8B-B14F-4D97-AF65-F5344CB8AC3E}">
-        <p14:creationId xmlns:p14="http://schemas.microsoft.com/office/powerpoint/2010/main" val="654303725"/>
-      </p:ext>
-    </p:extLst>
-  </p:cSld>
-  <p:clrMapOvr>
-    <a:masterClrMapping/>
-  </p:clrMapOvr>
-</p:sld>
-</file>
-
-<file path=ppt/slides/slide5.xml><?xml version="1.0" encoding="utf-8"?>
-<p:sld xmlns:a="http://schemas.openxmlformats.org/drawingml/2006/main" xmlns:r="http://schemas.openxmlformats.org/officeDocument/2006/relationships" xmlns:p="http://schemas.openxmlformats.org/presentationml/2006/main">
-  <p:cSld>
-    <p:spTree>
-      <p:nvGrpSpPr>
-        <p:cNvPr id="1" name=""/>
-        <p:cNvGrpSpPr/>
-        <p:nvPr/>
-      </p:nvGrpSpPr>
-      <p:grpSpPr>
-        <a:xfrm>
-          <a:off x="0" y="0"/>
-          <a:ext cx="0" cy="0"/>
-          <a:chOff x="0" y="0"/>
-          <a:chExt cx="0" cy="0"/>
-        </a:xfrm>
-      </p:grpSpPr>
-      <p:sp>
-        <p:nvSpPr>
-          <p:cNvPr id="2" name="Title 1">
-            <a:extLst>
-              <a:ext uri="{FF2B5EF4-FFF2-40B4-BE49-F238E27FC236}">
-                <a16:creationId xmlns:a16="http://schemas.microsoft.com/office/drawing/2014/main" id="{46764B13-08C2-5DF8-A53C-BFEC16E91C07}"/>
-              </a:ext>
-            </a:extLst>
-          </p:cNvPr>
-          <p:cNvSpPr>
-            <a:spLocks noGrp="1"/>
-          </p:cNvSpPr>
-          <p:nvPr>
-            <p:ph type="ctrTitle"/>
-          </p:nvPr>
-        </p:nvSpPr>
-        <p:spPr/>
-        <p:txBody>
-          <a:bodyPr/>
-          <a:lstStyle/>
-          <a:p>
-            <a:r>
-              <a:rPr lang="da-DK" dirty="0"/>
-              <a:t>Demo!</a:t>
-            </a:r>
-          </a:p>
-        </p:txBody>
-      </p:sp>
-      <p:sp>
-        <p:nvSpPr>
-          <p:cNvPr id="3" name="Subtitle 2">
-            <a:extLst>
-              <a:ext uri="{FF2B5EF4-FFF2-40B4-BE49-F238E27FC236}">
-                <a16:creationId xmlns:a16="http://schemas.microsoft.com/office/drawing/2014/main" id="{9DD93DD9-B1CE-0839-4E42-138D918D6D97}"/>
-              </a:ext>
-            </a:extLst>
-          </p:cNvPr>
-          <p:cNvSpPr>
-            <a:spLocks noGrp="1"/>
-          </p:cNvSpPr>
-          <p:nvPr>
-            <p:ph type="subTitle" idx="1"/>
-          </p:nvPr>
-        </p:nvSpPr>
-        <p:spPr/>
-        <p:txBody>
-          <a:bodyPr/>
-          <a:lstStyle/>
-          <a:p>
-            <a:endParaRPr lang="da-DK"/>
-          </a:p>
-        </p:txBody>
-      </p:sp>
-    </p:spTree>
-    <p:extLst>
-      <p:ext uri="{BB962C8B-B14F-4D97-AF65-F5344CB8AC3E}">
-        <p14:creationId xmlns:p14="http://schemas.microsoft.com/office/powerpoint/2010/main" val="41144073"/>
-      </p:ext>
-    </p:extLst>
-  </p:cSld>
-  <p:clrMapOvr>
-    <a:masterClrMapping/>
-  </p:clrMapOvr>
-</p:sld>
-</file>
-
-<file path=ppt/slides/slide6.xml><?xml version="1.0" encoding="utf-8"?>
-<p:sld xmlns:a="http://schemas.openxmlformats.org/drawingml/2006/main" xmlns:r="http://schemas.openxmlformats.org/officeDocument/2006/relationships" xmlns:p="http://schemas.openxmlformats.org/presentationml/2006/main">
-  <p:cSld>
-    <p:spTree>
-      <p:nvGrpSpPr>
-        <p:cNvPr id="1" name=""/>
-        <p:cNvGrpSpPr/>
-        <p:nvPr/>
-      </p:nvGrpSpPr>
-      <p:grpSpPr>
-        <a:xfrm>
-          <a:off x="0" y="0"/>
-          <a:ext cx="0" cy="0"/>
-          <a:chOff x="0" y="0"/>
-          <a:chExt cx="0" cy="0"/>
-        </a:xfrm>
-      </p:grpSpPr>
-      <p:graphicFrame>
-        <p:nvGraphicFramePr>
-          <p:cNvPr id="3" name="Diagram 2">
-            <a:extLst>
-              <a:ext uri="{FF2B5EF4-FFF2-40B4-BE49-F238E27FC236}">
-                <a16:creationId xmlns:a16="http://schemas.microsoft.com/office/drawing/2014/main" id="{C9970F5D-0A0F-E7B6-3F47-4D2387A9672E}"/>
-              </a:ext>
-            </a:extLst>
-          </p:cNvPr>
-          <p:cNvGraphicFramePr/>
-          <p:nvPr>
-            <p:extLst>
-              <p:ext uri="{D42A27DB-BD31-4B8C-83A1-F6EECF244321}">
-                <p14:modId xmlns:p14="http://schemas.microsoft.com/office/powerpoint/2010/main" val="3327042170"/>
-              </p:ext>
-            </p:extLst>
-          </p:nvPr>
-        </p:nvGraphicFramePr>
-        <p:xfrm>
-          <a:off x="2032000" y="719666"/>
-          <a:ext cx="8128000" cy="5418667"/>
-        </p:xfrm>
-        <a:graphic>
-          <a:graphicData uri="http://schemas.openxmlformats.org/drawingml/2006/diagram">
-            <dgm:relIds xmlns:dgm="http://schemas.openxmlformats.org/drawingml/2006/diagram" xmlns:r="http://schemas.openxmlformats.org/officeDocument/2006/relationships" r:dm="rId2" r:lo="rId3" r:qs="rId4" r:cs="rId5"/>
-          </a:graphicData>
-        </a:graphic>
-      </p:graphicFrame>
-    </p:spTree>
-    <p:extLst>
-      <p:ext uri="{BB962C8B-B14F-4D97-AF65-F5344CB8AC3E}">
-        <p14:creationId xmlns:p14="http://schemas.microsoft.com/office/powerpoint/2010/main" val="3258487924"/>
-      </p:ext>
-    </p:extLst>
-  </p:cSld>
-  <p:clrMapOvr>
-    <a:masterClrMapping/>
-  </p:clrMapOvr>
-</p:sld>
-</file>
-
-<file path=ppt/slides/slide7.xml><?xml version="1.0" encoding="utf-8"?>
+<file path=ppt/slides/slide15.xml><?xml version="1.0" encoding="utf-8"?>
 <p:sld xmlns:a="http://schemas.openxmlformats.org/drawingml/2006/main" xmlns:r="http://schemas.openxmlformats.org/officeDocument/2006/relationships" xmlns:p="http://schemas.openxmlformats.org/presentationml/2006/main">
   <p:cSld>
     <p:spTree>
@@ -19783,7 +18782,7 @@
 </p:sld>
 </file>
 
-<file path=ppt/slides/slide8.xml><?xml version="1.0" encoding="utf-8"?>
+<file path=ppt/slides/slide16.xml><?xml version="1.0" encoding="utf-8"?>
 <p:sld xmlns:a="http://schemas.openxmlformats.org/drawingml/2006/main" xmlns:r="http://schemas.openxmlformats.org/officeDocument/2006/relationships" xmlns:p="http://schemas.openxmlformats.org/presentationml/2006/main">
   <p:cSld>
     <p:spTree>
@@ -19877,7 +18876,893 @@
 </p:sld>
 </file>
 
-<file path=ppt/slides/slide9.xml><?xml version="1.0" encoding="utf-8"?>
+<file path=ppt/slides/slide17.xml><?xml version="1.0" encoding="utf-8"?>
+<p:sld xmlns:a="http://schemas.openxmlformats.org/drawingml/2006/main" xmlns:r="http://schemas.openxmlformats.org/officeDocument/2006/relationships" xmlns:p="http://schemas.openxmlformats.org/presentationml/2006/main">
+  <p:cSld>
+    <p:spTree>
+      <p:nvGrpSpPr>
+        <p:cNvPr id="1" name="">
+          <a:extLst>
+            <a:ext uri="{FF2B5EF4-FFF2-40B4-BE49-F238E27FC236}">
+              <a16:creationId xmlns:a16="http://schemas.microsoft.com/office/drawing/2014/main" id="{828078A8-1C8D-CC17-F403-AD419F1D491B}"/>
+            </a:ext>
+          </a:extLst>
+        </p:cNvPr>
+        <p:cNvGrpSpPr/>
+        <p:nvPr/>
+      </p:nvGrpSpPr>
+      <p:grpSpPr>
+        <a:xfrm>
+          <a:off x="0" y="0"/>
+          <a:ext cx="0" cy="0"/>
+          <a:chOff x="0" y="0"/>
+          <a:chExt cx="0" cy="0"/>
+        </a:xfrm>
+      </p:grpSpPr>
+      <p:sp>
+        <p:nvSpPr>
+          <p:cNvPr id="2" name="Title 1">
+            <a:extLst>
+              <a:ext uri="{FF2B5EF4-FFF2-40B4-BE49-F238E27FC236}">
+                <a16:creationId xmlns:a16="http://schemas.microsoft.com/office/drawing/2014/main" id="{D80E3296-FFC2-33B3-4F11-56B331B595B9}"/>
+              </a:ext>
+            </a:extLst>
+          </p:cNvPr>
+          <p:cNvSpPr>
+            <a:spLocks noGrp="1"/>
+          </p:cNvSpPr>
+          <p:nvPr>
+            <p:ph type="title"/>
+          </p:nvPr>
+        </p:nvSpPr>
+        <p:spPr/>
+        <p:txBody>
+          <a:bodyPr/>
+          <a:lstStyle/>
+          <a:p>
+            <a:r>
+              <a:rPr lang="da-DK" dirty="0"/>
+              <a:t>Q  &amp; A</a:t>
+            </a:r>
+          </a:p>
+        </p:txBody>
+      </p:sp>
+      <p:sp>
+        <p:nvSpPr>
+          <p:cNvPr id="3" name="Content Placeholder 2">
+            <a:extLst>
+              <a:ext uri="{FF2B5EF4-FFF2-40B4-BE49-F238E27FC236}">
+                <a16:creationId xmlns:a16="http://schemas.microsoft.com/office/drawing/2014/main" id="{14A3AC6A-31BA-D5A6-ADBD-A91781F85AE1}"/>
+              </a:ext>
+            </a:extLst>
+          </p:cNvPr>
+          <p:cNvSpPr>
+            <a:spLocks noGrp="1"/>
+          </p:cNvSpPr>
+          <p:nvPr>
+            <p:ph idx="1"/>
+          </p:nvPr>
+        </p:nvSpPr>
+        <p:spPr/>
+        <p:txBody>
+          <a:bodyPr>
+            <a:normAutofit/>
+          </a:bodyPr>
+          <a:lstStyle/>
+          <a:p>
+            <a:r>
+              <a:rPr lang="da-DK" sz="3200" dirty="0"/>
+              <a:t>Handling </a:t>
+            </a:r>
+            <a:r>
+              <a:rPr lang="da-DK" sz="3200" dirty="0" err="1"/>
+              <a:t>destructive</a:t>
+            </a:r>
+            <a:r>
+              <a:rPr lang="da-DK" sz="3200" dirty="0"/>
+              <a:t> </a:t>
+            </a:r>
+            <a:r>
+              <a:rPr lang="da-DK" sz="3200" dirty="0" err="1"/>
+              <a:t>schema</a:t>
+            </a:r>
+            <a:r>
+              <a:rPr lang="da-DK" sz="3200" dirty="0"/>
+              <a:t> </a:t>
+            </a:r>
+            <a:r>
+              <a:rPr lang="da-DK" sz="3200" dirty="0" err="1"/>
+              <a:t>changes</a:t>
+            </a:r>
+            <a:r>
+              <a:rPr lang="da-DK" sz="3200" dirty="0"/>
+              <a:t>?</a:t>
+            </a:r>
+          </a:p>
+          <a:p>
+            <a:r>
+              <a:rPr lang="da-DK" sz="3200" dirty="0"/>
+              <a:t>How do I ”seed data” to </a:t>
+            </a:r>
+            <a:r>
+              <a:rPr lang="da-DK" sz="3200" dirty="0" err="1"/>
+              <a:t>my</a:t>
+            </a:r>
+            <a:r>
+              <a:rPr lang="da-DK" sz="3200" dirty="0"/>
+              <a:t> database </a:t>
+            </a:r>
+            <a:r>
+              <a:rPr lang="da-DK" sz="3200" dirty="0" err="1"/>
+              <a:t>using</a:t>
+            </a:r>
+            <a:r>
+              <a:rPr lang="da-DK" sz="3200" dirty="0"/>
+              <a:t> a .</a:t>
+            </a:r>
+            <a:r>
+              <a:rPr lang="da-DK" sz="3200" dirty="0" err="1"/>
+              <a:t>dacpac</a:t>
+            </a:r>
+            <a:r>
+              <a:rPr lang="da-DK" sz="3200" dirty="0"/>
+              <a:t>?</a:t>
+            </a:r>
+          </a:p>
+          <a:p>
+            <a:r>
+              <a:rPr lang="da-DK" sz="3200" dirty="0"/>
+              <a:t>This is a community </a:t>
+            </a:r>
+            <a:r>
+              <a:rPr lang="da-DK" sz="3200" dirty="0" err="1"/>
+              <a:t>project</a:t>
+            </a:r>
+            <a:r>
+              <a:rPr lang="da-DK" sz="3200" dirty="0"/>
+              <a:t>, </a:t>
+            </a:r>
+            <a:r>
+              <a:rPr lang="da-DK" sz="3200" dirty="0" err="1"/>
+              <a:t>what</a:t>
+            </a:r>
+            <a:r>
+              <a:rPr lang="da-DK" sz="3200" dirty="0"/>
+              <a:t> is MS </a:t>
+            </a:r>
+            <a:r>
+              <a:rPr lang="da-DK" sz="3200" dirty="0" err="1"/>
+              <a:t>doing</a:t>
+            </a:r>
+            <a:r>
+              <a:rPr lang="da-DK" sz="3200" dirty="0"/>
+              <a:t>?</a:t>
+            </a:r>
+          </a:p>
+          <a:p>
+            <a:r>
+              <a:rPr lang="da-DK" sz="3200" dirty="0"/>
+              <a:t>I </a:t>
+            </a:r>
+            <a:r>
+              <a:rPr lang="da-DK" sz="3200" dirty="0" err="1"/>
+              <a:t>use</a:t>
+            </a:r>
+            <a:r>
+              <a:rPr lang="da-DK" sz="3200" dirty="0"/>
+              <a:t> </a:t>
+            </a:r>
+            <a:r>
+              <a:rPr lang="da-DK" sz="3200" dirty="0" err="1"/>
+              <a:t>Postgres</a:t>
+            </a:r>
+            <a:r>
+              <a:rPr lang="da-DK" sz="3200" dirty="0"/>
+              <a:t> / Oracle /MySQL – </a:t>
+            </a:r>
+            <a:r>
+              <a:rPr lang="da-DK" sz="3200" dirty="0" err="1"/>
+              <a:t>can</a:t>
+            </a:r>
+            <a:r>
+              <a:rPr lang="da-DK" sz="3200" dirty="0"/>
+              <a:t> I </a:t>
+            </a:r>
+            <a:r>
+              <a:rPr lang="da-DK" sz="3200" dirty="0" err="1"/>
+              <a:t>use</a:t>
+            </a:r>
+            <a:r>
+              <a:rPr lang="da-DK" sz="3200" dirty="0"/>
+              <a:t> </a:t>
+            </a:r>
+            <a:r>
+              <a:rPr lang="da-DK" sz="3200" dirty="0" err="1"/>
+              <a:t>this</a:t>
+            </a:r>
+            <a:r>
+              <a:rPr lang="da-DK" sz="3200" dirty="0"/>
+              <a:t>?</a:t>
+            </a:r>
+          </a:p>
+          <a:p>
+            <a:r>
+              <a:rPr lang="da-DK" sz="3200" dirty="0" err="1"/>
+              <a:t>Does</a:t>
+            </a:r>
+            <a:r>
+              <a:rPr lang="da-DK" sz="3200" dirty="0"/>
+              <a:t> it </a:t>
+            </a:r>
+            <a:r>
+              <a:rPr lang="da-DK" sz="3200" dirty="0" err="1"/>
+              <a:t>work</a:t>
+            </a:r>
+            <a:r>
+              <a:rPr lang="da-DK" sz="3200" dirty="0"/>
+              <a:t> on </a:t>
+            </a:r>
+            <a:r>
+              <a:rPr lang="da-DK" sz="3200" dirty="0" err="1"/>
+              <a:t>Azure</a:t>
+            </a:r>
+            <a:r>
+              <a:rPr lang="da-DK" sz="3200"/>
+              <a:t> SQL Databases?</a:t>
+            </a:r>
+            <a:endParaRPr lang="da-DK" sz="3200" dirty="0"/>
+          </a:p>
+          <a:p>
+            <a:r>
+              <a:rPr lang="da-DK" sz="3200" dirty="0" err="1"/>
+              <a:t>What</a:t>
+            </a:r>
+            <a:r>
+              <a:rPr lang="da-DK" sz="3200" dirty="0"/>
+              <a:t> </a:t>
+            </a:r>
+            <a:r>
+              <a:rPr lang="da-DK" sz="3200" dirty="0" err="1"/>
+              <a:t>if</a:t>
+            </a:r>
+            <a:r>
+              <a:rPr lang="da-DK" sz="3200" dirty="0"/>
+              <a:t> I just </a:t>
+            </a:r>
+            <a:r>
+              <a:rPr lang="da-DK" sz="3200" dirty="0" err="1"/>
+              <a:t>want</a:t>
+            </a:r>
+            <a:r>
+              <a:rPr lang="da-DK" sz="3200" dirty="0"/>
+              <a:t> to </a:t>
+            </a:r>
+            <a:r>
+              <a:rPr lang="da-DK" sz="3200" dirty="0" err="1"/>
+              <a:t>analyze</a:t>
+            </a:r>
+            <a:r>
+              <a:rPr lang="da-DK" sz="3200" dirty="0"/>
+              <a:t> a script on disk?</a:t>
+            </a:r>
+          </a:p>
+          <a:p>
+            <a:endParaRPr lang="da-DK" sz="3200" dirty="0"/>
+          </a:p>
+          <a:p>
+            <a:pPr marL="0" indent="0">
+              <a:buNone/>
+            </a:pPr>
+            <a:endParaRPr lang="da-DK" sz="3200" dirty="0"/>
+          </a:p>
+        </p:txBody>
+      </p:sp>
+    </p:spTree>
+    <p:extLst>
+      <p:ext uri="{BB962C8B-B14F-4D97-AF65-F5344CB8AC3E}">
+        <p14:creationId xmlns:p14="http://schemas.microsoft.com/office/powerpoint/2010/main" val="3573977736"/>
+      </p:ext>
+    </p:extLst>
+  </p:cSld>
+  <p:clrMapOvr>
+    <a:masterClrMapping/>
+  </p:clrMapOvr>
+</p:sld>
+</file>
+
+<file path=ppt/slides/slide18.xml><?xml version="1.0" encoding="utf-8"?>
+<p:sld xmlns:a="http://schemas.openxmlformats.org/drawingml/2006/main" xmlns:r="http://schemas.openxmlformats.org/officeDocument/2006/relationships" xmlns:p="http://schemas.openxmlformats.org/presentationml/2006/main">
+  <p:cSld>
+    <p:spTree>
+      <p:nvGrpSpPr>
+        <p:cNvPr id="1" name="">
+          <a:extLst>
+            <a:ext uri="{FF2B5EF4-FFF2-40B4-BE49-F238E27FC236}">
+              <a16:creationId xmlns:a16="http://schemas.microsoft.com/office/drawing/2014/main" id="{C03D46EE-FF28-5231-08CB-F5FDBAC097A5}"/>
+            </a:ext>
+          </a:extLst>
+        </p:cNvPr>
+        <p:cNvGrpSpPr/>
+        <p:nvPr/>
+      </p:nvGrpSpPr>
+      <p:grpSpPr>
+        <a:xfrm>
+          <a:off x="0" y="0"/>
+          <a:ext cx="0" cy="0"/>
+          <a:chOff x="0" y="0"/>
+          <a:chExt cx="0" cy="0"/>
+        </a:xfrm>
+      </p:grpSpPr>
+      <p:sp>
+        <p:nvSpPr>
+          <p:cNvPr id="2" name="Title 1">
+            <a:extLst>
+              <a:ext uri="{FF2B5EF4-FFF2-40B4-BE49-F238E27FC236}">
+                <a16:creationId xmlns:a16="http://schemas.microsoft.com/office/drawing/2014/main" id="{2E6EEB31-E4FC-2566-C8F1-45B5FB08A41F}"/>
+              </a:ext>
+            </a:extLst>
+          </p:cNvPr>
+          <p:cNvSpPr>
+            <a:spLocks noGrp="1"/>
+          </p:cNvSpPr>
+          <p:nvPr>
+            <p:ph type="title"/>
+          </p:nvPr>
+        </p:nvSpPr>
+        <p:spPr/>
+        <p:txBody>
+          <a:bodyPr/>
+          <a:lstStyle/>
+          <a:p>
+            <a:r>
+              <a:rPr lang="da-DK" dirty="0"/>
+              <a:t>Q  &amp; A</a:t>
+            </a:r>
+          </a:p>
+        </p:txBody>
+      </p:sp>
+      <p:sp>
+        <p:nvSpPr>
+          <p:cNvPr id="3" name="Content Placeholder 2">
+            <a:extLst>
+              <a:ext uri="{FF2B5EF4-FFF2-40B4-BE49-F238E27FC236}">
+                <a16:creationId xmlns:a16="http://schemas.microsoft.com/office/drawing/2014/main" id="{47C55434-F03A-B8A3-C83A-165FC3B93CD3}"/>
+              </a:ext>
+            </a:extLst>
+          </p:cNvPr>
+          <p:cNvSpPr>
+            <a:spLocks noGrp="1"/>
+          </p:cNvSpPr>
+          <p:nvPr>
+            <p:ph idx="1"/>
+          </p:nvPr>
+        </p:nvSpPr>
+        <p:spPr/>
+        <p:txBody>
+          <a:bodyPr>
+            <a:normAutofit/>
+          </a:bodyPr>
+          <a:lstStyle/>
+          <a:p>
+            <a:r>
+              <a:rPr lang="da-DK" sz="3200" dirty="0" err="1"/>
+              <a:t>Sharing</a:t>
+            </a:r>
+            <a:r>
+              <a:rPr lang="da-DK" sz="3200" dirty="0"/>
+              <a:t> parts of a database (</a:t>
+            </a:r>
+            <a:r>
+              <a:rPr lang="da-DK" sz="3200" dirty="0" err="1"/>
+              <a:t>f.ex</a:t>
+            </a:r>
+            <a:r>
+              <a:rPr lang="da-DK" sz="3200" dirty="0"/>
+              <a:t>. </a:t>
+            </a:r>
+            <a:r>
+              <a:rPr lang="da-DK" sz="3200" dirty="0" err="1"/>
+              <a:t>monitoring</a:t>
+            </a:r>
+            <a:r>
+              <a:rPr lang="da-DK" sz="3200" dirty="0"/>
+              <a:t>) ?</a:t>
+            </a:r>
+          </a:p>
+          <a:p>
+            <a:r>
+              <a:rPr lang="da-DK" sz="3200" dirty="0" err="1"/>
+              <a:t>What</a:t>
+            </a:r>
+            <a:r>
+              <a:rPr lang="da-DK" sz="3200" dirty="0"/>
+              <a:t> </a:t>
+            </a:r>
+            <a:r>
+              <a:rPr lang="da-DK" sz="3200" dirty="0" err="1"/>
+              <a:t>if</a:t>
+            </a:r>
+            <a:r>
+              <a:rPr lang="da-DK" sz="3200" dirty="0"/>
+              <a:t> </a:t>
+            </a:r>
+            <a:r>
+              <a:rPr lang="da-DK" sz="3200" dirty="0" err="1"/>
+              <a:t>my</a:t>
+            </a:r>
+            <a:r>
+              <a:rPr lang="da-DK" sz="3200" dirty="0"/>
+              <a:t> </a:t>
+            </a:r>
+            <a:r>
+              <a:rPr lang="da-DK" sz="3200" dirty="0" err="1"/>
+              <a:t>db</a:t>
+            </a:r>
+            <a:r>
+              <a:rPr lang="da-DK" sz="3200" dirty="0"/>
+              <a:t> has </a:t>
+            </a:r>
+            <a:r>
+              <a:rPr lang="da-DK" sz="3200" dirty="0" err="1"/>
+              <a:t>dependencies</a:t>
+            </a:r>
+            <a:r>
+              <a:rPr lang="da-DK" sz="3200" dirty="0"/>
+              <a:t> on </a:t>
+            </a:r>
+            <a:r>
+              <a:rPr lang="da-DK" sz="3200" dirty="0" err="1"/>
+              <a:t>other</a:t>
+            </a:r>
+            <a:r>
+              <a:rPr lang="da-DK" sz="3200" dirty="0"/>
+              <a:t> database?</a:t>
+            </a:r>
+          </a:p>
+          <a:p>
+            <a:r>
+              <a:rPr lang="da-DK" sz="3200" dirty="0"/>
+              <a:t>How </a:t>
+            </a:r>
+            <a:r>
+              <a:rPr lang="da-DK" sz="3200" dirty="0" err="1"/>
+              <a:t>would</a:t>
+            </a:r>
+            <a:r>
+              <a:rPr lang="da-DK" sz="3200" dirty="0"/>
+              <a:t> </a:t>
+            </a:r>
+            <a:r>
+              <a:rPr lang="da-DK" sz="3200" dirty="0" err="1"/>
+              <a:t>this</a:t>
+            </a:r>
+            <a:r>
+              <a:rPr lang="da-DK" sz="3200" dirty="0"/>
+              <a:t> </a:t>
+            </a:r>
+            <a:r>
+              <a:rPr lang="da-DK" sz="3200" dirty="0" err="1"/>
+              <a:t>work</a:t>
+            </a:r>
+            <a:r>
+              <a:rPr lang="da-DK" sz="3200" dirty="0"/>
+              <a:t> with EF Core?</a:t>
+            </a:r>
+          </a:p>
+          <a:p>
+            <a:r>
+              <a:rPr lang="da-DK" sz="3200" dirty="0"/>
+              <a:t>How </a:t>
+            </a:r>
+            <a:r>
+              <a:rPr lang="da-DK" sz="3200" dirty="0" err="1"/>
+              <a:t>about</a:t>
+            </a:r>
+            <a:r>
+              <a:rPr lang="da-DK" sz="3200" dirty="0"/>
+              <a:t> .NET </a:t>
+            </a:r>
+            <a:r>
+              <a:rPr lang="da-DK" sz="3200" dirty="0" err="1"/>
+              <a:t>Aspire</a:t>
+            </a:r>
+            <a:r>
+              <a:rPr lang="da-DK" sz="3200" dirty="0"/>
+              <a:t>?</a:t>
+            </a:r>
+          </a:p>
+          <a:p>
+            <a:pPr marL="0" indent="0">
+              <a:buNone/>
+            </a:pPr>
+            <a:endParaRPr lang="da-DK" sz="3200" dirty="0"/>
+          </a:p>
+        </p:txBody>
+      </p:sp>
+    </p:spTree>
+    <p:extLst>
+      <p:ext uri="{BB962C8B-B14F-4D97-AF65-F5344CB8AC3E}">
+        <p14:creationId xmlns:p14="http://schemas.microsoft.com/office/powerpoint/2010/main" val="3608072289"/>
+      </p:ext>
+    </p:extLst>
+  </p:cSld>
+  <p:clrMapOvr>
+    <a:masterClrMapping/>
+  </p:clrMapOvr>
+</p:sld>
+</file>
+
+<file path=ppt/slides/slide19.xml><?xml version="1.0" encoding="utf-8"?>
+<p:sld xmlns:a="http://schemas.openxmlformats.org/drawingml/2006/main" xmlns:r="http://schemas.openxmlformats.org/officeDocument/2006/relationships" xmlns:p="http://schemas.openxmlformats.org/presentationml/2006/main">
+  <p:cSld>
+    <p:spTree>
+      <p:nvGrpSpPr>
+        <p:cNvPr id="1" name=""/>
+        <p:cNvGrpSpPr/>
+        <p:nvPr/>
+      </p:nvGrpSpPr>
+      <p:grpSpPr>
+        <a:xfrm>
+          <a:off x="0" y="0"/>
+          <a:ext cx="0" cy="0"/>
+          <a:chOff x="0" y="0"/>
+          <a:chExt cx="0" cy="0"/>
+        </a:xfrm>
+      </p:grpSpPr>
+      <p:sp>
+        <p:nvSpPr>
+          <p:cNvPr id="2" name="Title 1">
+            <a:extLst>
+              <a:ext uri="{FF2B5EF4-FFF2-40B4-BE49-F238E27FC236}">
+                <a16:creationId xmlns:a16="http://schemas.microsoft.com/office/drawing/2014/main" id="{B6E02EDD-BF75-C1E2-C4E0-452E278B9E12}"/>
+              </a:ext>
+            </a:extLst>
+          </p:cNvPr>
+          <p:cNvSpPr>
+            <a:spLocks noGrp="1"/>
+          </p:cNvSpPr>
+          <p:nvPr>
+            <p:ph type="ctrTitle"/>
+          </p:nvPr>
+        </p:nvSpPr>
+        <p:spPr/>
+        <p:txBody>
+          <a:bodyPr/>
+          <a:lstStyle/>
+          <a:p>
+            <a:r>
+              <a:rPr lang="da-DK" dirty="0" err="1"/>
+              <a:t>What</a:t>
+            </a:r>
+            <a:r>
+              <a:rPr lang="da-DK" dirty="0"/>
+              <a:t> is a </a:t>
+            </a:r>
+            <a:r>
+              <a:rPr lang="da-DK" dirty="0" err="1"/>
+              <a:t>dacpac</a:t>
+            </a:r>
+            <a:r>
+              <a:rPr lang="da-DK" dirty="0"/>
+              <a:t> and </a:t>
+            </a:r>
+            <a:r>
+              <a:rPr lang="da-DK" dirty="0" err="1"/>
+              <a:t>why</a:t>
+            </a:r>
+            <a:r>
+              <a:rPr lang="da-DK" dirty="0"/>
+              <a:t> </a:t>
+            </a:r>
+            <a:r>
+              <a:rPr lang="da-DK" dirty="0" err="1"/>
+              <a:t>should</a:t>
+            </a:r>
+            <a:r>
+              <a:rPr lang="da-DK" dirty="0"/>
+              <a:t> I </a:t>
+            </a:r>
+            <a:r>
+              <a:rPr lang="da-DK" dirty="0" err="1"/>
+              <a:t>care</a:t>
+            </a:r>
+            <a:r>
+              <a:rPr lang="da-DK" dirty="0"/>
+              <a:t>?</a:t>
+            </a:r>
+          </a:p>
+        </p:txBody>
+      </p:sp>
+      <p:sp>
+        <p:nvSpPr>
+          <p:cNvPr id="3" name="Subtitle 2">
+            <a:extLst>
+              <a:ext uri="{FF2B5EF4-FFF2-40B4-BE49-F238E27FC236}">
+                <a16:creationId xmlns:a16="http://schemas.microsoft.com/office/drawing/2014/main" id="{FC34CC98-5EC0-A5E9-F6EC-E0FF61BD140B}"/>
+              </a:ext>
+            </a:extLst>
+          </p:cNvPr>
+          <p:cNvSpPr>
+            <a:spLocks noGrp="1"/>
+          </p:cNvSpPr>
+          <p:nvPr>
+            <p:ph type="subTitle" idx="1"/>
+          </p:nvPr>
+        </p:nvSpPr>
+        <p:spPr/>
+        <p:txBody>
+          <a:bodyPr/>
+          <a:lstStyle/>
+          <a:p>
+            <a:endParaRPr lang="da-DK"/>
+          </a:p>
+        </p:txBody>
+      </p:sp>
+    </p:spTree>
+    <p:extLst>
+      <p:ext uri="{BB962C8B-B14F-4D97-AF65-F5344CB8AC3E}">
+        <p14:creationId xmlns:p14="http://schemas.microsoft.com/office/powerpoint/2010/main" val="3361272730"/>
+      </p:ext>
+    </p:extLst>
+  </p:cSld>
+  <p:clrMapOvr>
+    <a:masterClrMapping/>
+  </p:clrMapOvr>
+</p:sld>
+</file>
+
+<file path=ppt/slides/slide2.xml><?xml version="1.0" encoding="utf-8"?>
+<p:sld xmlns:a="http://schemas.openxmlformats.org/drawingml/2006/main" xmlns:r="http://schemas.openxmlformats.org/officeDocument/2006/relationships" xmlns:p="http://schemas.openxmlformats.org/presentationml/2006/main">
+  <p:cSld>
+    <p:spTree>
+      <p:nvGrpSpPr>
+        <p:cNvPr id="1" name="">
+          <a:extLst>
+            <a:ext uri="{FF2B5EF4-FFF2-40B4-BE49-F238E27FC236}">
+              <a16:creationId xmlns:a16="http://schemas.microsoft.com/office/drawing/2014/main" id="{177060DA-856A-346A-7C68-17AEA45BB0C3}"/>
+            </a:ext>
+          </a:extLst>
+        </p:cNvPr>
+        <p:cNvGrpSpPr/>
+        <p:nvPr/>
+      </p:nvGrpSpPr>
+      <p:grpSpPr>
+        <a:xfrm>
+          <a:off x="0" y="0"/>
+          <a:ext cx="0" cy="0"/>
+          <a:chOff x="0" y="0"/>
+          <a:chExt cx="0" cy="0"/>
+        </a:xfrm>
+      </p:grpSpPr>
+      <p:sp>
+        <p:nvSpPr>
+          <p:cNvPr id="2" name="Title 1">
+            <a:extLst>
+              <a:ext uri="{FF2B5EF4-FFF2-40B4-BE49-F238E27FC236}">
+                <a16:creationId xmlns:a16="http://schemas.microsoft.com/office/drawing/2014/main" id="{13FA188E-213F-A5EC-6918-4E29E048A570}"/>
+              </a:ext>
+            </a:extLst>
+          </p:cNvPr>
+          <p:cNvSpPr>
+            <a:spLocks noGrp="1"/>
+          </p:cNvSpPr>
+          <p:nvPr>
+            <p:ph type="title"/>
+          </p:nvPr>
+        </p:nvSpPr>
+        <p:spPr/>
+        <p:txBody>
+          <a:bodyPr/>
+          <a:lstStyle/>
+          <a:p>
+            <a:r>
+              <a:rPr lang="da-DK" dirty="0"/>
+              <a:t>Challenges?</a:t>
+            </a:r>
+          </a:p>
+        </p:txBody>
+      </p:sp>
+      <p:sp>
+        <p:nvSpPr>
+          <p:cNvPr id="3" name="Content Placeholder 2">
+            <a:extLst>
+              <a:ext uri="{FF2B5EF4-FFF2-40B4-BE49-F238E27FC236}">
+                <a16:creationId xmlns:a16="http://schemas.microsoft.com/office/drawing/2014/main" id="{3F9A231C-4780-226B-D583-D673A9555BE5}"/>
+              </a:ext>
+            </a:extLst>
+          </p:cNvPr>
+          <p:cNvSpPr>
+            <a:spLocks noGrp="1"/>
+          </p:cNvSpPr>
+          <p:nvPr>
+            <p:ph idx="1"/>
+          </p:nvPr>
+        </p:nvSpPr>
+        <p:spPr/>
+        <p:txBody>
+          <a:bodyPr>
+            <a:normAutofit lnSpcReduction="10000"/>
+          </a:bodyPr>
+          <a:lstStyle/>
+          <a:p>
+            <a:r>
+              <a:rPr lang="da-DK" sz="3200" dirty="0"/>
+              <a:t>Database </a:t>
+            </a:r>
+            <a:r>
+              <a:rPr lang="da-DK" sz="3200" dirty="0" err="1"/>
+              <a:t>schema</a:t>
+            </a:r>
+            <a:r>
+              <a:rPr lang="da-DK" sz="3200" dirty="0"/>
+              <a:t> not in source </a:t>
+            </a:r>
+            <a:r>
+              <a:rPr lang="da-DK" sz="3200" dirty="0" err="1"/>
+              <a:t>control</a:t>
+            </a:r>
+            <a:endParaRPr lang="da-DK" sz="3200" dirty="0"/>
+          </a:p>
+          <a:p>
+            <a:r>
+              <a:rPr lang="da-DK" sz="3200" dirty="0" err="1"/>
+              <a:t>Complex</a:t>
+            </a:r>
+            <a:r>
+              <a:rPr lang="da-DK" sz="3200" dirty="0"/>
+              <a:t> scripts to </a:t>
+            </a:r>
+            <a:r>
+              <a:rPr lang="da-DK" sz="3200" dirty="0" err="1"/>
+              <a:t>update</a:t>
+            </a:r>
+            <a:r>
+              <a:rPr lang="da-DK" sz="3200" dirty="0"/>
+              <a:t> </a:t>
+            </a:r>
+            <a:r>
+              <a:rPr lang="da-DK" sz="3200" dirty="0" err="1"/>
+              <a:t>schema</a:t>
+            </a:r>
+            <a:endParaRPr lang="da-DK" sz="3200" dirty="0"/>
+          </a:p>
+          <a:p>
+            <a:r>
+              <a:rPr lang="da-DK" sz="3200" dirty="0"/>
+              <a:t>Versioning of database </a:t>
+            </a:r>
+            <a:r>
+              <a:rPr lang="da-DK" sz="3200" dirty="0" err="1"/>
+              <a:t>vs</a:t>
+            </a:r>
+            <a:r>
+              <a:rPr lang="da-DK" sz="3200" dirty="0"/>
+              <a:t> app a nightmare</a:t>
+            </a:r>
+          </a:p>
+          <a:p>
+            <a:r>
+              <a:rPr lang="da-DK" sz="3200" dirty="0"/>
+              <a:t>Runtime </a:t>
+            </a:r>
+            <a:r>
+              <a:rPr lang="da-DK" sz="3200" dirty="0" err="1"/>
+              <a:t>errors</a:t>
+            </a:r>
+            <a:r>
+              <a:rPr lang="da-DK" sz="3200" dirty="0"/>
+              <a:t> in database due to </a:t>
+            </a:r>
+            <a:r>
+              <a:rPr lang="da-DK" sz="3200" dirty="0" err="1"/>
+              <a:t>uncaught</a:t>
+            </a:r>
+            <a:r>
+              <a:rPr lang="da-DK" sz="3200" dirty="0"/>
+              <a:t> </a:t>
+            </a:r>
+            <a:r>
+              <a:rPr lang="da-DK" sz="3200" dirty="0" err="1"/>
+              <a:t>syntax</a:t>
+            </a:r>
+            <a:r>
+              <a:rPr lang="da-DK" sz="3200" dirty="0"/>
+              <a:t> </a:t>
+            </a:r>
+            <a:r>
+              <a:rPr lang="da-DK" sz="3200" dirty="0" err="1"/>
+              <a:t>errors</a:t>
+            </a:r>
+            <a:endParaRPr lang="da-DK" sz="3200" dirty="0"/>
+          </a:p>
+          <a:p>
+            <a:r>
+              <a:rPr lang="da-DK" sz="3200" dirty="0"/>
+              <a:t>No standard approach to </a:t>
+            </a:r>
+            <a:r>
+              <a:rPr lang="da-DK" sz="3200" dirty="0" err="1"/>
+              <a:t>naming</a:t>
+            </a:r>
+            <a:r>
+              <a:rPr lang="da-DK" sz="3200" dirty="0"/>
+              <a:t> or </a:t>
+            </a:r>
+            <a:r>
+              <a:rPr lang="da-DK" sz="3200" dirty="0" err="1"/>
+              <a:t>other</a:t>
+            </a:r>
+            <a:r>
+              <a:rPr lang="da-DK" sz="3200" dirty="0"/>
+              <a:t> database design ”business </a:t>
+            </a:r>
+            <a:r>
+              <a:rPr lang="da-DK" sz="3200" dirty="0" err="1"/>
+              <a:t>rules</a:t>
+            </a:r>
+            <a:r>
+              <a:rPr lang="da-DK" sz="3200" dirty="0"/>
+              <a:t>”</a:t>
+            </a:r>
+          </a:p>
+          <a:p>
+            <a:r>
+              <a:rPr lang="da-DK" sz="3200" dirty="0"/>
+              <a:t>No cross platform </a:t>
+            </a:r>
+            <a:r>
+              <a:rPr lang="da-DK" sz="3200" dirty="0" err="1"/>
+              <a:t>build</a:t>
+            </a:r>
+            <a:r>
+              <a:rPr lang="da-DK" sz="3200" dirty="0"/>
+              <a:t> and </a:t>
+            </a:r>
+            <a:r>
+              <a:rPr lang="da-DK" sz="3200" dirty="0" err="1"/>
+              <a:t>deployment</a:t>
+            </a:r>
+            <a:r>
+              <a:rPr lang="da-DK" sz="3200" dirty="0"/>
+              <a:t> support</a:t>
+            </a:r>
+          </a:p>
+          <a:p>
+            <a:r>
+              <a:rPr lang="da-DK" sz="3200" dirty="0"/>
+              <a:t>No proper </a:t>
+            </a:r>
+            <a:r>
+              <a:rPr lang="da-DK" sz="3200" dirty="0" err="1"/>
+              <a:t>NuGet</a:t>
+            </a:r>
+            <a:r>
+              <a:rPr lang="da-DK" sz="3200" dirty="0"/>
+              <a:t> integration</a:t>
+            </a:r>
+          </a:p>
+          <a:p>
+            <a:pPr marL="0" indent="0">
+              <a:buNone/>
+            </a:pPr>
+            <a:endParaRPr lang="da-DK" sz="3200" dirty="0"/>
+          </a:p>
+        </p:txBody>
+      </p:sp>
+    </p:spTree>
+    <p:extLst>
+      <p:ext uri="{BB962C8B-B14F-4D97-AF65-F5344CB8AC3E}">
+        <p14:creationId xmlns:p14="http://schemas.microsoft.com/office/powerpoint/2010/main" val="1404577621"/>
+      </p:ext>
+    </p:extLst>
+  </p:cSld>
+  <p:clrMapOvr>
+    <a:masterClrMapping/>
+  </p:clrMapOvr>
+</p:sld>
+</file>
+
+<file path=ppt/slides/slide20.xml><?xml version="1.0" encoding="utf-8"?>
 <p:sld xmlns:a="http://schemas.openxmlformats.org/drawingml/2006/main" xmlns:r="http://schemas.openxmlformats.org/officeDocument/2006/relationships" xmlns:p="http://schemas.openxmlformats.org/presentationml/2006/main">
   <p:cSld>
     <p:bg>
@@ -19902,12 +19787,12 @@
           <a:chExt cx="0" cy="0"/>
         </a:xfrm>
       </p:grpSpPr>
-      <p:sp useBgFill="1">
+      <p:sp>
         <p:nvSpPr>
-          <p:cNvPr id="10" name="Rectangle 9">
+          <p:cNvPr id="1031" name="Rectangle 1030">
             <a:extLst>
               <a:ext uri="{FF2B5EF4-FFF2-40B4-BE49-F238E27FC236}">
-                <a16:creationId xmlns:a16="http://schemas.microsoft.com/office/drawing/2014/main" id="{743AA782-23D1-4521-8CAD-47662984AA08}"/>
+                <a16:creationId xmlns:a16="http://schemas.microsoft.com/office/drawing/2014/main" id="{42A4FC2C-047E-45A5-965D-8E1E3BF09BC6}"/>
               </a:ext>
               <a:ext uri="{C183D7F6-B498-43B3-948B-1728B52AA6E4}">
                 <adec:decorative xmlns:adec="http://schemas.microsoft.com/office/drawing/2017/decorative" val="1"/>
@@ -19925,14 +19810,15 @@
             </p:extLst>
           </p:nvPr>
         </p:nvSpPr>
-        <p:spPr>
+        <p:spPr bwMode="white">
           <a:xfrm>
-            <a:off x="0" y="0"/>
-            <a:ext cx="12192000" cy="6858000"/>
+            <a:off x="1524" y="0"/>
+            <a:ext cx="12188952" cy="6858000"/>
           </a:xfrm>
           <a:prstGeom prst="rect">
             <a:avLst/>
           </a:prstGeom>
+          <a:noFill/>
           <a:ln>
             <a:noFill/>
           </a:ln>
@@ -19955,19 +19841,190 @@
         </p:style>
         <p:txBody>
           <a:bodyPr rtlCol="0" anchor="ctr"/>
-          <a:lstStyle/>
+          <a:lstStyle>
+            <a:defPPr>
+              <a:defRPr lang="en-US"/>
+            </a:defPPr>
+            <a:lvl1pPr marL="0" algn="l" defTabSz="914400" rtl="0" eaLnBrk="1" latinLnBrk="0" hangingPunct="1">
+              <a:defRPr sz="1800" kern="1200">
+                <a:solidFill>
+                  <a:schemeClr val="lt1"/>
+                </a:solidFill>
+                <a:latin typeface="+mn-lt"/>
+                <a:ea typeface="+mn-ea"/>
+                <a:cs typeface="+mn-cs"/>
+              </a:defRPr>
+            </a:lvl1pPr>
+            <a:lvl2pPr marL="457200" algn="l" defTabSz="914400" rtl="0" eaLnBrk="1" latinLnBrk="0" hangingPunct="1">
+              <a:defRPr sz="1800" kern="1200">
+                <a:solidFill>
+                  <a:schemeClr val="lt1"/>
+                </a:solidFill>
+                <a:latin typeface="+mn-lt"/>
+                <a:ea typeface="+mn-ea"/>
+                <a:cs typeface="+mn-cs"/>
+              </a:defRPr>
+            </a:lvl2pPr>
+            <a:lvl3pPr marL="914400" algn="l" defTabSz="914400" rtl="0" eaLnBrk="1" latinLnBrk="0" hangingPunct="1">
+              <a:defRPr sz="1800" kern="1200">
+                <a:solidFill>
+                  <a:schemeClr val="lt1"/>
+                </a:solidFill>
+                <a:latin typeface="+mn-lt"/>
+                <a:ea typeface="+mn-ea"/>
+                <a:cs typeface="+mn-cs"/>
+              </a:defRPr>
+            </a:lvl3pPr>
+            <a:lvl4pPr marL="1371600" algn="l" defTabSz="914400" rtl="0" eaLnBrk="1" latinLnBrk="0" hangingPunct="1">
+              <a:defRPr sz="1800" kern="1200">
+                <a:solidFill>
+                  <a:schemeClr val="lt1"/>
+                </a:solidFill>
+                <a:latin typeface="+mn-lt"/>
+                <a:ea typeface="+mn-ea"/>
+                <a:cs typeface="+mn-cs"/>
+              </a:defRPr>
+            </a:lvl4pPr>
+            <a:lvl5pPr marL="1828800" algn="l" defTabSz="914400" rtl="0" eaLnBrk="1" latinLnBrk="0" hangingPunct="1">
+              <a:defRPr sz="1800" kern="1200">
+                <a:solidFill>
+                  <a:schemeClr val="lt1"/>
+                </a:solidFill>
+                <a:latin typeface="+mn-lt"/>
+                <a:ea typeface="+mn-ea"/>
+                <a:cs typeface="+mn-cs"/>
+              </a:defRPr>
+            </a:lvl5pPr>
+            <a:lvl6pPr marL="2286000" algn="l" defTabSz="914400" rtl="0" eaLnBrk="1" latinLnBrk="0" hangingPunct="1">
+              <a:defRPr sz="1800" kern="1200">
+                <a:solidFill>
+                  <a:schemeClr val="lt1"/>
+                </a:solidFill>
+                <a:latin typeface="+mn-lt"/>
+                <a:ea typeface="+mn-ea"/>
+                <a:cs typeface="+mn-cs"/>
+              </a:defRPr>
+            </a:lvl6pPr>
+            <a:lvl7pPr marL="2743200" algn="l" defTabSz="914400" rtl="0" eaLnBrk="1" latinLnBrk="0" hangingPunct="1">
+              <a:defRPr sz="1800" kern="1200">
+                <a:solidFill>
+                  <a:schemeClr val="lt1"/>
+                </a:solidFill>
+                <a:latin typeface="+mn-lt"/>
+                <a:ea typeface="+mn-ea"/>
+                <a:cs typeface="+mn-cs"/>
+              </a:defRPr>
+            </a:lvl7pPr>
+            <a:lvl8pPr marL="3200400" algn="l" defTabSz="914400" rtl="0" eaLnBrk="1" latinLnBrk="0" hangingPunct="1">
+              <a:defRPr sz="1800" kern="1200">
+                <a:solidFill>
+                  <a:schemeClr val="lt1"/>
+                </a:solidFill>
+                <a:latin typeface="+mn-lt"/>
+                <a:ea typeface="+mn-ea"/>
+                <a:cs typeface="+mn-cs"/>
+              </a:defRPr>
+            </a:lvl8pPr>
+            <a:lvl9pPr marL="3657600" algn="l" defTabSz="914400" rtl="0" eaLnBrk="1" latinLnBrk="0" hangingPunct="1">
+              <a:defRPr sz="1800" kern="1200">
+                <a:solidFill>
+                  <a:schemeClr val="lt1"/>
+                </a:solidFill>
+                <a:latin typeface="+mn-lt"/>
+                <a:ea typeface="+mn-ea"/>
+                <a:cs typeface="+mn-cs"/>
+              </a:defRPr>
+            </a:lvl9pPr>
+          </a:lstStyle>
           <a:p>
             <a:pPr algn="ctr"/>
             <a:endParaRPr lang="en-US"/>
           </a:p>
         </p:txBody>
       </p:sp>
+      <p:pic>
+        <p:nvPicPr>
+          <p:cNvPr id="1026" name="Picture 2" descr="Database Code Analysis Rules Components">
+            <a:extLst>
+              <a:ext uri="{FF2B5EF4-FFF2-40B4-BE49-F238E27FC236}">
+                <a16:creationId xmlns:a16="http://schemas.microsoft.com/office/drawing/2014/main" id="{0ABCBC13-8996-BF34-379B-67805E159CCE}"/>
+              </a:ext>
+            </a:extLst>
+          </p:cNvPr>
+          <p:cNvPicPr>
+            <a:picLocks noGrp="1" noChangeAspect="1" noChangeArrowheads="1"/>
+          </p:cNvPicPr>
+          <p:nvPr>
+            <p:ph idx="1"/>
+          </p:nvPr>
+        </p:nvPicPr>
+        <p:blipFill rotWithShape="1">
+          <a:blip r:embed="rId2">
+            <a:extLst>
+              <a:ext uri="{28A0092B-C50C-407E-A947-70E740481C1C}">
+                <a14:useLocalDpi xmlns:a14="http://schemas.microsoft.com/office/drawing/2010/main" val="0"/>
+              </a:ext>
+            </a:extLst>
+          </a:blip>
+          <a:srcRect t="7804"/>
+          <a:stretch/>
+        </p:blipFill>
+        <p:spPr bwMode="auto">
+          <a:xfrm>
+            <a:off x="20" y="1282"/>
+            <a:ext cx="12191980" cy="6856718"/>
+          </a:xfrm>
+          <a:prstGeom prst="rect">
+            <a:avLst/>
+          </a:prstGeom>
+          <a:noFill/>
+          <a:extLst>
+            <a:ext uri="{909E8E84-426E-40DD-AFC4-6F175D3DCCD1}">
+              <a14:hiddenFill xmlns:a14="http://schemas.microsoft.com/office/drawing/2010/main">
+                <a:solidFill>
+                  <a:srgbClr val="FFFFFF"/>
+                </a:solidFill>
+              </a14:hiddenFill>
+            </a:ext>
+          </a:extLst>
+        </p:spPr>
+      </p:pic>
+    </p:spTree>
+    <p:extLst>
+      <p:ext uri="{BB962C8B-B14F-4D97-AF65-F5344CB8AC3E}">
+        <p14:creationId xmlns:p14="http://schemas.microsoft.com/office/powerpoint/2010/main" val="3979714111"/>
+      </p:ext>
+    </p:extLst>
+  </p:cSld>
+  <p:clrMapOvr>
+    <a:masterClrMapping/>
+  </p:clrMapOvr>
+</p:sld>
+</file>
+
+<file path=ppt/slides/slide21.xml><?xml version="1.0" encoding="utf-8"?>
+<p:sld xmlns:a="http://schemas.openxmlformats.org/drawingml/2006/main" xmlns:r="http://schemas.openxmlformats.org/officeDocument/2006/relationships" xmlns:p="http://schemas.openxmlformats.org/presentationml/2006/main">
+  <p:cSld>
+    <p:spTree>
+      <p:nvGrpSpPr>
+        <p:cNvPr id="1" name=""/>
+        <p:cNvGrpSpPr/>
+        <p:nvPr/>
+      </p:nvGrpSpPr>
+      <p:grpSpPr>
+        <a:xfrm>
+          <a:off x="0" y="0"/>
+          <a:ext cx="0" cy="0"/>
+          <a:chOff x="0" y="0"/>
+          <a:chExt cx="0" cy="0"/>
+        </a:xfrm>
+      </p:grpSpPr>
       <p:sp>
         <p:nvSpPr>
           <p:cNvPr id="2" name="Title 1">
             <a:extLst>
               <a:ext uri="{FF2B5EF4-FFF2-40B4-BE49-F238E27FC236}">
-                <a16:creationId xmlns:a16="http://schemas.microsoft.com/office/drawing/2014/main" id="{852AC18E-06F7-297B-4A55-D3F36AEDEDBD}"/>
+                <a16:creationId xmlns:a16="http://schemas.microsoft.com/office/drawing/2014/main" id="{83C2E1C5-9DBD-026F-54AD-8267C48752C3}"/>
               </a:ext>
             </a:extLst>
           </p:cNvPr>
@@ -19978,272 +20035,398 @@
             <p:ph type="title"/>
           </p:nvPr>
         </p:nvSpPr>
-        <p:spPr>
-          <a:xfrm>
-            <a:off x="630936" y="640080"/>
-            <a:ext cx="4818888" cy="1481328"/>
-          </a:xfrm>
-        </p:spPr>
+        <p:spPr/>
         <p:txBody>
-          <a:bodyPr anchor="b">
-            <a:normAutofit/>
-          </a:bodyPr>
+          <a:bodyPr/>
           <a:lstStyle/>
           <a:p>
             <a:r>
-              <a:rPr lang="da-DK" sz="5400"/>
-              <a:t>CTA</a:t>
+              <a:rPr lang="da-DK" dirty="0" err="1"/>
+              <a:t>Why</a:t>
+            </a:r>
+            <a:r>
+              <a:rPr lang="da-DK" dirty="0"/>
+              <a:t>?</a:t>
             </a:r>
           </a:p>
         </p:txBody>
       </p:sp>
       <p:sp>
         <p:nvSpPr>
-          <p:cNvPr id="12" name="sketch line">
+          <p:cNvPr id="3" name="Content Placeholder 2">
             <a:extLst>
               <a:ext uri="{FF2B5EF4-FFF2-40B4-BE49-F238E27FC236}">
-                <a16:creationId xmlns:a16="http://schemas.microsoft.com/office/drawing/2014/main" id="{71877DBC-BB60-40F0-AC93-2ACDBAAE60CE}"/>
-              </a:ext>
-              <a:ext uri="{C183D7F6-B498-43B3-948B-1728B52AA6E4}">
-                <adec:decorative xmlns:adec="http://schemas.microsoft.com/office/drawing/2017/decorative" val="1"/>
+                <a16:creationId xmlns:a16="http://schemas.microsoft.com/office/drawing/2014/main" id="{FE1AEA13-D193-3591-483D-99C9CBEA719D}"/>
               </a:ext>
             </a:extLst>
           </p:cNvPr>
           <p:cNvSpPr>
-            <a:spLocks noGrp="1" noRot="1" noChangeAspect="1" noMove="1" noResize="1" noEditPoints="1" noAdjustHandles="1" noChangeArrowheads="1" noChangeShapeType="1" noTextEdit="1"/>
+            <a:spLocks noGrp="1"/>
           </p:cNvSpPr>
           <p:nvPr>
-            <p:extLst>
-              <p:ext uri="{386F3935-93C4-4BCD-93E2-E3B085C9AB24}">
-                <p16:designElem xmlns:p16="http://schemas.microsoft.com/office/powerpoint/2015/main" val="1"/>
-              </p:ext>
-            </p:extLst>
+            <p:ph idx="1"/>
           </p:nvPr>
+        </p:nvSpPr>
+        <p:spPr/>
+        <p:txBody>
+          <a:bodyPr>
+            <a:normAutofit fontScale="92500" lnSpcReduction="20000"/>
+          </a:bodyPr>
+          <a:lstStyle/>
+          <a:p>
+            <a:pPr marL="0" indent="0">
+              <a:buNone/>
+            </a:pPr>
+            <a:r>
+              <a:rPr lang="da-DK" b="0" i="0" dirty="0">
+                <a:solidFill>
+                  <a:srgbClr val="555555"/>
+                </a:solidFill>
+                <a:effectLst/>
+                <a:latin typeface="Open Sans" panose="020B0606030504020204" pitchFamily="34" charset="0"/>
+              </a:rPr>
+              <a:t>Data Tier Application Package</a:t>
+            </a:r>
+            <a:br>
+              <a:rPr lang="da-DK" b="0" i="0" dirty="0">
+                <a:solidFill>
+                  <a:srgbClr val="555555"/>
+                </a:solidFill>
+                <a:effectLst/>
+                <a:latin typeface="Open Sans" panose="020B0606030504020204" pitchFamily="34" charset="0"/>
+              </a:rPr>
+            </a:br>
+            <a:endParaRPr lang="da-DK" dirty="0"/>
+          </a:p>
+          <a:p>
+            <a:r>
+              <a:rPr lang="da-DK" sz="3200" dirty="0" err="1"/>
+              <a:t>Get</a:t>
+            </a:r>
+            <a:r>
+              <a:rPr lang="da-DK" sz="3200" dirty="0"/>
+              <a:t> </a:t>
+            </a:r>
+            <a:r>
+              <a:rPr lang="da-DK" sz="3200" dirty="0" err="1"/>
+              <a:t>your</a:t>
+            </a:r>
+            <a:r>
+              <a:rPr lang="da-DK" sz="3200" dirty="0"/>
+              <a:t> database under source </a:t>
+            </a:r>
+            <a:r>
+              <a:rPr lang="da-DK" sz="3200" dirty="0" err="1"/>
+              <a:t>control</a:t>
+            </a:r>
+            <a:endParaRPr lang="da-DK" sz="3200" dirty="0"/>
+          </a:p>
+          <a:p>
+            <a:r>
+              <a:rPr lang="da-DK" sz="3200" dirty="0" err="1"/>
+              <a:t>Ensure</a:t>
+            </a:r>
+            <a:r>
+              <a:rPr lang="da-DK" sz="3200" dirty="0"/>
+              <a:t> </a:t>
+            </a:r>
+            <a:r>
+              <a:rPr lang="da-DK" sz="3200" dirty="0" err="1"/>
+              <a:t>your</a:t>
+            </a:r>
+            <a:r>
+              <a:rPr lang="da-DK" sz="3200" dirty="0"/>
+              <a:t> .sql scripts ”</a:t>
+            </a:r>
+            <a:r>
+              <a:rPr lang="da-DK" sz="3200" dirty="0" err="1"/>
+              <a:t>build</a:t>
+            </a:r>
+            <a:r>
+              <a:rPr lang="da-DK" sz="3200" dirty="0"/>
+              <a:t>” – </a:t>
+            </a:r>
+            <a:r>
+              <a:rPr lang="da-DK" sz="3200" dirty="0" err="1"/>
+              <a:t>code</a:t>
+            </a:r>
+            <a:r>
+              <a:rPr lang="da-DK" sz="3200" dirty="0"/>
+              <a:t> </a:t>
+            </a:r>
+            <a:r>
+              <a:rPr lang="da-DK" sz="3200" dirty="0" err="1"/>
+              <a:t>validation</a:t>
+            </a:r>
+            <a:endParaRPr lang="da-DK" sz="3200" dirty="0"/>
+          </a:p>
+          <a:p>
+            <a:r>
+              <a:rPr lang="da-DK" sz="3200" dirty="0" err="1"/>
+              <a:t>Ensure</a:t>
+            </a:r>
+            <a:r>
+              <a:rPr lang="da-DK" sz="3200" dirty="0"/>
+              <a:t> </a:t>
+            </a:r>
+            <a:r>
+              <a:rPr lang="da-DK" sz="3200" dirty="0" err="1"/>
+              <a:t>your</a:t>
+            </a:r>
+            <a:r>
+              <a:rPr lang="da-DK" sz="3200" dirty="0"/>
+              <a:t> .sql scripts </a:t>
+            </a:r>
+            <a:r>
+              <a:rPr lang="da-DK" sz="3200" dirty="0" err="1"/>
+              <a:t>follow</a:t>
+            </a:r>
+            <a:r>
+              <a:rPr lang="da-DK" sz="3200" dirty="0"/>
+              <a:t> business </a:t>
+            </a:r>
+            <a:r>
+              <a:rPr lang="da-DK" sz="3200" dirty="0" err="1"/>
+              <a:t>rules</a:t>
+            </a:r>
+            <a:r>
+              <a:rPr lang="da-DK" sz="3200" dirty="0"/>
+              <a:t> – </a:t>
+            </a:r>
+            <a:r>
+              <a:rPr lang="da-DK" sz="3200" dirty="0" err="1"/>
+              <a:t>code</a:t>
+            </a:r>
+            <a:r>
+              <a:rPr lang="da-DK" sz="3200" dirty="0"/>
+              <a:t> </a:t>
+            </a:r>
+            <a:r>
+              <a:rPr lang="da-DK" sz="3200" dirty="0" err="1"/>
+              <a:t>analysis</a:t>
+            </a:r>
+            <a:endParaRPr lang="da-DK" sz="3200" dirty="0"/>
+          </a:p>
+          <a:p>
+            <a:r>
+              <a:rPr lang="da-DK" sz="3200" dirty="0" err="1"/>
+              <a:t>Deploy</a:t>
+            </a:r>
+            <a:r>
+              <a:rPr lang="da-DK" sz="3200" dirty="0"/>
+              <a:t> </a:t>
+            </a:r>
+            <a:r>
+              <a:rPr lang="da-DK" sz="3200" dirty="0" err="1"/>
+              <a:t>changes</a:t>
+            </a:r>
+            <a:r>
+              <a:rPr lang="da-DK" sz="3200" dirty="0"/>
+              <a:t> to the database </a:t>
+            </a:r>
+            <a:r>
+              <a:rPr lang="da-DK" sz="3200" dirty="0" err="1"/>
+              <a:t>schema</a:t>
+            </a:r>
+            <a:r>
+              <a:rPr lang="da-DK" sz="3200" dirty="0"/>
+              <a:t> with </a:t>
+            </a:r>
+            <a:r>
+              <a:rPr lang="da-DK" sz="3200" dirty="0" err="1"/>
+              <a:t>changes</a:t>
+            </a:r>
+            <a:r>
+              <a:rPr lang="da-DK" sz="3200" dirty="0"/>
+              <a:t> to </a:t>
+            </a:r>
+            <a:r>
+              <a:rPr lang="da-DK" sz="3200" dirty="0" err="1"/>
+              <a:t>your</a:t>
+            </a:r>
+            <a:r>
+              <a:rPr lang="da-DK" sz="3200" dirty="0"/>
+              <a:t> app</a:t>
+            </a:r>
+          </a:p>
+          <a:p>
+            <a:r>
+              <a:rPr lang="da-DK" sz="3200" dirty="0"/>
+              <a:t>No more migration scripts – </a:t>
+            </a:r>
+            <a:r>
+              <a:rPr lang="da-DK" sz="3200" dirty="0" err="1"/>
+              <a:t>simply</a:t>
+            </a:r>
+            <a:r>
+              <a:rPr lang="da-DK" sz="3200" dirty="0"/>
+              <a:t> </a:t>
+            </a:r>
+            <a:r>
+              <a:rPr lang="da-DK" sz="3200" dirty="0" err="1"/>
+              <a:t>describe</a:t>
+            </a:r>
+            <a:r>
+              <a:rPr lang="da-DK" sz="3200" dirty="0"/>
+              <a:t> </a:t>
+            </a:r>
+            <a:r>
+              <a:rPr lang="da-DK" sz="3200" dirty="0" err="1"/>
+              <a:t>your</a:t>
+            </a:r>
+            <a:r>
+              <a:rPr lang="da-DK" sz="3200" dirty="0"/>
+              <a:t> </a:t>
+            </a:r>
+            <a:r>
+              <a:rPr lang="da-DK" sz="3200" dirty="0" err="1"/>
+              <a:t>desired</a:t>
+            </a:r>
+            <a:r>
+              <a:rPr lang="da-DK" sz="3200" dirty="0"/>
+              <a:t> </a:t>
+            </a:r>
+            <a:r>
+              <a:rPr lang="da-DK" sz="3200" dirty="0" err="1"/>
+              <a:t>state</a:t>
+            </a:r>
+            <a:endParaRPr lang="da-DK" sz="3200" dirty="0"/>
+          </a:p>
+          <a:p>
+            <a:r>
+              <a:rPr lang="da-DK" sz="3200" dirty="0"/>
+              <a:t>Cross platform </a:t>
+            </a:r>
+            <a:r>
+              <a:rPr lang="da-DK" sz="3200" dirty="0" err="1"/>
+              <a:t>build</a:t>
+            </a:r>
+            <a:r>
+              <a:rPr lang="da-DK" sz="3200" dirty="0"/>
+              <a:t> and </a:t>
+            </a:r>
+            <a:r>
+              <a:rPr lang="da-DK" sz="3200" dirty="0" err="1"/>
+              <a:t>deployment</a:t>
+            </a:r>
+            <a:r>
+              <a:rPr lang="da-DK" sz="3200" dirty="0"/>
+              <a:t> support</a:t>
+            </a:r>
+          </a:p>
+          <a:p>
+            <a:pPr marL="0" indent="0">
+              <a:buNone/>
+            </a:pPr>
+            <a:endParaRPr lang="da-DK" sz="3200" dirty="0"/>
+          </a:p>
+        </p:txBody>
+      </p:sp>
+    </p:spTree>
+    <p:extLst>
+      <p:ext uri="{BB962C8B-B14F-4D97-AF65-F5344CB8AC3E}">
+        <p14:creationId xmlns:p14="http://schemas.microsoft.com/office/powerpoint/2010/main" val="2807965468"/>
+      </p:ext>
+    </p:extLst>
+  </p:cSld>
+  <p:clrMapOvr>
+    <a:masterClrMapping/>
+  </p:clrMapOvr>
+</p:sld>
+</file>
+
+<file path=ppt/slides/slide22.xml><?xml version="1.0" encoding="utf-8"?>
+<p:sld xmlns:a="http://schemas.openxmlformats.org/drawingml/2006/main" xmlns:r="http://schemas.openxmlformats.org/officeDocument/2006/relationships" xmlns:p="http://schemas.openxmlformats.org/presentationml/2006/main">
+  <p:cSld>
+    <p:spTree>
+      <p:nvGrpSpPr>
+        <p:cNvPr id="1" name=""/>
+        <p:cNvGrpSpPr/>
+        <p:nvPr/>
+      </p:nvGrpSpPr>
+      <p:grpSpPr>
+        <a:xfrm>
+          <a:off x="0" y="0"/>
+          <a:ext cx="0" cy="0"/>
+          <a:chOff x="0" y="0"/>
+          <a:chExt cx="0" cy="0"/>
+        </a:xfrm>
+      </p:grpSpPr>
+      <p:sp>
+        <p:nvSpPr>
+          <p:cNvPr id="2" name="Title 1">
+            <a:extLst>
+              <a:ext uri="{FF2B5EF4-FFF2-40B4-BE49-F238E27FC236}">
+                <a16:creationId xmlns:a16="http://schemas.microsoft.com/office/drawing/2014/main" id="{B0D5BB5B-7FFA-DB8B-F802-03B5D520D180}"/>
+              </a:ext>
+            </a:extLst>
+          </p:cNvPr>
+          <p:cNvSpPr>
+            <a:spLocks noGrp="1"/>
+          </p:cNvSpPr>
+          <p:nvPr>
+            <p:ph type="title"/>
+          </p:nvPr>
+        </p:nvSpPr>
+        <p:spPr/>
+        <p:txBody>
+          <a:bodyPr/>
+          <a:lstStyle/>
+          <a:p>
+            <a:r>
+              <a:rPr lang="da-DK" dirty="0" err="1"/>
+              <a:t>Process</a:t>
+            </a:r>
+            <a:endParaRPr lang="da-DK" dirty="0"/>
+          </a:p>
+        </p:txBody>
+      </p:sp>
+      <p:graphicFrame>
+        <p:nvGraphicFramePr>
+          <p:cNvPr id="4" name="Content Placeholder 3">
+            <a:extLst>
+              <a:ext uri="{FF2B5EF4-FFF2-40B4-BE49-F238E27FC236}">
+                <a16:creationId xmlns:a16="http://schemas.microsoft.com/office/drawing/2014/main" id="{14C458CB-FE86-0722-5465-2135D8B24067}"/>
+              </a:ext>
+            </a:extLst>
+          </p:cNvPr>
+          <p:cNvGraphicFramePr>
+            <a:graphicFrameLocks noGrp="1"/>
+          </p:cNvGraphicFramePr>
+          <p:nvPr>
+            <p:ph idx="1"/>
+          </p:nvPr>
+        </p:nvGraphicFramePr>
+        <p:xfrm>
+          <a:off x="838200" y="1825625"/>
+          <a:ext cx="10515600" cy="4351338"/>
+        </p:xfrm>
+        <a:graphic>
+          <a:graphicData uri="http://schemas.openxmlformats.org/drawingml/2006/diagram">
+            <dgm:relIds xmlns:dgm="http://schemas.openxmlformats.org/drawingml/2006/diagram" xmlns:r="http://schemas.openxmlformats.org/officeDocument/2006/relationships" r:dm="rId2" r:lo="rId3" r:qs="rId4" r:cs="rId5"/>
+          </a:graphicData>
+        </a:graphic>
+      </p:graphicFrame>
+      <p:sp>
+        <p:nvSpPr>
+          <p:cNvPr id="3" name="Arrow: Down 2">
+            <a:extLst>
+              <a:ext uri="{FF2B5EF4-FFF2-40B4-BE49-F238E27FC236}">
+                <a16:creationId xmlns:a16="http://schemas.microsoft.com/office/drawing/2014/main" id="{41A997FB-CF39-A7D3-CBE9-49B7A0E95D4B}"/>
+              </a:ext>
+            </a:extLst>
+          </p:cNvPr>
+          <p:cNvSpPr/>
+          <p:nvPr/>
         </p:nvSpPr>
         <p:spPr>
           <a:xfrm>
-            <a:off x="643278" y="2372868"/>
-            <a:ext cx="3255095" cy="18288"/>
+            <a:off x="8072581" y="2161309"/>
+            <a:ext cx="484632" cy="978408"/>
           </a:xfrm>
-          <a:custGeom>
+          <a:prstGeom prst="downArrow">
             <a:avLst/>
-            <a:gdLst>
-              <a:gd name="connsiteX0" fmla="*/ 0 w 3255095"/>
-              <a:gd name="connsiteY0" fmla="*/ 0 h 18288"/>
-              <a:gd name="connsiteX1" fmla="*/ 618468 w 3255095"/>
-              <a:gd name="connsiteY1" fmla="*/ 0 h 18288"/>
-              <a:gd name="connsiteX2" fmla="*/ 1269487 w 3255095"/>
-              <a:gd name="connsiteY2" fmla="*/ 0 h 18288"/>
-              <a:gd name="connsiteX3" fmla="*/ 1953057 w 3255095"/>
-              <a:gd name="connsiteY3" fmla="*/ 0 h 18288"/>
-              <a:gd name="connsiteX4" fmla="*/ 2636627 w 3255095"/>
-              <a:gd name="connsiteY4" fmla="*/ 0 h 18288"/>
-              <a:gd name="connsiteX5" fmla="*/ 3255095 w 3255095"/>
-              <a:gd name="connsiteY5" fmla="*/ 0 h 18288"/>
-              <a:gd name="connsiteX6" fmla="*/ 3255095 w 3255095"/>
-              <a:gd name="connsiteY6" fmla="*/ 18288 h 18288"/>
-              <a:gd name="connsiteX7" fmla="*/ 2538974 w 3255095"/>
-              <a:gd name="connsiteY7" fmla="*/ 18288 h 18288"/>
-              <a:gd name="connsiteX8" fmla="*/ 1822853 w 3255095"/>
-              <a:gd name="connsiteY8" fmla="*/ 18288 h 18288"/>
-              <a:gd name="connsiteX9" fmla="*/ 1171834 w 3255095"/>
-              <a:gd name="connsiteY9" fmla="*/ 18288 h 18288"/>
-              <a:gd name="connsiteX10" fmla="*/ 0 w 3255095"/>
-              <a:gd name="connsiteY10" fmla="*/ 18288 h 18288"/>
-              <a:gd name="connsiteX11" fmla="*/ 0 w 3255095"/>
-              <a:gd name="connsiteY11" fmla="*/ 0 h 18288"/>
-            </a:gdLst>
-            <a:ahLst/>
-            <a:cxnLst>
-              <a:cxn ang="0">
-                <a:pos x="connsiteX0" y="connsiteY0"/>
-              </a:cxn>
-              <a:cxn ang="0">
-                <a:pos x="connsiteX1" y="connsiteY1"/>
-              </a:cxn>
-              <a:cxn ang="0">
-                <a:pos x="connsiteX2" y="connsiteY2"/>
-              </a:cxn>
-              <a:cxn ang="0">
-                <a:pos x="connsiteX3" y="connsiteY3"/>
-              </a:cxn>
-              <a:cxn ang="0">
-                <a:pos x="connsiteX4" y="connsiteY4"/>
-              </a:cxn>
-              <a:cxn ang="0">
-                <a:pos x="connsiteX5" y="connsiteY5"/>
-              </a:cxn>
-              <a:cxn ang="0">
-                <a:pos x="connsiteX6" y="connsiteY6"/>
-              </a:cxn>
-              <a:cxn ang="0">
-                <a:pos x="connsiteX7" y="connsiteY7"/>
-              </a:cxn>
-              <a:cxn ang="0">
-                <a:pos x="connsiteX8" y="connsiteY8"/>
-              </a:cxn>
-              <a:cxn ang="0">
-                <a:pos x="connsiteX9" y="connsiteY9"/>
-              </a:cxn>
-              <a:cxn ang="0">
-                <a:pos x="connsiteX10" y="connsiteY10"/>
-              </a:cxn>
-              <a:cxn ang="0">
-                <a:pos x="connsiteX11" y="connsiteY11"/>
-              </a:cxn>
-            </a:cxnLst>
-            <a:rect l="l" t="t" r="r" b="b"/>
-            <a:pathLst>
-              <a:path w="3255095" h="18288" fill="none" extrusionOk="0">
-                <a:moveTo>
-                  <a:pt x="0" y="0"/>
-                </a:moveTo>
-                <a:cubicBezTo>
-                  <a:pt x="240201" y="-22123"/>
-                  <a:pt x="462021" y="-19623"/>
-                  <a:pt x="618468" y="0"/>
-                </a:cubicBezTo>
-                <a:cubicBezTo>
-                  <a:pt x="774915" y="19623"/>
-                  <a:pt x="974734" y="2035"/>
-                  <a:pt x="1269487" y="0"/>
-                </a:cubicBezTo>
-                <a:cubicBezTo>
-                  <a:pt x="1564240" y="-2035"/>
-                  <a:pt x="1733579" y="10639"/>
-                  <a:pt x="1953057" y="0"/>
-                </a:cubicBezTo>
-                <a:cubicBezTo>
-                  <a:pt x="2172535" y="-10639"/>
-                  <a:pt x="2453962" y="14018"/>
-                  <a:pt x="2636627" y="0"/>
-                </a:cubicBezTo>
-                <a:cubicBezTo>
-                  <a:pt x="2819292" y="-14018"/>
-                  <a:pt x="3121375" y="5399"/>
-                  <a:pt x="3255095" y="0"/>
-                </a:cubicBezTo>
-                <a:cubicBezTo>
-                  <a:pt x="3254386" y="8157"/>
-                  <a:pt x="3254682" y="12125"/>
-                  <a:pt x="3255095" y="18288"/>
-                </a:cubicBezTo>
-                <a:cubicBezTo>
-                  <a:pt x="3088545" y="23203"/>
-                  <a:pt x="2687475" y="7419"/>
-                  <a:pt x="2538974" y="18288"/>
-                </a:cubicBezTo>
-                <a:cubicBezTo>
-                  <a:pt x="2390473" y="29157"/>
-                  <a:pt x="2137381" y="-8959"/>
-                  <a:pt x="1822853" y="18288"/>
-                </a:cubicBezTo>
-                <a:cubicBezTo>
-                  <a:pt x="1508325" y="45535"/>
-                  <a:pt x="1466437" y="20385"/>
-                  <a:pt x="1171834" y="18288"/>
-                </a:cubicBezTo>
-                <a:cubicBezTo>
-                  <a:pt x="877231" y="16191"/>
-                  <a:pt x="561097" y="37643"/>
-                  <a:pt x="0" y="18288"/>
-                </a:cubicBezTo>
-                <a:cubicBezTo>
-                  <a:pt x="-46" y="12483"/>
-                  <a:pt x="-203" y="6491"/>
-                  <a:pt x="0" y="0"/>
-                </a:cubicBezTo>
-                <a:close/>
-              </a:path>
-              <a:path w="3255095" h="18288" stroke="0" extrusionOk="0">
-                <a:moveTo>
-                  <a:pt x="0" y="0"/>
-                </a:moveTo>
-                <a:cubicBezTo>
-                  <a:pt x="291965" y="19429"/>
-                  <a:pt x="363155" y="8568"/>
-                  <a:pt x="618468" y="0"/>
-                </a:cubicBezTo>
-                <a:cubicBezTo>
-                  <a:pt x="873781" y="-8568"/>
-                  <a:pt x="904459" y="-19505"/>
-                  <a:pt x="1171834" y="0"/>
-                </a:cubicBezTo>
-                <a:cubicBezTo>
-                  <a:pt x="1439209" y="19505"/>
-                  <a:pt x="1744369" y="9790"/>
-                  <a:pt x="1887955" y="0"/>
-                </a:cubicBezTo>
-                <a:cubicBezTo>
-                  <a:pt x="2031541" y="-9790"/>
-                  <a:pt x="2346378" y="21240"/>
-                  <a:pt x="2506423" y="0"/>
-                </a:cubicBezTo>
-                <a:cubicBezTo>
-                  <a:pt x="2666468" y="-21240"/>
-                  <a:pt x="2990257" y="30414"/>
-                  <a:pt x="3255095" y="0"/>
-                </a:cubicBezTo>
-                <a:cubicBezTo>
-                  <a:pt x="3254831" y="4493"/>
-                  <a:pt x="3255479" y="9472"/>
-                  <a:pt x="3255095" y="18288"/>
-                </a:cubicBezTo>
-                <a:cubicBezTo>
-                  <a:pt x="3120743" y="16690"/>
-                  <a:pt x="2759628" y="42462"/>
-                  <a:pt x="2604076" y="18288"/>
-                </a:cubicBezTo>
-                <a:cubicBezTo>
-                  <a:pt x="2448524" y="-5886"/>
-                  <a:pt x="2184336" y="19599"/>
-                  <a:pt x="1887955" y="18288"/>
-                </a:cubicBezTo>
-                <a:cubicBezTo>
-                  <a:pt x="1591574" y="16977"/>
-                  <a:pt x="1548845" y="6870"/>
-                  <a:pt x="1334589" y="18288"/>
-                </a:cubicBezTo>
-                <a:cubicBezTo>
-                  <a:pt x="1120333" y="29706"/>
-                  <a:pt x="996014" y="9662"/>
-                  <a:pt x="683570" y="18288"/>
-                </a:cubicBezTo>
-                <a:cubicBezTo>
-                  <a:pt x="371126" y="26914"/>
-                  <a:pt x="198687" y="16167"/>
-                  <a:pt x="0" y="18288"/>
-                </a:cubicBezTo>
-                <a:cubicBezTo>
-                  <a:pt x="843" y="9577"/>
-                  <a:pt x="371" y="6900"/>
-                  <a:pt x="0" y="0"/>
-                </a:cubicBezTo>
-                <a:close/>
-              </a:path>
-            </a:pathLst>
-          </a:custGeom>
-          <a:solidFill>
-            <a:schemeClr val="accent2"/>
-          </a:solidFill>
-          <a:ln w="38100" cap="rnd">
-            <a:solidFill>
-              <a:schemeClr val="accent2"/>
-            </a:solidFill>
-            <a:round/>
-            <a:extLst>
-              <a:ext uri="{C807C97D-BFC1-408E-A445-0C87EB9F89A2}">
-                <ask:lineSketchStyleProps xmlns:ask="http://schemas.microsoft.com/office/drawing/2018/sketchyshapes" sd="1219033472">
-                  <a:prstGeom prst="rect">
-                    <a:avLst/>
-                  </a:prstGeom>
-                  <ask:type>
-                    <ask:lineSketchFreehand/>
-                  </ask:type>
-                </ask:lineSketchStyleProps>
-              </a:ext>
-            </a:extLst>
-          </a:ln>
+          </a:prstGeom>
         </p:spPr>
         <p:style>
           <a:lnRef idx="2">
@@ -20266,7 +20449,131 @@
           <a:lstStyle/>
           <a:p>
             <a:pPr algn="ctr"/>
-            <a:endParaRPr lang="en-US"/>
+            <a:endParaRPr lang="da-DK"/>
+          </a:p>
+        </p:txBody>
+      </p:sp>
+      <p:pic>
+        <p:nvPicPr>
+          <p:cNvPr id="1026" name="Picture 2" descr="Microscope Cartoon Vector Icon Illustration - Microscope - Sticker |  TeePublic">
+            <a:extLst>
+              <a:ext uri="{FF2B5EF4-FFF2-40B4-BE49-F238E27FC236}">
+                <a16:creationId xmlns:a16="http://schemas.microsoft.com/office/drawing/2014/main" id="{0C12428C-43EA-42B3-B5FD-98F46FCED002}"/>
+              </a:ext>
+            </a:extLst>
+          </p:cNvPr>
+          <p:cNvPicPr>
+            <a:picLocks noChangeAspect="1" noChangeArrowheads="1"/>
+          </p:cNvPicPr>
+          <p:nvPr/>
+        </p:nvPicPr>
+        <p:blipFill>
+          <a:blip r:embed="rId7">
+            <a:extLst>
+              <a:ext uri="{28A0092B-C50C-407E-A947-70E740481C1C}">
+                <a14:useLocalDpi xmlns:a14="http://schemas.microsoft.com/office/drawing/2010/main" val="0"/>
+              </a:ext>
+            </a:extLst>
+          </a:blip>
+          <a:srcRect/>
+          <a:stretch>
+            <a:fillRect/>
+          </a:stretch>
+        </p:blipFill>
+        <p:spPr bwMode="auto">
+          <a:xfrm>
+            <a:off x="7517178" y="4897438"/>
+            <a:ext cx="1595437" cy="1595437"/>
+          </a:xfrm>
+          <a:prstGeom prst="rect">
+            <a:avLst/>
+          </a:prstGeom>
+          <a:noFill/>
+          <a:extLst>
+            <a:ext uri="{909E8E84-426E-40DD-AFC4-6F175D3DCCD1}">
+              <a14:hiddenFill xmlns:a14="http://schemas.microsoft.com/office/drawing/2010/main">
+                <a:solidFill>
+                  <a:srgbClr val="FFFFFF"/>
+                </a:solidFill>
+              </a14:hiddenFill>
+            </a:ext>
+          </a:extLst>
+        </p:spPr>
+      </p:pic>
+    </p:spTree>
+    <p:extLst>
+      <p:ext uri="{BB962C8B-B14F-4D97-AF65-F5344CB8AC3E}">
+        <p14:creationId xmlns:p14="http://schemas.microsoft.com/office/powerpoint/2010/main" val="2332471340"/>
+      </p:ext>
+    </p:extLst>
+  </p:cSld>
+  <p:clrMapOvr>
+    <a:masterClrMapping/>
+  </p:clrMapOvr>
+</p:sld>
+</file>
+
+<file path=ppt/slides/slide23.xml><?xml version="1.0" encoding="utf-8"?>
+<p:sld xmlns:a="http://schemas.openxmlformats.org/drawingml/2006/main" xmlns:r="http://schemas.openxmlformats.org/officeDocument/2006/relationships" xmlns:p="http://schemas.openxmlformats.org/presentationml/2006/main">
+  <p:cSld>
+    <p:spTree>
+      <p:nvGrpSpPr>
+        <p:cNvPr id="1" name=""/>
+        <p:cNvGrpSpPr/>
+        <p:nvPr/>
+      </p:nvGrpSpPr>
+      <p:grpSpPr>
+        <a:xfrm>
+          <a:off x="0" y="0"/>
+          <a:ext cx="0" cy="0"/>
+          <a:chOff x="0" y="0"/>
+          <a:chExt cx="0" cy="0"/>
+        </a:xfrm>
+      </p:grpSpPr>
+      <p:sp>
+        <p:nvSpPr>
+          <p:cNvPr id="2" name="Title 1">
+            <a:extLst>
+              <a:ext uri="{FF2B5EF4-FFF2-40B4-BE49-F238E27FC236}">
+                <a16:creationId xmlns:a16="http://schemas.microsoft.com/office/drawing/2014/main" id="{BCD0543B-85D0-70D6-E8C0-825E5B0CC031}"/>
+              </a:ext>
+            </a:extLst>
+          </p:cNvPr>
+          <p:cNvSpPr>
+            <a:spLocks noGrp="1"/>
+          </p:cNvSpPr>
+          <p:nvPr>
+            <p:ph type="title"/>
+          </p:nvPr>
+        </p:nvSpPr>
+        <p:spPr>
+          <a:xfrm>
+            <a:off x="1136397" y="502020"/>
+            <a:ext cx="5323715" cy="1642970"/>
+          </a:xfrm>
+        </p:spPr>
+        <p:txBody>
+          <a:bodyPr anchor="b">
+            <a:normAutofit/>
+          </a:bodyPr>
+          <a:lstStyle/>
+          <a:p>
+            <a:r>
+              <a:rPr lang="da-DK" sz="4000" dirty="0" err="1"/>
+              <a:t>Why</a:t>
+            </a:r>
+            <a:r>
+              <a:rPr lang="da-DK" sz="4000" dirty="0"/>
+              <a:t> .</a:t>
+            </a:r>
+            <a:r>
+              <a:rPr lang="da-DK" sz="4000" dirty="0" err="1"/>
+              <a:t>dacpac</a:t>
+            </a:r>
+            <a:r>
+              <a:rPr lang="da-DK" sz="4000" dirty="0"/>
+              <a:t>?</a:t>
+            </a:r>
           </a:p>
         </p:txBody>
       </p:sp>
@@ -20275,7 +20582,7 @@
           <p:cNvPr id="3" name="Content Placeholder 2">
             <a:extLst>
               <a:ext uri="{FF2B5EF4-FFF2-40B4-BE49-F238E27FC236}">
-                <a16:creationId xmlns:a16="http://schemas.microsoft.com/office/drawing/2014/main" id="{98B6C42F-8CB3-FB57-D11C-4033DD156FEC}"/>
+                <a16:creationId xmlns:a16="http://schemas.microsoft.com/office/drawing/2014/main" id="{1D37BAAB-2AC4-7032-7DAE-B031E2D35A0C}"/>
               </a:ext>
             </a:extLst>
           </p:cNvPr>
@@ -20288,8 +20595,8 @@
         </p:nvSpPr>
         <p:spPr>
           <a:xfrm>
-            <a:off x="630936" y="2660904"/>
-            <a:ext cx="6122202" cy="3547872"/>
+            <a:off x="457200" y="2923622"/>
+            <a:ext cx="7168293" cy="3578777"/>
           </a:xfrm>
         </p:spPr>
         <p:txBody>
@@ -20299,163 +20606,1340 @@
           <a:lstStyle/>
           <a:p>
             <a:r>
-              <a:rPr lang="da-DK" sz="2200" dirty="0" err="1"/>
-              <a:t>Add</a:t>
-            </a:r>
-            <a:r>
-              <a:rPr lang="da-DK" sz="2200" dirty="0"/>
-              <a:t> </a:t>
-            </a:r>
-            <a:r>
-              <a:rPr lang="da-DK" sz="2200" dirty="0" err="1"/>
-              <a:t>you</a:t>
-            </a:r>
-            <a:r>
-              <a:rPr lang="da-DK" sz="2200" dirty="0"/>
-              <a:t> database </a:t>
-            </a:r>
-            <a:r>
-              <a:rPr lang="da-DK" sz="2200" dirty="0" err="1"/>
+              <a:rPr lang="da-DK" dirty="0" err="1"/>
+              <a:t>Ensure</a:t>
+            </a:r>
+            <a:r>
+              <a:rPr lang="da-DK" dirty="0"/>
+              <a:t> high </a:t>
+            </a:r>
+            <a:r>
+              <a:rPr lang="da-DK" dirty="0" err="1"/>
+              <a:t>quality</a:t>
+            </a:r>
+            <a:r>
+              <a:rPr lang="da-DK" dirty="0"/>
+              <a:t> and </a:t>
+            </a:r>
+            <a:r>
+              <a:rPr lang="da-DK" dirty="0" err="1"/>
+              <a:t>consistent</a:t>
+            </a:r>
+            <a:r>
+              <a:rPr lang="da-DK" dirty="0"/>
+              <a:t> SQL </a:t>
+            </a:r>
+            <a:r>
+              <a:rPr lang="da-DK" dirty="0" err="1"/>
               <a:t>schema</a:t>
             </a:r>
             <a:r>
-              <a:rPr lang="da-DK" sz="2200" dirty="0"/>
-              <a:t> to source </a:t>
-            </a:r>
-            <a:r>
-              <a:rPr lang="da-DK" sz="2200" dirty="0" err="1"/>
+              <a:rPr lang="da-DK" dirty="0"/>
+              <a:t> under source </a:t>
+            </a:r>
+            <a:r>
+              <a:rPr lang="da-DK" dirty="0" err="1"/>
               <a:t>control</a:t>
             </a:r>
-            <a:endParaRPr lang="da-DK" sz="2200" dirty="0"/>
+            <a:endParaRPr lang="da-DK" dirty="0"/>
           </a:p>
           <a:p>
             <a:r>
-              <a:rPr lang="da-DK" sz="2200" dirty="0" err="1"/>
-              <a:t>Enable</a:t>
-            </a:r>
-            <a:r>
-              <a:rPr lang="da-DK" sz="2200" dirty="0"/>
-              <a:t> </a:t>
-            </a:r>
-            <a:r>
-              <a:rPr lang="da-DK" sz="2200" dirty="0" err="1"/>
-              <a:t>code</a:t>
-            </a:r>
-            <a:r>
-              <a:rPr lang="da-DK" sz="2200" dirty="0"/>
-              <a:t> </a:t>
-            </a:r>
-            <a:r>
-              <a:rPr lang="da-DK" sz="2200" dirty="0" err="1"/>
-              <a:t>analysis</a:t>
-            </a:r>
-            <a:r>
-              <a:rPr lang="da-DK" sz="2200" dirty="0"/>
-              <a:t> </a:t>
-            </a:r>
-            <a:r>
-              <a:rPr lang="da-DK" sz="2200" dirty="0" err="1"/>
-              <a:t>locally</a:t>
-            </a:r>
-            <a:r>
-              <a:rPr lang="da-DK" sz="2200" dirty="0"/>
-              <a:t> and in CI</a:t>
-            </a:r>
+              <a:rPr lang="da-DK" dirty="0" err="1"/>
+              <a:t>Enforce</a:t>
+            </a:r>
+            <a:r>
+              <a:rPr lang="da-DK" dirty="0"/>
+              <a:t> design, performance and security </a:t>
+            </a:r>
+            <a:r>
+              <a:rPr lang="da-DK" dirty="0" err="1"/>
+              <a:t>rules</a:t>
+            </a:r>
+            <a:endParaRPr lang="da-DK" dirty="0"/>
           </a:p>
           <a:p>
             <a:r>
-              <a:rPr lang="da-DK" sz="2200" dirty="0" err="1"/>
-              <a:t>Optional</a:t>
-            </a:r>
-            <a:r>
-              <a:rPr lang="da-DK" sz="2200" dirty="0"/>
-              <a:t>: </a:t>
-            </a:r>
-            <a:r>
-              <a:rPr lang="da-DK" sz="2200" dirty="0" err="1"/>
-              <a:t>Create</a:t>
-            </a:r>
-            <a:r>
-              <a:rPr lang="da-DK" sz="2200" dirty="0"/>
+              <a:rPr lang="da-DK" dirty="0" err="1"/>
+              <a:t>Desired</a:t>
+            </a:r>
+            <a:r>
+              <a:rPr lang="da-DK" dirty="0"/>
               <a:t> </a:t>
             </a:r>
             <a:r>
-              <a:rPr lang="da-DK" sz="2200" dirty="0" err="1"/>
-              <a:t>your</a:t>
-            </a:r>
-            <a:r>
-              <a:rPr lang="da-DK" sz="2200" dirty="0"/>
+              <a:rPr lang="da-DK" dirty="0" err="1"/>
+              <a:t>state</a:t>
+            </a:r>
+            <a:r>
+              <a:rPr lang="da-DK" dirty="0"/>
               <a:t> </a:t>
             </a:r>
             <a:r>
-              <a:rPr lang="da-DK" sz="2200" dirty="0" err="1"/>
-              <a:t>own</a:t>
-            </a:r>
-            <a:r>
-              <a:rPr lang="da-DK" sz="2200" dirty="0"/>
+              <a:rPr lang="da-DK" dirty="0" err="1"/>
+              <a:t>configuration</a:t>
+            </a:r>
+            <a:endParaRPr lang="da-DK" dirty="0"/>
+          </a:p>
+          <a:p>
+            <a:r>
+              <a:rPr lang="da-DK" dirty="0" err="1"/>
+              <a:t>Publish</a:t>
+            </a:r>
+            <a:r>
+              <a:rPr lang="da-DK" dirty="0"/>
               <a:t> </a:t>
             </a:r>
             <a:r>
-              <a:rPr lang="da-DK" sz="2200" dirty="0" err="1"/>
-              <a:t>rules</a:t>
-            </a:r>
-            <a:r>
-              <a:rPr lang="da-DK" sz="2200" dirty="0"/>
-              <a:t> and </a:t>
-            </a:r>
-            <a:r>
-              <a:rPr lang="da-DK" sz="2200" dirty="0" err="1"/>
-              <a:t>contribute</a:t>
-            </a:r>
-            <a:r>
-              <a:rPr lang="da-DK" sz="2200" dirty="0"/>
-              <a:t> </a:t>
-            </a:r>
-            <a:r>
-              <a:rPr lang="da-DK" sz="2200" dirty="0" err="1"/>
-              <a:t>them</a:t>
-            </a:r>
-            <a:r>
-              <a:rPr lang="da-DK" sz="2200" dirty="0"/>
-              <a:t> back to the community</a:t>
-            </a:r>
+              <a:rPr lang="da-DK" dirty="0" err="1"/>
+              <a:t>magic</a:t>
+            </a:r>
+            <a:r>
+              <a:rPr lang="da-DK" dirty="0"/>
+              <a:t>!</a:t>
+            </a:r>
+          </a:p>
+          <a:p>
+            <a:endParaRPr lang="da-DK" dirty="0"/>
+          </a:p>
+          <a:p>
+            <a:endParaRPr lang="da-DK" sz="2000" dirty="0"/>
           </a:p>
         </p:txBody>
       </p:sp>
       <p:pic>
         <p:nvPicPr>
-          <p:cNvPr id="5" name="Picture 4" descr="A qr code with black dots&#10;&#10;Description automatically generated">
+          <p:cNvPr id="1028" name="Picture 4" descr="it's magic - Album on Imgur">
             <a:extLst>
               <a:ext uri="{FF2B5EF4-FFF2-40B4-BE49-F238E27FC236}">
-                <a16:creationId xmlns:a16="http://schemas.microsoft.com/office/drawing/2014/main" id="{1ACEDAF7-1A70-3E40-9618-12BBF5CB9F25}"/>
+                <a16:creationId xmlns:a16="http://schemas.microsoft.com/office/drawing/2014/main" id="{672BB7EB-32D7-CC82-0F37-1B439A402A01}"/>
               </a:ext>
             </a:extLst>
           </p:cNvPr>
           <p:cNvPicPr>
-            <a:picLocks noChangeAspect="1"/>
+            <a:picLocks noChangeAspect="1" noChangeArrowheads="1"/>
           </p:cNvPicPr>
           <p:nvPr/>
         </p:nvPicPr>
         <p:blipFill>
-          <a:blip r:embed="rId2"/>
+          <a:blip r:embed="rId2">
+            <a:extLst>
+              <a:ext uri="{28A0092B-C50C-407E-A947-70E740481C1C}">
+                <a14:useLocalDpi xmlns:a14="http://schemas.microsoft.com/office/drawing/2010/main" val="0"/>
+              </a:ext>
+            </a:extLst>
+          </a:blip>
+          <a:srcRect/>
           <a:stretch>
             <a:fillRect/>
           </a:stretch>
         </p:blipFill>
-        <p:spPr>
+        <p:spPr bwMode="auto">
           <a:xfrm>
-            <a:off x="6862194" y="904031"/>
-            <a:ext cx="4695822" cy="4343974"/>
+            <a:off x="7596509" y="1473981"/>
+            <a:ext cx="3910014" cy="3910014"/>
           </a:xfrm>
           <a:prstGeom prst="rect">
             <a:avLst/>
           </a:prstGeom>
+          <a:noFill/>
+          <a:extLst>
+            <a:ext uri="{909E8E84-426E-40DD-AFC4-6F175D3DCCD1}">
+              <a14:hiddenFill xmlns:a14="http://schemas.microsoft.com/office/drawing/2010/main">
+                <a:solidFill>
+                  <a:srgbClr val="FFFFFF"/>
+                </a:solidFill>
+              </a14:hiddenFill>
+            </a:ext>
+          </a:extLst>
         </p:spPr>
       </p:pic>
     </p:spTree>
     <p:extLst>
       <p:ext uri="{BB962C8B-B14F-4D97-AF65-F5344CB8AC3E}">
-        <p14:creationId xmlns:p14="http://schemas.microsoft.com/office/powerpoint/2010/main" val="1406646759"/>
+        <p14:creationId xmlns:p14="http://schemas.microsoft.com/office/powerpoint/2010/main" val="2126355379"/>
+      </p:ext>
+    </p:extLst>
+  </p:cSld>
+  <p:clrMapOvr>
+    <a:masterClrMapping/>
+  </p:clrMapOvr>
+</p:sld>
+</file>
+
+<file path=ppt/slides/slide3.xml><?xml version="1.0" encoding="utf-8"?>
+<p:sld xmlns:a="http://schemas.openxmlformats.org/drawingml/2006/main" xmlns:r="http://schemas.openxmlformats.org/officeDocument/2006/relationships" xmlns:p="http://schemas.openxmlformats.org/presentationml/2006/main">
+  <p:cSld>
+    <p:spTree>
+      <p:nvGrpSpPr>
+        <p:cNvPr id="1" name=""/>
+        <p:cNvGrpSpPr/>
+        <p:nvPr/>
+      </p:nvGrpSpPr>
+      <p:grpSpPr>
+        <a:xfrm>
+          <a:off x="0" y="0"/>
+          <a:ext cx="0" cy="0"/>
+          <a:chOff x="0" y="0"/>
+          <a:chExt cx="0" cy="0"/>
+        </a:xfrm>
+      </p:grpSpPr>
+      <p:sp>
+        <p:nvSpPr>
+          <p:cNvPr id="2" name="Title 1">
+            <a:extLst>
+              <a:ext uri="{FF2B5EF4-FFF2-40B4-BE49-F238E27FC236}">
+                <a16:creationId xmlns:a16="http://schemas.microsoft.com/office/drawing/2014/main" id="{B0D5BB5B-7FFA-DB8B-F802-03B5D520D180}"/>
+              </a:ext>
+            </a:extLst>
+          </p:cNvPr>
+          <p:cNvSpPr>
+            <a:spLocks noGrp="1"/>
+          </p:cNvSpPr>
+          <p:nvPr>
+            <p:ph type="title"/>
+          </p:nvPr>
+        </p:nvSpPr>
+        <p:spPr/>
+        <p:txBody>
+          <a:bodyPr/>
+          <a:lstStyle/>
+          <a:p>
+            <a:r>
+              <a:rPr lang="da-DK" dirty="0" err="1"/>
+              <a:t>Process</a:t>
+            </a:r>
+            <a:endParaRPr lang="da-DK" dirty="0"/>
+          </a:p>
+        </p:txBody>
+      </p:sp>
+      <p:graphicFrame>
+        <p:nvGraphicFramePr>
+          <p:cNvPr id="4" name="Content Placeholder 3">
+            <a:extLst>
+              <a:ext uri="{FF2B5EF4-FFF2-40B4-BE49-F238E27FC236}">
+                <a16:creationId xmlns:a16="http://schemas.microsoft.com/office/drawing/2014/main" id="{14C458CB-FE86-0722-5465-2135D8B24067}"/>
+              </a:ext>
+            </a:extLst>
+          </p:cNvPr>
+          <p:cNvGraphicFramePr>
+            <a:graphicFrameLocks noGrp="1"/>
+          </p:cNvGraphicFramePr>
+          <p:nvPr>
+            <p:ph idx="1"/>
+            <p:extLst>
+              <p:ext uri="{D42A27DB-BD31-4B8C-83A1-F6EECF244321}">
+                <p14:modId xmlns:p14="http://schemas.microsoft.com/office/powerpoint/2010/main" val="681339126"/>
+              </p:ext>
+            </p:extLst>
+          </p:nvPr>
+        </p:nvGraphicFramePr>
+        <p:xfrm>
+          <a:off x="838200" y="1825625"/>
+          <a:ext cx="10515600" cy="4351338"/>
+        </p:xfrm>
+        <a:graphic>
+          <a:graphicData uri="http://schemas.openxmlformats.org/drawingml/2006/diagram">
+            <dgm:relIds xmlns:dgm="http://schemas.openxmlformats.org/drawingml/2006/diagram" xmlns:r="http://schemas.openxmlformats.org/officeDocument/2006/relationships" r:dm="rId2" r:lo="rId3" r:qs="rId4" r:cs="rId5"/>
+          </a:graphicData>
+        </a:graphic>
+      </p:graphicFrame>
+    </p:spTree>
+    <p:extLst>
+      <p:ext uri="{BB962C8B-B14F-4D97-AF65-F5344CB8AC3E}">
+        <p14:creationId xmlns:p14="http://schemas.microsoft.com/office/powerpoint/2010/main" val="2825632252"/>
+      </p:ext>
+    </p:extLst>
+  </p:cSld>
+  <p:clrMapOvr>
+    <a:masterClrMapping/>
+  </p:clrMapOvr>
+</p:sld>
+</file>
+
+<file path=ppt/slides/slide4.xml><?xml version="1.0" encoding="utf-8"?>
+<p:sld xmlns:a="http://schemas.openxmlformats.org/drawingml/2006/main" xmlns:r="http://schemas.openxmlformats.org/officeDocument/2006/relationships" xmlns:p="http://schemas.openxmlformats.org/presentationml/2006/main">
+  <p:cSld>
+    <p:spTree>
+      <p:nvGrpSpPr>
+        <p:cNvPr id="1" name=""/>
+        <p:cNvGrpSpPr/>
+        <p:nvPr/>
+      </p:nvGrpSpPr>
+      <p:grpSpPr>
+        <a:xfrm>
+          <a:off x="0" y="0"/>
+          <a:ext cx="0" cy="0"/>
+          <a:chOff x="0" y="0"/>
+          <a:chExt cx="0" cy="0"/>
+        </a:xfrm>
+      </p:grpSpPr>
+      <p:sp>
+        <p:nvSpPr>
+          <p:cNvPr id="2" name="Title 1">
+            <a:extLst>
+              <a:ext uri="{FF2B5EF4-FFF2-40B4-BE49-F238E27FC236}">
+                <a16:creationId xmlns:a16="http://schemas.microsoft.com/office/drawing/2014/main" id="{B0D5BB5B-7FFA-DB8B-F802-03B5D520D180}"/>
+              </a:ext>
+            </a:extLst>
+          </p:cNvPr>
+          <p:cNvSpPr>
+            <a:spLocks noGrp="1"/>
+          </p:cNvSpPr>
+          <p:nvPr>
+            <p:ph type="title"/>
+          </p:nvPr>
+        </p:nvSpPr>
+        <p:spPr/>
+        <p:txBody>
+          <a:bodyPr/>
+          <a:lstStyle/>
+          <a:p>
+            <a:r>
+              <a:rPr lang="da-DK" dirty="0" err="1"/>
+              <a:t>Tooling</a:t>
+            </a:r>
+            <a:endParaRPr lang="da-DK" dirty="0"/>
+          </a:p>
+        </p:txBody>
+      </p:sp>
+      <p:graphicFrame>
+        <p:nvGraphicFramePr>
+          <p:cNvPr id="4" name="Content Placeholder 3">
+            <a:extLst>
+              <a:ext uri="{FF2B5EF4-FFF2-40B4-BE49-F238E27FC236}">
+                <a16:creationId xmlns:a16="http://schemas.microsoft.com/office/drawing/2014/main" id="{14C458CB-FE86-0722-5465-2135D8B24067}"/>
+              </a:ext>
+            </a:extLst>
+          </p:cNvPr>
+          <p:cNvGraphicFramePr>
+            <a:graphicFrameLocks noGrp="1"/>
+          </p:cNvGraphicFramePr>
+          <p:nvPr>
+            <p:ph idx="1"/>
+            <p:extLst>
+              <p:ext uri="{D42A27DB-BD31-4B8C-83A1-F6EECF244321}">
+                <p14:modId xmlns:p14="http://schemas.microsoft.com/office/powerpoint/2010/main" val="2261826792"/>
+              </p:ext>
+            </p:extLst>
+          </p:nvPr>
+        </p:nvGraphicFramePr>
+        <p:xfrm>
+          <a:off x="838200" y="1825625"/>
+          <a:ext cx="10515600" cy="4351338"/>
+        </p:xfrm>
+        <a:graphic>
+          <a:graphicData uri="http://schemas.openxmlformats.org/drawingml/2006/diagram">
+            <dgm:relIds xmlns:dgm="http://schemas.openxmlformats.org/drawingml/2006/diagram" xmlns:r="http://schemas.openxmlformats.org/officeDocument/2006/relationships" r:dm="rId2" r:lo="rId3" r:qs="rId4" r:cs="rId5"/>
+          </a:graphicData>
+        </a:graphic>
+      </p:graphicFrame>
+      <p:sp>
+        <p:nvSpPr>
+          <p:cNvPr id="3" name="TextBox 2">
+            <a:extLst>
+              <a:ext uri="{FF2B5EF4-FFF2-40B4-BE49-F238E27FC236}">
+                <a16:creationId xmlns:a16="http://schemas.microsoft.com/office/drawing/2014/main" id="{D0002042-9439-C760-352C-9B1314C5F520}"/>
+              </a:ext>
+            </a:extLst>
+          </p:cNvPr>
+          <p:cNvSpPr txBox="1"/>
+          <p:nvPr/>
+        </p:nvSpPr>
+        <p:spPr>
+          <a:xfrm>
+            <a:off x="1297858" y="4739147"/>
+            <a:ext cx="2438400" cy="1200329"/>
+          </a:xfrm>
+          <a:prstGeom prst="rect">
+            <a:avLst/>
+          </a:prstGeom>
+          <a:noFill/>
+        </p:spPr>
+        <p:txBody>
+          <a:bodyPr wrap="square" rtlCol="0">
+            <a:spAutoFit/>
+          </a:bodyPr>
+          <a:lstStyle/>
+          <a:p>
+            <a:r>
+              <a:rPr lang="da-DK" dirty="0"/>
+              <a:t>Visual Studio</a:t>
+            </a:r>
+          </a:p>
+          <a:p>
+            <a:r>
+              <a:rPr lang="da-DK" dirty="0"/>
+              <a:t>VS Code</a:t>
+            </a:r>
+          </a:p>
+          <a:p>
+            <a:r>
+              <a:rPr lang="da-DK" dirty="0" err="1"/>
+              <a:t>sqlpackage</a:t>
+            </a:r>
+            <a:r>
+              <a:rPr lang="da-DK" dirty="0"/>
+              <a:t> </a:t>
+            </a:r>
+            <a:r>
+              <a:rPr lang="da-DK" dirty="0" err="1"/>
+              <a:t>extract</a:t>
+            </a:r>
+            <a:endParaRPr lang="da-DK" dirty="0"/>
+          </a:p>
+          <a:p>
+            <a:r>
+              <a:rPr lang="da-DK" dirty="0" err="1"/>
+              <a:t>dotnet</a:t>
+            </a:r>
+            <a:r>
+              <a:rPr lang="da-DK" dirty="0"/>
+              <a:t> new</a:t>
+            </a:r>
+          </a:p>
+        </p:txBody>
+      </p:sp>
+      <p:sp>
+        <p:nvSpPr>
+          <p:cNvPr id="5" name="TextBox 4">
+            <a:extLst>
+              <a:ext uri="{FF2B5EF4-FFF2-40B4-BE49-F238E27FC236}">
+                <a16:creationId xmlns:a16="http://schemas.microsoft.com/office/drawing/2014/main" id="{F736263C-7EC6-28BD-BD25-C6CFCC5126F2}"/>
+              </a:ext>
+            </a:extLst>
+          </p:cNvPr>
+          <p:cNvSpPr txBox="1"/>
+          <p:nvPr/>
+        </p:nvSpPr>
+        <p:spPr>
+          <a:xfrm>
+            <a:off x="5287302" y="4891547"/>
+            <a:ext cx="1600200" cy="1200329"/>
+          </a:xfrm>
+          <a:prstGeom prst="rect">
+            <a:avLst/>
+          </a:prstGeom>
+          <a:noFill/>
+        </p:spPr>
+        <p:txBody>
+          <a:bodyPr wrap="square" rtlCol="0">
+            <a:spAutoFit/>
+          </a:bodyPr>
+          <a:lstStyle/>
+          <a:p>
+            <a:r>
+              <a:rPr lang="da-DK" dirty="0" err="1"/>
+              <a:t>MSBuild</a:t>
+            </a:r>
+            <a:endParaRPr lang="da-DK" dirty="0"/>
+          </a:p>
+          <a:p>
+            <a:r>
+              <a:rPr lang="da-DK" dirty="0" err="1"/>
+              <a:t>dotnet</a:t>
+            </a:r>
+            <a:r>
+              <a:rPr lang="da-DK" dirty="0"/>
+              <a:t> </a:t>
+            </a:r>
+            <a:r>
+              <a:rPr lang="da-DK" dirty="0" err="1"/>
+              <a:t>build</a:t>
+            </a:r>
+            <a:endParaRPr lang="da-DK" dirty="0"/>
+          </a:p>
+          <a:p>
+            <a:r>
+              <a:rPr lang="da-DK" dirty="0" err="1"/>
+              <a:t>dotnet</a:t>
+            </a:r>
+            <a:r>
+              <a:rPr lang="da-DK" dirty="0"/>
+              <a:t> </a:t>
+            </a:r>
+            <a:r>
+              <a:rPr lang="da-DK" dirty="0" err="1"/>
+              <a:t>pack</a:t>
+            </a:r>
+            <a:br>
+              <a:rPr lang="da-DK" dirty="0"/>
+            </a:br>
+            <a:r>
+              <a:rPr lang="da-DK" dirty="0"/>
+              <a:t>Analyzer </a:t>
+            </a:r>
+            <a:r>
+              <a:rPr lang="da-DK" dirty="0" err="1"/>
+              <a:t>rules</a:t>
+            </a:r>
+            <a:endParaRPr lang="da-DK" dirty="0"/>
+          </a:p>
+        </p:txBody>
+      </p:sp>
+      <p:sp>
+        <p:nvSpPr>
+          <p:cNvPr id="6" name="TextBox 5">
+            <a:extLst>
+              <a:ext uri="{FF2B5EF4-FFF2-40B4-BE49-F238E27FC236}">
+                <a16:creationId xmlns:a16="http://schemas.microsoft.com/office/drawing/2014/main" id="{58694100-CEF9-DF56-F98E-6A48126062C4}"/>
+              </a:ext>
+            </a:extLst>
+          </p:cNvPr>
+          <p:cNvSpPr txBox="1"/>
+          <p:nvPr/>
+        </p:nvSpPr>
+        <p:spPr>
+          <a:xfrm>
+            <a:off x="8681885" y="4798139"/>
+            <a:ext cx="2723556" cy="923330"/>
+          </a:xfrm>
+          <a:prstGeom prst="rect">
+            <a:avLst/>
+          </a:prstGeom>
+          <a:noFill/>
+        </p:spPr>
+        <p:txBody>
+          <a:bodyPr wrap="square" rtlCol="0">
+            <a:spAutoFit/>
+          </a:bodyPr>
+          <a:lstStyle/>
+          <a:p>
+            <a:r>
+              <a:rPr lang="da-DK" dirty="0" err="1"/>
+              <a:t>Azure</a:t>
+            </a:r>
+            <a:r>
+              <a:rPr lang="da-DK" dirty="0"/>
+              <a:t> </a:t>
+            </a:r>
+            <a:r>
+              <a:rPr lang="da-DK" dirty="0" err="1"/>
+              <a:t>DevOps</a:t>
+            </a:r>
+            <a:r>
+              <a:rPr lang="da-DK" dirty="0"/>
+              <a:t> pipelines</a:t>
+            </a:r>
+          </a:p>
+          <a:p>
+            <a:r>
+              <a:rPr lang="da-DK" dirty="0"/>
+              <a:t>GitHub actions</a:t>
+            </a:r>
+          </a:p>
+          <a:p>
+            <a:r>
+              <a:rPr lang="da-DK" dirty="0" err="1"/>
+              <a:t>sqlpackage</a:t>
+            </a:r>
+            <a:r>
+              <a:rPr lang="da-DK" dirty="0"/>
+              <a:t> </a:t>
+            </a:r>
+            <a:r>
+              <a:rPr lang="da-DK" dirty="0" err="1"/>
+              <a:t>publish</a:t>
+            </a:r>
+            <a:endParaRPr lang="da-DK" dirty="0"/>
+          </a:p>
+        </p:txBody>
+      </p:sp>
+      <p:sp>
+        <p:nvSpPr>
+          <p:cNvPr id="7" name="Rectangle 6">
+            <a:extLst>
+              <a:ext uri="{FF2B5EF4-FFF2-40B4-BE49-F238E27FC236}">
+                <a16:creationId xmlns:a16="http://schemas.microsoft.com/office/drawing/2014/main" id="{FDC5DE43-7591-9041-E729-DCF609C1C970}"/>
+              </a:ext>
+            </a:extLst>
+          </p:cNvPr>
+          <p:cNvSpPr/>
+          <p:nvPr/>
+        </p:nvSpPr>
+        <p:spPr>
+          <a:xfrm>
+            <a:off x="4140200" y="6091876"/>
+            <a:ext cx="3894667" cy="698391"/>
+          </a:xfrm>
+          <a:prstGeom prst="rect">
+            <a:avLst/>
+          </a:prstGeom>
+          <a:ln>
+            <a:noFill/>
+          </a:ln>
+          <a:effectLst/>
+        </p:spPr>
+        <p:style>
+          <a:lnRef idx="2">
+            <a:schemeClr val="accent2">
+              <a:shade val="15000"/>
+            </a:schemeClr>
+          </a:lnRef>
+          <a:fillRef idx="1">
+            <a:schemeClr val="accent2"/>
+          </a:fillRef>
+          <a:effectRef idx="0">
+            <a:schemeClr val="accent2"/>
+          </a:effectRef>
+          <a:fontRef idx="minor">
+            <a:schemeClr val="lt1"/>
+          </a:fontRef>
+        </p:style>
+        <p:txBody>
+          <a:bodyPr rtlCol="0" anchor="ctr"/>
+          <a:lstStyle/>
+          <a:p>
+            <a:pPr algn="ctr"/>
+            <a:r>
+              <a:rPr lang="da-DK" sz="2800" dirty="0" err="1"/>
+              <a:t>DacFX</a:t>
+            </a:r>
+            <a:endParaRPr lang="en-DK" sz="2800" dirty="0"/>
+          </a:p>
+        </p:txBody>
+      </p:sp>
+    </p:spTree>
+    <p:extLst>
+      <p:ext uri="{BB962C8B-B14F-4D97-AF65-F5344CB8AC3E}">
+        <p14:creationId xmlns:p14="http://schemas.microsoft.com/office/powerpoint/2010/main" val="654303725"/>
+      </p:ext>
+    </p:extLst>
+  </p:cSld>
+  <p:clrMapOvr>
+    <a:masterClrMapping/>
+  </p:clrMapOvr>
+</p:sld>
+</file>
+
+<file path=ppt/slides/slide5.xml><?xml version="1.0" encoding="utf-8"?>
+<p:sld xmlns:a="http://schemas.openxmlformats.org/drawingml/2006/main" xmlns:r="http://schemas.openxmlformats.org/officeDocument/2006/relationships" xmlns:p="http://schemas.openxmlformats.org/presentationml/2006/main">
+  <p:cSld>
+    <p:spTree>
+      <p:nvGrpSpPr>
+        <p:cNvPr id="1" name=""/>
+        <p:cNvGrpSpPr/>
+        <p:nvPr/>
+      </p:nvGrpSpPr>
+      <p:grpSpPr>
+        <a:xfrm>
+          <a:off x="0" y="0"/>
+          <a:ext cx="0" cy="0"/>
+          <a:chOff x="0" y="0"/>
+          <a:chExt cx="0" cy="0"/>
+        </a:xfrm>
+      </p:grpSpPr>
+      <p:sp>
+        <p:nvSpPr>
+          <p:cNvPr id="2" name="Title 1">
+            <a:extLst>
+              <a:ext uri="{FF2B5EF4-FFF2-40B4-BE49-F238E27FC236}">
+                <a16:creationId xmlns:a16="http://schemas.microsoft.com/office/drawing/2014/main" id="{46764B13-08C2-5DF8-A53C-BFEC16E91C07}"/>
+              </a:ext>
+            </a:extLst>
+          </p:cNvPr>
+          <p:cNvSpPr>
+            <a:spLocks noGrp="1"/>
+          </p:cNvSpPr>
+          <p:nvPr>
+            <p:ph type="ctrTitle"/>
+          </p:nvPr>
+        </p:nvSpPr>
+        <p:spPr/>
+        <p:txBody>
+          <a:bodyPr/>
+          <a:lstStyle/>
+          <a:p>
+            <a:r>
+              <a:rPr lang="da-DK" dirty="0"/>
+              <a:t>Demo!</a:t>
+            </a:r>
+          </a:p>
+        </p:txBody>
+      </p:sp>
+      <p:sp>
+        <p:nvSpPr>
+          <p:cNvPr id="3" name="Subtitle 2">
+            <a:extLst>
+              <a:ext uri="{FF2B5EF4-FFF2-40B4-BE49-F238E27FC236}">
+                <a16:creationId xmlns:a16="http://schemas.microsoft.com/office/drawing/2014/main" id="{9DD93DD9-B1CE-0839-4E42-138D918D6D97}"/>
+              </a:ext>
+            </a:extLst>
+          </p:cNvPr>
+          <p:cNvSpPr>
+            <a:spLocks noGrp="1"/>
+          </p:cNvSpPr>
+          <p:nvPr>
+            <p:ph type="subTitle" idx="1"/>
+          </p:nvPr>
+        </p:nvSpPr>
+        <p:spPr/>
+        <p:txBody>
+          <a:bodyPr/>
+          <a:lstStyle/>
+          <a:p>
+            <a:endParaRPr lang="da-DK"/>
+          </a:p>
+        </p:txBody>
+      </p:sp>
+    </p:spTree>
+    <p:extLst>
+      <p:ext uri="{BB962C8B-B14F-4D97-AF65-F5344CB8AC3E}">
+        <p14:creationId xmlns:p14="http://schemas.microsoft.com/office/powerpoint/2010/main" val="41144073"/>
+      </p:ext>
+    </p:extLst>
+  </p:cSld>
+  <p:clrMapOvr>
+    <a:masterClrMapping/>
+  </p:clrMapOvr>
+</p:sld>
+</file>
+
+<file path=ppt/slides/slide6.xml><?xml version="1.0" encoding="utf-8"?>
+<p:sld xmlns:a="http://schemas.openxmlformats.org/drawingml/2006/main" xmlns:r="http://schemas.openxmlformats.org/officeDocument/2006/relationships" xmlns:p="http://schemas.openxmlformats.org/presentationml/2006/main">
+  <p:cSld>
+    <p:spTree>
+      <p:nvGrpSpPr>
+        <p:cNvPr id="1" name=""/>
+        <p:cNvGrpSpPr/>
+        <p:nvPr/>
+      </p:nvGrpSpPr>
+      <p:grpSpPr>
+        <a:xfrm>
+          <a:off x="0" y="0"/>
+          <a:ext cx="0" cy="0"/>
+          <a:chOff x="0" y="0"/>
+          <a:chExt cx="0" cy="0"/>
+        </a:xfrm>
+      </p:grpSpPr>
+      <p:graphicFrame>
+        <p:nvGraphicFramePr>
+          <p:cNvPr id="3" name="Diagram 2">
+            <a:extLst>
+              <a:ext uri="{FF2B5EF4-FFF2-40B4-BE49-F238E27FC236}">
+                <a16:creationId xmlns:a16="http://schemas.microsoft.com/office/drawing/2014/main" id="{C9970F5D-0A0F-E7B6-3F47-4D2387A9672E}"/>
+              </a:ext>
+            </a:extLst>
+          </p:cNvPr>
+          <p:cNvGraphicFramePr/>
+          <p:nvPr>
+            <p:extLst>
+              <p:ext uri="{D42A27DB-BD31-4B8C-83A1-F6EECF244321}">
+                <p14:modId xmlns:p14="http://schemas.microsoft.com/office/powerpoint/2010/main" val="2076876544"/>
+              </p:ext>
+            </p:extLst>
+          </p:nvPr>
+        </p:nvGraphicFramePr>
+        <p:xfrm>
+          <a:off x="2032000" y="719666"/>
+          <a:ext cx="8128000" cy="5461001"/>
+        </p:xfrm>
+        <a:graphic>
+          <a:graphicData uri="http://schemas.openxmlformats.org/drawingml/2006/diagram">
+            <dgm:relIds xmlns:dgm="http://schemas.openxmlformats.org/drawingml/2006/diagram" xmlns:r="http://schemas.openxmlformats.org/officeDocument/2006/relationships" r:dm="rId2" r:lo="rId3" r:qs="rId4" r:cs="rId5"/>
+          </a:graphicData>
+        </a:graphic>
+      </p:graphicFrame>
+    </p:spTree>
+    <p:extLst>
+      <p:ext uri="{BB962C8B-B14F-4D97-AF65-F5344CB8AC3E}">
+        <p14:creationId xmlns:p14="http://schemas.microsoft.com/office/powerpoint/2010/main" val="3258487924"/>
+      </p:ext>
+    </p:extLst>
+  </p:cSld>
+  <p:clrMapOvr>
+    <a:masterClrMapping/>
+  </p:clrMapOvr>
+</p:sld>
+</file>
+
+<file path=ppt/slides/slide7.xml><?xml version="1.0" encoding="utf-8"?>
+<p:sld xmlns:a="http://schemas.openxmlformats.org/drawingml/2006/main" xmlns:r="http://schemas.openxmlformats.org/officeDocument/2006/relationships" xmlns:p="http://schemas.openxmlformats.org/presentationml/2006/main">
+  <p:cSld>
+    <p:spTree>
+      <p:nvGrpSpPr>
+        <p:cNvPr id="1" name="">
+          <a:extLst>
+            <a:ext uri="{FF2B5EF4-FFF2-40B4-BE49-F238E27FC236}">
+              <a16:creationId xmlns:a16="http://schemas.microsoft.com/office/drawing/2014/main" id="{F12C75F7-74C0-C2E9-0112-1B82B38BDA7D}"/>
+            </a:ext>
+          </a:extLst>
+        </p:cNvPr>
+        <p:cNvGrpSpPr/>
+        <p:nvPr/>
+      </p:nvGrpSpPr>
+      <p:grpSpPr>
+        <a:xfrm>
+          <a:off x="0" y="0"/>
+          <a:ext cx="0" cy="0"/>
+          <a:chOff x="0" y="0"/>
+          <a:chExt cx="0" cy="0"/>
+        </a:xfrm>
+      </p:grpSpPr>
+      <p:sp>
+        <p:nvSpPr>
+          <p:cNvPr id="2" name="Title 1">
+            <a:extLst>
+              <a:ext uri="{FF2B5EF4-FFF2-40B4-BE49-F238E27FC236}">
+                <a16:creationId xmlns:a16="http://schemas.microsoft.com/office/drawing/2014/main" id="{4890DC6E-EFA5-F421-6F2F-0DEA3916B070}"/>
+              </a:ext>
+            </a:extLst>
+          </p:cNvPr>
+          <p:cNvSpPr>
+            <a:spLocks noGrp="1"/>
+          </p:cNvSpPr>
+          <p:nvPr>
+            <p:ph type="title"/>
+          </p:nvPr>
+        </p:nvSpPr>
+        <p:spPr/>
+        <p:txBody>
+          <a:bodyPr/>
+          <a:lstStyle/>
+          <a:p>
+            <a:r>
+              <a:rPr lang="da-DK" dirty="0" err="1"/>
+              <a:t>MsBuild.Sdk.SqlProj</a:t>
+            </a:r>
+            <a:endParaRPr lang="en-DK" dirty="0"/>
+          </a:p>
+        </p:txBody>
+      </p:sp>
+      <p:sp>
+        <p:nvSpPr>
+          <p:cNvPr id="3" name="Content Placeholder 2">
+            <a:extLst>
+              <a:ext uri="{FF2B5EF4-FFF2-40B4-BE49-F238E27FC236}">
+                <a16:creationId xmlns:a16="http://schemas.microsoft.com/office/drawing/2014/main" id="{E37D09FD-2723-D816-2E17-1636C0C5882B}"/>
+              </a:ext>
+            </a:extLst>
+          </p:cNvPr>
+          <p:cNvSpPr>
+            <a:spLocks noGrp="1"/>
+          </p:cNvSpPr>
+          <p:nvPr>
+            <p:ph idx="1"/>
+          </p:nvPr>
+        </p:nvSpPr>
+        <p:spPr/>
+        <p:txBody>
+          <a:bodyPr/>
+          <a:lstStyle/>
+          <a:p>
+            <a:r>
+              <a:rPr lang="da-DK" dirty="0"/>
+              <a:t>SDK for </a:t>
+            </a:r>
+            <a:r>
+              <a:rPr lang="da-DK" dirty="0" err="1"/>
+              <a:t>building</a:t>
+            </a:r>
+            <a:r>
+              <a:rPr lang="da-DK" dirty="0"/>
+              <a:t> .</a:t>
+            </a:r>
+            <a:r>
+              <a:rPr lang="da-DK" dirty="0" err="1"/>
+              <a:t>dacpacs</a:t>
+            </a:r>
+            <a:r>
+              <a:rPr lang="da-DK" dirty="0"/>
+              <a:t> with </a:t>
+            </a:r>
+            <a:r>
+              <a:rPr lang="da-DK" dirty="0" err="1"/>
+              <a:t>full</a:t>
+            </a:r>
+            <a:r>
+              <a:rPr lang="da-DK" dirty="0"/>
+              <a:t> </a:t>
+            </a:r>
+            <a:r>
+              <a:rPr lang="da-DK" dirty="0" err="1"/>
+              <a:t>NuGet</a:t>
+            </a:r>
+            <a:r>
+              <a:rPr lang="da-DK" dirty="0"/>
+              <a:t> support</a:t>
+            </a:r>
+          </a:p>
+          <a:p>
+            <a:r>
+              <a:rPr lang="da-DK" dirty="0" err="1"/>
+              <a:t>NuGet</a:t>
+            </a:r>
+            <a:r>
+              <a:rPr lang="da-DK" dirty="0"/>
+              <a:t>: Reference </a:t>
+            </a:r>
+            <a:r>
+              <a:rPr lang="da-DK" dirty="0" err="1"/>
+              <a:t>other</a:t>
+            </a:r>
+            <a:r>
+              <a:rPr lang="da-DK" dirty="0"/>
+              <a:t> .</a:t>
+            </a:r>
+            <a:r>
+              <a:rPr lang="da-DK" dirty="0" err="1"/>
+              <a:t>dacpac</a:t>
+            </a:r>
+            <a:endParaRPr lang="da-DK" dirty="0"/>
+          </a:p>
+          <a:p>
+            <a:r>
+              <a:rPr lang="da-DK" dirty="0" err="1"/>
+              <a:t>NuGet</a:t>
+            </a:r>
+            <a:r>
+              <a:rPr lang="da-DK" dirty="0"/>
+              <a:t>: Reference </a:t>
+            </a:r>
+            <a:r>
+              <a:rPr lang="da-DK" dirty="0" err="1"/>
+              <a:t>analyzer</a:t>
+            </a:r>
+            <a:r>
+              <a:rPr lang="da-DK" dirty="0"/>
+              <a:t> </a:t>
+            </a:r>
+            <a:r>
+              <a:rPr lang="da-DK" dirty="0" err="1"/>
+              <a:t>rules</a:t>
+            </a:r>
+            <a:endParaRPr lang="da-DK" dirty="0"/>
+          </a:p>
+          <a:p>
+            <a:endParaRPr lang="da-DK" dirty="0"/>
+          </a:p>
+          <a:p>
+            <a:pPr marL="0" indent="0">
+              <a:buNone/>
+            </a:pPr>
+            <a:r>
+              <a:rPr lang="da-DK" sz="2400" dirty="0">
+                <a:latin typeface="Cascadia Code" panose="020B0609020000020004" pitchFamily="49" charset="0"/>
+                <a:cs typeface="Cascadia Code" panose="020B0609020000020004" pitchFamily="49" charset="0"/>
+              </a:rPr>
+              <a:t>&lt;</a:t>
+            </a:r>
+            <a:r>
+              <a:rPr lang="da-DK" sz="2400" dirty="0" err="1">
+                <a:latin typeface="Cascadia Code" panose="020B0609020000020004" pitchFamily="49" charset="0"/>
+                <a:cs typeface="Cascadia Code" panose="020B0609020000020004" pitchFamily="49" charset="0"/>
+              </a:rPr>
+              <a:t>Sdk</a:t>
+            </a:r>
+            <a:r>
+              <a:rPr lang="da-DK" sz="2400" dirty="0">
+                <a:latin typeface="Cascadia Code" panose="020B0609020000020004" pitchFamily="49" charset="0"/>
+                <a:cs typeface="Cascadia Code" panose="020B0609020000020004" pitchFamily="49" charset="0"/>
+              </a:rPr>
+              <a:t> </a:t>
+            </a:r>
+            <a:r>
+              <a:rPr lang="da-DK" sz="2400" dirty="0" err="1">
+                <a:latin typeface="Cascadia Code" panose="020B0609020000020004" pitchFamily="49" charset="0"/>
+                <a:cs typeface="Cascadia Code" panose="020B0609020000020004" pitchFamily="49" charset="0"/>
+              </a:rPr>
+              <a:t>Name</a:t>
+            </a:r>
+            <a:r>
+              <a:rPr lang="da-DK" sz="2400" dirty="0">
+                <a:latin typeface="Cascadia Code" panose="020B0609020000020004" pitchFamily="49" charset="0"/>
+                <a:cs typeface="Cascadia Code" panose="020B0609020000020004" pitchFamily="49" charset="0"/>
+              </a:rPr>
+              <a:t>="</a:t>
+            </a:r>
+            <a:r>
+              <a:rPr lang="da-DK" sz="2400" dirty="0" err="1">
+                <a:latin typeface="Cascadia Code" panose="020B0609020000020004" pitchFamily="49" charset="0"/>
+                <a:cs typeface="Cascadia Code" panose="020B0609020000020004" pitchFamily="49" charset="0"/>
+              </a:rPr>
+              <a:t>MSBuild.Sdk.SqlProj</a:t>
+            </a:r>
+            <a:r>
+              <a:rPr lang="da-DK" sz="2400" dirty="0">
+                <a:latin typeface="Cascadia Code" panose="020B0609020000020004" pitchFamily="49" charset="0"/>
+                <a:cs typeface="Cascadia Code" panose="020B0609020000020004" pitchFamily="49" charset="0"/>
+              </a:rPr>
+              <a:t>" Version="3.1.3" /&gt;</a:t>
+            </a:r>
+          </a:p>
+          <a:p>
+            <a:endParaRPr lang="da-DK" dirty="0"/>
+          </a:p>
+          <a:p>
+            <a:r>
+              <a:rPr lang="da-DK" dirty="0"/>
+              <a:t>Microsoft </a:t>
+            </a:r>
+            <a:r>
+              <a:rPr lang="da-DK" dirty="0" err="1"/>
+              <a:t>provided</a:t>
+            </a:r>
+            <a:r>
+              <a:rPr lang="da-DK" dirty="0"/>
+              <a:t> alternative (</a:t>
+            </a:r>
+            <a:r>
+              <a:rPr lang="da-DK" dirty="0" err="1"/>
+              <a:t>less</a:t>
+            </a:r>
+            <a:r>
+              <a:rPr lang="da-DK" dirty="0"/>
+              <a:t> features): </a:t>
+            </a:r>
+            <a:br>
+              <a:rPr lang="da-DK" dirty="0"/>
+            </a:br>
+            <a:r>
+              <a:rPr lang="da-DK" dirty="0"/>
+              <a:t>	</a:t>
+            </a:r>
+            <a:r>
+              <a:rPr lang="da-DK" dirty="0" err="1"/>
+              <a:t>Microsoft.Build.Sql</a:t>
+            </a:r>
+            <a:endParaRPr lang="da-DK" dirty="0"/>
+          </a:p>
+          <a:p>
+            <a:endParaRPr lang="en-DK" dirty="0"/>
+          </a:p>
+        </p:txBody>
+      </p:sp>
+    </p:spTree>
+    <p:extLst>
+      <p:ext uri="{BB962C8B-B14F-4D97-AF65-F5344CB8AC3E}">
+        <p14:creationId xmlns:p14="http://schemas.microsoft.com/office/powerpoint/2010/main" val="2361240370"/>
+      </p:ext>
+    </p:extLst>
+  </p:cSld>
+  <p:clrMapOvr>
+    <a:masterClrMapping/>
+  </p:clrMapOvr>
+</p:sld>
+</file>
+
+<file path=ppt/slides/slide8.xml><?xml version="1.0" encoding="utf-8"?>
+<p:sld xmlns:a="http://schemas.openxmlformats.org/drawingml/2006/main" xmlns:r="http://schemas.openxmlformats.org/officeDocument/2006/relationships" xmlns:p="http://schemas.openxmlformats.org/presentationml/2006/main">
+  <p:cSld>
+    <p:spTree>
+      <p:nvGrpSpPr>
+        <p:cNvPr id="1" name=""/>
+        <p:cNvGrpSpPr/>
+        <p:nvPr/>
+      </p:nvGrpSpPr>
+      <p:grpSpPr>
+        <a:xfrm>
+          <a:off x="0" y="0"/>
+          <a:ext cx="0" cy="0"/>
+          <a:chOff x="0" y="0"/>
+          <a:chExt cx="0" cy="0"/>
+        </a:xfrm>
+      </p:grpSpPr>
+      <p:sp>
+        <p:nvSpPr>
+          <p:cNvPr id="2" name="Title 1">
+            <a:extLst>
+              <a:ext uri="{FF2B5EF4-FFF2-40B4-BE49-F238E27FC236}">
+                <a16:creationId xmlns:a16="http://schemas.microsoft.com/office/drawing/2014/main" id="{E576E956-7546-7FA3-521F-1A8978B8B795}"/>
+              </a:ext>
+            </a:extLst>
+          </p:cNvPr>
+          <p:cNvSpPr>
+            <a:spLocks noGrp="1"/>
+          </p:cNvSpPr>
+          <p:nvPr>
+            <p:ph type="title"/>
+          </p:nvPr>
+        </p:nvSpPr>
+        <p:spPr/>
+        <p:txBody>
+          <a:bodyPr/>
+          <a:lstStyle/>
+          <a:p>
+            <a:r>
+              <a:rPr lang="da-DK" dirty="0" err="1"/>
+              <a:t>MsBuild.Sdk.SqlProj.Templates</a:t>
+            </a:r>
+            <a:endParaRPr lang="en-DK" dirty="0"/>
+          </a:p>
+        </p:txBody>
+      </p:sp>
+      <p:sp>
+        <p:nvSpPr>
+          <p:cNvPr id="3" name="Content Placeholder 2">
+            <a:extLst>
+              <a:ext uri="{FF2B5EF4-FFF2-40B4-BE49-F238E27FC236}">
+                <a16:creationId xmlns:a16="http://schemas.microsoft.com/office/drawing/2014/main" id="{25B4652E-0740-8C38-882C-5B598A27D1C8}"/>
+              </a:ext>
+            </a:extLst>
+          </p:cNvPr>
+          <p:cNvSpPr>
+            <a:spLocks noGrp="1"/>
+          </p:cNvSpPr>
+          <p:nvPr>
+            <p:ph idx="1"/>
+          </p:nvPr>
+        </p:nvSpPr>
+        <p:spPr/>
+        <p:txBody>
+          <a:bodyPr/>
+          <a:lstStyle/>
+          <a:p>
+            <a:r>
+              <a:rPr lang="da-DK" dirty="0"/>
+              <a:t>Project and item template for </a:t>
+            </a:r>
+            <a:r>
+              <a:rPr lang="da-DK" dirty="0" err="1"/>
+              <a:t>MsBuild.Sdk.SqlProj</a:t>
+            </a:r>
+            <a:r>
+              <a:rPr lang="da-DK" dirty="0"/>
+              <a:t> </a:t>
+            </a:r>
+            <a:r>
+              <a:rPr lang="da-DK" dirty="0" err="1"/>
+              <a:t>projects</a:t>
+            </a:r>
+            <a:endParaRPr lang="da-DK" dirty="0"/>
+          </a:p>
+          <a:p>
+            <a:pPr marL="0" indent="0">
+              <a:buNone/>
+            </a:pPr>
+            <a:endParaRPr lang="da-DK" dirty="0"/>
+          </a:p>
+          <a:p>
+            <a:pPr marL="0" indent="0">
+              <a:buNone/>
+            </a:pPr>
+            <a:r>
+              <a:rPr lang="da-DK" dirty="0" err="1">
+                <a:latin typeface="Cascadia Code" panose="020B0609020000020004" pitchFamily="49" charset="0"/>
+                <a:cs typeface="Cascadia Code" panose="020B0609020000020004" pitchFamily="49" charset="0"/>
+              </a:rPr>
+              <a:t>dotnet</a:t>
+            </a:r>
+            <a:r>
+              <a:rPr lang="da-DK" dirty="0">
+                <a:latin typeface="Cascadia Code" panose="020B0609020000020004" pitchFamily="49" charset="0"/>
+                <a:cs typeface="Cascadia Code" panose="020B0609020000020004" pitchFamily="49" charset="0"/>
+              </a:rPr>
+              <a:t> new </a:t>
+            </a:r>
+            <a:r>
+              <a:rPr lang="da-DK" dirty="0" err="1">
+                <a:latin typeface="Cascadia Code" panose="020B0609020000020004" pitchFamily="49" charset="0"/>
+                <a:cs typeface="Cascadia Code" panose="020B0609020000020004" pitchFamily="49" charset="0"/>
+              </a:rPr>
+              <a:t>install</a:t>
+            </a:r>
+            <a:r>
+              <a:rPr lang="da-DK" dirty="0">
+                <a:latin typeface="Cascadia Code" panose="020B0609020000020004" pitchFamily="49" charset="0"/>
+                <a:cs typeface="Cascadia Code" panose="020B0609020000020004" pitchFamily="49" charset="0"/>
+              </a:rPr>
+              <a:t> </a:t>
+            </a:r>
+            <a:r>
+              <a:rPr lang="da-DK" dirty="0" err="1">
+                <a:latin typeface="Cascadia Code" panose="020B0609020000020004" pitchFamily="49" charset="0"/>
+                <a:cs typeface="Cascadia Code" panose="020B0609020000020004" pitchFamily="49" charset="0"/>
+              </a:rPr>
+              <a:t>MSBuild.Sdk.SqlProj.Templates</a:t>
+            </a:r>
+            <a:endParaRPr lang="da-DK" dirty="0">
+              <a:latin typeface="Cascadia Code" panose="020B0609020000020004" pitchFamily="49" charset="0"/>
+              <a:cs typeface="Cascadia Code" panose="020B0609020000020004" pitchFamily="49" charset="0"/>
+            </a:endParaRPr>
+          </a:p>
+          <a:p>
+            <a:endParaRPr lang="en-DK" dirty="0"/>
+          </a:p>
+        </p:txBody>
+      </p:sp>
+    </p:spTree>
+    <p:extLst>
+      <p:ext uri="{BB962C8B-B14F-4D97-AF65-F5344CB8AC3E}">
+        <p14:creationId xmlns:p14="http://schemas.microsoft.com/office/powerpoint/2010/main" val="1427172115"/>
+      </p:ext>
+    </p:extLst>
+  </p:cSld>
+  <p:clrMapOvr>
+    <a:masterClrMapping/>
+  </p:clrMapOvr>
+</p:sld>
+</file>
+
+<file path=ppt/slides/slide9.xml><?xml version="1.0" encoding="utf-8"?>
+<p:sld xmlns:a="http://schemas.openxmlformats.org/drawingml/2006/main" xmlns:r="http://schemas.openxmlformats.org/officeDocument/2006/relationships" xmlns:p="http://schemas.openxmlformats.org/presentationml/2006/main">
+  <p:cSld>
+    <p:spTree>
+      <p:nvGrpSpPr>
+        <p:cNvPr id="1" name="">
+          <a:extLst>
+            <a:ext uri="{FF2B5EF4-FFF2-40B4-BE49-F238E27FC236}">
+              <a16:creationId xmlns:a16="http://schemas.microsoft.com/office/drawing/2014/main" id="{D730723D-7938-667F-2509-F876A4DCDD33}"/>
+            </a:ext>
+          </a:extLst>
+        </p:cNvPr>
+        <p:cNvGrpSpPr/>
+        <p:nvPr/>
+      </p:nvGrpSpPr>
+      <p:grpSpPr>
+        <a:xfrm>
+          <a:off x="0" y="0"/>
+          <a:ext cx="0" cy="0"/>
+          <a:chOff x="0" y="0"/>
+          <a:chExt cx="0" cy="0"/>
+        </a:xfrm>
+      </p:grpSpPr>
+      <p:sp>
+        <p:nvSpPr>
+          <p:cNvPr id="2" name="Title 1">
+            <a:extLst>
+              <a:ext uri="{FF2B5EF4-FFF2-40B4-BE49-F238E27FC236}">
+                <a16:creationId xmlns:a16="http://schemas.microsoft.com/office/drawing/2014/main" id="{25B6B18F-F79B-5A35-8FD4-791DB8859712}"/>
+              </a:ext>
+            </a:extLst>
+          </p:cNvPr>
+          <p:cNvSpPr>
+            <a:spLocks noGrp="1"/>
+          </p:cNvSpPr>
+          <p:nvPr>
+            <p:ph type="title"/>
+          </p:nvPr>
+        </p:nvSpPr>
+        <p:spPr/>
+        <p:txBody>
+          <a:bodyPr/>
+          <a:lstStyle/>
+          <a:p>
+            <a:r>
+              <a:rPr lang="da-DK" dirty="0" err="1"/>
+              <a:t>MSBuild.Sdk.SqlProj.Aspire</a:t>
+            </a:r>
+            <a:endParaRPr lang="en-DK" dirty="0"/>
+          </a:p>
+        </p:txBody>
+      </p:sp>
+      <p:sp>
+        <p:nvSpPr>
+          <p:cNvPr id="3" name="Content Placeholder 2">
+            <a:extLst>
+              <a:ext uri="{FF2B5EF4-FFF2-40B4-BE49-F238E27FC236}">
+                <a16:creationId xmlns:a16="http://schemas.microsoft.com/office/drawing/2014/main" id="{A9B3CE24-0012-934B-9AE5-80D6EA38A52A}"/>
+              </a:ext>
+            </a:extLst>
+          </p:cNvPr>
+          <p:cNvSpPr>
+            <a:spLocks noGrp="1"/>
+          </p:cNvSpPr>
+          <p:nvPr>
+            <p:ph idx="1"/>
+          </p:nvPr>
+        </p:nvSpPr>
+        <p:spPr/>
+        <p:txBody>
+          <a:bodyPr/>
+          <a:lstStyle/>
+          <a:p>
+            <a:r>
+              <a:rPr lang="da-DK" dirty="0"/>
+              <a:t>Host integration for .NET </a:t>
+            </a:r>
+            <a:r>
+              <a:rPr lang="da-DK" dirty="0" err="1"/>
+              <a:t>Aspire</a:t>
+            </a:r>
+            <a:r>
+              <a:rPr lang="da-DK" dirty="0"/>
+              <a:t> SQL Database </a:t>
+            </a:r>
+            <a:r>
+              <a:rPr lang="da-DK" dirty="0" err="1"/>
+              <a:t>project</a:t>
+            </a:r>
+            <a:r>
+              <a:rPr lang="da-DK" dirty="0"/>
+              <a:t> </a:t>
+            </a:r>
+            <a:r>
+              <a:rPr lang="da-DK" dirty="0" err="1"/>
+              <a:t>deployment</a:t>
+            </a:r>
+            <a:endParaRPr lang="da-DK" dirty="0"/>
+          </a:p>
+          <a:p>
+            <a:pPr marL="0" indent="0">
+              <a:buNone/>
+            </a:pPr>
+            <a:endParaRPr lang="da-DK" dirty="0"/>
+          </a:p>
+          <a:p>
+            <a:pPr marL="0" indent="0">
+              <a:buNone/>
+            </a:pPr>
+            <a:r>
+              <a:rPr lang="da-DK" dirty="0" err="1">
+                <a:latin typeface="Cascadia Code" panose="020B0609020000020004" pitchFamily="49" charset="0"/>
+                <a:cs typeface="Cascadia Code" panose="020B0609020000020004" pitchFamily="49" charset="0"/>
+              </a:rPr>
+              <a:t>dotnet</a:t>
+            </a:r>
+            <a:r>
+              <a:rPr lang="da-DK" dirty="0">
+                <a:latin typeface="Cascadia Code" panose="020B0609020000020004" pitchFamily="49" charset="0"/>
+                <a:cs typeface="Cascadia Code" panose="020B0609020000020004" pitchFamily="49" charset="0"/>
+              </a:rPr>
+              <a:t> </a:t>
+            </a:r>
+            <a:r>
+              <a:rPr lang="da-DK" dirty="0" err="1">
+                <a:latin typeface="Cascadia Code" panose="020B0609020000020004" pitchFamily="49" charset="0"/>
+                <a:cs typeface="Cascadia Code" panose="020B0609020000020004" pitchFamily="49" charset="0"/>
+              </a:rPr>
+              <a:t>add</a:t>
+            </a:r>
+            <a:r>
+              <a:rPr lang="da-DK" dirty="0">
+                <a:latin typeface="Cascadia Code" panose="020B0609020000020004" pitchFamily="49" charset="0"/>
+                <a:cs typeface="Cascadia Code" panose="020B0609020000020004" pitchFamily="49" charset="0"/>
+              </a:rPr>
+              <a:t> </a:t>
+            </a:r>
+            <a:r>
+              <a:rPr lang="da-DK" dirty="0" err="1">
+                <a:latin typeface="Cascadia Code" panose="020B0609020000020004" pitchFamily="49" charset="0"/>
+                <a:cs typeface="Cascadia Code" panose="020B0609020000020004" pitchFamily="49" charset="0"/>
+              </a:rPr>
+              <a:t>package</a:t>
+            </a:r>
+            <a:r>
+              <a:rPr lang="da-DK" dirty="0">
+                <a:latin typeface="Cascadia Code" panose="020B0609020000020004" pitchFamily="49" charset="0"/>
+                <a:cs typeface="Cascadia Code" panose="020B0609020000020004" pitchFamily="49" charset="0"/>
+              </a:rPr>
+              <a:t> </a:t>
+            </a:r>
+            <a:r>
+              <a:rPr lang="da-DK" dirty="0" err="1">
+                <a:latin typeface="Cascadia Code" panose="020B0609020000020004" pitchFamily="49" charset="0"/>
+                <a:cs typeface="Cascadia Code" panose="020B0609020000020004" pitchFamily="49" charset="0"/>
+              </a:rPr>
+              <a:t>MSBuild.Sdk.SqlProj.Aspire</a:t>
+            </a:r>
+            <a:endParaRPr lang="en-DK" dirty="0"/>
+          </a:p>
+        </p:txBody>
+      </p:sp>
+    </p:spTree>
+    <p:extLst>
+      <p:ext uri="{BB962C8B-B14F-4D97-AF65-F5344CB8AC3E}">
+        <p14:creationId xmlns:p14="http://schemas.microsoft.com/office/powerpoint/2010/main" val="1547111544"/>
       </p:ext>
     </p:extLst>
   </p:cSld>

--- a/T-SQL Code analysis.pptx
+++ b/T-SQL Code analysis.pptx
@@ -11,23 +11,24 @@
     <p:sldId id="280" r:id="rId5"/>
     <p:sldId id="264" r:id="rId6"/>
     <p:sldId id="285" r:id="rId7"/>
-    <p:sldId id="288" r:id="rId8"/>
-    <p:sldId id="287" r:id="rId9"/>
-    <p:sldId id="289" r:id="rId10"/>
-    <p:sldId id="291" r:id="rId11"/>
-    <p:sldId id="290" r:id="rId12"/>
-    <p:sldId id="292" r:id="rId13"/>
-    <p:sldId id="293" r:id="rId14"/>
-    <p:sldId id="266" r:id="rId15"/>
-    <p:sldId id="257" r:id="rId16"/>
-    <p:sldId id="284" r:id="rId17"/>
-    <p:sldId id="286" r:id="rId18"/>
-    <p:sldId id="283" r:id="rId19"/>
-    <p:sldId id="256" r:id="rId20"/>
-    <p:sldId id="258" r:id="rId21"/>
-    <p:sldId id="267" r:id="rId22"/>
-    <p:sldId id="275" r:id="rId23"/>
-    <p:sldId id="279" r:id="rId24"/>
+    <p:sldId id="287" r:id="rId8"/>
+    <p:sldId id="288" r:id="rId9"/>
+    <p:sldId id="291" r:id="rId10"/>
+    <p:sldId id="290" r:id="rId11"/>
+    <p:sldId id="292" r:id="rId12"/>
+    <p:sldId id="293" r:id="rId13"/>
+    <p:sldId id="289" r:id="rId14"/>
+    <p:sldId id="294" r:id="rId15"/>
+    <p:sldId id="266" r:id="rId16"/>
+    <p:sldId id="257" r:id="rId17"/>
+    <p:sldId id="284" r:id="rId18"/>
+    <p:sldId id="286" r:id="rId19"/>
+    <p:sldId id="283" r:id="rId20"/>
+    <p:sldId id="256" r:id="rId21"/>
+    <p:sldId id="258" r:id="rId22"/>
+    <p:sldId id="267" r:id="rId23"/>
+    <p:sldId id="275" r:id="rId24"/>
+    <p:sldId id="279" r:id="rId25"/>
   </p:sldIdLst>
   <p:sldSz cx="12192000" cy="6858000"/>
   <p:notesSz cx="6858000" cy="9144000"/>
@@ -13141,7 +13142,7 @@
           <a:p>
             <a:fld id="{100FD589-5CEC-4C5D-B34D-E6C06527026F}" type="datetimeFigureOut">
               <a:rPr lang="da-DK" smtClean="0"/>
-              <a:t>02-08-2025</a:t>
+              <a:t>04-08-2025</a:t>
             </a:fld>
             <a:endParaRPr lang="da-DK"/>
           </a:p>
@@ -13341,7 +13342,7 @@
           <a:p>
             <a:fld id="{100FD589-5CEC-4C5D-B34D-E6C06527026F}" type="datetimeFigureOut">
               <a:rPr lang="da-DK" smtClean="0"/>
-              <a:t>02-08-2025</a:t>
+              <a:t>04-08-2025</a:t>
             </a:fld>
             <a:endParaRPr lang="da-DK"/>
           </a:p>
@@ -13551,7 +13552,7 @@
           <a:p>
             <a:fld id="{100FD589-5CEC-4C5D-B34D-E6C06527026F}" type="datetimeFigureOut">
               <a:rPr lang="da-DK" smtClean="0"/>
-              <a:t>02-08-2025</a:t>
+              <a:t>04-08-2025</a:t>
             </a:fld>
             <a:endParaRPr lang="da-DK"/>
           </a:p>
@@ -13751,7 +13752,7 @@
           <a:p>
             <a:fld id="{100FD589-5CEC-4C5D-B34D-E6C06527026F}" type="datetimeFigureOut">
               <a:rPr lang="da-DK" smtClean="0"/>
-              <a:t>02-08-2025</a:t>
+              <a:t>04-08-2025</a:t>
             </a:fld>
             <a:endParaRPr lang="da-DK"/>
           </a:p>
@@ -14027,7 +14028,7 @@
           <a:p>
             <a:fld id="{100FD589-5CEC-4C5D-B34D-E6C06527026F}" type="datetimeFigureOut">
               <a:rPr lang="da-DK" smtClean="0"/>
-              <a:t>02-08-2025</a:t>
+              <a:t>04-08-2025</a:t>
             </a:fld>
             <a:endParaRPr lang="da-DK"/>
           </a:p>
@@ -14295,7 +14296,7 @@
           <a:p>
             <a:fld id="{100FD589-5CEC-4C5D-B34D-E6C06527026F}" type="datetimeFigureOut">
               <a:rPr lang="da-DK" smtClean="0"/>
-              <a:t>02-08-2025</a:t>
+              <a:t>04-08-2025</a:t>
             </a:fld>
             <a:endParaRPr lang="da-DK"/>
           </a:p>
@@ -14710,7 +14711,7 @@
           <a:p>
             <a:fld id="{100FD589-5CEC-4C5D-B34D-E6C06527026F}" type="datetimeFigureOut">
               <a:rPr lang="da-DK" smtClean="0"/>
-              <a:t>02-08-2025</a:t>
+              <a:t>04-08-2025</a:t>
             </a:fld>
             <a:endParaRPr lang="da-DK"/>
           </a:p>
@@ -14852,7 +14853,7 @@
           <a:p>
             <a:fld id="{100FD589-5CEC-4C5D-B34D-E6C06527026F}" type="datetimeFigureOut">
               <a:rPr lang="da-DK" smtClean="0"/>
-              <a:t>02-08-2025</a:t>
+              <a:t>04-08-2025</a:t>
             </a:fld>
             <a:endParaRPr lang="da-DK"/>
           </a:p>
@@ -14965,7 +14966,7 @@
           <a:p>
             <a:fld id="{100FD589-5CEC-4C5D-B34D-E6C06527026F}" type="datetimeFigureOut">
               <a:rPr lang="da-DK" smtClean="0"/>
-              <a:t>02-08-2025</a:t>
+              <a:t>04-08-2025</a:t>
             </a:fld>
             <a:endParaRPr lang="da-DK"/>
           </a:p>
@@ -15278,7 +15279,7 @@
           <a:p>
             <a:fld id="{100FD589-5CEC-4C5D-B34D-E6C06527026F}" type="datetimeFigureOut">
               <a:rPr lang="da-DK" smtClean="0"/>
-              <a:t>02-08-2025</a:t>
+              <a:t>04-08-2025</a:t>
             </a:fld>
             <a:endParaRPr lang="da-DK"/>
           </a:p>
@@ -15567,7 +15568,7 @@
           <a:p>
             <a:fld id="{100FD589-5CEC-4C5D-B34D-E6C06527026F}" type="datetimeFigureOut">
               <a:rPr lang="da-DK" smtClean="0"/>
-              <a:t>02-08-2025</a:t>
+              <a:t>04-08-2025</a:t>
             </a:fld>
             <a:endParaRPr lang="da-DK"/>
           </a:p>
@@ -15810,7 +15811,7 @@
           <a:p>
             <a:fld id="{100FD589-5CEC-4C5D-B34D-E6C06527026F}" type="datetimeFigureOut">
               <a:rPr lang="da-DK" smtClean="0"/>
-              <a:t>02-08-2025</a:t>
+              <a:t>04-08-2025</a:t>
             </a:fld>
             <a:endParaRPr lang="da-DK"/>
           </a:p>
@@ -16251,20 +16252,8 @@
           <a:lstStyle/>
           <a:p>
             <a:r>
-              <a:rPr lang="da-DK" dirty="0" err="1"/>
-              <a:t>Modern</a:t>
-            </a:r>
-            <a:r>
-              <a:rPr lang="da-DK" dirty="0"/>
-              <a:t> </a:t>
-            </a:r>
-            <a:r>
-              <a:rPr lang="da-DK" dirty="0" err="1"/>
-              <a:t>development</a:t>
-            </a:r>
-            <a:r>
-              <a:rPr lang="da-DK" dirty="0"/>
-              <a:t> with SQL Server</a:t>
+              <a:rPr lang="en-US" noProof="0" dirty="0"/>
+              <a:t>Modern .NET development with SQL Server</a:t>
             </a:r>
           </a:p>
         </p:txBody>
@@ -16291,7 +16280,7 @@
           <a:lstStyle/>
           <a:p>
             <a:r>
-              <a:rPr lang="da-DK" dirty="0"/>
+              <a:rPr lang="en-US" noProof="0" dirty="0"/>
               <a:t>@ErikEJ</a:t>
             </a:r>
           </a:p>
@@ -16311,217 +16300,6 @@
 </file>
 
 <file path=ppt/slides/slide10.xml><?xml version="1.0" encoding="utf-8"?>
-<p:sld xmlns:a="http://schemas.openxmlformats.org/drawingml/2006/main" xmlns:r="http://schemas.openxmlformats.org/officeDocument/2006/relationships" xmlns:p="http://schemas.openxmlformats.org/presentationml/2006/main">
-  <p:cSld>
-    <p:spTree>
-      <p:nvGrpSpPr>
-        <p:cNvPr id="1" name="">
-          <a:extLst>
-            <a:ext uri="{FF2B5EF4-FFF2-40B4-BE49-F238E27FC236}">
-              <a16:creationId xmlns:a16="http://schemas.microsoft.com/office/drawing/2014/main" id="{6CD2D0EA-9571-6638-63EE-9C6A1B3E3A52}"/>
-            </a:ext>
-          </a:extLst>
-        </p:cNvPr>
-        <p:cNvGrpSpPr/>
-        <p:nvPr/>
-      </p:nvGrpSpPr>
-      <p:grpSpPr>
-        <a:xfrm>
-          <a:off x="0" y="0"/>
-          <a:ext cx="0" cy="0"/>
-          <a:chOff x="0" y="0"/>
-          <a:chExt cx="0" cy="0"/>
-        </a:xfrm>
-      </p:grpSpPr>
-      <p:sp>
-        <p:nvSpPr>
-          <p:cNvPr id="2" name="Title 1">
-            <a:extLst>
-              <a:ext uri="{FF2B5EF4-FFF2-40B4-BE49-F238E27FC236}">
-                <a16:creationId xmlns:a16="http://schemas.microsoft.com/office/drawing/2014/main" id="{AAF77172-1038-6046-9795-E9A3A2604BC6}"/>
-              </a:ext>
-            </a:extLst>
-          </p:cNvPr>
-          <p:cNvSpPr>
-            <a:spLocks noGrp="1"/>
-          </p:cNvSpPr>
-          <p:nvPr>
-            <p:ph type="title"/>
-          </p:nvPr>
-        </p:nvSpPr>
-        <p:spPr/>
-        <p:txBody>
-          <a:bodyPr/>
-          <a:lstStyle/>
-          <a:p>
-            <a:r>
-              <a:rPr lang="da-DK" dirty="0" err="1"/>
-              <a:t>ErikEJ.DacFX.SqlServer.Rules</a:t>
-            </a:r>
-            <a:endParaRPr lang="en-DK" dirty="0"/>
-          </a:p>
-        </p:txBody>
-      </p:sp>
-      <p:sp>
-        <p:nvSpPr>
-          <p:cNvPr id="3" name="Content Placeholder 2">
-            <a:extLst>
-              <a:ext uri="{FF2B5EF4-FFF2-40B4-BE49-F238E27FC236}">
-                <a16:creationId xmlns:a16="http://schemas.microsoft.com/office/drawing/2014/main" id="{B8276A9B-29EB-222D-DB62-E5EDE957809A}"/>
-              </a:ext>
-            </a:extLst>
-          </p:cNvPr>
-          <p:cNvSpPr>
-            <a:spLocks noGrp="1"/>
-          </p:cNvSpPr>
-          <p:nvPr>
-            <p:ph idx="1"/>
-          </p:nvPr>
-        </p:nvSpPr>
-        <p:spPr/>
-        <p:txBody>
-          <a:bodyPr/>
-          <a:lstStyle/>
-          <a:p>
-            <a:r>
-              <a:rPr lang="da-DK" dirty="0" err="1"/>
-              <a:t>Rule</a:t>
-            </a:r>
-            <a:r>
-              <a:rPr lang="da-DK" dirty="0"/>
-              <a:t> sets with 140 </a:t>
-            </a:r>
-            <a:r>
-              <a:rPr lang="da-DK" dirty="0" err="1"/>
-              <a:t>rules</a:t>
-            </a:r>
-            <a:r>
-              <a:rPr lang="da-DK" dirty="0"/>
-              <a:t> for </a:t>
-            </a:r>
-            <a:r>
-              <a:rPr lang="da-DK" dirty="0" err="1"/>
-              <a:t>inclusion</a:t>
-            </a:r>
-            <a:r>
-              <a:rPr lang="da-DK" dirty="0"/>
-              <a:t> in SQL Database </a:t>
-            </a:r>
-            <a:r>
-              <a:rPr lang="da-DK" dirty="0" err="1"/>
-              <a:t>project</a:t>
-            </a:r>
-            <a:endParaRPr lang="da-DK" dirty="0"/>
-          </a:p>
-          <a:p>
-            <a:pPr marL="0" indent="0">
-              <a:buNone/>
-            </a:pPr>
-            <a:endParaRPr lang="da-DK" dirty="0"/>
-          </a:p>
-          <a:p>
-            <a:pPr marL="0" indent="0">
-              <a:buNone/>
-            </a:pPr>
-            <a:r>
-              <a:rPr lang="da-DK" dirty="0" err="1">
-                <a:latin typeface="Cascadia Code" panose="020B0609020000020004" pitchFamily="49" charset="0"/>
-                <a:cs typeface="Cascadia Code" panose="020B0609020000020004" pitchFamily="49" charset="0"/>
-              </a:rPr>
-              <a:t>dotnet</a:t>
-            </a:r>
-            <a:r>
-              <a:rPr lang="da-DK" dirty="0">
-                <a:latin typeface="Cascadia Code" panose="020B0609020000020004" pitchFamily="49" charset="0"/>
-                <a:cs typeface="Cascadia Code" panose="020B0609020000020004" pitchFamily="49" charset="0"/>
-              </a:rPr>
-              <a:t> </a:t>
-            </a:r>
-            <a:r>
-              <a:rPr lang="da-DK" dirty="0" err="1">
-                <a:latin typeface="Cascadia Code" panose="020B0609020000020004" pitchFamily="49" charset="0"/>
-                <a:cs typeface="Cascadia Code" panose="020B0609020000020004" pitchFamily="49" charset="0"/>
-              </a:rPr>
-              <a:t>add</a:t>
-            </a:r>
-            <a:r>
-              <a:rPr lang="da-DK" dirty="0">
-                <a:latin typeface="Cascadia Code" panose="020B0609020000020004" pitchFamily="49" charset="0"/>
-                <a:cs typeface="Cascadia Code" panose="020B0609020000020004" pitchFamily="49" charset="0"/>
-              </a:rPr>
-              <a:t> </a:t>
-            </a:r>
-            <a:r>
-              <a:rPr lang="da-DK" dirty="0" err="1">
-                <a:latin typeface="Cascadia Code" panose="020B0609020000020004" pitchFamily="49" charset="0"/>
-                <a:cs typeface="Cascadia Code" panose="020B0609020000020004" pitchFamily="49" charset="0"/>
-              </a:rPr>
-              <a:t>package</a:t>
-            </a:r>
-            <a:r>
-              <a:rPr lang="da-DK" dirty="0">
-                <a:latin typeface="Cascadia Code" panose="020B0609020000020004" pitchFamily="49" charset="0"/>
-                <a:cs typeface="Cascadia Code" panose="020B0609020000020004" pitchFamily="49" charset="0"/>
-              </a:rPr>
-              <a:t> </a:t>
-            </a:r>
-            <a:r>
-              <a:rPr lang="da-DK" dirty="0" err="1">
-                <a:latin typeface="Cascadia Code" panose="020B0609020000020004" pitchFamily="49" charset="0"/>
-                <a:cs typeface="Cascadia Code" panose="020B0609020000020004" pitchFamily="49" charset="0"/>
-              </a:rPr>
-              <a:t>ErikEJ.DacFX.SqlServer.Rules</a:t>
-            </a:r>
-            <a:endParaRPr lang="da-DK" dirty="0">
-              <a:latin typeface="Cascadia Code" panose="020B0609020000020004" pitchFamily="49" charset="0"/>
-              <a:cs typeface="Cascadia Code" panose="020B0609020000020004" pitchFamily="49" charset="0"/>
-            </a:endParaRPr>
-          </a:p>
-          <a:p>
-            <a:endParaRPr lang="da-DK" dirty="0"/>
-          </a:p>
-          <a:p>
-            <a:pPr marL="0" indent="0">
-              <a:buNone/>
-            </a:pPr>
-            <a:r>
-              <a:rPr lang="da-DK" dirty="0"/>
-              <a:t>(</a:t>
-            </a:r>
-            <a:r>
-              <a:rPr lang="da-DK" dirty="0" err="1"/>
-              <a:t>also</a:t>
-            </a:r>
-            <a:r>
-              <a:rPr lang="da-DK" dirty="0"/>
-              <a:t> </a:t>
-            </a:r>
-            <a:r>
-              <a:rPr lang="da-DK" dirty="0" err="1"/>
-              <a:t>ErikEJ.DacFX.TSQLSmellSCA</a:t>
-            </a:r>
-            <a:r>
-              <a:rPr lang="da-DK" dirty="0"/>
-              <a:t>)</a:t>
-            </a:r>
-            <a:endParaRPr lang="en-DK" dirty="0"/>
-          </a:p>
-        </p:txBody>
-      </p:sp>
-    </p:spTree>
-    <p:extLst>
-      <p:ext uri="{BB962C8B-B14F-4D97-AF65-F5344CB8AC3E}">
-        <p14:creationId xmlns:p14="http://schemas.microsoft.com/office/powerpoint/2010/main" val="1873769460"/>
-      </p:ext>
-    </p:extLst>
-  </p:cSld>
-  <p:clrMapOvr>
-    <a:masterClrMapping/>
-  </p:clrMapOvr>
-</p:sld>
-</file>
-
-<file path=ppt/slides/slide11.xml><?xml version="1.0" encoding="utf-8"?>
 <p:sld xmlns:a="http://schemas.openxmlformats.org/drawingml/2006/main" xmlns:r="http://schemas.openxmlformats.org/officeDocument/2006/relationships" xmlns:p="http://schemas.openxmlformats.org/presentationml/2006/main">
   <p:cSld>
     <p:spTree>
@@ -16717,7 +16495,7 @@
 </p:sld>
 </file>
 
-<file path=ppt/slides/slide12.xml><?xml version="1.0" encoding="utf-8"?>
+<file path=ppt/slides/slide11.xml><?xml version="1.0" encoding="utf-8"?>
 <p:sld xmlns:a="http://schemas.openxmlformats.org/drawingml/2006/main" xmlns:r="http://schemas.openxmlformats.org/officeDocument/2006/relationships" xmlns:p="http://schemas.openxmlformats.org/presentationml/2006/main">
   <p:cSld>
     <p:spTree>
@@ -16874,7 +16652,7 @@
 </p:sld>
 </file>
 
-<file path=ppt/slides/slide13.xml><?xml version="1.0" encoding="utf-8"?>
+<file path=ppt/slides/slide12.xml><?xml version="1.0" encoding="utf-8"?>
 <p:sld xmlns:a="http://schemas.openxmlformats.org/drawingml/2006/main" xmlns:r="http://schemas.openxmlformats.org/officeDocument/2006/relationships" xmlns:p="http://schemas.openxmlformats.org/presentationml/2006/main">
   <p:cSld>
     <p:spTree>
@@ -17007,7 +16785,339 @@
 </p:sld>
 </file>
 
+<file path=ppt/slides/slide13.xml><?xml version="1.0" encoding="utf-8"?>
+<p:sld xmlns:a="http://schemas.openxmlformats.org/drawingml/2006/main" xmlns:r="http://schemas.openxmlformats.org/officeDocument/2006/relationships" xmlns:p="http://schemas.openxmlformats.org/presentationml/2006/main">
+  <p:cSld>
+    <p:spTree>
+      <p:nvGrpSpPr>
+        <p:cNvPr id="1" name="">
+          <a:extLst>
+            <a:ext uri="{FF2B5EF4-FFF2-40B4-BE49-F238E27FC236}">
+              <a16:creationId xmlns:a16="http://schemas.microsoft.com/office/drawing/2014/main" id="{D730723D-7938-667F-2509-F876A4DCDD33}"/>
+            </a:ext>
+          </a:extLst>
+        </p:cNvPr>
+        <p:cNvGrpSpPr/>
+        <p:nvPr/>
+      </p:nvGrpSpPr>
+      <p:grpSpPr>
+        <a:xfrm>
+          <a:off x="0" y="0"/>
+          <a:ext cx="0" cy="0"/>
+          <a:chOff x="0" y="0"/>
+          <a:chExt cx="0" cy="0"/>
+        </a:xfrm>
+      </p:grpSpPr>
+      <p:sp>
+        <p:nvSpPr>
+          <p:cNvPr id="2" name="Title 1">
+            <a:extLst>
+              <a:ext uri="{FF2B5EF4-FFF2-40B4-BE49-F238E27FC236}">
+                <a16:creationId xmlns:a16="http://schemas.microsoft.com/office/drawing/2014/main" id="{25B6B18F-F79B-5A35-8FD4-791DB8859712}"/>
+              </a:ext>
+            </a:extLst>
+          </p:cNvPr>
+          <p:cNvSpPr>
+            <a:spLocks noGrp="1"/>
+          </p:cNvSpPr>
+          <p:nvPr>
+            <p:ph type="title"/>
+          </p:nvPr>
+        </p:nvSpPr>
+        <p:spPr/>
+        <p:txBody>
+          <a:bodyPr/>
+          <a:lstStyle/>
+          <a:p>
+            <a:r>
+              <a:rPr lang="da-DK" dirty="0" err="1"/>
+              <a:t>CommunityToolkit.Aspire.Hosting</a:t>
+            </a:r>
+            <a:br>
+              <a:rPr lang="da-DK" dirty="0"/>
+            </a:br>
+            <a:r>
+              <a:rPr lang="da-DK" dirty="0"/>
+              <a:t>.</a:t>
+            </a:r>
+            <a:r>
+              <a:rPr lang="da-DK" dirty="0" err="1"/>
+              <a:t>SqlDatabaseProjects</a:t>
+            </a:r>
+            <a:endParaRPr lang="en-DK" dirty="0"/>
+          </a:p>
+        </p:txBody>
+      </p:sp>
+      <p:sp>
+        <p:nvSpPr>
+          <p:cNvPr id="3" name="Content Placeholder 2">
+            <a:extLst>
+              <a:ext uri="{FF2B5EF4-FFF2-40B4-BE49-F238E27FC236}">
+                <a16:creationId xmlns:a16="http://schemas.microsoft.com/office/drawing/2014/main" id="{A9B3CE24-0012-934B-9AE5-80D6EA38A52A}"/>
+              </a:ext>
+            </a:extLst>
+          </p:cNvPr>
+          <p:cNvSpPr>
+            <a:spLocks noGrp="1"/>
+          </p:cNvSpPr>
+          <p:nvPr>
+            <p:ph idx="1"/>
+          </p:nvPr>
+        </p:nvSpPr>
+        <p:spPr/>
+        <p:txBody>
+          <a:bodyPr/>
+          <a:lstStyle/>
+          <a:p>
+            <a:r>
+              <a:rPr lang="da-DK" dirty="0"/>
+              <a:t>Host integration for .NET </a:t>
+            </a:r>
+            <a:r>
+              <a:rPr lang="da-DK" dirty="0" err="1"/>
+              <a:t>Aspire</a:t>
+            </a:r>
+            <a:r>
+              <a:rPr lang="da-DK" dirty="0"/>
+              <a:t> SQL Database </a:t>
+            </a:r>
+            <a:r>
+              <a:rPr lang="da-DK" dirty="0" err="1"/>
+              <a:t>project</a:t>
+            </a:r>
+            <a:r>
+              <a:rPr lang="da-DK" dirty="0"/>
+              <a:t> </a:t>
+            </a:r>
+            <a:r>
+              <a:rPr lang="da-DK" dirty="0" err="1"/>
+              <a:t>deployment</a:t>
+            </a:r>
+            <a:endParaRPr lang="da-DK" dirty="0"/>
+          </a:p>
+          <a:p>
+            <a:pPr marL="0" indent="0">
+              <a:buNone/>
+            </a:pPr>
+            <a:endParaRPr lang="da-DK" dirty="0"/>
+          </a:p>
+          <a:p>
+            <a:pPr marL="0" indent="0">
+              <a:buNone/>
+            </a:pPr>
+            <a:r>
+              <a:rPr lang="da-DK" sz="1800" dirty="0" err="1">
+                <a:latin typeface="Cascadia Code" panose="020B0609020000020004" pitchFamily="49" charset="0"/>
+                <a:cs typeface="Cascadia Code" panose="020B0609020000020004" pitchFamily="49" charset="0"/>
+              </a:rPr>
+              <a:t>dotnet</a:t>
+            </a:r>
+            <a:r>
+              <a:rPr lang="da-DK" sz="1800" dirty="0">
+                <a:latin typeface="Cascadia Code" panose="020B0609020000020004" pitchFamily="49" charset="0"/>
+                <a:cs typeface="Cascadia Code" panose="020B0609020000020004" pitchFamily="49" charset="0"/>
+              </a:rPr>
+              <a:t> </a:t>
+            </a:r>
+            <a:r>
+              <a:rPr lang="da-DK" sz="1800" dirty="0" err="1">
+                <a:latin typeface="Cascadia Code" panose="020B0609020000020004" pitchFamily="49" charset="0"/>
+                <a:cs typeface="Cascadia Code" panose="020B0609020000020004" pitchFamily="49" charset="0"/>
+              </a:rPr>
+              <a:t>add</a:t>
+            </a:r>
+            <a:r>
+              <a:rPr lang="da-DK" sz="1800" dirty="0">
+                <a:latin typeface="Cascadia Code" panose="020B0609020000020004" pitchFamily="49" charset="0"/>
+                <a:cs typeface="Cascadia Code" panose="020B0609020000020004" pitchFamily="49" charset="0"/>
+              </a:rPr>
+              <a:t> </a:t>
+            </a:r>
+            <a:r>
+              <a:rPr lang="da-DK" sz="1800" dirty="0" err="1">
+                <a:latin typeface="Cascadia Code" panose="020B0609020000020004" pitchFamily="49" charset="0"/>
+                <a:cs typeface="Cascadia Code" panose="020B0609020000020004" pitchFamily="49" charset="0"/>
+              </a:rPr>
+              <a:t>package</a:t>
+            </a:r>
+            <a:r>
+              <a:rPr lang="da-DK" sz="1800" dirty="0">
+                <a:latin typeface="Cascadia Code" panose="020B0609020000020004" pitchFamily="49" charset="0"/>
+                <a:cs typeface="Cascadia Code" panose="020B0609020000020004" pitchFamily="49" charset="0"/>
+              </a:rPr>
+              <a:t> </a:t>
+            </a:r>
+            <a:r>
+              <a:rPr lang="da-DK" sz="1800" dirty="0" err="1">
+                <a:latin typeface="Cascadia Code" panose="020B0609020000020004" pitchFamily="49" charset="0"/>
+                <a:cs typeface="Cascadia Code" panose="020B0609020000020004" pitchFamily="49" charset="0"/>
+              </a:rPr>
+              <a:t>CommunityToolkit.Aspire.Hosting.SqlDatabaseProjects</a:t>
+            </a:r>
+            <a:endParaRPr lang="en-DK" sz="1800" dirty="0">
+              <a:latin typeface="Cascadia Code" panose="020B0609020000020004" pitchFamily="49" charset="0"/>
+              <a:cs typeface="Cascadia Code" panose="020B0609020000020004" pitchFamily="49" charset="0"/>
+            </a:endParaRPr>
+          </a:p>
+        </p:txBody>
+      </p:sp>
+    </p:spTree>
+    <p:extLst>
+      <p:ext uri="{BB962C8B-B14F-4D97-AF65-F5344CB8AC3E}">
+        <p14:creationId xmlns:p14="http://schemas.microsoft.com/office/powerpoint/2010/main" val="1547111544"/>
+      </p:ext>
+    </p:extLst>
+  </p:cSld>
+  <p:clrMapOvr>
+    <a:masterClrMapping/>
+  </p:clrMapOvr>
+</p:sld>
+</file>
+
 <file path=ppt/slides/slide14.xml><?xml version="1.0" encoding="utf-8"?>
+<p:sld xmlns:a="http://schemas.openxmlformats.org/drawingml/2006/main" xmlns:r="http://schemas.openxmlformats.org/officeDocument/2006/relationships" xmlns:p="http://schemas.openxmlformats.org/presentationml/2006/main">
+  <p:cSld>
+    <p:spTree>
+      <p:nvGrpSpPr>
+        <p:cNvPr id="1" name="">
+          <a:extLst>
+            <a:ext uri="{FF2B5EF4-FFF2-40B4-BE49-F238E27FC236}">
+              <a16:creationId xmlns:a16="http://schemas.microsoft.com/office/drawing/2014/main" id="{EDD5C271-E6F4-8C52-BC95-6CFA00564F4D}"/>
+            </a:ext>
+          </a:extLst>
+        </p:cNvPr>
+        <p:cNvGrpSpPr/>
+        <p:nvPr/>
+      </p:nvGrpSpPr>
+      <p:grpSpPr>
+        <a:xfrm>
+          <a:off x="0" y="0"/>
+          <a:ext cx="0" cy="0"/>
+          <a:chOff x="0" y="0"/>
+          <a:chExt cx="0" cy="0"/>
+        </a:xfrm>
+      </p:grpSpPr>
+      <p:sp>
+        <p:nvSpPr>
+          <p:cNvPr id="2" name="Title 1">
+            <a:extLst>
+              <a:ext uri="{FF2B5EF4-FFF2-40B4-BE49-F238E27FC236}">
+                <a16:creationId xmlns:a16="http://schemas.microsoft.com/office/drawing/2014/main" id="{68F8D287-1839-2397-5764-D239803B2AA1}"/>
+              </a:ext>
+            </a:extLst>
+          </p:cNvPr>
+          <p:cNvSpPr>
+            <a:spLocks noGrp="1"/>
+          </p:cNvSpPr>
+          <p:nvPr>
+            <p:ph type="title"/>
+          </p:nvPr>
+        </p:nvSpPr>
+        <p:spPr/>
+        <p:txBody>
+          <a:bodyPr/>
+          <a:lstStyle/>
+          <a:p>
+            <a:r>
+              <a:rPr lang="da-DK"/>
+              <a:t>ErikEJ.EFCorePowerTools.Cli</a:t>
+            </a:r>
+            <a:endParaRPr lang="en-DK" dirty="0"/>
+          </a:p>
+        </p:txBody>
+      </p:sp>
+      <p:sp>
+        <p:nvSpPr>
+          <p:cNvPr id="3" name="Content Placeholder 2">
+            <a:extLst>
+              <a:ext uri="{FF2B5EF4-FFF2-40B4-BE49-F238E27FC236}">
+                <a16:creationId xmlns:a16="http://schemas.microsoft.com/office/drawing/2014/main" id="{B0068A94-E59F-5924-AE95-F188B404196C}"/>
+              </a:ext>
+            </a:extLst>
+          </p:cNvPr>
+          <p:cNvSpPr>
+            <a:spLocks noGrp="1"/>
+          </p:cNvSpPr>
+          <p:nvPr>
+            <p:ph idx="1"/>
+          </p:nvPr>
+        </p:nvSpPr>
+        <p:spPr/>
+        <p:txBody>
+          <a:bodyPr/>
+          <a:lstStyle/>
+          <a:p>
+            <a:r>
+              <a:rPr lang="en-US" dirty="0"/>
+              <a:t>Command line tool for advanced EF Core reverse engineering – also from a .</a:t>
+            </a:r>
+            <a:r>
+              <a:rPr lang="en-US" dirty="0" err="1"/>
+              <a:t>dacpac</a:t>
+            </a:r>
+            <a:endParaRPr lang="da-DK"/>
+          </a:p>
+          <a:p>
+            <a:pPr marL="0" indent="0">
+              <a:buNone/>
+            </a:pPr>
+            <a:endParaRPr lang="da-DK"/>
+          </a:p>
+          <a:p>
+            <a:pPr marL="0" indent="0">
+              <a:buNone/>
+            </a:pPr>
+            <a:endParaRPr lang="da-DK" dirty="0"/>
+          </a:p>
+          <a:p>
+            <a:endParaRPr lang="en-DK" dirty="0"/>
+          </a:p>
+        </p:txBody>
+      </p:sp>
+      <p:pic>
+        <p:nvPicPr>
+          <p:cNvPr id="6" name="Picture 5">
+            <a:extLst>
+              <a:ext uri="{FF2B5EF4-FFF2-40B4-BE49-F238E27FC236}">
+                <a16:creationId xmlns:a16="http://schemas.microsoft.com/office/drawing/2014/main" id="{FE368AEE-80C8-53C9-E760-4D1010863898}"/>
+              </a:ext>
+            </a:extLst>
+          </p:cNvPr>
+          <p:cNvPicPr>
+            <a:picLocks noChangeAspect="1"/>
+          </p:cNvPicPr>
+          <p:nvPr/>
+        </p:nvPicPr>
+        <p:blipFill>
+          <a:blip r:embed="rId2"/>
+          <a:stretch>
+            <a:fillRect/>
+          </a:stretch>
+        </p:blipFill>
+        <p:spPr>
+          <a:xfrm>
+            <a:off x="838200" y="3163397"/>
+            <a:ext cx="10873068" cy="2699521"/>
+          </a:xfrm>
+          <a:prstGeom prst="rect">
+            <a:avLst/>
+          </a:prstGeom>
+        </p:spPr>
+      </p:pic>
+    </p:spTree>
+    <p:extLst>
+      <p:ext uri="{BB962C8B-B14F-4D97-AF65-F5344CB8AC3E}">
+        <p14:creationId xmlns:p14="http://schemas.microsoft.com/office/powerpoint/2010/main" val="1261404104"/>
+      </p:ext>
+    </p:extLst>
+  </p:cSld>
+  <p:clrMapOvr>
+    <a:masterClrMapping/>
+  </p:clrMapOvr>
+</p:sld>
+</file>
+
+<file path=ppt/slides/slide15.xml><?xml version="1.0" encoding="utf-8"?>
 <p:sld xmlns:a="http://schemas.openxmlformats.org/drawingml/2006/main" xmlns:r="http://schemas.openxmlformats.org/officeDocument/2006/relationships" xmlns:p="http://schemas.openxmlformats.org/presentationml/2006/main">
   <p:cSld>
     <p:bg>
@@ -17595,7 +17705,7 @@
 </p:sld>
 </file>
 
-<file path=ppt/slides/slide15.xml><?xml version="1.0" encoding="utf-8"?>
+<file path=ppt/slides/slide16.xml><?xml version="1.0" encoding="utf-8"?>
 <p:sld xmlns:a="http://schemas.openxmlformats.org/drawingml/2006/main" xmlns:r="http://schemas.openxmlformats.org/officeDocument/2006/relationships" xmlns:p="http://schemas.openxmlformats.org/presentationml/2006/main">
   <p:cSld>
     <p:spTree>
@@ -18782,7 +18892,7 @@
 </p:sld>
 </file>
 
-<file path=ppt/slides/slide16.xml><?xml version="1.0" encoding="utf-8"?>
+<file path=ppt/slides/slide17.xml><?xml version="1.0" encoding="utf-8"?>
 <p:sld xmlns:a="http://schemas.openxmlformats.org/drawingml/2006/main" xmlns:r="http://schemas.openxmlformats.org/officeDocument/2006/relationships" xmlns:p="http://schemas.openxmlformats.org/presentationml/2006/main">
   <p:cSld>
     <p:spTree>
@@ -18876,7 +18986,7 @@
 </p:sld>
 </file>
 
-<file path=ppt/slides/slide17.xml><?xml version="1.0" encoding="utf-8"?>
+<file path=ppt/slides/slide18.xml><?xml version="1.0" encoding="utf-8"?>
 <p:sld xmlns:a="http://schemas.openxmlformats.org/drawingml/2006/main" xmlns:r="http://schemas.openxmlformats.org/officeDocument/2006/relationships" xmlns:p="http://schemas.openxmlformats.org/presentationml/2006/main">
   <p:cSld>
     <p:spTree>
@@ -19170,7 +19280,7 @@
 </p:sld>
 </file>
 
-<file path=ppt/slides/slide18.xml><?xml version="1.0" encoding="utf-8"?>
+<file path=ppt/slides/slide19.xml><?xml version="1.0" encoding="utf-8"?>
 <p:sld xmlns:a="http://schemas.openxmlformats.org/drawingml/2006/main" xmlns:r="http://schemas.openxmlformats.org/officeDocument/2006/relationships" xmlns:p="http://schemas.openxmlformats.org/presentationml/2006/main">
   <p:cSld>
     <p:spTree>
@@ -19383,125 +19493,6 @@
     <p:extLst>
       <p:ext uri="{BB962C8B-B14F-4D97-AF65-F5344CB8AC3E}">
         <p14:creationId xmlns:p14="http://schemas.microsoft.com/office/powerpoint/2010/main" val="3608072289"/>
-      </p:ext>
-    </p:extLst>
-  </p:cSld>
-  <p:clrMapOvr>
-    <a:masterClrMapping/>
-  </p:clrMapOvr>
-</p:sld>
-</file>
-
-<file path=ppt/slides/slide19.xml><?xml version="1.0" encoding="utf-8"?>
-<p:sld xmlns:a="http://schemas.openxmlformats.org/drawingml/2006/main" xmlns:r="http://schemas.openxmlformats.org/officeDocument/2006/relationships" xmlns:p="http://schemas.openxmlformats.org/presentationml/2006/main">
-  <p:cSld>
-    <p:spTree>
-      <p:nvGrpSpPr>
-        <p:cNvPr id="1" name=""/>
-        <p:cNvGrpSpPr/>
-        <p:nvPr/>
-      </p:nvGrpSpPr>
-      <p:grpSpPr>
-        <a:xfrm>
-          <a:off x="0" y="0"/>
-          <a:ext cx="0" cy="0"/>
-          <a:chOff x="0" y="0"/>
-          <a:chExt cx="0" cy="0"/>
-        </a:xfrm>
-      </p:grpSpPr>
-      <p:sp>
-        <p:nvSpPr>
-          <p:cNvPr id="2" name="Title 1">
-            <a:extLst>
-              <a:ext uri="{FF2B5EF4-FFF2-40B4-BE49-F238E27FC236}">
-                <a16:creationId xmlns:a16="http://schemas.microsoft.com/office/drawing/2014/main" id="{B6E02EDD-BF75-C1E2-C4E0-452E278B9E12}"/>
-              </a:ext>
-            </a:extLst>
-          </p:cNvPr>
-          <p:cNvSpPr>
-            <a:spLocks noGrp="1"/>
-          </p:cNvSpPr>
-          <p:nvPr>
-            <p:ph type="ctrTitle"/>
-          </p:nvPr>
-        </p:nvSpPr>
-        <p:spPr/>
-        <p:txBody>
-          <a:bodyPr/>
-          <a:lstStyle/>
-          <a:p>
-            <a:r>
-              <a:rPr lang="da-DK" dirty="0" err="1"/>
-              <a:t>What</a:t>
-            </a:r>
-            <a:r>
-              <a:rPr lang="da-DK" dirty="0"/>
-              <a:t> is a </a:t>
-            </a:r>
-            <a:r>
-              <a:rPr lang="da-DK" dirty="0" err="1"/>
-              <a:t>dacpac</a:t>
-            </a:r>
-            <a:r>
-              <a:rPr lang="da-DK" dirty="0"/>
-              <a:t> and </a:t>
-            </a:r>
-            <a:r>
-              <a:rPr lang="da-DK" dirty="0" err="1"/>
-              <a:t>why</a:t>
-            </a:r>
-            <a:r>
-              <a:rPr lang="da-DK" dirty="0"/>
-              <a:t> </a:t>
-            </a:r>
-            <a:r>
-              <a:rPr lang="da-DK" dirty="0" err="1"/>
-              <a:t>should</a:t>
-            </a:r>
-            <a:r>
-              <a:rPr lang="da-DK" dirty="0"/>
-              <a:t> I </a:t>
-            </a:r>
-            <a:r>
-              <a:rPr lang="da-DK" dirty="0" err="1"/>
-              <a:t>care</a:t>
-            </a:r>
-            <a:r>
-              <a:rPr lang="da-DK" dirty="0"/>
-              <a:t>?</a:t>
-            </a:r>
-          </a:p>
-        </p:txBody>
-      </p:sp>
-      <p:sp>
-        <p:nvSpPr>
-          <p:cNvPr id="3" name="Subtitle 2">
-            <a:extLst>
-              <a:ext uri="{FF2B5EF4-FFF2-40B4-BE49-F238E27FC236}">
-                <a16:creationId xmlns:a16="http://schemas.microsoft.com/office/drawing/2014/main" id="{FC34CC98-5EC0-A5E9-F6EC-E0FF61BD140B}"/>
-              </a:ext>
-            </a:extLst>
-          </p:cNvPr>
-          <p:cNvSpPr>
-            <a:spLocks noGrp="1"/>
-          </p:cNvSpPr>
-          <p:nvPr>
-            <p:ph type="subTitle" idx="1"/>
-          </p:nvPr>
-        </p:nvSpPr>
-        <p:spPr/>
-        <p:txBody>
-          <a:bodyPr/>
-          <a:lstStyle/>
-          <a:p>
-            <a:endParaRPr lang="da-DK"/>
-          </a:p>
-        </p:txBody>
-      </p:sp>
-    </p:spTree>
-    <p:extLst>
-      <p:ext uri="{BB962C8B-B14F-4D97-AF65-F5344CB8AC3E}">
-        <p14:creationId xmlns:p14="http://schemas.microsoft.com/office/powerpoint/2010/main" val="3361272730"/>
       </p:ext>
     </p:extLst>
   </p:cSld>
@@ -19581,7 +19572,7 @@
         <p:spPr/>
         <p:txBody>
           <a:bodyPr>
-            <a:normAutofit lnSpcReduction="10000"/>
+            <a:normAutofit fontScale="92500" lnSpcReduction="10000"/>
           </a:bodyPr>
           <a:lstStyle/>
           <a:p>
@@ -19703,6 +19694,36 @@
             <a:r>
               <a:rPr lang="da-DK" sz="3200" dirty="0"/>
               <a:t>”</a:t>
+            </a:r>
+          </a:p>
+          <a:p>
+            <a:r>
+              <a:rPr lang="da-DK" sz="3200" dirty="0"/>
+              <a:t>No </a:t>
+            </a:r>
+            <a:r>
+              <a:rPr lang="da-DK" sz="3200" dirty="0" err="1"/>
+              <a:t>qualified</a:t>
+            </a:r>
+            <a:r>
+              <a:rPr lang="da-DK" sz="3200" dirty="0"/>
+              <a:t> </a:t>
+            </a:r>
+            <a:r>
+              <a:rPr lang="da-DK" sz="3200" dirty="0" err="1"/>
+              <a:t>review</a:t>
+            </a:r>
+            <a:r>
+              <a:rPr lang="da-DK" sz="3200" dirty="0"/>
+              <a:t> of </a:t>
+            </a:r>
+            <a:r>
+              <a:rPr lang="da-DK" sz="3200" dirty="0" err="1"/>
+              <a:t>schema</a:t>
+            </a:r>
+            <a:r>
+              <a:rPr lang="da-DK" sz="3200" dirty="0"/>
+              <a:t> design</a:t>
             </a:r>
           </a:p>
           <a:p>
@@ -19763,6 +19784,125 @@
 </file>
 
 <file path=ppt/slides/slide20.xml><?xml version="1.0" encoding="utf-8"?>
+<p:sld xmlns:a="http://schemas.openxmlformats.org/drawingml/2006/main" xmlns:r="http://schemas.openxmlformats.org/officeDocument/2006/relationships" xmlns:p="http://schemas.openxmlformats.org/presentationml/2006/main">
+  <p:cSld>
+    <p:spTree>
+      <p:nvGrpSpPr>
+        <p:cNvPr id="1" name=""/>
+        <p:cNvGrpSpPr/>
+        <p:nvPr/>
+      </p:nvGrpSpPr>
+      <p:grpSpPr>
+        <a:xfrm>
+          <a:off x="0" y="0"/>
+          <a:ext cx="0" cy="0"/>
+          <a:chOff x="0" y="0"/>
+          <a:chExt cx="0" cy="0"/>
+        </a:xfrm>
+      </p:grpSpPr>
+      <p:sp>
+        <p:nvSpPr>
+          <p:cNvPr id="2" name="Title 1">
+            <a:extLst>
+              <a:ext uri="{FF2B5EF4-FFF2-40B4-BE49-F238E27FC236}">
+                <a16:creationId xmlns:a16="http://schemas.microsoft.com/office/drawing/2014/main" id="{B6E02EDD-BF75-C1E2-C4E0-452E278B9E12}"/>
+              </a:ext>
+            </a:extLst>
+          </p:cNvPr>
+          <p:cNvSpPr>
+            <a:spLocks noGrp="1"/>
+          </p:cNvSpPr>
+          <p:nvPr>
+            <p:ph type="ctrTitle"/>
+          </p:nvPr>
+        </p:nvSpPr>
+        <p:spPr/>
+        <p:txBody>
+          <a:bodyPr/>
+          <a:lstStyle/>
+          <a:p>
+            <a:r>
+              <a:rPr lang="da-DK" dirty="0" err="1"/>
+              <a:t>What</a:t>
+            </a:r>
+            <a:r>
+              <a:rPr lang="da-DK" dirty="0"/>
+              <a:t> is a </a:t>
+            </a:r>
+            <a:r>
+              <a:rPr lang="da-DK" dirty="0" err="1"/>
+              <a:t>dacpac</a:t>
+            </a:r>
+            <a:r>
+              <a:rPr lang="da-DK" dirty="0"/>
+              <a:t> and </a:t>
+            </a:r>
+            <a:r>
+              <a:rPr lang="da-DK" dirty="0" err="1"/>
+              <a:t>why</a:t>
+            </a:r>
+            <a:r>
+              <a:rPr lang="da-DK" dirty="0"/>
+              <a:t> </a:t>
+            </a:r>
+            <a:r>
+              <a:rPr lang="da-DK" dirty="0" err="1"/>
+              <a:t>should</a:t>
+            </a:r>
+            <a:r>
+              <a:rPr lang="da-DK" dirty="0"/>
+              <a:t> I </a:t>
+            </a:r>
+            <a:r>
+              <a:rPr lang="da-DK" dirty="0" err="1"/>
+              <a:t>care</a:t>
+            </a:r>
+            <a:r>
+              <a:rPr lang="da-DK" dirty="0"/>
+              <a:t>?</a:t>
+            </a:r>
+          </a:p>
+        </p:txBody>
+      </p:sp>
+      <p:sp>
+        <p:nvSpPr>
+          <p:cNvPr id="3" name="Subtitle 2">
+            <a:extLst>
+              <a:ext uri="{FF2B5EF4-FFF2-40B4-BE49-F238E27FC236}">
+                <a16:creationId xmlns:a16="http://schemas.microsoft.com/office/drawing/2014/main" id="{FC34CC98-5EC0-A5E9-F6EC-E0FF61BD140B}"/>
+              </a:ext>
+            </a:extLst>
+          </p:cNvPr>
+          <p:cNvSpPr>
+            <a:spLocks noGrp="1"/>
+          </p:cNvSpPr>
+          <p:nvPr>
+            <p:ph type="subTitle" idx="1"/>
+          </p:nvPr>
+        </p:nvSpPr>
+        <p:spPr/>
+        <p:txBody>
+          <a:bodyPr/>
+          <a:lstStyle/>
+          <a:p>
+            <a:endParaRPr lang="da-DK"/>
+          </a:p>
+        </p:txBody>
+      </p:sp>
+    </p:spTree>
+    <p:extLst>
+      <p:ext uri="{BB962C8B-B14F-4D97-AF65-F5344CB8AC3E}">
+        <p14:creationId xmlns:p14="http://schemas.microsoft.com/office/powerpoint/2010/main" val="3361272730"/>
+      </p:ext>
+    </p:extLst>
+  </p:cSld>
+  <p:clrMapOvr>
+    <a:masterClrMapping/>
+  </p:clrMapOvr>
+</p:sld>
+</file>
+
+<file path=ppt/slides/slide21.xml><?xml version="1.0" encoding="utf-8"?>
 <p:sld xmlns:a="http://schemas.openxmlformats.org/drawingml/2006/main" xmlns:r="http://schemas.openxmlformats.org/officeDocument/2006/relationships" xmlns:p="http://schemas.openxmlformats.org/presentationml/2006/main">
   <p:cSld>
     <p:bg>
@@ -20002,7 +20142,7 @@
 </p:sld>
 </file>
 
-<file path=ppt/slides/slide21.xml><?xml version="1.0" encoding="utf-8"?>
+<file path=ppt/slides/slide22.xml><?xml version="1.0" encoding="utf-8"?>
 <p:sld xmlns:a="http://schemas.openxmlformats.org/drawingml/2006/main" xmlns:r="http://schemas.openxmlformats.org/officeDocument/2006/relationships" xmlns:p="http://schemas.openxmlformats.org/presentationml/2006/main">
   <p:cSld>
     <p:spTree>
@@ -20335,7 +20475,7 @@
 </p:sld>
 </file>
 
-<file path=ppt/slides/slide22.xml><?xml version="1.0" encoding="utf-8"?>
+<file path=ppt/slides/slide23.xml><?xml version="1.0" encoding="utf-8"?>
 <p:sld xmlns:a="http://schemas.openxmlformats.org/drawingml/2006/main" xmlns:r="http://schemas.openxmlformats.org/officeDocument/2006/relationships" xmlns:p="http://schemas.openxmlformats.org/presentationml/2006/main">
   <p:cSld>
     <p:spTree>
@@ -20513,7 +20653,7 @@
 </p:sld>
 </file>
 
-<file path=ppt/slides/slide23.xml><?xml version="1.0" encoding="utf-8"?>
+<file path=ppt/slides/slide24.xml><?xml version="1.0" encoding="utf-8"?>
 <p:sld xmlns:a="http://schemas.openxmlformats.org/drawingml/2006/main" xmlns:r="http://schemas.openxmlformats.org/officeDocument/2006/relationships" xmlns:p="http://schemas.openxmlformats.org/presentationml/2006/main">
   <p:cSld>
     <p:spTree>
@@ -21358,6 +21498,159 @@
   <p:cSld>
     <p:spTree>
       <p:nvGrpSpPr>
+        <p:cNvPr id="1" name=""/>
+        <p:cNvGrpSpPr/>
+        <p:nvPr/>
+      </p:nvGrpSpPr>
+      <p:grpSpPr>
+        <a:xfrm>
+          <a:off x="0" y="0"/>
+          <a:ext cx="0" cy="0"/>
+          <a:chOff x="0" y="0"/>
+          <a:chExt cx="0" cy="0"/>
+        </a:xfrm>
+      </p:grpSpPr>
+      <p:sp>
+        <p:nvSpPr>
+          <p:cNvPr id="2" name="Title 1">
+            <a:extLst>
+              <a:ext uri="{FF2B5EF4-FFF2-40B4-BE49-F238E27FC236}">
+                <a16:creationId xmlns:a16="http://schemas.microsoft.com/office/drawing/2014/main" id="{E576E956-7546-7FA3-521F-1A8978B8B795}"/>
+              </a:ext>
+            </a:extLst>
+          </p:cNvPr>
+          <p:cNvSpPr>
+            <a:spLocks noGrp="1"/>
+          </p:cNvSpPr>
+          <p:nvPr>
+            <p:ph type="title"/>
+          </p:nvPr>
+        </p:nvSpPr>
+        <p:spPr/>
+        <p:txBody>
+          <a:bodyPr/>
+          <a:lstStyle/>
+          <a:p>
+            <a:r>
+              <a:rPr lang="da-DK" dirty="0" err="1"/>
+              <a:t>MsBuild.Sdk.SqlProj.Templates</a:t>
+            </a:r>
+            <a:endParaRPr lang="en-DK" dirty="0"/>
+          </a:p>
+        </p:txBody>
+      </p:sp>
+      <p:sp>
+        <p:nvSpPr>
+          <p:cNvPr id="3" name="Content Placeholder 2">
+            <a:extLst>
+              <a:ext uri="{FF2B5EF4-FFF2-40B4-BE49-F238E27FC236}">
+                <a16:creationId xmlns:a16="http://schemas.microsoft.com/office/drawing/2014/main" id="{25B4652E-0740-8C38-882C-5B598A27D1C8}"/>
+              </a:ext>
+            </a:extLst>
+          </p:cNvPr>
+          <p:cNvSpPr>
+            <a:spLocks noGrp="1"/>
+          </p:cNvSpPr>
+          <p:nvPr>
+            <p:ph idx="1"/>
+          </p:nvPr>
+        </p:nvSpPr>
+        <p:spPr/>
+        <p:txBody>
+          <a:bodyPr/>
+          <a:lstStyle/>
+          <a:p>
+            <a:r>
+              <a:rPr lang="da-DK" dirty="0"/>
+              <a:t>Project and item template for </a:t>
+            </a:r>
+            <a:r>
+              <a:rPr lang="da-DK" dirty="0" err="1"/>
+              <a:t>MsBuild.Sdk.SqlProj</a:t>
+            </a:r>
+            <a:r>
+              <a:rPr lang="da-DK" dirty="0"/>
+              <a:t> </a:t>
+            </a:r>
+            <a:r>
+              <a:rPr lang="da-DK" dirty="0" err="1"/>
+              <a:t>projects</a:t>
+            </a:r>
+            <a:endParaRPr lang="da-DK" dirty="0"/>
+          </a:p>
+          <a:p>
+            <a:pPr marL="0" indent="0">
+              <a:buNone/>
+            </a:pPr>
+            <a:endParaRPr lang="da-DK" dirty="0"/>
+          </a:p>
+          <a:p>
+            <a:pPr marL="0" indent="0">
+              <a:buNone/>
+            </a:pPr>
+            <a:r>
+              <a:rPr lang="da-DK" dirty="0" err="1">
+                <a:latin typeface="Cascadia Code" panose="020B0609020000020004" pitchFamily="49" charset="0"/>
+                <a:cs typeface="Cascadia Code" panose="020B0609020000020004" pitchFamily="49" charset="0"/>
+              </a:rPr>
+              <a:t>dotnet</a:t>
+            </a:r>
+            <a:r>
+              <a:rPr lang="da-DK" dirty="0">
+                <a:latin typeface="Cascadia Code" panose="020B0609020000020004" pitchFamily="49" charset="0"/>
+                <a:cs typeface="Cascadia Code" panose="020B0609020000020004" pitchFamily="49" charset="0"/>
+              </a:rPr>
+              <a:t> new </a:t>
+            </a:r>
+            <a:r>
+              <a:rPr lang="da-DK" dirty="0" err="1">
+                <a:latin typeface="Cascadia Code" panose="020B0609020000020004" pitchFamily="49" charset="0"/>
+                <a:cs typeface="Cascadia Code" panose="020B0609020000020004" pitchFamily="49" charset="0"/>
+              </a:rPr>
+              <a:t>install</a:t>
+            </a:r>
+            <a:r>
+              <a:rPr lang="da-DK" dirty="0">
+                <a:latin typeface="Cascadia Code" panose="020B0609020000020004" pitchFamily="49" charset="0"/>
+                <a:cs typeface="Cascadia Code" panose="020B0609020000020004" pitchFamily="49" charset="0"/>
+              </a:rPr>
+              <a:t> </a:t>
+            </a:r>
+            <a:r>
+              <a:rPr lang="da-DK" dirty="0" err="1">
+                <a:latin typeface="Cascadia Code" panose="020B0609020000020004" pitchFamily="49" charset="0"/>
+                <a:cs typeface="Cascadia Code" panose="020B0609020000020004" pitchFamily="49" charset="0"/>
+              </a:rPr>
+              <a:t>MSBuild.Sdk.SqlProj.Templates</a:t>
+            </a:r>
+            <a:endParaRPr lang="da-DK" dirty="0">
+              <a:latin typeface="Cascadia Code" panose="020B0609020000020004" pitchFamily="49" charset="0"/>
+              <a:cs typeface="Cascadia Code" panose="020B0609020000020004" pitchFamily="49" charset="0"/>
+            </a:endParaRPr>
+          </a:p>
+          <a:p>
+            <a:endParaRPr lang="en-DK" dirty="0"/>
+          </a:p>
+        </p:txBody>
+      </p:sp>
+    </p:spTree>
+    <p:extLst>
+      <p:ext uri="{BB962C8B-B14F-4D97-AF65-F5344CB8AC3E}">
+        <p14:creationId xmlns:p14="http://schemas.microsoft.com/office/powerpoint/2010/main" val="1427172115"/>
+      </p:ext>
+    </p:extLst>
+  </p:cSld>
+  <p:clrMapOvr>
+    <a:masterClrMapping/>
+  </p:clrMapOvr>
+</p:sld>
+</file>
+
+<file path=ppt/slides/slide8.xml><?xml version="1.0" encoding="utf-8"?>
+<p:sld xmlns:a="http://schemas.openxmlformats.org/drawingml/2006/main" xmlns:r="http://schemas.openxmlformats.org/officeDocument/2006/relationships" xmlns:p="http://schemas.openxmlformats.org/presentationml/2006/main">
+  <p:cSld>
+    <p:spTree>
+      <p:nvGrpSpPr>
         <p:cNvPr id="1" name="">
           <a:extLst>
             <a:ext uri="{FF2B5EF4-FFF2-40B4-BE49-F238E27FC236}">
@@ -21621,159 +21914,6 @@
 </p:sld>
 </file>
 
-<file path=ppt/slides/slide8.xml><?xml version="1.0" encoding="utf-8"?>
-<p:sld xmlns:a="http://schemas.openxmlformats.org/drawingml/2006/main" xmlns:r="http://schemas.openxmlformats.org/officeDocument/2006/relationships" xmlns:p="http://schemas.openxmlformats.org/presentationml/2006/main">
-  <p:cSld>
-    <p:spTree>
-      <p:nvGrpSpPr>
-        <p:cNvPr id="1" name=""/>
-        <p:cNvGrpSpPr/>
-        <p:nvPr/>
-      </p:nvGrpSpPr>
-      <p:grpSpPr>
-        <a:xfrm>
-          <a:off x="0" y="0"/>
-          <a:ext cx="0" cy="0"/>
-          <a:chOff x="0" y="0"/>
-          <a:chExt cx="0" cy="0"/>
-        </a:xfrm>
-      </p:grpSpPr>
-      <p:sp>
-        <p:nvSpPr>
-          <p:cNvPr id="2" name="Title 1">
-            <a:extLst>
-              <a:ext uri="{FF2B5EF4-FFF2-40B4-BE49-F238E27FC236}">
-                <a16:creationId xmlns:a16="http://schemas.microsoft.com/office/drawing/2014/main" id="{E576E956-7546-7FA3-521F-1A8978B8B795}"/>
-              </a:ext>
-            </a:extLst>
-          </p:cNvPr>
-          <p:cNvSpPr>
-            <a:spLocks noGrp="1"/>
-          </p:cNvSpPr>
-          <p:nvPr>
-            <p:ph type="title"/>
-          </p:nvPr>
-        </p:nvSpPr>
-        <p:spPr/>
-        <p:txBody>
-          <a:bodyPr/>
-          <a:lstStyle/>
-          <a:p>
-            <a:r>
-              <a:rPr lang="da-DK" dirty="0" err="1"/>
-              <a:t>MsBuild.Sdk.SqlProj.Templates</a:t>
-            </a:r>
-            <a:endParaRPr lang="en-DK" dirty="0"/>
-          </a:p>
-        </p:txBody>
-      </p:sp>
-      <p:sp>
-        <p:nvSpPr>
-          <p:cNvPr id="3" name="Content Placeholder 2">
-            <a:extLst>
-              <a:ext uri="{FF2B5EF4-FFF2-40B4-BE49-F238E27FC236}">
-                <a16:creationId xmlns:a16="http://schemas.microsoft.com/office/drawing/2014/main" id="{25B4652E-0740-8C38-882C-5B598A27D1C8}"/>
-              </a:ext>
-            </a:extLst>
-          </p:cNvPr>
-          <p:cNvSpPr>
-            <a:spLocks noGrp="1"/>
-          </p:cNvSpPr>
-          <p:nvPr>
-            <p:ph idx="1"/>
-          </p:nvPr>
-        </p:nvSpPr>
-        <p:spPr/>
-        <p:txBody>
-          <a:bodyPr/>
-          <a:lstStyle/>
-          <a:p>
-            <a:r>
-              <a:rPr lang="da-DK" dirty="0"/>
-              <a:t>Project and item template for </a:t>
-            </a:r>
-            <a:r>
-              <a:rPr lang="da-DK" dirty="0" err="1"/>
-              <a:t>MsBuild.Sdk.SqlProj</a:t>
-            </a:r>
-            <a:r>
-              <a:rPr lang="da-DK" dirty="0"/>
-              <a:t> </a:t>
-            </a:r>
-            <a:r>
-              <a:rPr lang="da-DK" dirty="0" err="1"/>
-              <a:t>projects</a:t>
-            </a:r>
-            <a:endParaRPr lang="da-DK" dirty="0"/>
-          </a:p>
-          <a:p>
-            <a:pPr marL="0" indent="0">
-              <a:buNone/>
-            </a:pPr>
-            <a:endParaRPr lang="da-DK" dirty="0"/>
-          </a:p>
-          <a:p>
-            <a:pPr marL="0" indent="0">
-              <a:buNone/>
-            </a:pPr>
-            <a:r>
-              <a:rPr lang="da-DK" dirty="0" err="1">
-                <a:latin typeface="Cascadia Code" panose="020B0609020000020004" pitchFamily="49" charset="0"/>
-                <a:cs typeface="Cascadia Code" panose="020B0609020000020004" pitchFamily="49" charset="0"/>
-              </a:rPr>
-              <a:t>dotnet</a:t>
-            </a:r>
-            <a:r>
-              <a:rPr lang="da-DK" dirty="0">
-                <a:latin typeface="Cascadia Code" panose="020B0609020000020004" pitchFamily="49" charset="0"/>
-                <a:cs typeface="Cascadia Code" panose="020B0609020000020004" pitchFamily="49" charset="0"/>
-              </a:rPr>
-              <a:t> new </a:t>
-            </a:r>
-            <a:r>
-              <a:rPr lang="da-DK" dirty="0" err="1">
-                <a:latin typeface="Cascadia Code" panose="020B0609020000020004" pitchFamily="49" charset="0"/>
-                <a:cs typeface="Cascadia Code" panose="020B0609020000020004" pitchFamily="49" charset="0"/>
-              </a:rPr>
-              <a:t>install</a:t>
-            </a:r>
-            <a:r>
-              <a:rPr lang="da-DK" dirty="0">
-                <a:latin typeface="Cascadia Code" panose="020B0609020000020004" pitchFamily="49" charset="0"/>
-                <a:cs typeface="Cascadia Code" panose="020B0609020000020004" pitchFamily="49" charset="0"/>
-              </a:rPr>
-              <a:t> </a:t>
-            </a:r>
-            <a:r>
-              <a:rPr lang="da-DK" dirty="0" err="1">
-                <a:latin typeface="Cascadia Code" panose="020B0609020000020004" pitchFamily="49" charset="0"/>
-                <a:cs typeface="Cascadia Code" panose="020B0609020000020004" pitchFamily="49" charset="0"/>
-              </a:rPr>
-              <a:t>MSBuild.Sdk.SqlProj.Templates</a:t>
-            </a:r>
-            <a:endParaRPr lang="da-DK" dirty="0">
-              <a:latin typeface="Cascadia Code" panose="020B0609020000020004" pitchFamily="49" charset="0"/>
-              <a:cs typeface="Cascadia Code" panose="020B0609020000020004" pitchFamily="49" charset="0"/>
-            </a:endParaRPr>
-          </a:p>
-          <a:p>
-            <a:endParaRPr lang="en-DK" dirty="0"/>
-          </a:p>
-        </p:txBody>
-      </p:sp>
-    </p:spTree>
-    <p:extLst>
-      <p:ext uri="{BB962C8B-B14F-4D97-AF65-F5344CB8AC3E}">
-        <p14:creationId xmlns:p14="http://schemas.microsoft.com/office/powerpoint/2010/main" val="1427172115"/>
-      </p:ext>
-    </p:extLst>
-  </p:cSld>
-  <p:clrMapOvr>
-    <a:masterClrMapping/>
-  </p:clrMapOvr>
-</p:sld>
-</file>
-
 <file path=ppt/slides/slide9.xml><?xml version="1.0" encoding="utf-8"?>
 <p:sld xmlns:a="http://schemas.openxmlformats.org/drawingml/2006/main" xmlns:r="http://schemas.openxmlformats.org/officeDocument/2006/relationships" xmlns:p="http://schemas.openxmlformats.org/presentationml/2006/main">
   <p:cSld>
@@ -21782,7 +21922,7 @@
         <p:cNvPr id="1" name="">
           <a:extLst>
             <a:ext uri="{FF2B5EF4-FFF2-40B4-BE49-F238E27FC236}">
-              <a16:creationId xmlns:a16="http://schemas.microsoft.com/office/drawing/2014/main" id="{D730723D-7938-667F-2509-F876A4DCDD33}"/>
+              <a16:creationId xmlns:a16="http://schemas.microsoft.com/office/drawing/2014/main" id="{6CD2D0EA-9571-6638-63EE-9C6A1B3E3A52}"/>
             </a:ext>
           </a:extLst>
         </p:cNvPr>
@@ -21802,7 +21942,7 @@
           <p:cNvPr id="2" name="Title 1">
             <a:extLst>
               <a:ext uri="{FF2B5EF4-FFF2-40B4-BE49-F238E27FC236}">
-                <a16:creationId xmlns:a16="http://schemas.microsoft.com/office/drawing/2014/main" id="{25B6B18F-F79B-5A35-8FD4-791DB8859712}"/>
+                <a16:creationId xmlns:a16="http://schemas.microsoft.com/office/drawing/2014/main" id="{AAF77172-1038-6046-9795-E9A3A2604BC6}"/>
               </a:ext>
             </a:extLst>
           </p:cNvPr>
@@ -21820,7 +21960,7 @@
           <a:p>
             <a:r>
               <a:rPr lang="da-DK" dirty="0" err="1"/>
-              <a:t>MSBuild.Sdk.SqlProj.Aspire</a:t>
+              <a:t>ErikEJ.DacFX.SqlServer.Rules</a:t>
             </a:r>
             <a:endParaRPr lang="en-DK" dirty="0"/>
           </a:p>
@@ -21831,7 +21971,7 @@
           <p:cNvPr id="3" name="Content Placeholder 2">
             <a:extLst>
               <a:ext uri="{FF2B5EF4-FFF2-40B4-BE49-F238E27FC236}">
-                <a16:creationId xmlns:a16="http://schemas.microsoft.com/office/drawing/2014/main" id="{A9B3CE24-0012-934B-9AE5-80D6EA38A52A}"/>
+                <a16:creationId xmlns:a16="http://schemas.microsoft.com/office/drawing/2014/main" id="{B8276A9B-29EB-222D-DB62-E5EDE957809A}"/>
               </a:ext>
             </a:extLst>
           </p:cNvPr>
@@ -21848,28 +21988,32 @@
           <a:lstStyle/>
           <a:p>
             <a:r>
+              <a:rPr lang="da-DK" dirty="0" err="1"/>
+              <a:t>Rule</a:t>
+            </a:r>
+            <a:r>
               <a:rPr lang="da-DK" dirty="0"/>
-              <a:t>Host integration for .NET </a:t>
+              <a:t> sets with 140 </a:t>
             </a:r>
             <a:r>
               <a:rPr lang="da-DK" dirty="0" err="1"/>
-              <a:t>Aspire</a:t>
+              <a:t>rules</a:t>
             </a:r>
             <a:r>
               <a:rPr lang="da-DK" dirty="0"/>
-              <a:t> SQL Database </a:t>
+              <a:t> for </a:t>
+            </a:r>
+            <a:r>
+              <a:rPr lang="da-DK" dirty="0" err="1"/>
+              <a:t>inclusion</a:t>
+            </a:r>
+            <a:r>
+              <a:rPr lang="da-DK" dirty="0"/>
+              <a:t> in SQL Database </a:t>
             </a:r>
             <a:r>
               <a:rPr lang="da-DK" dirty="0" err="1"/>
               <a:t>project</a:t>
-            </a:r>
-            <a:r>
-              <a:rPr lang="da-DK" dirty="0"/>
-              <a:t> </a:t>
-            </a:r>
-            <a:r>
-              <a:rPr lang="da-DK" dirty="0" err="1"/>
-              <a:t>deployment</a:t>
             </a:r>
             <a:endParaRPr lang="da-DK" dirty="0"/>
           </a:p>
@@ -21930,7 +22074,39 @@
                 <a:latin typeface="Cascadia Code" panose="020B0609020000020004" pitchFamily="49" charset="0"/>
                 <a:cs typeface="Cascadia Code" panose="020B0609020000020004" pitchFamily="49" charset="0"/>
               </a:rPr>
-              <a:t>MSBuild.Sdk.SqlProj.Aspire</a:t>
+              <a:t>ErikEJ.DacFX.SqlServer.Rules</a:t>
+            </a:r>
+            <a:endParaRPr lang="da-DK" dirty="0">
+              <a:latin typeface="Cascadia Code" panose="020B0609020000020004" pitchFamily="49" charset="0"/>
+              <a:cs typeface="Cascadia Code" panose="020B0609020000020004" pitchFamily="49" charset="0"/>
+            </a:endParaRPr>
+          </a:p>
+          <a:p>
+            <a:endParaRPr lang="da-DK" dirty="0"/>
+          </a:p>
+          <a:p>
+            <a:pPr marL="0" indent="0">
+              <a:buNone/>
+            </a:pPr>
+            <a:r>
+              <a:rPr lang="da-DK" dirty="0"/>
+              <a:t>(</a:t>
+            </a:r>
+            <a:r>
+              <a:rPr lang="da-DK" dirty="0" err="1"/>
+              <a:t>also</a:t>
+            </a:r>
+            <a:r>
+              <a:rPr lang="da-DK" dirty="0"/>
+              <a:t> </a:t>
+            </a:r>
+            <a:r>
+              <a:rPr lang="da-DK" dirty="0" err="1"/>
+              <a:t>ErikEJ.DacFX.TSQLSmellSCA</a:t>
+            </a:r>
+            <a:r>
+              <a:rPr lang="da-DK" dirty="0"/>
+              <a:t>)</a:t>
             </a:r>
             <a:endParaRPr lang="en-DK" dirty="0"/>
           </a:p>
@@ -21939,7 +22115,7 @@
     </p:spTree>
     <p:extLst>
       <p:ext uri="{BB962C8B-B14F-4D97-AF65-F5344CB8AC3E}">
-        <p14:creationId xmlns:p14="http://schemas.microsoft.com/office/powerpoint/2010/main" val="1547111544"/>
+        <p14:creationId xmlns:p14="http://schemas.microsoft.com/office/powerpoint/2010/main" val="1873769460"/>
       </p:ext>
     </p:extLst>
   </p:cSld>

--- a/T-SQL Code analysis.pptx
+++ b/T-SQL Code analysis.pptx
@@ -9,26 +9,28 @@
     <p:sldId id="282" r:id="rId3"/>
     <p:sldId id="263" r:id="rId4"/>
     <p:sldId id="280" r:id="rId5"/>
-    <p:sldId id="264" r:id="rId6"/>
-    <p:sldId id="285" r:id="rId7"/>
-    <p:sldId id="287" r:id="rId8"/>
-    <p:sldId id="288" r:id="rId9"/>
-    <p:sldId id="291" r:id="rId10"/>
-    <p:sldId id="290" r:id="rId11"/>
-    <p:sldId id="292" r:id="rId12"/>
-    <p:sldId id="293" r:id="rId13"/>
-    <p:sldId id="289" r:id="rId14"/>
-    <p:sldId id="294" r:id="rId15"/>
-    <p:sldId id="266" r:id="rId16"/>
-    <p:sldId id="257" r:id="rId17"/>
-    <p:sldId id="284" r:id="rId18"/>
-    <p:sldId id="286" r:id="rId19"/>
-    <p:sldId id="283" r:id="rId20"/>
-    <p:sldId id="256" r:id="rId21"/>
-    <p:sldId id="258" r:id="rId22"/>
-    <p:sldId id="267" r:id="rId23"/>
-    <p:sldId id="275" r:id="rId24"/>
-    <p:sldId id="279" r:id="rId25"/>
+    <p:sldId id="279" r:id="rId6"/>
+    <p:sldId id="264" r:id="rId7"/>
+    <p:sldId id="285" r:id="rId8"/>
+    <p:sldId id="287" r:id="rId9"/>
+    <p:sldId id="288" r:id="rId10"/>
+    <p:sldId id="291" r:id="rId11"/>
+    <p:sldId id="290" r:id="rId12"/>
+    <p:sldId id="292" r:id="rId13"/>
+    <p:sldId id="293" r:id="rId14"/>
+    <p:sldId id="296" r:id="rId15"/>
+    <p:sldId id="289" r:id="rId16"/>
+    <p:sldId id="294" r:id="rId17"/>
+    <p:sldId id="295" r:id="rId18"/>
+    <p:sldId id="266" r:id="rId19"/>
+    <p:sldId id="257" r:id="rId20"/>
+    <p:sldId id="284" r:id="rId21"/>
+    <p:sldId id="286" r:id="rId22"/>
+    <p:sldId id="283" r:id="rId23"/>
+    <p:sldId id="256" r:id="rId24"/>
+    <p:sldId id="258" r:id="rId25"/>
+    <p:sldId id="267" r:id="rId26"/>
+    <p:sldId id="275" r:id="rId27"/>
   </p:sldIdLst>
   <p:sldSz cx="12192000" cy="6858000"/>
   <p:notesSz cx="6858000" cy="9144000"/>
@@ -2989,6 +2991,925 @@
 </file>
 
 <file path=ppt/diagrams/colors4.xml><?xml version="1.0" encoding="utf-8"?>
+<dgm:colorsDef xmlns:dgm="http://schemas.openxmlformats.org/drawingml/2006/diagram" xmlns:a="http://schemas.openxmlformats.org/drawingml/2006/main" uniqueId="urn:microsoft.com/office/officeart/2005/8/colors/colorful1">
+  <dgm:title val=""/>
+  <dgm:desc val=""/>
+  <dgm:catLst>
+    <dgm:cat type="colorful" pri="10100"/>
+  </dgm:catLst>
+  <dgm:styleLbl name="node0">
+    <dgm:fillClrLst meth="repeat">
+      <a:schemeClr val="accent1"/>
+    </dgm:fillClrLst>
+    <dgm:linClrLst meth="repeat">
+      <a:schemeClr val="lt1"/>
+    </dgm:linClrLst>
+    <dgm:effectClrLst/>
+    <dgm:txLinClrLst/>
+    <dgm:txFillClrLst/>
+    <dgm:txEffectClrLst/>
+  </dgm:styleLbl>
+  <dgm:styleLbl name="node1">
+    <dgm:fillClrLst meth="repeat">
+      <a:schemeClr val="accent2"/>
+      <a:schemeClr val="accent3"/>
+      <a:schemeClr val="accent4"/>
+      <a:schemeClr val="accent5"/>
+      <a:schemeClr val="accent6"/>
+    </dgm:fillClrLst>
+    <dgm:linClrLst meth="repeat">
+      <a:schemeClr val="lt1"/>
+    </dgm:linClrLst>
+    <dgm:effectClrLst/>
+    <dgm:txLinClrLst/>
+    <dgm:txFillClrLst/>
+    <dgm:txEffectClrLst/>
+  </dgm:styleLbl>
+  <dgm:styleLbl name="alignNode1">
+    <dgm:fillClrLst meth="repeat">
+      <a:schemeClr val="accent2"/>
+      <a:schemeClr val="accent3"/>
+      <a:schemeClr val="accent4"/>
+      <a:schemeClr val="accent5"/>
+      <a:schemeClr val="accent6"/>
+    </dgm:fillClrLst>
+    <dgm:linClrLst meth="repeat">
+      <a:schemeClr val="accent2"/>
+      <a:schemeClr val="accent3"/>
+      <a:schemeClr val="accent4"/>
+      <a:schemeClr val="accent5"/>
+      <a:schemeClr val="accent6"/>
+    </dgm:linClrLst>
+    <dgm:effectClrLst/>
+    <dgm:txLinClrLst/>
+    <dgm:txFillClrLst/>
+    <dgm:txEffectClrLst/>
+  </dgm:styleLbl>
+  <dgm:styleLbl name="lnNode1">
+    <dgm:fillClrLst meth="repeat">
+      <a:schemeClr val="accent2"/>
+      <a:schemeClr val="accent3"/>
+      <a:schemeClr val="accent4"/>
+      <a:schemeClr val="accent5"/>
+      <a:schemeClr val="accent6"/>
+    </dgm:fillClrLst>
+    <dgm:linClrLst meth="repeat">
+      <a:schemeClr val="lt1"/>
+    </dgm:linClrLst>
+    <dgm:effectClrLst/>
+    <dgm:txLinClrLst/>
+    <dgm:txFillClrLst/>
+    <dgm:txEffectClrLst/>
+  </dgm:styleLbl>
+  <dgm:styleLbl name="vennNode1">
+    <dgm:fillClrLst meth="repeat">
+      <a:schemeClr val="accent2">
+        <a:alpha val="50000"/>
+      </a:schemeClr>
+      <a:schemeClr val="accent3">
+        <a:alpha val="50000"/>
+      </a:schemeClr>
+      <a:schemeClr val="accent4">
+        <a:alpha val="50000"/>
+      </a:schemeClr>
+      <a:schemeClr val="accent5">
+        <a:alpha val="50000"/>
+      </a:schemeClr>
+      <a:schemeClr val="accent6">
+        <a:alpha val="50000"/>
+      </a:schemeClr>
+    </dgm:fillClrLst>
+    <dgm:linClrLst meth="repeat">
+      <a:schemeClr val="lt1"/>
+    </dgm:linClrLst>
+    <dgm:effectClrLst/>
+    <dgm:txLinClrLst/>
+    <dgm:txFillClrLst/>
+    <dgm:txEffectClrLst/>
+  </dgm:styleLbl>
+  <dgm:styleLbl name="node2">
+    <dgm:fillClrLst>
+      <a:schemeClr val="accent2"/>
+    </dgm:fillClrLst>
+    <dgm:linClrLst meth="repeat">
+      <a:schemeClr val="lt1"/>
+    </dgm:linClrLst>
+    <dgm:effectClrLst/>
+    <dgm:txLinClrLst/>
+    <dgm:txFillClrLst/>
+    <dgm:txEffectClrLst/>
+  </dgm:styleLbl>
+  <dgm:styleLbl name="node3">
+    <dgm:fillClrLst>
+      <a:schemeClr val="accent3"/>
+    </dgm:fillClrLst>
+    <dgm:linClrLst meth="repeat">
+      <a:schemeClr val="lt1"/>
+    </dgm:linClrLst>
+    <dgm:effectClrLst/>
+    <dgm:txLinClrLst/>
+    <dgm:txFillClrLst/>
+    <dgm:txEffectClrLst/>
+  </dgm:styleLbl>
+  <dgm:styleLbl name="node4">
+    <dgm:fillClrLst>
+      <a:schemeClr val="accent4"/>
+    </dgm:fillClrLst>
+    <dgm:linClrLst meth="repeat">
+      <a:schemeClr val="lt1"/>
+    </dgm:linClrLst>
+    <dgm:effectClrLst/>
+    <dgm:txLinClrLst/>
+    <dgm:txFillClrLst/>
+    <dgm:txEffectClrLst/>
+  </dgm:styleLbl>
+  <dgm:styleLbl name="fgImgPlace1">
+    <dgm:fillClrLst meth="repeat">
+      <a:schemeClr val="accent2">
+        <a:tint val="50000"/>
+      </a:schemeClr>
+      <a:schemeClr val="accent3">
+        <a:tint val="50000"/>
+      </a:schemeClr>
+      <a:schemeClr val="accent4">
+        <a:tint val="50000"/>
+      </a:schemeClr>
+      <a:schemeClr val="accent5">
+        <a:tint val="50000"/>
+      </a:schemeClr>
+      <a:schemeClr val="accent6">
+        <a:tint val="50000"/>
+      </a:schemeClr>
+    </dgm:fillClrLst>
+    <dgm:linClrLst meth="repeat">
+      <a:schemeClr val="lt1"/>
+    </dgm:linClrLst>
+    <dgm:effectClrLst/>
+    <dgm:txLinClrLst/>
+    <dgm:txFillClrLst meth="repeat">
+      <a:schemeClr val="lt1"/>
+    </dgm:txFillClrLst>
+    <dgm:txEffectClrLst/>
+  </dgm:styleLbl>
+  <dgm:styleLbl name="alignImgPlace1">
+    <dgm:fillClrLst>
+      <a:schemeClr val="accent1">
+        <a:tint val="50000"/>
+      </a:schemeClr>
+      <a:schemeClr val="accent2">
+        <a:tint val="20000"/>
+      </a:schemeClr>
+    </dgm:fillClrLst>
+    <dgm:linClrLst meth="repeat">
+      <a:schemeClr val="lt1"/>
+    </dgm:linClrLst>
+    <dgm:effectClrLst/>
+    <dgm:txLinClrLst/>
+    <dgm:txFillClrLst meth="repeat">
+      <a:schemeClr val="lt1"/>
+    </dgm:txFillClrLst>
+    <dgm:txEffectClrLst/>
+  </dgm:styleLbl>
+  <dgm:styleLbl name="bgImgPlace1">
+    <dgm:fillClrLst>
+      <a:schemeClr val="accent1">
+        <a:tint val="50000"/>
+      </a:schemeClr>
+      <a:schemeClr val="accent2">
+        <a:tint val="20000"/>
+      </a:schemeClr>
+    </dgm:fillClrLst>
+    <dgm:linClrLst meth="repeat">
+      <a:schemeClr val="lt1"/>
+    </dgm:linClrLst>
+    <dgm:effectClrLst/>
+    <dgm:txLinClrLst/>
+    <dgm:txFillClrLst meth="repeat">
+      <a:schemeClr val="lt1"/>
+    </dgm:txFillClrLst>
+    <dgm:txEffectClrLst/>
+  </dgm:styleLbl>
+  <dgm:styleLbl name="sibTrans2D1">
+    <dgm:fillClrLst meth="repeat">
+      <a:schemeClr val="accent2"/>
+      <a:schemeClr val="accent3"/>
+      <a:schemeClr val="accent4"/>
+      <a:schemeClr val="accent5"/>
+      <a:schemeClr val="accent6"/>
+    </dgm:fillClrLst>
+    <dgm:linClrLst meth="cycle">
+      <a:schemeClr val="lt1"/>
+    </dgm:linClrLst>
+    <dgm:effectClrLst/>
+    <dgm:txLinClrLst/>
+    <dgm:txFillClrLst/>
+    <dgm:txEffectClrLst/>
+  </dgm:styleLbl>
+  <dgm:styleLbl name="fgSibTrans2D1">
+    <dgm:fillClrLst meth="repeat">
+      <a:schemeClr val="accent2"/>
+      <a:schemeClr val="accent3"/>
+      <a:schemeClr val="accent4"/>
+      <a:schemeClr val="accent5"/>
+      <a:schemeClr val="accent6"/>
+    </dgm:fillClrLst>
+    <dgm:linClrLst meth="cycle">
+      <a:schemeClr val="lt1"/>
+    </dgm:linClrLst>
+    <dgm:effectClrLst/>
+    <dgm:txLinClrLst/>
+    <dgm:txFillClrLst meth="repeat">
+      <a:schemeClr val="lt1"/>
+    </dgm:txFillClrLst>
+    <dgm:txEffectClrLst/>
+  </dgm:styleLbl>
+  <dgm:styleLbl name="bgSibTrans2D1">
+    <dgm:fillClrLst meth="repeat">
+      <a:schemeClr val="accent2"/>
+      <a:schemeClr val="accent3"/>
+      <a:schemeClr val="accent4"/>
+      <a:schemeClr val="accent5"/>
+      <a:schemeClr val="accent6"/>
+    </dgm:fillClrLst>
+    <dgm:linClrLst meth="cycle">
+      <a:schemeClr val="lt1"/>
+    </dgm:linClrLst>
+    <dgm:effectClrLst/>
+    <dgm:txLinClrLst/>
+    <dgm:txFillClrLst meth="repeat">
+      <a:schemeClr val="lt1"/>
+    </dgm:txFillClrLst>
+    <dgm:txEffectClrLst/>
+  </dgm:styleLbl>
+  <dgm:styleLbl name="sibTrans1D1">
+    <dgm:fillClrLst meth="repeat">
+      <a:schemeClr val="accent2"/>
+      <a:schemeClr val="accent3"/>
+      <a:schemeClr val="accent4"/>
+      <a:schemeClr val="accent5"/>
+      <a:schemeClr val="accent6"/>
+    </dgm:fillClrLst>
+    <dgm:linClrLst meth="repeat">
+      <a:schemeClr val="accent2"/>
+      <a:schemeClr val="accent3"/>
+      <a:schemeClr val="accent4"/>
+      <a:schemeClr val="accent5"/>
+      <a:schemeClr val="accent6"/>
+    </dgm:linClrLst>
+    <dgm:effectClrLst/>
+    <dgm:txLinClrLst/>
+    <dgm:txFillClrLst meth="repeat">
+      <a:schemeClr val="tx1"/>
+    </dgm:txFillClrLst>
+    <dgm:txEffectClrLst/>
+  </dgm:styleLbl>
+  <dgm:styleLbl name="callout">
+    <dgm:fillClrLst meth="repeat">
+      <a:schemeClr val="accent2"/>
+    </dgm:fillClrLst>
+    <dgm:linClrLst meth="repeat">
+      <a:schemeClr val="accent2">
+        <a:tint val="50000"/>
+      </a:schemeClr>
+    </dgm:linClrLst>
+    <dgm:effectClrLst/>
+    <dgm:txLinClrLst/>
+    <dgm:txFillClrLst meth="repeat">
+      <a:schemeClr val="tx1"/>
+    </dgm:txFillClrLst>
+    <dgm:txEffectClrLst/>
+  </dgm:styleLbl>
+  <dgm:styleLbl name="asst0">
+    <dgm:fillClrLst meth="repeat">
+      <a:schemeClr val="accent1"/>
+    </dgm:fillClrLst>
+    <dgm:linClrLst meth="repeat">
+      <a:schemeClr val="lt1"/>
+    </dgm:linClrLst>
+    <dgm:effectClrLst/>
+    <dgm:txLinClrLst/>
+    <dgm:txFillClrLst/>
+    <dgm:txEffectClrLst/>
+  </dgm:styleLbl>
+  <dgm:styleLbl name="asst1">
+    <dgm:fillClrLst meth="repeat">
+      <a:schemeClr val="accent2"/>
+    </dgm:fillClrLst>
+    <dgm:linClrLst meth="repeat">
+      <a:schemeClr val="lt1"/>
+    </dgm:linClrLst>
+    <dgm:effectClrLst/>
+    <dgm:txLinClrLst/>
+    <dgm:txFillClrLst/>
+    <dgm:txEffectClrLst/>
+  </dgm:styleLbl>
+  <dgm:styleLbl name="asst2">
+    <dgm:fillClrLst>
+      <a:schemeClr val="accent3"/>
+    </dgm:fillClrLst>
+    <dgm:linClrLst meth="repeat">
+      <a:schemeClr val="lt1"/>
+    </dgm:linClrLst>
+    <dgm:effectClrLst/>
+    <dgm:txLinClrLst/>
+    <dgm:txFillClrLst/>
+    <dgm:txEffectClrLst/>
+  </dgm:styleLbl>
+  <dgm:styleLbl name="asst3">
+    <dgm:fillClrLst>
+      <a:schemeClr val="accent4"/>
+    </dgm:fillClrLst>
+    <dgm:linClrLst meth="repeat">
+      <a:schemeClr val="lt1"/>
+    </dgm:linClrLst>
+    <dgm:effectClrLst/>
+    <dgm:txLinClrLst/>
+    <dgm:txFillClrLst/>
+    <dgm:txEffectClrLst/>
+  </dgm:styleLbl>
+  <dgm:styleLbl name="asst4">
+    <dgm:fillClrLst>
+      <a:schemeClr val="accent5"/>
+    </dgm:fillClrLst>
+    <dgm:linClrLst meth="repeat">
+      <a:schemeClr val="lt1"/>
+    </dgm:linClrLst>
+    <dgm:effectClrLst/>
+    <dgm:txLinClrLst/>
+    <dgm:txFillClrLst/>
+    <dgm:txEffectClrLst/>
+  </dgm:styleLbl>
+  <dgm:styleLbl name="parChTrans2D1">
+    <dgm:fillClrLst meth="repeat">
+      <a:schemeClr val="accent2"/>
+    </dgm:fillClrLst>
+    <dgm:linClrLst meth="repeat">
+      <a:schemeClr val="lt1"/>
+    </dgm:linClrLst>
+    <dgm:effectClrLst/>
+    <dgm:txLinClrLst/>
+    <dgm:txFillClrLst meth="repeat">
+      <a:schemeClr val="lt1"/>
+    </dgm:txFillClrLst>
+    <dgm:txEffectClrLst/>
+  </dgm:styleLbl>
+  <dgm:styleLbl name="parChTrans2D2">
+    <dgm:fillClrLst meth="repeat">
+      <a:schemeClr val="accent3"/>
+    </dgm:fillClrLst>
+    <dgm:linClrLst meth="repeat">
+      <a:schemeClr val="lt1"/>
+    </dgm:linClrLst>
+    <dgm:effectClrLst/>
+    <dgm:txLinClrLst/>
+    <dgm:txFillClrLst/>
+    <dgm:txEffectClrLst/>
+  </dgm:styleLbl>
+  <dgm:styleLbl name="parChTrans2D3">
+    <dgm:fillClrLst meth="repeat">
+      <a:schemeClr val="accent4"/>
+    </dgm:fillClrLst>
+    <dgm:linClrLst meth="repeat">
+      <a:schemeClr val="lt1"/>
+    </dgm:linClrLst>
+    <dgm:effectClrLst/>
+    <dgm:txLinClrLst/>
+    <dgm:txFillClrLst/>
+    <dgm:txEffectClrLst/>
+  </dgm:styleLbl>
+  <dgm:styleLbl name="parChTrans2D4">
+    <dgm:fillClrLst meth="repeat">
+      <a:schemeClr val="accent5"/>
+    </dgm:fillClrLst>
+    <dgm:linClrLst meth="repeat">
+      <a:schemeClr val="lt1"/>
+    </dgm:linClrLst>
+    <dgm:effectClrLst/>
+    <dgm:txLinClrLst/>
+    <dgm:txFillClrLst meth="repeat">
+      <a:schemeClr val="lt1"/>
+    </dgm:txFillClrLst>
+    <dgm:txEffectClrLst/>
+  </dgm:styleLbl>
+  <dgm:styleLbl name="parChTrans1D1">
+    <dgm:fillClrLst meth="repeat">
+      <a:schemeClr val="accent2"/>
+    </dgm:fillClrLst>
+    <dgm:linClrLst meth="repeat">
+      <a:schemeClr val="accent1"/>
+    </dgm:linClrLst>
+    <dgm:effectClrLst/>
+    <dgm:txLinClrLst/>
+    <dgm:txFillClrLst meth="repeat">
+      <a:schemeClr val="tx1"/>
+    </dgm:txFillClrLst>
+    <dgm:txEffectClrLst/>
+  </dgm:styleLbl>
+  <dgm:styleLbl name="parChTrans1D2">
+    <dgm:fillClrLst meth="repeat">
+      <a:schemeClr val="accent3">
+        <a:tint val="90000"/>
+      </a:schemeClr>
+    </dgm:fillClrLst>
+    <dgm:linClrLst meth="repeat">
+      <a:schemeClr val="accent2"/>
+    </dgm:linClrLst>
+    <dgm:effectClrLst/>
+    <dgm:txLinClrLst/>
+    <dgm:txFillClrLst meth="repeat">
+      <a:schemeClr val="tx1"/>
+    </dgm:txFillClrLst>
+    <dgm:txEffectClrLst/>
+  </dgm:styleLbl>
+  <dgm:styleLbl name="parChTrans1D3">
+    <dgm:fillClrLst meth="repeat">
+      <a:schemeClr val="accent4">
+        <a:tint val="70000"/>
+      </a:schemeClr>
+    </dgm:fillClrLst>
+    <dgm:linClrLst meth="repeat">
+      <a:schemeClr val="accent3"/>
+    </dgm:linClrLst>
+    <dgm:effectClrLst/>
+    <dgm:txLinClrLst/>
+    <dgm:txFillClrLst meth="repeat">
+      <a:schemeClr val="tx1"/>
+    </dgm:txFillClrLst>
+    <dgm:txEffectClrLst/>
+  </dgm:styleLbl>
+  <dgm:styleLbl name="parChTrans1D4">
+    <dgm:fillClrLst meth="repeat">
+      <a:schemeClr val="accent5">
+        <a:tint val="50000"/>
+      </a:schemeClr>
+    </dgm:fillClrLst>
+    <dgm:linClrLst meth="repeat">
+      <a:schemeClr val="accent4"/>
+    </dgm:linClrLst>
+    <dgm:effectClrLst/>
+    <dgm:txLinClrLst/>
+    <dgm:txFillClrLst meth="repeat">
+      <a:schemeClr val="tx1"/>
+    </dgm:txFillClrLst>
+    <dgm:txEffectClrLst/>
+  </dgm:styleLbl>
+  <dgm:styleLbl name="fgAcc1">
+    <dgm:fillClrLst meth="repeat">
+      <a:schemeClr val="lt1">
+        <a:alpha val="90000"/>
+      </a:schemeClr>
+    </dgm:fillClrLst>
+    <dgm:linClrLst meth="repeat">
+      <a:schemeClr val="accent2"/>
+      <a:schemeClr val="accent3"/>
+      <a:schemeClr val="accent4"/>
+      <a:schemeClr val="accent5"/>
+      <a:schemeClr val="accent6"/>
+    </dgm:linClrLst>
+    <dgm:effectClrLst/>
+    <dgm:txLinClrLst/>
+    <dgm:txFillClrLst meth="repeat">
+      <a:schemeClr val="dk1"/>
+    </dgm:txFillClrLst>
+    <dgm:txEffectClrLst/>
+  </dgm:styleLbl>
+  <dgm:styleLbl name="conFgAcc1">
+    <dgm:fillClrLst meth="repeat">
+      <a:schemeClr val="lt1">
+        <a:alpha val="90000"/>
+      </a:schemeClr>
+    </dgm:fillClrLst>
+    <dgm:linClrLst meth="repeat">
+      <a:schemeClr val="accent2"/>
+      <a:schemeClr val="accent3"/>
+      <a:schemeClr val="accent4"/>
+      <a:schemeClr val="accent5"/>
+      <a:schemeClr val="accent6"/>
+    </dgm:linClrLst>
+    <dgm:effectClrLst/>
+    <dgm:txLinClrLst/>
+    <dgm:txFillClrLst meth="repeat">
+      <a:schemeClr val="dk1"/>
+    </dgm:txFillClrLst>
+    <dgm:txEffectClrLst/>
+  </dgm:styleLbl>
+  <dgm:styleLbl name="alignAcc1">
+    <dgm:fillClrLst meth="repeat">
+      <a:schemeClr val="lt1">
+        <a:alpha val="90000"/>
+      </a:schemeClr>
+    </dgm:fillClrLst>
+    <dgm:linClrLst meth="repeat">
+      <a:schemeClr val="accent2"/>
+      <a:schemeClr val="accent3"/>
+      <a:schemeClr val="accent4"/>
+      <a:schemeClr val="accent5"/>
+      <a:schemeClr val="accent6"/>
+    </dgm:linClrLst>
+    <dgm:effectClrLst/>
+    <dgm:txLinClrLst/>
+    <dgm:txFillClrLst meth="repeat">
+      <a:schemeClr val="dk1"/>
+    </dgm:txFillClrLst>
+    <dgm:txEffectClrLst/>
+  </dgm:styleLbl>
+  <dgm:styleLbl name="trAlignAcc1">
+    <dgm:fillClrLst meth="repeat">
+      <a:schemeClr val="lt1">
+        <a:alpha val="40000"/>
+      </a:schemeClr>
+    </dgm:fillClrLst>
+    <dgm:linClrLst meth="repeat">
+      <a:schemeClr val="accent1"/>
+    </dgm:linClrLst>
+    <dgm:effectClrLst/>
+    <dgm:txLinClrLst/>
+    <dgm:txFillClrLst meth="repeat">
+      <a:schemeClr val="dk1"/>
+    </dgm:txFillClrLst>
+    <dgm:txEffectClrLst/>
+  </dgm:styleLbl>
+  <dgm:styleLbl name="bgAcc1">
+    <dgm:fillClrLst meth="repeat">
+      <a:schemeClr val="lt1">
+        <a:alpha val="90000"/>
+      </a:schemeClr>
+    </dgm:fillClrLst>
+    <dgm:linClrLst meth="repeat">
+      <a:schemeClr val="accent2"/>
+      <a:schemeClr val="accent3"/>
+      <a:schemeClr val="accent4"/>
+      <a:schemeClr val="accent5"/>
+      <a:schemeClr val="accent6"/>
+    </dgm:linClrLst>
+    <dgm:effectClrLst/>
+    <dgm:txLinClrLst/>
+    <dgm:txFillClrLst meth="repeat">
+      <a:schemeClr val="dk1"/>
+    </dgm:txFillClrLst>
+    <dgm:txEffectClrLst/>
+  </dgm:styleLbl>
+  <dgm:styleLbl name="solidFgAcc1">
+    <dgm:fillClrLst meth="repeat">
+      <a:schemeClr val="lt1"/>
+    </dgm:fillClrLst>
+    <dgm:linClrLst meth="repeat">
+      <a:schemeClr val="accent2"/>
+      <a:schemeClr val="accent3"/>
+      <a:schemeClr val="accent4"/>
+      <a:schemeClr val="accent5"/>
+      <a:schemeClr val="accent6"/>
+    </dgm:linClrLst>
+    <dgm:effectClrLst/>
+    <dgm:txLinClrLst/>
+    <dgm:txFillClrLst meth="repeat">
+      <a:schemeClr val="dk1"/>
+    </dgm:txFillClrLst>
+    <dgm:txEffectClrLst/>
+  </dgm:styleLbl>
+  <dgm:styleLbl name="solidAlignAcc1">
+    <dgm:fillClrLst meth="repeat">
+      <a:schemeClr val="lt1"/>
+    </dgm:fillClrLst>
+    <dgm:linClrLst meth="repeat">
+      <a:schemeClr val="accent2"/>
+      <a:schemeClr val="accent3"/>
+      <a:schemeClr val="accent4"/>
+      <a:schemeClr val="accent5"/>
+      <a:schemeClr val="accent6"/>
+    </dgm:linClrLst>
+    <dgm:effectClrLst/>
+    <dgm:txLinClrLst/>
+    <dgm:txFillClrLst meth="repeat">
+      <a:schemeClr val="dk1"/>
+    </dgm:txFillClrLst>
+    <dgm:txEffectClrLst/>
+  </dgm:styleLbl>
+  <dgm:styleLbl name="solidBgAcc1">
+    <dgm:fillClrLst meth="repeat">
+      <a:schemeClr val="lt1"/>
+    </dgm:fillClrLst>
+    <dgm:linClrLst meth="repeat">
+      <a:schemeClr val="accent2"/>
+      <a:schemeClr val="accent3"/>
+      <a:schemeClr val="accent4"/>
+      <a:schemeClr val="accent5"/>
+      <a:schemeClr val="accent6"/>
+    </dgm:linClrLst>
+    <dgm:effectClrLst/>
+    <dgm:txLinClrLst/>
+    <dgm:txFillClrLst meth="repeat">
+      <a:schemeClr val="dk1"/>
+    </dgm:txFillClrLst>
+    <dgm:txEffectClrLst/>
+  </dgm:styleLbl>
+  <dgm:styleLbl name="fgAccFollowNode1">
+    <dgm:fillClrLst meth="repeat">
+      <a:schemeClr val="accent2">
+        <a:tint val="40000"/>
+        <a:alpha val="90000"/>
+      </a:schemeClr>
+      <a:schemeClr val="accent3">
+        <a:tint val="40000"/>
+        <a:alpha val="90000"/>
+      </a:schemeClr>
+      <a:schemeClr val="accent4">
+        <a:tint val="40000"/>
+        <a:alpha val="90000"/>
+      </a:schemeClr>
+      <a:schemeClr val="accent5">
+        <a:tint val="40000"/>
+        <a:alpha val="90000"/>
+      </a:schemeClr>
+      <a:schemeClr val="accent6">
+        <a:tint val="40000"/>
+        <a:alpha val="90000"/>
+      </a:schemeClr>
+    </dgm:fillClrLst>
+    <dgm:linClrLst meth="repeat">
+      <a:schemeClr val="accent2">
+        <a:tint val="40000"/>
+        <a:alpha val="90000"/>
+      </a:schemeClr>
+      <a:schemeClr val="accent3">
+        <a:tint val="40000"/>
+        <a:alpha val="90000"/>
+      </a:schemeClr>
+      <a:schemeClr val="accent4">
+        <a:tint val="40000"/>
+        <a:alpha val="90000"/>
+      </a:schemeClr>
+      <a:schemeClr val="accent5">
+        <a:tint val="40000"/>
+        <a:alpha val="90000"/>
+      </a:schemeClr>
+      <a:schemeClr val="accent6">
+        <a:tint val="40000"/>
+        <a:alpha val="90000"/>
+      </a:schemeClr>
+    </dgm:linClrLst>
+    <dgm:effectClrLst/>
+    <dgm:txLinClrLst/>
+    <dgm:txFillClrLst meth="repeat">
+      <a:schemeClr val="dk1"/>
+    </dgm:txFillClrLst>
+    <dgm:txEffectClrLst/>
+  </dgm:styleLbl>
+  <dgm:styleLbl name="alignAccFollowNode1">
+    <dgm:fillClrLst meth="repeat">
+      <a:schemeClr val="accent2">
+        <a:tint val="40000"/>
+        <a:alpha val="90000"/>
+      </a:schemeClr>
+      <a:schemeClr val="accent3">
+        <a:tint val="40000"/>
+        <a:alpha val="90000"/>
+      </a:schemeClr>
+      <a:schemeClr val="accent4">
+        <a:tint val="40000"/>
+        <a:alpha val="90000"/>
+      </a:schemeClr>
+      <a:schemeClr val="accent5">
+        <a:tint val="40000"/>
+        <a:alpha val="90000"/>
+      </a:schemeClr>
+      <a:schemeClr val="accent6">
+        <a:tint val="40000"/>
+        <a:alpha val="90000"/>
+      </a:schemeClr>
+    </dgm:fillClrLst>
+    <dgm:linClrLst meth="repeat">
+      <a:schemeClr val="accent2">
+        <a:tint val="40000"/>
+        <a:alpha val="90000"/>
+      </a:schemeClr>
+      <a:schemeClr val="accent3">
+        <a:tint val="40000"/>
+        <a:alpha val="90000"/>
+      </a:schemeClr>
+      <a:schemeClr val="accent4">
+        <a:tint val="40000"/>
+        <a:alpha val="90000"/>
+      </a:schemeClr>
+      <a:schemeClr val="accent5">
+        <a:tint val="40000"/>
+        <a:alpha val="90000"/>
+      </a:schemeClr>
+      <a:schemeClr val="accent6">
+        <a:tint val="40000"/>
+        <a:alpha val="90000"/>
+      </a:schemeClr>
+    </dgm:linClrLst>
+    <dgm:effectClrLst/>
+    <dgm:txLinClrLst/>
+    <dgm:txFillClrLst meth="repeat">
+      <a:schemeClr val="dk1"/>
+    </dgm:txFillClrLst>
+    <dgm:txEffectClrLst/>
+  </dgm:styleLbl>
+  <dgm:styleLbl name="bgAccFollowNode1">
+    <dgm:fillClrLst meth="repeat">
+      <a:schemeClr val="accent2">
+        <a:tint val="40000"/>
+        <a:alpha val="90000"/>
+      </a:schemeClr>
+      <a:schemeClr val="accent3">
+        <a:tint val="40000"/>
+        <a:alpha val="90000"/>
+      </a:schemeClr>
+      <a:schemeClr val="accent4">
+        <a:tint val="40000"/>
+        <a:alpha val="90000"/>
+      </a:schemeClr>
+      <a:schemeClr val="accent5">
+        <a:tint val="40000"/>
+        <a:alpha val="90000"/>
+      </a:schemeClr>
+      <a:schemeClr val="accent6">
+        <a:tint val="40000"/>
+        <a:alpha val="90000"/>
+      </a:schemeClr>
+    </dgm:fillClrLst>
+    <dgm:linClrLst meth="repeat">
+      <a:schemeClr val="accent2">
+        <a:tint val="40000"/>
+        <a:alpha val="90000"/>
+      </a:schemeClr>
+      <a:schemeClr val="accent3">
+        <a:tint val="40000"/>
+        <a:alpha val="90000"/>
+      </a:schemeClr>
+      <a:schemeClr val="accent4">
+        <a:tint val="40000"/>
+        <a:alpha val="90000"/>
+      </a:schemeClr>
+      <a:schemeClr val="accent5">
+        <a:tint val="40000"/>
+        <a:alpha val="90000"/>
+      </a:schemeClr>
+      <a:schemeClr val="accent6">
+        <a:tint val="40000"/>
+        <a:alpha val="90000"/>
+      </a:schemeClr>
+    </dgm:linClrLst>
+    <dgm:effectClrLst/>
+    <dgm:txLinClrLst/>
+    <dgm:txFillClrLst meth="repeat">
+      <a:schemeClr val="dk1"/>
+    </dgm:txFillClrLst>
+    <dgm:txEffectClrLst/>
+  </dgm:styleLbl>
+  <dgm:styleLbl name="fgAcc0">
+    <dgm:fillClrLst meth="repeat">
+      <a:schemeClr val="lt1">
+        <a:alpha val="90000"/>
+      </a:schemeClr>
+    </dgm:fillClrLst>
+    <dgm:linClrLst>
+      <a:schemeClr val="accent1"/>
+    </dgm:linClrLst>
+    <dgm:effectClrLst/>
+    <dgm:txLinClrLst/>
+    <dgm:txFillClrLst meth="repeat">
+      <a:schemeClr val="dk1"/>
+    </dgm:txFillClrLst>
+    <dgm:txEffectClrLst/>
+  </dgm:styleLbl>
+  <dgm:styleLbl name="fgAcc2">
+    <dgm:fillClrLst meth="repeat">
+      <a:schemeClr val="lt1">
+        <a:alpha val="90000"/>
+      </a:schemeClr>
+    </dgm:fillClrLst>
+    <dgm:linClrLst>
+      <a:schemeClr val="accent2"/>
+    </dgm:linClrLst>
+    <dgm:effectClrLst/>
+    <dgm:txLinClrLst/>
+    <dgm:txFillClrLst meth="repeat">
+      <a:schemeClr val="dk1"/>
+    </dgm:txFillClrLst>
+    <dgm:txEffectClrLst/>
+  </dgm:styleLbl>
+  <dgm:styleLbl name="fgAcc3">
+    <dgm:fillClrLst meth="repeat">
+      <a:schemeClr val="lt1">
+        <a:alpha val="90000"/>
+      </a:schemeClr>
+    </dgm:fillClrLst>
+    <dgm:linClrLst>
+      <a:schemeClr val="accent3"/>
+    </dgm:linClrLst>
+    <dgm:effectClrLst/>
+    <dgm:txLinClrLst/>
+    <dgm:txFillClrLst meth="repeat">
+      <a:schemeClr val="dk1"/>
+    </dgm:txFillClrLst>
+    <dgm:txEffectClrLst/>
+  </dgm:styleLbl>
+  <dgm:styleLbl name="fgAcc4">
+    <dgm:fillClrLst meth="repeat">
+      <a:schemeClr val="lt1">
+        <a:alpha val="90000"/>
+      </a:schemeClr>
+    </dgm:fillClrLst>
+    <dgm:linClrLst>
+      <a:schemeClr val="accent4"/>
+    </dgm:linClrLst>
+    <dgm:effectClrLst/>
+    <dgm:txLinClrLst/>
+    <dgm:txFillClrLst meth="repeat">
+      <a:schemeClr val="dk1"/>
+    </dgm:txFillClrLst>
+    <dgm:txEffectClrLst/>
+  </dgm:styleLbl>
+  <dgm:styleLbl name="bgShp">
+    <dgm:fillClrLst meth="repeat">
+      <a:schemeClr val="accent2">
+        <a:tint val="40000"/>
+      </a:schemeClr>
+    </dgm:fillClrLst>
+    <dgm:linClrLst meth="repeat">
+      <a:schemeClr val="dk1"/>
+    </dgm:linClrLst>
+    <dgm:effectClrLst/>
+    <dgm:txLinClrLst/>
+    <dgm:txFillClrLst meth="repeat">
+      <a:schemeClr val="dk1"/>
+    </dgm:txFillClrLst>
+    <dgm:txEffectClrLst/>
+  </dgm:styleLbl>
+  <dgm:styleLbl name="dkBgShp">
+    <dgm:fillClrLst meth="repeat">
+      <a:schemeClr val="accent2">
+        <a:shade val="90000"/>
+      </a:schemeClr>
+    </dgm:fillClrLst>
+    <dgm:linClrLst meth="repeat">
+      <a:schemeClr val="dk1"/>
+    </dgm:linClrLst>
+    <dgm:effectClrLst/>
+    <dgm:txLinClrLst/>
+    <dgm:txFillClrLst meth="repeat">
+      <a:schemeClr val="lt1"/>
+    </dgm:txFillClrLst>
+    <dgm:txEffectClrLst/>
+  </dgm:styleLbl>
+  <dgm:styleLbl name="trBgShp">
+    <dgm:fillClrLst meth="repeat">
+      <a:schemeClr val="accent1">
+        <a:tint val="50000"/>
+        <a:alpha val="40000"/>
+      </a:schemeClr>
+    </dgm:fillClrLst>
+    <dgm:linClrLst meth="repeat">
+      <a:schemeClr val="accent2"/>
+    </dgm:linClrLst>
+    <dgm:effectClrLst/>
+    <dgm:txLinClrLst/>
+    <dgm:txFillClrLst meth="repeat">
+      <a:schemeClr val="lt1"/>
+    </dgm:txFillClrLst>
+    <dgm:txEffectClrLst/>
+  </dgm:styleLbl>
+  <dgm:styleLbl name="fgShp">
+    <dgm:fillClrLst meth="repeat">
+      <a:schemeClr val="accent2">
+        <a:tint val="40000"/>
+      </a:schemeClr>
+    </dgm:fillClrLst>
+    <dgm:linClrLst meth="repeat">
+      <a:schemeClr val="lt1"/>
+    </dgm:linClrLst>
+    <dgm:effectClrLst/>
+    <dgm:txLinClrLst/>
+    <dgm:txFillClrLst meth="repeat">
+      <a:schemeClr val="dk1"/>
+    </dgm:txFillClrLst>
+    <dgm:txEffectClrLst/>
+  </dgm:styleLbl>
+  <dgm:styleLbl name="revTx">
+    <dgm:fillClrLst meth="repeat">
+      <a:schemeClr val="lt1">
+        <a:alpha val="0"/>
+      </a:schemeClr>
+    </dgm:fillClrLst>
+    <dgm:linClrLst meth="repeat">
+      <a:schemeClr val="dk1">
+        <a:alpha val="0"/>
+      </a:schemeClr>
+    </dgm:linClrLst>
+    <dgm:effectClrLst/>
+    <dgm:txLinClrLst/>
+    <dgm:txFillClrLst meth="repeat">
+      <a:schemeClr val="tx1"/>
+    </dgm:txFillClrLst>
+    <dgm:txEffectClrLst/>
+  </dgm:styleLbl>
+</dgm:colorsDef>
+</file>
+
+<file path=ppt/diagrams/colors5.xml><?xml version="1.0" encoding="utf-8"?>
 <dgm:colorsDef xmlns:dgm="http://schemas.openxmlformats.org/drawingml/2006/diagram" xmlns:a="http://schemas.openxmlformats.org/drawingml/2006/main" uniqueId="urn:microsoft.com/office/officeart/2005/8/colors/colorful1">
   <dgm:title val=""/>
   <dgm:desc val=""/>
@@ -4849,6 +5770,462 @@
 </file>
 
 <file path=ppt/diagrams/data4.xml><?xml version="1.0" encoding="utf-8"?>
+<dgm:dataModel xmlns:dgm="http://schemas.openxmlformats.org/drawingml/2006/diagram" xmlns:a="http://schemas.openxmlformats.org/drawingml/2006/main">
+  <dgm:ptLst>
+    <dgm:pt modelId="{F18E33E7-74E1-4618-B405-029F2AC4FB3E}" type="doc">
+      <dgm:prSet loTypeId="urn:microsoft.com/office/officeart/2005/8/layout/default" loCatId="list" qsTypeId="urn:microsoft.com/office/officeart/2005/8/quickstyle/simple1" qsCatId="simple" csTypeId="urn:microsoft.com/office/officeart/2005/8/colors/colorful1" csCatId="colorful"/>
+      <dgm:spPr/>
+      <dgm:t>
+        <a:bodyPr/>
+        <a:lstStyle/>
+        <a:p>
+          <a:endParaRPr lang="en-US"/>
+        </a:p>
+      </dgm:t>
+    </dgm:pt>
+    <dgm:pt modelId="{BFB856E9-A8D4-48B1-AC4B-D224432A56D3}">
+      <dgm:prSet/>
+      <dgm:spPr/>
+      <dgm:t>
+        <a:bodyPr/>
+        <a:lstStyle/>
+        <a:p>
+          <a:r>
+            <a:rPr lang="da-DK"/>
+            <a:t>Import database (MsBuild.Sdk.SqlProj)</a:t>
+          </a:r>
+          <a:endParaRPr lang="en-US"/>
+        </a:p>
+      </dgm:t>
+    </dgm:pt>
+    <dgm:pt modelId="{7B91156F-E228-44F6-9A7F-B8FAC82E231A}" type="parTrans" cxnId="{2D9A70D6-613D-466C-9ECC-FE6159E5CB0C}">
+      <dgm:prSet/>
+      <dgm:spPr/>
+      <dgm:t>
+        <a:bodyPr/>
+        <a:lstStyle/>
+        <a:p>
+          <a:endParaRPr lang="en-US"/>
+        </a:p>
+      </dgm:t>
+    </dgm:pt>
+    <dgm:pt modelId="{0AAA9EA5-BE07-4BD1-8E1C-43B3FEF0FE17}" type="sibTrans" cxnId="{2D9A70D6-613D-466C-9ECC-FE6159E5CB0C}">
+      <dgm:prSet/>
+      <dgm:spPr/>
+      <dgm:t>
+        <a:bodyPr/>
+        <a:lstStyle/>
+        <a:p>
+          <a:endParaRPr lang="en-US"/>
+        </a:p>
+      </dgm:t>
+    </dgm:pt>
+    <dgm:pt modelId="{1C6878D3-E929-4384-BEBC-496B9A836BDB}">
+      <dgm:prSet/>
+      <dgm:spPr/>
+      <dgm:t>
+        <a:bodyPr/>
+        <a:lstStyle/>
+        <a:p>
+          <a:r>
+            <a:rPr lang="da-DK"/>
+            <a:t>Analyze (html output)</a:t>
+          </a:r>
+          <a:endParaRPr lang="en-US"/>
+        </a:p>
+      </dgm:t>
+    </dgm:pt>
+    <dgm:pt modelId="{2E4298C9-4164-4876-9242-927FB9BBEA46}" type="parTrans" cxnId="{9B334D7A-90E9-4D0C-B5CF-8C7366FD1BFF}">
+      <dgm:prSet/>
+      <dgm:spPr/>
+      <dgm:t>
+        <a:bodyPr/>
+        <a:lstStyle/>
+        <a:p>
+          <a:endParaRPr lang="en-US"/>
+        </a:p>
+      </dgm:t>
+    </dgm:pt>
+    <dgm:pt modelId="{9FE53A5C-082C-4012-B290-18B80D9F5F10}" type="sibTrans" cxnId="{9B334D7A-90E9-4D0C-B5CF-8C7366FD1BFF}">
+      <dgm:prSet/>
+      <dgm:spPr/>
+      <dgm:t>
+        <a:bodyPr/>
+        <a:lstStyle/>
+        <a:p>
+          <a:endParaRPr lang="en-US"/>
+        </a:p>
+      </dgm:t>
+    </dgm:pt>
+    <dgm:pt modelId="{9EF3F2C6-624A-4495-B56F-C353CBB7CE5E}">
+      <dgm:prSet/>
+      <dgm:spPr/>
+      <dgm:t>
+        <a:bodyPr/>
+        <a:lstStyle/>
+        <a:p>
+          <a:r>
+            <a:rPr lang="da-DK"/>
+            <a:t>Unpack dacpac (deploy.sql)</a:t>
+          </a:r>
+          <a:endParaRPr lang="en-US"/>
+        </a:p>
+      </dgm:t>
+    </dgm:pt>
+    <dgm:pt modelId="{2EDEB2FA-2D84-473F-BC80-F12C694C7E7A}" type="parTrans" cxnId="{A2D8F043-8A02-4FFF-8F09-AA6A85EA4411}">
+      <dgm:prSet/>
+      <dgm:spPr/>
+      <dgm:t>
+        <a:bodyPr/>
+        <a:lstStyle/>
+        <a:p>
+          <a:endParaRPr lang="en-US"/>
+        </a:p>
+      </dgm:t>
+    </dgm:pt>
+    <dgm:pt modelId="{C409B00E-265F-4801-ACC1-A1F475FE7361}" type="sibTrans" cxnId="{A2D8F043-8A02-4FFF-8F09-AA6A85EA4411}">
+      <dgm:prSet/>
+      <dgm:spPr/>
+      <dgm:t>
+        <a:bodyPr/>
+        <a:lstStyle/>
+        <a:p>
+          <a:endParaRPr lang="en-US"/>
+        </a:p>
+      </dgm:t>
+    </dgm:pt>
+    <dgm:pt modelId="{E2E4ED51-6082-41AA-8F00-3CDE4C99A51A}">
+      <dgm:prSet/>
+      <dgm:spPr/>
+      <dgm:t>
+        <a:bodyPr/>
+        <a:lstStyle/>
+        <a:p>
+          <a:r>
+            <a:rPr lang="da-DK"/>
+            <a:t>Compare with other .dacpac </a:t>
+          </a:r>
+          <a:endParaRPr lang="en-US"/>
+        </a:p>
+      </dgm:t>
+    </dgm:pt>
+    <dgm:pt modelId="{710DFA7C-416F-4F18-8BAD-CA5C80DA6C3A}" type="parTrans" cxnId="{63728486-BF96-4B14-B3C2-FF7E385B0E2B}">
+      <dgm:prSet/>
+      <dgm:spPr/>
+      <dgm:t>
+        <a:bodyPr/>
+        <a:lstStyle/>
+        <a:p>
+          <a:endParaRPr lang="en-US"/>
+        </a:p>
+      </dgm:t>
+    </dgm:pt>
+    <dgm:pt modelId="{A3550EA8-354B-42CE-80F7-D4CFA23D7D74}" type="sibTrans" cxnId="{63728486-BF96-4B14-B3C2-FF7E385B0E2B}">
+      <dgm:prSet/>
+      <dgm:spPr/>
+      <dgm:t>
+        <a:bodyPr/>
+        <a:lstStyle/>
+        <a:p>
+          <a:endParaRPr lang="en-US"/>
+        </a:p>
+      </dgm:t>
+    </dgm:pt>
+    <dgm:pt modelId="{C173AABD-6808-4548-A21A-FD14F3B3306F}">
+      <dgm:prSet/>
+      <dgm:spPr/>
+      <dgm:t>
+        <a:bodyPr/>
+        <a:lstStyle/>
+        <a:p>
+          <a:r>
+            <a:rPr lang="da-DK"/>
+            <a:t>Create Mermaid ER diagram</a:t>
+          </a:r>
+          <a:endParaRPr lang="en-US"/>
+        </a:p>
+      </dgm:t>
+    </dgm:pt>
+    <dgm:pt modelId="{4968F424-B9B0-4FB4-A8A9-B6F79F20F146}" type="parTrans" cxnId="{E8FD4C58-E388-4161-AA80-EBB9033C802C}">
+      <dgm:prSet/>
+      <dgm:spPr/>
+      <dgm:t>
+        <a:bodyPr/>
+        <a:lstStyle/>
+        <a:p>
+          <a:endParaRPr lang="en-US"/>
+        </a:p>
+      </dgm:t>
+    </dgm:pt>
+    <dgm:pt modelId="{683610C0-9098-4A96-80C8-7337DA6801D9}" type="sibTrans" cxnId="{E8FD4C58-E388-4161-AA80-EBB9033C802C}">
+      <dgm:prSet/>
+      <dgm:spPr/>
+      <dgm:t>
+        <a:bodyPr/>
+        <a:lstStyle/>
+        <a:p>
+          <a:endParaRPr lang="en-US"/>
+        </a:p>
+      </dgm:t>
+    </dgm:pt>
+    <dgm:pt modelId="{C8B3E35D-BE97-4C3D-843E-2A8C93A380FC}">
+      <dgm:prSet/>
+      <dgm:spPr/>
+      <dgm:t>
+        <a:bodyPr/>
+        <a:lstStyle/>
+        <a:p>
+          <a:r>
+            <a:rPr lang="da-DK"/>
+            <a:t>Data API Builder scaffold</a:t>
+          </a:r>
+          <a:endParaRPr lang="en-US"/>
+        </a:p>
+      </dgm:t>
+    </dgm:pt>
+    <dgm:pt modelId="{B9D89DB4-9F41-46D0-80B8-EE474B7A5A10}" type="parTrans" cxnId="{4453F802-2DF9-4F1E-BFD2-3457595B260C}">
+      <dgm:prSet/>
+      <dgm:spPr/>
+      <dgm:t>
+        <a:bodyPr/>
+        <a:lstStyle/>
+        <a:p>
+          <a:endParaRPr lang="en-US"/>
+        </a:p>
+      </dgm:t>
+    </dgm:pt>
+    <dgm:pt modelId="{69D46569-F242-4EC4-833B-B0E961620060}" type="sibTrans" cxnId="{4453F802-2DF9-4F1E-BFD2-3457595B260C}">
+      <dgm:prSet/>
+      <dgm:spPr/>
+      <dgm:t>
+        <a:bodyPr/>
+        <a:lstStyle/>
+        <a:p>
+          <a:endParaRPr lang="en-US"/>
+        </a:p>
+      </dgm:t>
+    </dgm:pt>
+    <dgm:pt modelId="{1B9573E1-1136-48BF-9CF4-2102DE0A2365}">
+      <dgm:prSet/>
+      <dgm:spPr/>
+      <dgm:t>
+        <a:bodyPr/>
+        <a:lstStyle/>
+        <a:p>
+          <a:r>
+            <a:rPr lang="da-DK"/>
+            <a:t>Schema compare (for MsBuild.Sdk.SqlProj)</a:t>
+          </a:r>
+          <a:endParaRPr lang="en-US"/>
+        </a:p>
+      </dgm:t>
+    </dgm:pt>
+    <dgm:pt modelId="{8A0F72DD-E8D0-41E7-A002-CF84C4FA88CA}" type="parTrans" cxnId="{C5089B28-6E6E-4B97-81B0-9BC84F5C0776}">
+      <dgm:prSet/>
+      <dgm:spPr/>
+      <dgm:t>
+        <a:bodyPr/>
+        <a:lstStyle/>
+        <a:p>
+          <a:endParaRPr lang="en-US"/>
+        </a:p>
+      </dgm:t>
+    </dgm:pt>
+    <dgm:pt modelId="{9529A23D-C1BF-405B-ADCD-30DE59BF1507}" type="sibTrans" cxnId="{C5089B28-6E6E-4B97-81B0-9BC84F5C0776}">
+      <dgm:prSet/>
+      <dgm:spPr/>
+      <dgm:t>
+        <a:bodyPr/>
+        <a:lstStyle/>
+        <a:p>
+          <a:endParaRPr lang="en-US"/>
+        </a:p>
+      </dgm:t>
+    </dgm:pt>
+    <dgm:pt modelId="{E7BAD819-3D5C-4236-B4A5-B587F22B30FD}">
+      <dgm:prSet/>
+      <dgm:spPr/>
+      <dgm:t>
+        <a:bodyPr/>
+        <a:lstStyle/>
+        <a:p>
+          <a:r>
+            <a:rPr lang="da-DK"/>
+            <a:t>Power Pack with Templates, Code Analysis, Formatter</a:t>
+          </a:r>
+          <a:endParaRPr lang="en-US"/>
+        </a:p>
+      </dgm:t>
+    </dgm:pt>
+    <dgm:pt modelId="{6EBC3305-D05F-4DB0-B4C6-0A01146DF633}" type="parTrans" cxnId="{F3CEEEE0-A612-4368-A775-229FFF3A718C}">
+      <dgm:prSet/>
+      <dgm:spPr/>
+      <dgm:t>
+        <a:bodyPr/>
+        <a:lstStyle/>
+        <a:p>
+          <a:endParaRPr lang="en-US"/>
+        </a:p>
+      </dgm:t>
+    </dgm:pt>
+    <dgm:pt modelId="{6F4CC608-2978-4E38-994E-F16D70C44EA3}" type="sibTrans" cxnId="{F3CEEEE0-A612-4368-A775-229FFF3A718C}">
+      <dgm:prSet/>
+      <dgm:spPr/>
+      <dgm:t>
+        <a:bodyPr/>
+        <a:lstStyle/>
+        <a:p>
+          <a:endParaRPr lang="en-US"/>
+        </a:p>
+      </dgm:t>
+    </dgm:pt>
+    <dgm:pt modelId="{4D48F24A-4587-4977-B16B-5177A7835502}" type="pres">
+      <dgm:prSet presAssocID="{F18E33E7-74E1-4618-B405-029F2AC4FB3E}" presName="diagram" presStyleCnt="0">
+        <dgm:presLayoutVars>
+          <dgm:dir/>
+          <dgm:resizeHandles val="exact"/>
+        </dgm:presLayoutVars>
+      </dgm:prSet>
+      <dgm:spPr/>
+    </dgm:pt>
+    <dgm:pt modelId="{920F62CE-8CE7-40C0-B6E1-CF093F45BE43}" type="pres">
+      <dgm:prSet presAssocID="{BFB856E9-A8D4-48B1-AC4B-D224432A56D3}" presName="node" presStyleLbl="node1" presStyleIdx="0" presStyleCnt="8">
+        <dgm:presLayoutVars>
+          <dgm:bulletEnabled val="1"/>
+        </dgm:presLayoutVars>
+      </dgm:prSet>
+      <dgm:spPr/>
+    </dgm:pt>
+    <dgm:pt modelId="{BDC1A7EA-839C-4D8F-B5B5-206A4DCB4597}" type="pres">
+      <dgm:prSet presAssocID="{0AAA9EA5-BE07-4BD1-8E1C-43B3FEF0FE17}" presName="sibTrans" presStyleCnt="0"/>
+      <dgm:spPr/>
+    </dgm:pt>
+    <dgm:pt modelId="{B87460E3-9AD6-4861-B0E0-150D446E10E8}" type="pres">
+      <dgm:prSet presAssocID="{1C6878D3-E929-4384-BEBC-496B9A836BDB}" presName="node" presStyleLbl="node1" presStyleIdx="1" presStyleCnt="8">
+        <dgm:presLayoutVars>
+          <dgm:bulletEnabled val="1"/>
+        </dgm:presLayoutVars>
+      </dgm:prSet>
+      <dgm:spPr/>
+    </dgm:pt>
+    <dgm:pt modelId="{2C46AEEB-84FA-4BEB-AB5C-EEE235A0CEF9}" type="pres">
+      <dgm:prSet presAssocID="{9FE53A5C-082C-4012-B290-18B80D9F5F10}" presName="sibTrans" presStyleCnt="0"/>
+      <dgm:spPr/>
+    </dgm:pt>
+    <dgm:pt modelId="{0D18CE07-2E18-4E86-A072-E3A383768CBC}" type="pres">
+      <dgm:prSet presAssocID="{9EF3F2C6-624A-4495-B56F-C353CBB7CE5E}" presName="node" presStyleLbl="node1" presStyleIdx="2" presStyleCnt="8">
+        <dgm:presLayoutVars>
+          <dgm:bulletEnabled val="1"/>
+        </dgm:presLayoutVars>
+      </dgm:prSet>
+      <dgm:spPr/>
+    </dgm:pt>
+    <dgm:pt modelId="{C05E95FA-9891-4EA1-A421-67169546075B}" type="pres">
+      <dgm:prSet presAssocID="{C409B00E-265F-4801-ACC1-A1F475FE7361}" presName="sibTrans" presStyleCnt="0"/>
+      <dgm:spPr/>
+    </dgm:pt>
+    <dgm:pt modelId="{3EFAAB63-6082-4278-B9DB-1999F65EA630}" type="pres">
+      <dgm:prSet presAssocID="{E2E4ED51-6082-41AA-8F00-3CDE4C99A51A}" presName="node" presStyleLbl="node1" presStyleIdx="3" presStyleCnt="8">
+        <dgm:presLayoutVars>
+          <dgm:bulletEnabled val="1"/>
+        </dgm:presLayoutVars>
+      </dgm:prSet>
+      <dgm:spPr/>
+    </dgm:pt>
+    <dgm:pt modelId="{2A4B9C38-DDDA-43C8-AC88-9B874BB46645}" type="pres">
+      <dgm:prSet presAssocID="{A3550EA8-354B-42CE-80F7-D4CFA23D7D74}" presName="sibTrans" presStyleCnt="0"/>
+      <dgm:spPr/>
+    </dgm:pt>
+    <dgm:pt modelId="{5B4C332D-38C8-4934-BA30-81DAF6908555}" type="pres">
+      <dgm:prSet presAssocID="{C173AABD-6808-4548-A21A-FD14F3B3306F}" presName="node" presStyleLbl="node1" presStyleIdx="4" presStyleCnt="8">
+        <dgm:presLayoutVars>
+          <dgm:bulletEnabled val="1"/>
+        </dgm:presLayoutVars>
+      </dgm:prSet>
+      <dgm:spPr/>
+    </dgm:pt>
+    <dgm:pt modelId="{DB0A14AC-B1A3-456C-82AF-3A0311F128B0}" type="pres">
+      <dgm:prSet presAssocID="{683610C0-9098-4A96-80C8-7337DA6801D9}" presName="sibTrans" presStyleCnt="0"/>
+      <dgm:spPr/>
+    </dgm:pt>
+    <dgm:pt modelId="{17CFE4AE-0555-4D70-83A5-98A238BD4489}" type="pres">
+      <dgm:prSet presAssocID="{C8B3E35D-BE97-4C3D-843E-2A8C93A380FC}" presName="node" presStyleLbl="node1" presStyleIdx="5" presStyleCnt="8">
+        <dgm:presLayoutVars>
+          <dgm:bulletEnabled val="1"/>
+        </dgm:presLayoutVars>
+      </dgm:prSet>
+      <dgm:spPr/>
+    </dgm:pt>
+    <dgm:pt modelId="{E9B3C258-7962-4BAF-B8E1-162B5855098B}" type="pres">
+      <dgm:prSet presAssocID="{69D46569-F242-4EC4-833B-B0E961620060}" presName="sibTrans" presStyleCnt="0"/>
+      <dgm:spPr/>
+    </dgm:pt>
+    <dgm:pt modelId="{BC07B578-F6B2-4CD7-8050-CCC61C519572}" type="pres">
+      <dgm:prSet presAssocID="{1B9573E1-1136-48BF-9CF4-2102DE0A2365}" presName="node" presStyleLbl="node1" presStyleIdx="6" presStyleCnt="8">
+        <dgm:presLayoutVars>
+          <dgm:bulletEnabled val="1"/>
+        </dgm:presLayoutVars>
+      </dgm:prSet>
+      <dgm:spPr/>
+    </dgm:pt>
+    <dgm:pt modelId="{B03AF063-AA4C-4C9E-ACB7-4C4ADE7B9543}" type="pres">
+      <dgm:prSet presAssocID="{9529A23D-C1BF-405B-ADCD-30DE59BF1507}" presName="sibTrans" presStyleCnt="0"/>
+      <dgm:spPr/>
+    </dgm:pt>
+    <dgm:pt modelId="{B8E854F1-98D4-4BA6-8866-5FF656763F35}" type="pres">
+      <dgm:prSet presAssocID="{E7BAD819-3D5C-4236-B4A5-B587F22B30FD}" presName="node" presStyleLbl="node1" presStyleIdx="7" presStyleCnt="8">
+        <dgm:presLayoutVars>
+          <dgm:bulletEnabled val="1"/>
+        </dgm:presLayoutVars>
+      </dgm:prSet>
+      <dgm:spPr/>
+    </dgm:pt>
+  </dgm:ptLst>
+  <dgm:cxnLst>
+    <dgm:cxn modelId="{4453F802-2DF9-4F1E-BFD2-3457595B260C}" srcId="{F18E33E7-74E1-4618-B405-029F2AC4FB3E}" destId="{C8B3E35D-BE97-4C3D-843E-2A8C93A380FC}" srcOrd="5" destOrd="0" parTransId="{B9D89DB4-9F41-46D0-80B8-EE474B7A5A10}" sibTransId="{69D46569-F242-4EC4-833B-B0E961620060}"/>
+    <dgm:cxn modelId="{C5089B28-6E6E-4B97-81B0-9BC84F5C0776}" srcId="{F18E33E7-74E1-4618-B405-029F2AC4FB3E}" destId="{1B9573E1-1136-48BF-9CF4-2102DE0A2365}" srcOrd="6" destOrd="0" parTransId="{8A0F72DD-E8D0-41E7-A002-CF84C4FA88CA}" sibTransId="{9529A23D-C1BF-405B-ADCD-30DE59BF1507}"/>
+    <dgm:cxn modelId="{E0B1E32F-2E9B-4151-93E8-158EDAC12E05}" type="presOf" srcId="{1B9573E1-1136-48BF-9CF4-2102DE0A2365}" destId="{BC07B578-F6B2-4CD7-8050-CCC61C519572}" srcOrd="0" destOrd="0" presId="urn:microsoft.com/office/officeart/2005/8/layout/default"/>
+    <dgm:cxn modelId="{A2D8F043-8A02-4FFF-8F09-AA6A85EA4411}" srcId="{F18E33E7-74E1-4618-B405-029F2AC4FB3E}" destId="{9EF3F2C6-624A-4495-B56F-C353CBB7CE5E}" srcOrd="2" destOrd="0" parTransId="{2EDEB2FA-2D84-473F-BC80-F12C694C7E7A}" sibTransId="{C409B00E-265F-4801-ACC1-A1F475FE7361}"/>
+    <dgm:cxn modelId="{D83E4068-50B3-4C68-95FD-484FB77D8579}" type="presOf" srcId="{C8B3E35D-BE97-4C3D-843E-2A8C93A380FC}" destId="{17CFE4AE-0555-4D70-83A5-98A238BD4489}" srcOrd="0" destOrd="0" presId="urn:microsoft.com/office/officeart/2005/8/layout/default"/>
+    <dgm:cxn modelId="{507A2D77-C7AB-4E9E-B72C-0FB71F96DEE7}" type="presOf" srcId="{9EF3F2C6-624A-4495-B56F-C353CBB7CE5E}" destId="{0D18CE07-2E18-4E86-A072-E3A383768CBC}" srcOrd="0" destOrd="0" presId="urn:microsoft.com/office/officeart/2005/8/layout/default"/>
+    <dgm:cxn modelId="{E8FD4C58-E388-4161-AA80-EBB9033C802C}" srcId="{F18E33E7-74E1-4618-B405-029F2AC4FB3E}" destId="{C173AABD-6808-4548-A21A-FD14F3B3306F}" srcOrd="4" destOrd="0" parTransId="{4968F424-B9B0-4FB4-A8A9-B6F79F20F146}" sibTransId="{683610C0-9098-4A96-80C8-7337DA6801D9}"/>
+    <dgm:cxn modelId="{9B334D7A-90E9-4D0C-B5CF-8C7366FD1BFF}" srcId="{F18E33E7-74E1-4618-B405-029F2AC4FB3E}" destId="{1C6878D3-E929-4384-BEBC-496B9A836BDB}" srcOrd="1" destOrd="0" parTransId="{2E4298C9-4164-4876-9242-927FB9BBEA46}" sibTransId="{9FE53A5C-082C-4012-B290-18B80D9F5F10}"/>
+    <dgm:cxn modelId="{D39CC782-71DC-4504-8695-72BE4725F995}" type="presOf" srcId="{E2E4ED51-6082-41AA-8F00-3CDE4C99A51A}" destId="{3EFAAB63-6082-4278-B9DB-1999F65EA630}" srcOrd="0" destOrd="0" presId="urn:microsoft.com/office/officeart/2005/8/layout/default"/>
+    <dgm:cxn modelId="{63728486-BF96-4B14-B3C2-FF7E385B0E2B}" srcId="{F18E33E7-74E1-4618-B405-029F2AC4FB3E}" destId="{E2E4ED51-6082-41AA-8F00-3CDE4C99A51A}" srcOrd="3" destOrd="0" parTransId="{710DFA7C-416F-4F18-8BAD-CA5C80DA6C3A}" sibTransId="{A3550EA8-354B-42CE-80F7-D4CFA23D7D74}"/>
+    <dgm:cxn modelId="{8F7E4F8C-0D83-4BE0-9CBF-00603D839919}" type="presOf" srcId="{F18E33E7-74E1-4618-B405-029F2AC4FB3E}" destId="{4D48F24A-4587-4977-B16B-5177A7835502}" srcOrd="0" destOrd="0" presId="urn:microsoft.com/office/officeart/2005/8/layout/default"/>
+    <dgm:cxn modelId="{FD04B4BB-8E45-4723-AEEE-C36681333C17}" type="presOf" srcId="{E7BAD819-3D5C-4236-B4A5-B587F22B30FD}" destId="{B8E854F1-98D4-4BA6-8866-5FF656763F35}" srcOrd="0" destOrd="0" presId="urn:microsoft.com/office/officeart/2005/8/layout/default"/>
+    <dgm:cxn modelId="{544514C8-2153-4C48-AD1A-2135561DC45F}" type="presOf" srcId="{C173AABD-6808-4548-A21A-FD14F3B3306F}" destId="{5B4C332D-38C8-4934-BA30-81DAF6908555}" srcOrd="0" destOrd="0" presId="urn:microsoft.com/office/officeart/2005/8/layout/default"/>
+    <dgm:cxn modelId="{2D9A70D6-613D-466C-9ECC-FE6159E5CB0C}" srcId="{F18E33E7-74E1-4618-B405-029F2AC4FB3E}" destId="{BFB856E9-A8D4-48B1-AC4B-D224432A56D3}" srcOrd="0" destOrd="0" parTransId="{7B91156F-E228-44F6-9A7F-B8FAC82E231A}" sibTransId="{0AAA9EA5-BE07-4BD1-8E1C-43B3FEF0FE17}"/>
+    <dgm:cxn modelId="{F3CEEEE0-A612-4368-A775-229FFF3A718C}" srcId="{F18E33E7-74E1-4618-B405-029F2AC4FB3E}" destId="{E7BAD819-3D5C-4236-B4A5-B587F22B30FD}" srcOrd="7" destOrd="0" parTransId="{6EBC3305-D05F-4DB0-B4C6-0A01146DF633}" sibTransId="{6F4CC608-2978-4E38-994E-F16D70C44EA3}"/>
+    <dgm:cxn modelId="{5A037AE4-9FA4-4DED-87B9-009996822815}" type="presOf" srcId="{BFB856E9-A8D4-48B1-AC4B-D224432A56D3}" destId="{920F62CE-8CE7-40C0-B6E1-CF093F45BE43}" srcOrd="0" destOrd="0" presId="urn:microsoft.com/office/officeart/2005/8/layout/default"/>
+    <dgm:cxn modelId="{195731E6-0A36-4E91-890D-D4EEA1991626}" type="presOf" srcId="{1C6878D3-E929-4384-BEBC-496B9A836BDB}" destId="{B87460E3-9AD6-4861-B0E0-150D446E10E8}" srcOrd="0" destOrd="0" presId="urn:microsoft.com/office/officeart/2005/8/layout/default"/>
+    <dgm:cxn modelId="{A61D4617-3523-43D1-9470-B09787CF92AE}" type="presParOf" srcId="{4D48F24A-4587-4977-B16B-5177A7835502}" destId="{920F62CE-8CE7-40C0-B6E1-CF093F45BE43}" srcOrd="0" destOrd="0" presId="urn:microsoft.com/office/officeart/2005/8/layout/default"/>
+    <dgm:cxn modelId="{E19BBE92-59D0-43DB-8ACE-C9739CE7C34A}" type="presParOf" srcId="{4D48F24A-4587-4977-B16B-5177A7835502}" destId="{BDC1A7EA-839C-4D8F-B5B5-206A4DCB4597}" srcOrd="1" destOrd="0" presId="urn:microsoft.com/office/officeart/2005/8/layout/default"/>
+    <dgm:cxn modelId="{4B1031B4-A9C7-4B90-81E4-FBD8246CDD99}" type="presParOf" srcId="{4D48F24A-4587-4977-B16B-5177A7835502}" destId="{B87460E3-9AD6-4861-B0E0-150D446E10E8}" srcOrd="2" destOrd="0" presId="urn:microsoft.com/office/officeart/2005/8/layout/default"/>
+    <dgm:cxn modelId="{C0CB2046-E80F-4B14-A20B-558386772742}" type="presParOf" srcId="{4D48F24A-4587-4977-B16B-5177A7835502}" destId="{2C46AEEB-84FA-4BEB-AB5C-EEE235A0CEF9}" srcOrd="3" destOrd="0" presId="urn:microsoft.com/office/officeart/2005/8/layout/default"/>
+    <dgm:cxn modelId="{515BF79E-38A2-4EC0-9AB9-B0AC505ACA59}" type="presParOf" srcId="{4D48F24A-4587-4977-B16B-5177A7835502}" destId="{0D18CE07-2E18-4E86-A072-E3A383768CBC}" srcOrd="4" destOrd="0" presId="urn:microsoft.com/office/officeart/2005/8/layout/default"/>
+    <dgm:cxn modelId="{A51306A3-1568-48B0-B759-60D1EB9C911B}" type="presParOf" srcId="{4D48F24A-4587-4977-B16B-5177A7835502}" destId="{C05E95FA-9891-4EA1-A421-67169546075B}" srcOrd="5" destOrd="0" presId="urn:microsoft.com/office/officeart/2005/8/layout/default"/>
+    <dgm:cxn modelId="{F2567AF1-A1B1-4C05-86B4-4ACD336D88DD}" type="presParOf" srcId="{4D48F24A-4587-4977-B16B-5177A7835502}" destId="{3EFAAB63-6082-4278-B9DB-1999F65EA630}" srcOrd="6" destOrd="0" presId="urn:microsoft.com/office/officeart/2005/8/layout/default"/>
+    <dgm:cxn modelId="{8525E1FD-8C3E-4CFC-B195-5BEDC9EC245C}" type="presParOf" srcId="{4D48F24A-4587-4977-B16B-5177A7835502}" destId="{2A4B9C38-DDDA-43C8-AC88-9B874BB46645}" srcOrd="7" destOrd="0" presId="urn:microsoft.com/office/officeart/2005/8/layout/default"/>
+    <dgm:cxn modelId="{78079B5E-CC1B-4AA1-8D04-82D0B5A7045A}" type="presParOf" srcId="{4D48F24A-4587-4977-B16B-5177A7835502}" destId="{5B4C332D-38C8-4934-BA30-81DAF6908555}" srcOrd="8" destOrd="0" presId="urn:microsoft.com/office/officeart/2005/8/layout/default"/>
+    <dgm:cxn modelId="{6AA61FC3-004A-4AC3-BBDE-F3BC5B526A02}" type="presParOf" srcId="{4D48F24A-4587-4977-B16B-5177A7835502}" destId="{DB0A14AC-B1A3-456C-82AF-3A0311F128B0}" srcOrd="9" destOrd="0" presId="urn:microsoft.com/office/officeart/2005/8/layout/default"/>
+    <dgm:cxn modelId="{5C98B446-18FF-4A5F-8B31-F2178B1B9138}" type="presParOf" srcId="{4D48F24A-4587-4977-B16B-5177A7835502}" destId="{17CFE4AE-0555-4D70-83A5-98A238BD4489}" srcOrd="10" destOrd="0" presId="urn:microsoft.com/office/officeart/2005/8/layout/default"/>
+    <dgm:cxn modelId="{3466F3F5-682A-4432-98E8-A116498353BF}" type="presParOf" srcId="{4D48F24A-4587-4977-B16B-5177A7835502}" destId="{E9B3C258-7962-4BAF-B8E1-162B5855098B}" srcOrd="11" destOrd="0" presId="urn:microsoft.com/office/officeart/2005/8/layout/default"/>
+    <dgm:cxn modelId="{F80847A2-F261-4E11-AB3A-0AD61BDA6148}" type="presParOf" srcId="{4D48F24A-4587-4977-B16B-5177A7835502}" destId="{BC07B578-F6B2-4CD7-8050-CCC61C519572}" srcOrd="12" destOrd="0" presId="urn:microsoft.com/office/officeart/2005/8/layout/default"/>
+    <dgm:cxn modelId="{B3662CBF-2F08-42BD-A8AB-39118FB0651D}" type="presParOf" srcId="{4D48F24A-4587-4977-B16B-5177A7835502}" destId="{B03AF063-AA4C-4C9E-ACB7-4C4ADE7B9543}" srcOrd="13" destOrd="0" presId="urn:microsoft.com/office/officeart/2005/8/layout/default"/>
+    <dgm:cxn modelId="{C2CF14D4-3ED6-4FA2-9854-A5FB4F48206E}" type="presParOf" srcId="{4D48F24A-4587-4977-B16B-5177A7835502}" destId="{B8E854F1-98D4-4BA6-8866-5FF656763F35}" srcOrd="14" destOrd="0" presId="urn:microsoft.com/office/officeart/2005/8/layout/default"/>
+  </dgm:cxnLst>
+  <dgm:bg/>
+  <dgm:whole/>
+  <dgm:extLst>
+    <a:ext uri="http://schemas.microsoft.com/office/drawing/2008/diagram">
+      <dsp:dataModelExt xmlns:dsp="http://schemas.microsoft.com/office/drawing/2008/diagram" relId="rId6" minVer="http://schemas.openxmlformats.org/drawingml/2006/diagram"/>
+    </a:ext>
+  </dgm:extLst>
+</dgm:dataModel>
+</file>
+
+<file path=ppt/diagrams/data5.xml><?xml version="1.0" encoding="utf-8"?>
 <dgm:dataModel xmlns:dgm="http://schemas.openxmlformats.org/drawingml/2006/diagram" xmlns:a="http://schemas.openxmlformats.org/drawingml/2006/main">
   <dgm:ptLst>
     <dgm:pt modelId="{3310C43F-3E16-49C6-AD05-32F4976728E0}" type="doc">
@@ -6937,6 +8314,650 @@
       <dsp:cNvGrpSpPr/>
     </dsp:nvGrpSpPr>
     <dsp:grpSpPr/>
+    <dsp:sp modelId="{920F62CE-8CE7-40C0-B6E1-CF093F45BE43}">
+      <dsp:nvSpPr>
+        <dsp:cNvPr id="0" name=""/>
+        <dsp:cNvSpPr/>
+      </dsp:nvSpPr>
+      <dsp:spPr>
+        <a:xfrm>
+          <a:off x="3201" y="445489"/>
+          <a:ext cx="2539866" cy="1523919"/>
+        </a:xfrm>
+        <a:prstGeom prst="rect">
+          <a:avLst/>
+        </a:prstGeom>
+        <a:solidFill>
+          <a:schemeClr val="accent2">
+            <a:hueOff val="0"/>
+            <a:satOff val="0"/>
+            <a:lumOff val="0"/>
+            <a:alphaOff val="0"/>
+          </a:schemeClr>
+        </a:solidFill>
+        <a:ln w="19050" cap="flat" cmpd="sng" algn="ctr">
+          <a:solidFill>
+            <a:schemeClr val="lt1">
+              <a:hueOff val="0"/>
+              <a:satOff val="0"/>
+              <a:lumOff val="0"/>
+              <a:alphaOff val="0"/>
+            </a:schemeClr>
+          </a:solidFill>
+          <a:prstDash val="solid"/>
+          <a:miter lim="800000"/>
+        </a:ln>
+        <a:effectLst/>
+      </dsp:spPr>
+      <dsp:style>
+        <a:lnRef idx="2">
+          <a:scrgbClr r="0" g="0" b="0"/>
+        </a:lnRef>
+        <a:fillRef idx="1">
+          <a:scrgbClr r="0" g="0" b="0"/>
+        </a:fillRef>
+        <a:effectRef idx="0">
+          <a:scrgbClr r="0" g="0" b="0"/>
+        </a:effectRef>
+        <a:fontRef idx="minor">
+          <a:schemeClr val="lt1"/>
+        </a:fontRef>
+      </dsp:style>
+      <dsp:txBody>
+        <a:bodyPr spcFirstLastPara="0" vert="horz" wrap="square" lIns="76200" tIns="76200" rIns="76200" bIns="76200" numCol="1" spcCol="1270" anchor="ctr" anchorCtr="0">
+          <a:noAutofit/>
+        </a:bodyPr>
+        <a:lstStyle/>
+        <a:p>
+          <a:pPr marL="0" lvl="0" indent="0" algn="ctr" defTabSz="889000">
+            <a:lnSpc>
+              <a:spcPct val="90000"/>
+            </a:lnSpc>
+            <a:spcBef>
+              <a:spcPct val="0"/>
+            </a:spcBef>
+            <a:spcAft>
+              <a:spcPct val="35000"/>
+            </a:spcAft>
+            <a:buNone/>
+          </a:pPr>
+          <a:r>
+            <a:rPr lang="da-DK" sz="2000" kern="1200"/>
+            <a:t>Import database (MsBuild.Sdk.SqlProj)</a:t>
+          </a:r>
+          <a:endParaRPr lang="en-US" sz="2000" kern="1200"/>
+        </a:p>
+      </dsp:txBody>
+      <dsp:txXfrm>
+        <a:off x="3201" y="445489"/>
+        <a:ext cx="2539866" cy="1523919"/>
+      </dsp:txXfrm>
+    </dsp:sp>
+    <dsp:sp modelId="{B87460E3-9AD6-4861-B0E0-150D446E10E8}">
+      <dsp:nvSpPr>
+        <dsp:cNvPr id="0" name=""/>
+        <dsp:cNvSpPr/>
+      </dsp:nvSpPr>
+      <dsp:spPr>
+        <a:xfrm>
+          <a:off x="2797054" y="445489"/>
+          <a:ext cx="2539866" cy="1523919"/>
+        </a:xfrm>
+        <a:prstGeom prst="rect">
+          <a:avLst/>
+        </a:prstGeom>
+        <a:solidFill>
+          <a:schemeClr val="accent3">
+            <a:hueOff val="0"/>
+            <a:satOff val="0"/>
+            <a:lumOff val="0"/>
+            <a:alphaOff val="0"/>
+          </a:schemeClr>
+        </a:solidFill>
+        <a:ln w="19050" cap="flat" cmpd="sng" algn="ctr">
+          <a:solidFill>
+            <a:schemeClr val="lt1">
+              <a:hueOff val="0"/>
+              <a:satOff val="0"/>
+              <a:lumOff val="0"/>
+              <a:alphaOff val="0"/>
+            </a:schemeClr>
+          </a:solidFill>
+          <a:prstDash val="solid"/>
+          <a:miter lim="800000"/>
+        </a:ln>
+        <a:effectLst/>
+      </dsp:spPr>
+      <dsp:style>
+        <a:lnRef idx="2">
+          <a:scrgbClr r="0" g="0" b="0"/>
+        </a:lnRef>
+        <a:fillRef idx="1">
+          <a:scrgbClr r="0" g="0" b="0"/>
+        </a:fillRef>
+        <a:effectRef idx="0">
+          <a:scrgbClr r="0" g="0" b="0"/>
+        </a:effectRef>
+        <a:fontRef idx="minor">
+          <a:schemeClr val="lt1"/>
+        </a:fontRef>
+      </dsp:style>
+      <dsp:txBody>
+        <a:bodyPr spcFirstLastPara="0" vert="horz" wrap="square" lIns="76200" tIns="76200" rIns="76200" bIns="76200" numCol="1" spcCol="1270" anchor="ctr" anchorCtr="0">
+          <a:noAutofit/>
+        </a:bodyPr>
+        <a:lstStyle/>
+        <a:p>
+          <a:pPr marL="0" lvl="0" indent="0" algn="ctr" defTabSz="889000">
+            <a:lnSpc>
+              <a:spcPct val="90000"/>
+            </a:lnSpc>
+            <a:spcBef>
+              <a:spcPct val="0"/>
+            </a:spcBef>
+            <a:spcAft>
+              <a:spcPct val="35000"/>
+            </a:spcAft>
+            <a:buNone/>
+          </a:pPr>
+          <a:r>
+            <a:rPr lang="da-DK" sz="2000" kern="1200"/>
+            <a:t>Analyze (html output)</a:t>
+          </a:r>
+          <a:endParaRPr lang="en-US" sz="2000" kern="1200"/>
+        </a:p>
+      </dsp:txBody>
+      <dsp:txXfrm>
+        <a:off x="2797054" y="445489"/>
+        <a:ext cx="2539866" cy="1523919"/>
+      </dsp:txXfrm>
+    </dsp:sp>
+    <dsp:sp modelId="{0D18CE07-2E18-4E86-A072-E3A383768CBC}">
+      <dsp:nvSpPr>
+        <dsp:cNvPr id="0" name=""/>
+        <dsp:cNvSpPr/>
+      </dsp:nvSpPr>
+      <dsp:spPr>
+        <a:xfrm>
+          <a:off x="5590907" y="445489"/>
+          <a:ext cx="2539866" cy="1523919"/>
+        </a:xfrm>
+        <a:prstGeom prst="rect">
+          <a:avLst/>
+        </a:prstGeom>
+        <a:solidFill>
+          <a:schemeClr val="accent4">
+            <a:hueOff val="0"/>
+            <a:satOff val="0"/>
+            <a:lumOff val="0"/>
+            <a:alphaOff val="0"/>
+          </a:schemeClr>
+        </a:solidFill>
+        <a:ln w="19050" cap="flat" cmpd="sng" algn="ctr">
+          <a:solidFill>
+            <a:schemeClr val="lt1">
+              <a:hueOff val="0"/>
+              <a:satOff val="0"/>
+              <a:lumOff val="0"/>
+              <a:alphaOff val="0"/>
+            </a:schemeClr>
+          </a:solidFill>
+          <a:prstDash val="solid"/>
+          <a:miter lim="800000"/>
+        </a:ln>
+        <a:effectLst/>
+      </dsp:spPr>
+      <dsp:style>
+        <a:lnRef idx="2">
+          <a:scrgbClr r="0" g="0" b="0"/>
+        </a:lnRef>
+        <a:fillRef idx="1">
+          <a:scrgbClr r="0" g="0" b="0"/>
+        </a:fillRef>
+        <a:effectRef idx="0">
+          <a:scrgbClr r="0" g="0" b="0"/>
+        </a:effectRef>
+        <a:fontRef idx="minor">
+          <a:schemeClr val="lt1"/>
+        </a:fontRef>
+      </dsp:style>
+      <dsp:txBody>
+        <a:bodyPr spcFirstLastPara="0" vert="horz" wrap="square" lIns="76200" tIns="76200" rIns="76200" bIns="76200" numCol="1" spcCol="1270" anchor="ctr" anchorCtr="0">
+          <a:noAutofit/>
+        </a:bodyPr>
+        <a:lstStyle/>
+        <a:p>
+          <a:pPr marL="0" lvl="0" indent="0" algn="ctr" defTabSz="889000">
+            <a:lnSpc>
+              <a:spcPct val="90000"/>
+            </a:lnSpc>
+            <a:spcBef>
+              <a:spcPct val="0"/>
+            </a:spcBef>
+            <a:spcAft>
+              <a:spcPct val="35000"/>
+            </a:spcAft>
+            <a:buNone/>
+          </a:pPr>
+          <a:r>
+            <a:rPr lang="da-DK" sz="2000" kern="1200"/>
+            <a:t>Unpack dacpac (deploy.sql)</a:t>
+          </a:r>
+          <a:endParaRPr lang="en-US" sz="2000" kern="1200"/>
+        </a:p>
+      </dsp:txBody>
+      <dsp:txXfrm>
+        <a:off x="5590907" y="445489"/>
+        <a:ext cx="2539866" cy="1523919"/>
+      </dsp:txXfrm>
+    </dsp:sp>
+    <dsp:sp modelId="{3EFAAB63-6082-4278-B9DB-1999F65EA630}">
+      <dsp:nvSpPr>
+        <dsp:cNvPr id="0" name=""/>
+        <dsp:cNvSpPr/>
+      </dsp:nvSpPr>
+      <dsp:spPr>
+        <a:xfrm>
+          <a:off x="8384760" y="445489"/>
+          <a:ext cx="2539866" cy="1523919"/>
+        </a:xfrm>
+        <a:prstGeom prst="rect">
+          <a:avLst/>
+        </a:prstGeom>
+        <a:solidFill>
+          <a:schemeClr val="accent5">
+            <a:hueOff val="0"/>
+            <a:satOff val="0"/>
+            <a:lumOff val="0"/>
+            <a:alphaOff val="0"/>
+          </a:schemeClr>
+        </a:solidFill>
+        <a:ln w="19050" cap="flat" cmpd="sng" algn="ctr">
+          <a:solidFill>
+            <a:schemeClr val="lt1">
+              <a:hueOff val="0"/>
+              <a:satOff val="0"/>
+              <a:lumOff val="0"/>
+              <a:alphaOff val="0"/>
+            </a:schemeClr>
+          </a:solidFill>
+          <a:prstDash val="solid"/>
+          <a:miter lim="800000"/>
+        </a:ln>
+        <a:effectLst/>
+      </dsp:spPr>
+      <dsp:style>
+        <a:lnRef idx="2">
+          <a:scrgbClr r="0" g="0" b="0"/>
+        </a:lnRef>
+        <a:fillRef idx="1">
+          <a:scrgbClr r="0" g="0" b="0"/>
+        </a:fillRef>
+        <a:effectRef idx="0">
+          <a:scrgbClr r="0" g="0" b="0"/>
+        </a:effectRef>
+        <a:fontRef idx="minor">
+          <a:schemeClr val="lt1"/>
+        </a:fontRef>
+      </dsp:style>
+      <dsp:txBody>
+        <a:bodyPr spcFirstLastPara="0" vert="horz" wrap="square" lIns="76200" tIns="76200" rIns="76200" bIns="76200" numCol="1" spcCol="1270" anchor="ctr" anchorCtr="0">
+          <a:noAutofit/>
+        </a:bodyPr>
+        <a:lstStyle/>
+        <a:p>
+          <a:pPr marL="0" lvl="0" indent="0" algn="ctr" defTabSz="889000">
+            <a:lnSpc>
+              <a:spcPct val="90000"/>
+            </a:lnSpc>
+            <a:spcBef>
+              <a:spcPct val="0"/>
+            </a:spcBef>
+            <a:spcAft>
+              <a:spcPct val="35000"/>
+            </a:spcAft>
+            <a:buNone/>
+          </a:pPr>
+          <a:r>
+            <a:rPr lang="da-DK" sz="2000" kern="1200"/>
+            <a:t>Compare with other .dacpac </a:t>
+          </a:r>
+          <a:endParaRPr lang="en-US" sz="2000" kern="1200"/>
+        </a:p>
+      </dsp:txBody>
+      <dsp:txXfrm>
+        <a:off x="8384760" y="445489"/>
+        <a:ext cx="2539866" cy="1523919"/>
+      </dsp:txXfrm>
+    </dsp:sp>
+    <dsp:sp modelId="{5B4C332D-38C8-4934-BA30-81DAF6908555}">
+      <dsp:nvSpPr>
+        <dsp:cNvPr id="0" name=""/>
+        <dsp:cNvSpPr/>
+      </dsp:nvSpPr>
+      <dsp:spPr>
+        <a:xfrm>
+          <a:off x="3201" y="2223395"/>
+          <a:ext cx="2539866" cy="1523919"/>
+        </a:xfrm>
+        <a:prstGeom prst="rect">
+          <a:avLst/>
+        </a:prstGeom>
+        <a:solidFill>
+          <a:schemeClr val="accent6">
+            <a:hueOff val="0"/>
+            <a:satOff val="0"/>
+            <a:lumOff val="0"/>
+            <a:alphaOff val="0"/>
+          </a:schemeClr>
+        </a:solidFill>
+        <a:ln w="19050" cap="flat" cmpd="sng" algn="ctr">
+          <a:solidFill>
+            <a:schemeClr val="lt1">
+              <a:hueOff val="0"/>
+              <a:satOff val="0"/>
+              <a:lumOff val="0"/>
+              <a:alphaOff val="0"/>
+            </a:schemeClr>
+          </a:solidFill>
+          <a:prstDash val="solid"/>
+          <a:miter lim="800000"/>
+        </a:ln>
+        <a:effectLst/>
+      </dsp:spPr>
+      <dsp:style>
+        <a:lnRef idx="2">
+          <a:scrgbClr r="0" g="0" b="0"/>
+        </a:lnRef>
+        <a:fillRef idx="1">
+          <a:scrgbClr r="0" g="0" b="0"/>
+        </a:fillRef>
+        <a:effectRef idx="0">
+          <a:scrgbClr r="0" g="0" b="0"/>
+        </a:effectRef>
+        <a:fontRef idx="minor">
+          <a:schemeClr val="lt1"/>
+        </a:fontRef>
+      </dsp:style>
+      <dsp:txBody>
+        <a:bodyPr spcFirstLastPara="0" vert="horz" wrap="square" lIns="76200" tIns="76200" rIns="76200" bIns="76200" numCol="1" spcCol="1270" anchor="ctr" anchorCtr="0">
+          <a:noAutofit/>
+        </a:bodyPr>
+        <a:lstStyle/>
+        <a:p>
+          <a:pPr marL="0" lvl="0" indent="0" algn="ctr" defTabSz="889000">
+            <a:lnSpc>
+              <a:spcPct val="90000"/>
+            </a:lnSpc>
+            <a:spcBef>
+              <a:spcPct val="0"/>
+            </a:spcBef>
+            <a:spcAft>
+              <a:spcPct val="35000"/>
+            </a:spcAft>
+            <a:buNone/>
+          </a:pPr>
+          <a:r>
+            <a:rPr lang="da-DK" sz="2000" kern="1200"/>
+            <a:t>Create Mermaid ER diagram</a:t>
+          </a:r>
+          <a:endParaRPr lang="en-US" sz="2000" kern="1200"/>
+        </a:p>
+      </dsp:txBody>
+      <dsp:txXfrm>
+        <a:off x="3201" y="2223395"/>
+        <a:ext cx="2539866" cy="1523919"/>
+      </dsp:txXfrm>
+    </dsp:sp>
+    <dsp:sp modelId="{17CFE4AE-0555-4D70-83A5-98A238BD4489}">
+      <dsp:nvSpPr>
+        <dsp:cNvPr id="0" name=""/>
+        <dsp:cNvSpPr/>
+      </dsp:nvSpPr>
+      <dsp:spPr>
+        <a:xfrm>
+          <a:off x="2797054" y="2223395"/>
+          <a:ext cx="2539866" cy="1523919"/>
+        </a:xfrm>
+        <a:prstGeom prst="rect">
+          <a:avLst/>
+        </a:prstGeom>
+        <a:solidFill>
+          <a:schemeClr val="accent2">
+            <a:hueOff val="0"/>
+            <a:satOff val="0"/>
+            <a:lumOff val="0"/>
+            <a:alphaOff val="0"/>
+          </a:schemeClr>
+        </a:solidFill>
+        <a:ln w="19050" cap="flat" cmpd="sng" algn="ctr">
+          <a:solidFill>
+            <a:schemeClr val="lt1">
+              <a:hueOff val="0"/>
+              <a:satOff val="0"/>
+              <a:lumOff val="0"/>
+              <a:alphaOff val="0"/>
+            </a:schemeClr>
+          </a:solidFill>
+          <a:prstDash val="solid"/>
+          <a:miter lim="800000"/>
+        </a:ln>
+        <a:effectLst/>
+      </dsp:spPr>
+      <dsp:style>
+        <a:lnRef idx="2">
+          <a:scrgbClr r="0" g="0" b="0"/>
+        </a:lnRef>
+        <a:fillRef idx="1">
+          <a:scrgbClr r="0" g="0" b="0"/>
+        </a:fillRef>
+        <a:effectRef idx="0">
+          <a:scrgbClr r="0" g="0" b="0"/>
+        </a:effectRef>
+        <a:fontRef idx="minor">
+          <a:schemeClr val="lt1"/>
+        </a:fontRef>
+      </dsp:style>
+      <dsp:txBody>
+        <a:bodyPr spcFirstLastPara="0" vert="horz" wrap="square" lIns="76200" tIns="76200" rIns="76200" bIns="76200" numCol="1" spcCol="1270" anchor="ctr" anchorCtr="0">
+          <a:noAutofit/>
+        </a:bodyPr>
+        <a:lstStyle/>
+        <a:p>
+          <a:pPr marL="0" lvl="0" indent="0" algn="ctr" defTabSz="889000">
+            <a:lnSpc>
+              <a:spcPct val="90000"/>
+            </a:lnSpc>
+            <a:spcBef>
+              <a:spcPct val="0"/>
+            </a:spcBef>
+            <a:spcAft>
+              <a:spcPct val="35000"/>
+            </a:spcAft>
+            <a:buNone/>
+          </a:pPr>
+          <a:r>
+            <a:rPr lang="da-DK" sz="2000" kern="1200"/>
+            <a:t>Data API Builder scaffold</a:t>
+          </a:r>
+          <a:endParaRPr lang="en-US" sz="2000" kern="1200"/>
+        </a:p>
+      </dsp:txBody>
+      <dsp:txXfrm>
+        <a:off x="2797054" y="2223395"/>
+        <a:ext cx="2539866" cy="1523919"/>
+      </dsp:txXfrm>
+    </dsp:sp>
+    <dsp:sp modelId="{BC07B578-F6B2-4CD7-8050-CCC61C519572}">
+      <dsp:nvSpPr>
+        <dsp:cNvPr id="0" name=""/>
+        <dsp:cNvSpPr/>
+      </dsp:nvSpPr>
+      <dsp:spPr>
+        <a:xfrm>
+          <a:off x="5590907" y="2223395"/>
+          <a:ext cx="2539866" cy="1523919"/>
+        </a:xfrm>
+        <a:prstGeom prst="rect">
+          <a:avLst/>
+        </a:prstGeom>
+        <a:solidFill>
+          <a:schemeClr val="accent3">
+            <a:hueOff val="0"/>
+            <a:satOff val="0"/>
+            <a:lumOff val="0"/>
+            <a:alphaOff val="0"/>
+          </a:schemeClr>
+        </a:solidFill>
+        <a:ln w="19050" cap="flat" cmpd="sng" algn="ctr">
+          <a:solidFill>
+            <a:schemeClr val="lt1">
+              <a:hueOff val="0"/>
+              <a:satOff val="0"/>
+              <a:lumOff val="0"/>
+              <a:alphaOff val="0"/>
+            </a:schemeClr>
+          </a:solidFill>
+          <a:prstDash val="solid"/>
+          <a:miter lim="800000"/>
+        </a:ln>
+        <a:effectLst/>
+      </dsp:spPr>
+      <dsp:style>
+        <a:lnRef idx="2">
+          <a:scrgbClr r="0" g="0" b="0"/>
+        </a:lnRef>
+        <a:fillRef idx="1">
+          <a:scrgbClr r="0" g="0" b="0"/>
+        </a:fillRef>
+        <a:effectRef idx="0">
+          <a:scrgbClr r="0" g="0" b="0"/>
+        </a:effectRef>
+        <a:fontRef idx="minor">
+          <a:schemeClr val="lt1"/>
+        </a:fontRef>
+      </dsp:style>
+      <dsp:txBody>
+        <a:bodyPr spcFirstLastPara="0" vert="horz" wrap="square" lIns="76200" tIns="76200" rIns="76200" bIns="76200" numCol="1" spcCol="1270" anchor="ctr" anchorCtr="0">
+          <a:noAutofit/>
+        </a:bodyPr>
+        <a:lstStyle/>
+        <a:p>
+          <a:pPr marL="0" lvl="0" indent="0" algn="ctr" defTabSz="889000">
+            <a:lnSpc>
+              <a:spcPct val="90000"/>
+            </a:lnSpc>
+            <a:spcBef>
+              <a:spcPct val="0"/>
+            </a:spcBef>
+            <a:spcAft>
+              <a:spcPct val="35000"/>
+            </a:spcAft>
+            <a:buNone/>
+          </a:pPr>
+          <a:r>
+            <a:rPr lang="da-DK" sz="2000" kern="1200"/>
+            <a:t>Schema compare (for MsBuild.Sdk.SqlProj)</a:t>
+          </a:r>
+          <a:endParaRPr lang="en-US" sz="2000" kern="1200"/>
+        </a:p>
+      </dsp:txBody>
+      <dsp:txXfrm>
+        <a:off x="5590907" y="2223395"/>
+        <a:ext cx="2539866" cy="1523919"/>
+      </dsp:txXfrm>
+    </dsp:sp>
+    <dsp:sp modelId="{B8E854F1-98D4-4BA6-8866-5FF656763F35}">
+      <dsp:nvSpPr>
+        <dsp:cNvPr id="0" name=""/>
+        <dsp:cNvSpPr/>
+      </dsp:nvSpPr>
+      <dsp:spPr>
+        <a:xfrm>
+          <a:off x="8384760" y="2223395"/>
+          <a:ext cx="2539866" cy="1523919"/>
+        </a:xfrm>
+        <a:prstGeom prst="rect">
+          <a:avLst/>
+        </a:prstGeom>
+        <a:solidFill>
+          <a:schemeClr val="accent4">
+            <a:hueOff val="0"/>
+            <a:satOff val="0"/>
+            <a:lumOff val="0"/>
+            <a:alphaOff val="0"/>
+          </a:schemeClr>
+        </a:solidFill>
+        <a:ln w="19050" cap="flat" cmpd="sng" algn="ctr">
+          <a:solidFill>
+            <a:schemeClr val="lt1">
+              <a:hueOff val="0"/>
+              <a:satOff val="0"/>
+              <a:lumOff val="0"/>
+              <a:alphaOff val="0"/>
+            </a:schemeClr>
+          </a:solidFill>
+          <a:prstDash val="solid"/>
+          <a:miter lim="800000"/>
+        </a:ln>
+        <a:effectLst/>
+      </dsp:spPr>
+      <dsp:style>
+        <a:lnRef idx="2">
+          <a:scrgbClr r="0" g="0" b="0"/>
+        </a:lnRef>
+        <a:fillRef idx="1">
+          <a:scrgbClr r="0" g="0" b="0"/>
+        </a:fillRef>
+        <a:effectRef idx="0">
+          <a:scrgbClr r="0" g="0" b="0"/>
+        </a:effectRef>
+        <a:fontRef idx="minor">
+          <a:schemeClr val="lt1"/>
+        </a:fontRef>
+      </dsp:style>
+      <dsp:txBody>
+        <a:bodyPr spcFirstLastPara="0" vert="horz" wrap="square" lIns="76200" tIns="76200" rIns="76200" bIns="76200" numCol="1" spcCol="1270" anchor="ctr" anchorCtr="0">
+          <a:noAutofit/>
+        </a:bodyPr>
+        <a:lstStyle/>
+        <a:p>
+          <a:pPr marL="0" lvl="0" indent="0" algn="ctr" defTabSz="889000">
+            <a:lnSpc>
+              <a:spcPct val="90000"/>
+            </a:lnSpc>
+            <a:spcBef>
+              <a:spcPct val="0"/>
+            </a:spcBef>
+            <a:spcAft>
+              <a:spcPct val="35000"/>
+            </a:spcAft>
+            <a:buNone/>
+          </a:pPr>
+          <a:r>
+            <a:rPr lang="da-DK" sz="2000" kern="1200"/>
+            <a:t>Power Pack with Templates, Code Analysis, Formatter</a:t>
+          </a:r>
+          <a:endParaRPr lang="en-US" sz="2000" kern="1200"/>
+        </a:p>
+      </dsp:txBody>
+      <dsp:txXfrm>
+        <a:off x="8384760" y="2223395"/>
+        <a:ext cx="2539866" cy="1523919"/>
+      </dsp:txXfrm>
+    </dsp:sp>
+  </dsp:spTree>
+</dsp:drawing>
+</file>
+
+<file path=ppt/diagrams/drawing5.xml><?xml version="1.0" encoding="utf-8"?>
+<dsp:drawing xmlns:dgm="http://schemas.openxmlformats.org/drawingml/2006/diagram" xmlns:dsp="http://schemas.microsoft.com/office/drawing/2008/diagram" xmlns:a="http://schemas.openxmlformats.org/drawingml/2006/main">
+  <dsp:spTree>
+    <dsp:nvGrpSpPr>
+      <dsp:cNvPr id="0" name=""/>
+      <dsp:cNvGrpSpPr/>
+    </dsp:nvGrpSpPr>
+    <dsp:grpSpPr/>
     <dsp:sp modelId="{034C7B45-0BB1-44B4-AFD9-807D3BCEDB34}">
       <dsp:nvSpPr>
         <dsp:cNvPr id="0" name=""/>
@@ -8712,6 +10733,153 @@
 </file>
 
 <file path=ppt/diagrams/layout4.xml><?xml version="1.0" encoding="utf-8"?>
+<dgm:layoutDef xmlns:dgm="http://schemas.openxmlformats.org/drawingml/2006/diagram" xmlns:a="http://schemas.openxmlformats.org/drawingml/2006/main" uniqueId="urn:microsoft.com/office/officeart/2005/8/layout/default">
+  <dgm:title val=""/>
+  <dgm:desc val=""/>
+  <dgm:catLst>
+    <dgm:cat type="list" pri="400"/>
+  </dgm:catLst>
+  <dgm:sampData>
+    <dgm:dataModel>
+      <dgm:ptLst>
+        <dgm:pt modelId="0" type="doc"/>
+        <dgm:pt modelId="1">
+          <dgm:prSet phldr="1"/>
+        </dgm:pt>
+        <dgm:pt modelId="2">
+          <dgm:prSet phldr="1"/>
+        </dgm:pt>
+        <dgm:pt modelId="3">
+          <dgm:prSet phldr="1"/>
+        </dgm:pt>
+        <dgm:pt modelId="4">
+          <dgm:prSet phldr="1"/>
+        </dgm:pt>
+        <dgm:pt modelId="5">
+          <dgm:prSet phldr="1"/>
+        </dgm:pt>
+      </dgm:ptLst>
+      <dgm:cxnLst>
+        <dgm:cxn modelId="6" srcId="0" destId="1" srcOrd="0" destOrd="0"/>
+        <dgm:cxn modelId="7" srcId="0" destId="2" srcOrd="1" destOrd="0"/>
+        <dgm:cxn modelId="8" srcId="0" destId="3" srcOrd="2" destOrd="0"/>
+        <dgm:cxn modelId="9" srcId="0" destId="4" srcOrd="3" destOrd="0"/>
+        <dgm:cxn modelId="10" srcId="0" destId="5" srcOrd="4" destOrd="0"/>
+      </dgm:cxnLst>
+      <dgm:bg/>
+      <dgm:whole/>
+    </dgm:dataModel>
+  </dgm:sampData>
+  <dgm:styleData>
+    <dgm:dataModel>
+      <dgm:ptLst>
+        <dgm:pt modelId="0" type="doc"/>
+        <dgm:pt modelId="1"/>
+        <dgm:pt modelId="2"/>
+      </dgm:ptLst>
+      <dgm:cxnLst>
+        <dgm:cxn modelId="3" srcId="0" destId="1" srcOrd="0" destOrd="0"/>
+        <dgm:cxn modelId="4" srcId="0" destId="2" srcOrd="1" destOrd="0"/>
+      </dgm:cxnLst>
+      <dgm:bg/>
+      <dgm:whole/>
+    </dgm:dataModel>
+  </dgm:styleData>
+  <dgm:clrData>
+    <dgm:dataModel>
+      <dgm:ptLst>
+        <dgm:pt modelId="0" type="doc"/>
+        <dgm:pt modelId="1"/>
+        <dgm:pt modelId="2"/>
+        <dgm:pt modelId="3"/>
+        <dgm:pt modelId="4"/>
+        <dgm:pt modelId="5"/>
+        <dgm:pt modelId="6"/>
+      </dgm:ptLst>
+      <dgm:cxnLst>
+        <dgm:cxn modelId="7" srcId="0" destId="1" srcOrd="0" destOrd="0"/>
+        <dgm:cxn modelId="8" srcId="0" destId="2" srcOrd="1" destOrd="0"/>
+        <dgm:cxn modelId="9" srcId="0" destId="3" srcOrd="2" destOrd="0"/>
+        <dgm:cxn modelId="10" srcId="0" destId="4" srcOrd="3" destOrd="0"/>
+        <dgm:cxn modelId="11" srcId="0" destId="5" srcOrd="4" destOrd="0"/>
+        <dgm:cxn modelId="12" srcId="0" destId="6" srcOrd="5" destOrd="0"/>
+      </dgm:cxnLst>
+      <dgm:bg/>
+      <dgm:whole/>
+    </dgm:dataModel>
+  </dgm:clrData>
+  <dgm:layoutNode name="diagram">
+    <dgm:varLst>
+      <dgm:dir/>
+      <dgm:resizeHandles val="exact"/>
+    </dgm:varLst>
+    <dgm:choose name="Name0">
+      <dgm:if name="Name1" func="var" arg="dir" op="equ" val="norm">
+        <dgm:alg type="snake">
+          <dgm:param type="grDir" val="tL"/>
+          <dgm:param type="flowDir" val="row"/>
+          <dgm:param type="contDir" val="sameDir"/>
+          <dgm:param type="off" val="ctr"/>
+        </dgm:alg>
+      </dgm:if>
+      <dgm:else name="Name2">
+        <dgm:alg type="snake">
+          <dgm:param type="grDir" val="tR"/>
+          <dgm:param type="flowDir" val="row"/>
+          <dgm:param type="contDir" val="sameDir"/>
+          <dgm:param type="off" val="ctr"/>
+        </dgm:alg>
+      </dgm:else>
+    </dgm:choose>
+    <dgm:shape xmlns:r="http://schemas.openxmlformats.org/officeDocument/2006/relationships" r:blip="">
+      <dgm:adjLst/>
+    </dgm:shape>
+    <dgm:presOf/>
+    <dgm:constrLst>
+      <dgm:constr type="w" for="ch" forName="node" refType="w"/>
+      <dgm:constr type="h" for="ch" forName="node" refType="w" refFor="ch" refForName="node" fact="0.6"/>
+      <dgm:constr type="w" for="ch" forName="sibTrans" refType="w" refFor="ch" refForName="node" fact="0.1"/>
+      <dgm:constr type="sp" refType="w" refFor="ch" refForName="sibTrans"/>
+      <dgm:constr type="primFontSz" for="ch" forName="node" op="equ" val="65"/>
+    </dgm:constrLst>
+    <dgm:ruleLst/>
+    <dgm:forEach name="Name3" axis="ch" ptType="node">
+      <dgm:layoutNode name="node">
+        <dgm:varLst>
+          <dgm:bulletEnabled val="1"/>
+        </dgm:varLst>
+        <dgm:alg type="tx"/>
+        <dgm:shape xmlns:r="http://schemas.openxmlformats.org/officeDocument/2006/relationships" type="rect" r:blip="">
+          <dgm:adjLst/>
+        </dgm:shape>
+        <dgm:presOf axis="desOrSelf" ptType="node"/>
+        <dgm:constrLst>
+          <dgm:constr type="lMarg" refType="primFontSz" fact="0.3"/>
+          <dgm:constr type="rMarg" refType="primFontSz" fact="0.3"/>
+          <dgm:constr type="tMarg" refType="primFontSz" fact="0.3"/>
+          <dgm:constr type="bMarg" refType="primFontSz" fact="0.3"/>
+        </dgm:constrLst>
+        <dgm:ruleLst>
+          <dgm:rule type="primFontSz" val="5" fact="NaN" max="NaN"/>
+        </dgm:ruleLst>
+      </dgm:layoutNode>
+      <dgm:forEach name="Name4" axis="followSib" ptType="sibTrans" cnt="1">
+        <dgm:layoutNode name="sibTrans">
+          <dgm:alg type="sp"/>
+          <dgm:shape xmlns:r="http://schemas.openxmlformats.org/officeDocument/2006/relationships" r:blip="">
+            <dgm:adjLst/>
+          </dgm:shape>
+          <dgm:presOf/>
+          <dgm:constrLst/>
+          <dgm:ruleLst/>
+        </dgm:layoutNode>
+      </dgm:forEach>
+    </dgm:forEach>
+  </dgm:layoutNode>
+</dgm:layoutDef>
+</file>
+
+<file path=ppt/diagrams/layout5.xml><?xml version="1.0" encoding="utf-8"?>
 <dgm:layoutDef xmlns:dgm="http://schemas.openxmlformats.org/drawingml/2006/diagram" xmlns:a="http://schemas.openxmlformats.org/drawingml/2006/main" uniqueId="urn:microsoft.com/office/officeart/2005/8/layout/process1">
   <dgm:title val=""/>
   <dgm:desc val=""/>
@@ -12993,6 +15161,1040 @@
 </dgm:styleDef>
 </file>
 
+<file path=ppt/diagrams/quickStyle5.xml><?xml version="1.0" encoding="utf-8"?>
+<dgm:styleDef xmlns:dgm="http://schemas.openxmlformats.org/drawingml/2006/diagram" xmlns:a="http://schemas.openxmlformats.org/drawingml/2006/main" uniqueId="urn:microsoft.com/office/officeart/2005/8/quickstyle/simple1">
+  <dgm:title val=""/>
+  <dgm:desc val=""/>
+  <dgm:catLst>
+    <dgm:cat type="simple" pri="10100"/>
+  </dgm:catLst>
+  <dgm:scene3d>
+    <a:camera prst="orthographicFront"/>
+    <a:lightRig rig="threePt" dir="t"/>
+  </dgm:scene3d>
+  <dgm:styleLbl name="node0">
+    <dgm:scene3d>
+      <a:camera prst="orthographicFront"/>
+      <a:lightRig rig="threePt" dir="t"/>
+    </dgm:scene3d>
+    <dgm:sp3d/>
+    <dgm:txPr/>
+    <dgm:style>
+      <a:lnRef idx="2">
+        <a:scrgbClr r="0" g="0" b="0"/>
+      </a:lnRef>
+      <a:fillRef idx="1">
+        <a:scrgbClr r="0" g="0" b="0"/>
+      </a:fillRef>
+      <a:effectRef idx="0">
+        <a:scrgbClr r="0" g="0" b="0"/>
+      </a:effectRef>
+      <a:fontRef idx="minor">
+        <a:schemeClr val="lt1"/>
+      </a:fontRef>
+    </dgm:style>
+  </dgm:styleLbl>
+  <dgm:styleLbl name="lnNode1">
+    <dgm:scene3d>
+      <a:camera prst="orthographicFront"/>
+      <a:lightRig rig="threePt" dir="t"/>
+    </dgm:scene3d>
+    <dgm:sp3d/>
+    <dgm:txPr/>
+    <dgm:style>
+      <a:lnRef idx="2">
+        <a:scrgbClr r="0" g="0" b="0"/>
+      </a:lnRef>
+      <a:fillRef idx="1">
+        <a:scrgbClr r="0" g="0" b="0"/>
+      </a:fillRef>
+      <a:effectRef idx="0">
+        <a:scrgbClr r="0" g="0" b="0"/>
+      </a:effectRef>
+      <a:fontRef idx="minor">
+        <a:schemeClr val="lt1"/>
+      </a:fontRef>
+    </dgm:style>
+  </dgm:styleLbl>
+  <dgm:styleLbl name="vennNode1">
+    <dgm:scene3d>
+      <a:camera prst="orthographicFront"/>
+      <a:lightRig rig="threePt" dir="t"/>
+    </dgm:scene3d>
+    <dgm:sp3d/>
+    <dgm:txPr/>
+    <dgm:style>
+      <a:lnRef idx="2">
+        <a:scrgbClr r="0" g="0" b="0"/>
+      </a:lnRef>
+      <a:fillRef idx="1">
+        <a:scrgbClr r="0" g="0" b="0"/>
+      </a:fillRef>
+      <a:effectRef idx="0">
+        <a:scrgbClr r="0" g="0" b="0"/>
+      </a:effectRef>
+      <a:fontRef idx="minor">
+        <a:schemeClr val="tx1"/>
+      </a:fontRef>
+    </dgm:style>
+  </dgm:styleLbl>
+  <dgm:styleLbl name="alignNode1">
+    <dgm:scene3d>
+      <a:camera prst="orthographicFront"/>
+      <a:lightRig rig="threePt" dir="t"/>
+    </dgm:scene3d>
+    <dgm:sp3d/>
+    <dgm:txPr/>
+    <dgm:style>
+      <a:lnRef idx="2">
+        <a:scrgbClr r="0" g="0" b="0"/>
+      </a:lnRef>
+      <a:fillRef idx="1">
+        <a:scrgbClr r="0" g="0" b="0"/>
+      </a:fillRef>
+      <a:effectRef idx="0">
+        <a:scrgbClr r="0" g="0" b="0"/>
+      </a:effectRef>
+      <a:fontRef idx="minor">
+        <a:schemeClr val="lt1"/>
+      </a:fontRef>
+    </dgm:style>
+  </dgm:styleLbl>
+  <dgm:styleLbl name="node1">
+    <dgm:scene3d>
+      <a:camera prst="orthographicFront"/>
+      <a:lightRig rig="threePt" dir="t"/>
+    </dgm:scene3d>
+    <dgm:sp3d/>
+    <dgm:txPr/>
+    <dgm:style>
+      <a:lnRef idx="2">
+        <a:scrgbClr r="0" g="0" b="0"/>
+      </a:lnRef>
+      <a:fillRef idx="1">
+        <a:scrgbClr r="0" g="0" b="0"/>
+      </a:fillRef>
+      <a:effectRef idx="0">
+        <a:scrgbClr r="0" g="0" b="0"/>
+      </a:effectRef>
+      <a:fontRef idx="minor">
+        <a:schemeClr val="lt1"/>
+      </a:fontRef>
+    </dgm:style>
+  </dgm:styleLbl>
+  <dgm:styleLbl name="node2">
+    <dgm:scene3d>
+      <a:camera prst="orthographicFront"/>
+      <a:lightRig rig="threePt" dir="t"/>
+    </dgm:scene3d>
+    <dgm:sp3d/>
+    <dgm:txPr/>
+    <dgm:style>
+      <a:lnRef idx="2">
+        <a:scrgbClr r="0" g="0" b="0"/>
+      </a:lnRef>
+      <a:fillRef idx="1">
+        <a:scrgbClr r="0" g="0" b="0"/>
+      </a:fillRef>
+      <a:effectRef idx="0">
+        <a:scrgbClr r="0" g="0" b="0"/>
+      </a:effectRef>
+      <a:fontRef idx="minor">
+        <a:schemeClr val="lt1"/>
+      </a:fontRef>
+    </dgm:style>
+  </dgm:styleLbl>
+  <dgm:styleLbl name="node3">
+    <dgm:scene3d>
+      <a:camera prst="orthographicFront"/>
+      <a:lightRig rig="threePt" dir="t"/>
+    </dgm:scene3d>
+    <dgm:sp3d/>
+    <dgm:txPr/>
+    <dgm:style>
+      <a:lnRef idx="2">
+        <a:scrgbClr r="0" g="0" b="0"/>
+      </a:lnRef>
+      <a:fillRef idx="1">
+        <a:scrgbClr r="0" g="0" b="0"/>
+      </a:fillRef>
+      <a:effectRef idx="0">
+        <a:scrgbClr r="0" g="0" b="0"/>
+      </a:effectRef>
+      <a:fontRef idx="minor">
+        <a:schemeClr val="lt1"/>
+      </a:fontRef>
+    </dgm:style>
+  </dgm:styleLbl>
+  <dgm:styleLbl name="node4">
+    <dgm:scene3d>
+      <a:camera prst="orthographicFront"/>
+      <a:lightRig rig="threePt" dir="t"/>
+    </dgm:scene3d>
+    <dgm:sp3d/>
+    <dgm:txPr/>
+    <dgm:style>
+      <a:lnRef idx="2">
+        <a:scrgbClr r="0" g="0" b="0"/>
+      </a:lnRef>
+      <a:fillRef idx="1">
+        <a:scrgbClr r="0" g="0" b="0"/>
+      </a:fillRef>
+      <a:effectRef idx="0">
+        <a:scrgbClr r="0" g="0" b="0"/>
+      </a:effectRef>
+      <a:fontRef idx="minor">
+        <a:schemeClr val="lt1"/>
+      </a:fontRef>
+    </dgm:style>
+  </dgm:styleLbl>
+  <dgm:styleLbl name="fgImgPlace1">
+    <dgm:scene3d>
+      <a:camera prst="orthographicFront"/>
+      <a:lightRig rig="threePt" dir="t"/>
+    </dgm:scene3d>
+    <dgm:sp3d/>
+    <dgm:txPr/>
+    <dgm:style>
+      <a:lnRef idx="2">
+        <a:scrgbClr r="0" g="0" b="0"/>
+      </a:lnRef>
+      <a:fillRef idx="1">
+        <a:scrgbClr r="0" g="0" b="0"/>
+      </a:fillRef>
+      <a:effectRef idx="0">
+        <a:scrgbClr r="0" g="0" b="0"/>
+      </a:effectRef>
+      <a:fontRef idx="minor"/>
+    </dgm:style>
+  </dgm:styleLbl>
+  <dgm:styleLbl name="alignImgPlace1">
+    <dgm:scene3d>
+      <a:camera prst="orthographicFront"/>
+      <a:lightRig rig="threePt" dir="t"/>
+    </dgm:scene3d>
+    <dgm:sp3d/>
+    <dgm:txPr/>
+    <dgm:style>
+      <a:lnRef idx="2">
+        <a:scrgbClr r="0" g="0" b="0"/>
+      </a:lnRef>
+      <a:fillRef idx="1">
+        <a:scrgbClr r="0" g="0" b="0"/>
+      </a:fillRef>
+      <a:effectRef idx="0">
+        <a:scrgbClr r="0" g="0" b="0"/>
+      </a:effectRef>
+      <a:fontRef idx="minor"/>
+    </dgm:style>
+  </dgm:styleLbl>
+  <dgm:styleLbl name="bgImgPlace1">
+    <dgm:scene3d>
+      <a:camera prst="orthographicFront"/>
+      <a:lightRig rig="threePt" dir="t"/>
+    </dgm:scene3d>
+    <dgm:sp3d/>
+    <dgm:txPr/>
+    <dgm:style>
+      <a:lnRef idx="2">
+        <a:scrgbClr r="0" g="0" b="0"/>
+      </a:lnRef>
+      <a:fillRef idx="1">
+        <a:scrgbClr r="0" g="0" b="0"/>
+      </a:fillRef>
+      <a:effectRef idx="0">
+        <a:scrgbClr r="0" g="0" b="0"/>
+      </a:effectRef>
+      <a:fontRef idx="minor"/>
+    </dgm:style>
+  </dgm:styleLbl>
+  <dgm:styleLbl name="sibTrans2D1">
+    <dgm:scene3d>
+      <a:camera prst="orthographicFront"/>
+      <a:lightRig rig="threePt" dir="t"/>
+    </dgm:scene3d>
+    <dgm:sp3d/>
+    <dgm:txPr/>
+    <dgm:style>
+      <a:lnRef idx="0">
+        <a:scrgbClr r="0" g="0" b="0"/>
+      </a:lnRef>
+      <a:fillRef idx="1">
+        <a:scrgbClr r="0" g="0" b="0"/>
+      </a:fillRef>
+      <a:effectRef idx="0">
+        <a:scrgbClr r="0" g="0" b="0"/>
+      </a:effectRef>
+      <a:fontRef idx="minor">
+        <a:schemeClr val="lt1"/>
+      </a:fontRef>
+    </dgm:style>
+  </dgm:styleLbl>
+  <dgm:styleLbl name="fgSibTrans2D1">
+    <dgm:scene3d>
+      <a:camera prst="orthographicFront"/>
+      <a:lightRig rig="threePt" dir="t"/>
+    </dgm:scene3d>
+    <dgm:sp3d/>
+    <dgm:txPr/>
+    <dgm:style>
+      <a:lnRef idx="0">
+        <a:scrgbClr r="0" g="0" b="0"/>
+      </a:lnRef>
+      <a:fillRef idx="1">
+        <a:scrgbClr r="0" g="0" b="0"/>
+      </a:fillRef>
+      <a:effectRef idx="0">
+        <a:scrgbClr r="0" g="0" b="0"/>
+      </a:effectRef>
+      <a:fontRef idx="minor">
+        <a:schemeClr val="lt1"/>
+      </a:fontRef>
+    </dgm:style>
+  </dgm:styleLbl>
+  <dgm:styleLbl name="bgSibTrans2D1">
+    <dgm:scene3d>
+      <a:camera prst="orthographicFront"/>
+      <a:lightRig rig="threePt" dir="t"/>
+    </dgm:scene3d>
+    <dgm:sp3d/>
+    <dgm:txPr/>
+    <dgm:style>
+      <a:lnRef idx="0">
+        <a:scrgbClr r="0" g="0" b="0"/>
+      </a:lnRef>
+      <a:fillRef idx="1">
+        <a:scrgbClr r="0" g="0" b="0"/>
+      </a:fillRef>
+      <a:effectRef idx="0">
+        <a:scrgbClr r="0" g="0" b="0"/>
+      </a:effectRef>
+      <a:fontRef idx="minor">
+        <a:schemeClr val="lt1"/>
+      </a:fontRef>
+    </dgm:style>
+  </dgm:styleLbl>
+  <dgm:styleLbl name="sibTrans1D1">
+    <dgm:scene3d>
+      <a:camera prst="orthographicFront"/>
+      <a:lightRig rig="threePt" dir="t"/>
+    </dgm:scene3d>
+    <dgm:sp3d/>
+    <dgm:txPr/>
+    <dgm:style>
+      <a:lnRef idx="1">
+        <a:scrgbClr r="0" g="0" b="0"/>
+      </a:lnRef>
+      <a:fillRef idx="0">
+        <a:scrgbClr r="0" g="0" b="0"/>
+      </a:fillRef>
+      <a:effectRef idx="0">
+        <a:scrgbClr r="0" g="0" b="0"/>
+      </a:effectRef>
+      <a:fontRef idx="minor"/>
+    </dgm:style>
+  </dgm:styleLbl>
+  <dgm:styleLbl name="callout">
+    <dgm:scene3d>
+      <a:camera prst="orthographicFront"/>
+      <a:lightRig rig="threePt" dir="t"/>
+    </dgm:scene3d>
+    <dgm:sp3d/>
+    <dgm:txPr/>
+    <dgm:style>
+      <a:lnRef idx="2">
+        <a:scrgbClr r="0" g="0" b="0"/>
+      </a:lnRef>
+      <a:fillRef idx="1">
+        <a:scrgbClr r="0" g="0" b="0"/>
+      </a:fillRef>
+      <a:effectRef idx="0">
+        <a:scrgbClr r="0" g="0" b="0"/>
+      </a:effectRef>
+      <a:fontRef idx="minor"/>
+    </dgm:style>
+  </dgm:styleLbl>
+  <dgm:styleLbl name="asst0">
+    <dgm:scene3d>
+      <a:camera prst="orthographicFront"/>
+      <a:lightRig rig="threePt" dir="t"/>
+    </dgm:scene3d>
+    <dgm:sp3d/>
+    <dgm:txPr/>
+    <dgm:style>
+      <a:lnRef idx="2">
+        <a:scrgbClr r="0" g="0" b="0"/>
+      </a:lnRef>
+      <a:fillRef idx="1">
+        <a:scrgbClr r="0" g="0" b="0"/>
+      </a:fillRef>
+      <a:effectRef idx="0">
+        <a:scrgbClr r="0" g="0" b="0"/>
+      </a:effectRef>
+      <a:fontRef idx="minor">
+        <a:schemeClr val="lt1"/>
+      </a:fontRef>
+    </dgm:style>
+  </dgm:styleLbl>
+  <dgm:styleLbl name="asst1">
+    <dgm:scene3d>
+      <a:camera prst="orthographicFront"/>
+      <a:lightRig rig="threePt" dir="t"/>
+    </dgm:scene3d>
+    <dgm:sp3d/>
+    <dgm:txPr/>
+    <dgm:style>
+      <a:lnRef idx="2">
+        <a:scrgbClr r="0" g="0" b="0"/>
+      </a:lnRef>
+      <a:fillRef idx="1">
+        <a:scrgbClr r="0" g="0" b="0"/>
+      </a:fillRef>
+      <a:effectRef idx="0">
+        <a:scrgbClr r="0" g="0" b="0"/>
+      </a:effectRef>
+      <a:fontRef idx="minor">
+        <a:schemeClr val="lt1"/>
+      </a:fontRef>
+    </dgm:style>
+  </dgm:styleLbl>
+  <dgm:styleLbl name="asst2">
+    <dgm:scene3d>
+      <a:camera prst="orthographicFront"/>
+      <a:lightRig rig="threePt" dir="t"/>
+    </dgm:scene3d>
+    <dgm:sp3d/>
+    <dgm:txPr/>
+    <dgm:style>
+      <a:lnRef idx="2">
+        <a:scrgbClr r="0" g="0" b="0"/>
+      </a:lnRef>
+      <a:fillRef idx="1">
+        <a:scrgbClr r="0" g="0" b="0"/>
+      </a:fillRef>
+      <a:effectRef idx="0">
+        <a:scrgbClr r="0" g="0" b="0"/>
+      </a:effectRef>
+      <a:fontRef idx="minor">
+        <a:schemeClr val="lt1"/>
+      </a:fontRef>
+    </dgm:style>
+  </dgm:styleLbl>
+  <dgm:styleLbl name="asst3">
+    <dgm:scene3d>
+      <a:camera prst="orthographicFront"/>
+      <a:lightRig rig="threePt" dir="t"/>
+    </dgm:scene3d>
+    <dgm:sp3d/>
+    <dgm:txPr/>
+    <dgm:style>
+      <a:lnRef idx="2">
+        <a:scrgbClr r="0" g="0" b="0"/>
+      </a:lnRef>
+      <a:fillRef idx="1">
+        <a:scrgbClr r="0" g="0" b="0"/>
+      </a:fillRef>
+      <a:effectRef idx="0">
+        <a:scrgbClr r="0" g="0" b="0"/>
+      </a:effectRef>
+      <a:fontRef idx="minor">
+        <a:schemeClr val="lt1"/>
+      </a:fontRef>
+    </dgm:style>
+  </dgm:styleLbl>
+  <dgm:styleLbl name="asst4">
+    <dgm:scene3d>
+      <a:camera prst="orthographicFront"/>
+      <a:lightRig rig="threePt" dir="t"/>
+    </dgm:scene3d>
+    <dgm:sp3d/>
+    <dgm:txPr/>
+    <dgm:style>
+      <a:lnRef idx="2">
+        <a:scrgbClr r="0" g="0" b="0"/>
+      </a:lnRef>
+      <a:fillRef idx="1">
+        <a:scrgbClr r="0" g="0" b="0"/>
+      </a:fillRef>
+      <a:effectRef idx="0">
+        <a:scrgbClr r="0" g="0" b="0"/>
+      </a:effectRef>
+      <a:fontRef idx="minor">
+        <a:schemeClr val="lt1"/>
+      </a:fontRef>
+    </dgm:style>
+  </dgm:styleLbl>
+  <dgm:styleLbl name="parChTrans2D1">
+    <dgm:scene3d>
+      <a:camera prst="orthographicFront"/>
+      <a:lightRig rig="threePt" dir="t"/>
+    </dgm:scene3d>
+    <dgm:sp3d/>
+    <dgm:txPr/>
+    <dgm:style>
+      <a:lnRef idx="2">
+        <a:scrgbClr r="0" g="0" b="0"/>
+      </a:lnRef>
+      <a:fillRef idx="1">
+        <a:scrgbClr r="0" g="0" b="0"/>
+      </a:fillRef>
+      <a:effectRef idx="0">
+        <a:scrgbClr r="0" g="0" b="0"/>
+      </a:effectRef>
+      <a:fontRef idx="minor">
+        <a:schemeClr val="lt1"/>
+      </a:fontRef>
+    </dgm:style>
+  </dgm:styleLbl>
+  <dgm:styleLbl name="parChTrans2D2">
+    <dgm:scene3d>
+      <a:camera prst="orthographicFront"/>
+      <a:lightRig rig="threePt" dir="t"/>
+    </dgm:scene3d>
+    <dgm:sp3d/>
+    <dgm:txPr/>
+    <dgm:style>
+      <a:lnRef idx="2">
+        <a:scrgbClr r="0" g="0" b="0"/>
+      </a:lnRef>
+      <a:fillRef idx="1">
+        <a:scrgbClr r="0" g="0" b="0"/>
+      </a:fillRef>
+      <a:effectRef idx="0">
+        <a:scrgbClr r="0" g="0" b="0"/>
+      </a:effectRef>
+      <a:fontRef idx="minor">
+        <a:schemeClr val="lt1"/>
+      </a:fontRef>
+    </dgm:style>
+  </dgm:styleLbl>
+  <dgm:styleLbl name="parChTrans2D3">
+    <dgm:scene3d>
+      <a:camera prst="orthographicFront"/>
+      <a:lightRig rig="threePt" dir="t"/>
+    </dgm:scene3d>
+    <dgm:sp3d/>
+    <dgm:txPr/>
+    <dgm:style>
+      <a:lnRef idx="2">
+        <a:scrgbClr r="0" g="0" b="0"/>
+      </a:lnRef>
+      <a:fillRef idx="1">
+        <a:scrgbClr r="0" g="0" b="0"/>
+      </a:fillRef>
+      <a:effectRef idx="0">
+        <a:scrgbClr r="0" g="0" b="0"/>
+      </a:effectRef>
+      <a:fontRef idx="minor">
+        <a:schemeClr val="lt1"/>
+      </a:fontRef>
+    </dgm:style>
+  </dgm:styleLbl>
+  <dgm:styleLbl name="parChTrans2D4">
+    <dgm:scene3d>
+      <a:camera prst="orthographicFront"/>
+      <a:lightRig rig="threePt" dir="t"/>
+    </dgm:scene3d>
+    <dgm:sp3d/>
+    <dgm:txPr/>
+    <dgm:style>
+      <a:lnRef idx="2">
+        <a:scrgbClr r="0" g="0" b="0"/>
+      </a:lnRef>
+      <a:fillRef idx="1">
+        <a:scrgbClr r="0" g="0" b="0"/>
+      </a:fillRef>
+      <a:effectRef idx="0">
+        <a:scrgbClr r="0" g="0" b="0"/>
+      </a:effectRef>
+      <a:fontRef idx="minor">
+        <a:schemeClr val="lt1"/>
+      </a:fontRef>
+    </dgm:style>
+  </dgm:styleLbl>
+  <dgm:styleLbl name="parChTrans1D1">
+    <dgm:scene3d>
+      <a:camera prst="orthographicFront"/>
+      <a:lightRig rig="threePt" dir="t"/>
+    </dgm:scene3d>
+    <dgm:sp3d/>
+    <dgm:txPr/>
+    <dgm:style>
+      <a:lnRef idx="2">
+        <a:scrgbClr r="0" g="0" b="0"/>
+      </a:lnRef>
+      <a:fillRef idx="0">
+        <a:scrgbClr r="0" g="0" b="0"/>
+      </a:fillRef>
+      <a:effectRef idx="0">
+        <a:scrgbClr r="0" g="0" b="0"/>
+      </a:effectRef>
+      <a:fontRef idx="minor"/>
+    </dgm:style>
+  </dgm:styleLbl>
+  <dgm:styleLbl name="parChTrans1D2">
+    <dgm:scene3d>
+      <a:camera prst="orthographicFront"/>
+      <a:lightRig rig="threePt" dir="t"/>
+    </dgm:scene3d>
+    <dgm:sp3d/>
+    <dgm:txPr/>
+    <dgm:style>
+      <a:lnRef idx="2">
+        <a:scrgbClr r="0" g="0" b="0"/>
+      </a:lnRef>
+      <a:fillRef idx="0">
+        <a:scrgbClr r="0" g="0" b="0"/>
+      </a:fillRef>
+      <a:effectRef idx="0">
+        <a:scrgbClr r="0" g="0" b="0"/>
+      </a:effectRef>
+      <a:fontRef idx="minor"/>
+    </dgm:style>
+  </dgm:styleLbl>
+  <dgm:styleLbl name="parChTrans1D3">
+    <dgm:scene3d>
+      <a:camera prst="orthographicFront"/>
+      <a:lightRig rig="threePt" dir="t"/>
+    </dgm:scene3d>
+    <dgm:sp3d/>
+    <dgm:txPr/>
+    <dgm:style>
+      <a:lnRef idx="2">
+        <a:scrgbClr r="0" g="0" b="0"/>
+      </a:lnRef>
+      <a:fillRef idx="0">
+        <a:scrgbClr r="0" g="0" b="0"/>
+      </a:fillRef>
+      <a:effectRef idx="0">
+        <a:scrgbClr r="0" g="0" b="0"/>
+      </a:effectRef>
+      <a:fontRef idx="minor"/>
+    </dgm:style>
+  </dgm:styleLbl>
+  <dgm:styleLbl name="parChTrans1D4">
+    <dgm:scene3d>
+      <a:camera prst="orthographicFront"/>
+      <a:lightRig rig="threePt" dir="t"/>
+    </dgm:scene3d>
+    <dgm:sp3d/>
+    <dgm:txPr/>
+    <dgm:style>
+      <a:lnRef idx="2">
+        <a:scrgbClr r="0" g="0" b="0"/>
+      </a:lnRef>
+      <a:fillRef idx="0">
+        <a:scrgbClr r="0" g="0" b="0"/>
+      </a:fillRef>
+      <a:effectRef idx="0">
+        <a:scrgbClr r="0" g="0" b="0"/>
+      </a:effectRef>
+      <a:fontRef idx="minor"/>
+    </dgm:style>
+  </dgm:styleLbl>
+  <dgm:styleLbl name="fgAcc1">
+    <dgm:scene3d>
+      <a:camera prst="orthographicFront"/>
+      <a:lightRig rig="threePt" dir="t"/>
+    </dgm:scene3d>
+    <dgm:sp3d/>
+    <dgm:txPr/>
+    <dgm:style>
+      <a:lnRef idx="2">
+        <a:scrgbClr r="0" g="0" b="0"/>
+      </a:lnRef>
+      <a:fillRef idx="1">
+        <a:scrgbClr r="0" g="0" b="0"/>
+      </a:fillRef>
+      <a:effectRef idx="0">
+        <a:scrgbClr r="0" g="0" b="0"/>
+      </a:effectRef>
+      <a:fontRef idx="minor"/>
+    </dgm:style>
+  </dgm:styleLbl>
+  <dgm:styleLbl name="conFgAcc1">
+    <dgm:scene3d>
+      <a:camera prst="orthographicFront"/>
+      <a:lightRig rig="threePt" dir="t"/>
+    </dgm:scene3d>
+    <dgm:sp3d/>
+    <dgm:txPr/>
+    <dgm:style>
+      <a:lnRef idx="2">
+        <a:scrgbClr r="0" g="0" b="0"/>
+      </a:lnRef>
+      <a:fillRef idx="1">
+        <a:scrgbClr r="0" g="0" b="0"/>
+      </a:fillRef>
+      <a:effectRef idx="0">
+        <a:scrgbClr r="0" g="0" b="0"/>
+      </a:effectRef>
+      <a:fontRef idx="minor"/>
+    </dgm:style>
+  </dgm:styleLbl>
+  <dgm:styleLbl name="alignAcc1">
+    <dgm:scene3d>
+      <a:camera prst="orthographicFront"/>
+      <a:lightRig rig="threePt" dir="t"/>
+    </dgm:scene3d>
+    <dgm:sp3d/>
+    <dgm:txPr/>
+    <dgm:style>
+      <a:lnRef idx="2">
+        <a:scrgbClr r="0" g="0" b="0"/>
+      </a:lnRef>
+      <a:fillRef idx="1">
+        <a:scrgbClr r="0" g="0" b="0"/>
+      </a:fillRef>
+      <a:effectRef idx="0">
+        <a:scrgbClr r="0" g="0" b="0"/>
+      </a:effectRef>
+      <a:fontRef idx="minor"/>
+    </dgm:style>
+  </dgm:styleLbl>
+  <dgm:styleLbl name="trAlignAcc1">
+    <dgm:scene3d>
+      <a:camera prst="orthographicFront"/>
+      <a:lightRig rig="threePt" dir="t"/>
+    </dgm:scene3d>
+    <dgm:sp3d/>
+    <dgm:txPr/>
+    <dgm:style>
+      <a:lnRef idx="1">
+        <a:scrgbClr r="0" g="0" b="0"/>
+      </a:lnRef>
+      <a:fillRef idx="1">
+        <a:scrgbClr r="0" g="0" b="0"/>
+      </a:fillRef>
+      <a:effectRef idx="0">
+        <a:scrgbClr r="0" g="0" b="0"/>
+      </a:effectRef>
+      <a:fontRef idx="minor"/>
+    </dgm:style>
+  </dgm:styleLbl>
+  <dgm:styleLbl name="bgAcc1">
+    <dgm:scene3d>
+      <a:camera prst="orthographicFront"/>
+      <a:lightRig rig="threePt" dir="t"/>
+    </dgm:scene3d>
+    <dgm:sp3d/>
+    <dgm:txPr/>
+    <dgm:style>
+      <a:lnRef idx="2">
+        <a:scrgbClr r="0" g="0" b="0"/>
+      </a:lnRef>
+      <a:fillRef idx="1">
+        <a:scrgbClr r="0" g="0" b="0"/>
+      </a:fillRef>
+      <a:effectRef idx="0">
+        <a:scrgbClr r="0" g="0" b="0"/>
+      </a:effectRef>
+      <a:fontRef idx="minor"/>
+    </dgm:style>
+  </dgm:styleLbl>
+  <dgm:styleLbl name="solidFgAcc1">
+    <dgm:scene3d>
+      <a:camera prst="orthographicFront"/>
+      <a:lightRig rig="threePt" dir="t"/>
+    </dgm:scene3d>
+    <dgm:sp3d/>
+    <dgm:txPr/>
+    <dgm:style>
+      <a:lnRef idx="2">
+        <a:scrgbClr r="0" g="0" b="0"/>
+      </a:lnRef>
+      <a:fillRef idx="1">
+        <a:scrgbClr r="0" g="0" b="0"/>
+      </a:fillRef>
+      <a:effectRef idx="0">
+        <a:scrgbClr r="0" g="0" b="0"/>
+      </a:effectRef>
+      <a:fontRef idx="minor"/>
+    </dgm:style>
+  </dgm:styleLbl>
+  <dgm:styleLbl name="solidAlignAcc1">
+    <dgm:scene3d>
+      <a:camera prst="orthographicFront"/>
+      <a:lightRig rig="threePt" dir="t"/>
+    </dgm:scene3d>
+    <dgm:sp3d/>
+    <dgm:txPr/>
+    <dgm:style>
+      <a:lnRef idx="2">
+        <a:scrgbClr r="0" g="0" b="0"/>
+      </a:lnRef>
+      <a:fillRef idx="1">
+        <a:scrgbClr r="0" g="0" b="0"/>
+      </a:fillRef>
+      <a:effectRef idx="0">
+        <a:scrgbClr r="0" g="0" b="0"/>
+      </a:effectRef>
+      <a:fontRef idx="minor"/>
+    </dgm:style>
+  </dgm:styleLbl>
+  <dgm:styleLbl name="solidBgAcc1">
+    <dgm:scene3d>
+      <a:camera prst="orthographicFront"/>
+      <a:lightRig rig="threePt" dir="t"/>
+    </dgm:scene3d>
+    <dgm:sp3d/>
+    <dgm:txPr/>
+    <dgm:style>
+      <a:lnRef idx="2">
+        <a:scrgbClr r="0" g="0" b="0"/>
+      </a:lnRef>
+      <a:fillRef idx="1">
+        <a:scrgbClr r="0" g="0" b="0"/>
+      </a:fillRef>
+      <a:effectRef idx="0">
+        <a:scrgbClr r="0" g="0" b="0"/>
+      </a:effectRef>
+      <a:fontRef idx="minor"/>
+    </dgm:style>
+  </dgm:styleLbl>
+  <dgm:styleLbl name="fgAccFollowNode1">
+    <dgm:scene3d>
+      <a:camera prst="orthographicFront"/>
+      <a:lightRig rig="threePt" dir="t"/>
+    </dgm:scene3d>
+    <dgm:sp3d/>
+    <dgm:txPr/>
+    <dgm:style>
+      <a:lnRef idx="2">
+        <a:scrgbClr r="0" g="0" b="0"/>
+      </a:lnRef>
+      <a:fillRef idx="1">
+        <a:scrgbClr r="0" g="0" b="0"/>
+      </a:fillRef>
+      <a:effectRef idx="0">
+        <a:scrgbClr r="0" g="0" b="0"/>
+      </a:effectRef>
+      <a:fontRef idx="minor"/>
+    </dgm:style>
+  </dgm:styleLbl>
+  <dgm:styleLbl name="alignAccFollowNode1">
+    <dgm:scene3d>
+      <a:camera prst="orthographicFront"/>
+      <a:lightRig rig="threePt" dir="t"/>
+    </dgm:scene3d>
+    <dgm:sp3d/>
+    <dgm:txPr/>
+    <dgm:style>
+      <a:lnRef idx="2">
+        <a:scrgbClr r="0" g="0" b="0"/>
+      </a:lnRef>
+      <a:fillRef idx="1">
+        <a:scrgbClr r="0" g="0" b="0"/>
+      </a:fillRef>
+      <a:effectRef idx="0">
+        <a:scrgbClr r="0" g="0" b="0"/>
+      </a:effectRef>
+      <a:fontRef idx="minor"/>
+    </dgm:style>
+  </dgm:styleLbl>
+  <dgm:styleLbl name="bgAccFollowNode1">
+    <dgm:scene3d>
+      <a:camera prst="orthographicFront"/>
+      <a:lightRig rig="threePt" dir="t"/>
+    </dgm:scene3d>
+    <dgm:sp3d/>
+    <dgm:txPr/>
+    <dgm:style>
+      <a:lnRef idx="2">
+        <a:scrgbClr r="0" g="0" b="0"/>
+      </a:lnRef>
+      <a:fillRef idx="1">
+        <a:scrgbClr r="0" g="0" b="0"/>
+      </a:fillRef>
+      <a:effectRef idx="0">
+        <a:scrgbClr r="0" g="0" b="0"/>
+      </a:effectRef>
+      <a:fontRef idx="minor"/>
+    </dgm:style>
+  </dgm:styleLbl>
+  <dgm:styleLbl name="fgAcc0">
+    <dgm:scene3d>
+      <a:camera prst="orthographicFront"/>
+      <a:lightRig rig="threePt" dir="t"/>
+    </dgm:scene3d>
+    <dgm:sp3d/>
+    <dgm:txPr/>
+    <dgm:style>
+      <a:lnRef idx="2">
+        <a:scrgbClr r="0" g="0" b="0"/>
+      </a:lnRef>
+      <a:fillRef idx="1">
+        <a:scrgbClr r="0" g="0" b="0"/>
+      </a:fillRef>
+      <a:effectRef idx="0">
+        <a:scrgbClr r="0" g="0" b="0"/>
+      </a:effectRef>
+      <a:fontRef idx="minor"/>
+    </dgm:style>
+  </dgm:styleLbl>
+  <dgm:styleLbl name="fgAcc2">
+    <dgm:scene3d>
+      <a:camera prst="orthographicFront"/>
+      <a:lightRig rig="threePt" dir="t"/>
+    </dgm:scene3d>
+    <dgm:sp3d/>
+    <dgm:txPr/>
+    <dgm:style>
+      <a:lnRef idx="2">
+        <a:scrgbClr r="0" g="0" b="0"/>
+      </a:lnRef>
+      <a:fillRef idx="1">
+        <a:scrgbClr r="0" g="0" b="0"/>
+      </a:fillRef>
+      <a:effectRef idx="0">
+        <a:scrgbClr r="0" g="0" b="0"/>
+      </a:effectRef>
+      <a:fontRef idx="minor"/>
+    </dgm:style>
+  </dgm:styleLbl>
+  <dgm:styleLbl name="fgAcc3">
+    <dgm:scene3d>
+      <a:camera prst="orthographicFront"/>
+      <a:lightRig rig="threePt" dir="t"/>
+    </dgm:scene3d>
+    <dgm:sp3d/>
+    <dgm:txPr/>
+    <dgm:style>
+      <a:lnRef idx="2">
+        <a:scrgbClr r="0" g="0" b="0"/>
+      </a:lnRef>
+      <a:fillRef idx="1">
+        <a:scrgbClr r="0" g="0" b="0"/>
+      </a:fillRef>
+      <a:effectRef idx="0">
+        <a:scrgbClr r="0" g="0" b="0"/>
+      </a:effectRef>
+      <a:fontRef idx="minor"/>
+    </dgm:style>
+  </dgm:styleLbl>
+  <dgm:styleLbl name="fgAcc4">
+    <dgm:scene3d>
+      <a:camera prst="orthographicFront"/>
+      <a:lightRig rig="threePt" dir="t"/>
+    </dgm:scene3d>
+    <dgm:sp3d/>
+    <dgm:txPr/>
+    <dgm:style>
+      <a:lnRef idx="2">
+        <a:scrgbClr r="0" g="0" b="0"/>
+      </a:lnRef>
+      <a:fillRef idx="1">
+        <a:scrgbClr r="0" g="0" b="0"/>
+      </a:fillRef>
+      <a:effectRef idx="0">
+        <a:scrgbClr r="0" g="0" b="0"/>
+      </a:effectRef>
+      <a:fontRef idx="minor"/>
+    </dgm:style>
+  </dgm:styleLbl>
+  <dgm:styleLbl name="bgShp">
+    <dgm:scene3d>
+      <a:camera prst="orthographicFront"/>
+      <a:lightRig rig="threePt" dir="t"/>
+    </dgm:scene3d>
+    <dgm:sp3d/>
+    <dgm:txPr/>
+    <dgm:style>
+      <a:lnRef idx="0">
+        <a:scrgbClr r="0" g="0" b="0"/>
+      </a:lnRef>
+      <a:fillRef idx="1">
+        <a:scrgbClr r="0" g="0" b="0"/>
+      </a:fillRef>
+      <a:effectRef idx="0">
+        <a:scrgbClr r="0" g="0" b="0"/>
+      </a:effectRef>
+      <a:fontRef idx="minor"/>
+    </dgm:style>
+  </dgm:styleLbl>
+  <dgm:styleLbl name="dkBgShp">
+    <dgm:scene3d>
+      <a:camera prst="orthographicFront"/>
+      <a:lightRig rig="threePt" dir="t"/>
+    </dgm:scene3d>
+    <dgm:sp3d/>
+    <dgm:txPr/>
+    <dgm:style>
+      <a:lnRef idx="0">
+        <a:scrgbClr r="0" g="0" b="0"/>
+      </a:lnRef>
+      <a:fillRef idx="1">
+        <a:scrgbClr r="0" g="0" b="0"/>
+      </a:fillRef>
+      <a:effectRef idx="0">
+        <a:scrgbClr r="0" g="0" b="0"/>
+      </a:effectRef>
+      <a:fontRef idx="minor"/>
+    </dgm:style>
+  </dgm:styleLbl>
+  <dgm:styleLbl name="trBgShp">
+    <dgm:scene3d>
+      <a:camera prst="orthographicFront"/>
+      <a:lightRig rig="threePt" dir="t"/>
+    </dgm:scene3d>
+    <dgm:sp3d/>
+    <dgm:txPr/>
+    <dgm:style>
+      <a:lnRef idx="0">
+        <a:scrgbClr r="0" g="0" b="0"/>
+      </a:lnRef>
+      <a:fillRef idx="1">
+        <a:scrgbClr r="0" g="0" b="0"/>
+      </a:fillRef>
+      <a:effectRef idx="0">
+        <a:scrgbClr r="0" g="0" b="0"/>
+      </a:effectRef>
+      <a:fontRef idx="minor"/>
+    </dgm:style>
+  </dgm:styleLbl>
+  <dgm:styleLbl name="fgShp">
+    <dgm:scene3d>
+      <a:camera prst="orthographicFront"/>
+      <a:lightRig rig="threePt" dir="t"/>
+    </dgm:scene3d>
+    <dgm:sp3d/>
+    <dgm:txPr/>
+    <dgm:style>
+      <a:lnRef idx="2">
+        <a:scrgbClr r="0" g="0" b="0"/>
+      </a:lnRef>
+      <a:fillRef idx="1">
+        <a:scrgbClr r="0" g="0" b="0"/>
+      </a:fillRef>
+      <a:effectRef idx="0">
+        <a:scrgbClr r="0" g="0" b="0"/>
+      </a:effectRef>
+      <a:fontRef idx="minor"/>
+    </dgm:style>
+  </dgm:styleLbl>
+  <dgm:styleLbl name="revTx">
+    <dgm:scene3d>
+      <a:camera prst="orthographicFront"/>
+      <a:lightRig rig="threePt" dir="t"/>
+    </dgm:scene3d>
+    <dgm:sp3d/>
+    <dgm:txPr/>
+    <dgm:style>
+      <a:lnRef idx="0">
+        <a:scrgbClr r="0" g="0" b="0"/>
+      </a:lnRef>
+      <a:fillRef idx="0">
+        <a:scrgbClr r="0" g="0" b="0"/>
+      </a:fillRef>
+      <a:effectRef idx="0">
+        <a:scrgbClr r="0" g="0" b="0"/>
+      </a:effectRef>
+      <a:fontRef idx="minor"/>
+    </dgm:style>
+  </dgm:styleLbl>
+</dgm:styleDef>
+</file>
+
 <file path=ppt/slideLayouts/slideLayout1.xml><?xml version="1.0" encoding="utf-8"?>
 <p:sldLayout xmlns:a="http://schemas.openxmlformats.org/drawingml/2006/main" xmlns:r="http://schemas.openxmlformats.org/officeDocument/2006/relationships" xmlns:p="http://schemas.openxmlformats.org/presentationml/2006/main" type="title" preserve="1">
   <p:cSld name="Title Slide">
@@ -13142,7 +16344,7 @@
           <a:p>
             <a:fld id="{100FD589-5CEC-4C5D-B34D-E6C06527026F}" type="datetimeFigureOut">
               <a:rPr lang="da-DK" smtClean="0"/>
-              <a:t>04-08-2025</a:t>
+              <a:t>13-09-2025</a:t>
             </a:fld>
             <a:endParaRPr lang="da-DK"/>
           </a:p>
@@ -13342,7 +16544,7 @@
           <a:p>
             <a:fld id="{100FD589-5CEC-4C5D-B34D-E6C06527026F}" type="datetimeFigureOut">
               <a:rPr lang="da-DK" smtClean="0"/>
-              <a:t>04-08-2025</a:t>
+              <a:t>13-09-2025</a:t>
             </a:fld>
             <a:endParaRPr lang="da-DK"/>
           </a:p>
@@ -13552,7 +16754,7 @@
           <a:p>
             <a:fld id="{100FD589-5CEC-4C5D-B34D-E6C06527026F}" type="datetimeFigureOut">
               <a:rPr lang="da-DK" smtClean="0"/>
-              <a:t>04-08-2025</a:t>
+              <a:t>13-09-2025</a:t>
             </a:fld>
             <a:endParaRPr lang="da-DK"/>
           </a:p>
@@ -13752,7 +16954,7 @@
           <a:p>
             <a:fld id="{100FD589-5CEC-4C5D-B34D-E6C06527026F}" type="datetimeFigureOut">
               <a:rPr lang="da-DK" smtClean="0"/>
-              <a:t>04-08-2025</a:t>
+              <a:t>13-09-2025</a:t>
             </a:fld>
             <a:endParaRPr lang="da-DK"/>
           </a:p>
@@ -14028,7 +17230,7 @@
           <a:p>
             <a:fld id="{100FD589-5CEC-4C5D-B34D-E6C06527026F}" type="datetimeFigureOut">
               <a:rPr lang="da-DK" smtClean="0"/>
-              <a:t>04-08-2025</a:t>
+              <a:t>13-09-2025</a:t>
             </a:fld>
             <a:endParaRPr lang="da-DK"/>
           </a:p>
@@ -14296,7 +17498,7 @@
           <a:p>
             <a:fld id="{100FD589-5CEC-4C5D-B34D-E6C06527026F}" type="datetimeFigureOut">
               <a:rPr lang="da-DK" smtClean="0"/>
-              <a:t>04-08-2025</a:t>
+              <a:t>13-09-2025</a:t>
             </a:fld>
             <a:endParaRPr lang="da-DK"/>
           </a:p>
@@ -14711,7 +17913,7 @@
           <a:p>
             <a:fld id="{100FD589-5CEC-4C5D-B34D-E6C06527026F}" type="datetimeFigureOut">
               <a:rPr lang="da-DK" smtClean="0"/>
-              <a:t>04-08-2025</a:t>
+              <a:t>13-09-2025</a:t>
             </a:fld>
             <a:endParaRPr lang="da-DK"/>
           </a:p>
@@ -14853,7 +18055,7 @@
           <a:p>
             <a:fld id="{100FD589-5CEC-4C5D-B34D-E6C06527026F}" type="datetimeFigureOut">
               <a:rPr lang="da-DK" smtClean="0"/>
-              <a:t>04-08-2025</a:t>
+              <a:t>13-09-2025</a:t>
             </a:fld>
             <a:endParaRPr lang="da-DK"/>
           </a:p>
@@ -14966,7 +18168,7 @@
           <a:p>
             <a:fld id="{100FD589-5CEC-4C5D-B34D-E6C06527026F}" type="datetimeFigureOut">
               <a:rPr lang="da-DK" smtClean="0"/>
-              <a:t>04-08-2025</a:t>
+              <a:t>13-09-2025</a:t>
             </a:fld>
             <a:endParaRPr lang="da-DK"/>
           </a:p>
@@ -15279,7 +18481,7 @@
           <a:p>
             <a:fld id="{100FD589-5CEC-4C5D-B34D-E6C06527026F}" type="datetimeFigureOut">
               <a:rPr lang="da-DK" smtClean="0"/>
-              <a:t>04-08-2025</a:t>
+              <a:t>13-09-2025</a:t>
             </a:fld>
             <a:endParaRPr lang="da-DK"/>
           </a:p>
@@ -15568,7 +18770,7 @@
           <a:p>
             <a:fld id="{100FD589-5CEC-4C5D-B34D-E6C06527026F}" type="datetimeFigureOut">
               <a:rPr lang="da-DK" smtClean="0"/>
-              <a:t>04-08-2025</a:t>
+              <a:t>13-09-2025</a:t>
             </a:fld>
             <a:endParaRPr lang="da-DK"/>
           </a:p>
@@ -15811,7 +19013,7 @@
           <a:p>
             <a:fld id="{100FD589-5CEC-4C5D-B34D-E6C06527026F}" type="datetimeFigureOut">
               <a:rPr lang="da-DK" smtClean="0"/>
-              <a:t>04-08-2025</a:t>
+              <a:t>13-09-2025</a:t>
             </a:fld>
             <a:endParaRPr lang="da-DK"/>
           </a:p>
@@ -16307,6 +19509,217 @@
         <p:cNvPr id="1" name="">
           <a:extLst>
             <a:ext uri="{FF2B5EF4-FFF2-40B4-BE49-F238E27FC236}">
+              <a16:creationId xmlns:a16="http://schemas.microsoft.com/office/drawing/2014/main" id="{6CD2D0EA-9571-6638-63EE-9C6A1B3E3A52}"/>
+            </a:ext>
+          </a:extLst>
+        </p:cNvPr>
+        <p:cNvGrpSpPr/>
+        <p:nvPr/>
+      </p:nvGrpSpPr>
+      <p:grpSpPr>
+        <a:xfrm>
+          <a:off x="0" y="0"/>
+          <a:ext cx="0" cy="0"/>
+          <a:chOff x="0" y="0"/>
+          <a:chExt cx="0" cy="0"/>
+        </a:xfrm>
+      </p:grpSpPr>
+      <p:sp>
+        <p:nvSpPr>
+          <p:cNvPr id="2" name="Title 1">
+            <a:extLst>
+              <a:ext uri="{FF2B5EF4-FFF2-40B4-BE49-F238E27FC236}">
+                <a16:creationId xmlns:a16="http://schemas.microsoft.com/office/drawing/2014/main" id="{AAF77172-1038-6046-9795-E9A3A2604BC6}"/>
+              </a:ext>
+            </a:extLst>
+          </p:cNvPr>
+          <p:cNvSpPr>
+            <a:spLocks noGrp="1"/>
+          </p:cNvSpPr>
+          <p:nvPr>
+            <p:ph type="title"/>
+          </p:nvPr>
+        </p:nvSpPr>
+        <p:spPr/>
+        <p:txBody>
+          <a:bodyPr/>
+          <a:lstStyle/>
+          <a:p>
+            <a:r>
+              <a:rPr lang="da-DK" dirty="0" err="1"/>
+              <a:t>ErikEJ.DacFX.SqlServer.Rules</a:t>
+            </a:r>
+            <a:endParaRPr lang="en-DK" dirty="0"/>
+          </a:p>
+        </p:txBody>
+      </p:sp>
+      <p:sp>
+        <p:nvSpPr>
+          <p:cNvPr id="3" name="Content Placeholder 2">
+            <a:extLst>
+              <a:ext uri="{FF2B5EF4-FFF2-40B4-BE49-F238E27FC236}">
+                <a16:creationId xmlns:a16="http://schemas.microsoft.com/office/drawing/2014/main" id="{B8276A9B-29EB-222D-DB62-E5EDE957809A}"/>
+              </a:ext>
+            </a:extLst>
+          </p:cNvPr>
+          <p:cNvSpPr>
+            <a:spLocks noGrp="1"/>
+          </p:cNvSpPr>
+          <p:nvPr>
+            <p:ph idx="1"/>
+          </p:nvPr>
+        </p:nvSpPr>
+        <p:spPr/>
+        <p:txBody>
+          <a:bodyPr/>
+          <a:lstStyle/>
+          <a:p>
+            <a:r>
+              <a:rPr lang="da-DK" dirty="0" err="1"/>
+              <a:t>Rule</a:t>
+            </a:r>
+            <a:r>
+              <a:rPr lang="da-DK" dirty="0"/>
+              <a:t> sets with 140 </a:t>
+            </a:r>
+            <a:r>
+              <a:rPr lang="da-DK" dirty="0" err="1"/>
+              <a:t>rules</a:t>
+            </a:r>
+            <a:r>
+              <a:rPr lang="da-DK" dirty="0"/>
+              <a:t> for </a:t>
+            </a:r>
+            <a:r>
+              <a:rPr lang="da-DK" dirty="0" err="1"/>
+              <a:t>inclusion</a:t>
+            </a:r>
+            <a:r>
+              <a:rPr lang="da-DK" dirty="0"/>
+              <a:t> in SQL Database </a:t>
+            </a:r>
+            <a:r>
+              <a:rPr lang="da-DK" dirty="0" err="1"/>
+              <a:t>project</a:t>
+            </a:r>
+            <a:endParaRPr lang="da-DK" dirty="0"/>
+          </a:p>
+          <a:p>
+            <a:pPr marL="0" indent="0">
+              <a:buNone/>
+            </a:pPr>
+            <a:endParaRPr lang="da-DK" dirty="0"/>
+          </a:p>
+          <a:p>
+            <a:pPr marL="0" indent="0">
+              <a:buNone/>
+            </a:pPr>
+            <a:r>
+              <a:rPr lang="da-DK" dirty="0" err="1">
+                <a:latin typeface="Cascadia Code" panose="020B0609020000020004" pitchFamily="49" charset="0"/>
+                <a:cs typeface="Cascadia Code" panose="020B0609020000020004" pitchFamily="49" charset="0"/>
+              </a:rPr>
+              <a:t>dotnet</a:t>
+            </a:r>
+            <a:r>
+              <a:rPr lang="da-DK" dirty="0">
+                <a:latin typeface="Cascadia Code" panose="020B0609020000020004" pitchFamily="49" charset="0"/>
+                <a:cs typeface="Cascadia Code" panose="020B0609020000020004" pitchFamily="49" charset="0"/>
+              </a:rPr>
+              <a:t> </a:t>
+            </a:r>
+            <a:r>
+              <a:rPr lang="da-DK" dirty="0" err="1">
+                <a:latin typeface="Cascadia Code" panose="020B0609020000020004" pitchFamily="49" charset="0"/>
+                <a:cs typeface="Cascadia Code" panose="020B0609020000020004" pitchFamily="49" charset="0"/>
+              </a:rPr>
+              <a:t>add</a:t>
+            </a:r>
+            <a:r>
+              <a:rPr lang="da-DK" dirty="0">
+                <a:latin typeface="Cascadia Code" panose="020B0609020000020004" pitchFamily="49" charset="0"/>
+                <a:cs typeface="Cascadia Code" panose="020B0609020000020004" pitchFamily="49" charset="0"/>
+              </a:rPr>
+              <a:t> </a:t>
+            </a:r>
+            <a:r>
+              <a:rPr lang="da-DK" dirty="0" err="1">
+                <a:latin typeface="Cascadia Code" panose="020B0609020000020004" pitchFamily="49" charset="0"/>
+                <a:cs typeface="Cascadia Code" panose="020B0609020000020004" pitchFamily="49" charset="0"/>
+              </a:rPr>
+              <a:t>package</a:t>
+            </a:r>
+            <a:r>
+              <a:rPr lang="da-DK" dirty="0">
+                <a:latin typeface="Cascadia Code" panose="020B0609020000020004" pitchFamily="49" charset="0"/>
+                <a:cs typeface="Cascadia Code" panose="020B0609020000020004" pitchFamily="49" charset="0"/>
+              </a:rPr>
+              <a:t> </a:t>
+            </a:r>
+            <a:r>
+              <a:rPr lang="da-DK" dirty="0" err="1">
+                <a:latin typeface="Cascadia Code" panose="020B0609020000020004" pitchFamily="49" charset="0"/>
+                <a:cs typeface="Cascadia Code" panose="020B0609020000020004" pitchFamily="49" charset="0"/>
+              </a:rPr>
+              <a:t>ErikEJ.DacFX.SqlServer.Rules</a:t>
+            </a:r>
+            <a:endParaRPr lang="da-DK" dirty="0">
+              <a:latin typeface="Cascadia Code" panose="020B0609020000020004" pitchFamily="49" charset="0"/>
+              <a:cs typeface="Cascadia Code" panose="020B0609020000020004" pitchFamily="49" charset="0"/>
+            </a:endParaRPr>
+          </a:p>
+          <a:p>
+            <a:endParaRPr lang="da-DK" dirty="0"/>
+          </a:p>
+          <a:p>
+            <a:pPr marL="0" indent="0">
+              <a:buNone/>
+            </a:pPr>
+            <a:r>
+              <a:rPr lang="da-DK" dirty="0"/>
+              <a:t>(</a:t>
+            </a:r>
+            <a:r>
+              <a:rPr lang="da-DK" dirty="0" err="1"/>
+              <a:t>also</a:t>
+            </a:r>
+            <a:r>
+              <a:rPr lang="da-DK" dirty="0"/>
+              <a:t> </a:t>
+            </a:r>
+            <a:r>
+              <a:rPr lang="da-DK" dirty="0" err="1"/>
+              <a:t>ErikEJ.DacFX.TSQLSmellSCA</a:t>
+            </a:r>
+            <a:r>
+              <a:rPr lang="da-DK" dirty="0"/>
+              <a:t>)</a:t>
+            </a:r>
+            <a:endParaRPr lang="en-DK" dirty="0"/>
+          </a:p>
+        </p:txBody>
+      </p:sp>
+    </p:spTree>
+    <p:extLst>
+      <p:ext uri="{BB962C8B-B14F-4D97-AF65-F5344CB8AC3E}">
+        <p14:creationId xmlns:p14="http://schemas.microsoft.com/office/powerpoint/2010/main" val="1873769460"/>
+      </p:ext>
+    </p:extLst>
+  </p:cSld>
+  <p:clrMapOvr>
+    <a:masterClrMapping/>
+  </p:clrMapOvr>
+</p:sld>
+</file>
+
+<file path=ppt/slides/slide11.xml><?xml version="1.0" encoding="utf-8"?>
+<p:sld xmlns:a="http://schemas.openxmlformats.org/drawingml/2006/main" xmlns:r="http://schemas.openxmlformats.org/officeDocument/2006/relationships" xmlns:p="http://schemas.openxmlformats.org/presentationml/2006/main">
+  <p:cSld>
+    <p:spTree>
+      <p:nvGrpSpPr>
+        <p:cNvPr id="1" name="">
+          <a:extLst>
+            <a:ext uri="{FF2B5EF4-FFF2-40B4-BE49-F238E27FC236}">
               <a16:creationId xmlns:a16="http://schemas.microsoft.com/office/drawing/2014/main" id="{BEBB3E29-E105-21E0-5AD0-9E0B94B63BB4}"/>
             </a:ext>
           </a:extLst>
@@ -16495,7 +19908,7 @@
 </p:sld>
 </file>
 
-<file path=ppt/slides/slide11.xml><?xml version="1.0" encoding="utf-8"?>
+<file path=ppt/slides/slide12.xml><?xml version="1.0" encoding="utf-8"?>
 <p:sld xmlns:a="http://schemas.openxmlformats.org/drawingml/2006/main" xmlns:r="http://schemas.openxmlformats.org/officeDocument/2006/relationships" xmlns:p="http://schemas.openxmlformats.org/presentationml/2006/main">
   <p:cSld>
     <p:spTree>
@@ -16652,7 +20065,7 @@
 </p:sld>
 </file>
 
-<file path=ppt/slides/slide12.xml><?xml version="1.0" encoding="utf-8"?>
+<file path=ppt/slides/slide13.xml><?xml version="1.0" encoding="utf-8"?>
 <p:sld xmlns:a="http://schemas.openxmlformats.org/drawingml/2006/main" xmlns:r="http://schemas.openxmlformats.org/officeDocument/2006/relationships" xmlns:p="http://schemas.openxmlformats.org/presentationml/2006/main">
   <p:cSld>
     <p:spTree>
@@ -16785,7 +20198,331 @@
 </p:sld>
 </file>
 
-<file path=ppt/slides/slide13.xml><?xml version="1.0" encoding="utf-8"?>
+<file path=ppt/slides/slide14.xml><?xml version="1.0" encoding="utf-8"?>
+<p:sld xmlns:a="http://schemas.openxmlformats.org/drawingml/2006/main" xmlns:r="http://schemas.openxmlformats.org/officeDocument/2006/relationships" xmlns:p="http://schemas.openxmlformats.org/presentationml/2006/main">
+  <p:cSld>
+    <p:bg>
+      <p:bgPr>
+        <a:solidFill>
+          <a:schemeClr val="bg1"/>
+        </a:solidFill>
+        <a:effectLst/>
+      </p:bgPr>
+    </p:bg>
+    <p:spTree>
+      <p:nvGrpSpPr>
+        <p:cNvPr id="1" name="">
+          <a:extLst>
+            <a:ext uri="{FF2B5EF4-FFF2-40B4-BE49-F238E27FC236}">
+              <a16:creationId xmlns:a16="http://schemas.microsoft.com/office/drawing/2014/main" id="{43363404-3B9C-AF9B-3B71-48F2A366A8EA}"/>
+            </a:ext>
+          </a:extLst>
+        </p:cNvPr>
+        <p:cNvGrpSpPr/>
+        <p:nvPr/>
+      </p:nvGrpSpPr>
+      <p:grpSpPr>
+        <a:xfrm>
+          <a:off x="0" y="0"/>
+          <a:ext cx="0" cy="0"/>
+          <a:chOff x="0" y="0"/>
+          <a:chExt cx="0" cy="0"/>
+        </a:xfrm>
+      </p:grpSpPr>
+      <p:sp useBgFill="1">
+        <p:nvSpPr>
+          <p:cNvPr id="1031" name="Rectangle 1030">
+            <a:extLst>
+              <a:ext uri="{FF2B5EF4-FFF2-40B4-BE49-F238E27FC236}">
+                <a16:creationId xmlns:a16="http://schemas.microsoft.com/office/drawing/2014/main" id="{04812C46-200A-4DEB-A05E-3ED6C68C2387}"/>
+              </a:ext>
+              <a:ext uri="{C183D7F6-B498-43B3-948B-1728B52AA6E4}">
+                <adec:decorative xmlns:adec="http://schemas.microsoft.com/office/drawing/2017/decorative" val="1"/>
+              </a:ext>
+            </a:extLst>
+          </p:cNvPr>
+          <p:cNvSpPr>
+            <a:spLocks noGrp="1" noRot="1" noChangeAspect="1" noMove="1" noResize="1" noEditPoints="1" noAdjustHandles="1" noChangeArrowheads="1" noChangeShapeType="1" noTextEdit="1"/>
+          </p:cNvSpPr>
+          <p:nvPr>
+            <p:extLst>
+              <p:ext uri="{386F3935-93C4-4BCD-93E2-E3B085C9AB24}">
+                <p16:designElem xmlns:p16="http://schemas.microsoft.com/office/powerpoint/2015/main" val="1"/>
+              </p:ext>
+            </p:extLst>
+          </p:nvPr>
+        </p:nvSpPr>
+        <p:spPr>
+          <a:xfrm>
+            <a:off x="-1" y="0"/>
+            <a:ext cx="12188952" cy="6858000"/>
+          </a:xfrm>
+          <a:prstGeom prst="rect">
+            <a:avLst/>
+          </a:prstGeom>
+          <a:ln>
+            <a:noFill/>
+          </a:ln>
+        </p:spPr>
+        <p:style>
+          <a:lnRef idx="2">
+            <a:schemeClr val="accent1">
+              <a:shade val="50000"/>
+            </a:schemeClr>
+          </a:lnRef>
+          <a:fillRef idx="1">
+            <a:schemeClr val="accent1"/>
+          </a:fillRef>
+          <a:effectRef idx="0">
+            <a:schemeClr val="accent1"/>
+          </a:effectRef>
+          <a:fontRef idx="minor">
+            <a:schemeClr val="lt1"/>
+          </a:fontRef>
+        </p:style>
+        <p:txBody>
+          <a:bodyPr rtlCol="0" anchor="ctr"/>
+          <a:lstStyle/>
+          <a:p>
+            <a:pPr algn="ctr"/>
+            <a:endParaRPr lang="en-US"/>
+          </a:p>
+        </p:txBody>
+      </p:sp>
+      <p:pic>
+        <p:nvPicPr>
+          <p:cNvPr id="1026" name="Picture 2">
+            <a:extLst>
+              <a:ext uri="{FF2B5EF4-FFF2-40B4-BE49-F238E27FC236}">
+                <a16:creationId xmlns:a16="http://schemas.microsoft.com/office/drawing/2014/main" id="{117558D6-AC30-A2D6-FCC3-C64E9DDAE446}"/>
+              </a:ext>
+            </a:extLst>
+          </p:cNvPr>
+          <p:cNvPicPr>
+            <a:picLocks noChangeAspect="1" noChangeArrowheads="1"/>
+          </p:cNvPicPr>
+          <p:nvPr/>
+        </p:nvPicPr>
+        <p:blipFill>
+          <a:blip r:embed="rId2">
+            <a:extLst>
+              <a:ext uri="{28A0092B-C50C-407E-A947-70E740481C1C}">
+                <a14:useLocalDpi xmlns:a14="http://schemas.microsoft.com/office/drawing/2010/main" val="0"/>
+              </a:ext>
+            </a:extLst>
+          </a:blip>
+          <a:srcRect r="28795" b="-1"/>
+          <a:stretch>
+            <a:fillRect/>
+          </a:stretch>
+        </p:blipFill>
+        <p:spPr bwMode="auto">
+          <a:xfrm>
+            <a:off x="1" y="10"/>
+            <a:ext cx="9669642" cy="6857990"/>
+          </a:xfrm>
+          <a:prstGeom prst="rect">
+            <a:avLst/>
+          </a:prstGeom>
+          <a:noFill/>
+          <a:extLst>
+            <a:ext uri="{909E8E84-426E-40DD-AFC4-6F175D3DCCD1}">
+              <a14:hiddenFill xmlns:a14="http://schemas.microsoft.com/office/drawing/2010/main">
+                <a:solidFill>
+                  <a:srgbClr val="FFFFFF"/>
+                </a:solidFill>
+              </a14:hiddenFill>
+            </a:ext>
+          </a:extLst>
+        </p:spPr>
+      </p:pic>
+      <p:sp>
+        <p:nvSpPr>
+          <p:cNvPr id="1033" name="Rectangle 1032">
+            <a:extLst>
+              <a:ext uri="{FF2B5EF4-FFF2-40B4-BE49-F238E27FC236}">
+                <a16:creationId xmlns:a16="http://schemas.microsoft.com/office/drawing/2014/main" id="{D1EA859B-E555-4109-94F3-6700E046E008}"/>
+              </a:ext>
+              <a:ext uri="{C183D7F6-B498-43B3-948B-1728B52AA6E4}">
+                <adec:decorative xmlns:adec="http://schemas.microsoft.com/office/drawing/2017/decorative" val="1"/>
+              </a:ext>
+            </a:extLst>
+          </p:cNvPr>
+          <p:cNvSpPr>
+            <a:spLocks noGrp="1" noRot="1" noChangeAspect="1" noMove="1" noResize="1" noEditPoints="1" noAdjustHandles="1" noChangeArrowheads="1" noChangeShapeType="1" noTextEdit="1"/>
+          </p:cNvSpPr>
+          <p:nvPr>
+            <p:extLst>
+              <p:ext uri="{386F3935-93C4-4BCD-93E2-E3B085C9AB24}">
+                <p16:designElem xmlns:p16="http://schemas.microsoft.com/office/powerpoint/2015/main" val="1"/>
+              </p:ext>
+            </p:extLst>
+          </p:nvPr>
+        </p:nvSpPr>
+        <p:spPr>
+          <a:xfrm flipH="1">
+            <a:off x="5125019" y="0"/>
+            <a:ext cx="7066978" cy="6858000"/>
+          </a:xfrm>
+          <a:prstGeom prst="rect">
+            <a:avLst/>
+          </a:prstGeom>
+          <a:gradFill>
+            <a:gsLst>
+              <a:gs pos="48000">
+                <a:schemeClr val="bg1"/>
+              </a:gs>
+              <a:gs pos="35000">
+                <a:schemeClr val="bg1">
+                  <a:alpha val="77000"/>
+                </a:schemeClr>
+              </a:gs>
+              <a:gs pos="19000">
+                <a:schemeClr val="bg1">
+                  <a:alpha val="38000"/>
+                </a:schemeClr>
+              </a:gs>
+              <a:gs pos="0">
+                <a:schemeClr val="bg1">
+                  <a:alpha val="0"/>
+                </a:schemeClr>
+              </a:gs>
+              <a:gs pos="100000">
+                <a:schemeClr val="bg1"/>
+              </a:gs>
+            </a:gsLst>
+            <a:lin ang="10800000" scaled="0"/>
+          </a:gradFill>
+          <a:ln>
+            <a:noFill/>
+          </a:ln>
+        </p:spPr>
+        <p:style>
+          <a:lnRef idx="2">
+            <a:schemeClr val="accent1">
+              <a:shade val="50000"/>
+            </a:schemeClr>
+          </a:lnRef>
+          <a:fillRef idx="1">
+            <a:schemeClr val="accent1"/>
+          </a:fillRef>
+          <a:effectRef idx="0">
+            <a:schemeClr val="accent1"/>
+          </a:effectRef>
+          <a:fontRef idx="minor">
+            <a:schemeClr val="lt1"/>
+          </a:fontRef>
+        </p:style>
+        <p:txBody>
+          <a:bodyPr rtlCol="0" anchor="ctr"/>
+          <a:lstStyle/>
+          <a:p>
+            <a:pPr algn="ctr"/>
+            <a:endParaRPr lang="en-US" dirty="0"/>
+          </a:p>
+        </p:txBody>
+      </p:sp>
+      <p:sp>
+        <p:nvSpPr>
+          <p:cNvPr id="2" name="Title 1">
+            <a:extLst>
+              <a:ext uri="{FF2B5EF4-FFF2-40B4-BE49-F238E27FC236}">
+                <a16:creationId xmlns:a16="http://schemas.microsoft.com/office/drawing/2014/main" id="{86DF452F-EF64-6CAF-448D-2483E2021D6E}"/>
+              </a:ext>
+            </a:extLst>
+          </p:cNvPr>
+          <p:cNvSpPr>
+            <a:spLocks noGrp="1"/>
+          </p:cNvSpPr>
+          <p:nvPr>
+            <p:ph type="title"/>
+          </p:nvPr>
+        </p:nvSpPr>
+        <p:spPr>
+          <a:xfrm>
+            <a:off x="7531610" y="365125"/>
+            <a:ext cx="3822189" cy="1899912"/>
+          </a:xfrm>
+        </p:spPr>
+        <p:txBody>
+          <a:bodyPr>
+            <a:normAutofit/>
+          </a:bodyPr>
+          <a:lstStyle/>
+          <a:p>
+            <a:r>
+              <a:rPr lang="da-DK" sz="4000" dirty="0"/>
+              <a:t>T-SQL Analyzer Visual Studio </a:t>
+            </a:r>
+            <a:r>
+              <a:rPr lang="da-DK" sz="4000" dirty="0" err="1"/>
+              <a:t>extension</a:t>
+            </a:r>
+            <a:endParaRPr lang="en-DK" sz="4000" dirty="0"/>
+          </a:p>
+        </p:txBody>
+      </p:sp>
+      <p:sp>
+        <p:nvSpPr>
+          <p:cNvPr id="3" name="Content Placeholder 2">
+            <a:extLst>
+              <a:ext uri="{FF2B5EF4-FFF2-40B4-BE49-F238E27FC236}">
+                <a16:creationId xmlns:a16="http://schemas.microsoft.com/office/drawing/2014/main" id="{671E438B-AF7E-963A-8ED8-EAA51CA9592F}"/>
+              </a:ext>
+            </a:extLst>
+          </p:cNvPr>
+          <p:cNvSpPr>
+            <a:spLocks noGrp="1"/>
+          </p:cNvSpPr>
+          <p:nvPr>
+            <p:ph idx="1"/>
+          </p:nvPr>
+        </p:nvSpPr>
+        <p:spPr>
+          <a:xfrm>
+            <a:off x="7531610" y="2434201"/>
+            <a:ext cx="3822189" cy="3742762"/>
+          </a:xfrm>
+        </p:spPr>
+        <p:txBody>
+          <a:bodyPr>
+            <a:normAutofit/>
+          </a:bodyPr>
+          <a:lstStyle/>
+          <a:p>
+            <a:r>
+              <a:rPr lang="en-US" sz="2000"/>
+              <a:t>Analyze your SQL object creation scripts as you type, and get suggestions for improvements based on best practices. The analyzer has over 140 rules covering performance, security, maintainability, and more.</a:t>
+            </a:r>
+          </a:p>
+          <a:p>
+            <a:endParaRPr lang="da-DK" sz="2000"/>
+          </a:p>
+          <a:p>
+            <a:pPr marL="0" indent="0">
+              <a:buNone/>
+            </a:pPr>
+            <a:endParaRPr lang="da-DK" sz="2000"/>
+          </a:p>
+          <a:p>
+            <a:endParaRPr lang="en-DK" sz="2000"/>
+          </a:p>
+        </p:txBody>
+      </p:sp>
+    </p:spTree>
+    <p:extLst>
+      <p:ext uri="{BB962C8B-B14F-4D97-AF65-F5344CB8AC3E}">
+        <p14:creationId xmlns:p14="http://schemas.microsoft.com/office/powerpoint/2010/main" val="2723909111"/>
+      </p:ext>
+    </p:extLst>
+  </p:cSld>
+  <p:clrMapOvr>
+    <a:masterClrMapping/>
+  </p:clrMapOvr>
+</p:sld>
+</file>
+
+<file path=ppt/slides/slide15.xml><?xml version="1.0" encoding="utf-8"?>
 <p:sld xmlns:a="http://schemas.openxmlformats.org/drawingml/2006/main" xmlns:r="http://schemas.openxmlformats.org/officeDocument/2006/relationships" xmlns:p="http://schemas.openxmlformats.org/presentationml/2006/main">
   <p:cSld>
     <p:spTree>
@@ -16974,7 +20711,7 @@
 </p:sld>
 </file>
 
-<file path=ppt/slides/slide14.xml><?xml version="1.0" encoding="utf-8"?>
+<file path=ppt/slides/slide16.xml><?xml version="1.0" encoding="utf-8"?>
 <p:sld xmlns:a="http://schemas.openxmlformats.org/drawingml/2006/main" xmlns:r="http://schemas.openxmlformats.org/officeDocument/2006/relationships" xmlns:p="http://schemas.openxmlformats.org/presentationml/2006/main">
   <p:cSld>
     <p:spTree>
@@ -17117,7 +20854,443 @@
 </p:sld>
 </file>
 
-<file path=ppt/slides/slide15.xml><?xml version="1.0" encoding="utf-8"?>
+<file path=ppt/slides/slide17.xml><?xml version="1.0" encoding="utf-8"?>
+<p:sld xmlns:a="http://schemas.openxmlformats.org/drawingml/2006/main" xmlns:r="http://schemas.openxmlformats.org/officeDocument/2006/relationships" xmlns:p="http://schemas.openxmlformats.org/presentationml/2006/main">
+  <p:cSld>
+    <p:bg>
+      <p:bgPr>
+        <a:solidFill>
+          <a:schemeClr val="bg1"/>
+        </a:solidFill>
+        <a:effectLst/>
+      </p:bgPr>
+    </p:bg>
+    <p:spTree>
+      <p:nvGrpSpPr>
+        <p:cNvPr id="1" name="">
+          <a:extLst>
+            <a:ext uri="{FF2B5EF4-FFF2-40B4-BE49-F238E27FC236}">
+              <a16:creationId xmlns:a16="http://schemas.microsoft.com/office/drawing/2014/main" id="{BC788CF4-AB62-F9FD-170E-BA4BED38ECEA}"/>
+            </a:ext>
+          </a:extLst>
+        </p:cNvPr>
+        <p:cNvGrpSpPr/>
+        <p:nvPr/>
+      </p:nvGrpSpPr>
+      <p:grpSpPr>
+        <a:xfrm>
+          <a:off x="0" y="0"/>
+          <a:ext cx="0" cy="0"/>
+          <a:chOff x="0" y="0"/>
+          <a:chExt cx="0" cy="0"/>
+        </a:xfrm>
+      </p:grpSpPr>
+      <p:sp useBgFill="1">
+        <p:nvSpPr>
+          <p:cNvPr id="9" name="Rectangle 8">
+            <a:extLst>
+              <a:ext uri="{FF2B5EF4-FFF2-40B4-BE49-F238E27FC236}">
+                <a16:creationId xmlns:a16="http://schemas.microsoft.com/office/drawing/2014/main" id="{BACC6370-2D7E-4714-9D71-7542949D7D5D}"/>
+              </a:ext>
+              <a:ext uri="{C183D7F6-B498-43B3-948B-1728B52AA6E4}">
+                <adec:decorative xmlns:adec="http://schemas.microsoft.com/office/drawing/2017/decorative" val="1"/>
+              </a:ext>
+            </a:extLst>
+          </p:cNvPr>
+          <p:cNvSpPr>
+            <a:spLocks noGrp="1" noRot="1" noChangeAspect="1" noMove="1" noResize="1" noEditPoints="1" noAdjustHandles="1" noChangeArrowheads="1" noChangeShapeType="1" noTextEdit="1"/>
+          </p:cNvSpPr>
+          <p:nvPr>
+            <p:extLst>
+              <p:ext uri="{386F3935-93C4-4BCD-93E2-E3B085C9AB24}">
+                <p16:designElem xmlns:p16="http://schemas.microsoft.com/office/powerpoint/2015/main" val="1"/>
+              </p:ext>
+            </p:extLst>
+          </p:nvPr>
+        </p:nvSpPr>
+        <p:spPr>
+          <a:xfrm>
+            <a:off x="0" y="0"/>
+            <a:ext cx="12192000" cy="6858000"/>
+          </a:xfrm>
+          <a:prstGeom prst="rect">
+            <a:avLst/>
+          </a:prstGeom>
+          <a:ln w="12700" cap="flat" cmpd="sng" algn="ctr">
+            <a:noFill/>
+            <a:prstDash val="solid"/>
+            <a:miter lim="800000"/>
+          </a:ln>
+          <a:effectLst/>
+          <a:extLst>
+            <a:ext uri="{91240B29-F687-4F45-9708-019B960494DF}">
+              <a14:hiddenLine xmlns:a14="http://schemas.microsoft.com/office/drawing/2010/main" w="12700" cap="flat" cmpd="sng" algn="ctr">
+                <a:solidFill>
+                  <a:schemeClr val="accent1">
+                    <a:shade val="50000"/>
+                  </a:schemeClr>
+                </a:solidFill>
+                <a:prstDash val="solid"/>
+                <a:miter lim="800000"/>
+              </a14:hiddenLine>
+            </a:ext>
+          </a:extLst>
+        </p:spPr>
+        <p:style>
+          <a:lnRef idx="2">
+            <a:schemeClr val="accent1">
+              <a:shade val="50000"/>
+            </a:schemeClr>
+          </a:lnRef>
+          <a:fillRef idx="1">
+            <a:schemeClr val="accent1"/>
+          </a:fillRef>
+          <a:effectRef idx="0">
+            <a:schemeClr val="accent1"/>
+          </a:effectRef>
+          <a:fontRef idx="minor">
+            <a:schemeClr val="lt1"/>
+          </a:fontRef>
+        </p:style>
+        <p:txBody>
+          <a:bodyPr rtlCol="0" anchor="ctr"/>
+          <a:lstStyle/>
+          <a:p>
+            <a:pPr algn="ctr"/>
+            <a:endParaRPr lang="en-US"/>
+          </a:p>
+        </p:txBody>
+      </p:sp>
+      <p:sp>
+        <p:nvSpPr>
+          <p:cNvPr id="11" name="Rectangle 10">
+            <a:extLst>
+              <a:ext uri="{FF2B5EF4-FFF2-40B4-BE49-F238E27FC236}">
+                <a16:creationId xmlns:a16="http://schemas.microsoft.com/office/drawing/2014/main" id="{F68B3F68-107C-434F-AA38-110D5EA91B85}"/>
+              </a:ext>
+              <a:ext uri="{C183D7F6-B498-43B3-948B-1728B52AA6E4}">
+                <adec:decorative xmlns:adec="http://schemas.microsoft.com/office/drawing/2017/decorative" val="1"/>
+              </a:ext>
+            </a:extLst>
+          </p:cNvPr>
+          <p:cNvSpPr>
+            <a:spLocks noGrp="1" noRot="1" noChangeAspect="1" noMove="1" noResize="1" noEditPoints="1" noAdjustHandles="1" noChangeArrowheads="1" noChangeShapeType="1" noTextEdit="1"/>
+          </p:cNvSpPr>
+          <p:nvPr>
+            <p:extLst>
+              <p:ext uri="{386F3935-93C4-4BCD-93E2-E3B085C9AB24}">
+                <p16:designElem xmlns:p16="http://schemas.microsoft.com/office/powerpoint/2015/main" val="1"/>
+              </p:ext>
+            </p:extLst>
+          </p:nvPr>
+        </p:nvSpPr>
+        <p:spPr>
+          <a:xfrm flipH="1">
+            <a:off x="2" y="0"/>
+            <a:ext cx="12191998" cy="1575955"/>
+          </a:xfrm>
+          <a:prstGeom prst="rect">
+            <a:avLst/>
+          </a:prstGeom>
+          <a:gradFill>
+            <a:gsLst>
+              <a:gs pos="0">
+                <a:srgbClr val="000000">
+                  <a:alpha val="96000"/>
+                </a:srgbClr>
+              </a:gs>
+              <a:gs pos="100000">
+                <a:schemeClr val="accent1">
+                  <a:lumMod val="75000"/>
+                </a:schemeClr>
+              </a:gs>
+            </a:gsLst>
+            <a:lin ang="8400000" scaled="0"/>
+          </a:gradFill>
+          <a:ln>
+            <a:noFill/>
+          </a:ln>
+        </p:spPr>
+        <p:style>
+          <a:lnRef idx="2">
+            <a:schemeClr val="accent1">
+              <a:shade val="50000"/>
+            </a:schemeClr>
+          </a:lnRef>
+          <a:fillRef idx="1">
+            <a:schemeClr val="accent1"/>
+          </a:fillRef>
+          <a:effectRef idx="0">
+            <a:schemeClr val="accent1"/>
+          </a:effectRef>
+          <a:fontRef idx="minor">
+            <a:schemeClr val="lt1"/>
+          </a:fontRef>
+        </p:style>
+        <p:txBody>
+          <a:bodyPr rtlCol="0" anchor="ctr"/>
+          <a:lstStyle/>
+          <a:p>
+            <a:pPr algn="ctr"/>
+            <a:endParaRPr lang="en-US"/>
+          </a:p>
+        </p:txBody>
+      </p:sp>
+      <p:sp>
+        <p:nvSpPr>
+          <p:cNvPr id="13" name="Rectangle 12">
+            <a:extLst>
+              <a:ext uri="{FF2B5EF4-FFF2-40B4-BE49-F238E27FC236}">
+                <a16:creationId xmlns:a16="http://schemas.microsoft.com/office/drawing/2014/main" id="{AAD0DBB9-1A4B-4391-81D4-CB19F9AB918A}"/>
+              </a:ext>
+              <a:ext uri="{C183D7F6-B498-43B3-948B-1728B52AA6E4}">
+                <adec:decorative xmlns:adec="http://schemas.microsoft.com/office/drawing/2017/decorative" val="1"/>
+              </a:ext>
+            </a:extLst>
+          </p:cNvPr>
+          <p:cNvSpPr>
+            <a:spLocks noGrp="1" noRot="1" noChangeAspect="1" noMove="1" noResize="1" noEditPoints="1" noAdjustHandles="1" noChangeArrowheads="1" noChangeShapeType="1" noTextEdit="1"/>
+          </p:cNvSpPr>
+          <p:nvPr>
+            <p:extLst>
+              <p:ext uri="{386F3935-93C4-4BCD-93E2-E3B085C9AB24}">
+                <p16:designElem xmlns:p16="http://schemas.microsoft.com/office/powerpoint/2015/main" val="1"/>
+              </p:ext>
+            </p:extLst>
+          </p:nvPr>
+        </p:nvSpPr>
+        <p:spPr>
+          <a:xfrm rot="10800000" flipH="1">
+            <a:off x="8128857" y="0"/>
+            <a:ext cx="4063143" cy="1576412"/>
+          </a:xfrm>
+          <a:prstGeom prst="rect">
+            <a:avLst/>
+          </a:prstGeom>
+          <a:gradFill>
+            <a:gsLst>
+              <a:gs pos="19000">
+                <a:schemeClr val="accent1">
+                  <a:lumMod val="50000"/>
+                  <a:alpha val="68000"/>
+                </a:schemeClr>
+              </a:gs>
+              <a:gs pos="100000">
+                <a:schemeClr val="accent1">
+                  <a:alpha val="79000"/>
+                </a:schemeClr>
+              </a:gs>
+            </a:gsLst>
+            <a:lin ang="19200000" scaled="0"/>
+          </a:gradFill>
+          <a:ln>
+            <a:noFill/>
+          </a:ln>
+        </p:spPr>
+        <p:style>
+          <a:lnRef idx="2">
+            <a:schemeClr val="accent1">
+              <a:shade val="50000"/>
+            </a:schemeClr>
+          </a:lnRef>
+          <a:fillRef idx="1">
+            <a:schemeClr val="accent1"/>
+          </a:fillRef>
+          <a:effectRef idx="0">
+            <a:schemeClr val="accent1"/>
+          </a:effectRef>
+          <a:fontRef idx="minor">
+            <a:schemeClr val="lt1"/>
+          </a:fontRef>
+        </p:style>
+        <p:txBody>
+          <a:bodyPr rtlCol="0" anchor="ctr"/>
+          <a:lstStyle/>
+          <a:p>
+            <a:pPr algn="ctr"/>
+            <a:endParaRPr lang="en-US"/>
+          </a:p>
+        </p:txBody>
+      </p:sp>
+      <p:sp>
+        <p:nvSpPr>
+          <p:cNvPr id="15" name="Rectangle 14">
+            <a:extLst>
+              <a:ext uri="{FF2B5EF4-FFF2-40B4-BE49-F238E27FC236}">
+                <a16:creationId xmlns:a16="http://schemas.microsoft.com/office/drawing/2014/main" id="{063BBA22-50EA-4C4D-BE05-F1CE4E63AA56}"/>
+              </a:ext>
+              <a:ext uri="{C183D7F6-B498-43B3-948B-1728B52AA6E4}">
+                <adec:decorative xmlns:adec="http://schemas.microsoft.com/office/drawing/2017/decorative" val="1"/>
+              </a:ext>
+            </a:extLst>
+          </p:cNvPr>
+          <p:cNvSpPr>
+            <a:spLocks noGrp="1" noRot="1" noChangeAspect="1" noMove="1" noResize="1" noEditPoints="1" noAdjustHandles="1" noChangeArrowheads="1" noChangeShapeType="1" noTextEdit="1"/>
+          </p:cNvSpPr>
+          <p:nvPr>
+            <p:extLst>
+              <p:ext uri="{386F3935-93C4-4BCD-93E2-E3B085C9AB24}">
+                <p16:designElem xmlns:p16="http://schemas.microsoft.com/office/powerpoint/2015/main" val="1"/>
+              </p:ext>
+            </p:extLst>
+          </p:nvPr>
+        </p:nvSpPr>
+        <p:spPr>
+          <a:xfrm rot="5400000">
+            <a:off x="5307777" y="-5307778"/>
+            <a:ext cx="1576446" cy="12192002"/>
+          </a:xfrm>
+          <a:prstGeom prst="rect">
+            <a:avLst/>
+          </a:prstGeom>
+          <a:gradFill>
+            <a:gsLst>
+              <a:gs pos="23000">
+                <a:schemeClr val="accent1">
+                  <a:alpha val="0"/>
+                </a:schemeClr>
+              </a:gs>
+              <a:gs pos="99000">
+                <a:srgbClr val="000000">
+                  <a:alpha val="74000"/>
+                </a:srgbClr>
+              </a:gs>
+            </a:gsLst>
+            <a:lin ang="20400000" scaled="0"/>
+          </a:gradFill>
+          <a:ln>
+            <a:noFill/>
+          </a:ln>
+        </p:spPr>
+        <p:style>
+          <a:lnRef idx="2">
+            <a:schemeClr val="accent1">
+              <a:shade val="50000"/>
+            </a:schemeClr>
+          </a:lnRef>
+          <a:fillRef idx="1">
+            <a:schemeClr val="accent1"/>
+          </a:fillRef>
+          <a:effectRef idx="0">
+            <a:schemeClr val="accent1"/>
+          </a:effectRef>
+          <a:fontRef idx="minor">
+            <a:schemeClr val="lt1"/>
+          </a:fontRef>
+        </p:style>
+        <p:txBody>
+          <a:bodyPr rtlCol="0" anchor="ctr"/>
+          <a:lstStyle/>
+          <a:p>
+            <a:pPr algn="ctr"/>
+            <a:endParaRPr lang="en-US" dirty="0"/>
+          </a:p>
+        </p:txBody>
+      </p:sp>
+      <p:sp>
+        <p:nvSpPr>
+          <p:cNvPr id="2" name="Title 1">
+            <a:extLst>
+              <a:ext uri="{FF2B5EF4-FFF2-40B4-BE49-F238E27FC236}">
+                <a16:creationId xmlns:a16="http://schemas.microsoft.com/office/drawing/2014/main" id="{D5DB43F4-1E54-DA4C-0446-9ECD76D73CED}"/>
+              </a:ext>
+            </a:extLst>
+          </p:cNvPr>
+          <p:cNvSpPr>
+            <a:spLocks noGrp="1"/>
+          </p:cNvSpPr>
+          <p:nvPr>
+            <p:ph type="title"/>
+          </p:nvPr>
+        </p:nvSpPr>
+        <p:spPr>
+          <a:xfrm>
+            <a:off x="1371597" y="348865"/>
+            <a:ext cx="10044023" cy="877729"/>
+          </a:xfrm>
+        </p:spPr>
+        <p:txBody>
+          <a:bodyPr anchor="ctr">
+            <a:normAutofit/>
+          </a:bodyPr>
+          <a:lstStyle/>
+          <a:p>
+            <a:r>
+              <a:rPr lang="da-DK" sz="2800">
+                <a:solidFill>
+                  <a:srgbClr val="FFFFFF"/>
+                </a:solidFill>
+              </a:rPr>
+              <a:t>SQL Database Project Power Tools</a:t>
+            </a:r>
+            <a:br>
+              <a:rPr lang="da-DK" sz="2800">
+                <a:solidFill>
+                  <a:srgbClr val="FFFFFF"/>
+                </a:solidFill>
+              </a:rPr>
+            </a:br>
+            <a:r>
+              <a:rPr lang="da-DK" sz="2800">
+                <a:solidFill>
+                  <a:srgbClr val="FFFFFF"/>
+                </a:solidFill>
+              </a:rPr>
+              <a:t>(coming ”soon”)</a:t>
+            </a:r>
+            <a:endParaRPr lang="en-DK" sz="2800">
+              <a:solidFill>
+                <a:srgbClr val="FFFFFF"/>
+              </a:solidFill>
+            </a:endParaRPr>
+          </a:p>
+        </p:txBody>
+      </p:sp>
+      <p:graphicFrame>
+        <p:nvGraphicFramePr>
+          <p:cNvPr id="12" name="Content Placeholder 2">
+            <a:extLst>
+              <a:ext uri="{FF2B5EF4-FFF2-40B4-BE49-F238E27FC236}">
+                <a16:creationId xmlns:a16="http://schemas.microsoft.com/office/drawing/2014/main" id="{F91F7855-82BD-3421-8A8A-5F85A3FCD2BB}"/>
+              </a:ext>
+            </a:extLst>
+          </p:cNvPr>
+          <p:cNvGraphicFramePr>
+            <a:graphicFrameLocks noGrp="1"/>
+          </p:cNvGraphicFramePr>
+          <p:nvPr>
+            <p:ph idx="1"/>
+            <p:extLst>
+              <p:ext uri="{D42A27DB-BD31-4B8C-83A1-F6EECF244321}">
+                <p14:modId xmlns:p14="http://schemas.microsoft.com/office/powerpoint/2010/main" val="2751237689"/>
+              </p:ext>
+            </p:extLst>
+          </p:nvPr>
+        </p:nvGraphicFramePr>
+        <p:xfrm>
+          <a:off x="644056" y="2112579"/>
+          <a:ext cx="10927829" cy="4192805"/>
+        </p:xfrm>
+        <a:graphic>
+          <a:graphicData uri="http://schemas.openxmlformats.org/drawingml/2006/diagram">
+            <dgm:relIds xmlns:dgm="http://schemas.openxmlformats.org/drawingml/2006/diagram" xmlns:r="http://schemas.openxmlformats.org/officeDocument/2006/relationships" r:dm="rId2" r:lo="rId3" r:qs="rId4" r:cs="rId5"/>
+          </a:graphicData>
+        </a:graphic>
+      </p:graphicFrame>
+    </p:spTree>
+    <p:extLst>
+      <p:ext uri="{BB962C8B-B14F-4D97-AF65-F5344CB8AC3E}">
+        <p14:creationId xmlns:p14="http://schemas.microsoft.com/office/powerpoint/2010/main" val="2656050450"/>
+      </p:ext>
+    </p:extLst>
+  </p:cSld>
+  <p:clrMapOvr>
+    <a:masterClrMapping/>
+  </p:clrMapOvr>
+</p:sld>
+</file>
+
+<file path=ppt/slides/slide18.xml><?xml version="1.0" encoding="utf-8"?>
 <p:sld xmlns:a="http://schemas.openxmlformats.org/drawingml/2006/main" xmlns:r="http://schemas.openxmlformats.org/officeDocument/2006/relationships" xmlns:p="http://schemas.openxmlformats.org/presentationml/2006/main">
   <p:cSld>
     <p:bg>
@@ -17705,7 +21878,7 @@
 </p:sld>
 </file>
 
-<file path=ppt/slides/slide16.xml><?xml version="1.0" encoding="utf-8"?>
+<file path=ppt/slides/slide19.xml><?xml version="1.0" encoding="utf-8"?>
 <p:sld xmlns:a="http://schemas.openxmlformats.org/drawingml/2006/main" xmlns:r="http://schemas.openxmlformats.org/officeDocument/2006/relationships" xmlns:p="http://schemas.openxmlformats.org/presentationml/2006/main">
   <p:cSld>
     <p:spTree>
@@ -18892,7 +23065,288 @@
 </p:sld>
 </file>
 
-<file path=ppt/slides/slide17.xml><?xml version="1.0" encoding="utf-8"?>
+<file path=ppt/slides/slide2.xml><?xml version="1.0" encoding="utf-8"?>
+<p:sld xmlns:a="http://schemas.openxmlformats.org/drawingml/2006/main" xmlns:r="http://schemas.openxmlformats.org/officeDocument/2006/relationships" xmlns:p="http://schemas.openxmlformats.org/presentationml/2006/main">
+  <p:cSld>
+    <p:spTree>
+      <p:nvGrpSpPr>
+        <p:cNvPr id="1" name="">
+          <a:extLst>
+            <a:ext uri="{FF2B5EF4-FFF2-40B4-BE49-F238E27FC236}">
+              <a16:creationId xmlns:a16="http://schemas.microsoft.com/office/drawing/2014/main" id="{177060DA-856A-346A-7C68-17AEA45BB0C3}"/>
+            </a:ext>
+          </a:extLst>
+        </p:cNvPr>
+        <p:cNvGrpSpPr/>
+        <p:nvPr/>
+      </p:nvGrpSpPr>
+      <p:grpSpPr>
+        <a:xfrm>
+          <a:off x="0" y="0"/>
+          <a:ext cx="0" cy="0"/>
+          <a:chOff x="0" y="0"/>
+          <a:chExt cx="0" cy="0"/>
+        </a:xfrm>
+      </p:grpSpPr>
+      <p:sp>
+        <p:nvSpPr>
+          <p:cNvPr id="2" name="Title 1">
+            <a:extLst>
+              <a:ext uri="{FF2B5EF4-FFF2-40B4-BE49-F238E27FC236}">
+                <a16:creationId xmlns:a16="http://schemas.microsoft.com/office/drawing/2014/main" id="{13FA188E-213F-A5EC-6918-4E29E048A570}"/>
+              </a:ext>
+            </a:extLst>
+          </p:cNvPr>
+          <p:cNvSpPr>
+            <a:spLocks noGrp="1"/>
+          </p:cNvSpPr>
+          <p:nvPr>
+            <p:ph type="title"/>
+          </p:nvPr>
+        </p:nvSpPr>
+        <p:spPr/>
+        <p:txBody>
+          <a:bodyPr/>
+          <a:lstStyle/>
+          <a:p>
+            <a:r>
+              <a:rPr lang="da-DK" dirty="0"/>
+              <a:t>Challenges?</a:t>
+            </a:r>
+          </a:p>
+        </p:txBody>
+      </p:sp>
+      <p:sp>
+        <p:nvSpPr>
+          <p:cNvPr id="3" name="Content Placeholder 2">
+            <a:extLst>
+              <a:ext uri="{FF2B5EF4-FFF2-40B4-BE49-F238E27FC236}">
+                <a16:creationId xmlns:a16="http://schemas.microsoft.com/office/drawing/2014/main" id="{3F9A231C-4780-226B-D583-D673A9555BE5}"/>
+              </a:ext>
+            </a:extLst>
+          </p:cNvPr>
+          <p:cNvSpPr>
+            <a:spLocks noGrp="1"/>
+          </p:cNvSpPr>
+          <p:nvPr>
+            <p:ph idx="1"/>
+          </p:nvPr>
+        </p:nvSpPr>
+        <p:spPr/>
+        <p:txBody>
+          <a:bodyPr>
+            <a:normAutofit fontScale="92500" lnSpcReduction="10000"/>
+          </a:bodyPr>
+          <a:lstStyle/>
+          <a:p>
+            <a:r>
+              <a:rPr lang="da-DK" sz="3200" dirty="0"/>
+              <a:t>Database </a:t>
+            </a:r>
+            <a:r>
+              <a:rPr lang="da-DK" sz="3200" dirty="0" err="1"/>
+              <a:t>schema</a:t>
+            </a:r>
+            <a:r>
+              <a:rPr lang="da-DK" sz="3200" dirty="0"/>
+              <a:t> not in source </a:t>
+            </a:r>
+            <a:r>
+              <a:rPr lang="da-DK" sz="3200" dirty="0" err="1"/>
+              <a:t>control</a:t>
+            </a:r>
+            <a:endParaRPr lang="da-DK" sz="3200" dirty="0"/>
+          </a:p>
+          <a:p>
+            <a:r>
+              <a:rPr lang="da-DK" sz="3200" dirty="0" err="1"/>
+              <a:t>Complex</a:t>
+            </a:r>
+            <a:r>
+              <a:rPr lang="da-DK" sz="3200" dirty="0"/>
+              <a:t> scripts to </a:t>
+            </a:r>
+            <a:r>
+              <a:rPr lang="da-DK" sz="3200" dirty="0" err="1"/>
+              <a:t>update</a:t>
+            </a:r>
+            <a:r>
+              <a:rPr lang="da-DK" sz="3200" dirty="0"/>
+              <a:t> </a:t>
+            </a:r>
+            <a:r>
+              <a:rPr lang="da-DK" sz="3200" dirty="0" err="1"/>
+              <a:t>schema</a:t>
+            </a:r>
+            <a:endParaRPr lang="da-DK" sz="3200" dirty="0"/>
+          </a:p>
+          <a:p>
+            <a:r>
+              <a:rPr lang="da-DK" sz="3200" dirty="0"/>
+              <a:t>Versioning of database </a:t>
+            </a:r>
+            <a:r>
+              <a:rPr lang="da-DK" sz="3200" dirty="0" err="1"/>
+              <a:t>vs</a:t>
+            </a:r>
+            <a:r>
+              <a:rPr lang="da-DK" sz="3200" dirty="0"/>
+              <a:t> app a nightmare</a:t>
+            </a:r>
+          </a:p>
+          <a:p>
+            <a:r>
+              <a:rPr lang="da-DK" sz="3200" dirty="0"/>
+              <a:t>Runtime </a:t>
+            </a:r>
+            <a:r>
+              <a:rPr lang="da-DK" sz="3200" dirty="0" err="1"/>
+              <a:t>errors</a:t>
+            </a:r>
+            <a:r>
+              <a:rPr lang="da-DK" sz="3200" dirty="0"/>
+              <a:t> in database due to </a:t>
+            </a:r>
+            <a:r>
+              <a:rPr lang="da-DK" sz="3200" dirty="0" err="1"/>
+              <a:t>uncaught</a:t>
+            </a:r>
+            <a:r>
+              <a:rPr lang="da-DK" sz="3200" dirty="0"/>
+              <a:t> </a:t>
+            </a:r>
+            <a:r>
+              <a:rPr lang="da-DK" sz="3200" dirty="0" err="1"/>
+              <a:t>syntax</a:t>
+            </a:r>
+            <a:r>
+              <a:rPr lang="da-DK" sz="3200" dirty="0"/>
+              <a:t> </a:t>
+            </a:r>
+            <a:r>
+              <a:rPr lang="da-DK" sz="3200" dirty="0" err="1"/>
+              <a:t>errors</a:t>
+            </a:r>
+            <a:endParaRPr lang="da-DK" sz="3200" dirty="0"/>
+          </a:p>
+          <a:p>
+            <a:r>
+              <a:rPr lang="da-DK" sz="3200" dirty="0"/>
+              <a:t>No standard approach to </a:t>
+            </a:r>
+            <a:r>
+              <a:rPr lang="da-DK" sz="3200" dirty="0" err="1"/>
+              <a:t>naming</a:t>
+            </a:r>
+            <a:r>
+              <a:rPr lang="da-DK" sz="3200" dirty="0"/>
+              <a:t> or </a:t>
+            </a:r>
+            <a:r>
+              <a:rPr lang="da-DK" sz="3200" dirty="0" err="1"/>
+              <a:t>other</a:t>
+            </a:r>
+            <a:r>
+              <a:rPr lang="da-DK" sz="3200" dirty="0"/>
+              <a:t> database design ”business </a:t>
+            </a:r>
+            <a:r>
+              <a:rPr lang="da-DK" sz="3200" dirty="0" err="1"/>
+              <a:t>rules</a:t>
+            </a:r>
+            <a:r>
+              <a:rPr lang="da-DK" sz="3200" dirty="0"/>
+              <a:t>”</a:t>
+            </a:r>
+          </a:p>
+          <a:p>
+            <a:r>
+              <a:rPr lang="da-DK" sz="3200" dirty="0"/>
+              <a:t>No </a:t>
+            </a:r>
+            <a:r>
+              <a:rPr lang="da-DK" sz="3200" dirty="0" err="1"/>
+              <a:t>qualified</a:t>
+            </a:r>
+            <a:r>
+              <a:rPr lang="da-DK" sz="3200" dirty="0"/>
+              <a:t> </a:t>
+            </a:r>
+            <a:r>
+              <a:rPr lang="da-DK" sz="3200" dirty="0" err="1"/>
+              <a:t>review</a:t>
+            </a:r>
+            <a:r>
+              <a:rPr lang="da-DK" sz="3200" dirty="0"/>
+              <a:t> of </a:t>
+            </a:r>
+            <a:r>
+              <a:rPr lang="da-DK" sz="3200" dirty="0" err="1"/>
+              <a:t>schema</a:t>
+            </a:r>
+            <a:r>
+              <a:rPr lang="da-DK" sz="3200" dirty="0"/>
+              <a:t> design</a:t>
+            </a:r>
+          </a:p>
+          <a:p>
+            <a:r>
+              <a:rPr lang="da-DK" sz="3200" dirty="0"/>
+              <a:t>No cross platform </a:t>
+            </a:r>
+            <a:r>
+              <a:rPr lang="da-DK" sz="3200" dirty="0" err="1"/>
+              <a:t>build</a:t>
+            </a:r>
+            <a:r>
+              <a:rPr lang="da-DK" sz="3200" dirty="0"/>
+              <a:t> and </a:t>
+            </a:r>
+            <a:r>
+              <a:rPr lang="da-DK" sz="3200" dirty="0" err="1"/>
+              <a:t>deployment</a:t>
+            </a:r>
+            <a:r>
+              <a:rPr lang="da-DK" sz="3200" dirty="0"/>
+              <a:t> support</a:t>
+            </a:r>
+          </a:p>
+          <a:p>
+            <a:r>
+              <a:rPr lang="da-DK" sz="3200" dirty="0"/>
+              <a:t>No proper </a:t>
+            </a:r>
+            <a:r>
+              <a:rPr lang="da-DK" sz="3200" dirty="0" err="1"/>
+              <a:t>NuGet</a:t>
+            </a:r>
+            <a:r>
+              <a:rPr lang="da-DK" sz="3200" dirty="0"/>
+              <a:t> integration</a:t>
+            </a:r>
+          </a:p>
+          <a:p>
+            <a:pPr marL="0" indent="0">
+              <a:buNone/>
+            </a:pPr>
+            <a:endParaRPr lang="da-DK" sz="3200" dirty="0"/>
+          </a:p>
+        </p:txBody>
+      </p:sp>
+    </p:spTree>
+    <p:extLst>
+      <p:ext uri="{BB962C8B-B14F-4D97-AF65-F5344CB8AC3E}">
+        <p14:creationId xmlns:p14="http://schemas.microsoft.com/office/powerpoint/2010/main" val="1404577621"/>
+      </p:ext>
+    </p:extLst>
+  </p:cSld>
+  <p:clrMapOvr>
+    <a:masterClrMapping/>
+  </p:clrMapOvr>
+</p:sld>
+</file>
+
+<file path=ppt/slides/slide20.xml><?xml version="1.0" encoding="utf-8"?>
 <p:sld xmlns:a="http://schemas.openxmlformats.org/drawingml/2006/main" xmlns:r="http://schemas.openxmlformats.org/officeDocument/2006/relationships" xmlns:p="http://schemas.openxmlformats.org/presentationml/2006/main">
   <p:cSld>
     <p:spTree>
@@ -18986,7 +23440,7 @@
 </p:sld>
 </file>
 
-<file path=ppt/slides/slide18.xml><?xml version="1.0" encoding="utf-8"?>
+<file path=ppt/slides/slide21.xml><?xml version="1.0" encoding="utf-8"?>
 <p:sld xmlns:a="http://schemas.openxmlformats.org/drawingml/2006/main" xmlns:r="http://schemas.openxmlformats.org/officeDocument/2006/relationships" xmlns:p="http://schemas.openxmlformats.org/presentationml/2006/main">
   <p:cSld>
     <p:spTree>
@@ -19280,7 +23734,7 @@
 </p:sld>
 </file>
 
-<file path=ppt/slides/slide19.xml><?xml version="1.0" encoding="utf-8"?>
+<file path=ppt/slides/slide22.xml><?xml version="1.0" encoding="utf-8"?>
 <p:sld xmlns:a="http://schemas.openxmlformats.org/drawingml/2006/main" xmlns:r="http://schemas.openxmlformats.org/officeDocument/2006/relationships" xmlns:p="http://schemas.openxmlformats.org/presentationml/2006/main">
   <p:cSld>
     <p:spTree>
@@ -19502,288 +23956,7 @@
 </p:sld>
 </file>
 
-<file path=ppt/slides/slide2.xml><?xml version="1.0" encoding="utf-8"?>
-<p:sld xmlns:a="http://schemas.openxmlformats.org/drawingml/2006/main" xmlns:r="http://schemas.openxmlformats.org/officeDocument/2006/relationships" xmlns:p="http://schemas.openxmlformats.org/presentationml/2006/main">
-  <p:cSld>
-    <p:spTree>
-      <p:nvGrpSpPr>
-        <p:cNvPr id="1" name="">
-          <a:extLst>
-            <a:ext uri="{FF2B5EF4-FFF2-40B4-BE49-F238E27FC236}">
-              <a16:creationId xmlns:a16="http://schemas.microsoft.com/office/drawing/2014/main" id="{177060DA-856A-346A-7C68-17AEA45BB0C3}"/>
-            </a:ext>
-          </a:extLst>
-        </p:cNvPr>
-        <p:cNvGrpSpPr/>
-        <p:nvPr/>
-      </p:nvGrpSpPr>
-      <p:grpSpPr>
-        <a:xfrm>
-          <a:off x="0" y="0"/>
-          <a:ext cx="0" cy="0"/>
-          <a:chOff x="0" y="0"/>
-          <a:chExt cx="0" cy="0"/>
-        </a:xfrm>
-      </p:grpSpPr>
-      <p:sp>
-        <p:nvSpPr>
-          <p:cNvPr id="2" name="Title 1">
-            <a:extLst>
-              <a:ext uri="{FF2B5EF4-FFF2-40B4-BE49-F238E27FC236}">
-                <a16:creationId xmlns:a16="http://schemas.microsoft.com/office/drawing/2014/main" id="{13FA188E-213F-A5EC-6918-4E29E048A570}"/>
-              </a:ext>
-            </a:extLst>
-          </p:cNvPr>
-          <p:cNvSpPr>
-            <a:spLocks noGrp="1"/>
-          </p:cNvSpPr>
-          <p:nvPr>
-            <p:ph type="title"/>
-          </p:nvPr>
-        </p:nvSpPr>
-        <p:spPr/>
-        <p:txBody>
-          <a:bodyPr/>
-          <a:lstStyle/>
-          <a:p>
-            <a:r>
-              <a:rPr lang="da-DK" dirty="0"/>
-              <a:t>Challenges?</a:t>
-            </a:r>
-          </a:p>
-        </p:txBody>
-      </p:sp>
-      <p:sp>
-        <p:nvSpPr>
-          <p:cNvPr id="3" name="Content Placeholder 2">
-            <a:extLst>
-              <a:ext uri="{FF2B5EF4-FFF2-40B4-BE49-F238E27FC236}">
-                <a16:creationId xmlns:a16="http://schemas.microsoft.com/office/drawing/2014/main" id="{3F9A231C-4780-226B-D583-D673A9555BE5}"/>
-              </a:ext>
-            </a:extLst>
-          </p:cNvPr>
-          <p:cNvSpPr>
-            <a:spLocks noGrp="1"/>
-          </p:cNvSpPr>
-          <p:nvPr>
-            <p:ph idx="1"/>
-          </p:nvPr>
-        </p:nvSpPr>
-        <p:spPr/>
-        <p:txBody>
-          <a:bodyPr>
-            <a:normAutofit fontScale="92500" lnSpcReduction="10000"/>
-          </a:bodyPr>
-          <a:lstStyle/>
-          <a:p>
-            <a:r>
-              <a:rPr lang="da-DK" sz="3200" dirty="0"/>
-              <a:t>Database </a:t>
-            </a:r>
-            <a:r>
-              <a:rPr lang="da-DK" sz="3200" dirty="0" err="1"/>
-              <a:t>schema</a:t>
-            </a:r>
-            <a:r>
-              <a:rPr lang="da-DK" sz="3200" dirty="0"/>
-              <a:t> not in source </a:t>
-            </a:r>
-            <a:r>
-              <a:rPr lang="da-DK" sz="3200" dirty="0" err="1"/>
-              <a:t>control</a:t>
-            </a:r>
-            <a:endParaRPr lang="da-DK" sz="3200" dirty="0"/>
-          </a:p>
-          <a:p>
-            <a:r>
-              <a:rPr lang="da-DK" sz="3200" dirty="0" err="1"/>
-              <a:t>Complex</a:t>
-            </a:r>
-            <a:r>
-              <a:rPr lang="da-DK" sz="3200" dirty="0"/>
-              <a:t> scripts to </a:t>
-            </a:r>
-            <a:r>
-              <a:rPr lang="da-DK" sz="3200" dirty="0" err="1"/>
-              <a:t>update</a:t>
-            </a:r>
-            <a:r>
-              <a:rPr lang="da-DK" sz="3200" dirty="0"/>
-              <a:t> </a:t>
-            </a:r>
-            <a:r>
-              <a:rPr lang="da-DK" sz="3200" dirty="0" err="1"/>
-              <a:t>schema</a:t>
-            </a:r>
-            <a:endParaRPr lang="da-DK" sz="3200" dirty="0"/>
-          </a:p>
-          <a:p>
-            <a:r>
-              <a:rPr lang="da-DK" sz="3200" dirty="0"/>
-              <a:t>Versioning of database </a:t>
-            </a:r>
-            <a:r>
-              <a:rPr lang="da-DK" sz="3200" dirty="0" err="1"/>
-              <a:t>vs</a:t>
-            </a:r>
-            <a:r>
-              <a:rPr lang="da-DK" sz="3200" dirty="0"/>
-              <a:t> app a nightmare</a:t>
-            </a:r>
-          </a:p>
-          <a:p>
-            <a:r>
-              <a:rPr lang="da-DK" sz="3200" dirty="0"/>
-              <a:t>Runtime </a:t>
-            </a:r>
-            <a:r>
-              <a:rPr lang="da-DK" sz="3200" dirty="0" err="1"/>
-              <a:t>errors</a:t>
-            </a:r>
-            <a:r>
-              <a:rPr lang="da-DK" sz="3200" dirty="0"/>
-              <a:t> in database due to </a:t>
-            </a:r>
-            <a:r>
-              <a:rPr lang="da-DK" sz="3200" dirty="0" err="1"/>
-              <a:t>uncaught</a:t>
-            </a:r>
-            <a:r>
-              <a:rPr lang="da-DK" sz="3200" dirty="0"/>
-              <a:t> </a:t>
-            </a:r>
-            <a:r>
-              <a:rPr lang="da-DK" sz="3200" dirty="0" err="1"/>
-              <a:t>syntax</a:t>
-            </a:r>
-            <a:r>
-              <a:rPr lang="da-DK" sz="3200" dirty="0"/>
-              <a:t> </a:t>
-            </a:r>
-            <a:r>
-              <a:rPr lang="da-DK" sz="3200" dirty="0" err="1"/>
-              <a:t>errors</a:t>
-            </a:r>
-            <a:endParaRPr lang="da-DK" sz="3200" dirty="0"/>
-          </a:p>
-          <a:p>
-            <a:r>
-              <a:rPr lang="da-DK" sz="3200" dirty="0"/>
-              <a:t>No standard approach to </a:t>
-            </a:r>
-            <a:r>
-              <a:rPr lang="da-DK" sz="3200" dirty="0" err="1"/>
-              <a:t>naming</a:t>
-            </a:r>
-            <a:r>
-              <a:rPr lang="da-DK" sz="3200" dirty="0"/>
-              <a:t> or </a:t>
-            </a:r>
-            <a:r>
-              <a:rPr lang="da-DK" sz="3200" dirty="0" err="1"/>
-              <a:t>other</a:t>
-            </a:r>
-            <a:r>
-              <a:rPr lang="da-DK" sz="3200" dirty="0"/>
-              <a:t> database design ”business </a:t>
-            </a:r>
-            <a:r>
-              <a:rPr lang="da-DK" sz="3200" dirty="0" err="1"/>
-              <a:t>rules</a:t>
-            </a:r>
-            <a:r>
-              <a:rPr lang="da-DK" sz="3200" dirty="0"/>
-              <a:t>”</a:t>
-            </a:r>
-          </a:p>
-          <a:p>
-            <a:r>
-              <a:rPr lang="da-DK" sz="3200" dirty="0"/>
-              <a:t>No </a:t>
-            </a:r>
-            <a:r>
-              <a:rPr lang="da-DK" sz="3200" dirty="0" err="1"/>
-              <a:t>qualified</a:t>
-            </a:r>
-            <a:r>
-              <a:rPr lang="da-DK" sz="3200" dirty="0"/>
-              <a:t> </a:t>
-            </a:r>
-            <a:r>
-              <a:rPr lang="da-DK" sz="3200" dirty="0" err="1"/>
-              <a:t>review</a:t>
-            </a:r>
-            <a:r>
-              <a:rPr lang="da-DK" sz="3200" dirty="0"/>
-              <a:t> of </a:t>
-            </a:r>
-            <a:r>
-              <a:rPr lang="da-DK" sz="3200" dirty="0" err="1"/>
-              <a:t>schema</a:t>
-            </a:r>
-            <a:r>
-              <a:rPr lang="da-DK" sz="3200" dirty="0"/>
-              <a:t> design</a:t>
-            </a:r>
-          </a:p>
-          <a:p>
-            <a:r>
-              <a:rPr lang="da-DK" sz="3200" dirty="0"/>
-              <a:t>No cross platform </a:t>
-            </a:r>
-            <a:r>
-              <a:rPr lang="da-DK" sz="3200" dirty="0" err="1"/>
-              <a:t>build</a:t>
-            </a:r>
-            <a:r>
-              <a:rPr lang="da-DK" sz="3200" dirty="0"/>
-              <a:t> and </a:t>
-            </a:r>
-            <a:r>
-              <a:rPr lang="da-DK" sz="3200" dirty="0" err="1"/>
-              <a:t>deployment</a:t>
-            </a:r>
-            <a:r>
-              <a:rPr lang="da-DK" sz="3200" dirty="0"/>
-              <a:t> support</a:t>
-            </a:r>
-          </a:p>
-          <a:p>
-            <a:r>
-              <a:rPr lang="da-DK" sz="3200" dirty="0"/>
-              <a:t>No proper </a:t>
-            </a:r>
-            <a:r>
-              <a:rPr lang="da-DK" sz="3200" dirty="0" err="1"/>
-              <a:t>NuGet</a:t>
-            </a:r>
-            <a:r>
-              <a:rPr lang="da-DK" sz="3200" dirty="0"/>
-              <a:t> integration</a:t>
-            </a:r>
-          </a:p>
-          <a:p>
-            <a:pPr marL="0" indent="0">
-              <a:buNone/>
-            </a:pPr>
-            <a:endParaRPr lang="da-DK" sz="3200" dirty="0"/>
-          </a:p>
-        </p:txBody>
-      </p:sp>
-    </p:spTree>
-    <p:extLst>
-      <p:ext uri="{BB962C8B-B14F-4D97-AF65-F5344CB8AC3E}">
-        <p14:creationId xmlns:p14="http://schemas.microsoft.com/office/powerpoint/2010/main" val="1404577621"/>
-      </p:ext>
-    </p:extLst>
-  </p:cSld>
-  <p:clrMapOvr>
-    <a:masterClrMapping/>
-  </p:clrMapOvr>
-</p:sld>
-</file>
-
-<file path=ppt/slides/slide20.xml><?xml version="1.0" encoding="utf-8"?>
+<file path=ppt/slides/slide23.xml><?xml version="1.0" encoding="utf-8"?>
 <p:sld xmlns:a="http://schemas.openxmlformats.org/drawingml/2006/main" xmlns:r="http://schemas.openxmlformats.org/officeDocument/2006/relationships" xmlns:p="http://schemas.openxmlformats.org/presentationml/2006/main">
   <p:cSld>
     <p:spTree>
@@ -19902,7 +24075,7 @@
 </p:sld>
 </file>
 
-<file path=ppt/slides/slide21.xml><?xml version="1.0" encoding="utf-8"?>
+<file path=ppt/slides/slide24.xml><?xml version="1.0" encoding="utf-8"?>
 <p:sld xmlns:a="http://schemas.openxmlformats.org/drawingml/2006/main" xmlns:r="http://schemas.openxmlformats.org/officeDocument/2006/relationships" xmlns:p="http://schemas.openxmlformats.org/presentationml/2006/main">
   <p:cSld>
     <p:bg>
@@ -20142,7 +24315,7 @@
 </p:sld>
 </file>
 
-<file path=ppt/slides/slide22.xml><?xml version="1.0" encoding="utf-8"?>
+<file path=ppt/slides/slide25.xml><?xml version="1.0" encoding="utf-8"?>
 <p:sld xmlns:a="http://schemas.openxmlformats.org/drawingml/2006/main" xmlns:r="http://schemas.openxmlformats.org/officeDocument/2006/relationships" xmlns:p="http://schemas.openxmlformats.org/presentationml/2006/main">
   <p:cSld>
     <p:spTree>
@@ -20475,7 +24648,7 @@
 </p:sld>
 </file>
 
-<file path=ppt/slides/slide23.xml><?xml version="1.0" encoding="utf-8"?>
+<file path=ppt/slides/slide26.xml><?xml version="1.0" encoding="utf-8"?>
 <p:sld xmlns:a="http://schemas.openxmlformats.org/drawingml/2006/main" xmlns:r="http://schemas.openxmlformats.org/officeDocument/2006/relationships" xmlns:p="http://schemas.openxmlformats.org/presentationml/2006/main">
   <p:cSld>
     <p:spTree>
@@ -20653,260 +24826,6 @@
 </p:sld>
 </file>
 
-<file path=ppt/slides/slide24.xml><?xml version="1.0" encoding="utf-8"?>
-<p:sld xmlns:a="http://schemas.openxmlformats.org/drawingml/2006/main" xmlns:r="http://schemas.openxmlformats.org/officeDocument/2006/relationships" xmlns:p="http://schemas.openxmlformats.org/presentationml/2006/main">
-  <p:cSld>
-    <p:spTree>
-      <p:nvGrpSpPr>
-        <p:cNvPr id="1" name=""/>
-        <p:cNvGrpSpPr/>
-        <p:nvPr/>
-      </p:nvGrpSpPr>
-      <p:grpSpPr>
-        <a:xfrm>
-          <a:off x="0" y="0"/>
-          <a:ext cx="0" cy="0"/>
-          <a:chOff x="0" y="0"/>
-          <a:chExt cx="0" cy="0"/>
-        </a:xfrm>
-      </p:grpSpPr>
-      <p:sp>
-        <p:nvSpPr>
-          <p:cNvPr id="2" name="Title 1">
-            <a:extLst>
-              <a:ext uri="{FF2B5EF4-FFF2-40B4-BE49-F238E27FC236}">
-                <a16:creationId xmlns:a16="http://schemas.microsoft.com/office/drawing/2014/main" id="{BCD0543B-85D0-70D6-E8C0-825E5B0CC031}"/>
-              </a:ext>
-            </a:extLst>
-          </p:cNvPr>
-          <p:cNvSpPr>
-            <a:spLocks noGrp="1"/>
-          </p:cNvSpPr>
-          <p:nvPr>
-            <p:ph type="title"/>
-          </p:nvPr>
-        </p:nvSpPr>
-        <p:spPr>
-          <a:xfrm>
-            <a:off x="1136397" y="502020"/>
-            <a:ext cx="5323715" cy="1642970"/>
-          </a:xfrm>
-        </p:spPr>
-        <p:txBody>
-          <a:bodyPr anchor="b">
-            <a:normAutofit/>
-          </a:bodyPr>
-          <a:lstStyle/>
-          <a:p>
-            <a:r>
-              <a:rPr lang="da-DK" sz="4000" dirty="0" err="1"/>
-              <a:t>Why</a:t>
-            </a:r>
-            <a:r>
-              <a:rPr lang="da-DK" sz="4000" dirty="0"/>
-              <a:t> .</a:t>
-            </a:r>
-            <a:r>
-              <a:rPr lang="da-DK" sz="4000" dirty="0" err="1"/>
-              <a:t>dacpac</a:t>
-            </a:r>
-            <a:r>
-              <a:rPr lang="da-DK" sz="4000" dirty="0"/>
-              <a:t>?</a:t>
-            </a:r>
-          </a:p>
-        </p:txBody>
-      </p:sp>
-      <p:sp>
-        <p:nvSpPr>
-          <p:cNvPr id="3" name="Content Placeholder 2">
-            <a:extLst>
-              <a:ext uri="{FF2B5EF4-FFF2-40B4-BE49-F238E27FC236}">
-                <a16:creationId xmlns:a16="http://schemas.microsoft.com/office/drawing/2014/main" id="{1D37BAAB-2AC4-7032-7DAE-B031E2D35A0C}"/>
-              </a:ext>
-            </a:extLst>
-          </p:cNvPr>
-          <p:cNvSpPr>
-            <a:spLocks noGrp="1"/>
-          </p:cNvSpPr>
-          <p:nvPr>
-            <p:ph idx="1"/>
-          </p:nvPr>
-        </p:nvSpPr>
-        <p:spPr>
-          <a:xfrm>
-            <a:off x="457200" y="2923622"/>
-            <a:ext cx="7168293" cy="3578777"/>
-          </a:xfrm>
-        </p:spPr>
-        <p:txBody>
-          <a:bodyPr anchor="t">
-            <a:normAutofit/>
-          </a:bodyPr>
-          <a:lstStyle/>
-          <a:p>
-            <a:r>
-              <a:rPr lang="da-DK" dirty="0" err="1"/>
-              <a:t>Ensure</a:t>
-            </a:r>
-            <a:r>
-              <a:rPr lang="da-DK" dirty="0"/>
-              <a:t> high </a:t>
-            </a:r>
-            <a:r>
-              <a:rPr lang="da-DK" dirty="0" err="1"/>
-              <a:t>quality</a:t>
-            </a:r>
-            <a:r>
-              <a:rPr lang="da-DK" dirty="0"/>
-              <a:t> and </a:t>
-            </a:r>
-            <a:r>
-              <a:rPr lang="da-DK" dirty="0" err="1"/>
-              <a:t>consistent</a:t>
-            </a:r>
-            <a:r>
-              <a:rPr lang="da-DK" dirty="0"/>
-              <a:t> SQL </a:t>
-            </a:r>
-            <a:r>
-              <a:rPr lang="da-DK" dirty="0" err="1"/>
-              <a:t>schema</a:t>
-            </a:r>
-            <a:r>
-              <a:rPr lang="da-DK" dirty="0"/>
-              <a:t> under source </a:t>
-            </a:r>
-            <a:r>
-              <a:rPr lang="da-DK" dirty="0" err="1"/>
-              <a:t>control</a:t>
-            </a:r>
-            <a:endParaRPr lang="da-DK" dirty="0"/>
-          </a:p>
-          <a:p>
-            <a:r>
-              <a:rPr lang="da-DK" dirty="0" err="1"/>
-              <a:t>Enforce</a:t>
-            </a:r>
-            <a:r>
-              <a:rPr lang="da-DK" dirty="0"/>
-              <a:t> design, performance and security </a:t>
-            </a:r>
-            <a:r>
-              <a:rPr lang="da-DK" dirty="0" err="1"/>
-              <a:t>rules</a:t>
-            </a:r>
-            <a:endParaRPr lang="da-DK" dirty="0"/>
-          </a:p>
-          <a:p>
-            <a:r>
-              <a:rPr lang="da-DK" dirty="0" err="1"/>
-              <a:t>Desired</a:t>
-            </a:r>
-            <a:r>
-              <a:rPr lang="da-DK" dirty="0"/>
-              <a:t> </a:t>
-            </a:r>
-            <a:r>
-              <a:rPr lang="da-DK" dirty="0" err="1"/>
-              <a:t>state</a:t>
-            </a:r>
-            <a:r>
-              <a:rPr lang="da-DK" dirty="0"/>
-              <a:t> </a:t>
-            </a:r>
-            <a:r>
-              <a:rPr lang="da-DK" dirty="0" err="1"/>
-              <a:t>configuration</a:t>
-            </a:r>
-            <a:endParaRPr lang="da-DK" dirty="0"/>
-          </a:p>
-          <a:p>
-            <a:r>
-              <a:rPr lang="da-DK" dirty="0" err="1"/>
-              <a:t>Publish</a:t>
-            </a:r>
-            <a:r>
-              <a:rPr lang="da-DK" dirty="0"/>
-              <a:t> </a:t>
-            </a:r>
-            <a:r>
-              <a:rPr lang="da-DK" dirty="0" err="1"/>
-              <a:t>magic</a:t>
-            </a:r>
-            <a:r>
-              <a:rPr lang="da-DK" dirty="0"/>
-              <a:t>!</a:t>
-            </a:r>
-          </a:p>
-          <a:p>
-            <a:endParaRPr lang="da-DK" dirty="0"/>
-          </a:p>
-          <a:p>
-            <a:endParaRPr lang="da-DK" sz="2000" dirty="0"/>
-          </a:p>
-        </p:txBody>
-      </p:sp>
-      <p:pic>
-        <p:nvPicPr>
-          <p:cNvPr id="1028" name="Picture 4" descr="it's magic - Album on Imgur">
-            <a:extLst>
-              <a:ext uri="{FF2B5EF4-FFF2-40B4-BE49-F238E27FC236}">
-                <a16:creationId xmlns:a16="http://schemas.microsoft.com/office/drawing/2014/main" id="{672BB7EB-32D7-CC82-0F37-1B439A402A01}"/>
-              </a:ext>
-            </a:extLst>
-          </p:cNvPr>
-          <p:cNvPicPr>
-            <a:picLocks noChangeAspect="1" noChangeArrowheads="1"/>
-          </p:cNvPicPr>
-          <p:nvPr/>
-        </p:nvPicPr>
-        <p:blipFill>
-          <a:blip r:embed="rId2">
-            <a:extLst>
-              <a:ext uri="{28A0092B-C50C-407E-A947-70E740481C1C}">
-                <a14:useLocalDpi xmlns:a14="http://schemas.microsoft.com/office/drawing/2010/main" val="0"/>
-              </a:ext>
-            </a:extLst>
-          </a:blip>
-          <a:srcRect/>
-          <a:stretch>
-            <a:fillRect/>
-          </a:stretch>
-        </p:blipFill>
-        <p:spPr bwMode="auto">
-          <a:xfrm>
-            <a:off x="7596509" y="1473981"/>
-            <a:ext cx="3910014" cy="3910014"/>
-          </a:xfrm>
-          <a:prstGeom prst="rect">
-            <a:avLst/>
-          </a:prstGeom>
-          <a:noFill/>
-          <a:extLst>
-            <a:ext uri="{909E8E84-426E-40DD-AFC4-6F175D3DCCD1}">
-              <a14:hiddenFill xmlns:a14="http://schemas.microsoft.com/office/drawing/2010/main">
-                <a:solidFill>
-                  <a:srgbClr val="FFFFFF"/>
-                </a:solidFill>
-              </a14:hiddenFill>
-            </a:ext>
-          </a:extLst>
-        </p:spPr>
-      </p:pic>
-    </p:spTree>
-    <p:extLst>
-      <p:ext uri="{BB962C8B-B14F-4D97-AF65-F5344CB8AC3E}">
-        <p14:creationId xmlns:p14="http://schemas.microsoft.com/office/powerpoint/2010/main" val="2126355379"/>
-      </p:ext>
-    </p:extLst>
-  </p:cSld>
-  <p:clrMapOvr>
-    <a:masterClrMapping/>
-  </p:clrMapOvr>
-</p:sld>
-</file>
-
 <file path=ppt/slides/slide3.xml><?xml version="1.0" encoding="utf-8"?>
 <p:sld xmlns:a="http://schemas.openxmlformats.org/drawingml/2006/main" xmlns:r="http://schemas.openxmlformats.org/officeDocument/2006/relationships" xmlns:p="http://schemas.openxmlformats.org/presentationml/2006/main">
   <p:cSld>
@@ -21374,6 +25293,268 @@
           <p:cNvPr id="2" name="Title 1">
             <a:extLst>
               <a:ext uri="{FF2B5EF4-FFF2-40B4-BE49-F238E27FC236}">
+                <a16:creationId xmlns:a16="http://schemas.microsoft.com/office/drawing/2014/main" id="{BCD0543B-85D0-70D6-E8C0-825E5B0CC031}"/>
+              </a:ext>
+            </a:extLst>
+          </p:cNvPr>
+          <p:cNvSpPr>
+            <a:spLocks noGrp="1"/>
+          </p:cNvSpPr>
+          <p:nvPr>
+            <p:ph type="title"/>
+          </p:nvPr>
+        </p:nvSpPr>
+        <p:spPr>
+          <a:xfrm>
+            <a:off x="1136397" y="502020"/>
+            <a:ext cx="5323715" cy="1642970"/>
+          </a:xfrm>
+        </p:spPr>
+        <p:txBody>
+          <a:bodyPr anchor="b">
+            <a:normAutofit/>
+          </a:bodyPr>
+          <a:lstStyle/>
+          <a:p>
+            <a:r>
+              <a:rPr lang="da-DK" sz="4000" dirty="0" err="1"/>
+              <a:t>Why</a:t>
+            </a:r>
+            <a:r>
+              <a:rPr lang="da-DK" sz="4000" dirty="0"/>
+              <a:t> .</a:t>
+            </a:r>
+            <a:r>
+              <a:rPr lang="da-DK" sz="4000" dirty="0" err="1"/>
+              <a:t>dacpac</a:t>
+            </a:r>
+            <a:r>
+              <a:rPr lang="da-DK" sz="4000" dirty="0"/>
+              <a:t>?</a:t>
+            </a:r>
+          </a:p>
+        </p:txBody>
+      </p:sp>
+      <p:sp>
+        <p:nvSpPr>
+          <p:cNvPr id="3" name="Content Placeholder 2">
+            <a:extLst>
+              <a:ext uri="{FF2B5EF4-FFF2-40B4-BE49-F238E27FC236}">
+                <a16:creationId xmlns:a16="http://schemas.microsoft.com/office/drawing/2014/main" id="{1D37BAAB-2AC4-7032-7DAE-B031E2D35A0C}"/>
+              </a:ext>
+            </a:extLst>
+          </p:cNvPr>
+          <p:cNvSpPr>
+            <a:spLocks noGrp="1"/>
+          </p:cNvSpPr>
+          <p:nvPr>
+            <p:ph idx="1"/>
+          </p:nvPr>
+        </p:nvSpPr>
+        <p:spPr>
+          <a:xfrm>
+            <a:off x="457200" y="2923622"/>
+            <a:ext cx="7168293" cy="3578777"/>
+          </a:xfrm>
+        </p:spPr>
+        <p:txBody>
+          <a:bodyPr anchor="t">
+            <a:normAutofit/>
+          </a:bodyPr>
+          <a:lstStyle/>
+          <a:p>
+            <a:r>
+              <a:rPr lang="da-DK" dirty="0" err="1"/>
+              <a:t>Ensure</a:t>
+            </a:r>
+            <a:r>
+              <a:rPr lang="da-DK" dirty="0"/>
+              <a:t> high </a:t>
+            </a:r>
+            <a:r>
+              <a:rPr lang="da-DK" dirty="0" err="1"/>
+              <a:t>quality</a:t>
+            </a:r>
+            <a:r>
+              <a:rPr lang="da-DK" dirty="0"/>
+              <a:t> and </a:t>
+            </a:r>
+            <a:r>
+              <a:rPr lang="da-DK" dirty="0" err="1"/>
+              <a:t>consistent</a:t>
+            </a:r>
+            <a:r>
+              <a:rPr lang="da-DK" dirty="0"/>
+              <a:t> SQL </a:t>
+            </a:r>
+            <a:r>
+              <a:rPr lang="da-DK" dirty="0" err="1"/>
+              <a:t>schema</a:t>
+            </a:r>
+            <a:r>
+              <a:rPr lang="da-DK" dirty="0"/>
+              <a:t> under source </a:t>
+            </a:r>
+            <a:r>
+              <a:rPr lang="da-DK" dirty="0" err="1"/>
+              <a:t>control</a:t>
+            </a:r>
+            <a:endParaRPr lang="da-DK" dirty="0"/>
+          </a:p>
+          <a:p>
+            <a:r>
+              <a:rPr lang="da-DK" dirty="0" err="1"/>
+              <a:t>Enforce</a:t>
+            </a:r>
+            <a:r>
+              <a:rPr lang="da-DK" dirty="0"/>
+              <a:t> design, performance, </a:t>
+            </a:r>
+            <a:r>
+              <a:rPr lang="da-DK" dirty="0" err="1"/>
+              <a:t>naming</a:t>
+            </a:r>
+            <a:r>
+              <a:rPr lang="da-DK" dirty="0"/>
+              <a:t> and security </a:t>
+            </a:r>
+            <a:r>
+              <a:rPr lang="da-DK" dirty="0" err="1"/>
+              <a:t>rules</a:t>
+            </a:r>
+            <a:endParaRPr lang="da-DK" dirty="0"/>
+          </a:p>
+          <a:p>
+            <a:r>
+              <a:rPr lang="da-DK" dirty="0" err="1"/>
+              <a:t>Desired</a:t>
+            </a:r>
+            <a:r>
+              <a:rPr lang="da-DK" dirty="0"/>
+              <a:t> </a:t>
+            </a:r>
+            <a:r>
+              <a:rPr lang="da-DK" dirty="0" err="1"/>
+              <a:t>state</a:t>
+            </a:r>
+            <a:r>
+              <a:rPr lang="da-DK" dirty="0"/>
+              <a:t> </a:t>
+            </a:r>
+            <a:r>
+              <a:rPr lang="da-DK" dirty="0" err="1"/>
+              <a:t>configuration</a:t>
+            </a:r>
+            <a:endParaRPr lang="da-DK" dirty="0"/>
+          </a:p>
+          <a:p>
+            <a:r>
+              <a:rPr lang="da-DK" dirty="0" err="1"/>
+              <a:t>Publish</a:t>
+            </a:r>
+            <a:r>
+              <a:rPr lang="da-DK" dirty="0"/>
+              <a:t> </a:t>
+            </a:r>
+            <a:r>
+              <a:rPr lang="da-DK" dirty="0" err="1"/>
+              <a:t>magic</a:t>
+            </a:r>
+            <a:r>
+              <a:rPr lang="da-DK" dirty="0"/>
+              <a:t>!</a:t>
+            </a:r>
+          </a:p>
+          <a:p>
+            <a:endParaRPr lang="da-DK" dirty="0"/>
+          </a:p>
+          <a:p>
+            <a:endParaRPr lang="da-DK" sz="2000" dirty="0"/>
+          </a:p>
+        </p:txBody>
+      </p:sp>
+      <p:pic>
+        <p:nvPicPr>
+          <p:cNvPr id="1028" name="Picture 4" descr="it's magic - Album on Imgur">
+            <a:extLst>
+              <a:ext uri="{FF2B5EF4-FFF2-40B4-BE49-F238E27FC236}">
+                <a16:creationId xmlns:a16="http://schemas.microsoft.com/office/drawing/2014/main" id="{672BB7EB-32D7-CC82-0F37-1B439A402A01}"/>
+              </a:ext>
+            </a:extLst>
+          </p:cNvPr>
+          <p:cNvPicPr>
+            <a:picLocks noChangeAspect="1" noChangeArrowheads="1"/>
+          </p:cNvPicPr>
+          <p:nvPr/>
+        </p:nvPicPr>
+        <p:blipFill>
+          <a:blip r:embed="rId2">
+            <a:extLst>
+              <a:ext uri="{28A0092B-C50C-407E-A947-70E740481C1C}">
+                <a14:useLocalDpi xmlns:a14="http://schemas.microsoft.com/office/drawing/2010/main" val="0"/>
+              </a:ext>
+            </a:extLst>
+          </a:blip>
+          <a:srcRect/>
+          <a:stretch>
+            <a:fillRect/>
+          </a:stretch>
+        </p:blipFill>
+        <p:spPr bwMode="auto">
+          <a:xfrm>
+            <a:off x="7596509" y="1473981"/>
+            <a:ext cx="3910014" cy="3910014"/>
+          </a:xfrm>
+          <a:prstGeom prst="rect">
+            <a:avLst/>
+          </a:prstGeom>
+          <a:noFill/>
+          <a:extLst>
+            <a:ext uri="{909E8E84-426E-40DD-AFC4-6F175D3DCCD1}">
+              <a14:hiddenFill xmlns:a14="http://schemas.microsoft.com/office/drawing/2010/main">
+                <a:solidFill>
+                  <a:srgbClr val="FFFFFF"/>
+                </a:solidFill>
+              </a14:hiddenFill>
+            </a:ext>
+          </a:extLst>
+        </p:spPr>
+      </p:pic>
+    </p:spTree>
+    <p:extLst>
+      <p:ext uri="{BB962C8B-B14F-4D97-AF65-F5344CB8AC3E}">
+        <p14:creationId xmlns:p14="http://schemas.microsoft.com/office/powerpoint/2010/main" val="2126355379"/>
+      </p:ext>
+    </p:extLst>
+  </p:cSld>
+  <p:clrMapOvr>
+    <a:masterClrMapping/>
+  </p:clrMapOvr>
+</p:sld>
+</file>
+
+<file path=ppt/slides/slide6.xml><?xml version="1.0" encoding="utf-8"?>
+<p:sld xmlns:a="http://schemas.openxmlformats.org/drawingml/2006/main" xmlns:r="http://schemas.openxmlformats.org/officeDocument/2006/relationships" xmlns:p="http://schemas.openxmlformats.org/presentationml/2006/main">
+  <p:cSld>
+    <p:spTree>
+      <p:nvGrpSpPr>
+        <p:cNvPr id="1" name=""/>
+        <p:cNvGrpSpPr/>
+        <p:nvPr/>
+      </p:nvGrpSpPr>
+      <p:grpSpPr>
+        <a:xfrm>
+          <a:off x="0" y="0"/>
+          <a:ext cx="0" cy="0"/>
+          <a:chOff x="0" y="0"/>
+          <a:chExt cx="0" cy="0"/>
+        </a:xfrm>
+      </p:grpSpPr>
+      <p:sp>
+        <p:nvSpPr>
+          <p:cNvPr id="2" name="Title 1">
+            <a:extLst>
+              <a:ext uri="{FF2B5EF4-FFF2-40B4-BE49-F238E27FC236}">
                 <a16:creationId xmlns:a16="http://schemas.microsoft.com/office/drawing/2014/main" id="{46764B13-08C2-5DF8-A53C-BFEC16E91C07}"/>
               </a:ext>
             </a:extLst>
@@ -21435,7 +25616,7 @@
 </p:sld>
 </file>
 
-<file path=ppt/slides/slide6.xml><?xml version="1.0" encoding="utf-8"?>
+<file path=ppt/slides/slide7.xml><?xml version="1.0" encoding="utf-8"?>
 <p:sld xmlns:a="http://schemas.openxmlformats.org/drawingml/2006/main" xmlns:r="http://schemas.openxmlformats.org/officeDocument/2006/relationships" xmlns:p="http://schemas.openxmlformats.org/presentationml/2006/main">
   <p:cSld>
     <p:spTree>
@@ -21493,7 +25674,7 @@
 </p:sld>
 </file>
 
-<file path=ppt/slides/slide7.xml><?xml version="1.0" encoding="utf-8"?>
+<file path=ppt/slides/slide8.xml><?xml version="1.0" encoding="utf-8"?>
 <p:sld xmlns:a="http://schemas.openxmlformats.org/drawingml/2006/main" xmlns:r="http://schemas.openxmlformats.org/officeDocument/2006/relationships" xmlns:p="http://schemas.openxmlformats.org/presentationml/2006/main">
   <p:cSld>
     <p:spTree>
@@ -21646,7 +25827,7 @@
 </p:sld>
 </file>
 
-<file path=ppt/slides/slide8.xml><?xml version="1.0" encoding="utf-8"?>
+<file path=ppt/slides/slide9.xml><?xml version="1.0" encoding="utf-8"?>
 <p:sld xmlns:a="http://schemas.openxmlformats.org/drawingml/2006/main" xmlns:r="http://schemas.openxmlformats.org/officeDocument/2006/relationships" xmlns:p="http://schemas.openxmlformats.org/presentationml/2006/main">
   <p:cSld>
     <p:spTree>
@@ -21856,7 +26037,7 @@
                 <a:latin typeface="Cascadia Code" panose="020B0609020000020004" pitchFamily="49" charset="0"/>
                 <a:cs typeface="Cascadia Code" panose="020B0609020000020004" pitchFamily="49" charset="0"/>
               </a:rPr>
-              <a:t>" Version="3.1.3" /&gt;</a:t>
+              <a:t>" Version="3.2.0" /&gt;</a:t>
             </a:r>
           </a:p>
           <a:p>
@@ -21865,15 +26046,7 @@
           <a:p>
             <a:r>
               <a:rPr lang="da-DK" dirty="0"/>
-              <a:t>Microsoft </a:t>
-            </a:r>
-            <a:r>
-              <a:rPr lang="da-DK" dirty="0" err="1"/>
-              <a:t>provided</a:t>
-            </a:r>
-            <a:r>
-              <a:rPr lang="da-DK" dirty="0"/>
-              <a:t> alternative (</a:t>
+              <a:t>Microsoft alternative (</a:t>
             </a:r>
             <a:r>
               <a:rPr lang="da-DK" dirty="0" err="1"/>
@@ -21881,7 +26054,7 @@
             </a:r>
             <a:r>
               <a:rPr lang="da-DK" dirty="0"/>
-              <a:t> features): </a:t>
+              <a:t> features and no VS support): </a:t>
             </a:r>
             <a:br>
               <a:rPr lang="da-DK" dirty="0"/>
@@ -21905,217 +26078,6 @@
     <p:extLst>
       <p:ext uri="{BB962C8B-B14F-4D97-AF65-F5344CB8AC3E}">
         <p14:creationId xmlns:p14="http://schemas.microsoft.com/office/powerpoint/2010/main" val="2361240370"/>
-      </p:ext>
-    </p:extLst>
-  </p:cSld>
-  <p:clrMapOvr>
-    <a:masterClrMapping/>
-  </p:clrMapOvr>
-</p:sld>
-</file>
-
-<file path=ppt/slides/slide9.xml><?xml version="1.0" encoding="utf-8"?>
-<p:sld xmlns:a="http://schemas.openxmlformats.org/drawingml/2006/main" xmlns:r="http://schemas.openxmlformats.org/officeDocument/2006/relationships" xmlns:p="http://schemas.openxmlformats.org/presentationml/2006/main">
-  <p:cSld>
-    <p:spTree>
-      <p:nvGrpSpPr>
-        <p:cNvPr id="1" name="">
-          <a:extLst>
-            <a:ext uri="{FF2B5EF4-FFF2-40B4-BE49-F238E27FC236}">
-              <a16:creationId xmlns:a16="http://schemas.microsoft.com/office/drawing/2014/main" id="{6CD2D0EA-9571-6638-63EE-9C6A1B3E3A52}"/>
-            </a:ext>
-          </a:extLst>
-        </p:cNvPr>
-        <p:cNvGrpSpPr/>
-        <p:nvPr/>
-      </p:nvGrpSpPr>
-      <p:grpSpPr>
-        <a:xfrm>
-          <a:off x="0" y="0"/>
-          <a:ext cx="0" cy="0"/>
-          <a:chOff x="0" y="0"/>
-          <a:chExt cx="0" cy="0"/>
-        </a:xfrm>
-      </p:grpSpPr>
-      <p:sp>
-        <p:nvSpPr>
-          <p:cNvPr id="2" name="Title 1">
-            <a:extLst>
-              <a:ext uri="{FF2B5EF4-FFF2-40B4-BE49-F238E27FC236}">
-                <a16:creationId xmlns:a16="http://schemas.microsoft.com/office/drawing/2014/main" id="{AAF77172-1038-6046-9795-E9A3A2604BC6}"/>
-              </a:ext>
-            </a:extLst>
-          </p:cNvPr>
-          <p:cNvSpPr>
-            <a:spLocks noGrp="1"/>
-          </p:cNvSpPr>
-          <p:nvPr>
-            <p:ph type="title"/>
-          </p:nvPr>
-        </p:nvSpPr>
-        <p:spPr/>
-        <p:txBody>
-          <a:bodyPr/>
-          <a:lstStyle/>
-          <a:p>
-            <a:r>
-              <a:rPr lang="da-DK" dirty="0" err="1"/>
-              <a:t>ErikEJ.DacFX.SqlServer.Rules</a:t>
-            </a:r>
-            <a:endParaRPr lang="en-DK" dirty="0"/>
-          </a:p>
-        </p:txBody>
-      </p:sp>
-      <p:sp>
-        <p:nvSpPr>
-          <p:cNvPr id="3" name="Content Placeholder 2">
-            <a:extLst>
-              <a:ext uri="{FF2B5EF4-FFF2-40B4-BE49-F238E27FC236}">
-                <a16:creationId xmlns:a16="http://schemas.microsoft.com/office/drawing/2014/main" id="{B8276A9B-29EB-222D-DB62-E5EDE957809A}"/>
-              </a:ext>
-            </a:extLst>
-          </p:cNvPr>
-          <p:cNvSpPr>
-            <a:spLocks noGrp="1"/>
-          </p:cNvSpPr>
-          <p:nvPr>
-            <p:ph idx="1"/>
-          </p:nvPr>
-        </p:nvSpPr>
-        <p:spPr/>
-        <p:txBody>
-          <a:bodyPr/>
-          <a:lstStyle/>
-          <a:p>
-            <a:r>
-              <a:rPr lang="da-DK" dirty="0" err="1"/>
-              <a:t>Rule</a:t>
-            </a:r>
-            <a:r>
-              <a:rPr lang="da-DK" dirty="0"/>
-              <a:t> sets with 140 </a:t>
-            </a:r>
-            <a:r>
-              <a:rPr lang="da-DK" dirty="0" err="1"/>
-              <a:t>rules</a:t>
-            </a:r>
-            <a:r>
-              <a:rPr lang="da-DK" dirty="0"/>
-              <a:t> for </a:t>
-            </a:r>
-            <a:r>
-              <a:rPr lang="da-DK" dirty="0" err="1"/>
-              <a:t>inclusion</a:t>
-            </a:r>
-            <a:r>
-              <a:rPr lang="da-DK" dirty="0"/>
-              <a:t> in SQL Database </a:t>
-            </a:r>
-            <a:r>
-              <a:rPr lang="da-DK" dirty="0" err="1"/>
-              <a:t>project</a:t>
-            </a:r>
-            <a:endParaRPr lang="da-DK" dirty="0"/>
-          </a:p>
-          <a:p>
-            <a:pPr marL="0" indent="0">
-              <a:buNone/>
-            </a:pPr>
-            <a:endParaRPr lang="da-DK" dirty="0"/>
-          </a:p>
-          <a:p>
-            <a:pPr marL="0" indent="0">
-              <a:buNone/>
-            </a:pPr>
-            <a:r>
-              <a:rPr lang="da-DK" dirty="0" err="1">
-                <a:latin typeface="Cascadia Code" panose="020B0609020000020004" pitchFamily="49" charset="0"/>
-                <a:cs typeface="Cascadia Code" panose="020B0609020000020004" pitchFamily="49" charset="0"/>
-              </a:rPr>
-              <a:t>dotnet</a:t>
-            </a:r>
-            <a:r>
-              <a:rPr lang="da-DK" dirty="0">
-                <a:latin typeface="Cascadia Code" panose="020B0609020000020004" pitchFamily="49" charset="0"/>
-                <a:cs typeface="Cascadia Code" panose="020B0609020000020004" pitchFamily="49" charset="0"/>
-              </a:rPr>
-              <a:t> </a:t>
-            </a:r>
-            <a:r>
-              <a:rPr lang="da-DK" dirty="0" err="1">
-                <a:latin typeface="Cascadia Code" panose="020B0609020000020004" pitchFamily="49" charset="0"/>
-                <a:cs typeface="Cascadia Code" panose="020B0609020000020004" pitchFamily="49" charset="0"/>
-              </a:rPr>
-              <a:t>add</a:t>
-            </a:r>
-            <a:r>
-              <a:rPr lang="da-DK" dirty="0">
-                <a:latin typeface="Cascadia Code" panose="020B0609020000020004" pitchFamily="49" charset="0"/>
-                <a:cs typeface="Cascadia Code" panose="020B0609020000020004" pitchFamily="49" charset="0"/>
-              </a:rPr>
-              <a:t> </a:t>
-            </a:r>
-            <a:r>
-              <a:rPr lang="da-DK" dirty="0" err="1">
-                <a:latin typeface="Cascadia Code" panose="020B0609020000020004" pitchFamily="49" charset="0"/>
-                <a:cs typeface="Cascadia Code" panose="020B0609020000020004" pitchFamily="49" charset="0"/>
-              </a:rPr>
-              <a:t>package</a:t>
-            </a:r>
-            <a:r>
-              <a:rPr lang="da-DK" dirty="0">
-                <a:latin typeface="Cascadia Code" panose="020B0609020000020004" pitchFamily="49" charset="0"/>
-                <a:cs typeface="Cascadia Code" panose="020B0609020000020004" pitchFamily="49" charset="0"/>
-              </a:rPr>
-              <a:t> </a:t>
-            </a:r>
-            <a:r>
-              <a:rPr lang="da-DK" dirty="0" err="1">
-                <a:latin typeface="Cascadia Code" panose="020B0609020000020004" pitchFamily="49" charset="0"/>
-                <a:cs typeface="Cascadia Code" panose="020B0609020000020004" pitchFamily="49" charset="0"/>
-              </a:rPr>
-              <a:t>ErikEJ.DacFX.SqlServer.Rules</a:t>
-            </a:r>
-            <a:endParaRPr lang="da-DK" dirty="0">
-              <a:latin typeface="Cascadia Code" panose="020B0609020000020004" pitchFamily="49" charset="0"/>
-              <a:cs typeface="Cascadia Code" panose="020B0609020000020004" pitchFamily="49" charset="0"/>
-            </a:endParaRPr>
-          </a:p>
-          <a:p>
-            <a:endParaRPr lang="da-DK" dirty="0"/>
-          </a:p>
-          <a:p>
-            <a:pPr marL="0" indent="0">
-              <a:buNone/>
-            </a:pPr>
-            <a:r>
-              <a:rPr lang="da-DK" dirty="0"/>
-              <a:t>(</a:t>
-            </a:r>
-            <a:r>
-              <a:rPr lang="da-DK" dirty="0" err="1"/>
-              <a:t>also</a:t>
-            </a:r>
-            <a:r>
-              <a:rPr lang="da-DK" dirty="0"/>
-              <a:t> </a:t>
-            </a:r>
-            <a:r>
-              <a:rPr lang="da-DK" dirty="0" err="1"/>
-              <a:t>ErikEJ.DacFX.TSQLSmellSCA</a:t>
-            </a:r>
-            <a:r>
-              <a:rPr lang="da-DK" dirty="0"/>
-              <a:t>)</a:t>
-            </a:r>
-            <a:endParaRPr lang="en-DK" dirty="0"/>
-          </a:p>
-        </p:txBody>
-      </p:sp>
-    </p:spTree>
-    <p:extLst>
-      <p:ext uri="{BB962C8B-B14F-4D97-AF65-F5344CB8AC3E}">
-        <p14:creationId xmlns:p14="http://schemas.microsoft.com/office/powerpoint/2010/main" val="1873769460"/>
       </p:ext>
     </p:extLst>
   </p:cSld>
